--- a/Employee Attrition Prediction Presentation.pptx
+++ b/Employee Attrition Prediction Presentation.pptx
@@ -18,6 +18,7 @@
     <p:sldId id="263" r:id="rId12"/>
     <p:sldId id="271" r:id="rId13"/>
     <p:sldId id="264" r:id="rId14"/>
+    <p:sldId id="272" r:id="rId15"/>
   </p:sldIdLst>
   <p:sldSz cx="12192000" cy="6858000"/>
   <p:notesSz cx="6858000" cy="9144000"/>
@@ -3638,6 +3639,119 @@
 </p:sld>
 </file>
 
+<file path=ppt/slides/slide14.xml><?xml version="1.0" encoding="utf-8"?>
+<p:sld xmlns:a="http://schemas.openxmlformats.org/drawingml/2006/main" xmlns:r="http://schemas.openxmlformats.org/officeDocument/2006/relationships" xmlns:p="http://schemas.openxmlformats.org/presentationml/2006/main">
+  <p:cSld>
+    <p:spTree>
+      <p:nvGrpSpPr>
+        <p:cNvPr id="1" name=""/>
+        <p:cNvGrpSpPr/>
+        <p:nvPr/>
+      </p:nvGrpSpPr>
+      <p:grpSpPr>
+        <a:xfrm>
+          <a:off x="0" y="0"/>
+          <a:ext cx="0" cy="0"/>
+          <a:chOff x="0" y="0"/>
+          <a:chExt cx="0" cy="0"/>
+        </a:xfrm>
+      </p:grpSpPr>
+      <p:sp>
+        <p:nvSpPr>
+          <p:cNvPr id="2" name="Title 1">
+            <a:extLst>
+              <a:ext uri="{FF2B5EF4-FFF2-40B4-BE49-F238E27FC236}">
+                <a16:creationId xmlns:a16="http://schemas.microsoft.com/office/drawing/2014/main" id="{0717DF19-5012-94CE-8777-EA0983D7D805}"/>
+              </a:ext>
+            </a:extLst>
+          </p:cNvPr>
+          <p:cNvSpPr>
+            <a:spLocks noGrp="1"/>
+          </p:cNvSpPr>
+          <p:nvPr>
+            <p:ph type="title"/>
+          </p:nvPr>
+        </p:nvSpPr>
+        <p:spPr/>
+        <p:txBody>
+          <a:bodyPr/>
+          <a:lstStyle/>
+          <a:p>
+            <a:r>
+              <a:rPr lang="en-GB" dirty="0"/>
+              <a:t>Sources</a:t>
+            </a:r>
+          </a:p>
+        </p:txBody>
+      </p:sp>
+      <p:sp>
+        <p:nvSpPr>
+          <p:cNvPr id="3" name="Content Placeholder 2">
+            <a:extLst>
+              <a:ext uri="{FF2B5EF4-FFF2-40B4-BE49-F238E27FC236}">
+                <a16:creationId xmlns:a16="http://schemas.microsoft.com/office/drawing/2014/main" id="{0024DF02-DE7E-B92C-0814-439A51FD7BEB}"/>
+              </a:ext>
+            </a:extLst>
+          </p:cNvPr>
+          <p:cNvSpPr>
+            <a:spLocks noGrp="1"/>
+          </p:cNvSpPr>
+          <p:nvPr>
+            <p:ph idx="1"/>
+          </p:nvPr>
+        </p:nvSpPr>
+        <p:spPr/>
+        <p:txBody>
+          <a:bodyPr/>
+          <a:lstStyle/>
+          <a:p>
+            <a:r>
+              <a:rPr lang="en-GB"/>
+              <a:t>Dataset: </a:t>
+            </a:r>
+            <a:r>
+              <a:rPr lang="en-GB">
+                <a:hlinkClick r:id="rId2"/>
+              </a:rPr>
+              <a:t>https://www.kaggle.com/datasets/pavansubhasht/ibm-hr-analytics-attrition-dataset/discussion/233758</a:t>
+            </a:r>
+            <a:endParaRPr lang="en-GB"/>
+          </a:p>
+          <a:p>
+            <a:r>
+              <a:rPr lang="en-GB"/>
+              <a:t>Help</a:t>
+            </a:r>
+            <a:r>
+              <a:rPr lang="en-GB" dirty="0"/>
+              <a:t>: </a:t>
+            </a:r>
+            <a:r>
+              <a:rPr lang="en-GB" dirty="0">
+                <a:hlinkClick r:id="rId3"/>
+              </a:rPr>
+              <a:t>https://inseaddataanalytics.github.io/INSEADAnalytics/groupprojects/January2018FBL/IBM_Attrition_VSS.html</a:t>
+            </a:r>
+            <a:endParaRPr lang="en-GB" dirty="0"/>
+          </a:p>
+          <a:p>
+            <a:endParaRPr lang="en-GB" dirty="0"/>
+          </a:p>
+        </p:txBody>
+      </p:sp>
+    </p:spTree>
+    <p:extLst>
+      <p:ext uri="{BB962C8B-B14F-4D97-AF65-F5344CB8AC3E}">
+        <p14:creationId xmlns:p14="http://schemas.microsoft.com/office/powerpoint/2010/main" val="1949137164"/>
+      </p:ext>
+    </p:extLst>
+  </p:cSld>
+  <p:clrMapOvr>
+    <a:masterClrMapping/>
+  </p:clrMapOvr>
+</p:sld>
+</file>
+
 <file path=ppt/slides/slide2.xml><?xml version="1.0" encoding="utf-8"?>
 <p:sld xmlns:a="http://schemas.openxmlformats.org/drawingml/2006/main" xmlns:r="http://schemas.openxmlformats.org/officeDocument/2006/relationships" xmlns:p="http://schemas.openxmlformats.org/presentationml/2006/main">
   <p:cSld>

--- a/Employee Attrition Prediction Presentation.pptx
+++ b/Employee Attrition Prediction Presentation.pptx
@@ -266,7 +266,7 @@
           <a:p>
             <a:fld id="{846CE7D5-CF57-46EF-B807-FDD0502418D4}" type="datetimeFigureOut">
               <a:rPr lang="en-US" smtClean="0"/>
-              <a:t>7/15/2024</a:t>
+              <a:t>7/16/2024</a:t>
             </a:fld>
             <a:endParaRPr lang="en-US"/>
           </a:p>
@@ -436,7 +436,7 @@
           <a:p>
             <a:fld id="{846CE7D5-CF57-46EF-B807-FDD0502418D4}" type="datetimeFigureOut">
               <a:rPr lang="en-US" smtClean="0"/>
-              <a:t>7/15/2024</a:t>
+              <a:t>7/16/2024</a:t>
             </a:fld>
             <a:endParaRPr lang="en-US"/>
           </a:p>
@@ -616,7 +616,7 @@
           <a:p>
             <a:fld id="{846CE7D5-CF57-46EF-B807-FDD0502418D4}" type="datetimeFigureOut">
               <a:rPr lang="en-US" smtClean="0"/>
-              <a:t>7/15/2024</a:t>
+              <a:t>7/16/2024</a:t>
             </a:fld>
             <a:endParaRPr lang="en-US"/>
           </a:p>
@@ -786,7 +786,7 @@
           <a:p>
             <a:fld id="{846CE7D5-CF57-46EF-B807-FDD0502418D4}" type="datetimeFigureOut">
               <a:rPr lang="en-US" smtClean="0"/>
-              <a:t>7/15/2024</a:t>
+              <a:t>7/16/2024</a:t>
             </a:fld>
             <a:endParaRPr lang="en-US"/>
           </a:p>
@@ -1032,7 +1032,7 @@
           <a:p>
             <a:fld id="{846CE7D5-CF57-46EF-B807-FDD0502418D4}" type="datetimeFigureOut">
               <a:rPr lang="en-US" smtClean="0"/>
-              <a:t>7/15/2024</a:t>
+              <a:t>7/16/2024</a:t>
             </a:fld>
             <a:endParaRPr lang="en-US"/>
           </a:p>
@@ -1264,7 +1264,7 @@
           <a:p>
             <a:fld id="{846CE7D5-CF57-46EF-B807-FDD0502418D4}" type="datetimeFigureOut">
               <a:rPr lang="en-US" smtClean="0"/>
-              <a:t>7/15/2024</a:t>
+              <a:t>7/16/2024</a:t>
             </a:fld>
             <a:endParaRPr lang="en-US"/>
           </a:p>
@@ -1631,7 +1631,7 @@
           <a:p>
             <a:fld id="{846CE7D5-CF57-46EF-B807-FDD0502418D4}" type="datetimeFigureOut">
               <a:rPr lang="en-US" smtClean="0"/>
-              <a:t>7/15/2024</a:t>
+              <a:t>7/16/2024</a:t>
             </a:fld>
             <a:endParaRPr lang="en-US"/>
           </a:p>
@@ -1749,7 +1749,7 @@
           <a:p>
             <a:fld id="{846CE7D5-CF57-46EF-B807-FDD0502418D4}" type="datetimeFigureOut">
               <a:rPr lang="en-US" smtClean="0"/>
-              <a:t>7/15/2024</a:t>
+              <a:t>7/16/2024</a:t>
             </a:fld>
             <a:endParaRPr lang="en-US"/>
           </a:p>
@@ -1844,7 +1844,7 @@
           <a:p>
             <a:fld id="{846CE7D5-CF57-46EF-B807-FDD0502418D4}" type="datetimeFigureOut">
               <a:rPr lang="en-US" smtClean="0"/>
-              <a:t>7/15/2024</a:t>
+              <a:t>7/16/2024</a:t>
             </a:fld>
             <a:endParaRPr lang="en-US"/>
           </a:p>
@@ -2121,7 +2121,7 @@
           <a:p>
             <a:fld id="{846CE7D5-CF57-46EF-B807-FDD0502418D4}" type="datetimeFigureOut">
               <a:rPr lang="en-US" smtClean="0"/>
-              <a:t>7/15/2024</a:t>
+              <a:t>7/16/2024</a:t>
             </a:fld>
             <a:endParaRPr lang="en-US"/>
           </a:p>
@@ -2378,7 +2378,7 @@
           <a:p>
             <a:fld id="{846CE7D5-CF57-46EF-B807-FDD0502418D4}" type="datetimeFigureOut">
               <a:rPr lang="en-US" smtClean="0"/>
-              <a:t>7/15/2024</a:t>
+              <a:t>7/16/2024</a:t>
             </a:fld>
             <a:endParaRPr lang="en-US"/>
           </a:p>
@@ -2591,7 +2591,7 @@
           <a:p>
             <a:fld id="{846CE7D5-CF57-46EF-B807-FDD0502418D4}" type="datetimeFigureOut">
               <a:rPr lang="en-US" smtClean="0"/>
-              <a:t>7/15/2024</a:t>
+              <a:t>7/16/2024</a:t>
             </a:fld>
             <a:endParaRPr lang="en-US"/>
           </a:p>
@@ -3706,25 +3706,21 @@
           <a:lstStyle/>
           <a:p>
             <a:r>
-              <a:rPr lang="en-GB"/>
+              <a:rPr lang="en-GB" dirty="0"/>
               <a:t>Dataset: </a:t>
             </a:r>
             <a:r>
-              <a:rPr lang="en-GB">
+              <a:rPr lang="en-GB" dirty="0">
                 <a:hlinkClick r:id="rId2"/>
               </a:rPr>
               <a:t>https://www.kaggle.com/datasets/pavansubhasht/ibm-hr-analytics-attrition-dataset/discussion/233758</a:t>
             </a:r>
-            <a:endParaRPr lang="en-GB"/>
-          </a:p>
-          <a:p>
-            <a:r>
-              <a:rPr lang="en-GB"/>
-              <a:t>Help</a:t>
-            </a:r>
+            <a:endParaRPr lang="en-GB" dirty="0"/>
+          </a:p>
+          <a:p>
             <a:r>
               <a:rPr lang="en-GB" dirty="0"/>
-              <a:t>: </a:t>
+              <a:t>Help: </a:t>
             </a:r>
             <a:r>
               <a:rPr lang="en-GB" dirty="0">
@@ -3732,6 +3728,23 @@
               </a:rPr>
               <a:t>https://inseaddataanalytics.github.io/INSEADAnalytics/groupprojects/January2018FBL/IBM_Attrition_VSS.html</a:t>
             </a:r>
+            <a:endParaRPr lang="en-GB" dirty="0"/>
+          </a:p>
+          <a:p>
+            <a:r>
+              <a:rPr lang="en-GB" dirty="0" err="1"/>
+              <a:t>Coefs</a:t>
+            </a:r>
+            <a:r>
+              <a:rPr lang="en-GB"/>
+              <a:t>: https</a:t>
+            </a:r>
+            <a:r>
+              <a:rPr lang="en-GB" dirty="0"/>
+              <a:t>://towardsdatascience.com/interpreting-coefficients-in-linear-and-logistic-regression-6ddf1295f6f1</a:t>
+            </a:r>
+          </a:p>
+          <a:p>
             <a:endParaRPr lang="en-GB" dirty="0"/>
           </a:p>
           <a:p>

--- a/Employee Attrition Prediction Presentation.pptx
+++ b/Employee Attrition Prediction Presentation.pptx
@@ -5,20 +5,22 @@
     <p:sldMasterId id="2147483660" r:id="rId1"/>
   </p:sldMasterIdLst>
   <p:sldIdLst>
-    <p:sldId id="256" r:id="rId2"/>
+    <p:sldId id="273" r:id="rId2"/>
     <p:sldId id="265" r:id="rId3"/>
     <p:sldId id="266" r:id="rId4"/>
     <p:sldId id="267" r:id="rId5"/>
-    <p:sldId id="268" r:id="rId6"/>
-    <p:sldId id="269" r:id="rId7"/>
-    <p:sldId id="260" r:id="rId8"/>
-    <p:sldId id="261" r:id="rId9"/>
-    <p:sldId id="270" r:id="rId10"/>
-    <p:sldId id="262" r:id="rId11"/>
-    <p:sldId id="263" r:id="rId12"/>
-    <p:sldId id="271" r:id="rId13"/>
-    <p:sldId id="264" r:id="rId14"/>
-    <p:sldId id="272" r:id="rId15"/>
+    <p:sldId id="274" r:id="rId6"/>
+    <p:sldId id="275" r:id="rId7"/>
+    <p:sldId id="268" r:id="rId8"/>
+    <p:sldId id="260" r:id="rId9"/>
+    <p:sldId id="269" r:id="rId10"/>
+    <p:sldId id="261" r:id="rId11"/>
+    <p:sldId id="270" r:id="rId12"/>
+    <p:sldId id="262" r:id="rId13"/>
+    <p:sldId id="263" r:id="rId14"/>
+    <p:sldId id="271" r:id="rId15"/>
+    <p:sldId id="264" r:id="rId16"/>
+    <p:sldId id="272" r:id="rId17"/>
   </p:sldIdLst>
   <p:sldSz cx="12192000" cy="6858000"/>
   <p:notesSz cx="6858000" cy="9144000"/>
@@ -2982,6 +2984,14 @@
 <file path=ppt/slides/slide1.xml><?xml version="1.0" encoding="utf-8"?>
 <p:sld xmlns:a="http://schemas.openxmlformats.org/drawingml/2006/main" xmlns:r="http://schemas.openxmlformats.org/officeDocument/2006/relationships" xmlns:p="http://schemas.openxmlformats.org/presentationml/2006/main">
   <p:cSld>
+    <p:bg>
+      <p:bgPr>
+        <a:solidFill>
+          <a:srgbClr val="000000"/>
+        </a:solidFill>
+        <a:effectLst/>
+      </p:bgPr>
+    </p:bg>
     <p:spTree>
       <p:nvGrpSpPr>
         <p:cNvPr id="1" name=""/>
@@ -2998,7 +3008,107 @@
       </p:grpSpPr>
       <p:sp>
         <p:nvSpPr>
-          <p:cNvPr id="2" name="Title 1"/>
+          <p:cNvPr id="11" name="Rectangle 10">
+            <a:extLst>
+              <a:ext uri="{FF2B5EF4-FFF2-40B4-BE49-F238E27FC236}">
+                <a16:creationId xmlns:a16="http://schemas.microsoft.com/office/drawing/2014/main" id="{71B2258F-86CA-4D4D-8270-BC05FCDEBFB3}"/>
+              </a:ext>
+              <a:ext uri="{C183D7F6-B498-43B3-948B-1728B52AA6E4}">
+                <adec:decorative xmlns:adec="http://schemas.microsoft.com/office/drawing/2017/decorative" val="1"/>
+              </a:ext>
+            </a:extLst>
+          </p:cNvPr>
+          <p:cNvSpPr>
+            <a:spLocks noGrp="1" noRot="1" noChangeAspect="1" noMove="1" noResize="1" noEditPoints="1" noAdjustHandles="1" noChangeArrowheads="1" noChangeShapeType="1" noTextEdit="1"/>
+          </p:cNvSpPr>
+          <p:nvPr>
+            <p:extLst>
+              <p:ext uri="{386F3935-93C4-4BCD-93E2-E3B085C9AB24}">
+                <p16:designElem xmlns:p16="http://schemas.microsoft.com/office/powerpoint/2015/main" val="1"/>
+              </p:ext>
+            </p:extLst>
+          </p:nvPr>
+        </p:nvSpPr>
+        <p:spPr>
+          <a:xfrm>
+            <a:off x="0" y="0"/>
+            <a:ext cx="12192000" cy="6857999"/>
+          </a:xfrm>
+          <a:prstGeom prst="rect">
+            <a:avLst/>
+          </a:prstGeom>
+          <a:solidFill>
+            <a:srgbClr val="000000"/>
+          </a:solidFill>
+          <a:ln>
+            <a:noFill/>
+          </a:ln>
+        </p:spPr>
+        <p:style>
+          <a:lnRef idx="2">
+            <a:schemeClr val="accent1">
+              <a:shade val="50000"/>
+            </a:schemeClr>
+          </a:lnRef>
+          <a:fillRef idx="1">
+            <a:schemeClr val="accent1"/>
+          </a:fillRef>
+          <a:effectRef idx="0">
+            <a:schemeClr val="accent1"/>
+          </a:effectRef>
+          <a:fontRef idx="minor">
+            <a:schemeClr val="lt1"/>
+          </a:fontRef>
+        </p:style>
+        <p:txBody>
+          <a:bodyPr rtlCol="0" anchor="ctr"/>
+          <a:lstStyle/>
+          <a:p>
+            <a:pPr algn="ctr"/>
+            <a:endParaRPr lang="en-US"/>
+          </a:p>
+        </p:txBody>
+      </p:sp>
+      <p:pic>
+        <p:nvPicPr>
+          <p:cNvPr id="7" name="Picture 6">
+            <a:extLst>
+              <a:ext uri="{FF2B5EF4-FFF2-40B4-BE49-F238E27FC236}">
+                <a16:creationId xmlns:a16="http://schemas.microsoft.com/office/drawing/2014/main" id="{2DD1CDA9-B7A3-5135-6DEC-2C3815E2B056}"/>
+              </a:ext>
+            </a:extLst>
+          </p:cNvPr>
+          <p:cNvPicPr>
+            <a:picLocks noChangeAspect="1"/>
+          </p:cNvPicPr>
+          <p:nvPr/>
+        </p:nvPicPr>
+        <p:blipFill>
+          <a:blip r:embed="rId2">
+            <a:alphaModFix amt="50000"/>
+          </a:blip>
+          <a:srcRect t="5890" b="4110"/>
+          <a:stretch/>
+        </p:blipFill>
+        <p:spPr>
+          <a:xfrm>
+            <a:off x="20" y="1"/>
+            <a:ext cx="12191980" cy="6857999"/>
+          </a:xfrm>
+          <a:prstGeom prst="rect">
+            <a:avLst/>
+          </a:prstGeom>
+        </p:spPr>
+      </p:pic>
+      <p:sp>
+        <p:nvSpPr>
+          <p:cNvPr id="4" name="Title 3">
+            <a:extLst>
+              <a:ext uri="{FF2B5EF4-FFF2-40B4-BE49-F238E27FC236}">
+                <a16:creationId xmlns:a16="http://schemas.microsoft.com/office/drawing/2014/main" id="{63CD3A99-FEC9-A424-5A20-66F146FCD95C}"/>
+              </a:ext>
+            </a:extLst>
+          </p:cNvPr>
           <p:cNvSpPr>
             <a:spLocks noGrp="1"/>
           </p:cNvSpPr>
@@ -3006,7 +3116,12 @@
             <p:ph type="ctrTitle"/>
           </p:nvPr>
         </p:nvSpPr>
-        <p:spPr/>
+        <p:spPr>
+          <a:xfrm>
+            <a:off x="1524000" y="1122362"/>
+            <a:ext cx="9144000" cy="2900518"/>
+          </a:xfrm>
+        </p:spPr>
         <p:txBody>
           <a:bodyPr>
             <a:normAutofit/>
@@ -3014,15 +3129,30 @@
           <a:lstStyle/>
           <a:p>
             <a:r>
-              <a:rPr lang="en-US" dirty="0"/>
+              <a:rPr lang="en-US">
+                <a:solidFill>
+                  <a:srgbClr val="FFFFFF"/>
+                </a:solidFill>
+              </a:rPr>
               <a:t>Project 4 – Predicting Employee Attrition</a:t>
             </a:r>
-          </a:p>
-        </p:txBody>
-      </p:sp>
-      <p:sp>
-        <p:nvSpPr>
-          <p:cNvPr id="3" name="Subtitle 2"/>
+            <a:endParaRPr lang="en-GB">
+              <a:solidFill>
+                <a:srgbClr val="FFFFFF"/>
+              </a:solidFill>
+            </a:endParaRPr>
+          </a:p>
+        </p:txBody>
+      </p:sp>
+      <p:sp>
+        <p:nvSpPr>
+          <p:cNvPr id="5" name="Subtitle 4">
+            <a:extLst>
+              <a:ext uri="{FF2B5EF4-FFF2-40B4-BE49-F238E27FC236}">
+                <a16:creationId xmlns:a16="http://schemas.microsoft.com/office/drawing/2014/main" id="{3F404467-4F91-C465-8AD0-1C01A3E3D7FB}"/>
+              </a:ext>
+            </a:extLst>
+          </p:cNvPr>
           <p:cNvSpPr>
             <a:spLocks noGrp="1"/>
           </p:cNvSpPr>
@@ -3030,70 +3160,35 @@
             <p:ph type="subTitle" idx="1"/>
           </p:nvPr>
         </p:nvSpPr>
-        <p:spPr/>
-        <p:txBody>
-          <a:bodyPr vert="horz" lIns="91440" tIns="45720" rIns="91440" bIns="45720" rtlCol="0" anchor="t">
+        <p:spPr>
+          <a:xfrm>
+            <a:off x="1524000" y="4159404"/>
+            <a:ext cx="9144000" cy="1098395"/>
+          </a:xfrm>
+        </p:spPr>
+        <p:txBody>
+          <a:bodyPr>
             <a:normAutofit/>
           </a:bodyPr>
           <a:lstStyle/>
           <a:p>
-            <a:pPr>
-              <a:lnSpc>
-                <a:spcPct val="115000"/>
-              </a:lnSpc>
-            </a:pPr>
-            <a:r>
-              <a:rPr lang="en-GB" sz="1800" dirty="0">
+            <a:r>
+              <a:rPr lang="en-GB">
+                <a:solidFill>
+                  <a:srgbClr val="FFFFFF"/>
+                </a:solidFill>
                 <a:effectLst/>
                 <a:latin typeface="Arial" panose="020B0604020202020204" pitchFamily="34" charset="0"/>
                 <a:ea typeface="Arial" panose="020B0604020202020204" pitchFamily="34" charset="0"/>
               </a:rPr>
-              <a:t>Ayesha Maryam, </a:t>
-            </a:r>
-            <a:r>
-              <a:rPr lang="en-GB" sz="1800" dirty="0" err="1">
-                <a:effectLst/>
-                <a:latin typeface="Arial" panose="020B0604020202020204" pitchFamily="34" charset="0"/>
-                <a:ea typeface="Arial" panose="020B0604020202020204" pitchFamily="34" charset="0"/>
-              </a:rPr>
-              <a:t>Athul</a:t>
-            </a:r>
-            <a:r>
-              <a:rPr lang="en-GB" sz="1800" dirty="0">
-                <a:effectLst/>
-                <a:latin typeface="Arial" panose="020B0604020202020204" pitchFamily="34" charset="0"/>
-                <a:ea typeface="Arial" panose="020B0604020202020204" pitchFamily="34" charset="0"/>
-              </a:rPr>
-              <a:t> </a:t>
-            </a:r>
-            <a:r>
-              <a:rPr lang="en-GB" sz="1800" dirty="0" err="1">
-                <a:effectLst/>
-                <a:latin typeface="Arial" panose="020B0604020202020204" pitchFamily="34" charset="0"/>
-                <a:ea typeface="Arial" panose="020B0604020202020204" pitchFamily="34" charset="0"/>
-              </a:rPr>
-              <a:t>Madhusudhanan</a:t>
-            </a:r>
-            <a:r>
-              <a:rPr lang="en-GB" sz="1800" dirty="0">
-                <a:effectLst/>
-                <a:latin typeface="Arial" panose="020B0604020202020204" pitchFamily="34" charset="0"/>
-                <a:ea typeface="Arial" panose="020B0604020202020204" pitchFamily="34" charset="0"/>
-              </a:rPr>
-              <a:t>, Mujahid Iqbal, Edward Vaughan, Daniel </a:t>
-            </a:r>
-            <a:r>
-              <a:rPr lang="en-GB" sz="1800" dirty="0" err="1">
-                <a:effectLst/>
-                <a:latin typeface="Arial" panose="020B0604020202020204" pitchFamily="34" charset="0"/>
-                <a:ea typeface="Arial" panose="020B0604020202020204" pitchFamily="34" charset="0"/>
-              </a:rPr>
-              <a:t>Daniel</a:t>
-            </a:r>
-            <a:endParaRPr lang="en-GB" sz="1800" dirty="0">
-              <a:effectLst/>
-              <a:latin typeface="Arial" panose="020B0604020202020204" pitchFamily="34" charset="0"/>
-              <a:ea typeface="Arial" panose="020B0604020202020204" pitchFamily="34" charset="0"/>
+              <a:t>Ayesha Maryam, Athul Madhusudhanan, Mujahid Iqbal, Edward Vaughan, Daniel Daniel</a:t>
+            </a:r>
+          </a:p>
+          <a:p>
+            <a:endParaRPr lang="en-GB">
+              <a:solidFill>
+                <a:srgbClr val="FFFFFF"/>
+              </a:solidFill>
             </a:endParaRPr>
           </a:p>
         </p:txBody>
@@ -3101,12 +3196,12 @@
     </p:spTree>
     <p:extLst>
       <p:ext uri="{BB962C8B-B14F-4D97-AF65-F5344CB8AC3E}">
-        <p14:creationId xmlns:p14="http://schemas.microsoft.com/office/powerpoint/2010/main" val="109857222"/>
+        <p14:creationId xmlns:p14="http://schemas.microsoft.com/office/powerpoint/2010/main" val="3087846069"/>
       </p:ext>
     </p:extLst>
   </p:cSld>
   <p:clrMapOvr>
-    <a:masterClrMapping/>
+    <a:overrideClrMapping bg1="dk1" tx1="lt1" bg2="dk2" tx2="lt2" accent1="accent1" accent2="accent2" accent3="accent3" accent4="accent4" accent5="accent5" accent6="accent6" hlink="hlink" folHlink="folHlink"/>
   </p:clrMapOvr>
 </p:sld>
 </file>
@@ -3133,7 +3228,7 @@
           <p:cNvPr id="2" name="Title 1">
             <a:extLst>
               <a:ext uri="{FF2B5EF4-FFF2-40B4-BE49-F238E27FC236}">
-                <a16:creationId xmlns:a16="http://schemas.microsoft.com/office/drawing/2014/main" id="{BF0ECB2A-3CB9-C62C-B6CD-7F32B97B43F4}"/>
+                <a16:creationId xmlns:a16="http://schemas.microsoft.com/office/drawing/2014/main" id="{65F63569-2D02-F169-A249-3720C534CD7F}"/>
               </a:ext>
             </a:extLst>
           </p:cNvPr>
@@ -3151,7 +3246,7 @@
           <a:p>
             <a:r>
               <a:rPr lang="en-US" dirty="0"/>
-              <a:t>Generate a confusion matrix for the model</a:t>
+              <a:t>Predictions</a:t>
             </a:r>
           </a:p>
         </p:txBody>
@@ -3161,7 +3256,7 @@
           <p:cNvPr id="3" name="Content Placeholder 2">
             <a:extLst>
               <a:ext uri="{FF2B5EF4-FFF2-40B4-BE49-F238E27FC236}">
-                <a16:creationId xmlns:a16="http://schemas.microsoft.com/office/drawing/2014/main" id="{35B981E2-E098-78AB-1E4F-6F401B7EA4DA}"/>
+                <a16:creationId xmlns:a16="http://schemas.microsoft.com/office/drawing/2014/main" id="{92E3B250-AC2D-D651-2E01-8FC8302C9B8E}"/>
               </a:ext>
             </a:extLst>
           </p:cNvPr>
@@ -3184,58 +3279,23 @@
             </a:pPr>
             <a:r>
               <a:rPr lang="en-US" dirty="0"/>
-              <a:t>from </a:t>
+              <a:t>predictions = </a:t>
             </a:r>
             <a:r>
               <a:rPr lang="en-US" dirty="0" err="1"/>
-              <a:t>sklearn.svm</a:t>
+              <a:t>classifier.predict</a:t>
             </a:r>
             <a:r>
               <a:rPr lang="en-US" dirty="0"/>
-              <a:t> import SVC</a:t>
-            </a:r>
-            <a:endParaRPr lang="en-US"/>
-          </a:p>
-          <a:p>
-            <a:pPr marL="0" indent="0">
-              <a:buNone/>
-            </a:pPr>
-            <a:r>
-              <a:rPr lang="en-US" err="1"/>
-              <a:t>confusion_matrix</a:t>
+              <a:t> (</a:t>
+            </a:r>
+            <a:r>
+              <a:rPr lang="en-US" dirty="0" err="1"/>
+              <a:t>X_test</a:t>
             </a:r>
             <a:r>
               <a:rPr lang="en-US" dirty="0"/>
-              <a:t> (</a:t>
-            </a:r>
-            <a:r>
-              <a:rPr lang="en-US" err="1"/>
-              <a:t>y_test</a:t>
-            </a:r>
-            <a:r>
-              <a:rPr lang="en-US" dirty="0"/>
-              <a:t>, predictions)</a:t>
-            </a:r>
-          </a:p>
-          <a:p>
-            <a:endParaRPr lang="en-US" dirty="0"/>
-          </a:p>
-          <a:p>
-            <a:pPr marL="0" indent="0">
-              <a:buNone/>
-            </a:pPr>
-            <a:r>
-              <a:rPr lang="en-US" dirty="0"/>
-              <a:t>Array ([[317, 0].</a:t>
-            </a:r>
-          </a:p>
-          <a:p>
-            <a:pPr marL="914400" lvl="2" indent="0">
-              <a:buNone/>
-            </a:pPr>
-            <a:r>
-              <a:rPr lang="en-US" dirty="0"/>
-              <a:t>     [   50,    1]])</a:t>
+              <a:t>)</a:t>
             </a:r>
           </a:p>
         </p:txBody>
@@ -3243,7 +3303,7 @@
     </p:spTree>
     <p:extLst>
       <p:ext uri="{BB962C8B-B14F-4D97-AF65-F5344CB8AC3E}">
-        <p14:creationId xmlns:p14="http://schemas.microsoft.com/office/powerpoint/2010/main" val="3257887903"/>
+        <p14:creationId xmlns:p14="http://schemas.microsoft.com/office/powerpoint/2010/main" val="2272447324"/>
       </p:ext>
     </p:extLst>
   </p:cSld>
@@ -3275,7 +3335,7 @@
           <p:cNvPr id="2" name="Title 1">
             <a:extLst>
               <a:ext uri="{FF2B5EF4-FFF2-40B4-BE49-F238E27FC236}">
-                <a16:creationId xmlns:a16="http://schemas.microsoft.com/office/drawing/2014/main" id="{AF68FC48-066F-FF53-C720-5FF94DABA870}"/>
+                <a16:creationId xmlns:a16="http://schemas.microsoft.com/office/drawing/2014/main" id="{25460150-BF61-9D75-0274-0AF0E9D282DE}"/>
               </a:ext>
             </a:extLst>
           </p:cNvPr>
@@ -3292,18 +3352,18 @@
           <a:lstStyle/>
           <a:p>
             <a:r>
-              <a:rPr lang="en-US" dirty="0"/>
-              <a:t>Print the classification report for the model</a:t>
-            </a:r>
-          </a:p>
-        </p:txBody>
-      </p:sp>
-      <p:sp>
-        <p:nvSpPr>
-          <p:cNvPr id="3" name="Content Placeholder 2">
+              <a:rPr lang="en-GB" dirty="0"/>
+              <a:t>Evaluation</a:t>
+            </a:r>
+          </a:p>
+        </p:txBody>
+      </p:sp>
+      <p:sp>
+        <p:nvSpPr>
+          <p:cNvPr id="4" name="Text Placeholder 3">
             <a:extLst>
               <a:ext uri="{FF2B5EF4-FFF2-40B4-BE49-F238E27FC236}">
-                <a16:creationId xmlns:a16="http://schemas.microsoft.com/office/drawing/2014/main" id="{963D915B-9385-86E9-A474-DDA53321386E}"/>
+                <a16:creationId xmlns:a16="http://schemas.microsoft.com/office/drawing/2014/main" id="{A7E99FDE-415E-8764-F1A9-2688F1201396}"/>
               </a:ext>
             </a:extLst>
           </p:cNvPr>
@@ -3311,141 +3371,22 @@
             <a:spLocks noGrp="1"/>
           </p:cNvSpPr>
           <p:nvPr>
-            <p:ph idx="1"/>
+            <p:ph type="body" idx="1"/>
           </p:nvPr>
         </p:nvSpPr>
         <p:spPr/>
         <p:txBody>
-          <a:bodyPr vert="horz" lIns="91440" tIns="45720" rIns="91440" bIns="45720" rtlCol="0" anchor="t">
-            <a:normAutofit fontScale="92500" lnSpcReduction="20000"/>
-          </a:bodyPr>
-          <a:lstStyle/>
-          <a:p>
-            <a:pPr marL="0" indent="0">
-              <a:buNone/>
-            </a:pPr>
-            <a:r>
-              <a:rPr lang="en-US" dirty="0" err="1"/>
-              <a:t>target_names</a:t>
-            </a:r>
-            <a:r>
-              <a:rPr lang="en-US" dirty="0"/>
-              <a:t> = ['Attrition', 'No Attrition']</a:t>
-            </a:r>
-          </a:p>
-          <a:p>
-            <a:pPr marL="0" indent="0">
-              <a:buNone/>
-            </a:pPr>
-            <a:r>
-              <a:rPr lang="en-US" dirty="0"/>
-              <a:t>print (</a:t>
-            </a:r>
-            <a:r>
-              <a:rPr lang="en-US" dirty="0" err="1"/>
-              <a:t>classification_report</a:t>
-            </a:r>
-            <a:r>
-              <a:rPr lang="en-US" dirty="0"/>
-              <a:t> (</a:t>
-            </a:r>
-            <a:r>
-              <a:rPr lang="en-US" dirty="0" err="1"/>
-              <a:t>y_test</a:t>
-            </a:r>
-            <a:r>
-              <a:rPr lang="en-US" dirty="0"/>
-              <a:t>, predictions, </a:t>
-            </a:r>
-            <a:r>
-              <a:rPr lang="en-US" dirty="0" err="1"/>
-              <a:t>target_names</a:t>
-            </a:r>
-            <a:r>
-              <a:rPr lang="en-US" dirty="0"/>
-              <a:t> = </a:t>
-            </a:r>
-            <a:r>
-              <a:rPr lang="en-US" dirty="0" err="1"/>
-              <a:t>target_names</a:t>
-            </a:r>
-            <a:r>
-              <a:rPr lang="en-US" dirty="0"/>
-              <a:t>))</a:t>
-            </a:r>
-          </a:p>
-          <a:p>
-            <a:pPr marL="0" indent="0">
-              <a:buNone/>
-            </a:pPr>
-            <a:endParaRPr lang="en-US" dirty="0"/>
-          </a:p>
-          <a:p>
-            <a:pPr marL="0" indent="0">
-              <a:buNone/>
-            </a:pPr>
-            <a:r>
-              <a:rPr lang="en-US" dirty="0"/>
-              <a:t>      precision recall f1-score support</a:t>
-            </a:r>
-          </a:p>
-          <a:p>
-            <a:pPr marL="0" indent="0">
-              <a:buNone/>
-            </a:pPr>
-            <a:r>
-              <a:rPr lang="en-US" dirty="0"/>
-              <a:t>Attrition      0.86   1.00     0.93   317</a:t>
-            </a:r>
-          </a:p>
-          <a:p>
-            <a:pPr marL="0" indent="0">
-              <a:buNone/>
-            </a:pPr>
-            <a:r>
-              <a:rPr lang="en-US" dirty="0"/>
-              <a:t>No Attrition   1.00    0.02     0.04     51</a:t>
-            </a:r>
-          </a:p>
-          <a:p>
-            <a:pPr marL="0" indent="0">
-              <a:buNone/>
-            </a:pPr>
-            <a:endParaRPr lang="en-US" dirty="0"/>
-          </a:p>
-          <a:p>
-            <a:pPr marL="0" indent="0">
-              <a:buNone/>
-            </a:pPr>
-            <a:r>
-              <a:rPr lang="en-US" dirty="0"/>
-              <a:t>accuracy            0.86    368</a:t>
-            </a:r>
-          </a:p>
-          <a:p>
-            <a:pPr marL="0" indent="0">
-              <a:buNone/>
-            </a:pPr>
-            <a:r>
-              <a:rPr lang="en-US" dirty="0"/>
-              <a:t>macro avg      0.93    0.51    0.48    368</a:t>
-            </a:r>
-          </a:p>
-          <a:p>
-            <a:pPr marL="0" indent="0">
-              <a:buNone/>
-            </a:pPr>
-            <a:r>
-              <a:rPr lang="en-US" dirty="0"/>
-              <a:t>weighted avg    0.88    0.86    0.80     368</a:t>
-            </a:r>
+          <a:bodyPr/>
+          <a:lstStyle/>
+          <a:p>
+            <a:endParaRPr lang="en-GB"/>
           </a:p>
         </p:txBody>
       </p:sp>
     </p:spTree>
     <p:extLst>
       <p:ext uri="{BB962C8B-B14F-4D97-AF65-F5344CB8AC3E}">
-        <p14:creationId xmlns:p14="http://schemas.microsoft.com/office/powerpoint/2010/main" val="4032855609"/>
+        <p14:creationId xmlns:p14="http://schemas.microsoft.com/office/powerpoint/2010/main" val="2125332708"/>
       </p:ext>
     </p:extLst>
   </p:cSld>
@@ -3477,7 +3418,7 @@
           <p:cNvPr id="2" name="Title 1">
             <a:extLst>
               <a:ext uri="{FF2B5EF4-FFF2-40B4-BE49-F238E27FC236}">
-                <a16:creationId xmlns:a16="http://schemas.microsoft.com/office/drawing/2014/main" id="{1BBD3080-3B6A-C133-A9F8-FDA6228ABD2B}"/>
+                <a16:creationId xmlns:a16="http://schemas.microsoft.com/office/drawing/2014/main" id="{BF0ECB2A-3CB9-C62C-B6CD-7F32B97B43F4}"/>
               </a:ext>
             </a:extLst>
           </p:cNvPr>
@@ -3494,8 +3435,8 @@
           <a:lstStyle/>
           <a:p>
             <a:r>
-              <a:rPr lang="en-GB" dirty="0"/>
-              <a:t>Optimisation</a:t>
+              <a:rPr lang="en-US" dirty="0"/>
+              <a:t>Confusion Matrix</a:t>
             </a:r>
           </a:p>
         </p:txBody>
@@ -3505,7 +3446,7 @@
           <p:cNvPr id="3" name="Content Placeholder 2">
             <a:extLst>
               <a:ext uri="{FF2B5EF4-FFF2-40B4-BE49-F238E27FC236}">
-                <a16:creationId xmlns:a16="http://schemas.microsoft.com/office/drawing/2014/main" id="{6C297F8A-DA42-9A25-305C-300C9848D1BE}"/>
+                <a16:creationId xmlns:a16="http://schemas.microsoft.com/office/drawing/2014/main" id="{35B981E2-E098-78AB-1E4F-6F401B7EA4DA}"/>
               </a:ext>
             </a:extLst>
           </p:cNvPr>
@@ -3518,17 +3459,76 @@
         </p:nvSpPr>
         <p:spPr/>
         <p:txBody>
-          <a:bodyPr/>
-          <a:lstStyle/>
-          <a:p>
-            <a:endParaRPr lang="en-GB"/>
+          <a:bodyPr vert="horz" lIns="91440" tIns="45720" rIns="91440" bIns="45720" rtlCol="0" anchor="t">
+            <a:normAutofit/>
+          </a:bodyPr>
+          <a:lstStyle/>
+          <a:p>
+            <a:pPr marL="0" indent="0">
+              <a:buNone/>
+            </a:pPr>
+            <a:r>
+              <a:rPr lang="en-US" dirty="0"/>
+              <a:t>from </a:t>
+            </a:r>
+            <a:r>
+              <a:rPr lang="en-US" dirty="0" err="1"/>
+              <a:t>sklearn.svm</a:t>
+            </a:r>
+            <a:r>
+              <a:rPr lang="en-US" dirty="0"/>
+              <a:t> import SVC</a:t>
+            </a:r>
+            <a:endParaRPr lang="en-US"/>
+          </a:p>
+          <a:p>
+            <a:pPr marL="0" indent="0">
+              <a:buNone/>
+            </a:pPr>
+            <a:r>
+              <a:rPr lang="en-US" err="1"/>
+              <a:t>confusion_matrix</a:t>
+            </a:r>
+            <a:r>
+              <a:rPr lang="en-US" dirty="0"/>
+              <a:t> (</a:t>
+            </a:r>
+            <a:r>
+              <a:rPr lang="en-US" err="1"/>
+              <a:t>y_test</a:t>
+            </a:r>
+            <a:r>
+              <a:rPr lang="en-US" dirty="0"/>
+              <a:t>, predictions)</a:t>
+            </a:r>
+          </a:p>
+          <a:p>
+            <a:endParaRPr lang="en-US" dirty="0"/>
+          </a:p>
+          <a:p>
+            <a:pPr marL="0" indent="0">
+              <a:buNone/>
+            </a:pPr>
+            <a:r>
+              <a:rPr lang="en-US" dirty="0"/>
+              <a:t>Array ([[317, 0].</a:t>
+            </a:r>
+          </a:p>
+          <a:p>
+            <a:pPr marL="914400" lvl="2" indent="0">
+              <a:buNone/>
+            </a:pPr>
+            <a:r>
+              <a:rPr lang="en-US" dirty="0"/>
+              <a:t>     [   50,    1]])</a:t>
+            </a:r>
           </a:p>
         </p:txBody>
       </p:sp>
     </p:spTree>
     <p:extLst>
       <p:ext uri="{BB962C8B-B14F-4D97-AF65-F5344CB8AC3E}">
-        <p14:creationId xmlns:p14="http://schemas.microsoft.com/office/powerpoint/2010/main" val="3320062094"/>
+        <p14:creationId xmlns:p14="http://schemas.microsoft.com/office/powerpoint/2010/main" val="3257887903"/>
       </p:ext>
     </p:extLst>
   </p:cSld>
@@ -3560,6 +3560,291 @@
           <p:cNvPr id="2" name="Title 1">
             <a:extLst>
               <a:ext uri="{FF2B5EF4-FFF2-40B4-BE49-F238E27FC236}">
+                <a16:creationId xmlns:a16="http://schemas.microsoft.com/office/drawing/2014/main" id="{AF68FC48-066F-FF53-C720-5FF94DABA870}"/>
+              </a:ext>
+            </a:extLst>
+          </p:cNvPr>
+          <p:cNvSpPr>
+            <a:spLocks noGrp="1"/>
+          </p:cNvSpPr>
+          <p:nvPr>
+            <p:ph type="title"/>
+          </p:nvPr>
+        </p:nvSpPr>
+        <p:spPr/>
+        <p:txBody>
+          <a:bodyPr/>
+          <a:lstStyle/>
+          <a:p>
+            <a:r>
+              <a:rPr lang="en-US" dirty="0"/>
+              <a:t>Classification Report</a:t>
+            </a:r>
+          </a:p>
+        </p:txBody>
+      </p:sp>
+      <p:sp>
+        <p:nvSpPr>
+          <p:cNvPr id="3" name="Content Placeholder 2">
+            <a:extLst>
+              <a:ext uri="{FF2B5EF4-FFF2-40B4-BE49-F238E27FC236}">
+                <a16:creationId xmlns:a16="http://schemas.microsoft.com/office/drawing/2014/main" id="{963D915B-9385-86E9-A474-DDA53321386E}"/>
+              </a:ext>
+            </a:extLst>
+          </p:cNvPr>
+          <p:cNvSpPr>
+            <a:spLocks noGrp="1"/>
+          </p:cNvSpPr>
+          <p:nvPr>
+            <p:ph idx="1"/>
+          </p:nvPr>
+        </p:nvSpPr>
+        <p:spPr/>
+        <p:txBody>
+          <a:bodyPr vert="horz" lIns="91440" tIns="45720" rIns="91440" bIns="45720" rtlCol="0" anchor="t">
+            <a:normAutofit fontScale="92500" lnSpcReduction="20000"/>
+          </a:bodyPr>
+          <a:lstStyle/>
+          <a:p>
+            <a:pPr marL="0" indent="0">
+              <a:buNone/>
+            </a:pPr>
+            <a:r>
+              <a:rPr lang="en-US" dirty="0" err="1"/>
+              <a:t>target_names</a:t>
+            </a:r>
+            <a:r>
+              <a:rPr lang="en-US" dirty="0"/>
+              <a:t> = ['Attrition', 'No Attrition']</a:t>
+            </a:r>
+          </a:p>
+          <a:p>
+            <a:pPr marL="0" indent="0">
+              <a:buNone/>
+            </a:pPr>
+            <a:r>
+              <a:rPr lang="en-US" dirty="0"/>
+              <a:t>print (</a:t>
+            </a:r>
+            <a:r>
+              <a:rPr lang="en-US" dirty="0" err="1"/>
+              <a:t>classification_report</a:t>
+            </a:r>
+            <a:r>
+              <a:rPr lang="en-US" dirty="0"/>
+              <a:t> (</a:t>
+            </a:r>
+            <a:r>
+              <a:rPr lang="en-US" dirty="0" err="1"/>
+              <a:t>y_test</a:t>
+            </a:r>
+            <a:r>
+              <a:rPr lang="en-US" dirty="0"/>
+              <a:t>, predictions, </a:t>
+            </a:r>
+            <a:r>
+              <a:rPr lang="en-US" dirty="0" err="1"/>
+              <a:t>target_names</a:t>
+            </a:r>
+            <a:r>
+              <a:rPr lang="en-US" dirty="0"/>
+              <a:t> = </a:t>
+            </a:r>
+            <a:r>
+              <a:rPr lang="en-US" dirty="0" err="1"/>
+              <a:t>target_names</a:t>
+            </a:r>
+            <a:r>
+              <a:rPr lang="en-US" dirty="0"/>
+              <a:t>))</a:t>
+            </a:r>
+          </a:p>
+          <a:p>
+            <a:pPr marL="0" indent="0">
+              <a:buNone/>
+            </a:pPr>
+            <a:endParaRPr lang="en-US" dirty="0"/>
+          </a:p>
+          <a:p>
+            <a:pPr marL="0" indent="0">
+              <a:buNone/>
+            </a:pPr>
+            <a:r>
+              <a:rPr lang="en-US" dirty="0"/>
+              <a:t>      precision recall f1-score support</a:t>
+            </a:r>
+          </a:p>
+          <a:p>
+            <a:pPr marL="0" indent="0">
+              <a:buNone/>
+            </a:pPr>
+            <a:r>
+              <a:rPr lang="en-US" dirty="0"/>
+              <a:t>Attrition      0.86   1.00     0.93   317</a:t>
+            </a:r>
+          </a:p>
+          <a:p>
+            <a:pPr marL="0" indent="0">
+              <a:buNone/>
+            </a:pPr>
+            <a:r>
+              <a:rPr lang="en-US" dirty="0"/>
+              <a:t>No Attrition   1.00    0.02     0.04     51</a:t>
+            </a:r>
+          </a:p>
+          <a:p>
+            <a:pPr marL="0" indent="0">
+              <a:buNone/>
+            </a:pPr>
+            <a:endParaRPr lang="en-US" dirty="0"/>
+          </a:p>
+          <a:p>
+            <a:pPr marL="0" indent="0">
+              <a:buNone/>
+            </a:pPr>
+            <a:r>
+              <a:rPr lang="en-US" dirty="0"/>
+              <a:t>accuracy            0.86    368</a:t>
+            </a:r>
+          </a:p>
+          <a:p>
+            <a:pPr marL="0" indent="0">
+              <a:buNone/>
+            </a:pPr>
+            <a:r>
+              <a:rPr lang="en-US" dirty="0"/>
+              <a:t>macro avg      0.93    0.51    0.48    368</a:t>
+            </a:r>
+          </a:p>
+          <a:p>
+            <a:pPr marL="0" indent="0">
+              <a:buNone/>
+            </a:pPr>
+            <a:r>
+              <a:rPr lang="en-US" dirty="0"/>
+              <a:t>weighted avg    0.88    0.86    0.80     368</a:t>
+            </a:r>
+          </a:p>
+        </p:txBody>
+      </p:sp>
+    </p:spTree>
+    <p:extLst>
+      <p:ext uri="{BB962C8B-B14F-4D97-AF65-F5344CB8AC3E}">
+        <p14:creationId xmlns:p14="http://schemas.microsoft.com/office/powerpoint/2010/main" val="4032855609"/>
+      </p:ext>
+    </p:extLst>
+  </p:cSld>
+  <p:clrMapOvr>
+    <a:masterClrMapping/>
+  </p:clrMapOvr>
+</p:sld>
+</file>
+
+<file path=ppt/slides/slide14.xml><?xml version="1.0" encoding="utf-8"?>
+<p:sld xmlns:a="http://schemas.openxmlformats.org/drawingml/2006/main" xmlns:r="http://schemas.openxmlformats.org/officeDocument/2006/relationships" xmlns:p="http://schemas.openxmlformats.org/presentationml/2006/main">
+  <p:cSld>
+    <p:spTree>
+      <p:nvGrpSpPr>
+        <p:cNvPr id="1" name=""/>
+        <p:cNvGrpSpPr/>
+        <p:nvPr/>
+      </p:nvGrpSpPr>
+      <p:grpSpPr>
+        <a:xfrm>
+          <a:off x="0" y="0"/>
+          <a:ext cx="0" cy="0"/>
+          <a:chOff x="0" y="0"/>
+          <a:chExt cx="0" cy="0"/>
+        </a:xfrm>
+      </p:grpSpPr>
+      <p:sp>
+        <p:nvSpPr>
+          <p:cNvPr id="2" name="Title 1">
+            <a:extLst>
+              <a:ext uri="{FF2B5EF4-FFF2-40B4-BE49-F238E27FC236}">
+                <a16:creationId xmlns:a16="http://schemas.microsoft.com/office/drawing/2014/main" id="{1BBD3080-3B6A-C133-A9F8-FDA6228ABD2B}"/>
+              </a:ext>
+            </a:extLst>
+          </p:cNvPr>
+          <p:cNvSpPr>
+            <a:spLocks noGrp="1"/>
+          </p:cNvSpPr>
+          <p:nvPr>
+            <p:ph type="title"/>
+          </p:nvPr>
+        </p:nvSpPr>
+        <p:spPr/>
+        <p:txBody>
+          <a:bodyPr/>
+          <a:lstStyle/>
+          <a:p>
+            <a:r>
+              <a:rPr lang="en-GB" dirty="0"/>
+              <a:t>Optimisation</a:t>
+            </a:r>
+          </a:p>
+        </p:txBody>
+      </p:sp>
+      <p:sp>
+        <p:nvSpPr>
+          <p:cNvPr id="4" name="Text Placeholder 3">
+            <a:extLst>
+              <a:ext uri="{FF2B5EF4-FFF2-40B4-BE49-F238E27FC236}">
+                <a16:creationId xmlns:a16="http://schemas.microsoft.com/office/drawing/2014/main" id="{CE61AF38-1425-90D6-A955-46DF61DDF1D3}"/>
+              </a:ext>
+            </a:extLst>
+          </p:cNvPr>
+          <p:cNvSpPr>
+            <a:spLocks noGrp="1"/>
+          </p:cNvSpPr>
+          <p:nvPr>
+            <p:ph type="body" idx="1"/>
+          </p:nvPr>
+        </p:nvSpPr>
+        <p:spPr/>
+        <p:txBody>
+          <a:bodyPr/>
+          <a:lstStyle/>
+          <a:p>
+            <a:endParaRPr lang="en-GB"/>
+          </a:p>
+        </p:txBody>
+      </p:sp>
+    </p:spTree>
+    <p:extLst>
+      <p:ext uri="{BB962C8B-B14F-4D97-AF65-F5344CB8AC3E}">
+        <p14:creationId xmlns:p14="http://schemas.microsoft.com/office/powerpoint/2010/main" val="3320062094"/>
+      </p:ext>
+    </p:extLst>
+  </p:cSld>
+  <p:clrMapOvr>
+    <a:masterClrMapping/>
+  </p:clrMapOvr>
+</p:sld>
+</file>
+
+<file path=ppt/slides/slide15.xml><?xml version="1.0" encoding="utf-8"?>
+<p:sld xmlns:a="http://schemas.openxmlformats.org/drawingml/2006/main" xmlns:r="http://schemas.openxmlformats.org/officeDocument/2006/relationships" xmlns:p="http://schemas.openxmlformats.org/presentationml/2006/main">
+  <p:cSld>
+    <p:spTree>
+      <p:nvGrpSpPr>
+        <p:cNvPr id="1" name=""/>
+        <p:cNvGrpSpPr/>
+        <p:nvPr/>
+      </p:nvGrpSpPr>
+      <p:grpSpPr>
+        <a:xfrm>
+          <a:off x="0" y="0"/>
+          <a:ext cx="0" cy="0"/>
+          <a:chOff x="0" y="0"/>
+          <a:chExt cx="0" cy="0"/>
+        </a:xfrm>
+      </p:grpSpPr>
+      <p:sp>
+        <p:nvSpPr>
+          <p:cNvPr id="2" name="Title 1">
+            <a:extLst>
+              <a:ext uri="{FF2B5EF4-FFF2-40B4-BE49-F238E27FC236}">
                 <a16:creationId xmlns:a16="http://schemas.microsoft.com/office/drawing/2014/main" id="{6782B433-18ED-5FDF-32EF-00C14CCCE9B5}"/>
               </a:ext>
             </a:extLst>
@@ -3639,7 +3924,7 @@
 </p:sld>
 </file>
 
-<file path=ppt/slides/slide14.xml><?xml version="1.0" encoding="utf-8"?>
+<file path=ppt/slides/slide16.xml><?xml version="1.0" encoding="utf-8"?>
 <p:sld xmlns:a="http://schemas.openxmlformats.org/drawingml/2006/main" xmlns:r="http://schemas.openxmlformats.org/officeDocument/2006/relationships" xmlns:p="http://schemas.openxmlformats.org/presentationml/2006/main">
   <p:cSld>
     <p:spTree>
@@ -3914,7 +4199,66 @@
           <a:bodyPr/>
           <a:lstStyle/>
           <a:p>
-            <a:endParaRPr lang="en-GB"/>
+            <a:pPr>
+              <a:lnSpc>
+                <a:spcPct val="150000"/>
+              </a:lnSpc>
+            </a:pPr>
+            <a:r>
+              <a:rPr lang="en-GB" dirty="0"/>
+              <a:t>IBM HR Analytics Employee Attrition &amp; Performance</a:t>
+            </a:r>
+          </a:p>
+          <a:p>
+            <a:pPr lvl="1">
+              <a:lnSpc>
+                <a:spcPct val="150000"/>
+              </a:lnSpc>
+            </a:pPr>
+            <a:r>
+              <a:rPr lang="en-GB" dirty="0"/>
+              <a:t>From IBM</a:t>
+            </a:r>
+          </a:p>
+          <a:p>
+            <a:pPr lvl="1">
+              <a:lnSpc>
+                <a:spcPct val="150000"/>
+              </a:lnSpc>
+            </a:pPr>
+            <a:r>
+              <a:rPr lang="en-GB" dirty="0"/>
+              <a:t>Sourced from Kaggle: </a:t>
+            </a:r>
+            <a:r>
+              <a:rPr lang="en-GB" dirty="0">
+                <a:hlinkClick r:id="rId2"/>
+              </a:rPr>
+              <a:t>https://www.kaggle.com/datasets/pavansubhasht/ibm-hr-analytics-attrition-dataset/discussion/233758</a:t>
+            </a:r>
+            <a:endParaRPr lang="en-GB" dirty="0"/>
+          </a:p>
+          <a:p>
+            <a:pPr lvl="1">
+              <a:lnSpc>
+                <a:spcPct val="150000"/>
+              </a:lnSpc>
+            </a:pPr>
+            <a:r>
+              <a:rPr lang="en-GB" dirty="0"/>
+              <a:t>Wide variety of metrics to analyse</a:t>
+            </a:r>
+          </a:p>
+          <a:p>
+            <a:pPr lvl="1">
+              <a:lnSpc>
+                <a:spcPct val="150000"/>
+              </a:lnSpc>
+            </a:pPr>
+            <a:r>
+              <a:rPr lang="en-GB" dirty="0"/>
+              <a:t>1470 records</a:t>
+            </a:r>
           </a:p>
         </p:txBody>
       </p:sp>
@@ -4095,10 +4439,10 @@
       </p:grpSpPr>
       <p:sp>
         <p:nvSpPr>
-          <p:cNvPr id="2" name="Title 1">
+          <p:cNvPr id="4" name="Title 3">
             <a:extLst>
               <a:ext uri="{FF2B5EF4-FFF2-40B4-BE49-F238E27FC236}">
-                <a16:creationId xmlns:a16="http://schemas.microsoft.com/office/drawing/2014/main" id="{4D82178C-B1EA-32CE-54AB-224E912D5176}"/>
+                <a16:creationId xmlns:a16="http://schemas.microsoft.com/office/drawing/2014/main" id="{50ED9828-FC9C-DA7E-1099-904BCA7C4188}"/>
               </a:ext>
             </a:extLst>
           </p:cNvPr>
@@ -4123,10 +4467,10 @@
       </p:sp>
       <p:sp>
         <p:nvSpPr>
-          <p:cNvPr id="3" name="Content Placeholder 2">
+          <p:cNvPr id="5" name="Text Placeholder 4">
             <a:extLst>
               <a:ext uri="{FF2B5EF4-FFF2-40B4-BE49-F238E27FC236}">
-                <a16:creationId xmlns:a16="http://schemas.microsoft.com/office/drawing/2014/main" id="{84313275-ED7F-13CB-B8B5-4396224B0CA4}"/>
+                <a16:creationId xmlns:a16="http://schemas.microsoft.com/office/drawing/2014/main" id="{EC431871-5C7D-5E8D-21C7-F6C39B6A1FFF}"/>
               </a:ext>
             </a:extLst>
           </p:cNvPr>
@@ -4134,7 +4478,7 @@
             <a:spLocks noGrp="1"/>
           </p:cNvSpPr>
           <p:nvPr>
-            <p:ph idx="1"/>
+            <p:ph type="body" idx="1"/>
           </p:nvPr>
         </p:nvSpPr>
         <p:spPr/>
@@ -4142,80 +4486,14 @@
           <a:bodyPr/>
           <a:lstStyle/>
           <a:p>
-            <a:pPr marL="0" indent="0">
-              <a:buNone/>
-            </a:pPr>
-            <a:r>
-              <a:rPr lang="en-US" dirty="0"/>
-              <a:t>Make label the attrition column, convert Yes/No columns to 1/0 columns and then drop attrition column from features</a:t>
-            </a:r>
-          </a:p>
-          <a:p>
-            <a:pPr marL="0" indent="0">
-              <a:buNone/>
-            </a:pPr>
-            <a:endParaRPr lang="en-US" dirty="0"/>
-          </a:p>
-          <a:p>
-            <a:pPr marL="0" indent="0">
-              <a:buNone/>
-            </a:pPr>
-            <a:r>
-              <a:rPr lang="en-US" dirty="0"/>
-              <a:t>y = </a:t>
-            </a:r>
-            <a:r>
-              <a:rPr lang="en-US" dirty="0" err="1"/>
-              <a:t>attrition_data_df</a:t>
-            </a:r>
-            <a:r>
-              <a:rPr lang="en-US" dirty="0"/>
-              <a:t> ('Attrition')</a:t>
-            </a:r>
-          </a:p>
-          <a:p>
-            <a:pPr marL="0" indent="0">
-              <a:buNone/>
-            </a:pPr>
-            <a:r>
-              <a:rPr lang="en-US" dirty="0"/>
-              <a:t>y = </a:t>
-            </a:r>
-            <a:r>
-              <a:rPr lang="en-US" dirty="0" err="1"/>
-              <a:t>y.apply</a:t>
-            </a:r>
-            <a:r>
-              <a:rPr lang="en-US" dirty="0"/>
-              <a:t> (lambda x: 1 if x == 'Yes else 0)</a:t>
-            </a:r>
-          </a:p>
-          <a:p>
-            <a:pPr marL="0" indent="0">
-              <a:buNone/>
-            </a:pPr>
-            <a:r>
-              <a:rPr lang="en-US" dirty="0"/>
-              <a:t>X = </a:t>
-            </a:r>
-            <a:r>
-              <a:rPr lang="en-US" dirty="0" err="1"/>
-              <a:t>attrition_data_df.drop</a:t>
-            </a:r>
-            <a:r>
-              <a:rPr lang="en-US" dirty="0"/>
-              <a:t> ('Attrition', axis = 1)</a:t>
-            </a:r>
-          </a:p>
-          <a:p>
-            <a:endParaRPr lang="en-GB" dirty="0"/>
+            <a:endParaRPr lang="en-GB"/>
           </a:p>
         </p:txBody>
       </p:sp>
     </p:spTree>
     <p:extLst>
       <p:ext uri="{BB962C8B-B14F-4D97-AF65-F5344CB8AC3E}">
-        <p14:creationId xmlns:p14="http://schemas.microsoft.com/office/powerpoint/2010/main" val="1031088039"/>
+        <p14:creationId xmlns:p14="http://schemas.microsoft.com/office/powerpoint/2010/main" val="4180384317"/>
       </p:ext>
     </p:extLst>
   </p:cSld>
@@ -4244,10 +4522,10 @@
       </p:grpSpPr>
       <p:sp>
         <p:nvSpPr>
-          <p:cNvPr id="2" name="Title 1">
+          <p:cNvPr id="4" name="Title 3">
             <a:extLst>
               <a:ext uri="{FF2B5EF4-FFF2-40B4-BE49-F238E27FC236}">
-                <a16:creationId xmlns:a16="http://schemas.microsoft.com/office/drawing/2014/main" id="{6954C1B2-6680-9EE7-F905-B19C196D94CA}"/>
+                <a16:creationId xmlns:a16="http://schemas.microsoft.com/office/drawing/2014/main" id="{3B79525E-0BC5-351D-531E-E1A27D188B2B}"/>
               </a:ext>
             </a:extLst>
           </p:cNvPr>
@@ -4265,40 +4543,1690 @@
           <a:p>
             <a:r>
               <a:rPr lang="en-GB" dirty="0"/>
-              <a:t>Logistic Regression Model</a:t>
-            </a:r>
-          </a:p>
-        </p:txBody>
-      </p:sp>
-      <p:sp>
-        <p:nvSpPr>
-          <p:cNvPr id="3" name="Content Placeholder 2">
+              <a:t>Input Data</a:t>
+            </a:r>
+          </a:p>
+        </p:txBody>
+      </p:sp>
+      <p:graphicFrame>
+        <p:nvGraphicFramePr>
+          <p:cNvPr id="6" name="Content Placeholder 5">
             <a:extLst>
               <a:ext uri="{FF2B5EF4-FFF2-40B4-BE49-F238E27FC236}">
-                <a16:creationId xmlns:a16="http://schemas.microsoft.com/office/drawing/2014/main" id="{E4177674-DA56-2147-5D37-A37BFFC9BA6A}"/>
+                <a16:creationId xmlns:a16="http://schemas.microsoft.com/office/drawing/2014/main" id="{E58A3EF7-2BD4-49A1-20E7-110F3963477F}"/>
               </a:ext>
             </a:extLst>
           </p:cNvPr>
-          <p:cNvSpPr>
-            <a:spLocks noGrp="1"/>
-          </p:cNvSpPr>
+          <p:cNvGraphicFramePr>
+            <a:graphicFrameLocks noGrp="1"/>
+          </p:cNvGraphicFramePr>
           <p:nvPr>
             <p:ph idx="1"/>
-          </p:nvPr>
-        </p:nvSpPr>
-        <p:spPr/>
-        <p:txBody>
-          <a:bodyPr/>
-          <a:lstStyle/>
-          <a:p>
-            <a:endParaRPr lang="en-GB"/>
-          </a:p>
-        </p:txBody>
-      </p:sp>
+            <p:extLst>
+              <p:ext uri="{D42A27DB-BD31-4B8C-83A1-F6EECF244321}">
+                <p14:modId xmlns:p14="http://schemas.microsoft.com/office/powerpoint/2010/main" val="3426618812"/>
+              </p:ext>
+            </p:extLst>
+          </p:nvPr>
+        </p:nvGraphicFramePr>
+        <p:xfrm>
+          <a:off x="931817" y="1524002"/>
+          <a:ext cx="8725989" cy="4902925"/>
+        </p:xfrm>
+        <a:graphic>
+          <a:graphicData uri="http://schemas.openxmlformats.org/drawingml/2006/table">
+            <a:tbl>
+              <a:tblPr firstRow="1" firstCol="1" bandRow="1">
+                <a:tableStyleId>{5940675A-B579-460E-94D1-54222C63F5DA}</a:tableStyleId>
+              </a:tblPr>
+              <a:tblGrid>
+                <a:gridCol w="3727269">
+                  <a:extLst>
+                    <a:ext uri="{9D8B030D-6E8A-4147-A177-3AD203B41FA5}">
+                      <a16:colId xmlns:a16="http://schemas.microsoft.com/office/drawing/2014/main" val="467901364"/>
+                    </a:ext>
+                  </a:extLst>
+                </a:gridCol>
+                <a:gridCol w="4998720">
+                  <a:extLst>
+                    <a:ext uri="{9D8B030D-6E8A-4147-A177-3AD203B41FA5}">
+                      <a16:colId xmlns:a16="http://schemas.microsoft.com/office/drawing/2014/main" val="930196476"/>
+                    </a:ext>
+                  </a:extLst>
+                </a:gridCol>
+              </a:tblGrid>
+              <a:tr h="193933">
+                <a:tc>
+                  <a:txBody>
+                    <a:bodyPr/>
+                    <a:lstStyle/>
+                    <a:p>
+                      <a:pPr algn="ctr">
+                        <a:lnSpc>
+                          <a:spcPct val="107000"/>
+                        </a:lnSpc>
+                        <a:spcAft>
+                          <a:spcPts val="800"/>
+                        </a:spcAft>
+                      </a:pPr>
+                      <a:r>
+                        <a:rPr lang="en-GB" sz="1100" kern="100" dirty="0">
+                          <a:effectLst/>
+                        </a:rPr>
+                        <a:t>Column Names</a:t>
+                      </a:r>
+                      <a:endParaRPr lang="en-GB" sz="1100" kern="100" dirty="0">
+                        <a:effectLst/>
+                        <a:latin typeface="Aptos" panose="020B0004020202020204" pitchFamily="34" charset="0"/>
+                        <a:ea typeface="Aptos" panose="020B0004020202020204" pitchFamily="34" charset="0"/>
+                        <a:cs typeface="Times New Roman" panose="02020603050405020304" pitchFamily="18" charset="0"/>
+                      </a:endParaRPr>
+                    </a:p>
+                  </a:txBody>
+                  <a:tcPr marL="68580" marR="68580" marT="0" marB="0" anchor="ctr">
+                    <a:noFill/>
+                  </a:tcPr>
+                </a:tc>
+                <a:tc>
+                  <a:txBody>
+                    <a:bodyPr/>
+                    <a:lstStyle/>
+                    <a:p>
+                      <a:pPr algn="ctr">
+                        <a:lnSpc>
+                          <a:spcPct val="107000"/>
+                        </a:lnSpc>
+                        <a:spcAft>
+                          <a:spcPts val="800"/>
+                        </a:spcAft>
+                      </a:pPr>
+                      <a:r>
+                        <a:rPr lang="en-GB" sz="1100" kern="100" dirty="0">
+                          <a:effectLst/>
+                        </a:rPr>
+                        <a:t>Description</a:t>
+                      </a:r>
+                      <a:endParaRPr lang="en-GB" sz="1100" kern="100" dirty="0">
+                        <a:effectLst/>
+                        <a:latin typeface="Aptos" panose="020B0004020202020204" pitchFamily="34" charset="0"/>
+                        <a:ea typeface="Aptos" panose="020B0004020202020204" pitchFamily="34" charset="0"/>
+                        <a:cs typeface="Times New Roman" panose="02020603050405020304" pitchFamily="18" charset="0"/>
+                      </a:endParaRPr>
+                    </a:p>
+                  </a:txBody>
+                  <a:tcPr marL="68580" marR="68580" marT="0" marB="0" anchor="ctr">
+                    <a:noFill/>
+                  </a:tcPr>
+                </a:tc>
+                <a:extLst>
+                  <a:ext uri="{0D108BD9-81ED-4DB2-BD59-A6C34878D82A}">
+                    <a16:rowId xmlns:a16="http://schemas.microsoft.com/office/drawing/2014/main" val="4105348565"/>
+                  </a:ext>
+                </a:extLst>
+              </a:tr>
+              <a:tr h="196208">
+                <a:tc>
+                  <a:txBody>
+                    <a:bodyPr/>
+                    <a:lstStyle/>
+                    <a:p>
+                      <a:pPr algn="l" fontAlgn="b"/>
+                      <a:r>
+                        <a:rPr lang="en-GB" sz="1100" b="0" i="0" u="none" strike="noStrike" dirty="0">
+                          <a:solidFill>
+                            <a:srgbClr val="000000"/>
+                          </a:solidFill>
+                          <a:effectLst/>
+                          <a:latin typeface="Aptos Narrow" panose="020B0004020202020204" pitchFamily="34" charset="0"/>
+                        </a:rPr>
+                        <a:t>Age, Gender, </a:t>
+                      </a:r>
+                      <a:r>
+                        <a:rPr lang="en-GB" sz="1100" b="0" i="0" u="none" strike="noStrike" dirty="0" err="1">
+                          <a:solidFill>
+                            <a:srgbClr val="000000"/>
+                          </a:solidFill>
+                          <a:effectLst/>
+                          <a:latin typeface="Aptos Narrow" panose="020B0004020202020204" pitchFamily="34" charset="0"/>
+                        </a:rPr>
+                        <a:t>MaritalStatus</a:t>
+                      </a:r>
+                      <a:r>
+                        <a:rPr lang="en-GB" sz="1100" b="0" i="0" u="none" strike="noStrike" dirty="0">
+                          <a:solidFill>
+                            <a:srgbClr val="000000"/>
+                          </a:solidFill>
+                          <a:effectLst/>
+                          <a:latin typeface="Aptos Narrow" panose="020B0004020202020204" pitchFamily="34" charset="0"/>
+                        </a:rPr>
+                        <a:t>, Over18</a:t>
+                      </a:r>
+                    </a:p>
+                  </a:txBody>
+                  <a:tcPr marL="7620" marR="7620" marT="7620" marB="0" anchor="b"/>
+                </a:tc>
+                <a:tc>
+                  <a:txBody>
+                    <a:bodyPr/>
+                    <a:lstStyle/>
+                    <a:p>
+                      <a:pPr>
+                        <a:lnSpc>
+                          <a:spcPct val="107000"/>
+                        </a:lnSpc>
+                        <a:spcAft>
+                          <a:spcPts val="800"/>
+                        </a:spcAft>
+                      </a:pPr>
+                      <a:endParaRPr lang="en-GB" sz="1100" kern="100" dirty="0">
+                        <a:effectLst/>
+                        <a:latin typeface="Aptos" panose="020B0004020202020204" pitchFamily="34" charset="0"/>
+                        <a:ea typeface="Aptos" panose="020B0004020202020204" pitchFamily="34" charset="0"/>
+                        <a:cs typeface="Times New Roman" panose="02020603050405020304" pitchFamily="18" charset="0"/>
+                      </a:endParaRPr>
+                    </a:p>
+                  </a:txBody>
+                  <a:tcPr marL="68580" marR="68580" marT="0" marB="0" anchor="ctr"/>
+                </a:tc>
+                <a:extLst>
+                  <a:ext uri="{0D108BD9-81ED-4DB2-BD59-A6C34878D82A}">
+                    <a16:rowId xmlns:a16="http://schemas.microsoft.com/office/drawing/2014/main" val="1412290241"/>
+                  </a:ext>
+                </a:extLst>
+              </a:tr>
+              <a:tr h="196208">
+                <a:tc>
+                  <a:txBody>
+                    <a:bodyPr/>
+                    <a:lstStyle/>
+                    <a:p>
+                      <a:pPr algn="l" fontAlgn="b"/>
+                      <a:r>
+                        <a:rPr lang="en-GB" sz="1100" b="0" i="0" u="none" strike="noStrike" dirty="0">
+                          <a:solidFill>
+                            <a:srgbClr val="000000"/>
+                          </a:solidFill>
+                          <a:effectLst/>
+                          <a:latin typeface="Aptos Narrow" panose="020B0004020202020204" pitchFamily="34" charset="0"/>
+                        </a:rPr>
+                        <a:t>Attrition</a:t>
+                      </a:r>
+                    </a:p>
+                  </a:txBody>
+                  <a:tcPr marL="7620" marR="7620" marT="7620" marB="0" anchor="b"/>
+                </a:tc>
+                <a:tc>
+                  <a:txBody>
+                    <a:bodyPr/>
+                    <a:lstStyle/>
+                    <a:p>
+                      <a:pPr>
+                        <a:lnSpc>
+                          <a:spcPct val="107000"/>
+                        </a:lnSpc>
+                        <a:spcAft>
+                          <a:spcPts val="800"/>
+                        </a:spcAft>
+                      </a:pPr>
+                      <a:endParaRPr lang="en-GB" sz="1100" kern="100" dirty="0">
+                        <a:effectLst/>
+                        <a:latin typeface="Aptos" panose="020B0004020202020204" pitchFamily="34" charset="0"/>
+                        <a:ea typeface="Aptos" panose="020B0004020202020204" pitchFamily="34" charset="0"/>
+                        <a:cs typeface="Times New Roman" panose="02020603050405020304" pitchFamily="18" charset="0"/>
+                      </a:endParaRPr>
+                    </a:p>
+                  </a:txBody>
+                  <a:tcPr marL="68580" marR="68580" marT="0" marB="0" anchor="ctr"/>
+                </a:tc>
+                <a:extLst>
+                  <a:ext uri="{0D108BD9-81ED-4DB2-BD59-A6C34878D82A}">
+                    <a16:rowId xmlns:a16="http://schemas.microsoft.com/office/drawing/2014/main" val="25071742"/>
+                  </a:ext>
+                </a:extLst>
+              </a:tr>
+              <a:tr h="196208">
+                <a:tc>
+                  <a:txBody>
+                    <a:bodyPr/>
+                    <a:lstStyle/>
+                    <a:p>
+                      <a:pPr algn="l" fontAlgn="b"/>
+                      <a:r>
+                        <a:rPr lang="en-GB" sz="1100" b="0" i="0" u="none" strike="noStrike" dirty="0" err="1">
+                          <a:solidFill>
+                            <a:srgbClr val="000000"/>
+                          </a:solidFill>
+                          <a:effectLst/>
+                          <a:latin typeface="Aptos Narrow" panose="020B0004020202020204" pitchFamily="34" charset="0"/>
+                        </a:rPr>
+                        <a:t>BusinessTravel</a:t>
+                      </a:r>
+                      <a:r>
+                        <a:rPr lang="en-GB" sz="1100" b="0" i="0" u="none" strike="noStrike" dirty="0">
+                          <a:solidFill>
+                            <a:srgbClr val="000000"/>
+                          </a:solidFill>
+                          <a:effectLst/>
+                          <a:latin typeface="Aptos Narrow" panose="020B0004020202020204" pitchFamily="34" charset="0"/>
+                        </a:rPr>
+                        <a:t>, </a:t>
+                      </a:r>
+                      <a:r>
+                        <a:rPr lang="en-GB" sz="1100" b="0" i="0" u="none" strike="noStrike" dirty="0" err="1">
+                          <a:solidFill>
+                            <a:srgbClr val="000000"/>
+                          </a:solidFill>
+                          <a:effectLst/>
+                          <a:latin typeface="Aptos Narrow" panose="020B0004020202020204" pitchFamily="34" charset="0"/>
+                        </a:rPr>
+                        <a:t>DistanceFromHome</a:t>
+                      </a:r>
+                      <a:endParaRPr lang="en-GB" sz="1100" b="0" i="0" u="none" strike="noStrike" dirty="0">
+                        <a:solidFill>
+                          <a:srgbClr val="000000"/>
+                        </a:solidFill>
+                        <a:effectLst/>
+                        <a:latin typeface="Aptos Narrow" panose="020B0004020202020204" pitchFamily="34" charset="0"/>
+                      </a:endParaRPr>
+                    </a:p>
+                  </a:txBody>
+                  <a:tcPr marL="7620" marR="7620" marT="7620" marB="0" anchor="b"/>
+                </a:tc>
+                <a:tc>
+                  <a:txBody>
+                    <a:bodyPr/>
+                    <a:lstStyle/>
+                    <a:p>
+                      <a:pPr>
+                        <a:lnSpc>
+                          <a:spcPct val="107000"/>
+                        </a:lnSpc>
+                        <a:spcAft>
+                          <a:spcPts val="800"/>
+                        </a:spcAft>
+                      </a:pPr>
+                      <a:endParaRPr lang="en-GB" sz="1100" kern="100" dirty="0">
+                        <a:effectLst/>
+                        <a:latin typeface="Aptos" panose="020B0004020202020204" pitchFamily="34" charset="0"/>
+                        <a:ea typeface="Aptos" panose="020B0004020202020204" pitchFamily="34" charset="0"/>
+                        <a:cs typeface="Times New Roman" panose="02020603050405020304" pitchFamily="18" charset="0"/>
+                      </a:endParaRPr>
+                    </a:p>
+                  </a:txBody>
+                  <a:tcPr marL="68580" marR="68580" marT="0" marB="0" anchor="ctr"/>
+                </a:tc>
+                <a:extLst>
+                  <a:ext uri="{0D108BD9-81ED-4DB2-BD59-A6C34878D82A}">
+                    <a16:rowId xmlns:a16="http://schemas.microsoft.com/office/drawing/2014/main" val="1190331982"/>
+                  </a:ext>
+                </a:extLst>
+              </a:tr>
+              <a:tr h="196208">
+                <a:tc>
+                  <a:txBody>
+                    <a:bodyPr/>
+                    <a:lstStyle/>
+                    <a:p>
+                      <a:pPr algn="l" fontAlgn="b"/>
+                      <a:r>
+                        <a:rPr lang="en-GB" sz="1100" b="0" i="0" u="none" strike="noStrike" dirty="0" err="1">
+                          <a:solidFill>
+                            <a:srgbClr val="000000"/>
+                          </a:solidFill>
+                          <a:effectLst/>
+                          <a:latin typeface="Aptos Narrow" panose="020B0004020202020204" pitchFamily="34" charset="0"/>
+                        </a:rPr>
+                        <a:t>DailyRate</a:t>
+                      </a:r>
+                      <a:r>
+                        <a:rPr lang="en-GB" sz="1100" b="0" i="0" u="none" strike="noStrike" dirty="0">
+                          <a:solidFill>
+                            <a:srgbClr val="000000"/>
+                          </a:solidFill>
+                          <a:effectLst/>
+                          <a:latin typeface="Aptos Narrow" panose="020B0004020202020204" pitchFamily="34" charset="0"/>
+                        </a:rPr>
+                        <a:t>, </a:t>
+                      </a:r>
+                      <a:r>
+                        <a:rPr lang="en-GB" sz="1100" b="0" i="0" u="none" strike="noStrike" dirty="0" err="1">
+                          <a:solidFill>
+                            <a:srgbClr val="000000"/>
+                          </a:solidFill>
+                          <a:effectLst/>
+                          <a:latin typeface="Aptos Narrow" panose="020B0004020202020204" pitchFamily="34" charset="0"/>
+                        </a:rPr>
+                        <a:t>HourlyRate</a:t>
+                      </a:r>
+                      <a:r>
+                        <a:rPr lang="en-GB" sz="1100" b="0" i="0" u="none" strike="noStrike" dirty="0">
+                          <a:solidFill>
+                            <a:srgbClr val="000000"/>
+                          </a:solidFill>
+                          <a:effectLst/>
+                          <a:latin typeface="Aptos Narrow" panose="020B0004020202020204" pitchFamily="34" charset="0"/>
+                        </a:rPr>
+                        <a:t>, </a:t>
+                      </a:r>
+                      <a:r>
+                        <a:rPr lang="en-GB" sz="1100" b="0" i="0" u="none" strike="noStrike" dirty="0" err="1">
+                          <a:solidFill>
+                            <a:srgbClr val="000000"/>
+                          </a:solidFill>
+                          <a:effectLst/>
+                          <a:latin typeface="Aptos Narrow" panose="020B0004020202020204" pitchFamily="34" charset="0"/>
+                        </a:rPr>
+                        <a:t>MonthlyRate</a:t>
+                      </a:r>
+                      <a:endParaRPr lang="en-GB" sz="1100" b="0" i="0" u="none" strike="noStrike" dirty="0">
+                        <a:solidFill>
+                          <a:srgbClr val="000000"/>
+                        </a:solidFill>
+                        <a:effectLst/>
+                        <a:latin typeface="Aptos Narrow" panose="020B0004020202020204" pitchFamily="34" charset="0"/>
+                      </a:endParaRPr>
+                    </a:p>
+                  </a:txBody>
+                  <a:tcPr marL="7620" marR="7620" marT="7620" marB="0" anchor="b"/>
+                </a:tc>
+                <a:tc>
+                  <a:txBody>
+                    <a:bodyPr/>
+                    <a:lstStyle/>
+                    <a:p>
+                      <a:pPr>
+                        <a:lnSpc>
+                          <a:spcPct val="107000"/>
+                        </a:lnSpc>
+                        <a:spcAft>
+                          <a:spcPts val="800"/>
+                        </a:spcAft>
+                      </a:pPr>
+                      <a:endParaRPr lang="en-GB" sz="1100" kern="100" dirty="0">
+                        <a:effectLst/>
+                        <a:latin typeface="Aptos" panose="020B0004020202020204" pitchFamily="34" charset="0"/>
+                        <a:ea typeface="Aptos" panose="020B0004020202020204" pitchFamily="34" charset="0"/>
+                        <a:cs typeface="Times New Roman" panose="02020603050405020304" pitchFamily="18" charset="0"/>
+                      </a:endParaRPr>
+                    </a:p>
+                  </a:txBody>
+                  <a:tcPr marL="68580" marR="68580" marT="0" marB="0" anchor="ctr"/>
+                </a:tc>
+                <a:extLst>
+                  <a:ext uri="{0D108BD9-81ED-4DB2-BD59-A6C34878D82A}">
+                    <a16:rowId xmlns:a16="http://schemas.microsoft.com/office/drawing/2014/main" val="3640243689"/>
+                  </a:ext>
+                </a:extLst>
+              </a:tr>
+              <a:tr h="196208">
+                <a:tc>
+                  <a:txBody>
+                    <a:bodyPr/>
+                    <a:lstStyle/>
+                    <a:p>
+                      <a:pPr marL="0" marR="0" lvl="0" indent="0" algn="l" defTabSz="914400" rtl="0" eaLnBrk="1" fontAlgn="b" latinLnBrk="0" hangingPunct="1">
+                        <a:lnSpc>
+                          <a:spcPct val="100000"/>
+                        </a:lnSpc>
+                        <a:spcBef>
+                          <a:spcPts val="0"/>
+                        </a:spcBef>
+                        <a:spcAft>
+                          <a:spcPts val="0"/>
+                        </a:spcAft>
+                        <a:buClrTx/>
+                        <a:buSzTx/>
+                        <a:buFontTx/>
+                        <a:buNone/>
+                        <a:tabLst/>
+                        <a:defRPr/>
+                      </a:pPr>
+                      <a:r>
+                        <a:rPr lang="en-GB" sz="1100" b="0" i="0" u="none" strike="noStrike" dirty="0">
+                          <a:solidFill>
+                            <a:srgbClr val="000000"/>
+                          </a:solidFill>
+                          <a:effectLst/>
+                          <a:latin typeface="Aptos Narrow" panose="020B0004020202020204" pitchFamily="34" charset="0"/>
+                        </a:rPr>
+                        <a:t>Department, </a:t>
+                      </a:r>
+                      <a:r>
+                        <a:rPr lang="en-GB" sz="1100" b="0" i="0" u="none" strike="noStrike" dirty="0" err="1">
+                          <a:solidFill>
+                            <a:srgbClr val="000000"/>
+                          </a:solidFill>
+                          <a:effectLst/>
+                          <a:latin typeface="Aptos Narrow" panose="020B0004020202020204" pitchFamily="34" charset="0"/>
+                        </a:rPr>
+                        <a:t>JobLevel</a:t>
+                      </a:r>
+                      <a:r>
+                        <a:rPr lang="en-GB" sz="1100" b="0" i="0" u="none" strike="noStrike" dirty="0">
+                          <a:solidFill>
+                            <a:srgbClr val="000000"/>
+                          </a:solidFill>
+                          <a:effectLst/>
+                          <a:latin typeface="Aptos Narrow" panose="020B0004020202020204" pitchFamily="34" charset="0"/>
+                        </a:rPr>
+                        <a:t>, </a:t>
+                      </a:r>
+                      <a:r>
+                        <a:rPr lang="en-GB" sz="1100" b="0" i="0" u="none" strike="noStrike" dirty="0" err="1">
+                          <a:solidFill>
+                            <a:srgbClr val="000000"/>
+                          </a:solidFill>
+                          <a:effectLst/>
+                          <a:latin typeface="Aptos Narrow" panose="020B0004020202020204" pitchFamily="34" charset="0"/>
+                        </a:rPr>
+                        <a:t>JobRole</a:t>
+                      </a:r>
+                      <a:endParaRPr lang="en-GB" sz="1100" b="0" i="0" u="none" strike="noStrike" dirty="0">
+                        <a:solidFill>
+                          <a:srgbClr val="000000"/>
+                        </a:solidFill>
+                        <a:effectLst/>
+                        <a:latin typeface="Aptos Narrow" panose="020B0004020202020204" pitchFamily="34" charset="0"/>
+                      </a:endParaRPr>
+                    </a:p>
+                  </a:txBody>
+                  <a:tcPr marL="7620" marR="7620" marT="7620" marB="0" anchor="b"/>
+                </a:tc>
+                <a:tc>
+                  <a:txBody>
+                    <a:bodyPr/>
+                    <a:lstStyle/>
+                    <a:p>
+                      <a:pPr>
+                        <a:lnSpc>
+                          <a:spcPct val="107000"/>
+                        </a:lnSpc>
+                        <a:spcAft>
+                          <a:spcPts val="800"/>
+                        </a:spcAft>
+                      </a:pPr>
+                      <a:endParaRPr lang="en-GB" sz="1100" kern="100" dirty="0">
+                        <a:effectLst/>
+                        <a:latin typeface="Aptos" panose="020B0004020202020204" pitchFamily="34" charset="0"/>
+                        <a:ea typeface="Aptos" panose="020B0004020202020204" pitchFamily="34" charset="0"/>
+                        <a:cs typeface="Times New Roman" panose="02020603050405020304" pitchFamily="18" charset="0"/>
+                      </a:endParaRPr>
+                    </a:p>
+                  </a:txBody>
+                  <a:tcPr marL="68580" marR="68580" marT="0" marB="0" anchor="ctr"/>
+                </a:tc>
+                <a:extLst>
+                  <a:ext uri="{0D108BD9-81ED-4DB2-BD59-A6C34878D82A}">
+                    <a16:rowId xmlns:a16="http://schemas.microsoft.com/office/drawing/2014/main" val="2113162789"/>
+                  </a:ext>
+                </a:extLst>
+              </a:tr>
+              <a:tr h="196208">
+                <a:tc>
+                  <a:txBody>
+                    <a:bodyPr/>
+                    <a:lstStyle/>
+                    <a:p>
+                      <a:pPr marL="0" marR="0" lvl="0" indent="0" algn="l" defTabSz="914400" rtl="0" eaLnBrk="1" fontAlgn="b" latinLnBrk="0" hangingPunct="1">
+                        <a:lnSpc>
+                          <a:spcPct val="100000"/>
+                        </a:lnSpc>
+                        <a:spcBef>
+                          <a:spcPts val="0"/>
+                        </a:spcBef>
+                        <a:spcAft>
+                          <a:spcPts val="0"/>
+                        </a:spcAft>
+                        <a:buClrTx/>
+                        <a:buSzTx/>
+                        <a:buFontTx/>
+                        <a:buNone/>
+                        <a:tabLst/>
+                        <a:defRPr/>
+                      </a:pPr>
+                      <a:r>
+                        <a:rPr lang="en-GB" sz="1100" b="0" i="0" u="none" strike="noStrike" dirty="0">
+                          <a:solidFill>
+                            <a:srgbClr val="000000"/>
+                          </a:solidFill>
+                          <a:effectLst/>
+                          <a:latin typeface="Aptos Narrow" panose="020B0004020202020204" pitchFamily="34" charset="0"/>
+                        </a:rPr>
+                        <a:t>Education, </a:t>
+                      </a:r>
+                      <a:r>
+                        <a:rPr lang="en-GB" sz="1100" b="0" i="0" u="none" strike="noStrike" dirty="0" err="1">
+                          <a:solidFill>
+                            <a:srgbClr val="000000"/>
+                          </a:solidFill>
+                          <a:effectLst/>
+                          <a:latin typeface="Aptos Narrow" panose="020B0004020202020204" pitchFamily="34" charset="0"/>
+                        </a:rPr>
+                        <a:t>EducationField</a:t>
+                      </a:r>
+                      <a:endParaRPr lang="en-GB" sz="1100" b="0" i="0" u="none" strike="noStrike" dirty="0">
+                        <a:solidFill>
+                          <a:srgbClr val="000000"/>
+                        </a:solidFill>
+                        <a:effectLst/>
+                        <a:latin typeface="Aptos Narrow" panose="020B0004020202020204" pitchFamily="34" charset="0"/>
+                      </a:endParaRPr>
+                    </a:p>
+                  </a:txBody>
+                  <a:tcPr marL="7620" marR="7620" marT="7620" marB="0" anchor="b"/>
+                </a:tc>
+                <a:tc>
+                  <a:txBody>
+                    <a:bodyPr/>
+                    <a:lstStyle/>
+                    <a:p>
+                      <a:pPr>
+                        <a:lnSpc>
+                          <a:spcPct val="107000"/>
+                        </a:lnSpc>
+                        <a:spcAft>
+                          <a:spcPts val="800"/>
+                        </a:spcAft>
+                      </a:pPr>
+                      <a:endParaRPr lang="en-GB" sz="1100" kern="100" dirty="0">
+                        <a:effectLst/>
+                        <a:latin typeface="Aptos" panose="020B0004020202020204" pitchFamily="34" charset="0"/>
+                        <a:ea typeface="Aptos" panose="020B0004020202020204" pitchFamily="34" charset="0"/>
+                        <a:cs typeface="Times New Roman" panose="02020603050405020304" pitchFamily="18" charset="0"/>
+                      </a:endParaRPr>
+                    </a:p>
+                  </a:txBody>
+                  <a:tcPr marL="68580" marR="68580" marT="0" marB="0" anchor="ctr"/>
+                </a:tc>
+                <a:extLst>
+                  <a:ext uri="{0D108BD9-81ED-4DB2-BD59-A6C34878D82A}">
+                    <a16:rowId xmlns:a16="http://schemas.microsoft.com/office/drawing/2014/main" val="24680238"/>
+                  </a:ext>
+                </a:extLst>
+              </a:tr>
+              <a:tr h="196208">
+                <a:tc>
+                  <a:txBody>
+                    <a:bodyPr/>
+                    <a:lstStyle/>
+                    <a:p>
+                      <a:pPr algn="l" fontAlgn="b"/>
+                      <a:r>
+                        <a:rPr lang="en-GB" sz="1100" b="0" i="0" u="none" strike="noStrike" dirty="0" err="1">
+                          <a:solidFill>
+                            <a:srgbClr val="000000"/>
+                          </a:solidFill>
+                          <a:effectLst/>
+                          <a:latin typeface="Aptos Narrow" panose="020B0004020202020204" pitchFamily="34" charset="0"/>
+                        </a:rPr>
+                        <a:t>EmployeeCount</a:t>
+                      </a:r>
+                      <a:endParaRPr lang="en-GB" sz="1100" b="0" i="0" u="none" strike="noStrike" dirty="0">
+                        <a:solidFill>
+                          <a:srgbClr val="000000"/>
+                        </a:solidFill>
+                        <a:effectLst/>
+                        <a:latin typeface="Aptos Narrow" panose="020B0004020202020204" pitchFamily="34" charset="0"/>
+                      </a:endParaRPr>
+                    </a:p>
+                  </a:txBody>
+                  <a:tcPr marL="7620" marR="7620" marT="7620" marB="0" anchor="b"/>
+                </a:tc>
+                <a:tc>
+                  <a:txBody>
+                    <a:bodyPr/>
+                    <a:lstStyle/>
+                    <a:p>
+                      <a:pPr>
+                        <a:lnSpc>
+                          <a:spcPct val="107000"/>
+                        </a:lnSpc>
+                        <a:spcAft>
+                          <a:spcPts val="800"/>
+                        </a:spcAft>
+                      </a:pPr>
+                      <a:endParaRPr lang="en-GB" sz="1100" kern="100" dirty="0">
+                        <a:effectLst/>
+                        <a:latin typeface="Aptos" panose="020B0004020202020204" pitchFamily="34" charset="0"/>
+                        <a:ea typeface="Aptos" panose="020B0004020202020204" pitchFamily="34" charset="0"/>
+                        <a:cs typeface="Times New Roman" panose="02020603050405020304" pitchFamily="18" charset="0"/>
+                      </a:endParaRPr>
+                    </a:p>
+                  </a:txBody>
+                  <a:tcPr marL="68580" marR="68580" marT="0" marB="0" anchor="ctr"/>
+                </a:tc>
+                <a:extLst>
+                  <a:ext uri="{0D108BD9-81ED-4DB2-BD59-A6C34878D82A}">
+                    <a16:rowId xmlns:a16="http://schemas.microsoft.com/office/drawing/2014/main" val="2237382428"/>
+                  </a:ext>
+                </a:extLst>
+              </a:tr>
+              <a:tr h="196208">
+                <a:tc>
+                  <a:txBody>
+                    <a:bodyPr/>
+                    <a:lstStyle/>
+                    <a:p>
+                      <a:pPr algn="l" fontAlgn="b"/>
+                      <a:r>
+                        <a:rPr lang="en-GB" sz="1100" b="0" i="0" u="none" strike="noStrike" dirty="0" err="1">
+                          <a:solidFill>
+                            <a:srgbClr val="000000"/>
+                          </a:solidFill>
+                          <a:effectLst/>
+                          <a:latin typeface="Aptos Narrow" panose="020B0004020202020204" pitchFamily="34" charset="0"/>
+                        </a:rPr>
+                        <a:t>EmployeeNumber</a:t>
+                      </a:r>
+                      <a:endParaRPr lang="en-GB" sz="1100" b="0" i="0" u="none" strike="noStrike" dirty="0">
+                        <a:solidFill>
+                          <a:srgbClr val="000000"/>
+                        </a:solidFill>
+                        <a:effectLst/>
+                        <a:latin typeface="Aptos Narrow" panose="020B0004020202020204" pitchFamily="34" charset="0"/>
+                      </a:endParaRPr>
+                    </a:p>
+                  </a:txBody>
+                  <a:tcPr marL="7620" marR="7620" marT="7620" marB="0" anchor="b"/>
+                </a:tc>
+                <a:tc>
+                  <a:txBody>
+                    <a:bodyPr/>
+                    <a:lstStyle/>
+                    <a:p>
+                      <a:pPr>
+                        <a:lnSpc>
+                          <a:spcPct val="107000"/>
+                        </a:lnSpc>
+                        <a:spcAft>
+                          <a:spcPts val="800"/>
+                        </a:spcAft>
+                      </a:pPr>
+                      <a:endParaRPr lang="en-GB" sz="1100" kern="100" dirty="0">
+                        <a:effectLst/>
+                        <a:latin typeface="Aptos" panose="020B0004020202020204" pitchFamily="34" charset="0"/>
+                        <a:ea typeface="Aptos" panose="020B0004020202020204" pitchFamily="34" charset="0"/>
+                        <a:cs typeface="Times New Roman" panose="02020603050405020304" pitchFamily="18" charset="0"/>
+                      </a:endParaRPr>
+                    </a:p>
+                  </a:txBody>
+                  <a:tcPr marL="68580" marR="68580" marT="0" marB="0" anchor="ctr"/>
+                </a:tc>
+                <a:extLst>
+                  <a:ext uri="{0D108BD9-81ED-4DB2-BD59-A6C34878D82A}">
+                    <a16:rowId xmlns:a16="http://schemas.microsoft.com/office/drawing/2014/main" val="3450951268"/>
+                  </a:ext>
+                </a:extLst>
+              </a:tr>
+              <a:tr h="196208">
+                <a:tc>
+                  <a:txBody>
+                    <a:bodyPr/>
+                    <a:lstStyle/>
+                    <a:p>
+                      <a:pPr algn="l" fontAlgn="b"/>
+                      <a:r>
+                        <a:rPr lang="en-GB" sz="1100" b="0" i="0" u="none" strike="noStrike" dirty="0" err="1">
+                          <a:solidFill>
+                            <a:srgbClr val="000000"/>
+                          </a:solidFill>
+                          <a:effectLst/>
+                          <a:latin typeface="Aptos Narrow" panose="020B0004020202020204" pitchFamily="34" charset="0"/>
+                        </a:rPr>
+                        <a:t>EnvironmentSatisfaction</a:t>
+                      </a:r>
+                      <a:endParaRPr lang="en-GB" sz="1100" b="0" i="0" u="none" strike="noStrike" dirty="0">
+                        <a:solidFill>
+                          <a:srgbClr val="000000"/>
+                        </a:solidFill>
+                        <a:effectLst/>
+                        <a:latin typeface="Aptos Narrow" panose="020B0004020202020204" pitchFamily="34" charset="0"/>
+                      </a:endParaRPr>
+                    </a:p>
+                  </a:txBody>
+                  <a:tcPr marL="7620" marR="7620" marT="7620" marB="0" anchor="b"/>
+                </a:tc>
+                <a:tc>
+                  <a:txBody>
+                    <a:bodyPr/>
+                    <a:lstStyle/>
+                    <a:p>
+                      <a:pPr>
+                        <a:lnSpc>
+                          <a:spcPct val="107000"/>
+                        </a:lnSpc>
+                        <a:spcAft>
+                          <a:spcPts val="800"/>
+                        </a:spcAft>
+                      </a:pPr>
+                      <a:endParaRPr lang="en-GB" sz="1100" kern="100" dirty="0">
+                        <a:effectLst/>
+                        <a:latin typeface="Aptos" panose="020B0004020202020204" pitchFamily="34" charset="0"/>
+                        <a:ea typeface="Aptos" panose="020B0004020202020204" pitchFamily="34" charset="0"/>
+                        <a:cs typeface="Times New Roman" panose="02020603050405020304" pitchFamily="18" charset="0"/>
+                      </a:endParaRPr>
+                    </a:p>
+                  </a:txBody>
+                  <a:tcPr marL="68580" marR="68580" marT="0" marB="0" anchor="ctr"/>
+                </a:tc>
+                <a:extLst>
+                  <a:ext uri="{0D108BD9-81ED-4DB2-BD59-A6C34878D82A}">
+                    <a16:rowId xmlns:a16="http://schemas.microsoft.com/office/drawing/2014/main" val="2444380118"/>
+                  </a:ext>
+                </a:extLst>
+              </a:tr>
+              <a:tr h="196208">
+                <a:tc>
+                  <a:txBody>
+                    <a:bodyPr/>
+                    <a:lstStyle/>
+                    <a:p>
+                      <a:pPr algn="l" fontAlgn="b"/>
+                      <a:r>
+                        <a:rPr lang="en-GB" sz="1100" b="0" i="0" u="none" strike="noStrike" dirty="0" err="1">
+                          <a:solidFill>
+                            <a:srgbClr val="000000"/>
+                          </a:solidFill>
+                          <a:effectLst/>
+                          <a:latin typeface="Aptos Narrow" panose="020B0004020202020204" pitchFamily="34" charset="0"/>
+                        </a:rPr>
+                        <a:t>JobInvolvement</a:t>
+                      </a:r>
+                      <a:endParaRPr lang="en-GB" sz="1100" b="0" i="0" u="none" strike="noStrike" dirty="0">
+                        <a:solidFill>
+                          <a:srgbClr val="000000"/>
+                        </a:solidFill>
+                        <a:effectLst/>
+                        <a:latin typeface="Aptos Narrow" panose="020B0004020202020204" pitchFamily="34" charset="0"/>
+                      </a:endParaRPr>
+                    </a:p>
+                  </a:txBody>
+                  <a:tcPr marL="7620" marR="7620" marT="7620" marB="0" anchor="b"/>
+                </a:tc>
+                <a:tc>
+                  <a:txBody>
+                    <a:bodyPr/>
+                    <a:lstStyle/>
+                    <a:p>
+                      <a:pPr>
+                        <a:lnSpc>
+                          <a:spcPct val="107000"/>
+                        </a:lnSpc>
+                        <a:spcAft>
+                          <a:spcPts val="800"/>
+                        </a:spcAft>
+                      </a:pPr>
+                      <a:endParaRPr lang="en-GB" sz="1100" kern="100" dirty="0">
+                        <a:effectLst/>
+                        <a:latin typeface="Aptos" panose="020B0004020202020204" pitchFamily="34" charset="0"/>
+                        <a:ea typeface="Aptos" panose="020B0004020202020204" pitchFamily="34" charset="0"/>
+                        <a:cs typeface="Times New Roman" panose="02020603050405020304" pitchFamily="18" charset="0"/>
+                      </a:endParaRPr>
+                    </a:p>
+                  </a:txBody>
+                  <a:tcPr marL="68580" marR="68580" marT="0" marB="0" anchor="ctr"/>
+                </a:tc>
+                <a:extLst>
+                  <a:ext uri="{0D108BD9-81ED-4DB2-BD59-A6C34878D82A}">
+                    <a16:rowId xmlns:a16="http://schemas.microsoft.com/office/drawing/2014/main" val="1085817986"/>
+                  </a:ext>
+                </a:extLst>
+              </a:tr>
+              <a:tr h="196208">
+                <a:tc>
+                  <a:txBody>
+                    <a:bodyPr/>
+                    <a:lstStyle/>
+                    <a:p>
+                      <a:pPr algn="l" fontAlgn="b"/>
+                      <a:r>
+                        <a:rPr lang="en-GB" sz="1100" b="0" i="0" u="none" strike="noStrike" dirty="0" err="1">
+                          <a:solidFill>
+                            <a:srgbClr val="000000"/>
+                          </a:solidFill>
+                          <a:effectLst/>
+                          <a:latin typeface="Aptos Narrow" panose="020B0004020202020204" pitchFamily="34" charset="0"/>
+                        </a:rPr>
+                        <a:t>JobSatisfaction</a:t>
+                      </a:r>
+                      <a:endParaRPr lang="en-GB" sz="1100" b="0" i="0" u="none" strike="noStrike" dirty="0">
+                        <a:solidFill>
+                          <a:srgbClr val="000000"/>
+                        </a:solidFill>
+                        <a:effectLst/>
+                        <a:latin typeface="Aptos Narrow" panose="020B0004020202020204" pitchFamily="34" charset="0"/>
+                      </a:endParaRPr>
+                    </a:p>
+                  </a:txBody>
+                  <a:tcPr marL="7620" marR="7620" marT="7620" marB="0" anchor="b"/>
+                </a:tc>
+                <a:tc>
+                  <a:txBody>
+                    <a:bodyPr/>
+                    <a:lstStyle/>
+                    <a:p>
+                      <a:pPr>
+                        <a:lnSpc>
+                          <a:spcPct val="107000"/>
+                        </a:lnSpc>
+                        <a:spcAft>
+                          <a:spcPts val="800"/>
+                        </a:spcAft>
+                      </a:pPr>
+                      <a:endParaRPr lang="en-GB" sz="1100" kern="100" dirty="0">
+                        <a:effectLst/>
+                        <a:latin typeface="Aptos" panose="020B0004020202020204" pitchFamily="34" charset="0"/>
+                        <a:ea typeface="Aptos" panose="020B0004020202020204" pitchFamily="34" charset="0"/>
+                        <a:cs typeface="Times New Roman" panose="02020603050405020304" pitchFamily="18" charset="0"/>
+                      </a:endParaRPr>
+                    </a:p>
+                  </a:txBody>
+                  <a:tcPr marL="68580" marR="68580" marT="0" marB="0" anchor="ctr"/>
+                </a:tc>
+                <a:extLst>
+                  <a:ext uri="{0D108BD9-81ED-4DB2-BD59-A6C34878D82A}">
+                    <a16:rowId xmlns:a16="http://schemas.microsoft.com/office/drawing/2014/main" val="3815963660"/>
+                  </a:ext>
+                </a:extLst>
+              </a:tr>
+              <a:tr h="196208">
+                <a:tc>
+                  <a:txBody>
+                    <a:bodyPr/>
+                    <a:lstStyle/>
+                    <a:p>
+                      <a:pPr algn="l" fontAlgn="b"/>
+                      <a:r>
+                        <a:rPr lang="en-GB" sz="1100" b="0" i="0" u="none" strike="noStrike" dirty="0" err="1">
+                          <a:solidFill>
+                            <a:srgbClr val="000000"/>
+                          </a:solidFill>
+                          <a:effectLst/>
+                          <a:latin typeface="Aptos Narrow" panose="020B0004020202020204" pitchFamily="34" charset="0"/>
+                        </a:rPr>
+                        <a:t>MonthlyIncome</a:t>
+                      </a:r>
+                      <a:endParaRPr lang="en-GB" sz="1100" b="0" i="0" u="none" strike="noStrike" dirty="0">
+                        <a:solidFill>
+                          <a:srgbClr val="000000"/>
+                        </a:solidFill>
+                        <a:effectLst/>
+                        <a:latin typeface="Aptos Narrow" panose="020B0004020202020204" pitchFamily="34" charset="0"/>
+                      </a:endParaRPr>
+                    </a:p>
+                  </a:txBody>
+                  <a:tcPr marL="7620" marR="7620" marT="7620" marB="0" anchor="b"/>
+                </a:tc>
+                <a:tc>
+                  <a:txBody>
+                    <a:bodyPr/>
+                    <a:lstStyle/>
+                    <a:p>
+                      <a:pPr>
+                        <a:lnSpc>
+                          <a:spcPct val="107000"/>
+                        </a:lnSpc>
+                        <a:spcAft>
+                          <a:spcPts val="800"/>
+                        </a:spcAft>
+                      </a:pPr>
+                      <a:endParaRPr lang="en-GB" sz="1100" kern="100" dirty="0">
+                        <a:effectLst/>
+                        <a:latin typeface="Aptos" panose="020B0004020202020204" pitchFamily="34" charset="0"/>
+                        <a:ea typeface="Aptos" panose="020B0004020202020204" pitchFamily="34" charset="0"/>
+                        <a:cs typeface="Times New Roman" panose="02020603050405020304" pitchFamily="18" charset="0"/>
+                      </a:endParaRPr>
+                    </a:p>
+                  </a:txBody>
+                  <a:tcPr marL="68580" marR="68580" marT="0" marB="0" anchor="ctr"/>
+                </a:tc>
+                <a:extLst>
+                  <a:ext uri="{0D108BD9-81ED-4DB2-BD59-A6C34878D82A}">
+                    <a16:rowId xmlns:a16="http://schemas.microsoft.com/office/drawing/2014/main" val="4208025216"/>
+                  </a:ext>
+                </a:extLst>
+              </a:tr>
+              <a:tr h="196208">
+                <a:tc>
+                  <a:txBody>
+                    <a:bodyPr/>
+                    <a:lstStyle/>
+                    <a:p>
+                      <a:pPr algn="l" fontAlgn="b"/>
+                      <a:r>
+                        <a:rPr lang="en-GB" sz="1100" b="0" i="0" u="none" strike="noStrike" dirty="0" err="1">
+                          <a:solidFill>
+                            <a:srgbClr val="000000"/>
+                          </a:solidFill>
+                          <a:effectLst/>
+                          <a:latin typeface="Aptos Narrow" panose="020B0004020202020204" pitchFamily="34" charset="0"/>
+                        </a:rPr>
+                        <a:t>NumCompaniesWorked</a:t>
+                      </a:r>
+                      <a:endParaRPr lang="en-GB" sz="1100" b="0" i="0" u="none" strike="noStrike" dirty="0">
+                        <a:solidFill>
+                          <a:srgbClr val="000000"/>
+                        </a:solidFill>
+                        <a:effectLst/>
+                        <a:latin typeface="Aptos Narrow" panose="020B0004020202020204" pitchFamily="34" charset="0"/>
+                      </a:endParaRPr>
+                    </a:p>
+                  </a:txBody>
+                  <a:tcPr marL="7620" marR="7620" marT="7620" marB="0" anchor="b"/>
+                </a:tc>
+                <a:tc>
+                  <a:txBody>
+                    <a:bodyPr/>
+                    <a:lstStyle/>
+                    <a:p>
+                      <a:pPr>
+                        <a:lnSpc>
+                          <a:spcPct val="107000"/>
+                        </a:lnSpc>
+                        <a:spcAft>
+                          <a:spcPts val="800"/>
+                        </a:spcAft>
+                      </a:pPr>
+                      <a:endParaRPr lang="en-GB" sz="1100" kern="100" dirty="0">
+                        <a:effectLst/>
+                        <a:latin typeface="Aptos" panose="020B0004020202020204" pitchFamily="34" charset="0"/>
+                        <a:ea typeface="Aptos" panose="020B0004020202020204" pitchFamily="34" charset="0"/>
+                        <a:cs typeface="Times New Roman" panose="02020603050405020304" pitchFamily="18" charset="0"/>
+                      </a:endParaRPr>
+                    </a:p>
+                  </a:txBody>
+                  <a:tcPr marL="68580" marR="68580" marT="0" marB="0" anchor="ctr"/>
+                </a:tc>
+                <a:extLst>
+                  <a:ext uri="{0D108BD9-81ED-4DB2-BD59-A6C34878D82A}">
+                    <a16:rowId xmlns:a16="http://schemas.microsoft.com/office/drawing/2014/main" val="1012484606"/>
+                  </a:ext>
+                </a:extLst>
+              </a:tr>
+              <a:tr h="196208">
+                <a:tc>
+                  <a:txBody>
+                    <a:bodyPr/>
+                    <a:lstStyle/>
+                    <a:p>
+                      <a:pPr algn="l" fontAlgn="b"/>
+                      <a:r>
+                        <a:rPr lang="en-GB" sz="1100" b="0" i="0" u="none" strike="noStrike" dirty="0" err="1">
+                          <a:solidFill>
+                            <a:srgbClr val="000000"/>
+                          </a:solidFill>
+                          <a:effectLst/>
+                          <a:latin typeface="Aptos Narrow" panose="020B0004020202020204" pitchFamily="34" charset="0"/>
+                        </a:rPr>
+                        <a:t>OverTime</a:t>
+                      </a:r>
+                      <a:endParaRPr lang="en-GB" sz="1100" b="0" i="0" u="none" strike="noStrike" dirty="0">
+                        <a:solidFill>
+                          <a:srgbClr val="000000"/>
+                        </a:solidFill>
+                        <a:effectLst/>
+                        <a:latin typeface="Aptos Narrow" panose="020B0004020202020204" pitchFamily="34" charset="0"/>
+                      </a:endParaRPr>
+                    </a:p>
+                  </a:txBody>
+                  <a:tcPr marL="7620" marR="7620" marT="7620" marB="0" anchor="b"/>
+                </a:tc>
+                <a:tc>
+                  <a:txBody>
+                    <a:bodyPr/>
+                    <a:lstStyle/>
+                    <a:p>
+                      <a:pPr>
+                        <a:lnSpc>
+                          <a:spcPct val="107000"/>
+                        </a:lnSpc>
+                        <a:spcAft>
+                          <a:spcPts val="800"/>
+                        </a:spcAft>
+                      </a:pPr>
+                      <a:endParaRPr lang="en-GB" sz="1100" kern="100" dirty="0">
+                        <a:effectLst/>
+                        <a:latin typeface="Aptos" panose="020B0004020202020204" pitchFamily="34" charset="0"/>
+                        <a:ea typeface="Aptos" panose="020B0004020202020204" pitchFamily="34" charset="0"/>
+                        <a:cs typeface="Times New Roman" panose="02020603050405020304" pitchFamily="18" charset="0"/>
+                      </a:endParaRPr>
+                    </a:p>
+                  </a:txBody>
+                  <a:tcPr marL="68580" marR="68580" marT="0" marB="0" anchor="ctr"/>
+                </a:tc>
+                <a:extLst>
+                  <a:ext uri="{0D108BD9-81ED-4DB2-BD59-A6C34878D82A}">
+                    <a16:rowId xmlns:a16="http://schemas.microsoft.com/office/drawing/2014/main" val="3505888883"/>
+                  </a:ext>
+                </a:extLst>
+              </a:tr>
+              <a:tr h="196208">
+                <a:tc>
+                  <a:txBody>
+                    <a:bodyPr/>
+                    <a:lstStyle/>
+                    <a:p>
+                      <a:pPr algn="l" fontAlgn="b"/>
+                      <a:r>
+                        <a:rPr lang="en-GB" sz="1100" b="0" i="0" u="none" strike="noStrike">
+                          <a:solidFill>
+                            <a:srgbClr val="000000"/>
+                          </a:solidFill>
+                          <a:effectLst/>
+                          <a:latin typeface="Aptos Narrow" panose="020B0004020202020204" pitchFamily="34" charset="0"/>
+                        </a:rPr>
+                        <a:t>PercentSalaryHike</a:t>
+                      </a:r>
+                    </a:p>
+                  </a:txBody>
+                  <a:tcPr marL="7620" marR="7620" marT="7620" marB="0" anchor="b"/>
+                </a:tc>
+                <a:tc>
+                  <a:txBody>
+                    <a:bodyPr/>
+                    <a:lstStyle/>
+                    <a:p>
+                      <a:pPr>
+                        <a:lnSpc>
+                          <a:spcPct val="107000"/>
+                        </a:lnSpc>
+                        <a:spcAft>
+                          <a:spcPts val="800"/>
+                        </a:spcAft>
+                      </a:pPr>
+                      <a:endParaRPr lang="en-GB" sz="1100" kern="100" dirty="0">
+                        <a:effectLst/>
+                        <a:latin typeface="Aptos" panose="020B0004020202020204" pitchFamily="34" charset="0"/>
+                        <a:ea typeface="Aptos" panose="020B0004020202020204" pitchFamily="34" charset="0"/>
+                        <a:cs typeface="Times New Roman" panose="02020603050405020304" pitchFamily="18" charset="0"/>
+                      </a:endParaRPr>
+                    </a:p>
+                  </a:txBody>
+                  <a:tcPr marL="68580" marR="68580" marT="0" marB="0" anchor="ctr"/>
+                </a:tc>
+                <a:extLst>
+                  <a:ext uri="{0D108BD9-81ED-4DB2-BD59-A6C34878D82A}">
+                    <a16:rowId xmlns:a16="http://schemas.microsoft.com/office/drawing/2014/main" val="62888504"/>
+                  </a:ext>
+                </a:extLst>
+              </a:tr>
+              <a:tr h="196208">
+                <a:tc>
+                  <a:txBody>
+                    <a:bodyPr/>
+                    <a:lstStyle/>
+                    <a:p>
+                      <a:pPr algn="l" fontAlgn="b"/>
+                      <a:r>
+                        <a:rPr lang="en-GB" sz="1100" b="0" i="0" u="none" strike="noStrike" dirty="0" err="1">
+                          <a:solidFill>
+                            <a:srgbClr val="000000"/>
+                          </a:solidFill>
+                          <a:effectLst/>
+                          <a:latin typeface="Aptos Narrow" panose="020B0004020202020204" pitchFamily="34" charset="0"/>
+                        </a:rPr>
+                        <a:t>PerformanceRating</a:t>
+                      </a:r>
+                      <a:endParaRPr lang="en-GB" sz="1100" b="0" i="0" u="none" strike="noStrike" dirty="0">
+                        <a:solidFill>
+                          <a:srgbClr val="000000"/>
+                        </a:solidFill>
+                        <a:effectLst/>
+                        <a:latin typeface="Aptos Narrow" panose="020B0004020202020204" pitchFamily="34" charset="0"/>
+                      </a:endParaRPr>
+                    </a:p>
+                  </a:txBody>
+                  <a:tcPr marL="7620" marR="7620" marT="7620" marB="0" anchor="b"/>
+                </a:tc>
+                <a:tc>
+                  <a:txBody>
+                    <a:bodyPr/>
+                    <a:lstStyle/>
+                    <a:p>
+                      <a:pPr>
+                        <a:lnSpc>
+                          <a:spcPct val="107000"/>
+                        </a:lnSpc>
+                        <a:spcAft>
+                          <a:spcPts val="800"/>
+                        </a:spcAft>
+                      </a:pPr>
+                      <a:endParaRPr lang="en-GB" sz="1100" kern="100">
+                        <a:effectLst/>
+                        <a:latin typeface="Aptos" panose="020B0004020202020204" pitchFamily="34" charset="0"/>
+                        <a:ea typeface="Aptos" panose="020B0004020202020204" pitchFamily="34" charset="0"/>
+                        <a:cs typeface="Times New Roman" panose="02020603050405020304" pitchFamily="18" charset="0"/>
+                      </a:endParaRPr>
+                    </a:p>
+                  </a:txBody>
+                  <a:tcPr marL="68580" marR="68580" marT="0" marB="0" anchor="ctr"/>
+                </a:tc>
+                <a:extLst>
+                  <a:ext uri="{0D108BD9-81ED-4DB2-BD59-A6C34878D82A}">
+                    <a16:rowId xmlns:a16="http://schemas.microsoft.com/office/drawing/2014/main" val="2767731157"/>
+                  </a:ext>
+                </a:extLst>
+              </a:tr>
+              <a:tr h="196208">
+                <a:tc>
+                  <a:txBody>
+                    <a:bodyPr/>
+                    <a:lstStyle/>
+                    <a:p>
+                      <a:pPr algn="l" fontAlgn="b"/>
+                      <a:r>
+                        <a:rPr lang="en-GB" sz="1100" b="0" i="0" u="none" strike="noStrike" dirty="0" err="1">
+                          <a:solidFill>
+                            <a:srgbClr val="000000"/>
+                          </a:solidFill>
+                          <a:effectLst/>
+                          <a:latin typeface="Aptos Narrow" panose="020B0004020202020204" pitchFamily="34" charset="0"/>
+                        </a:rPr>
+                        <a:t>RelationshipSatisfaction</a:t>
+                      </a:r>
+                      <a:endParaRPr lang="en-GB" sz="1100" b="0" i="0" u="none" strike="noStrike" dirty="0">
+                        <a:solidFill>
+                          <a:srgbClr val="000000"/>
+                        </a:solidFill>
+                        <a:effectLst/>
+                        <a:latin typeface="Aptos Narrow" panose="020B0004020202020204" pitchFamily="34" charset="0"/>
+                      </a:endParaRPr>
+                    </a:p>
+                  </a:txBody>
+                  <a:tcPr marL="7620" marR="7620" marT="7620" marB="0" anchor="b"/>
+                </a:tc>
+                <a:tc>
+                  <a:txBody>
+                    <a:bodyPr/>
+                    <a:lstStyle/>
+                    <a:p>
+                      <a:pPr>
+                        <a:lnSpc>
+                          <a:spcPct val="107000"/>
+                        </a:lnSpc>
+                        <a:spcAft>
+                          <a:spcPts val="800"/>
+                        </a:spcAft>
+                      </a:pPr>
+                      <a:endParaRPr lang="en-GB" sz="1100" kern="100">
+                        <a:effectLst/>
+                        <a:latin typeface="Aptos" panose="020B0004020202020204" pitchFamily="34" charset="0"/>
+                        <a:ea typeface="Aptos" panose="020B0004020202020204" pitchFamily="34" charset="0"/>
+                        <a:cs typeface="Times New Roman" panose="02020603050405020304" pitchFamily="18" charset="0"/>
+                      </a:endParaRPr>
+                    </a:p>
+                  </a:txBody>
+                  <a:tcPr marL="68580" marR="68580" marT="0" marB="0" anchor="ctr"/>
+                </a:tc>
+                <a:extLst>
+                  <a:ext uri="{0D108BD9-81ED-4DB2-BD59-A6C34878D82A}">
+                    <a16:rowId xmlns:a16="http://schemas.microsoft.com/office/drawing/2014/main" val="172191207"/>
+                  </a:ext>
+                </a:extLst>
+              </a:tr>
+              <a:tr h="196208">
+                <a:tc>
+                  <a:txBody>
+                    <a:bodyPr/>
+                    <a:lstStyle/>
+                    <a:p>
+                      <a:pPr algn="l" fontAlgn="b"/>
+                      <a:r>
+                        <a:rPr lang="en-GB" sz="1100" b="0" i="0" u="none" strike="noStrike" dirty="0" err="1">
+                          <a:solidFill>
+                            <a:srgbClr val="000000"/>
+                          </a:solidFill>
+                          <a:effectLst/>
+                          <a:latin typeface="Aptos Narrow" panose="020B0004020202020204" pitchFamily="34" charset="0"/>
+                        </a:rPr>
+                        <a:t>StandardHours</a:t>
+                      </a:r>
+                      <a:endParaRPr lang="en-GB" sz="1100" b="0" i="0" u="none" strike="noStrike" dirty="0">
+                        <a:solidFill>
+                          <a:srgbClr val="000000"/>
+                        </a:solidFill>
+                        <a:effectLst/>
+                        <a:latin typeface="Aptos Narrow" panose="020B0004020202020204" pitchFamily="34" charset="0"/>
+                      </a:endParaRPr>
+                    </a:p>
+                  </a:txBody>
+                  <a:tcPr marL="7620" marR="7620" marT="7620" marB="0" anchor="b"/>
+                </a:tc>
+                <a:tc>
+                  <a:txBody>
+                    <a:bodyPr/>
+                    <a:lstStyle/>
+                    <a:p>
+                      <a:pPr>
+                        <a:lnSpc>
+                          <a:spcPct val="107000"/>
+                        </a:lnSpc>
+                        <a:spcAft>
+                          <a:spcPts val="800"/>
+                        </a:spcAft>
+                      </a:pPr>
+                      <a:endParaRPr lang="en-GB" sz="1100" kern="100">
+                        <a:effectLst/>
+                        <a:latin typeface="Aptos" panose="020B0004020202020204" pitchFamily="34" charset="0"/>
+                        <a:ea typeface="Aptos" panose="020B0004020202020204" pitchFamily="34" charset="0"/>
+                        <a:cs typeface="Times New Roman" panose="02020603050405020304" pitchFamily="18" charset="0"/>
+                      </a:endParaRPr>
+                    </a:p>
+                  </a:txBody>
+                  <a:tcPr marL="68580" marR="68580" marT="0" marB="0" anchor="ctr"/>
+                </a:tc>
+                <a:extLst>
+                  <a:ext uri="{0D108BD9-81ED-4DB2-BD59-A6C34878D82A}">
+                    <a16:rowId xmlns:a16="http://schemas.microsoft.com/office/drawing/2014/main" val="3610124625"/>
+                  </a:ext>
+                </a:extLst>
+              </a:tr>
+              <a:tr h="196208">
+                <a:tc>
+                  <a:txBody>
+                    <a:bodyPr/>
+                    <a:lstStyle/>
+                    <a:p>
+                      <a:pPr algn="l" fontAlgn="b"/>
+                      <a:r>
+                        <a:rPr lang="en-GB" sz="1100" b="0" i="0" u="none" strike="noStrike" dirty="0" err="1">
+                          <a:solidFill>
+                            <a:srgbClr val="000000"/>
+                          </a:solidFill>
+                          <a:effectLst/>
+                          <a:latin typeface="Aptos Narrow" panose="020B0004020202020204" pitchFamily="34" charset="0"/>
+                        </a:rPr>
+                        <a:t>StockOptionLevel</a:t>
+                      </a:r>
+                      <a:endParaRPr lang="en-GB" sz="1100" b="0" i="0" u="none" strike="noStrike" dirty="0">
+                        <a:solidFill>
+                          <a:srgbClr val="000000"/>
+                        </a:solidFill>
+                        <a:effectLst/>
+                        <a:latin typeface="Aptos Narrow" panose="020B0004020202020204" pitchFamily="34" charset="0"/>
+                      </a:endParaRPr>
+                    </a:p>
+                  </a:txBody>
+                  <a:tcPr marL="7620" marR="7620" marT="7620" marB="0" anchor="b"/>
+                </a:tc>
+                <a:tc>
+                  <a:txBody>
+                    <a:bodyPr/>
+                    <a:lstStyle/>
+                    <a:p>
+                      <a:pPr>
+                        <a:lnSpc>
+                          <a:spcPct val="107000"/>
+                        </a:lnSpc>
+                        <a:spcAft>
+                          <a:spcPts val="800"/>
+                        </a:spcAft>
+                      </a:pPr>
+                      <a:endParaRPr lang="en-GB" sz="1100" kern="100">
+                        <a:effectLst/>
+                        <a:latin typeface="Aptos" panose="020B0004020202020204" pitchFamily="34" charset="0"/>
+                        <a:ea typeface="Aptos" panose="020B0004020202020204" pitchFamily="34" charset="0"/>
+                        <a:cs typeface="Times New Roman" panose="02020603050405020304" pitchFamily="18" charset="0"/>
+                      </a:endParaRPr>
+                    </a:p>
+                  </a:txBody>
+                  <a:tcPr marL="68580" marR="68580" marT="0" marB="0" anchor="ctr"/>
+                </a:tc>
+                <a:extLst>
+                  <a:ext uri="{0D108BD9-81ED-4DB2-BD59-A6C34878D82A}">
+                    <a16:rowId xmlns:a16="http://schemas.microsoft.com/office/drawing/2014/main" val="2510255621"/>
+                  </a:ext>
+                </a:extLst>
+              </a:tr>
+              <a:tr h="196208">
+                <a:tc>
+                  <a:txBody>
+                    <a:bodyPr/>
+                    <a:lstStyle/>
+                    <a:p>
+                      <a:pPr algn="l" fontAlgn="b"/>
+                      <a:r>
+                        <a:rPr lang="en-GB" sz="1100" b="0" i="0" u="none" strike="noStrike" dirty="0" err="1">
+                          <a:solidFill>
+                            <a:srgbClr val="000000"/>
+                          </a:solidFill>
+                          <a:effectLst/>
+                          <a:latin typeface="Aptos Narrow" panose="020B0004020202020204" pitchFamily="34" charset="0"/>
+                        </a:rPr>
+                        <a:t>TotalWorkingYears</a:t>
+                      </a:r>
+                      <a:endParaRPr lang="en-GB" sz="1100" b="0" i="0" u="none" strike="noStrike" dirty="0">
+                        <a:solidFill>
+                          <a:srgbClr val="000000"/>
+                        </a:solidFill>
+                        <a:effectLst/>
+                        <a:latin typeface="Aptos Narrow" panose="020B0004020202020204" pitchFamily="34" charset="0"/>
+                      </a:endParaRPr>
+                    </a:p>
+                  </a:txBody>
+                  <a:tcPr marL="7620" marR="7620" marT="7620" marB="0" anchor="b"/>
+                </a:tc>
+                <a:tc>
+                  <a:txBody>
+                    <a:bodyPr/>
+                    <a:lstStyle/>
+                    <a:p>
+                      <a:pPr>
+                        <a:lnSpc>
+                          <a:spcPct val="107000"/>
+                        </a:lnSpc>
+                        <a:spcAft>
+                          <a:spcPts val="800"/>
+                        </a:spcAft>
+                      </a:pPr>
+                      <a:endParaRPr lang="en-GB" sz="1100" kern="100">
+                        <a:effectLst/>
+                        <a:latin typeface="Aptos" panose="020B0004020202020204" pitchFamily="34" charset="0"/>
+                        <a:ea typeface="Aptos" panose="020B0004020202020204" pitchFamily="34" charset="0"/>
+                        <a:cs typeface="Times New Roman" panose="02020603050405020304" pitchFamily="18" charset="0"/>
+                      </a:endParaRPr>
+                    </a:p>
+                  </a:txBody>
+                  <a:tcPr marL="68580" marR="68580" marT="0" marB="0" anchor="ctr"/>
+                </a:tc>
+                <a:extLst>
+                  <a:ext uri="{0D108BD9-81ED-4DB2-BD59-A6C34878D82A}">
+                    <a16:rowId xmlns:a16="http://schemas.microsoft.com/office/drawing/2014/main" val="4090915272"/>
+                  </a:ext>
+                </a:extLst>
+              </a:tr>
+              <a:tr h="196208">
+                <a:tc>
+                  <a:txBody>
+                    <a:bodyPr/>
+                    <a:lstStyle/>
+                    <a:p>
+                      <a:pPr algn="l" fontAlgn="b"/>
+                      <a:r>
+                        <a:rPr lang="en-GB" sz="1100" b="0" i="0" u="none" strike="noStrike" dirty="0" err="1">
+                          <a:solidFill>
+                            <a:srgbClr val="000000"/>
+                          </a:solidFill>
+                          <a:effectLst/>
+                          <a:latin typeface="Aptos Narrow" panose="020B0004020202020204" pitchFamily="34" charset="0"/>
+                        </a:rPr>
+                        <a:t>TrainingTimesLastYear</a:t>
+                      </a:r>
+                      <a:endParaRPr lang="en-GB" sz="1100" b="0" i="0" u="none" strike="noStrike" dirty="0">
+                        <a:solidFill>
+                          <a:srgbClr val="000000"/>
+                        </a:solidFill>
+                        <a:effectLst/>
+                        <a:latin typeface="Aptos Narrow" panose="020B0004020202020204" pitchFamily="34" charset="0"/>
+                      </a:endParaRPr>
+                    </a:p>
+                  </a:txBody>
+                  <a:tcPr marL="7620" marR="7620" marT="7620" marB="0" anchor="b"/>
+                </a:tc>
+                <a:tc>
+                  <a:txBody>
+                    <a:bodyPr/>
+                    <a:lstStyle/>
+                    <a:p>
+                      <a:pPr>
+                        <a:lnSpc>
+                          <a:spcPct val="107000"/>
+                        </a:lnSpc>
+                        <a:spcAft>
+                          <a:spcPts val="800"/>
+                        </a:spcAft>
+                      </a:pPr>
+                      <a:endParaRPr lang="en-GB" sz="1100" kern="100">
+                        <a:effectLst/>
+                        <a:latin typeface="Aptos" panose="020B0004020202020204" pitchFamily="34" charset="0"/>
+                        <a:ea typeface="Aptos" panose="020B0004020202020204" pitchFamily="34" charset="0"/>
+                        <a:cs typeface="Times New Roman" panose="02020603050405020304" pitchFamily="18" charset="0"/>
+                      </a:endParaRPr>
+                    </a:p>
+                  </a:txBody>
+                  <a:tcPr marL="68580" marR="68580" marT="0" marB="0" anchor="ctr"/>
+                </a:tc>
+                <a:extLst>
+                  <a:ext uri="{0D108BD9-81ED-4DB2-BD59-A6C34878D82A}">
+                    <a16:rowId xmlns:a16="http://schemas.microsoft.com/office/drawing/2014/main" val="295076994"/>
+                  </a:ext>
+                </a:extLst>
+              </a:tr>
+              <a:tr h="196208">
+                <a:tc>
+                  <a:txBody>
+                    <a:bodyPr/>
+                    <a:lstStyle/>
+                    <a:p>
+                      <a:pPr algn="l" fontAlgn="b"/>
+                      <a:r>
+                        <a:rPr lang="en-GB" sz="1100" b="0" i="0" u="none" strike="noStrike" dirty="0" err="1">
+                          <a:solidFill>
+                            <a:srgbClr val="000000"/>
+                          </a:solidFill>
+                          <a:effectLst/>
+                          <a:latin typeface="Aptos Narrow" panose="020B0004020202020204" pitchFamily="34" charset="0"/>
+                        </a:rPr>
+                        <a:t>WorkLifeBalance</a:t>
+                      </a:r>
+                      <a:endParaRPr lang="en-GB" sz="1100" b="0" i="0" u="none" strike="noStrike" dirty="0">
+                        <a:solidFill>
+                          <a:srgbClr val="000000"/>
+                        </a:solidFill>
+                        <a:effectLst/>
+                        <a:latin typeface="Aptos Narrow" panose="020B0004020202020204" pitchFamily="34" charset="0"/>
+                      </a:endParaRPr>
+                    </a:p>
+                  </a:txBody>
+                  <a:tcPr marL="7620" marR="7620" marT="7620" marB="0" anchor="b"/>
+                </a:tc>
+                <a:tc>
+                  <a:txBody>
+                    <a:bodyPr/>
+                    <a:lstStyle/>
+                    <a:p>
+                      <a:pPr>
+                        <a:lnSpc>
+                          <a:spcPct val="107000"/>
+                        </a:lnSpc>
+                        <a:spcAft>
+                          <a:spcPts val="800"/>
+                        </a:spcAft>
+                      </a:pPr>
+                      <a:endParaRPr lang="en-GB" sz="1100" kern="100">
+                        <a:effectLst/>
+                        <a:latin typeface="Aptos" panose="020B0004020202020204" pitchFamily="34" charset="0"/>
+                        <a:ea typeface="Aptos" panose="020B0004020202020204" pitchFamily="34" charset="0"/>
+                        <a:cs typeface="Times New Roman" panose="02020603050405020304" pitchFamily="18" charset="0"/>
+                      </a:endParaRPr>
+                    </a:p>
+                  </a:txBody>
+                  <a:tcPr marL="68580" marR="68580" marT="0" marB="0" anchor="ctr"/>
+                </a:tc>
+                <a:extLst>
+                  <a:ext uri="{0D108BD9-81ED-4DB2-BD59-A6C34878D82A}">
+                    <a16:rowId xmlns:a16="http://schemas.microsoft.com/office/drawing/2014/main" val="3163141562"/>
+                  </a:ext>
+                </a:extLst>
+              </a:tr>
+              <a:tr h="196208">
+                <a:tc>
+                  <a:txBody>
+                    <a:bodyPr/>
+                    <a:lstStyle/>
+                    <a:p>
+                      <a:pPr marL="0" marR="0" lvl="0" indent="0" algn="l" defTabSz="914400" rtl="0" eaLnBrk="1" fontAlgn="b" latinLnBrk="0" hangingPunct="1">
+                        <a:lnSpc>
+                          <a:spcPct val="100000"/>
+                        </a:lnSpc>
+                        <a:spcBef>
+                          <a:spcPts val="0"/>
+                        </a:spcBef>
+                        <a:spcAft>
+                          <a:spcPts val="0"/>
+                        </a:spcAft>
+                        <a:buClrTx/>
+                        <a:buSzTx/>
+                        <a:buFontTx/>
+                        <a:buNone/>
+                        <a:tabLst/>
+                        <a:defRPr/>
+                      </a:pPr>
+                      <a:r>
+                        <a:rPr lang="en-GB" sz="1100" b="0" i="0" u="none" strike="noStrike" dirty="0" err="1">
+                          <a:solidFill>
+                            <a:srgbClr val="000000"/>
+                          </a:solidFill>
+                          <a:effectLst/>
+                          <a:latin typeface="Aptos Narrow" panose="020B0004020202020204" pitchFamily="34" charset="0"/>
+                        </a:rPr>
+                        <a:t>YearsAtCompany</a:t>
+                      </a:r>
+                      <a:r>
+                        <a:rPr lang="en-GB" sz="1100" b="0" i="0" u="none" strike="noStrike" dirty="0">
+                          <a:solidFill>
+                            <a:srgbClr val="000000"/>
+                          </a:solidFill>
+                          <a:effectLst/>
+                          <a:latin typeface="Aptos Narrow" panose="020B0004020202020204" pitchFamily="34" charset="0"/>
+                        </a:rPr>
+                        <a:t>, </a:t>
+                      </a:r>
+                      <a:r>
+                        <a:rPr lang="en-GB" sz="1100" b="0" i="0" u="none" strike="noStrike" dirty="0" err="1">
+                          <a:solidFill>
+                            <a:srgbClr val="000000"/>
+                          </a:solidFill>
+                          <a:effectLst/>
+                          <a:latin typeface="Aptos Narrow" panose="020B0004020202020204" pitchFamily="34" charset="0"/>
+                        </a:rPr>
+                        <a:t>YearsInCurrentRole</a:t>
+                      </a:r>
+                      <a:r>
+                        <a:rPr lang="en-GB" sz="1100" b="0" i="0" u="none" strike="noStrike" dirty="0">
+                          <a:solidFill>
+                            <a:srgbClr val="000000"/>
+                          </a:solidFill>
+                          <a:effectLst/>
+                          <a:latin typeface="Aptos Narrow" panose="020B0004020202020204" pitchFamily="34" charset="0"/>
+                        </a:rPr>
+                        <a:t>, </a:t>
+                      </a:r>
+                      <a:r>
+                        <a:rPr lang="en-GB" sz="1100" b="0" i="0" u="none" strike="noStrike" dirty="0" err="1">
+                          <a:solidFill>
+                            <a:srgbClr val="000000"/>
+                          </a:solidFill>
+                          <a:effectLst/>
+                          <a:latin typeface="Aptos Narrow" panose="020B0004020202020204" pitchFamily="34" charset="0"/>
+                        </a:rPr>
+                        <a:t>YearsSinceLastPromotion</a:t>
+                      </a:r>
+                      <a:endParaRPr lang="en-GB" sz="1100" b="0" i="0" u="none" strike="noStrike" dirty="0">
+                        <a:solidFill>
+                          <a:srgbClr val="000000"/>
+                        </a:solidFill>
+                        <a:effectLst/>
+                        <a:latin typeface="Aptos Narrow" panose="020B0004020202020204" pitchFamily="34" charset="0"/>
+                      </a:endParaRPr>
+                    </a:p>
+                  </a:txBody>
+                  <a:tcPr marL="7620" marR="7620" marT="7620" marB="0" anchor="b"/>
+                </a:tc>
+                <a:tc>
+                  <a:txBody>
+                    <a:bodyPr/>
+                    <a:lstStyle/>
+                    <a:p>
+                      <a:pPr>
+                        <a:lnSpc>
+                          <a:spcPct val="107000"/>
+                        </a:lnSpc>
+                        <a:spcAft>
+                          <a:spcPts val="800"/>
+                        </a:spcAft>
+                      </a:pPr>
+                      <a:endParaRPr lang="en-GB" sz="1100" kern="100">
+                        <a:effectLst/>
+                        <a:latin typeface="Aptos" panose="020B0004020202020204" pitchFamily="34" charset="0"/>
+                        <a:ea typeface="Aptos" panose="020B0004020202020204" pitchFamily="34" charset="0"/>
+                        <a:cs typeface="Times New Roman" panose="02020603050405020304" pitchFamily="18" charset="0"/>
+                      </a:endParaRPr>
+                    </a:p>
+                  </a:txBody>
+                  <a:tcPr marL="68580" marR="68580" marT="0" marB="0" anchor="ctr"/>
+                </a:tc>
+                <a:extLst>
+                  <a:ext uri="{0D108BD9-81ED-4DB2-BD59-A6C34878D82A}">
+                    <a16:rowId xmlns:a16="http://schemas.microsoft.com/office/drawing/2014/main" val="2262449285"/>
+                  </a:ext>
+                </a:extLst>
+              </a:tr>
+              <a:tr h="196208">
+                <a:tc>
+                  <a:txBody>
+                    <a:bodyPr/>
+                    <a:lstStyle/>
+                    <a:p>
+                      <a:pPr algn="l" fontAlgn="b"/>
+                      <a:r>
+                        <a:rPr lang="en-GB" sz="1100" b="0" i="0" u="none" strike="noStrike" dirty="0" err="1">
+                          <a:solidFill>
+                            <a:srgbClr val="000000"/>
+                          </a:solidFill>
+                          <a:effectLst/>
+                          <a:latin typeface="Aptos Narrow" panose="020B0004020202020204" pitchFamily="34" charset="0"/>
+                        </a:rPr>
+                        <a:t>YearsWithCurrManager</a:t>
+                      </a:r>
+                      <a:endParaRPr lang="en-GB" sz="1100" b="0" i="0" u="none" strike="noStrike" dirty="0">
+                        <a:solidFill>
+                          <a:srgbClr val="000000"/>
+                        </a:solidFill>
+                        <a:effectLst/>
+                        <a:latin typeface="Aptos Narrow" panose="020B0004020202020204" pitchFamily="34" charset="0"/>
+                      </a:endParaRPr>
+                    </a:p>
+                  </a:txBody>
+                  <a:tcPr marL="7620" marR="7620" marT="7620" marB="0" anchor="b"/>
+                </a:tc>
+                <a:tc>
+                  <a:txBody>
+                    <a:bodyPr/>
+                    <a:lstStyle/>
+                    <a:p>
+                      <a:pPr>
+                        <a:lnSpc>
+                          <a:spcPct val="107000"/>
+                        </a:lnSpc>
+                        <a:spcAft>
+                          <a:spcPts val="800"/>
+                        </a:spcAft>
+                      </a:pPr>
+                      <a:endParaRPr lang="en-GB" sz="1100" kern="100" dirty="0">
+                        <a:effectLst/>
+                        <a:latin typeface="Aptos" panose="020B0004020202020204" pitchFamily="34" charset="0"/>
+                        <a:ea typeface="Aptos" panose="020B0004020202020204" pitchFamily="34" charset="0"/>
+                        <a:cs typeface="Times New Roman" panose="02020603050405020304" pitchFamily="18" charset="0"/>
+                      </a:endParaRPr>
+                    </a:p>
+                  </a:txBody>
+                  <a:tcPr marL="68580" marR="68580" marT="0" marB="0" anchor="ctr"/>
+                </a:tc>
+                <a:extLst>
+                  <a:ext uri="{0D108BD9-81ED-4DB2-BD59-A6C34878D82A}">
+                    <a16:rowId xmlns:a16="http://schemas.microsoft.com/office/drawing/2014/main" val="3480496261"/>
+                  </a:ext>
+                </a:extLst>
+              </a:tr>
+            </a:tbl>
+          </a:graphicData>
+        </a:graphic>
+      </p:graphicFrame>
     </p:spTree>
     <p:extLst>
       <p:ext uri="{BB962C8B-B14F-4D97-AF65-F5344CB8AC3E}">
-        <p14:creationId xmlns:p14="http://schemas.microsoft.com/office/powerpoint/2010/main" val="1718801220"/>
+        <p14:creationId xmlns:p14="http://schemas.microsoft.com/office/powerpoint/2010/main" val="2319673497"/>
       </p:ext>
     </p:extLst>
   </p:cSld>
@@ -4330,7 +6258,7 @@
           <p:cNvPr id="2" name="Title 1">
             <a:extLst>
               <a:ext uri="{FF2B5EF4-FFF2-40B4-BE49-F238E27FC236}">
-                <a16:creationId xmlns:a16="http://schemas.microsoft.com/office/drawing/2014/main" id="{28F3ABFD-179B-8554-8055-9BC52D196F41}"/>
+                <a16:creationId xmlns:a16="http://schemas.microsoft.com/office/drawing/2014/main" id="{4D82178C-B1EA-32CE-54AB-224E912D5176}"/>
               </a:ext>
             </a:extLst>
           </p:cNvPr>
@@ -4347,8 +6275,8 @@
           <a:lstStyle/>
           <a:p>
             <a:r>
-              <a:rPr lang="en-US" dirty="0"/>
-              <a:t>Split the data</a:t>
+              <a:rPr lang="en-GB" dirty="0"/>
+              <a:t>Features and Targets</a:t>
             </a:r>
           </a:p>
         </p:txBody>
@@ -4358,7 +6286,7 @@
           <p:cNvPr id="3" name="Content Placeholder 2">
             <a:extLst>
               <a:ext uri="{FF2B5EF4-FFF2-40B4-BE49-F238E27FC236}">
-                <a16:creationId xmlns:a16="http://schemas.microsoft.com/office/drawing/2014/main" id="{802DC319-2F84-A3CD-8F93-FDBE17E9E886}"/>
+                <a16:creationId xmlns:a16="http://schemas.microsoft.com/office/drawing/2014/main" id="{84313275-ED7F-13CB-B8B5-4396224B0CA4}"/>
               </a:ext>
             </a:extLst>
           </p:cNvPr>
@@ -4371,9 +6299,7 @@
         </p:nvSpPr>
         <p:spPr/>
         <p:txBody>
-          <a:bodyPr vert="horz" lIns="91440" tIns="45720" rIns="91440" bIns="45720" rtlCol="0" anchor="t">
-            <a:normAutofit fontScale="92500" lnSpcReduction="20000"/>
-          </a:bodyPr>
+          <a:bodyPr/>
           <a:lstStyle/>
           <a:p>
             <a:pPr marL="0" indent="0">
@@ -4381,163 +6307,7 @@
             </a:pPr>
             <a:r>
               <a:rPr lang="en-US" dirty="0"/>
-              <a:t>from </a:t>
-            </a:r>
-            <a:r>
-              <a:rPr lang="en-US" err="1"/>
-              <a:t>sklearn.model_selection</a:t>
-            </a:r>
-            <a:r>
-              <a:rPr lang="en-US" dirty="0"/>
-              <a:t> import </a:t>
-            </a:r>
-            <a:r>
-              <a:rPr lang="en-US" err="1"/>
-              <a:t>train_test_split</a:t>
-            </a:r>
-            <a:endParaRPr lang="en-US"/>
-          </a:p>
-          <a:p>
-            <a:pPr marL="0" indent="0">
-              <a:buNone/>
-            </a:pPr>
-            <a:r>
-              <a:rPr lang="en-US" dirty="0"/>
-              <a:t>from </a:t>
-            </a:r>
-            <a:r>
-              <a:rPr lang="en-US" err="1"/>
-              <a:t>sklearn.preprocessing</a:t>
-            </a:r>
-            <a:r>
-              <a:rPr lang="en-US" dirty="0"/>
-              <a:t> import </a:t>
-            </a:r>
-            <a:r>
-              <a:rPr lang="en-US" err="1"/>
-              <a:t>LabelEncoder</a:t>
-            </a:r>
-            <a:endParaRPr lang="en-US"/>
-          </a:p>
-          <a:p>
-            <a:pPr marL="0" indent="0">
-              <a:buNone/>
-            </a:pPr>
-            <a:r>
-              <a:rPr lang="en-US" dirty="0"/>
-              <a:t>lc = </a:t>
-            </a:r>
-            <a:r>
-              <a:rPr lang="en-US" err="1"/>
-              <a:t>LabelEncoder</a:t>
-            </a:r>
-            <a:r>
-              <a:rPr lang="en-US" dirty="0"/>
-              <a:t> ()</a:t>
-            </a:r>
-          </a:p>
-          <a:p>
-            <a:pPr marL="0" indent="0">
-              <a:buNone/>
-            </a:pPr>
-            <a:r>
-              <a:rPr lang="en-US" dirty="0"/>
-              <a:t>for col in </a:t>
-            </a:r>
-            <a:r>
-              <a:rPr lang="en-US" err="1"/>
-              <a:t>X.columns</a:t>
-            </a:r>
-            <a:r>
-              <a:rPr lang="en-US" dirty="0"/>
-              <a:t>:</a:t>
-            </a:r>
-          </a:p>
-          <a:p>
-            <a:pPr marL="457200" lvl="1" indent="0">
-              <a:buNone/>
-            </a:pPr>
-            <a:r>
-              <a:rPr lang="en-US" dirty="0"/>
-              <a:t>if X [col].</a:t>
-            </a:r>
-            <a:r>
-              <a:rPr lang="en-US" err="1"/>
-              <a:t>dtype</a:t>
-            </a:r>
-            <a:r>
-              <a:rPr lang="en-US" dirty="0"/>
-              <a:t> == 'object':</a:t>
-            </a:r>
-          </a:p>
-          <a:p>
-            <a:pPr marL="914400" lvl="2" indent="0">
-              <a:buNone/>
-            </a:pPr>
-            <a:r>
-              <a:rPr lang="en-US" dirty="0"/>
-              <a:t>X [col] = </a:t>
-            </a:r>
-            <a:r>
-              <a:rPr lang="en-US" err="1"/>
-              <a:t>lc.fit_transform</a:t>
-            </a:r>
-            <a:r>
-              <a:rPr lang="en-US" dirty="0"/>
-              <a:t> (X [col]</a:t>
-            </a:r>
-          </a:p>
-          <a:p>
-            <a:pPr marL="0" indent="0">
-              <a:buNone/>
-            </a:pPr>
-            <a:r>
-              <a:rPr lang="en-US" dirty="0" err="1"/>
-              <a:t>X_train</a:t>
-            </a:r>
-            <a:r>
-              <a:rPr lang="en-US" dirty="0"/>
-              <a:t>, </a:t>
-            </a:r>
-            <a:r>
-              <a:rPr lang="en-US" dirty="0" err="1"/>
-              <a:t>X_test</a:t>
-            </a:r>
-            <a:r>
-              <a:rPr lang="en-US" dirty="0"/>
-              <a:t>, </a:t>
-            </a:r>
-            <a:r>
-              <a:rPr lang="en-US" dirty="0" err="1"/>
-              <a:t>y_train</a:t>
-            </a:r>
-            <a:r>
-              <a:rPr lang="en-US" dirty="0"/>
-              <a:t>, </a:t>
-            </a:r>
-            <a:r>
-              <a:rPr lang="en-US" dirty="0" err="1"/>
-              <a:t>y_test</a:t>
-            </a:r>
-            <a:r>
-              <a:rPr lang="en-US" dirty="0"/>
-              <a:t> = </a:t>
-            </a:r>
-            <a:r>
-              <a:rPr lang="en-US" dirty="0" err="1"/>
-              <a:t>train_test_split</a:t>
-            </a:r>
-            <a:r>
-              <a:rPr lang="en-US" dirty="0"/>
-              <a:t> (X, y, </a:t>
-            </a:r>
-            <a:r>
-              <a:rPr lang="en-US" dirty="0" err="1"/>
-              <a:t>random_state</a:t>
-            </a:r>
-            <a:r>
-              <a:rPr lang="en-US" dirty="0"/>
-              <a:t> = 165)</a:t>
+              <a:t>Make label the attrition column, convert Yes/No columns to 1/0 columns and then drop attrition column from features</a:t>
             </a:r>
           </a:p>
           <a:p>
@@ -4552,21 +6322,33 @@
             </a:pPr>
             <a:r>
               <a:rPr lang="en-US" dirty="0"/>
-              <a:t>from </a:t>
+              <a:t>y = </a:t>
             </a:r>
             <a:r>
               <a:rPr lang="en-US" dirty="0" err="1"/>
-              <a:t>sklearn.linear_model</a:t>
+              <a:t>attrition_data_df</a:t>
             </a:r>
             <a:r>
               <a:rPr lang="en-US" dirty="0"/>
-              <a:t> import </a:t>
+              <a:t> ('Attrition')</a:t>
+            </a:r>
+          </a:p>
+          <a:p>
+            <a:pPr marL="0" indent="0">
+              <a:buNone/>
+            </a:pPr>
+            <a:r>
+              <a:rPr lang="en-US" dirty="0"/>
+              <a:t>y = </a:t>
             </a:r>
             <a:r>
               <a:rPr lang="en-US" dirty="0" err="1"/>
-              <a:t>LogisticRegression</a:t>
-            </a:r>
-            <a:endParaRPr lang="en-US" dirty="0"/>
+              <a:t>y.apply</a:t>
+            </a:r>
+            <a:r>
+              <a:rPr lang="en-US" dirty="0"/>
+              <a:t> (lambda x: 1 if x == 'Yes else 0)</a:t>
+            </a:r>
           </a:p>
           <a:p>
             <a:pPr marL="0" indent="0">
@@ -4574,68 +6356,26 @@
             </a:pPr>
             <a:r>
               <a:rPr lang="en-US" dirty="0"/>
-              <a:t>classifier = </a:t>
+              <a:t>X = </a:t>
             </a:r>
             <a:r>
               <a:rPr lang="en-US" dirty="0" err="1"/>
-              <a:t>LogisticRegression</a:t>
+              <a:t>attrition_data_df.drop</a:t>
             </a:r>
             <a:r>
               <a:rPr lang="en-US" dirty="0"/>
-              <a:t> (solver = '</a:t>
-            </a:r>
-            <a:r>
-              <a:rPr lang="en-US" dirty="0" err="1"/>
-              <a:t>lbfgs</a:t>
-            </a:r>
-            <a:r>
-              <a:rPr lang="en-US" dirty="0"/>
-              <a:t>', </a:t>
-            </a:r>
-            <a:r>
-              <a:rPr lang="en-US" dirty="0" err="1"/>
-              <a:t>random_state</a:t>
-            </a:r>
-            <a:r>
-              <a:rPr lang="en-US" dirty="0"/>
-              <a:t> = 165)</a:t>
-            </a:r>
-          </a:p>
-          <a:p>
-            <a:pPr marL="0" indent="0">
-              <a:buNone/>
-            </a:pPr>
-            <a:r>
-              <a:rPr lang="en-US" dirty="0" err="1"/>
-              <a:t>classifier_fit</a:t>
-            </a:r>
-            <a:r>
-              <a:rPr lang="en-US" dirty="0"/>
-              <a:t> (</a:t>
-            </a:r>
-            <a:r>
-              <a:rPr lang="en-US" dirty="0" err="1"/>
-              <a:t>X_train</a:t>
-            </a:r>
-            <a:r>
-              <a:rPr lang="en-US" dirty="0"/>
-              <a:t>, </a:t>
-            </a:r>
-            <a:r>
-              <a:rPr lang="en-US" dirty="0" err="1"/>
-              <a:t>y_train</a:t>
-            </a:r>
-            <a:r>
-              <a:rPr lang="en-US" dirty="0"/>
-              <a:t>)  </a:t>
-            </a:r>
+              <a:t> ('Attrition', axis = 1)</a:t>
+            </a:r>
+          </a:p>
+          <a:p>
+            <a:endParaRPr lang="en-GB" dirty="0"/>
           </a:p>
         </p:txBody>
       </p:sp>
     </p:spTree>
     <p:extLst>
       <p:ext uri="{BB962C8B-B14F-4D97-AF65-F5344CB8AC3E}">
-        <p14:creationId xmlns:p14="http://schemas.microsoft.com/office/powerpoint/2010/main" val="3930946888"/>
+        <p14:creationId xmlns:p14="http://schemas.microsoft.com/office/powerpoint/2010/main" val="1031088039"/>
       </p:ext>
     </p:extLst>
   </p:cSld>
@@ -4667,7 +6407,7 @@
           <p:cNvPr id="2" name="Title 1">
             <a:extLst>
               <a:ext uri="{FF2B5EF4-FFF2-40B4-BE49-F238E27FC236}">
-                <a16:creationId xmlns:a16="http://schemas.microsoft.com/office/drawing/2014/main" id="{65F63569-2D02-F169-A249-3720C534CD7F}"/>
+                <a16:creationId xmlns:a16="http://schemas.microsoft.com/office/drawing/2014/main" id="{28F3ABFD-179B-8554-8055-9BC52D196F41}"/>
               </a:ext>
             </a:extLst>
           </p:cNvPr>
@@ -4685,7 +6425,7 @@
           <a:p>
             <a:r>
               <a:rPr lang="en-US" dirty="0"/>
-              <a:t>Make a prediction using the testing data</a:t>
+              <a:t>Split the data</a:t>
             </a:r>
           </a:p>
         </p:txBody>
@@ -4695,7 +6435,7 @@
           <p:cNvPr id="3" name="Content Placeholder 2">
             <a:extLst>
               <a:ext uri="{FF2B5EF4-FFF2-40B4-BE49-F238E27FC236}">
-                <a16:creationId xmlns:a16="http://schemas.microsoft.com/office/drawing/2014/main" id="{92E3B250-AC2D-D651-2E01-8FC8302C9B8E}"/>
+                <a16:creationId xmlns:a16="http://schemas.microsoft.com/office/drawing/2014/main" id="{802DC319-2F84-A3CD-8F93-FDBE17E9E886}"/>
               </a:ext>
             </a:extLst>
           </p:cNvPr>
@@ -4709,7 +6449,7 @@
         <p:spPr/>
         <p:txBody>
           <a:bodyPr vert="horz" lIns="91440" tIns="45720" rIns="91440" bIns="45720" rtlCol="0" anchor="t">
-            <a:normAutofit/>
+            <a:normAutofit fontScale="92500" lnSpcReduction="20000"/>
           </a:bodyPr>
           <a:lstStyle/>
           <a:p>
@@ -4718,11 +6458,233 @@
             </a:pPr>
             <a:r>
               <a:rPr lang="en-US" dirty="0"/>
-              <a:t>predictions = </a:t>
-            </a:r>
+              <a:t>from </a:t>
+            </a:r>
+            <a:r>
+              <a:rPr lang="en-US" err="1"/>
+              <a:t>sklearn.model_selection</a:t>
+            </a:r>
+            <a:r>
+              <a:rPr lang="en-US" dirty="0"/>
+              <a:t> import </a:t>
+            </a:r>
+            <a:r>
+              <a:rPr lang="en-US" err="1"/>
+              <a:t>train_test_split</a:t>
+            </a:r>
+            <a:endParaRPr lang="en-US"/>
+          </a:p>
+          <a:p>
+            <a:pPr marL="0" indent="0">
+              <a:buNone/>
+            </a:pPr>
+            <a:r>
+              <a:rPr lang="en-US" dirty="0"/>
+              <a:t>from </a:t>
+            </a:r>
+            <a:r>
+              <a:rPr lang="en-US" err="1"/>
+              <a:t>sklearn.preprocessing</a:t>
+            </a:r>
+            <a:r>
+              <a:rPr lang="en-US" dirty="0"/>
+              <a:t> import </a:t>
+            </a:r>
+            <a:r>
+              <a:rPr lang="en-US" err="1"/>
+              <a:t>LabelEncoder</a:t>
+            </a:r>
+            <a:endParaRPr lang="en-US"/>
+          </a:p>
+          <a:p>
+            <a:pPr marL="0" indent="0">
+              <a:buNone/>
+            </a:pPr>
+            <a:r>
+              <a:rPr lang="en-US" dirty="0"/>
+              <a:t>lc = </a:t>
+            </a:r>
+            <a:r>
+              <a:rPr lang="en-US" err="1"/>
+              <a:t>LabelEncoder</a:t>
+            </a:r>
+            <a:r>
+              <a:rPr lang="en-US" dirty="0"/>
+              <a:t> ()</a:t>
+            </a:r>
+          </a:p>
+          <a:p>
+            <a:pPr marL="0" indent="0">
+              <a:buNone/>
+            </a:pPr>
+            <a:r>
+              <a:rPr lang="en-US" dirty="0"/>
+              <a:t>for col in </a:t>
+            </a:r>
+            <a:r>
+              <a:rPr lang="en-US" err="1"/>
+              <a:t>X.columns</a:t>
+            </a:r>
+            <a:r>
+              <a:rPr lang="en-US" dirty="0"/>
+              <a:t>:</a:t>
+            </a:r>
+          </a:p>
+          <a:p>
+            <a:pPr marL="457200" lvl="1" indent="0">
+              <a:buNone/>
+            </a:pPr>
+            <a:r>
+              <a:rPr lang="en-US" dirty="0"/>
+              <a:t>if X [col].</a:t>
+            </a:r>
+            <a:r>
+              <a:rPr lang="en-US" err="1"/>
+              <a:t>dtype</a:t>
+            </a:r>
+            <a:r>
+              <a:rPr lang="en-US" dirty="0"/>
+              <a:t> == 'object':</a:t>
+            </a:r>
+          </a:p>
+          <a:p>
+            <a:pPr marL="914400" lvl="2" indent="0">
+              <a:buNone/>
+            </a:pPr>
+            <a:r>
+              <a:rPr lang="en-US" dirty="0"/>
+              <a:t>X [col] = </a:t>
+            </a:r>
+            <a:r>
+              <a:rPr lang="en-US" err="1"/>
+              <a:t>lc.fit_transform</a:t>
+            </a:r>
+            <a:r>
+              <a:rPr lang="en-US" dirty="0"/>
+              <a:t> (X [col]</a:t>
+            </a:r>
+          </a:p>
+          <a:p>
+            <a:pPr marL="0" indent="0">
+              <a:buNone/>
+            </a:pPr>
             <a:r>
               <a:rPr lang="en-US" dirty="0" err="1"/>
-              <a:t>classifier.predict</a:t>
+              <a:t>X_train</a:t>
+            </a:r>
+            <a:r>
+              <a:rPr lang="en-US" dirty="0"/>
+              <a:t>, </a:t>
+            </a:r>
+            <a:r>
+              <a:rPr lang="en-US" dirty="0" err="1"/>
+              <a:t>X_test</a:t>
+            </a:r>
+            <a:r>
+              <a:rPr lang="en-US" dirty="0"/>
+              <a:t>, </a:t>
+            </a:r>
+            <a:r>
+              <a:rPr lang="en-US" dirty="0" err="1"/>
+              <a:t>y_train</a:t>
+            </a:r>
+            <a:r>
+              <a:rPr lang="en-US" dirty="0"/>
+              <a:t>, </a:t>
+            </a:r>
+            <a:r>
+              <a:rPr lang="en-US" dirty="0" err="1"/>
+              <a:t>y_test</a:t>
+            </a:r>
+            <a:r>
+              <a:rPr lang="en-US" dirty="0"/>
+              <a:t> = </a:t>
+            </a:r>
+            <a:r>
+              <a:rPr lang="en-US" dirty="0" err="1"/>
+              <a:t>train_test_split</a:t>
+            </a:r>
+            <a:r>
+              <a:rPr lang="en-US" dirty="0"/>
+              <a:t> (X, y, </a:t>
+            </a:r>
+            <a:r>
+              <a:rPr lang="en-US" dirty="0" err="1"/>
+              <a:t>random_state</a:t>
+            </a:r>
+            <a:r>
+              <a:rPr lang="en-US" dirty="0"/>
+              <a:t> = 165)</a:t>
+            </a:r>
+          </a:p>
+          <a:p>
+            <a:pPr marL="0" indent="0">
+              <a:buNone/>
+            </a:pPr>
+            <a:endParaRPr lang="en-US" dirty="0"/>
+          </a:p>
+          <a:p>
+            <a:pPr marL="0" indent="0">
+              <a:buNone/>
+            </a:pPr>
+            <a:r>
+              <a:rPr lang="en-US" dirty="0"/>
+              <a:t>from </a:t>
+            </a:r>
+            <a:r>
+              <a:rPr lang="en-US" dirty="0" err="1"/>
+              <a:t>sklearn.linear_model</a:t>
+            </a:r>
+            <a:r>
+              <a:rPr lang="en-US" dirty="0"/>
+              <a:t> import </a:t>
+            </a:r>
+            <a:r>
+              <a:rPr lang="en-US" dirty="0" err="1"/>
+              <a:t>LogisticRegression</a:t>
+            </a:r>
+            <a:endParaRPr lang="en-US" dirty="0"/>
+          </a:p>
+          <a:p>
+            <a:pPr marL="0" indent="0">
+              <a:buNone/>
+            </a:pPr>
+            <a:r>
+              <a:rPr lang="en-US" dirty="0"/>
+              <a:t>classifier = </a:t>
+            </a:r>
+            <a:r>
+              <a:rPr lang="en-US" dirty="0" err="1"/>
+              <a:t>LogisticRegression</a:t>
+            </a:r>
+            <a:r>
+              <a:rPr lang="en-US" dirty="0"/>
+              <a:t> (solver = '</a:t>
+            </a:r>
+            <a:r>
+              <a:rPr lang="en-US" dirty="0" err="1"/>
+              <a:t>lbfgs</a:t>
+            </a:r>
+            <a:r>
+              <a:rPr lang="en-US" dirty="0"/>
+              <a:t>', </a:t>
+            </a:r>
+            <a:r>
+              <a:rPr lang="en-US" dirty="0" err="1"/>
+              <a:t>random_state</a:t>
+            </a:r>
+            <a:r>
+              <a:rPr lang="en-US" dirty="0"/>
+              <a:t> = 165)</a:t>
+            </a:r>
+          </a:p>
+          <a:p>
+            <a:pPr marL="0" indent="0">
+              <a:buNone/>
+            </a:pPr>
+            <a:r>
+              <a:rPr lang="en-US" dirty="0" err="1"/>
+              <a:t>classifier_fit</a:t>
             </a:r>
             <a:r>
               <a:rPr lang="en-US" dirty="0"/>
@@ -4730,11 +6692,19 @@
             </a:r>
             <a:r>
               <a:rPr lang="en-US" dirty="0" err="1"/>
-              <a:t>X_test</a:t>
+              <a:t>X_train</a:t>
             </a:r>
             <a:r>
               <a:rPr lang="en-US" dirty="0"/>
-              <a:t>)</a:t>
+              <a:t>, </a:t>
+            </a:r>
+            <a:r>
+              <a:rPr lang="en-US" dirty="0" err="1"/>
+              <a:t>y_train</a:t>
+            </a:r>
+            <a:r>
+              <a:rPr lang="en-US" dirty="0"/>
+              <a:t>)  </a:t>
             </a:r>
           </a:p>
         </p:txBody>
@@ -4742,7 +6712,7 @@
     </p:spTree>
     <p:extLst>
       <p:ext uri="{BB962C8B-B14F-4D97-AF65-F5344CB8AC3E}">
-        <p14:creationId xmlns:p14="http://schemas.microsoft.com/office/powerpoint/2010/main" val="2272447324"/>
+        <p14:creationId xmlns:p14="http://schemas.microsoft.com/office/powerpoint/2010/main" val="3930946888"/>
       </p:ext>
     </p:extLst>
   </p:cSld>
@@ -4774,7 +6744,7 @@
           <p:cNvPr id="2" name="Title 1">
             <a:extLst>
               <a:ext uri="{FF2B5EF4-FFF2-40B4-BE49-F238E27FC236}">
-                <a16:creationId xmlns:a16="http://schemas.microsoft.com/office/drawing/2014/main" id="{25460150-BF61-9D75-0274-0AF0E9D282DE}"/>
+                <a16:creationId xmlns:a16="http://schemas.microsoft.com/office/drawing/2014/main" id="{6954C1B2-6680-9EE7-F905-B19C196D94CA}"/>
               </a:ext>
             </a:extLst>
           </p:cNvPr>
@@ -4792,17 +6762,17 @@
           <a:p>
             <a:r>
               <a:rPr lang="en-GB" dirty="0"/>
-              <a:t>Evaluation</a:t>
-            </a:r>
-          </a:p>
-        </p:txBody>
-      </p:sp>
-      <p:sp>
-        <p:nvSpPr>
-          <p:cNvPr id="3" name="Content Placeholder 2">
+              <a:t>Logistic Regression Model</a:t>
+            </a:r>
+          </a:p>
+        </p:txBody>
+      </p:sp>
+      <p:sp>
+        <p:nvSpPr>
+          <p:cNvPr id="4" name="Text Placeholder 3">
             <a:extLst>
               <a:ext uri="{FF2B5EF4-FFF2-40B4-BE49-F238E27FC236}">
-                <a16:creationId xmlns:a16="http://schemas.microsoft.com/office/drawing/2014/main" id="{CB023434-B63D-DCE0-265A-E41508E0A9E4}"/>
+                <a16:creationId xmlns:a16="http://schemas.microsoft.com/office/drawing/2014/main" id="{9C2613D6-DB10-29A4-A285-D475B86DFA5D}"/>
               </a:ext>
             </a:extLst>
           </p:cNvPr>
@@ -4810,7 +6780,7 @@
             <a:spLocks noGrp="1"/>
           </p:cNvSpPr>
           <p:nvPr>
-            <p:ph idx="1"/>
+            <p:ph type="body" idx="1"/>
           </p:nvPr>
         </p:nvSpPr>
         <p:spPr/>
@@ -4825,7 +6795,7 @@
     </p:spTree>
     <p:extLst>
       <p:ext uri="{BB962C8B-B14F-4D97-AF65-F5344CB8AC3E}">
-        <p14:creationId xmlns:p14="http://schemas.microsoft.com/office/powerpoint/2010/main" val="2125332708"/>
+        <p14:creationId xmlns:p14="http://schemas.microsoft.com/office/powerpoint/2010/main" val="1718801220"/>
       </p:ext>
     </p:extLst>
   </p:cSld>

--- a/Employee Attrition Prediction Presentation.pptx
+++ b/Employee Attrition Prediction Presentation.pptx
@@ -4021,13 +4021,26 @@
               <a:t>Coefs</a:t>
             </a:r>
             <a:r>
+              <a:rPr lang="en-GB" dirty="0"/>
+              <a:t>: </a:t>
+            </a:r>
+            <a:r>
+              <a:rPr lang="en-GB" dirty="0">
+                <a:hlinkClick r:id="rId4"/>
+              </a:rPr>
+              <a:t>https://towardsdatascience.com/interpreting-coefficients-in-linear-and-logistic-regression-6ddf1295f6f1</a:t>
+            </a:r>
+            <a:endParaRPr lang="en-GB" dirty="0"/>
+          </a:p>
+          <a:p>
+            <a:r>
               <a:rPr lang="en-GB"/>
-              <a:t>: https</a:t>
-            </a:r>
-            <a:r>
-              <a:rPr lang="en-GB" dirty="0"/>
-              <a:t>://towardsdatascience.com/interpreting-coefficients-in-linear-and-logistic-regression-6ddf1295f6f1</a:t>
-            </a:r>
+              <a:t>POSTGRES: https://www.tutorialspoint.com/python_data_access/python_postgresql_database_connection.htm</a:t>
+            </a:r>
+            <a:endParaRPr lang="en-GB" dirty="0"/>
+          </a:p>
+          <a:p>
+            <a:endParaRPr lang="en-GB" dirty="0"/>
           </a:p>
           <a:p>
             <a:endParaRPr lang="en-GB" dirty="0"/>

--- a/Employee Attrition Prediction Presentation.pptx
+++ b/Employee Attrition Prediction Presentation.pptx
@@ -14,15 +14,13 @@
     <p:sldId id="279" r:id="rId8"/>
     <p:sldId id="274" r:id="rId9"/>
     <p:sldId id="275" r:id="rId10"/>
-    <p:sldId id="268" r:id="rId11"/>
-    <p:sldId id="260" r:id="rId12"/>
-    <p:sldId id="269" r:id="rId13"/>
-    <p:sldId id="261" r:id="rId14"/>
+    <p:sldId id="280" r:id="rId11"/>
+    <p:sldId id="281" r:id="rId12"/>
+    <p:sldId id="282" r:id="rId13"/>
+    <p:sldId id="260" r:id="rId14"/>
     <p:sldId id="270" r:id="rId15"/>
-    <p:sldId id="262" r:id="rId16"/>
-    <p:sldId id="263" r:id="rId17"/>
-    <p:sldId id="271" r:id="rId18"/>
-    <p:sldId id="264" r:id="rId19"/>
+    <p:sldId id="271" r:id="rId16"/>
+    <p:sldId id="264" r:id="rId17"/>
   </p:sldIdLst>
   <p:sldSz cx="12192000" cy="6858000"/>
   <p:notesSz cx="6858000" cy="9144000"/>
@@ -189,7 +187,7 @@
           <a:noFill/>
           <a:extLst>
             <a:ext uri="{909E8E84-426E-40dd-AFC4-6F175D3DCCD1}">
-              <a14:hiddenFill xmlns:a14="http://schemas.microsoft.com/office/drawing/2010/main" xmlns="">
+              <a14:hiddenFill xmlns="" xmlns:a14="http://schemas.microsoft.com/office/drawing/2010/main">
                 <a:solidFill>
                   <a:srgbClr val="FFFFFF"/>
                 </a:solidFill>
@@ -249,7 +247,7 @@
             </a:ln>
             <a:extLst>
               <a:ext uri="{91240B29-F687-4f45-9708-019B960494DF}">
-                <a14:hiddenLine xmlns:a14="http://schemas.microsoft.com/office/drawing/2010/main" xmlns="" w="9525">
+                <a14:hiddenLine xmlns="" xmlns:a14="http://schemas.microsoft.com/office/drawing/2010/main" w="9525">
                   <a:solidFill>
                     <a:srgbClr val="000000"/>
                   </a:solidFill>
@@ -339,7 +337,7 @@
             </a:ln>
             <a:extLst>
               <a:ext uri="{91240B29-F687-4f45-9708-019B960494DF}">
-                <a14:hiddenLine xmlns:a14="http://schemas.microsoft.com/office/drawing/2010/main" xmlns="" w="9525">
+                <a14:hiddenLine xmlns="" xmlns:a14="http://schemas.microsoft.com/office/drawing/2010/main" w="9525">
                   <a:solidFill>
                     <a:srgbClr val="000000"/>
                   </a:solidFill>
@@ -429,7 +427,7 @@
             </a:ln>
             <a:extLst>
               <a:ext uri="{91240B29-F687-4f45-9708-019B960494DF}">
-                <a14:hiddenLine xmlns:a14="http://schemas.microsoft.com/office/drawing/2010/main" xmlns="" w="9525">
+                <a14:hiddenLine xmlns="" xmlns:a14="http://schemas.microsoft.com/office/drawing/2010/main" w="9525">
                   <a:solidFill>
                     <a:srgbClr val="000000"/>
                   </a:solidFill>
@@ -463,7 +461,7 @@
             </a:ln>
             <a:extLst>
               <a:ext uri="{91240B29-F687-4f45-9708-019B960494DF}">
-                <a14:hiddenLine xmlns:a14="http://schemas.microsoft.com/office/drawing/2010/main" xmlns="" w="9525">
+                <a14:hiddenLine xmlns="" xmlns:a14="http://schemas.microsoft.com/office/drawing/2010/main" w="9525">
                   <a:solidFill>
                     <a:srgbClr val="000000"/>
                   </a:solidFill>
@@ -553,7 +551,7 @@
             </a:ln>
             <a:extLst>
               <a:ext uri="{91240B29-F687-4f45-9708-019B960494DF}">
-                <a14:hiddenLine xmlns:a14="http://schemas.microsoft.com/office/drawing/2010/main" xmlns="" w="9525">
+                <a14:hiddenLine xmlns="" xmlns:a14="http://schemas.microsoft.com/office/drawing/2010/main" w="9525">
                   <a:solidFill>
                     <a:srgbClr val="000000"/>
                   </a:solidFill>
@@ -615,7 +613,7 @@
             </a:ln>
             <a:extLst>
               <a:ext uri="{91240B29-F687-4f45-9708-019B960494DF}">
-                <a14:hiddenLine xmlns:a14="http://schemas.microsoft.com/office/drawing/2010/main" xmlns="" w="9525">
+                <a14:hiddenLine xmlns="" xmlns:a14="http://schemas.microsoft.com/office/drawing/2010/main" w="9525">
                   <a:solidFill>
                     <a:srgbClr val="000000"/>
                   </a:solidFill>
@@ -677,7 +675,7 @@
             </a:ln>
             <a:extLst>
               <a:ext uri="{91240B29-F687-4f45-9708-019B960494DF}">
-                <a14:hiddenLine xmlns:a14="http://schemas.microsoft.com/office/drawing/2010/main" xmlns="" w="9525">
+                <a14:hiddenLine xmlns="" xmlns:a14="http://schemas.microsoft.com/office/drawing/2010/main" w="9525">
                   <a:solidFill>
                     <a:srgbClr val="000000"/>
                   </a:solidFill>
@@ -767,7 +765,7 @@
             </a:ln>
             <a:extLst>
               <a:ext uri="{91240B29-F687-4f45-9708-019B960494DF}">
-                <a14:hiddenLine xmlns:a14="http://schemas.microsoft.com/office/drawing/2010/main" xmlns="" w="9525">
+                <a14:hiddenLine xmlns="" xmlns:a14="http://schemas.microsoft.com/office/drawing/2010/main" w="9525">
                   <a:solidFill>
                     <a:srgbClr val="000000"/>
                   </a:solidFill>
@@ -829,7 +827,7 @@
             </a:ln>
             <a:extLst>
               <a:ext uri="{91240B29-F687-4f45-9708-019B960494DF}">
-                <a14:hiddenLine xmlns:a14="http://schemas.microsoft.com/office/drawing/2010/main" xmlns="" w="9525">
+                <a14:hiddenLine xmlns="" xmlns:a14="http://schemas.microsoft.com/office/drawing/2010/main" w="9525">
                   <a:solidFill>
                     <a:srgbClr val="000000"/>
                   </a:solidFill>
@@ -891,7 +889,7 @@
             </a:ln>
             <a:extLst>
               <a:ext uri="{91240B29-F687-4f45-9708-019B960494DF}">
-                <a14:hiddenLine xmlns:a14="http://schemas.microsoft.com/office/drawing/2010/main" xmlns="" w="9525">
+                <a14:hiddenLine xmlns="" xmlns:a14="http://schemas.microsoft.com/office/drawing/2010/main" w="9525">
                   <a:solidFill>
                     <a:srgbClr val="000000"/>
                   </a:solidFill>
@@ -981,7 +979,7 @@
             </a:ln>
             <a:extLst>
               <a:ext uri="{91240B29-F687-4f45-9708-019B960494DF}">
-                <a14:hiddenLine xmlns:a14="http://schemas.microsoft.com/office/drawing/2010/main" xmlns="" w="9525">
+                <a14:hiddenLine xmlns="" xmlns:a14="http://schemas.microsoft.com/office/drawing/2010/main" w="9525">
                   <a:solidFill>
                     <a:srgbClr val="000000"/>
                   </a:solidFill>
@@ -1071,7 +1069,7 @@
             </a:ln>
             <a:extLst>
               <a:ext uri="{91240B29-F687-4f45-9708-019B960494DF}">
-                <a14:hiddenLine xmlns:a14="http://schemas.microsoft.com/office/drawing/2010/main" xmlns="" w="9525">
+                <a14:hiddenLine xmlns="" xmlns:a14="http://schemas.microsoft.com/office/drawing/2010/main" w="9525">
                   <a:solidFill>
                     <a:srgbClr val="000000"/>
                   </a:solidFill>
@@ -1133,7 +1131,7 @@
             </a:ln>
             <a:extLst>
               <a:ext uri="{91240B29-F687-4f45-9708-019B960494DF}">
-                <a14:hiddenLine xmlns:a14="http://schemas.microsoft.com/office/drawing/2010/main" xmlns="" w="9525">
+                <a14:hiddenLine xmlns="" xmlns:a14="http://schemas.microsoft.com/office/drawing/2010/main" w="9525">
                   <a:solidFill>
                     <a:srgbClr val="000000"/>
                   </a:solidFill>
@@ -1243,7 +1241,7 @@
             </a:ln>
             <a:extLst>
               <a:ext uri="{91240B29-F687-4f45-9708-019B960494DF}">
-                <a14:hiddenLine xmlns:a14="http://schemas.microsoft.com/office/drawing/2010/main" xmlns="" w="9525">
+                <a14:hiddenLine xmlns="" xmlns:a14="http://schemas.microsoft.com/office/drawing/2010/main" w="9525">
                   <a:solidFill>
                     <a:srgbClr val="000000"/>
                   </a:solidFill>
@@ -1305,7 +1303,7 @@
             </a:ln>
             <a:extLst>
               <a:ext uri="{91240B29-F687-4f45-9708-019B960494DF}">
-                <a14:hiddenLine xmlns:a14="http://schemas.microsoft.com/office/drawing/2010/main" xmlns="" w="9525">
+                <a14:hiddenLine xmlns="" xmlns:a14="http://schemas.microsoft.com/office/drawing/2010/main" w="9525">
                   <a:solidFill>
                     <a:srgbClr val="000000"/>
                   </a:solidFill>
@@ -1395,7 +1393,7 @@
             </a:ln>
             <a:extLst>
               <a:ext uri="{91240B29-F687-4f45-9708-019B960494DF}">
-                <a14:hiddenLine xmlns:a14="http://schemas.microsoft.com/office/drawing/2010/main" xmlns="" w="9525">
+                <a14:hiddenLine xmlns="" xmlns:a14="http://schemas.microsoft.com/office/drawing/2010/main" w="9525">
                   <a:solidFill>
                     <a:srgbClr val="000000"/>
                   </a:solidFill>
@@ -1485,7 +1483,7 @@
             </a:ln>
             <a:extLst>
               <a:ext uri="{91240B29-F687-4f45-9708-019B960494DF}">
-                <a14:hiddenLine xmlns:a14="http://schemas.microsoft.com/office/drawing/2010/main" xmlns="" w="9525">
+                <a14:hiddenLine xmlns="" xmlns:a14="http://schemas.microsoft.com/office/drawing/2010/main" w="9525">
                   <a:solidFill>
                     <a:srgbClr val="000000"/>
                   </a:solidFill>
@@ -1547,7 +1545,7 @@
             </a:ln>
             <a:extLst>
               <a:ext uri="{91240B29-F687-4f45-9708-019B960494DF}">
-                <a14:hiddenLine xmlns:a14="http://schemas.microsoft.com/office/drawing/2010/main" xmlns="" w="9525">
+                <a14:hiddenLine xmlns="" xmlns:a14="http://schemas.microsoft.com/office/drawing/2010/main" w="9525">
                   <a:solidFill>
                     <a:srgbClr val="000000"/>
                   </a:solidFill>
@@ -1637,7 +1635,7 @@
             </a:ln>
             <a:extLst>
               <a:ext uri="{91240B29-F687-4f45-9708-019B960494DF}">
-                <a14:hiddenLine xmlns:a14="http://schemas.microsoft.com/office/drawing/2010/main" xmlns="" w="9525">
+                <a14:hiddenLine xmlns="" xmlns:a14="http://schemas.microsoft.com/office/drawing/2010/main" w="9525">
                   <a:solidFill>
                     <a:srgbClr val="000000"/>
                   </a:solidFill>
@@ -1727,7 +1725,7 @@
             </a:ln>
             <a:extLst>
               <a:ext uri="{91240B29-F687-4f45-9708-019B960494DF}">
-                <a14:hiddenLine xmlns:a14="http://schemas.microsoft.com/office/drawing/2010/main" xmlns="" w="9525">
+                <a14:hiddenLine xmlns="" xmlns:a14="http://schemas.microsoft.com/office/drawing/2010/main" w="9525">
                   <a:solidFill>
                     <a:srgbClr val="000000"/>
                   </a:solidFill>
@@ -1783,7 +1781,7 @@
             </a:ln>
             <a:extLst>
               <a:ext uri="{91240B29-F687-4f45-9708-019B960494DF}">
-                <a14:hiddenLine xmlns:a14="http://schemas.microsoft.com/office/drawing/2010/main" xmlns="" w="9525">
+                <a14:hiddenLine xmlns="" xmlns:a14="http://schemas.microsoft.com/office/drawing/2010/main" w="9525">
                   <a:solidFill>
                     <a:srgbClr val="000000"/>
                   </a:solidFill>
@@ -1873,7 +1871,7 @@
             </a:ln>
             <a:extLst>
               <a:ext uri="{91240B29-F687-4f45-9708-019B960494DF}">
-                <a14:hiddenLine xmlns:a14="http://schemas.microsoft.com/office/drawing/2010/main" xmlns="" w="9525">
+                <a14:hiddenLine xmlns="" xmlns:a14="http://schemas.microsoft.com/office/drawing/2010/main" w="9525">
                   <a:solidFill>
                     <a:srgbClr val="000000"/>
                   </a:solidFill>
@@ -1929,7 +1927,7 @@
             </a:ln>
             <a:extLst>
               <a:ext uri="{91240B29-F687-4f45-9708-019B960494DF}">
-                <a14:hiddenLine xmlns:a14="http://schemas.microsoft.com/office/drawing/2010/main" xmlns="" w="9525">
+                <a14:hiddenLine xmlns="" xmlns:a14="http://schemas.microsoft.com/office/drawing/2010/main" w="9525">
                   <a:solidFill>
                     <a:srgbClr val="000000"/>
                   </a:solidFill>
@@ -2019,7 +2017,7 @@
             </a:ln>
             <a:extLst>
               <a:ext uri="{91240B29-F687-4f45-9708-019B960494DF}">
-                <a14:hiddenLine xmlns:a14="http://schemas.microsoft.com/office/drawing/2010/main" xmlns="" w="9525">
+                <a14:hiddenLine xmlns="" xmlns:a14="http://schemas.microsoft.com/office/drawing/2010/main" w="9525">
                   <a:solidFill>
                     <a:srgbClr val="000000"/>
                   </a:solidFill>
@@ -2087,7 +2085,7 @@
             </a:ln>
             <a:extLst>
               <a:ext uri="{91240B29-F687-4f45-9708-019B960494DF}">
-                <a14:hiddenLine xmlns:a14="http://schemas.microsoft.com/office/drawing/2010/main" xmlns="" w="9525">
+                <a14:hiddenLine xmlns="" xmlns:a14="http://schemas.microsoft.com/office/drawing/2010/main" w="9525">
                   <a:solidFill>
                     <a:srgbClr val="000000"/>
                   </a:solidFill>
@@ -2177,7 +2175,7 @@
             </a:ln>
             <a:extLst>
               <a:ext uri="{91240B29-F687-4f45-9708-019B960494DF}">
-                <a14:hiddenLine xmlns:a14="http://schemas.microsoft.com/office/drawing/2010/main" xmlns="" w="9525">
+                <a14:hiddenLine xmlns="" xmlns:a14="http://schemas.microsoft.com/office/drawing/2010/main" w="9525">
                   <a:solidFill>
                     <a:srgbClr val="000000"/>
                   </a:solidFill>
@@ -2245,7 +2243,7 @@
             </a:ln>
             <a:extLst>
               <a:ext uri="{91240B29-F687-4f45-9708-019B960494DF}">
-                <a14:hiddenLine xmlns:a14="http://schemas.microsoft.com/office/drawing/2010/main" xmlns="" w="9525">
+                <a14:hiddenLine xmlns="" xmlns:a14="http://schemas.microsoft.com/office/drawing/2010/main" w="9525">
                   <a:solidFill>
                     <a:srgbClr val="000000"/>
                   </a:solidFill>
@@ -2335,7 +2333,7 @@
             </a:ln>
             <a:extLst>
               <a:ext uri="{91240B29-F687-4f45-9708-019B960494DF}">
-                <a14:hiddenLine xmlns:a14="http://schemas.microsoft.com/office/drawing/2010/main" xmlns="" w="9525">
+                <a14:hiddenLine xmlns="" xmlns:a14="http://schemas.microsoft.com/office/drawing/2010/main" w="9525">
                   <a:solidFill>
                     <a:srgbClr val="000000"/>
                   </a:solidFill>
@@ -2369,7 +2367,7 @@
             </a:ln>
             <a:extLst>
               <a:ext uri="{91240B29-F687-4f45-9708-019B960494DF}">
-                <a14:hiddenLine xmlns:a14="http://schemas.microsoft.com/office/drawing/2010/main" xmlns="" w="9525">
+                <a14:hiddenLine xmlns="" xmlns:a14="http://schemas.microsoft.com/office/drawing/2010/main" w="9525">
                   <a:solidFill>
                     <a:srgbClr val="000000"/>
                   </a:solidFill>
@@ -2459,7 +2457,7 @@
             </a:ln>
             <a:extLst>
               <a:ext uri="{91240B29-F687-4f45-9708-019B960494DF}">
-                <a14:hiddenLine xmlns:a14="http://schemas.microsoft.com/office/drawing/2010/main" xmlns="" w="9525">
+                <a14:hiddenLine xmlns="" xmlns:a14="http://schemas.microsoft.com/office/drawing/2010/main" w="9525">
                   <a:solidFill>
                     <a:srgbClr val="000000"/>
                   </a:solidFill>
@@ -2521,7 +2519,7 @@
             </a:ln>
             <a:extLst>
               <a:ext uri="{91240B29-F687-4f45-9708-019B960494DF}">
-                <a14:hiddenLine xmlns:a14="http://schemas.microsoft.com/office/drawing/2010/main" xmlns="" w="9525">
+                <a14:hiddenLine xmlns="" xmlns:a14="http://schemas.microsoft.com/office/drawing/2010/main" w="9525">
                   <a:solidFill>
                     <a:srgbClr val="000000"/>
                   </a:solidFill>
@@ -2583,7 +2581,7 @@
             </a:ln>
             <a:extLst>
               <a:ext uri="{91240B29-F687-4f45-9708-019B960494DF}">
-                <a14:hiddenLine xmlns:a14="http://schemas.microsoft.com/office/drawing/2010/main" xmlns="" w="9525">
+                <a14:hiddenLine xmlns="" xmlns:a14="http://schemas.microsoft.com/office/drawing/2010/main" w="9525">
                   <a:solidFill>
                     <a:srgbClr val="000000"/>
                   </a:solidFill>
@@ -2673,7 +2671,7 @@
             </a:ln>
             <a:extLst>
               <a:ext uri="{91240B29-F687-4f45-9708-019B960494DF}">
-                <a14:hiddenLine xmlns:a14="http://schemas.microsoft.com/office/drawing/2010/main" xmlns="" w="9525">
+                <a14:hiddenLine xmlns="" xmlns:a14="http://schemas.microsoft.com/office/drawing/2010/main" w="9525">
                   <a:solidFill>
                     <a:srgbClr val="000000"/>
                   </a:solidFill>
@@ -2741,7 +2739,7 @@
             </a:ln>
             <a:extLst>
               <a:ext uri="{91240B29-F687-4f45-9708-019B960494DF}">
-                <a14:hiddenLine xmlns:a14="http://schemas.microsoft.com/office/drawing/2010/main" xmlns="" w="9525">
+                <a14:hiddenLine xmlns="" xmlns:a14="http://schemas.microsoft.com/office/drawing/2010/main" w="9525">
                   <a:solidFill>
                     <a:srgbClr val="000000"/>
                   </a:solidFill>
@@ -2803,7 +2801,7 @@
             </a:ln>
             <a:extLst>
               <a:ext uri="{91240B29-F687-4f45-9708-019B960494DF}">
-                <a14:hiddenLine xmlns:a14="http://schemas.microsoft.com/office/drawing/2010/main" xmlns="" w="9525">
+                <a14:hiddenLine xmlns="" xmlns:a14="http://schemas.microsoft.com/office/drawing/2010/main" w="9525">
                   <a:solidFill>
                     <a:srgbClr val="000000"/>
                   </a:solidFill>
@@ -2893,7 +2891,7 @@
             </a:ln>
             <a:extLst>
               <a:ext uri="{91240B29-F687-4f45-9708-019B960494DF}">
-                <a14:hiddenLine xmlns:a14="http://schemas.microsoft.com/office/drawing/2010/main" xmlns="" w="9525">
+                <a14:hiddenLine xmlns="" xmlns:a14="http://schemas.microsoft.com/office/drawing/2010/main" w="9525">
                   <a:solidFill>
                     <a:srgbClr val="000000"/>
                   </a:solidFill>
@@ -2955,7 +2953,7 @@
             </a:ln>
             <a:extLst>
               <a:ext uri="{91240B29-F687-4f45-9708-019B960494DF}">
-                <a14:hiddenLine xmlns:a14="http://schemas.microsoft.com/office/drawing/2010/main" xmlns="" w="9525">
+                <a14:hiddenLine xmlns="" xmlns:a14="http://schemas.microsoft.com/office/drawing/2010/main" w="9525">
                   <a:solidFill>
                     <a:srgbClr val="000000"/>
                   </a:solidFill>
@@ -3045,7 +3043,7 @@
             </a:ln>
             <a:extLst>
               <a:ext uri="{91240B29-F687-4f45-9708-019B960494DF}">
-                <a14:hiddenLine xmlns:a14="http://schemas.microsoft.com/office/drawing/2010/main" xmlns="" w="9525">
+                <a14:hiddenLine xmlns="" xmlns:a14="http://schemas.microsoft.com/office/drawing/2010/main" w="9525">
                   <a:solidFill>
                     <a:srgbClr val="000000"/>
                   </a:solidFill>
@@ -3107,7 +3105,7 @@
             </a:ln>
             <a:extLst>
               <a:ext uri="{91240B29-F687-4f45-9708-019B960494DF}">
-                <a14:hiddenLine xmlns:a14="http://schemas.microsoft.com/office/drawing/2010/main" xmlns="" w="9525">
+                <a14:hiddenLine xmlns="" xmlns:a14="http://schemas.microsoft.com/office/drawing/2010/main" w="9525">
                   <a:solidFill>
                     <a:srgbClr val="000000"/>
                   </a:solidFill>
@@ -3197,7 +3195,7 @@
             </a:ln>
             <a:extLst>
               <a:ext uri="{91240B29-F687-4f45-9708-019B960494DF}">
-                <a14:hiddenLine xmlns:a14="http://schemas.microsoft.com/office/drawing/2010/main" xmlns="" w="9525">
+                <a14:hiddenLine xmlns="" xmlns:a14="http://schemas.microsoft.com/office/drawing/2010/main" w="9525">
                   <a:solidFill>
                     <a:srgbClr val="000000"/>
                   </a:solidFill>
@@ -3231,7 +3229,7 @@
             </a:ln>
             <a:extLst>
               <a:ext uri="{91240B29-F687-4f45-9708-019B960494DF}">
-                <a14:hiddenLine xmlns:a14="http://schemas.microsoft.com/office/drawing/2010/main" xmlns="" w="9525">
+                <a14:hiddenLine xmlns="" xmlns:a14="http://schemas.microsoft.com/office/drawing/2010/main" w="9525">
                   <a:solidFill>
                     <a:srgbClr val="000000"/>
                   </a:solidFill>
@@ -3296,7 +3294,7 @@
             </a:ln>
             <a:extLst>
               <a:ext uri="{91240B29-F687-4f45-9708-019B960494DF}">
-                <a14:hiddenLine xmlns:a14="http://schemas.microsoft.com/office/drawing/2010/main" xmlns="" w="9525">
+                <a14:hiddenLine xmlns="" xmlns:a14="http://schemas.microsoft.com/office/drawing/2010/main" w="9525">
                   <a:solidFill>
                     <a:srgbClr val="000000"/>
                   </a:solidFill>
@@ -3386,7 +3384,7 @@
             </a:ln>
             <a:extLst>
               <a:ext uri="{91240B29-F687-4f45-9708-019B960494DF}">
-                <a14:hiddenLine xmlns:a14="http://schemas.microsoft.com/office/drawing/2010/main" xmlns="" w="9525">
+                <a14:hiddenLine xmlns="" xmlns:a14="http://schemas.microsoft.com/office/drawing/2010/main" w="9525">
                   <a:solidFill>
                     <a:srgbClr val="000000"/>
                   </a:solidFill>
@@ -3448,7 +3446,7 @@
             </a:ln>
             <a:extLst>
               <a:ext uri="{91240B29-F687-4f45-9708-019B960494DF}">
-                <a14:hiddenLine xmlns:a14="http://schemas.microsoft.com/office/drawing/2010/main" xmlns="" w="9525">
+                <a14:hiddenLine xmlns="" xmlns:a14="http://schemas.microsoft.com/office/drawing/2010/main" w="9525">
                   <a:solidFill>
                     <a:srgbClr val="000000"/>
                   </a:solidFill>
@@ -3538,7 +3536,7 @@
             </a:ln>
             <a:extLst>
               <a:ext uri="{91240B29-F687-4f45-9708-019B960494DF}">
-                <a14:hiddenLine xmlns:a14="http://schemas.microsoft.com/office/drawing/2010/main" xmlns="" w="9525">
+                <a14:hiddenLine xmlns="" xmlns:a14="http://schemas.microsoft.com/office/drawing/2010/main" w="9525">
                   <a:solidFill>
                     <a:srgbClr val="000000"/>
                   </a:solidFill>
@@ -3628,7 +3626,7 @@
             </a:ln>
             <a:extLst>
               <a:ext uri="{91240B29-F687-4f45-9708-019B960494DF}">
-                <a14:hiddenLine xmlns:a14="http://schemas.microsoft.com/office/drawing/2010/main" xmlns="" w="9525">
+                <a14:hiddenLine xmlns="" xmlns:a14="http://schemas.microsoft.com/office/drawing/2010/main" w="9525">
                   <a:solidFill>
                     <a:srgbClr val="000000"/>
                   </a:solidFill>
@@ -3693,7 +3691,7 @@
             </a:ln>
             <a:extLst>
               <a:ext uri="{91240B29-F687-4f45-9708-019B960494DF}">
-                <a14:hiddenLine xmlns:a14="http://schemas.microsoft.com/office/drawing/2010/main" xmlns="" w="9525">
+                <a14:hiddenLine xmlns="" xmlns:a14="http://schemas.microsoft.com/office/drawing/2010/main" w="9525">
                   <a:solidFill>
                     <a:srgbClr val="000000"/>
                   </a:solidFill>
@@ -3755,7 +3753,7 @@
             </a:ln>
             <a:extLst>
               <a:ext uri="{91240B29-F687-4f45-9708-019B960494DF}">
-                <a14:hiddenLine xmlns:a14="http://schemas.microsoft.com/office/drawing/2010/main" xmlns="" w="9525">
+                <a14:hiddenLine xmlns="" xmlns:a14="http://schemas.microsoft.com/office/drawing/2010/main" w="9525">
                   <a:solidFill>
                     <a:srgbClr val="000000"/>
                   </a:solidFill>
@@ -3845,7 +3843,7 @@
             </a:ln>
             <a:extLst>
               <a:ext uri="{91240B29-F687-4f45-9708-019B960494DF}">
-                <a14:hiddenLine xmlns:a14="http://schemas.microsoft.com/office/drawing/2010/main" xmlns="" w="9525">
+                <a14:hiddenLine xmlns="" xmlns:a14="http://schemas.microsoft.com/office/drawing/2010/main" w="9525">
                   <a:solidFill>
                     <a:srgbClr val="000000"/>
                   </a:solidFill>
@@ -3935,7 +3933,7 @@
             </a:ln>
             <a:extLst>
               <a:ext uri="{91240B29-F687-4f45-9708-019B960494DF}">
-                <a14:hiddenLine xmlns:a14="http://schemas.microsoft.com/office/drawing/2010/main" xmlns="" w="9525">
+                <a14:hiddenLine xmlns="" xmlns:a14="http://schemas.microsoft.com/office/drawing/2010/main" w="9525">
                   <a:solidFill>
                     <a:srgbClr val="000000"/>
                   </a:solidFill>
@@ -3997,7 +3995,7 @@
             </a:ln>
             <a:extLst>
               <a:ext uri="{91240B29-F687-4f45-9708-019B960494DF}">
-                <a14:hiddenLine xmlns:a14="http://schemas.microsoft.com/office/drawing/2010/main" xmlns="" w="9525">
+                <a14:hiddenLine xmlns="" xmlns:a14="http://schemas.microsoft.com/office/drawing/2010/main" w="9525">
                   <a:solidFill>
                     <a:srgbClr val="000000"/>
                   </a:solidFill>
@@ -4117,7 +4115,7 @@
             </a:ln>
             <a:extLst>
               <a:ext uri="{91240B29-F687-4f45-9708-019B960494DF}">
-                <a14:hiddenLine xmlns:a14="http://schemas.microsoft.com/office/drawing/2010/main" xmlns="" w="9525">
+                <a14:hiddenLine xmlns="" xmlns:a14="http://schemas.microsoft.com/office/drawing/2010/main" w="9525">
                   <a:solidFill>
                     <a:srgbClr val="000000"/>
                   </a:solidFill>
@@ -4185,7 +4183,7 @@
             </a:ln>
             <a:extLst>
               <a:ext uri="{91240B29-F687-4f45-9708-019B960494DF}">
-                <a14:hiddenLine xmlns:a14="http://schemas.microsoft.com/office/drawing/2010/main" xmlns="" w="9525">
+                <a14:hiddenLine xmlns="" xmlns:a14="http://schemas.microsoft.com/office/drawing/2010/main" w="9525">
                   <a:solidFill>
                     <a:srgbClr val="000000"/>
                   </a:solidFill>
@@ -4275,7 +4273,7 @@
             </a:ln>
             <a:extLst>
               <a:ext uri="{91240B29-F687-4f45-9708-019B960494DF}">
-                <a14:hiddenLine xmlns:a14="http://schemas.microsoft.com/office/drawing/2010/main" xmlns="" w="9525">
+                <a14:hiddenLine xmlns="" xmlns:a14="http://schemas.microsoft.com/office/drawing/2010/main" w="9525">
                   <a:solidFill>
                     <a:srgbClr val="000000"/>
                   </a:solidFill>
@@ -9082,7 +9080,7 @@
           <a:noFill/>
           <a:extLst>
             <a:ext uri="{909E8E84-426E-40dd-AFC4-6F175D3DCCD1}">
-              <a14:hiddenFill xmlns:a14="http://schemas.microsoft.com/office/drawing/2010/main" xmlns="">
+              <a14:hiddenFill xmlns="" xmlns:a14="http://schemas.microsoft.com/office/drawing/2010/main">
                 <a:solidFill>
                   <a:srgbClr val="FFFFFF"/>
                 </a:solidFill>
@@ -9156,7 +9154,7 @@
               </a:ln>
               <a:extLst>
                 <a:ext uri="{91240B29-F687-4f45-9708-019B960494DF}">
-                  <a14:hiddenLine xmlns:a14="http://schemas.microsoft.com/office/drawing/2010/main" xmlns="" w="9525">
+                  <a14:hiddenLine xmlns="" xmlns:a14="http://schemas.microsoft.com/office/drawing/2010/main" w="9525">
                     <a:solidFill>
                       <a:srgbClr val="000000"/>
                     </a:solidFill>
@@ -9246,7 +9244,7 @@
               </a:ln>
               <a:extLst>
                 <a:ext uri="{91240B29-F687-4f45-9708-019B960494DF}">
-                  <a14:hiddenLine xmlns:a14="http://schemas.microsoft.com/office/drawing/2010/main" xmlns="" w="9525">
+                  <a14:hiddenLine xmlns="" xmlns:a14="http://schemas.microsoft.com/office/drawing/2010/main" w="9525">
                     <a:solidFill>
                       <a:srgbClr val="000000"/>
                     </a:solidFill>
@@ -9336,7 +9334,7 @@
               </a:ln>
               <a:extLst>
                 <a:ext uri="{91240B29-F687-4f45-9708-019B960494DF}">
-                  <a14:hiddenLine xmlns:a14="http://schemas.microsoft.com/office/drawing/2010/main" xmlns="" w="9525">
+                  <a14:hiddenLine xmlns="" xmlns:a14="http://schemas.microsoft.com/office/drawing/2010/main" w="9525">
                     <a:solidFill>
                       <a:srgbClr val="000000"/>
                     </a:solidFill>
@@ -9398,7 +9396,7 @@
               </a:ln>
               <a:extLst>
                 <a:ext uri="{91240B29-F687-4f45-9708-019B960494DF}">
-                  <a14:hiddenLine xmlns:a14="http://schemas.microsoft.com/office/drawing/2010/main" xmlns="" w="9525">
+                  <a14:hiddenLine xmlns="" xmlns:a14="http://schemas.microsoft.com/office/drawing/2010/main" w="9525">
                     <a:solidFill>
                       <a:srgbClr val="000000"/>
                     </a:solidFill>
@@ -9488,7 +9486,7 @@
               </a:ln>
               <a:extLst>
                 <a:ext uri="{91240B29-F687-4f45-9708-019B960494DF}">
-                  <a14:hiddenLine xmlns:a14="http://schemas.microsoft.com/office/drawing/2010/main" xmlns="" w="9525">
+                  <a14:hiddenLine xmlns="" xmlns:a14="http://schemas.microsoft.com/office/drawing/2010/main" w="9525">
                     <a:solidFill>
                       <a:srgbClr val="000000"/>
                     </a:solidFill>
@@ -9550,7 +9548,7 @@
               </a:ln>
               <a:extLst>
                 <a:ext uri="{91240B29-F687-4f45-9708-019B960494DF}">
-                  <a14:hiddenLine xmlns:a14="http://schemas.microsoft.com/office/drawing/2010/main" xmlns="" w="9525">
+                  <a14:hiddenLine xmlns="" xmlns:a14="http://schemas.microsoft.com/office/drawing/2010/main" w="9525">
                     <a:solidFill>
                       <a:srgbClr val="000000"/>
                     </a:solidFill>
@@ -9612,7 +9610,7 @@
               </a:ln>
               <a:extLst>
                 <a:ext uri="{91240B29-F687-4f45-9708-019B960494DF}">
-                  <a14:hiddenLine xmlns:a14="http://schemas.microsoft.com/office/drawing/2010/main" xmlns="" w="9525">
+                  <a14:hiddenLine xmlns="" xmlns:a14="http://schemas.microsoft.com/office/drawing/2010/main" w="9525">
                     <a:solidFill>
                       <a:srgbClr val="000000"/>
                     </a:solidFill>
@@ -9702,7 +9700,7 @@
               </a:ln>
               <a:extLst>
                 <a:ext uri="{91240B29-F687-4f45-9708-019B960494DF}">
-                  <a14:hiddenLine xmlns:a14="http://schemas.microsoft.com/office/drawing/2010/main" xmlns="" w="9525">
+                  <a14:hiddenLine xmlns="" xmlns:a14="http://schemas.microsoft.com/office/drawing/2010/main" w="9525">
                     <a:solidFill>
                       <a:srgbClr val="000000"/>
                     </a:solidFill>
@@ -9792,7 +9790,7 @@
               </a:ln>
               <a:extLst>
                 <a:ext uri="{91240B29-F687-4f45-9708-019B960494DF}">
-                  <a14:hiddenLine xmlns:a14="http://schemas.microsoft.com/office/drawing/2010/main" xmlns="" w="9525">
+                  <a14:hiddenLine xmlns="" xmlns:a14="http://schemas.microsoft.com/office/drawing/2010/main" w="9525">
                     <a:solidFill>
                       <a:srgbClr val="000000"/>
                     </a:solidFill>
@@ -9854,7 +9852,7 @@
               </a:ln>
               <a:extLst>
                 <a:ext uri="{91240B29-F687-4f45-9708-019B960494DF}">
-                  <a14:hiddenLine xmlns:a14="http://schemas.microsoft.com/office/drawing/2010/main" xmlns="" w="9525">
+                  <a14:hiddenLine xmlns="" xmlns:a14="http://schemas.microsoft.com/office/drawing/2010/main" w="9525">
                     <a:solidFill>
                       <a:srgbClr val="000000"/>
                     </a:solidFill>
@@ -9964,7 +9962,7 @@
               </a:ln>
               <a:extLst>
                 <a:ext uri="{91240B29-F687-4f45-9708-019B960494DF}">
-                  <a14:hiddenLine xmlns:a14="http://schemas.microsoft.com/office/drawing/2010/main" xmlns="" w="9525">
+                  <a14:hiddenLine xmlns="" xmlns:a14="http://schemas.microsoft.com/office/drawing/2010/main" w="9525">
                     <a:solidFill>
                       <a:srgbClr val="000000"/>
                     </a:solidFill>
@@ -10048,7 +10046,7 @@
               </a:ln>
               <a:extLst>
                 <a:ext uri="{91240B29-F687-4f45-9708-019B960494DF}">
-                  <a14:hiddenLine xmlns:a14="http://schemas.microsoft.com/office/drawing/2010/main" xmlns="" w="9525">
+                  <a14:hiddenLine xmlns="" xmlns:a14="http://schemas.microsoft.com/office/drawing/2010/main" w="9525">
                     <a:solidFill>
                       <a:srgbClr val="000000"/>
                     </a:solidFill>
@@ -10110,7 +10108,7 @@
               </a:ln>
               <a:extLst>
                 <a:ext uri="{91240B29-F687-4f45-9708-019B960494DF}">
-                  <a14:hiddenLine xmlns:a14="http://schemas.microsoft.com/office/drawing/2010/main" xmlns="" w="9525">
+                  <a14:hiddenLine xmlns="" xmlns:a14="http://schemas.microsoft.com/office/drawing/2010/main" w="9525">
                     <a:solidFill>
                       <a:srgbClr val="000000"/>
                     </a:solidFill>
@@ -10172,7 +10170,7 @@
               </a:ln>
               <a:extLst>
                 <a:ext uri="{91240B29-F687-4f45-9708-019B960494DF}">
-                  <a14:hiddenLine xmlns:a14="http://schemas.microsoft.com/office/drawing/2010/main" xmlns="" w="9525">
+                  <a14:hiddenLine xmlns="" xmlns:a14="http://schemas.microsoft.com/office/drawing/2010/main" w="9525">
                     <a:solidFill>
                       <a:srgbClr val="000000"/>
                     </a:solidFill>
@@ -10262,7 +10260,7 @@
               </a:ln>
               <a:extLst>
                 <a:ext uri="{91240B29-F687-4f45-9708-019B960494DF}">
-                  <a14:hiddenLine xmlns:a14="http://schemas.microsoft.com/office/drawing/2010/main" xmlns="" w="9525">
+                  <a14:hiddenLine xmlns="" xmlns:a14="http://schemas.microsoft.com/office/drawing/2010/main" w="9525">
                     <a:solidFill>
                       <a:srgbClr val="000000"/>
                     </a:solidFill>
@@ -10296,7 +10294,7 @@
               </a:ln>
               <a:extLst>
                 <a:ext uri="{91240B29-F687-4f45-9708-019B960494DF}">
-                  <a14:hiddenLine xmlns:a14="http://schemas.microsoft.com/office/drawing/2010/main" xmlns="" w="9525">
+                  <a14:hiddenLine xmlns="" xmlns:a14="http://schemas.microsoft.com/office/drawing/2010/main" w="9525">
                     <a:solidFill>
                       <a:srgbClr val="000000"/>
                     </a:solidFill>
@@ -10361,7 +10359,7 @@
               </a:ln>
               <a:extLst>
                 <a:ext uri="{91240B29-F687-4f45-9708-019B960494DF}">
-                  <a14:hiddenLine xmlns:a14="http://schemas.microsoft.com/office/drawing/2010/main" xmlns="" w="9525">
+                  <a14:hiddenLine xmlns="" xmlns:a14="http://schemas.microsoft.com/office/drawing/2010/main" w="9525">
                     <a:solidFill>
                       <a:srgbClr val="000000"/>
                     </a:solidFill>
@@ -10451,7 +10449,7 @@
               </a:ln>
               <a:extLst>
                 <a:ext uri="{91240B29-F687-4f45-9708-019B960494DF}">
-                  <a14:hiddenLine xmlns:a14="http://schemas.microsoft.com/office/drawing/2010/main" xmlns="" w="9525">
+                  <a14:hiddenLine xmlns="" xmlns:a14="http://schemas.microsoft.com/office/drawing/2010/main" w="9525">
                     <a:solidFill>
                       <a:srgbClr val="000000"/>
                     </a:solidFill>
@@ -10513,7 +10511,7 @@
               </a:ln>
               <a:extLst>
                 <a:ext uri="{91240B29-F687-4f45-9708-019B960494DF}">
-                  <a14:hiddenLine xmlns:a14="http://schemas.microsoft.com/office/drawing/2010/main" xmlns="" w="9525">
+                  <a14:hiddenLine xmlns="" xmlns:a14="http://schemas.microsoft.com/office/drawing/2010/main" w="9525">
                     <a:solidFill>
                       <a:srgbClr val="000000"/>
                     </a:solidFill>
@@ -10603,7 +10601,7 @@
               </a:ln>
               <a:extLst>
                 <a:ext uri="{91240B29-F687-4f45-9708-019B960494DF}">
-                  <a14:hiddenLine xmlns:a14="http://schemas.microsoft.com/office/drawing/2010/main" xmlns="" w="9525">
+                  <a14:hiddenLine xmlns="" xmlns:a14="http://schemas.microsoft.com/office/drawing/2010/main" w="9525">
                     <a:solidFill>
                       <a:srgbClr val="000000"/>
                     </a:solidFill>
@@ -10668,7 +10666,7 @@
               </a:ln>
               <a:extLst>
                 <a:ext uri="{91240B29-F687-4f45-9708-019B960494DF}">
-                  <a14:hiddenLine xmlns:a14="http://schemas.microsoft.com/office/drawing/2010/main" xmlns="" w="9525">
+                  <a14:hiddenLine xmlns="" xmlns:a14="http://schemas.microsoft.com/office/drawing/2010/main" w="9525">
                     <a:solidFill>
                       <a:srgbClr val="000000"/>
                     </a:solidFill>
@@ -10730,7 +10728,7 @@
               </a:ln>
               <a:extLst>
                 <a:ext uri="{91240B29-F687-4f45-9708-019B960494DF}">
-                  <a14:hiddenLine xmlns:a14="http://schemas.microsoft.com/office/drawing/2010/main" xmlns="" w="9525">
+                  <a14:hiddenLine xmlns="" xmlns:a14="http://schemas.microsoft.com/office/drawing/2010/main" w="9525">
                     <a:solidFill>
                       <a:srgbClr val="000000"/>
                     </a:solidFill>
@@ -10820,7 +10818,7 @@
               </a:ln>
               <a:extLst>
                 <a:ext uri="{91240B29-F687-4f45-9708-019B960494DF}">
-                  <a14:hiddenLine xmlns:a14="http://schemas.microsoft.com/office/drawing/2010/main" xmlns="" w="9525">
+                  <a14:hiddenLine xmlns="" xmlns:a14="http://schemas.microsoft.com/office/drawing/2010/main" w="9525">
                     <a:solidFill>
                       <a:srgbClr val="000000"/>
                     </a:solidFill>
@@ -10910,7 +10908,7 @@
               </a:ln>
               <a:extLst>
                 <a:ext uri="{91240B29-F687-4f45-9708-019B960494DF}">
-                  <a14:hiddenLine xmlns:a14="http://schemas.microsoft.com/office/drawing/2010/main" xmlns="" w="9525">
+                  <a14:hiddenLine xmlns="" xmlns:a14="http://schemas.microsoft.com/office/drawing/2010/main" w="9525">
                     <a:solidFill>
                       <a:srgbClr val="000000"/>
                     </a:solidFill>
@@ -10975,7 +10973,7 @@
               </a:ln>
               <a:extLst>
                 <a:ext uri="{91240B29-F687-4f45-9708-019B960494DF}">
-                  <a14:hiddenLine xmlns:a14="http://schemas.microsoft.com/office/drawing/2010/main" xmlns="" w="9525">
+                  <a14:hiddenLine xmlns="" xmlns:a14="http://schemas.microsoft.com/office/drawing/2010/main" w="9525">
                     <a:solidFill>
                       <a:srgbClr val="000000"/>
                     </a:solidFill>
@@ -11095,7 +11093,7 @@
               </a:ln>
               <a:extLst>
                 <a:ext uri="{91240B29-F687-4f45-9708-019B960494DF}">
-                  <a14:hiddenLine xmlns:a14="http://schemas.microsoft.com/office/drawing/2010/main" xmlns="" w="9525">
+                  <a14:hiddenLine xmlns="" xmlns:a14="http://schemas.microsoft.com/office/drawing/2010/main" w="9525">
                     <a:solidFill>
                       <a:srgbClr val="000000"/>
                     </a:solidFill>
@@ -11193,7 +11191,7 @@
               </a:ln>
               <a:extLst>
                 <a:ext uri="{91240B29-F687-4f45-9708-019B960494DF}">
-                  <a14:hiddenLine xmlns:a14="http://schemas.microsoft.com/office/drawing/2010/main" xmlns="" w="9525">
+                  <a14:hiddenLine xmlns="" xmlns:a14="http://schemas.microsoft.com/office/drawing/2010/main" w="9525">
                     <a:solidFill>
                       <a:srgbClr val="000000"/>
                     </a:solidFill>
@@ -11308,7 +11306,7 @@
               </a:ln>
               <a:extLst>
                 <a:ext uri="{91240B29-F687-4f45-9708-019B960494DF}">
-                  <a14:hiddenLine xmlns:a14="http://schemas.microsoft.com/office/drawing/2010/main" xmlns="" w="9525">
+                  <a14:hiddenLine xmlns="" xmlns:a14="http://schemas.microsoft.com/office/drawing/2010/main" w="9525">
                     <a:solidFill>
                       <a:srgbClr val="000000"/>
                     </a:solidFill>
@@ -11398,7 +11396,7 @@
               </a:ln>
               <a:extLst>
                 <a:ext uri="{91240B29-F687-4f45-9708-019B960494DF}">
-                  <a14:hiddenLine xmlns:a14="http://schemas.microsoft.com/office/drawing/2010/main" xmlns="" w="9525">
+                  <a14:hiddenLine xmlns="" xmlns:a14="http://schemas.microsoft.com/office/drawing/2010/main" w="9525">
                     <a:solidFill>
                       <a:srgbClr val="000000"/>
                     </a:solidFill>
@@ -11463,7 +11461,7 @@
               </a:ln>
               <a:extLst>
                 <a:ext uri="{91240B29-F687-4f45-9708-019B960494DF}">
-                  <a14:hiddenLine xmlns:a14="http://schemas.microsoft.com/office/drawing/2010/main" xmlns="" w="9525">
+                  <a14:hiddenLine xmlns="" xmlns:a14="http://schemas.microsoft.com/office/drawing/2010/main" w="9525">
                     <a:solidFill>
                       <a:srgbClr val="000000"/>
                     </a:solidFill>
@@ -11553,7 +11551,7 @@
               </a:ln>
               <a:extLst>
                 <a:ext uri="{91240B29-F687-4f45-9708-019B960494DF}">
-                  <a14:hiddenLine xmlns:a14="http://schemas.microsoft.com/office/drawing/2010/main" xmlns="" w="9525">
+                  <a14:hiddenLine xmlns="" xmlns:a14="http://schemas.microsoft.com/office/drawing/2010/main" w="9525">
                     <a:solidFill>
                       <a:srgbClr val="000000"/>
                     </a:solidFill>
@@ -11621,7 +11619,7 @@
               </a:ln>
               <a:extLst>
                 <a:ext uri="{91240B29-F687-4f45-9708-019B960494DF}">
-                  <a14:hiddenLine xmlns:a14="http://schemas.microsoft.com/office/drawing/2010/main" xmlns="" w="9525">
+                  <a14:hiddenLine xmlns="" xmlns:a14="http://schemas.microsoft.com/office/drawing/2010/main" w="9525">
                     <a:solidFill>
                       <a:srgbClr val="000000"/>
                     </a:solidFill>
@@ -11711,7 +11709,7 @@
               </a:ln>
               <a:extLst>
                 <a:ext uri="{91240B29-F687-4f45-9708-019B960494DF}">
-                  <a14:hiddenLine xmlns:a14="http://schemas.microsoft.com/office/drawing/2010/main" xmlns="" w="9525">
+                  <a14:hiddenLine xmlns="" xmlns:a14="http://schemas.microsoft.com/office/drawing/2010/main" w="9525">
                     <a:solidFill>
                       <a:srgbClr val="000000"/>
                     </a:solidFill>
@@ -11779,7 +11777,7 @@
               </a:ln>
               <a:extLst>
                 <a:ext uri="{91240B29-F687-4f45-9708-019B960494DF}">
-                  <a14:hiddenLine xmlns:a14="http://schemas.microsoft.com/office/drawing/2010/main" xmlns="" w="9525">
+                  <a14:hiddenLine xmlns="" xmlns:a14="http://schemas.microsoft.com/office/drawing/2010/main" w="9525">
                     <a:solidFill>
                       <a:srgbClr val="000000"/>
                     </a:solidFill>
@@ -11869,7 +11867,7 @@
               </a:ln>
               <a:extLst>
                 <a:ext uri="{91240B29-F687-4f45-9708-019B960494DF}">
-                  <a14:hiddenLine xmlns:a14="http://schemas.microsoft.com/office/drawing/2010/main" xmlns="" w="9525">
+                  <a14:hiddenLine xmlns="" xmlns:a14="http://schemas.microsoft.com/office/drawing/2010/main" w="9525">
                     <a:solidFill>
                       <a:srgbClr val="000000"/>
                     </a:solidFill>
@@ -11903,7 +11901,7 @@
               </a:ln>
               <a:extLst>
                 <a:ext uri="{91240B29-F687-4f45-9708-019B960494DF}">
-                  <a14:hiddenLine xmlns:a14="http://schemas.microsoft.com/office/drawing/2010/main" xmlns="" w="9525">
+                  <a14:hiddenLine xmlns="" xmlns:a14="http://schemas.microsoft.com/office/drawing/2010/main" w="9525">
                     <a:solidFill>
                       <a:srgbClr val="000000"/>
                     </a:solidFill>
@@ -12625,10 +12623,10 @@
       </p:grpSpPr>
       <p:sp>
         <p:nvSpPr>
-          <p:cNvPr id="2" name="Title 1">
+          <p:cNvPr id="4" name="Title 3">
             <a:extLst>
               <a:ext uri="{FF2B5EF4-FFF2-40B4-BE49-F238E27FC236}">
-                <a16:creationId xmlns:a16="http://schemas.microsoft.com/office/drawing/2014/main" id="{4D82178C-B1EA-32CE-54AB-224E912D5176}"/>
+                <a16:creationId xmlns:a16="http://schemas.microsoft.com/office/drawing/2014/main" id="{3B79525E-0BC5-351D-531E-E1A27D188B2B}"/>
               </a:ext>
             </a:extLst>
           </p:cNvPr>
@@ -12646,7 +12644,7 @@
           <a:p>
             <a:r>
               <a:rPr lang="en-GB" dirty="0"/>
-              <a:t>Features and Targets</a:t>
+              <a:t>Dropping columns</a:t>
             </a:r>
           </a:p>
         </p:txBody>
@@ -12656,7 +12654,7 @@
           <p:cNvPr id="3" name="Content Placeholder 2">
             <a:extLst>
               <a:ext uri="{FF2B5EF4-FFF2-40B4-BE49-F238E27FC236}">
-                <a16:creationId xmlns:a16="http://schemas.microsoft.com/office/drawing/2014/main" id="{84313275-ED7F-13CB-B8B5-4396224B0CA4}"/>
+                <a16:creationId xmlns:a16="http://schemas.microsoft.com/office/drawing/2014/main" id="{087E68C6-DC9B-6342-A57B-0012D283974A}"/>
               </a:ext>
             </a:extLst>
           </p:cNvPr>
@@ -12669,83 +12667,70 @@
         </p:nvSpPr>
         <p:spPr/>
         <p:txBody>
-          <a:bodyPr/>
+          <a:bodyPr>
+            <a:normAutofit fontScale="92500" lnSpcReduction="10000"/>
+          </a:bodyPr>
           <a:lstStyle/>
           <a:p>
-            <a:pPr marL="0" indent="0">
-              <a:buNone/>
-            </a:pPr>
             <a:r>
-              <a:rPr lang="en-US" dirty="0"/>
-              <a:t>Make label the attrition column, convert Yes/No columns to 1/0 columns and then drop attrition column from features</a:t>
+              <a:rPr lang="en-GB" dirty="0" err="1"/>
+              <a:t>EmployeeCount</a:t>
+            </a:r>
+            <a:endParaRPr lang="en-GB" dirty="0"/>
+          </a:p>
+          <a:p>
+            <a:pPr lvl="1"/>
+            <a:r>
+              <a:rPr lang="en-GB" dirty="0"/>
+              <a:t>1</a:t>
             </a:r>
           </a:p>
           <a:p>
-            <a:pPr marL="0" indent="0">
-              <a:buNone/>
-            </a:pPr>
-            <a:endParaRPr lang="en-US" dirty="0"/>
+            <a:r>
+              <a:rPr lang="en-GB" dirty="0" err="1"/>
+              <a:t>EmplyeeNumber</a:t>
+            </a:r>
+            <a:endParaRPr lang="en-GB" dirty="0"/>
           </a:p>
           <a:p>
-            <a:pPr marL="0" indent="0">
-              <a:buNone/>
-            </a:pPr>
+            <a:pPr lvl="1"/>
             <a:r>
-              <a:rPr lang="en-US" dirty="0"/>
-              <a:t>y = </a:t>
-            </a:r>
-            <a:r>
-              <a:rPr lang="en-US" dirty="0" err="1"/>
-              <a:t>attrition_data_df</a:t>
-            </a:r>
-            <a:r>
-              <a:rPr lang="en-US" dirty="0"/>
-              <a:t> ('Attrition')</a:t>
+              <a:rPr lang="en-GB" dirty="0"/>
+              <a:t>Identification Number</a:t>
             </a:r>
           </a:p>
           <a:p>
-            <a:pPr marL="0" indent="0">
-              <a:buNone/>
-            </a:pPr>
             <a:r>
-              <a:rPr lang="en-US" dirty="0"/>
-              <a:t>y = </a:t>
-            </a:r>
-            <a:r>
-              <a:rPr lang="en-US" dirty="0" err="1"/>
-              <a:t>y.apply</a:t>
-            </a:r>
-            <a:r>
-              <a:rPr lang="en-US" dirty="0"/>
-              <a:t> (lambda x: 1 if x == 'Yes else 0)</a:t>
+              <a:rPr lang="en-GB" dirty="0"/>
+              <a:t>Over18</a:t>
             </a:r>
           </a:p>
           <a:p>
-            <a:pPr marL="0" indent="0">
-              <a:buNone/>
-            </a:pPr>
+            <a:pPr lvl="1"/>
             <a:r>
-              <a:rPr lang="en-US" dirty="0"/>
-              <a:t>X = </a:t>
-            </a:r>
-            <a:r>
-              <a:rPr lang="en-US" dirty="0" err="1"/>
-              <a:t>attrition_data_df.drop</a:t>
-            </a:r>
-            <a:r>
-              <a:rPr lang="en-US" dirty="0"/>
-              <a:t> ('Attrition', axis = 1)</a:t>
+              <a:rPr lang="en-GB" dirty="0"/>
+              <a:t>All participants were over 18</a:t>
             </a:r>
           </a:p>
           <a:p>
-            <a:endParaRPr lang="en-GB" dirty="0"/>
+            <a:r>
+              <a:rPr lang="en-GB" dirty="0"/>
+              <a:t>Standard hours</a:t>
+            </a:r>
+          </a:p>
+          <a:p>
+            <a:pPr lvl="1"/>
+            <a:r>
+              <a:rPr lang="en-GB" dirty="0"/>
+              <a:t>All staff worked the same standard hours of 80.</a:t>
+            </a:r>
           </a:p>
         </p:txBody>
       </p:sp>
     </p:spTree>
     <p:extLst>
       <p:ext uri="{BB962C8B-B14F-4D97-AF65-F5344CB8AC3E}">
-        <p14:creationId xmlns:p14="http://schemas.microsoft.com/office/powerpoint/2010/main" val="1031088039"/>
+        <p14:creationId xmlns:p14="http://schemas.microsoft.com/office/powerpoint/2010/main" val="2125573431"/>
       </p:ext>
     </p:extLst>
   </p:cSld>
@@ -12756,6 +12741,510 @@
 </file>
 
 <file path=ppt/slides/slide11.xml><?xml version="1.0" encoding="utf-8"?>
+<p:sld xmlns:a="http://schemas.openxmlformats.org/drawingml/2006/main" xmlns:r="http://schemas.openxmlformats.org/officeDocument/2006/relationships" xmlns:p="http://schemas.openxmlformats.org/presentationml/2006/main">
+  <p:cSld>
+    <p:spTree>
+      <p:nvGrpSpPr>
+        <p:cNvPr id="1" name=""/>
+        <p:cNvGrpSpPr/>
+        <p:nvPr/>
+      </p:nvGrpSpPr>
+      <p:grpSpPr>
+        <a:xfrm>
+          <a:off x="0" y="0"/>
+          <a:ext cx="0" cy="0"/>
+          <a:chOff x="0" y="0"/>
+          <a:chExt cx="0" cy="0"/>
+        </a:xfrm>
+      </p:grpSpPr>
+      <p:sp>
+        <p:nvSpPr>
+          <p:cNvPr id="4" name="Title 3">
+            <a:extLst>
+              <a:ext uri="{FF2B5EF4-FFF2-40B4-BE49-F238E27FC236}">
+                <a16:creationId xmlns:a16="http://schemas.microsoft.com/office/drawing/2014/main" id="{3B79525E-0BC5-351D-531E-E1A27D188B2B}"/>
+              </a:ext>
+            </a:extLst>
+          </p:cNvPr>
+          <p:cNvSpPr>
+            <a:spLocks noGrp="1"/>
+          </p:cNvSpPr>
+          <p:nvPr>
+            <p:ph type="title"/>
+          </p:nvPr>
+        </p:nvSpPr>
+        <p:spPr/>
+        <p:txBody>
+          <a:bodyPr/>
+          <a:lstStyle/>
+          <a:p>
+            <a:r>
+              <a:rPr lang="en-GB"/>
+              <a:t>Encoding</a:t>
+            </a:r>
+            <a:endParaRPr lang="en-GB" dirty="0"/>
+          </a:p>
+        </p:txBody>
+      </p:sp>
+      <p:sp>
+        <p:nvSpPr>
+          <p:cNvPr id="3" name="Content Placeholder 2">
+            <a:extLst>
+              <a:ext uri="{FF2B5EF4-FFF2-40B4-BE49-F238E27FC236}">
+                <a16:creationId xmlns:a16="http://schemas.microsoft.com/office/drawing/2014/main" id="{087E68C6-DC9B-6342-A57B-0012D283974A}"/>
+              </a:ext>
+            </a:extLst>
+          </p:cNvPr>
+          <p:cNvSpPr>
+            <a:spLocks noGrp="1"/>
+          </p:cNvSpPr>
+          <p:nvPr>
+            <p:ph idx="1"/>
+          </p:nvPr>
+        </p:nvSpPr>
+        <p:spPr>
+          <a:xfrm>
+            <a:off x="1141413" y="1862296"/>
+            <a:ext cx="3630612" cy="2761462"/>
+          </a:xfrm>
+        </p:spPr>
+        <p:txBody>
+          <a:bodyPr>
+            <a:normAutofit lnSpcReduction="10000"/>
+          </a:bodyPr>
+          <a:lstStyle/>
+          <a:p>
+            <a:r>
+              <a:rPr lang="en-GB"/>
+              <a:t>Attrition</a:t>
+            </a:r>
+          </a:p>
+          <a:p>
+            <a:pPr lvl="1"/>
+            <a:r>
+              <a:rPr lang="en-GB"/>
+              <a:t>Yes or No</a:t>
+            </a:r>
+          </a:p>
+          <a:p>
+            <a:r>
+              <a:rPr lang="en-GB"/>
+              <a:t>Gender</a:t>
+            </a:r>
+          </a:p>
+          <a:p>
+            <a:pPr lvl="1"/>
+            <a:r>
+              <a:rPr lang="en-GB"/>
+              <a:t>Male or Female</a:t>
+            </a:r>
+          </a:p>
+          <a:p>
+            <a:r>
+              <a:rPr lang="en-GB"/>
+              <a:t>OverTime</a:t>
+            </a:r>
+          </a:p>
+          <a:p>
+            <a:pPr lvl="1"/>
+            <a:r>
+              <a:rPr lang="en-GB"/>
+              <a:t>1 or 0 (for Yes or No)</a:t>
+            </a:r>
+            <a:endParaRPr lang="en-GB" dirty="0"/>
+          </a:p>
+        </p:txBody>
+      </p:sp>
+      <p:sp>
+        <p:nvSpPr>
+          <p:cNvPr id="6" name="Content Placeholder 2">
+            <a:extLst>
+              <a:ext uri="{FF2B5EF4-FFF2-40B4-BE49-F238E27FC236}">
+                <a16:creationId xmlns:a16="http://schemas.microsoft.com/office/drawing/2014/main" id="{570B80A2-DC15-71BE-1015-B34A3F345398}"/>
+              </a:ext>
+            </a:extLst>
+          </p:cNvPr>
+          <p:cNvSpPr txBox="1">
+            <a:spLocks/>
+          </p:cNvSpPr>
+          <p:nvPr/>
+        </p:nvSpPr>
+        <p:spPr>
+          <a:xfrm>
+            <a:off x="7184566" y="1862296"/>
+            <a:ext cx="3630611" cy="2761462"/>
+          </a:xfrm>
+          <a:prstGeom prst="rect">
+            <a:avLst/>
+          </a:prstGeom>
+        </p:spPr>
+        <p:txBody>
+          <a:bodyPr vert="horz" lIns="91440" tIns="45720" rIns="91440" bIns="45720" rtlCol="0">
+            <a:normAutofit lnSpcReduction="10000"/>
+          </a:bodyPr>
+          <a:lstStyle>
+            <a:lvl1pPr marL="228600" indent="-228600" algn="l" defTabSz="914400" rtl="0" eaLnBrk="1" latinLnBrk="0" hangingPunct="1">
+              <a:lnSpc>
+                <a:spcPct val="120000"/>
+              </a:lnSpc>
+              <a:spcBef>
+                <a:spcPts val="1000"/>
+              </a:spcBef>
+              <a:buSzPct val="125000"/>
+              <a:buFont typeface="Arial" panose="020B0604020202020204" pitchFamily="34" charset="0"/>
+              <a:buChar char="•"/>
+              <a:defRPr sz="2400" kern="1200">
+                <a:solidFill>
+                  <a:schemeClr val="tx1"/>
+                </a:solidFill>
+                <a:latin typeface="+mn-lt"/>
+                <a:ea typeface="+mn-ea"/>
+                <a:cs typeface="+mn-cs"/>
+              </a:defRPr>
+            </a:lvl1pPr>
+            <a:lvl2pPr marL="685800" indent="-228600" algn="l" defTabSz="914400" rtl="0" eaLnBrk="1" latinLnBrk="0" hangingPunct="1">
+              <a:lnSpc>
+                <a:spcPct val="120000"/>
+              </a:lnSpc>
+              <a:spcBef>
+                <a:spcPts val="500"/>
+              </a:spcBef>
+              <a:buSzPct val="125000"/>
+              <a:buFont typeface="Arial" panose="020B0604020202020204" pitchFamily="34" charset="0"/>
+              <a:buChar char="•"/>
+              <a:defRPr sz="2000" kern="1200">
+                <a:solidFill>
+                  <a:schemeClr val="tx1"/>
+                </a:solidFill>
+                <a:latin typeface="+mn-lt"/>
+                <a:ea typeface="+mn-ea"/>
+                <a:cs typeface="+mn-cs"/>
+              </a:defRPr>
+            </a:lvl2pPr>
+            <a:lvl3pPr marL="1143000" indent="-228600" algn="l" defTabSz="914400" rtl="0" eaLnBrk="1" latinLnBrk="0" hangingPunct="1">
+              <a:lnSpc>
+                <a:spcPct val="120000"/>
+              </a:lnSpc>
+              <a:spcBef>
+                <a:spcPts val="500"/>
+              </a:spcBef>
+              <a:buSzPct val="125000"/>
+              <a:buFont typeface="Arial" panose="020B0604020202020204" pitchFamily="34" charset="0"/>
+              <a:buChar char="•"/>
+              <a:defRPr sz="1800" kern="1200">
+                <a:solidFill>
+                  <a:schemeClr val="tx1"/>
+                </a:solidFill>
+                <a:latin typeface="+mn-lt"/>
+                <a:ea typeface="+mn-ea"/>
+                <a:cs typeface="+mn-cs"/>
+              </a:defRPr>
+            </a:lvl3pPr>
+            <a:lvl4pPr marL="1600200" indent="-228600" algn="l" defTabSz="914400" rtl="0" eaLnBrk="1" latinLnBrk="0" hangingPunct="1">
+              <a:lnSpc>
+                <a:spcPct val="120000"/>
+              </a:lnSpc>
+              <a:spcBef>
+                <a:spcPts val="500"/>
+              </a:spcBef>
+              <a:buSzPct val="125000"/>
+              <a:buFont typeface="Arial" panose="020B0604020202020204" pitchFamily="34" charset="0"/>
+              <a:buChar char="•"/>
+              <a:defRPr sz="1600" kern="1200">
+                <a:solidFill>
+                  <a:schemeClr val="tx1"/>
+                </a:solidFill>
+                <a:latin typeface="+mn-lt"/>
+                <a:ea typeface="+mn-ea"/>
+                <a:cs typeface="+mn-cs"/>
+              </a:defRPr>
+            </a:lvl4pPr>
+            <a:lvl5pPr marL="2057400" indent="-228600" algn="l" defTabSz="914400" rtl="0" eaLnBrk="1" latinLnBrk="0" hangingPunct="1">
+              <a:lnSpc>
+                <a:spcPct val="120000"/>
+              </a:lnSpc>
+              <a:spcBef>
+                <a:spcPts val="500"/>
+              </a:spcBef>
+              <a:buSzPct val="125000"/>
+              <a:buFont typeface="Arial" panose="020B0604020202020204" pitchFamily="34" charset="0"/>
+              <a:buChar char="•"/>
+              <a:defRPr sz="1600" kern="1200">
+                <a:solidFill>
+                  <a:schemeClr val="tx1"/>
+                </a:solidFill>
+                <a:latin typeface="+mn-lt"/>
+                <a:ea typeface="+mn-ea"/>
+                <a:cs typeface="+mn-cs"/>
+              </a:defRPr>
+            </a:lvl5pPr>
+            <a:lvl6pPr marL="2514600" indent="-228600" algn="l" defTabSz="914400" rtl="0" eaLnBrk="1" latinLnBrk="0" hangingPunct="1">
+              <a:lnSpc>
+                <a:spcPct val="120000"/>
+              </a:lnSpc>
+              <a:spcBef>
+                <a:spcPts val="500"/>
+              </a:spcBef>
+              <a:buSzPct val="125000"/>
+              <a:buFont typeface="Arial" panose="020B0604020202020204" pitchFamily="34" charset="0"/>
+              <a:buChar char="•"/>
+              <a:defRPr sz="1400" kern="1200">
+                <a:solidFill>
+                  <a:schemeClr val="tx1"/>
+                </a:solidFill>
+                <a:latin typeface="+mn-lt"/>
+                <a:ea typeface="+mn-ea"/>
+                <a:cs typeface="+mn-cs"/>
+              </a:defRPr>
+            </a:lvl6pPr>
+            <a:lvl7pPr marL="2971800" indent="-228600" algn="l" defTabSz="914400" rtl="0" eaLnBrk="1" latinLnBrk="0" hangingPunct="1">
+              <a:lnSpc>
+                <a:spcPct val="120000"/>
+              </a:lnSpc>
+              <a:spcBef>
+                <a:spcPts val="500"/>
+              </a:spcBef>
+              <a:buSzPct val="125000"/>
+              <a:buFont typeface="Arial" panose="020B0604020202020204" pitchFamily="34" charset="0"/>
+              <a:buChar char="•"/>
+              <a:defRPr sz="1400" kern="1200">
+                <a:solidFill>
+                  <a:schemeClr val="tx1"/>
+                </a:solidFill>
+                <a:latin typeface="+mn-lt"/>
+                <a:ea typeface="+mn-ea"/>
+                <a:cs typeface="+mn-cs"/>
+              </a:defRPr>
+            </a:lvl7pPr>
+            <a:lvl8pPr marL="3429000" indent="-228600" algn="l" defTabSz="914400" rtl="0" eaLnBrk="1" latinLnBrk="0" hangingPunct="1">
+              <a:lnSpc>
+                <a:spcPct val="120000"/>
+              </a:lnSpc>
+              <a:spcBef>
+                <a:spcPts val="500"/>
+              </a:spcBef>
+              <a:buSzPct val="125000"/>
+              <a:buFont typeface="Arial" panose="020B0604020202020204" pitchFamily="34" charset="0"/>
+              <a:buChar char="•"/>
+              <a:defRPr sz="1400" kern="1200">
+                <a:solidFill>
+                  <a:schemeClr val="tx1"/>
+                </a:solidFill>
+                <a:latin typeface="+mn-lt"/>
+                <a:ea typeface="+mn-ea"/>
+                <a:cs typeface="+mn-cs"/>
+              </a:defRPr>
+            </a:lvl8pPr>
+            <a:lvl9pPr marL="3886200" indent="-228600" algn="l" defTabSz="914400" rtl="0" eaLnBrk="1" latinLnBrk="0" hangingPunct="1">
+              <a:lnSpc>
+                <a:spcPct val="120000"/>
+              </a:lnSpc>
+              <a:spcBef>
+                <a:spcPts val="500"/>
+              </a:spcBef>
+              <a:buSzPct val="125000"/>
+              <a:buFont typeface="Arial" panose="020B0604020202020204" pitchFamily="34" charset="0"/>
+              <a:buChar char="•"/>
+              <a:defRPr sz="1400" kern="1200">
+                <a:solidFill>
+                  <a:schemeClr val="tx1"/>
+                </a:solidFill>
+                <a:latin typeface="+mn-lt"/>
+                <a:ea typeface="+mn-ea"/>
+                <a:cs typeface="+mn-cs"/>
+              </a:defRPr>
+            </a:lvl9pPr>
+          </a:lstStyle>
+          <a:p>
+            <a:r>
+              <a:rPr lang="en-GB"/>
+              <a:t>BusinessTravel</a:t>
+            </a:r>
+          </a:p>
+          <a:p>
+            <a:r>
+              <a:rPr lang="en-GB"/>
+              <a:t>Department</a:t>
+            </a:r>
+          </a:p>
+          <a:p>
+            <a:r>
+              <a:rPr lang="en-GB"/>
+              <a:t>EducationField</a:t>
+            </a:r>
+          </a:p>
+          <a:p>
+            <a:r>
+              <a:rPr lang="en-GB"/>
+              <a:t>JobRole</a:t>
+            </a:r>
+          </a:p>
+          <a:p>
+            <a:r>
+              <a:rPr lang="en-GB"/>
+              <a:t>MaritalStatus</a:t>
+            </a:r>
+            <a:endParaRPr lang="en-GB" dirty="0"/>
+          </a:p>
+        </p:txBody>
+      </p:sp>
+      <p:pic>
+        <p:nvPicPr>
+          <p:cNvPr id="8" name="Picture 7">
+            <a:extLst>
+              <a:ext uri="{FF2B5EF4-FFF2-40B4-BE49-F238E27FC236}">
+                <a16:creationId xmlns:a16="http://schemas.microsoft.com/office/drawing/2014/main" id="{F90C421A-D3F7-7EA7-DF13-E628F02E85DD}"/>
+              </a:ext>
+            </a:extLst>
+          </p:cNvPr>
+          <p:cNvPicPr>
+            <a:picLocks noChangeAspect="1"/>
+          </p:cNvPicPr>
+          <p:nvPr/>
+        </p:nvPicPr>
+        <p:blipFill>
+          <a:blip r:embed="rId2"/>
+          <a:stretch>
+            <a:fillRect/>
+          </a:stretch>
+        </p:blipFill>
+        <p:spPr>
+          <a:xfrm>
+            <a:off x="6299872" y="4757372"/>
+            <a:ext cx="5400000" cy="1186229"/>
+          </a:xfrm>
+          <a:prstGeom prst="rect">
+            <a:avLst/>
+          </a:prstGeom>
+        </p:spPr>
+      </p:pic>
+      <p:pic>
+        <p:nvPicPr>
+          <p:cNvPr id="10" name="Picture 9">
+            <a:extLst>
+              <a:ext uri="{FF2B5EF4-FFF2-40B4-BE49-F238E27FC236}">
+                <a16:creationId xmlns:a16="http://schemas.microsoft.com/office/drawing/2014/main" id="{520A337C-028C-1197-E881-7F8934DE06A4}"/>
+              </a:ext>
+            </a:extLst>
+          </p:cNvPr>
+          <p:cNvPicPr>
+            <a:picLocks noChangeAspect="1"/>
+          </p:cNvPicPr>
+          <p:nvPr/>
+        </p:nvPicPr>
+        <p:blipFill>
+          <a:blip r:embed="rId3"/>
+          <a:stretch>
+            <a:fillRect/>
+          </a:stretch>
+        </p:blipFill>
+        <p:spPr>
+          <a:xfrm>
+            <a:off x="667629" y="4757372"/>
+            <a:ext cx="5224500" cy="1188000"/>
+          </a:xfrm>
+          <a:prstGeom prst="rect">
+            <a:avLst/>
+          </a:prstGeom>
+        </p:spPr>
+      </p:pic>
+    </p:spTree>
+    <p:extLst>
+      <p:ext uri="{BB962C8B-B14F-4D97-AF65-F5344CB8AC3E}">
+        <p14:creationId xmlns:p14="http://schemas.microsoft.com/office/powerpoint/2010/main" val="866951601"/>
+      </p:ext>
+    </p:extLst>
+  </p:cSld>
+  <p:clrMapOvr>
+    <a:masterClrMapping/>
+  </p:clrMapOvr>
+</p:sld>
+</file>
+
+<file path=ppt/slides/slide12.xml><?xml version="1.0" encoding="utf-8"?>
+<p:sld xmlns:a="http://schemas.openxmlformats.org/drawingml/2006/main" xmlns:r="http://schemas.openxmlformats.org/officeDocument/2006/relationships" xmlns:p="http://schemas.openxmlformats.org/presentationml/2006/main">
+  <p:cSld>
+    <p:spTree>
+      <p:nvGrpSpPr>
+        <p:cNvPr id="1" name=""/>
+        <p:cNvGrpSpPr/>
+        <p:nvPr/>
+      </p:nvGrpSpPr>
+      <p:grpSpPr>
+        <a:xfrm>
+          <a:off x="0" y="0"/>
+          <a:ext cx="0" cy="0"/>
+          <a:chOff x="0" y="0"/>
+          <a:chExt cx="0" cy="0"/>
+        </a:xfrm>
+      </p:grpSpPr>
+      <p:sp>
+        <p:nvSpPr>
+          <p:cNvPr id="4" name="Title 3">
+            <a:extLst>
+              <a:ext uri="{FF2B5EF4-FFF2-40B4-BE49-F238E27FC236}">
+                <a16:creationId xmlns:a16="http://schemas.microsoft.com/office/drawing/2014/main" id="{50ED9828-FC9C-DA7E-1099-904BCA7C4188}"/>
+              </a:ext>
+            </a:extLst>
+          </p:cNvPr>
+          <p:cNvSpPr>
+            <a:spLocks noGrp="1"/>
+          </p:cNvSpPr>
+          <p:nvPr>
+            <p:ph type="title"/>
+          </p:nvPr>
+        </p:nvSpPr>
+        <p:spPr/>
+        <p:txBody>
+          <a:bodyPr/>
+          <a:lstStyle/>
+          <a:p>
+            <a:r>
+              <a:rPr lang="en-GB" dirty="0"/>
+              <a:t>Logistic regression model</a:t>
+            </a:r>
+          </a:p>
+        </p:txBody>
+      </p:sp>
+      <p:sp>
+        <p:nvSpPr>
+          <p:cNvPr id="5" name="Text Placeholder 4">
+            <a:extLst>
+              <a:ext uri="{FF2B5EF4-FFF2-40B4-BE49-F238E27FC236}">
+                <a16:creationId xmlns:a16="http://schemas.microsoft.com/office/drawing/2014/main" id="{EC431871-5C7D-5E8D-21C7-F6C39B6A1FFF}"/>
+              </a:ext>
+            </a:extLst>
+          </p:cNvPr>
+          <p:cNvSpPr>
+            <a:spLocks noGrp="1"/>
+          </p:cNvSpPr>
+          <p:nvPr>
+            <p:ph type="body" idx="1"/>
+          </p:nvPr>
+        </p:nvSpPr>
+        <p:spPr/>
+        <p:txBody>
+          <a:bodyPr/>
+          <a:lstStyle/>
+          <a:p>
+            <a:endParaRPr lang="en-GB"/>
+          </a:p>
+        </p:txBody>
+      </p:sp>
+    </p:spTree>
+    <p:extLst>
+      <p:ext uri="{BB962C8B-B14F-4D97-AF65-F5344CB8AC3E}">
+        <p14:creationId xmlns:p14="http://schemas.microsoft.com/office/powerpoint/2010/main" val="89717169"/>
+      </p:ext>
+    </p:extLst>
+  </p:cSld>
+  <p:clrMapOvr>
+    <a:masterClrMapping/>
+  </p:clrMapOvr>
+</p:sld>
+</file>
+
+<file path=ppt/slides/slide13.xml><?xml version="1.0" encoding="utf-8"?>
 <p:sld xmlns:a="http://schemas.openxmlformats.org/drawingml/2006/main" xmlns:r="http://schemas.openxmlformats.org/officeDocument/2006/relationships" xmlns:p="http://schemas.openxmlformats.org/presentationml/2006/main">
   <p:cSld>
     <p:spTree>
@@ -13083,196 +13572,6 @@
     <p:extLst>
       <p:ext uri="{BB962C8B-B14F-4D97-AF65-F5344CB8AC3E}">
         <p14:creationId xmlns:p14="http://schemas.microsoft.com/office/powerpoint/2010/main" val="3930946888"/>
-      </p:ext>
-    </p:extLst>
-  </p:cSld>
-  <p:clrMapOvr>
-    <a:masterClrMapping/>
-  </p:clrMapOvr>
-</p:sld>
-</file>
-
-<file path=ppt/slides/slide12.xml><?xml version="1.0" encoding="utf-8"?>
-<p:sld xmlns:a="http://schemas.openxmlformats.org/drawingml/2006/main" xmlns:r="http://schemas.openxmlformats.org/officeDocument/2006/relationships" xmlns:p="http://schemas.openxmlformats.org/presentationml/2006/main">
-  <p:cSld>
-    <p:spTree>
-      <p:nvGrpSpPr>
-        <p:cNvPr id="1" name=""/>
-        <p:cNvGrpSpPr/>
-        <p:nvPr/>
-      </p:nvGrpSpPr>
-      <p:grpSpPr>
-        <a:xfrm>
-          <a:off x="0" y="0"/>
-          <a:ext cx="0" cy="0"/>
-          <a:chOff x="0" y="0"/>
-          <a:chExt cx="0" cy="0"/>
-        </a:xfrm>
-      </p:grpSpPr>
-      <p:sp>
-        <p:nvSpPr>
-          <p:cNvPr id="2" name="Title 1">
-            <a:extLst>
-              <a:ext uri="{FF2B5EF4-FFF2-40B4-BE49-F238E27FC236}">
-                <a16:creationId xmlns:a16="http://schemas.microsoft.com/office/drawing/2014/main" id="{6954C1B2-6680-9EE7-F905-B19C196D94CA}"/>
-              </a:ext>
-            </a:extLst>
-          </p:cNvPr>
-          <p:cNvSpPr>
-            <a:spLocks noGrp="1"/>
-          </p:cNvSpPr>
-          <p:nvPr>
-            <p:ph type="title"/>
-          </p:nvPr>
-        </p:nvSpPr>
-        <p:spPr/>
-        <p:txBody>
-          <a:bodyPr/>
-          <a:lstStyle/>
-          <a:p>
-            <a:r>
-              <a:rPr lang="en-GB" dirty="0"/>
-              <a:t>Logistic Regression Model</a:t>
-            </a:r>
-          </a:p>
-        </p:txBody>
-      </p:sp>
-      <p:sp>
-        <p:nvSpPr>
-          <p:cNvPr id="4" name="Text Placeholder 3">
-            <a:extLst>
-              <a:ext uri="{FF2B5EF4-FFF2-40B4-BE49-F238E27FC236}">
-                <a16:creationId xmlns:a16="http://schemas.microsoft.com/office/drawing/2014/main" id="{9C2613D6-DB10-29A4-A285-D475B86DFA5D}"/>
-              </a:ext>
-            </a:extLst>
-          </p:cNvPr>
-          <p:cNvSpPr>
-            <a:spLocks noGrp="1"/>
-          </p:cNvSpPr>
-          <p:nvPr>
-            <p:ph type="body" idx="1"/>
-          </p:nvPr>
-        </p:nvSpPr>
-        <p:spPr/>
-        <p:txBody>
-          <a:bodyPr/>
-          <a:lstStyle/>
-          <a:p>
-            <a:endParaRPr lang="en-GB"/>
-          </a:p>
-        </p:txBody>
-      </p:sp>
-    </p:spTree>
-    <p:extLst>
-      <p:ext uri="{BB962C8B-B14F-4D97-AF65-F5344CB8AC3E}">
-        <p14:creationId xmlns:p14="http://schemas.microsoft.com/office/powerpoint/2010/main" val="1718801220"/>
-      </p:ext>
-    </p:extLst>
-  </p:cSld>
-  <p:clrMapOvr>
-    <a:masterClrMapping/>
-  </p:clrMapOvr>
-</p:sld>
-</file>
-
-<file path=ppt/slides/slide13.xml><?xml version="1.0" encoding="utf-8"?>
-<p:sld xmlns:a="http://schemas.openxmlformats.org/drawingml/2006/main" xmlns:r="http://schemas.openxmlformats.org/officeDocument/2006/relationships" xmlns:p="http://schemas.openxmlformats.org/presentationml/2006/main">
-  <p:cSld>
-    <p:spTree>
-      <p:nvGrpSpPr>
-        <p:cNvPr id="1" name=""/>
-        <p:cNvGrpSpPr/>
-        <p:nvPr/>
-      </p:nvGrpSpPr>
-      <p:grpSpPr>
-        <a:xfrm>
-          <a:off x="0" y="0"/>
-          <a:ext cx="0" cy="0"/>
-          <a:chOff x="0" y="0"/>
-          <a:chExt cx="0" cy="0"/>
-        </a:xfrm>
-      </p:grpSpPr>
-      <p:sp>
-        <p:nvSpPr>
-          <p:cNvPr id="2" name="Title 1">
-            <a:extLst>
-              <a:ext uri="{FF2B5EF4-FFF2-40B4-BE49-F238E27FC236}">
-                <a16:creationId xmlns:a16="http://schemas.microsoft.com/office/drawing/2014/main" id="{65F63569-2D02-F169-A249-3720C534CD7F}"/>
-              </a:ext>
-            </a:extLst>
-          </p:cNvPr>
-          <p:cNvSpPr>
-            <a:spLocks noGrp="1"/>
-          </p:cNvSpPr>
-          <p:nvPr>
-            <p:ph type="title"/>
-          </p:nvPr>
-        </p:nvSpPr>
-        <p:spPr/>
-        <p:txBody>
-          <a:bodyPr/>
-          <a:lstStyle/>
-          <a:p>
-            <a:r>
-              <a:rPr lang="en-US" dirty="0"/>
-              <a:t>Predictions</a:t>
-            </a:r>
-          </a:p>
-        </p:txBody>
-      </p:sp>
-      <p:sp>
-        <p:nvSpPr>
-          <p:cNvPr id="3" name="Content Placeholder 2">
-            <a:extLst>
-              <a:ext uri="{FF2B5EF4-FFF2-40B4-BE49-F238E27FC236}">
-                <a16:creationId xmlns:a16="http://schemas.microsoft.com/office/drawing/2014/main" id="{92E3B250-AC2D-D651-2E01-8FC8302C9B8E}"/>
-              </a:ext>
-            </a:extLst>
-          </p:cNvPr>
-          <p:cNvSpPr>
-            <a:spLocks noGrp="1"/>
-          </p:cNvSpPr>
-          <p:nvPr>
-            <p:ph idx="1"/>
-          </p:nvPr>
-        </p:nvSpPr>
-        <p:spPr/>
-        <p:txBody>
-          <a:bodyPr vert="horz" lIns="91440" tIns="45720" rIns="91440" bIns="45720" rtlCol="0" anchor="t">
-            <a:normAutofit/>
-          </a:bodyPr>
-          <a:lstStyle/>
-          <a:p>
-            <a:pPr marL="0" indent="0">
-              <a:buNone/>
-            </a:pPr>
-            <a:r>
-              <a:rPr lang="en-US" dirty="0"/>
-              <a:t>predictions = </a:t>
-            </a:r>
-            <a:r>
-              <a:rPr lang="en-US" dirty="0" err="1"/>
-              <a:t>classifier.predict</a:t>
-            </a:r>
-            <a:r>
-              <a:rPr lang="en-US" dirty="0"/>
-              <a:t> (</a:t>
-            </a:r>
-            <a:r>
-              <a:rPr lang="en-US" dirty="0" err="1"/>
-              <a:t>X_test</a:t>
-            </a:r>
-            <a:r>
-              <a:rPr lang="en-US" dirty="0"/>
-              <a:t>)</a:t>
-            </a:r>
-          </a:p>
-        </p:txBody>
-      </p:sp>
-    </p:spTree>
-    <p:extLst>
-      <p:ext uri="{BB962C8B-B14F-4D97-AF65-F5344CB8AC3E}">
-        <p14:creationId xmlns:p14="http://schemas.microsoft.com/office/powerpoint/2010/main" val="2272447324"/>
       </p:ext>
     </p:extLst>
   </p:cSld>
@@ -13387,350 +13686,6 @@
           <p:cNvPr id="2" name="Title 1">
             <a:extLst>
               <a:ext uri="{FF2B5EF4-FFF2-40B4-BE49-F238E27FC236}">
-                <a16:creationId xmlns:a16="http://schemas.microsoft.com/office/drawing/2014/main" id="{BF0ECB2A-3CB9-C62C-B6CD-7F32B97B43F4}"/>
-              </a:ext>
-            </a:extLst>
-          </p:cNvPr>
-          <p:cNvSpPr>
-            <a:spLocks noGrp="1"/>
-          </p:cNvSpPr>
-          <p:nvPr>
-            <p:ph type="title"/>
-          </p:nvPr>
-        </p:nvSpPr>
-        <p:spPr/>
-        <p:txBody>
-          <a:bodyPr/>
-          <a:lstStyle/>
-          <a:p>
-            <a:r>
-              <a:rPr lang="en-US" dirty="0"/>
-              <a:t>Confusion Matrix</a:t>
-            </a:r>
-          </a:p>
-        </p:txBody>
-      </p:sp>
-      <p:sp>
-        <p:nvSpPr>
-          <p:cNvPr id="3" name="Content Placeholder 2">
-            <a:extLst>
-              <a:ext uri="{FF2B5EF4-FFF2-40B4-BE49-F238E27FC236}">
-                <a16:creationId xmlns:a16="http://schemas.microsoft.com/office/drawing/2014/main" id="{35B981E2-E098-78AB-1E4F-6F401B7EA4DA}"/>
-              </a:ext>
-            </a:extLst>
-          </p:cNvPr>
-          <p:cNvSpPr>
-            <a:spLocks noGrp="1"/>
-          </p:cNvSpPr>
-          <p:nvPr>
-            <p:ph idx="1"/>
-          </p:nvPr>
-        </p:nvSpPr>
-        <p:spPr/>
-        <p:txBody>
-          <a:bodyPr vert="horz" lIns="91440" tIns="45720" rIns="91440" bIns="45720" rtlCol="0" anchor="t">
-            <a:normAutofit/>
-          </a:bodyPr>
-          <a:lstStyle/>
-          <a:p>
-            <a:pPr marL="0" indent="0">
-              <a:buNone/>
-            </a:pPr>
-            <a:r>
-              <a:rPr lang="en-US" dirty="0"/>
-              <a:t>from </a:t>
-            </a:r>
-            <a:r>
-              <a:rPr lang="en-US" dirty="0" err="1"/>
-              <a:t>sklearn.svm</a:t>
-            </a:r>
-            <a:r>
-              <a:rPr lang="en-US" dirty="0"/>
-              <a:t> import SVC</a:t>
-            </a:r>
-            <a:endParaRPr lang="en-US"/>
-          </a:p>
-          <a:p>
-            <a:pPr marL="0" indent="0">
-              <a:buNone/>
-            </a:pPr>
-            <a:r>
-              <a:rPr lang="en-US" err="1"/>
-              <a:t>confusion_matrix</a:t>
-            </a:r>
-            <a:r>
-              <a:rPr lang="en-US" dirty="0"/>
-              <a:t> (</a:t>
-            </a:r>
-            <a:r>
-              <a:rPr lang="en-US" err="1"/>
-              <a:t>y_test</a:t>
-            </a:r>
-            <a:r>
-              <a:rPr lang="en-US" dirty="0"/>
-              <a:t>, predictions)</a:t>
-            </a:r>
-          </a:p>
-          <a:p>
-            <a:endParaRPr lang="en-US" dirty="0"/>
-          </a:p>
-          <a:p>
-            <a:pPr marL="0" indent="0">
-              <a:buNone/>
-            </a:pPr>
-            <a:r>
-              <a:rPr lang="en-US" dirty="0"/>
-              <a:t>Array ([[317, 0].</a:t>
-            </a:r>
-          </a:p>
-          <a:p>
-            <a:pPr marL="914400" lvl="2" indent="0">
-              <a:buNone/>
-            </a:pPr>
-            <a:r>
-              <a:rPr lang="en-US" dirty="0"/>
-              <a:t>     [   50,    1]])</a:t>
-            </a:r>
-          </a:p>
-        </p:txBody>
-      </p:sp>
-    </p:spTree>
-    <p:extLst>
-      <p:ext uri="{BB962C8B-B14F-4D97-AF65-F5344CB8AC3E}">
-        <p14:creationId xmlns:p14="http://schemas.microsoft.com/office/powerpoint/2010/main" val="3257887903"/>
-      </p:ext>
-    </p:extLst>
-  </p:cSld>
-  <p:clrMapOvr>
-    <a:masterClrMapping/>
-  </p:clrMapOvr>
-</p:sld>
-</file>
-
-<file path=ppt/slides/slide16.xml><?xml version="1.0" encoding="utf-8"?>
-<p:sld xmlns:a="http://schemas.openxmlformats.org/drawingml/2006/main" xmlns:r="http://schemas.openxmlformats.org/officeDocument/2006/relationships" xmlns:p="http://schemas.openxmlformats.org/presentationml/2006/main">
-  <p:cSld>
-    <p:spTree>
-      <p:nvGrpSpPr>
-        <p:cNvPr id="1" name=""/>
-        <p:cNvGrpSpPr/>
-        <p:nvPr/>
-      </p:nvGrpSpPr>
-      <p:grpSpPr>
-        <a:xfrm>
-          <a:off x="0" y="0"/>
-          <a:ext cx="0" cy="0"/>
-          <a:chOff x="0" y="0"/>
-          <a:chExt cx="0" cy="0"/>
-        </a:xfrm>
-      </p:grpSpPr>
-      <p:sp>
-        <p:nvSpPr>
-          <p:cNvPr id="2" name="Title 1">
-            <a:extLst>
-              <a:ext uri="{FF2B5EF4-FFF2-40B4-BE49-F238E27FC236}">
-                <a16:creationId xmlns:a16="http://schemas.microsoft.com/office/drawing/2014/main" id="{AF68FC48-066F-FF53-C720-5FF94DABA870}"/>
-              </a:ext>
-            </a:extLst>
-          </p:cNvPr>
-          <p:cNvSpPr>
-            <a:spLocks noGrp="1"/>
-          </p:cNvSpPr>
-          <p:nvPr>
-            <p:ph type="title"/>
-          </p:nvPr>
-        </p:nvSpPr>
-        <p:spPr/>
-        <p:txBody>
-          <a:bodyPr/>
-          <a:lstStyle/>
-          <a:p>
-            <a:r>
-              <a:rPr lang="en-US" dirty="0"/>
-              <a:t>Classification Report</a:t>
-            </a:r>
-          </a:p>
-        </p:txBody>
-      </p:sp>
-      <p:sp>
-        <p:nvSpPr>
-          <p:cNvPr id="3" name="Content Placeholder 2">
-            <a:extLst>
-              <a:ext uri="{FF2B5EF4-FFF2-40B4-BE49-F238E27FC236}">
-                <a16:creationId xmlns:a16="http://schemas.microsoft.com/office/drawing/2014/main" id="{963D915B-9385-86E9-A474-DDA53321386E}"/>
-              </a:ext>
-            </a:extLst>
-          </p:cNvPr>
-          <p:cNvSpPr>
-            <a:spLocks noGrp="1"/>
-          </p:cNvSpPr>
-          <p:nvPr>
-            <p:ph idx="1"/>
-          </p:nvPr>
-        </p:nvSpPr>
-        <p:spPr/>
-        <p:txBody>
-          <a:bodyPr vert="horz" lIns="91440" tIns="45720" rIns="91440" bIns="45720" rtlCol="0" anchor="t">
-            <a:normAutofit fontScale="62500" lnSpcReduction="20000"/>
-          </a:bodyPr>
-          <a:lstStyle/>
-          <a:p>
-            <a:pPr marL="0" indent="0">
-              <a:buNone/>
-            </a:pPr>
-            <a:r>
-              <a:rPr lang="en-US" dirty="0" err="1"/>
-              <a:t>target_names</a:t>
-            </a:r>
-            <a:r>
-              <a:rPr lang="en-US" dirty="0"/>
-              <a:t> = ['Attrition', 'No Attrition']</a:t>
-            </a:r>
-          </a:p>
-          <a:p>
-            <a:pPr marL="0" indent="0">
-              <a:buNone/>
-            </a:pPr>
-            <a:r>
-              <a:rPr lang="en-US" dirty="0"/>
-              <a:t>print (</a:t>
-            </a:r>
-            <a:r>
-              <a:rPr lang="en-US" dirty="0" err="1"/>
-              <a:t>classification_report</a:t>
-            </a:r>
-            <a:r>
-              <a:rPr lang="en-US" dirty="0"/>
-              <a:t> (</a:t>
-            </a:r>
-            <a:r>
-              <a:rPr lang="en-US" dirty="0" err="1"/>
-              <a:t>y_test</a:t>
-            </a:r>
-            <a:r>
-              <a:rPr lang="en-US" dirty="0"/>
-              <a:t>, predictions, </a:t>
-            </a:r>
-            <a:r>
-              <a:rPr lang="en-US" dirty="0" err="1"/>
-              <a:t>target_names</a:t>
-            </a:r>
-            <a:r>
-              <a:rPr lang="en-US" dirty="0"/>
-              <a:t> = </a:t>
-            </a:r>
-            <a:r>
-              <a:rPr lang="en-US" dirty="0" err="1"/>
-              <a:t>target_names</a:t>
-            </a:r>
-            <a:r>
-              <a:rPr lang="en-US" dirty="0"/>
-              <a:t>))</a:t>
-            </a:r>
-          </a:p>
-          <a:p>
-            <a:pPr marL="0" indent="0">
-              <a:buNone/>
-            </a:pPr>
-            <a:endParaRPr lang="en-US" dirty="0"/>
-          </a:p>
-          <a:p>
-            <a:pPr marL="0" indent="0">
-              <a:buNone/>
-            </a:pPr>
-            <a:r>
-              <a:rPr lang="en-US" dirty="0"/>
-              <a:t>      precision recall f1-score support</a:t>
-            </a:r>
-          </a:p>
-          <a:p>
-            <a:pPr marL="0" indent="0">
-              <a:buNone/>
-            </a:pPr>
-            <a:r>
-              <a:rPr lang="en-US" dirty="0"/>
-              <a:t>Attrition      0.86   1.00     0.93   317</a:t>
-            </a:r>
-          </a:p>
-          <a:p>
-            <a:pPr marL="0" indent="0">
-              <a:buNone/>
-            </a:pPr>
-            <a:r>
-              <a:rPr lang="en-US" dirty="0"/>
-              <a:t>No Attrition   1.00    0.02     0.04     51</a:t>
-            </a:r>
-          </a:p>
-          <a:p>
-            <a:pPr marL="0" indent="0">
-              <a:buNone/>
-            </a:pPr>
-            <a:endParaRPr lang="en-US" dirty="0"/>
-          </a:p>
-          <a:p>
-            <a:pPr marL="0" indent="0">
-              <a:buNone/>
-            </a:pPr>
-            <a:r>
-              <a:rPr lang="en-US" dirty="0"/>
-              <a:t>accuracy            0.86    368</a:t>
-            </a:r>
-          </a:p>
-          <a:p>
-            <a:pPr marL="0" indent="0">
-              <a:buNone/>
-            </a:pPr>
-            <a:r>
-              <a:rPr lang="en-US" dirty="0"/>
-              <a:t>macro avg      0.93    0.51    0.48    368</a:t>
-            </a:r>
-          </a:p>
-          <a:p>
-            <a:pPr marL="0" indent="0">
-              <a:buNone/>
-            </a:pPr>
-            <a:r>
-              <a:rPr lang="en-US" dirty="0"/>
-              <a:t>weighted avg    0.88    0.86    0.80     368</a:t>
-            </a:r>
-          </a:p>
-        </p:txBody>
-      </p:sp>
-    </p:spTree>
-    <p:extLst>
-      <p:ext uri="{BB962C8B-B14F-4D97-AF65-F5344CB8AC3E}">
-        <p14:creationId xmlns:p14="http://schemas.microsoft.com/office/powerpoint/2010/main" val="4032855609"/>
-      </p:ext>
-    </p:extLst>
-  </p:cSld>
-  <p:clrMapOvr>
-    <a:masterClrMapping/>
-  </p:clrMapOvr>
-</p:sld>
-</file>
-
-<file path=ppt/slides/slide17.xml><?xml version="1.0" encoding="utf-8"?>
-<p:sld xmlns:a="http://schemas.openxmlformats.org/drawingml/2006/main" xmlns:r="http://schemas.openxmlformats.org/officeDocument/2006/relationships" xmlns:p="http://schemas.openxmlformats.org/presentationml/2006/main">
-  <p:cSld>
-    <p:spTree>
-      <p:nvGrpSpPr>
-        <p:cNvPr id="1" name=""/>
-        <p:cNvGrpSpPr/>
-        <p:nvPr/>
-      </p:nvGrpSpPr>
-      <p:grpSpPr>
-        <a:xfrm>
-          <a:off x="0" y="0"/>
-          <a:ext cx="0" cy="0"/>
-          <a:chOff x="0" y="0"/>
-          <a:chExt cx="0" cy="0"/>
-        </a:xfrm>
-      </p:grpSpPr>
-      <p:sp>
-        <p:nvSpPr>
-          <p:cNvPr id="2" name="Title 1">
-            <a:extLst>
-              <a:ext uri="{FF2B5EF4-FFF2-40B4-BE49-F238E27FC236}">
                 <a16:creationId xmlns:a16="http://schemas.microsoft.com/office/drawing/2014/main" id="{1BBD3080-3B6A-C133-A9F8-FDA6228ABD2B}"/>
               </a:ext>
             </a:extLst>
@@ -13792,7 +13747,7 @@
 </p:sld>
 </file>
 
-<file path=ppt/slides/slide18.xml><?xml version="1.0" encoding="utf-8"?>
+<file path=ppt/slides/slide16.xml><?xml version="1.0" encoding="utf-8"?>
 <p:sld xmlns:a="http://schemas.openxmlformats.org/drawingml/2006/main" xmlns:r="http://schemas.openxmlformats.org/officeDocument/2006/relationships" xmlns:p="http://schemas.openxmlformats.org/presentationml/2006/main">
   <p:cSld>
     <p:spTree>
@@ -14905,7 +14860,7 @@
               </a:ln>
               <a:extLst>
                 <a:ext uri="{91240B29-F687-4f45-9708-019B960494DF}">
-                  <a14:hiddenLine xmlns="" xmlns:a16="http://schemas.microsoft.com/office/drawing/2014/main" xmlns:p14="http://schemas.microsoft.com/office/powerpoint/2010/main" xmlns:a14="http://schemas.microsoft.com/office/drawing/2010/main" w="9525">
+                  <a14:hiddenLine xmlns:a14="http://schemas.microsoft.com/office/drawing/2010/main" xmlns:p14="http://schemas.microsoft.com/office/powerpoint/2010/main" xmlns:a16="http://schemas.microsoft.com/office/drawing/2014/main" xmlns="" w="9525">
                     <a:solidFill>
                       <a:srgbClr val="000000"/>
                     </a:solidFill>
@@ -15017,7 +14972,7 @@
               </a:ln>
               <a:extLst>
                 <a:ext uri="{91240B29-F687-4f45-9708-019B960494DF}">
-                  <a14:hiddenLine xmlns="" xmlns:a16="http://schemas.microsoft.com/office/drawing/2014/main" xmlns:p14="http://schemas.microsoft.com/office/powerpoint/2010/main" xmlns:a14="http://schemas.microsoft.com/office/drawing/2010/main" w="9525">
+                  <a14:hiddenLine xmlns:a14="http://schemas.microsoft.com/office/drawing/2010/main" xmlns:p14="http://schemas.microsoft.com/office/powerpoint/2010/main" xmlns:a16="http://schemas.microsoft.com/office/drawing/2014/main" xmlns="" w="9525">
                     <a:solidFill>
                       <a:srgbClr val="000000"/>
                     </a:solidFill>
@@ -15129,7 +15084,7 @@
               </a:ln>
               <a:extLst>
                 <a:ext uri="{91240B29-F687-4f45-9708-019B960494DF}">
-                  <a14:hiddenLine xmlns="" xmlns:a16="http://schemas.microsoft.com/office/drawing/2014/main" xmlns:p14="http://schemas.microsoft.com/office/powerpoint/2010/main" xmlns:a14="http://schemas.microsoft.com/office/drawing/2010/main" w="9525">
+                  <a14:hiddenLine xmlns:a14="http://schemas.microsoft.com/office/drawing/2010/main" xmlns:p14="http://schemas.microsoft.com/office/powerpoint/2010/main" xmlns:a16="http://schemas.microsoft.com/office/drawing/2014/main" xmlns="" w="9525">
                     <a:solidFill>
                       <a:srgbClr val="000000"/>
                     </a:solidFill>
@@ -15213,7 +15168,7 @@
               </a:ln>
               <a:extLst>
                 <a:ext uri="{91240B29-F687-4f45-9708-019B960494DF}">
-                  <a14:hiddenLine xmlns="" xmlns:a16="http://schemas.microsoft.com/office/drawing/2014/main" xmlns:p14="http://schemas.microsoft.com/office/powerpoint/2010/main" xmlns:a14="http://schemas.microsoft.com/office/drawing/2010/main" w="9525">
+                  <a14:hiddenLine xmlns:a14="http://schemas.microsoft.com/office/drawing/2010/main" xmlns:p14="http://schemas.microsoft.com/office/powerpoint/2010/main" xmlns:a16="http://schemas.microsoft.com/office/drawing/2014/main" xmlns="" w="9525">
                     <a:solidFill>
                       <a:srgbClr val="000000"/>
                     </a:solidFill>
@@ -15325,7 +15280,7 @@
               </a:ln>
               <a:extLst>
                 <a:ext uri="{91240B29-F687-4f45-9708-019B960494DF}">
-                  <a14:hiddenLine xmlns="" xmlns:a16="http://schemas.microsoft.com/office/drawing/2014/main" xmlns:p14="http://schemas.microsoft.com/office/powerpoint/2010/main" xmlns:a14="http://schemas.microsoft.com/office/drawing/2010/main" w="9525">
+                  <a14:hiddenLine xmlns:a14="http://schemas.microsoft.com/office/drawing/2010/main" xmlns:p14="http://schemas.microsoft.com/office/powerpoint/2010/main" xmlns:a16="http://schemas.microsoft.com/office/drawing/2014/main" xmlns="" w="9525">
                     <a:solidFill>
                       <a:srgbClr val="000000"/>
                     </a:solidFill>
@@ -15409,7 +15364,7 @@
               </a:ln>
               <a:extLst>
                 <a:ext uri="{91240B29-F687-4f45-9708-019B960494DF}">
-                  <a14:hiddenLine xmlns="" xmlns:a16="http://schemas.microsoft.com/office/drawing/2014/main" xmlns:p14="http://schemas.microsoft.com/office/powerpoint/2010/main" xmlns:a14="http://schemas.microsoft.com/office/drawing/2010/main" w="9525">
+                  <a14:hiddenLine xmlns:a14="http://schemas.microsoft.com/office/drawing/2010/main" xmlns:p14="http://schemas.microsoft.com/office/powerpoint/2010/main" xmlns:a16="http://schemas.microsoft.com/office/drawing/2014/main" xmlns="" w="9525">
                     <a:solidFill>
                       <a:srgbClr val="000000"/>
                     </a:solidFill>
@@ -15493,7 +15448,7 @@
               </a:ln>
               <a:extLst>
                 <a:ext uri="{91240B29-F687-4f45-9708-019B960494DF}">
-                  <a14:hiddenLine xmlns="" xmlns:a16="http://schemas.microsoft.com/office/drawing/2014/main" xmlns:p14="http://schemas.microsoft.com/office/powerpoint/2010/main" xmlns:a14="http://schemas.microsoft.com/office/drawing/2010/main" w="9525">
+                  <a14:hiddenLine xmlns:a14="http://schemas.microsoft.com/office/drawing/2010/main" xmlns:p14="http://schemas.microsoft.com/office/powerpoint/2010/main" xmlns:a16="http://schemas.microsoft.com/office/drawing/2014/main" xmlns="" w="9525">
                     <a:solidFill>
                       <a:srgbClr val="000000"/>
                     </a:solidFill>
@@ -15605,7 +15560,7 @@
               </a:ln>
               <a:extLst>
                 <a:ext uri="{91240B29-F687-4f45-9708-019B960494DF}">
-                  <a14:hiddenLine xmlns="" xmlns:a16="http://schemas.microsoft.com/office/drawing/2014/main" xmlns:p14="http://schemas.microsoft.com/office/powerpoint/2010/main" xmlns:a14="http://schemas.microsoft.com/office/drawing/2010/main" w="9525">
+                  <a14:hiddenLine xmlns:a14="http://schemas.microsoft.com/office/drawing/2010/main" xmlns:p14="http://schemas.microsoft.com/office/powerpoint/2010/main" xmlns:a16="http://schemas.microsoft.com/office/drawing/2014/main" xmlns="" w="9525">
                     <a:solidFill>
                       <a:srgbClr val="000000"/>
                     </a:solidFill>
@@ -15717,7 +15672,7 @@
               </a:ln>
               <a:extLst>
                 <a:ext uri="{91240B29-F687-4f45-9708-019B960494DF}">
-                  <a14:hiddenLine xmlns="" xmlns:a16="http://schemas.microsoft.com/office/drawing/2014/main" xmlns:p14="http://schemas.microsoft.com/office/powerpoint/2010/main" xmlns:a14="http://schemas.microsoft.com/office/drawing/2010/main" w="9525">
+                  <a14:hiddenLine xmlns:a14="http://schemas.microsoft.com/office/drawing/2010/main" xmlns:p14="http://schemas.microsoft.com/office/powerpoint/2010/main" xmlns:a16="http://schemas.microsoft.com/office/drawing/2014/main" xmlns="" w="9525">
                     <a:solidFill>
                       <a:srgbClr val="000000"/>
                     </a:solidFill>
@@ -15801,7 +15756,7 @@
               </a:ln>
               <a:extLst>
                 <a:ext uri="{91240B29-F687-4f45-9708-019B960494DF}">
-                  <a14:hiddenLine xmlns="" xmlns:a16="http://schemas.microsoft.com/office/drawing/2014/main" xmlns:p14="http://schemas.microsoft.com/office/powerpoint/2010/main" xmlns:a14="http://schemas.microsoft.com/office/drawing/2010/main" w="9525">
+                  <a14:hiddenLine xmlns:a14="http://schemas.microsoft.com/office/drawing/2010/main" xmlns:p14="http://schemas.microsoft.com/office/powerpoint/2010/main" xmlns:a16="http://schemas.microsoft.com/office/drawing/2014/main" xmlns="" w="9525">
                     <a:solidFill>
                       <a:srgbClr val="000000"/>
                     </a:solidFill>
@@ -15933,7 +15888,7 @@
               </a:ln>
               <a:extLst>
                 <a:ext uri="{91240B29-F687-4f45-9708-019B960494DF}">
-                  <a14:hiddenLine xmlns="" xmlns:a16="http://schemas.microsoft.com/office/drawing/2014/main" xmlns:p14="http://schemas.microsoft.com/office/powerpoint/2010/main" xmlns:a14="http://schemas.microsoft.com/office/drawing/2010/main" w="9525">
+                  <a14:hiddenLine xmlns:a14="http://schemas.microsoft.com/office/drawing/2010/main" xmlns:p14="http://schemas.microsoft.com/office/powerpoint/2010/main" xmlns:a16="http://schemas.microsoft.com/office/drawing/2014/main" xmlns="" w="9525">
                     <a:solidFill>
                       <a:srgbClr val="000000"/>
                     </a:solidFill>
@@ -16061,7 +16016,7 @@
               </a:ln>
               <a:extLst>
                 <a:ext uri="{91240B29-F687-4f45-9708-019B960494DF}">
-                  <a14:hiddenLine xmlns="" xmlns:a16="http://schemas.microsoft.com/office/drawing/2014/main" xmlns:p14="http://schemas.microsoft.com/office/powerpoint/2010/main" xmlns:a14="http://schemas.microsoft.com/office/drawing/2010/main" w="9525">
+                  <a14:hiddenLine xmlns:a14="http://schemas.microsoft.com/office/drawing/2010/main" xmlns:p14="http://schemas.microsoft.com/office/powerpoint/2010/main" xmlns:a16="http://schemas.microsoft.com/office/drawing/2014/main" xmlns="" w="9525">
                     <a:solidFill>
                       <a:srgbClr val="000000"/>
                     </a:solidFill>
@@ -16145,7 +16100,7 @@
               </a:ln>
               <a:extLst>
                 <a:ext uri="{91240B29-F687-4f45-9708-019B960494DF}">
-                  <a14:hiddenLine xmlns="" xmlns:a16="http://schemas.microsoft.com/office/drawing/2014/main" xmlns:p14="http://schemas.microsoft.com/office/powerpoint/2010/main" xmlns:a14="http://schemas.microsoft.com/office/drawing/2010/main" w="9525">
+                  <a14:hiddenLine xmlns:a14="http://schemas.microsoft.com/office/drawing/2010/main" xmlns:p14="http://schemas.microsoft.com/office/powerpoint/2010/main" xmlns:a16="http://schemas.microsoft.com/office/drawing/2014/main" xmlns="" w="9525">
                     <a:solidFill>
                       <a:srgbClr val="000000"/>
                     </a:solidFill>
@@ -16229,7 +16184,7 @@
               </a:ln>
               <a:extLst>
                 <a:ext uri="{91240B29-F687-4f45-9708-019B960494DF}">
-                  <a14:hiddenLine xmlns="" xmlns:a16="http://schemas.microsoft.com/office/drawing/2014/main" xmlns:p14="http://schemas.microsoft.com/office/powerpoint/2010/main" xmlns:a14="http://schemas.microsoft.com/office/drawing/2010/main" w="9525">
+                  <a14:hiddenLine xmlns:a14="http://schemas.microsoft.com/office/drawing/2010/main" xmlns:p14="http://schemas.microsoft.com/office/powerpoint/2010/main" xmlns:a16="http://schemas.microsoft.com/office/drawing/2014/main" xmlns="" w="9525">
                     <a:solidFill>
                       <a:srgbClr val="000000"/>
                     </a:solidFill>
@@ -16341,7 +16296,7 @@
               </a:ln>
               <a:extLst>
                 <a:ext uri="{91240B29-F687-4f45-9708-019B960494DF}">
-                  <a14:hiddenLine xmlns="" xmlns:a16="http://schemas.microsoft.com/office/drawing/2014/main" xmlns:p14="http://schemas.microsoft.com/office/powerpoint/2010/main" xmlns:a14="http://schemas.microsoft.com/office/drawing/2010/main" w="9525">
+                  <a14:hiddenLine xmlns:a14="http://schemas.microsoft.com/office/drawing/2010/main" xmlns:p14="http://schemas.microsoft.com/office/powerpoint/2010/main" xmlns:a16="http://schemas.microsoft.com/office/drawing/2014/main" xmlns="" w="9525">
                     <a:solidFill>
                       <a:srgbClr val="000000"/>
                     </a:solidFill>
@@ -16397,7 +16352,7 @@
               </a:ln>
               <a:extLst>
                 <a:ext uri="{91240B29-F687-4f45-9708-019B960494DF}">
-                  <a14:hiddenLine xmlns="" xmlns:a16="http://schemas.microsoft.com/office/drawing/2014/main" xmlns:p14="http://schemas.microsoft.com/office/powerpoint/2010/main" xmlns:a14="http://schemas.microsoft.com/office/drawing/2010/main" w="9525">
+                  <a14:hiddenLine xmlns:a14="http://schemas.microsoft.com/office/drawing/2010/main" xmlns:p14="http://schemas.microsoft.com/office/powerpoint/2010/main" xmlns:a16="http://schemas.microsoft.com/office/drawing/2014/main" xmlns="" w="9525">
                     <a:solidFill>
                       <a:srgbClr val="000000"/>
                     </a:solidFill>
@@ -16484,7 +16439,7 @@
               </a:ln>
               <a:extLst>
                 <a:ext uri="{91240B29-F687-4f45-9708-019B960494DF}">
-                  <a14:hiddenLine xmlns="" xmlns:a16="http://schemas.microsoft.com/office/drawing/2014/main" xmlns:p14="http://schemas.microsoft.com/office/powerpoint/2010/main" xmlns:a14="http://schemas.microsoft.com/office/drawing/2010/main" w="9525">
+                  <a14:hiddenLine xmlns:a14="http://schemas.microsoft.com/office/drawing/2010/main" xmlns:p14="http://schemas.microsoft.com/office/powerpoint/2010/main" xmlns:a16="http://schemas.microsoft.com/office/drawing/2014/main" xmlns="" w="9525">
                     <a:solidFill>
                       <a:srgbClr val="000000"/>
                     </a:solidFill>
@@ -16596,7 +16551,7 @@
               </a:ln>
               <a:extLst>
                 <a:ext uri="{91240B29-F687-4f45-9708-019B960494DF}">
-                  <a14:hiddenLine xmlns="" xmlns:a16="http://schemas.microsoft.com/office/drawing/2014/main" xmlns:p14="http://schemas.microsoft.com/office/powerpoint/2010/main" xmlns:a14="http://schemas.microsoft.com/office/drawing/2010/main" w="9525">
+                  <a14:hiddenLine xmlns:a14="http://schemas.microsoft.com/office/drawing/2010/main" xmlns:p14="http://schemas.microsoft.com/office/powerpoint/2010/main" xmlns:a16="http://schemas.microsoft.com/office/drawing/2014/main" xmlns="" w="9525">
                     <a:solidFill>
                       <a:srgbClr val="000000"/>
                     </a:solidFill>
@@ -16680,7 +16635,7 @@
               </a:ln>
               <a:extLst>
                 <a:ext uri="{91240B29-F687-4f45-9708-019B960494DF}">
-                  <a14:hiddenLine xmlns="" xmlns:a16="http://schemas.microsoft.com/office/drawing/2014/main" xmlns:p14="http://schemas.microsoft.com/office/powerpoint/2010/main" xmlns:a14="http://schemas.microsoft.com/office/drawing/2010/main" w="9525">
+                  <a14:hiddenLine xmlns:a14="http://schemas.microsoft.com/office/drawing/2010/main" xmlns:p14="http://schemas.microsoft.com/office/powerpoint/2010/main" xmlns:a16="http://schemas.microsoft.com/office/drawing/2014/main" xmlns="" w="9525">
                     <a:solidFill>
                       <a:srgbClr val="000000"/>
                     </a:solidFill>
@@ -16792,7 +16747,7 @@
               </a:ln>
               <a:extLst>
                 <a:ext uri="{91240B29-F687-4f45-9708-019B960494DF}">
-                  <a14:hiddenLine xmlns="" xmlns:a16="http://schemas.microsoft.com/office/drawing/2014/main" xmlns:p14="http://schemas.microsoft.com/office/powerpoint/2010/main" xmlns:a14="http://schemas.microsoft.com/office/drawing/2010/main" w="9525">
+                  <a14:hiddenLine xmlns:a14="http://schemas.microsoft.com/office/drawing/2010/main" xmlns:p14="http://schemas.microsoft.com/office/powerpoint/2010/main" xmlns:a16="http://schemas.microsoft.com/office/drawing/2014/main" xmlns="" w="9525">
                     <a:solidFill>
                       <a:srgbClr val="000000"/>
                     </a:solidFill>
@@ -16879,7 +16834,7 @@
               </a:ln>
               <a:extLst>
                 <a:ext uri="{91240B29-F687-4f45-9708-019B960494DF}">
-                  <a14:hiddenLine xmlns="" xmlns:a16="http://schemas.microsoft.com/office/drawing/2014/main" xmlns:p14="http://schemas.microsoft.com/office/powerpoint/2010/main" xmlns:a14="http://schemas.microsoft.com/office/drawing/2010/main" w="9525">
+                  <a14:hiddenLine xmlns:a14="http://schemas.microsoft.com/office/drawing/2010/main" xmlns:p14="http://schemas.microsoft.com/office/powerpoint/2010/main" xmlns:a16="http://schemas.microsoft.com/office/drawing/2014/main" xmlns="" w="9525">
                     <a:solidFill>
                       <a:srgbClr val="000000"/>
                     </a:solidFill>
@@ -16963,7 +16918,7 @@
               </a:ln>
               <a:extLst>
                 <a:ext uri="{91240B29-F687-4f45-9708-019B960494DF}">
-                  <a14:hiddenLine xmlns="" xmlns:a16="http://schemas.microsoft.com/office/drawing/2014/main" xmlns:p14="http://schemas.microsoft.com/office/powerpoint/2010/main" xmlns:a14="http://schemas.microsoft.com/office/drawing/2010/main" w="9525">
+                  <a14:hiddenLine xmlns:a14="http://schemas.microsoft.com/office/drawing/2010/main" xmlns:p14="http://schemas.microsoft.com/office/powerpoint/2010/main" xmlns:a16="http://schemas.microsoft.com/office/drawing/2014/main" xmlns="" w="9525">
                     <a:solidFill>
                       <a:srgbClr val="000000"/>
                     </a:solidFill>
@@ -17075,7 +17030,7 @@
               </a:ln>
               <a:extLst>
                 <a:ext uri="{91240B29-F687-4f45-9708-019B960494DF}">
-                  <a14:hiddenLine xmlns="" xmlns:a16="http://schemas.microsoft.com/office/drawing/2014/main" xmlns:p14="http://schemas.microsoft.com/office/powerpoint/2010/main" xmlns:a14="http://schemas.microsoft.com/office/drawing/2010/main" w="9525">
+                  <a14:hiddenLine xmlns:a14="http://schemas.microsoft.com/office/drawing/2010/main" xmlns:p14="http://schemas.microsoft.com/office/powerpoint/2010/main" xmlns:a16="http://schemas.microsoft.com/office/drawing/2014/main" xmlns="" w="9525">
                     <a:solidFill>
                       <a:srgbClr val="000000"/>
                     </a:solidFill>
@@ -17187,7 +17142,7 @@
               </a:ln>
               <a:extLst>
                 <a:ext uri="{91240B29-F687-4f45-9708-019B960494DF}">
-                  <a14:hiddenLine xmlns="" xmlns:a16="http://schemas.microsoft.com/office/drawing/2014/main" xmlns:p14="http://schemas.microsoft.com/office/powerpoint/2010/main" xmlns:a14="http://schemas.microsoft.com/office/drawing/2010/main" w="9525">
+                  <a14:hiddenLine xmlns:a14="http://schemas.microsoft.com/office/drawing/2010/main" xmlns:p14="http://schemas.microsoft.com/office/powerpoint/2010/main" xmlns:a16="http://schemas.microsoft.com/office/drawing/2014/main" xmlns="" w="9525">
                     <a:solidFill>
                       <a:srgbClr val="000000"/>
                     </a:solidFill>
@@ -17274,7 +17229,7 @@
               </a:ln>
               <a:extLst>
                 <a:ext uri="{91240B29-F687-4f45-9708-019B960494DF}">
-                  <a14:hiddenLine xmlns="" xmlns:a16="http://schemas.microsoft.com/office/drawing/2014/main" xmlns:p14="http://schemas.microsoft.com/office/powerpoint/2010/main" xmlns:a14="http://schemas.microsoft.com/office/drawing/2010/main" w="9525">
+                  <a14:hiddenLine xmlns:a14="http://schemas.microsoft.com/office/drawing/2010/main" xmlns:p14="http://schemas.microsoft.com/office/powerpoint/2010/main" xmlns:a16="http://schemas.microsoft.com/office/drawing/2014/main" xmlns="" w="9525">
                     <a:solidFill>
                       <a:srgbClr val="000000"/>
                     </a:solidFill>
@@ -17416,7 +17371,7 @@
               </a:ln>
               <a:extLst>
                 <a:ext uri="{91240B29-F687-4f45-9708-019B960494DF}">
-                  <a14:hiddenLine xmlns="" xmlns:a16="http://schemas.microsoft.com/office/drawing/2014/main" xmlns:p14="http://schemas.microsoft.com/office/powerpoint/2010/main" xmlns:a14="http://schemas.microsoft.com/office/drawing/2010/main" w="9525">
+                  <a14:hiddenLine xmlns:a14="http://schemas.microsoft.com/office/drawing/2010/main" xmlns:p14="http://schemas.microsoft.com/office/powerpoint/2010/main" xmlns:a16="http://schemas.microsoft.com/office/drawing/2014/main" xmlns="" w="9525">
                     <a:solidFill>
                       <a:srgbClr val="000000"/>
                     </a:solidFill>
@@ -17548,7 +17503,7 @@
               </a:ln>
               <a:extLst>
                 <a:ext uri="{91240B29-F687-4f45-9708-019B960494DF}">
-                  <a14:hiddenLine xmlns="" xmlns:a16="http://schemas.microsoft.com/office/drawing/2014/main" xmlns:p14="http://schemas.microsoft.com/office/powerpoint/2010/main" xmlns:a14="http://schemas.microsoft.com/office/drawing/2010/main" w="9525">
+                  <a14:hiddenLine xmlns:a14="http://schemas.microsoft.com/office/drawing/2010/main" xmlns:p14="http://schemas.microsoft.com/office/powerpoint/2010/main" xmlns:a16="http://schemas.microsoft.com/office/drawing/2014/main" xmlns="" w="9525">
                     <a:solidFill>
                       <a:srgbClr val="000000"/>
                     </a:solidFill>
@@ -17685,7 +17640,7 @@
               </a:ln>
               <a:extLst>
                 <a:ext uri="{91240B29-F687-4f45-9708-019B960494DF}">
-                  <a14:hiddenLine xmlns="" xmlns:a16="http://schemas.microsoft.com/office/drawing/2014/main" xmlns:p14="http://schemas.microsoft.com/office/powerpoint/2010/main" xmlns:a14="http://schemas.microsoft.com/office/drawing/2010/main" w="9525">
+                  <a14:hiddenLine xmlns:a14="http://schemas.microsoft.com/office/drawing/2010/main" xmlns:p14="http://schemas.microsoft.com/office/powerpoint/2010/main" xmlns:a16="http://schemas.microsoft.com/office/drawing/2014/main" xmlns="" w="9525">
                     <a:solidFill>
                       <a:srgbClr val="000000"/>
                     </a:solidFill>
@@ -17797,7 +17752,7 @@
               </a:ln>
               <a:extLst>
                 <a:ext uri="{91240B29-F687-4f45-9708-019B960494DF}">
-                  <a14:hiddenLine xmlns="" xmlns:a16="http://schemas.microsoft.com/office/drawing/2014/main" xmlns:p14="http://schemas.microsoft.com/office/powerpoint/2010/main" xmlns:a14="http://schemas.microsoft.com/office/drawing/2010/main" w="9525">
+                  <a14:hiddenLine xmlns:a14="http://schemas.microsoft.com/office/drawing/2010/main" xmlns:p14="http://schemas.microsoft.com/office/powerpoint/2010/main" xmlns:a16="http://schemas.microsoft.com/office/drawing/2014/main" xmlns="" w="9525">
                     <a:solidFill>
                       <a:srgbClr val="000000"/>
                     </a:solidFill>
@@ -17884,7 +17839,7 @@
               </a:ln>
               <a:extLst>
                 <a:ext uri="{91240B29-F687-4f45-9708-019B960494DF}">
-                  <a14:hiddenLine xmlns="" xmlns:a16="http://schemas.microsoft.com/office/drawing/2014/main" xmlns:p14="http://schemas.microsoft.com/office/powerpoint/2010/main" xmlns:a14="http://schemas.microsoft.com/office/drawing/2010/main" w="9525">
+                  <a14:hiddenLine xmlns:a14="http://schemas.microsoft.com/office/drawing/2010/main" xmlns:p14="http://schemas.microsoft.com/office/powerpoint/2010/main" xmlns:a16="http://schemas.microsoft.com/office/drawing/2014/main" xmlns="" w="9525">
                     <a:solidFill>
                       <a:srgbClr val="000000"/>
                     </a:solidFill>
@@ -17996,7 +17951,7 @@
               </a:ln>
               <a:extLst>
                 <a:ext uri="{91240B29-F687-4f45-9708-019B960494DF}">
-                  <a14:hiddenLine xmlns="" xmlns:a16="http://schemas.microsoft.com/office/drawing/2014/main" xmlns:p14="http://schemas.microsoft.com/office/powerpoint/2010/main" xmlns:a14="http://schemas.microsoft.com/office/drawing/2010/main" w="9525">
+                  <a14:hiddenLine xmlns:a14="http://schemas.microsoft.com/office/drawing/2010/main" xmlns:p14="http://schemas.microsoft.com/office/powerpoint/2010/main" xmlns:a16="http://schemas.microsoft.com/office/drawing/2014/main" xmlns="" w="9525">
                     <a:solidFill>
                       <a:srgbClr val="000000"/>
                     </a:solidFill>
@@ -18086,7 +18041,7 @@
               </a:ln>
               <a:extLst>
                 <a:ext uri="{91240B29-F687-4f45-9708-019B960494DF}">
-                  <a14:hiddenLine xmlns="" xmlns:a16="http://schemas.microsoft.com/office/drawing/2014/main" xmlns:p14="http://schemas.microsoft.com/office/powerpoint/2010/main" xmlns:a14="http://schemas.microsoft.com/office/drawing/2010/main" w="9525">
+                  <a14:hiddenLine xmlns:a14="http://schemas.microsoft.com/office/drawing/2010/main" xmlns:p14="http://schemas.microsoft.com/office/powerpoint/2010/main" xmlns:a16="http://schemas.microsoft.com/office/drawing/2014/main" xmlns="" w="9525">
                     <a:solidFill>
                       <a:srgbClr val="000000"/>
                     </a:solidFill>
@@ -18198,7 +18153,7 @@
               </a:ln>
               <a:extLst>
                 <a:ext uri="{91240B29-F687-4f45-9708-019B960494DF}">
-                  <a14:hiddenLine xmlns="" xmlns:a16="http://schemas.microsoft.com/office/drawing/2014/main" xmlns:p14="http://schemas.microsoft.com/office/powerpoint/2010/main" xmlns:a14="http://schemas.microsoft.com/office/drawing/2010/main" w="9525">
+                  <a14:hiddenLine xmlns:a14="http://schemas.microsoft.com/office/drawing/2010/main" xmlns:p14="http://schemas.microsoft.com/office/powerpoint/2010/main" xmlns:a16="http://schemas.microsoft.com/office/drawing/2014/main" xmlns="" w="9525">
                     <a:solidFill>
                       <a:srgbClr val="000000"/>
                     </a:solidFill>
@@ -18288,7 +18243,7 @@
               </a:ln>
               <a:extLst>
                 <a:ext uri="{91240B29-F687-4f45-9708-019B960494DF}">
-                  <a14:hiddenLine xmlns="" xmlns:a16="http://schemas.microsoft.com/office/drawing/2014/main" xmlns:p14="http://schemas.microsoft.com/office/powerpoint/2010/main" xmlns:a14="http://schemas.microsoft.com/office/drawing/2010/main" w="9525">
+                  <a14:hiddenLine xmlns:a14="http://schemas.microsoft.com/office/drawing/2010/main" xmlns:p14="http://schemas.microsoft.com/office/powerpoint/2010/main" xmlns:a16="http://schemas.microsoft.com/office/drawing/2014/main" xmlns="" w="9525">
                     <a:solidFill>
                       <a:srgbClr val="000000"/>
                     </a:solidFill>
@@ -18400,7 +18355,7 @@
               </a:ln>
               <a:extLst>
                 <a:ext uri="{91240B29-F687-4f45-9708-019B960494DF}">
-                  <a14:hiddenLine xmlns="" xmlns:a16="http://schemas.microsoft.com/office/drawing/2014/main" xmlns:p14="http://schemas.microsoft.com/office/powerpoint/2010/main" xmlns:a14="http://schemas.microsoft.com/office/drawing/2010/main" w="9525">
+                  <a14:hiddenLine xmlns:a14="http://schemas.microsoft.com/office/drawing/2010/main" xmlns:p14="http://schemas.microsoft.com/office/powerpoint/2010/main" xmlns:a16="http://schemas.microsoft.com/office/drawing/2014/main" xmlns="" w="9525">
                     <a:solidFill>
                       <a:srgbClr val="000000"/>
                     </a:solidFill>
@@ -18456,7 +18411,7 @@
               </a:ln>
               <a:extLst>
                 <a:ext uri="{91240B29-F687-4f45-9708-019B960494DF}">
-                  <a14:hiddenLine xmlns="" xmlns:a16="http://schemas.microsoft.com/office/drawing/2014/main" xmlns:p14="http://schemas.microsoft.com/office/powerpoint/2010/main" xmlns:a14="http://schemas.microsoft.com/office/drawing/2010/main" w="9525">
+                  <a14:hiddenLine xmlns:a14="http://schemas.microsoft.com/office/drawing/2010/main" xmlns:p14="http://schemas.microsoft.com/office/powerpoint/2010/main" xmlns:a16="http://schemas.microsoft.com/office/drawing/2014/main" xmlns="" w="9525">
                     <a:solidFill>
                       <a:srgbClr val="000000"/>
                     </a:solidFill>
@@ -18525,7 +18480,7 @@
           <a:noFill/>
           <a:extLst>
             <a:ext uri="{909E8E84-426E-40dd-AFC4-6F175D3DCCD1}">
-              <a14:hiddenFill xmlns="" xmlns:a16="http://schemas.microsoft.com/office/drawing/2014/main" xmlns:p14="http://schemas.microsoft.com/office/powerpoint/2010/main" xmlns:a14="http://schemas.microsoft.com/office/drawing/2010/main">
+              <a14:hiddenFill xmlns:a14="http://schemas.microsoft.com/office/drawing/2010/main" xmlns:p14="http://schemas.microsoft.com/office/powerpoint/2010/main" xmlns:a16="http://schemas.microsoft.com/office/drawing/2014/main" xmlns="">
                 <a:solidFill>
                   <a:srgbClr val="FFFFFF"/>
                 </a:solidFill>
@@ -18949,7 +18904,7 @@
               </a:ln>
               <a:extLst>
                 <a:ext uri="{91240B29-F687-4f45-9708-019B960494DF}">
-                  <a14:hiddenLine xmlns="" xmlns:a16="http://schemas.microsoft.com/office/drawing/2014/main" xmlns:p14="http://schemas.microsoft.com/office/powerpoint/2010/main" xmlns:a14="http://schemas.microsoft.com/office/drawing/2010/main" w="9525">
+                  <a14:hiddenLine xmlns:a14="http://schemas.microsoft.com/office/drawing/2010/main" xmlns:p14="http://schemas.microsoft.com/office/powerpoint/2010/main" xmlns:a16="http://schemas.microsoft.com/office/drawing/2014/main" xmlns="" w="9525">
                     <a:solidFill>
                       <a:srgbClr val="000000"/>
                     </a:solidFill>
@@ -19061,7 +19016,7 @@
               </a:ln>
               <a:extLst>
                 <a:ext uri="{91240B29-F687-4f45-9708-019B960494DF}">
-                  <a14:hiddenLine xmlns="" xmlns:a16="http://schemas.microsoft.com/office/drawing/2014/main" xmlns:p14="http://schemas.microsoft.com/office/powerpoint/2010/main" xmlns:a14="http://schemas.microsoft.com/office/drawing/2010/main" w="9525">
+                  <a14:hiddenLine xmlns:a14="http://schemas.microsoft.com/office/drawing/2010/main" xmlns:p14="http://schemas.microsoft.com/office/powerpoint/2010/main" xmlns:a16="http://schemas.microsoft.com/office/drawing/2014/main" xmlns="" w="9525">
                     <a:solidFill>
                       <a:srgbClr val="000000"/>
                     </a:solidFill>
@@ -19173,7 +19128,7 @@
               </a:ln>
               <a:extLst>
                 <a:ext uri="{91240B29-F687-4f45-9708-019B960494DF}">
-                  <a14:hiddenLine xmlns="" xmlns:a16="http://schemas.microsoft.com/office/drawing/2014/main" xmlns:p14="http://schemas.microsoft.com/office/powerpoint/2010/main" xmlns:a14="http://schemas.microsoft.com/office/drawing/2010/main" w="9525">
+                  <a14:hiddenLine xmlns:a14="http://schemas.microsoft.com/office/drawing/2010/main" xmlns:p14="http://schemas.microsoft.com/office/powerpoint/2010/main" xmlns:a16="http://schemas.microsoft.com/office/drawing/2014/main" xmlns="" w="9525">
                     <a:solidFill>
                       <a:srgbClr val="000000"/>
                     </a:solidFill>
@@ -19257,7 +19212,7 @@
               </a:ln>
               <a:extLst>
                 <a:ext uri="{91240B29-F687-4f45-9708-019B960494DF}">
-                  <a14:hiddenLine xmlns="" xmlns:a16="http://schemas.microsoft.com/office/drawing/2014/main" xmlns:p14="http://schemas.microsoft.com/office/powerpoint/2010/main" xmlns:a14="http://schemas.microsoft.com/office/drawing/2010/main" w="9525">
+                  <a14:hiddenLine xmlns:a14="http://schemas.microsoft.com/office/drawing/2010/main" xmlns:p14="http://schemas.microsoft.com/office/powerpoint/2010/main" xmlns:a16="http://schemas.microsoft.com/office/drawing/2014/main" xmlns="" w="9525">
                     <a:solidFill>
                       <a:srgbClr val="000000"/>
                     </a:solidFill>
@@ -19369,7 +19324,7 @@
               </a:ln>
               <a:extLst>
                 <a:ext uri="{91240B29-F687-4f45-9708-019B960494DF}">
-                  <a14:hiddenLine xmlns="" xmlns:a16="http://schemas.microsoft.com/office/drawing/2014/main" xmlns:p14="http://schemas.microsoft.com/office/powerpoint/2010/main" xmlns:a14="http://schemas.microsoft.com/office/drawing/2010/main" w="9525">
+                  <a14:hiddenLine xmlns:a14="http://schemas.microsoft.com/office/drawing/2010/main" xmlns:p14="http://schemas.microsoft.com/office/powerpoint/2010/main" xmlns:a16="http://schemas.microsoft.com/office/drawing/2014/main" xmlns="" w="9525">
                     <a:solidFill>
                       <a:srgbClr val="000000"/>
                     </a:solidFill>
@@ -19453,7 +19408,7 @@
               </a:ln>
               <a:extLst>
                 <a:ext uri="{91240B29-F687-4f45-9708-019B960494DF}">
-                  <a14:hiddenLine xmlns="" xmlns:a16="http://schemas.microsoft.com/office/drawing/2014/main" xmlns:p14="http://schemas.microsoft.com/office/powerpoint/2010/main" xmlns:a14="http://schemas.microsoft.com/office/drawing/2010/main" w="9525">
+                  <a14:hiddenLine xmlns:a14="http://schemas.microsoft.com/office/drawing/2010/main" xmlns:p14="http://schemas.microsoft.com/office/powerpoint/2010/main" xmlns:a16="http://schemas.microsoft.com/office/drawing/2014/main" xmlns="" w="9525">
                     <a:solidFill>
                       <a:srgbClr val="000000"/>
                     </a:solidFill>
@@ -19537,7 +19492,7 @@
               </a:ln>
               <a:extLst>
                 <a:ext uri="{91240B29-F687-4f45-9708-019B960494DF}">
-                  <a14:hiddenLine xmlns="" xmlns:a16="http://schemas.microsoft.com/office/drawing/2014/main" xmlns:p14="http://schemas.microsoft.com/office/powerpoint/2010/main" xmlns:a14="http://schemas.microsoft.com/office/drawing/2010/main" w="9525">
+                  <a14:hiddenLine xmlns:a14="http://schemas.microsoft.com/office/drawing/2010/main" xmlns:p14="http://schemas.microsoft.com/office/powerpoint/2010/main" xmlns:a16="http://schemas.microsoft.com/office/drawing/2014/main" xmlns="" w="9525">
                     <a:solidFill>
                       <a:srgbClr val="000000"/>
                     </a:solidFill>
@@ -19649,7 +19604,7 @@
               </a:ln>
               <a:extLst>
                 <a:ext uri="{91240B29-F687-4f45-9708-019B960494DF}">
-                  <a14:hiddenLine xmlns="" xmlns:a16="http://schemas.microsoft.com/office/drawing/2014/main" xmlns:p14="http://schemas.microsoft.com/office/powerpoint/2010/main" xmlns:a14="http://schemas.microsoft.com/office/drawing/2010/main" w="9525">
+                  <a14:hiddenLine xmlns:a14="http://schemas.microsoft.com/office/drawing/2010/main" xmlns:p14="http://schemas.microsoft.com/office/powerpoint/2010/main" xmlns:a16="http://schemas.microsoft.com/office/drawing/2014/main" xmlns="" w="9525">
                     <a:solidFill>
                       <a:srgbClr val="000000"/>
                     </a:solidFill>
@@ -19761,7 +19716,7 @@
               </a:ln>
               <a:extLst>
                 <a:ext uri="{91240B29-F687-4f45-9708-019B960494DF}">
-                  <a14:hiddenLine xmlns="" xmlns:a16="http://schemas.microsoft.com/office/drawing/2014/main" xmlns:p14="http://schemas.microsoft.com/office/powerpoint/2010/main" xmlns:a14="http://schemas.microsoft.com/office/drawing/2010/main" w="9525">
+                  <a14:hiddenLine xmlns:a14="http://schemas.microsoft.com/office/drawing/2010/main" xmlns:p14="http://schemas.microsoft.com/office/powerpoint/2010/main" xmlns:a16="http://schemas.microsoft.com/office/drawing/2014/main" xmlns="" w="9525">
                     <a:solidFill>
                       <a:srgbClr val="000000"/>
                     </a:solidFill>
@@ -19845,7 +19800,7 @@
               </a:ln>
               <a:extLst>
                 <a:ext uri="{91240B29-F687-4f45-9708-019B960494DF}">
-                  <a14:hiddenLine xmlns="" xmlns:a16="http://schemas.microsoft.com/office/drawing/2014/main" xmlns:p14="http://schemas.microsoft.com/office/powerpoint/2010/main" xmlns:a14="http://schemas.microsoft.com/office/drawing/2010/main" w="9525">
+                  <a14:hiddenLine xmlns:a14="http://schemas.microsoft.com/office/drawing/2010/main" xmlns:p14="http://schemas.microsoft.com/office/powerpoint/2010/main" xmlns:a16="http://schemas.microsoft.com/office/drawing/2014/main" xmlns="" w="9525">
                     <a:solidFill>
                       <a:srgbClr val="000000"/>
                     </a:solidFill>
@@ -19977,7 +19932,7 @@
               </a:ln>
               <a:extLst>
                 <a:ext uri="{91240B29-F687-4f45-9708-019B960494DF}">
-                  <a14:hiddenLine xmlns="" xmlns:a16="http://schemas.microsoft.com/office/drawing/2014/main" xmlns:p14="http://schemas.microsoft.com/office/powerpoint/2010/main" xmlns:a14="http://schemas.microsoft.com/office/drawing/2010/main" w="9525">
+                  <a14:hiddenLine xmlns:a14="http://schemas.microsoft.com/office/drawing/2010/main" xmlns:p14="http://schemas.microsoft.com/office/powerpoint/2010/main" xmlns:a16="http://schemas.microsoft.com/office/drawing/2014/main" xmlns="" w="9525">
                     <a:solidFill>
                       <a:srgbClr val="000000"/>
                     </a:solidFill>
@@ -20105,7 +20060,7 @@
               </a:ln>
               <a:extLst>
                 <a:ext uri="{91240B29-F687-4f45-9708-019B960494DF}">
-                  <a14:hiddenLine xmlns="" xmlns:a16="http://schemas.microsoft.com/office/drawing/2014/main" xmlns:p14="http://schemas.microsoft.com/office/powerpoint/2010/main" xmlns:a14="http://schemas.microsoft.com/office/drawing/2010/main" w="9525">
+                  <a14:hiddenLine xmlns:a14="http://schemas.microsoft.com/office/drawing/2010/main" xmlns:p14="http://schemas.microsoft.com/office/powerpoint/2010/main" xmlns:a16="http://schemas.microsoft.com/office/drawing/2014/main" xmlns="" w="9525">
                     <a:solidFill>
                       <a:srgbClr val="000000"/>
                     </a:solidFill>
@@ -20189,7 +20144,7 @@
               </a:ln>
               <a:extLst>
                 <a:ext uri="{91240B29-F687-4f45-9708-019B960494DF}">
-                  <a14:hiddenLine xmlns="" xmlns:a16="http://schemas.microsoft.com/office/drawing/2014/main" xmlns:p14="http://schemas.microsoft.com/office/powerpoint/2010/main" xmlns:a14="http://schemas.microsoft.com/office/drawing/2010/main" w="9525">
+                  <a14:hiddenLine xmlns:a14="http://schemas.microsoft.com/office/drawing/2010/main" xmlns:p14="http://schemas.microsoft.com/office/powerpoint/2010/main" xmlns:a16="http://schemas.microsoft.com/office/drawing/2014/main" xmlns="" w="9525">
                     <a:solidFill>
                       <a:srgbClr val="000000"/>
                     </a:solidFill>
@@ -20273,7 +20228,7 @@
               </a:ln>
               <a:extLst>
                 <a:ext uri="{91240B29-F687-4f45-9708-019B960494DF}">
-                  <a14:hiddenLine xmlns="" xmlns:a16="http://schemas.microsoft.com/office/drawing/2014/main" xmlns:p14="http://schemas.microsoft.com/office/powerpoint/2010/main" xmlns:a14="http://schemas.microsoft.com/office/drawing/2010/main" w="9525">
+                  <a14:hiddenLine xmlns:a14="http://schemas.microsoft.com/office/drawing/2010/main" xmlns:p14="http://schemas.microsoft.com/office/powerpoint/2010/main" xmlns:a16="http://schemas.microsoft.com/office/drawing/2014/main" xmlns="" w="9525">
                     <a:solidFill>
                       <a:srgbClr val="000000"/>
                     </a:solidFill>
@@ -20385,7 +20340,7 @@
               </a:ln>
               <a:extLst>
                 <a:ext uri="{91240B29-F687-4f45-9708-019B960494DF}">
-                  <a14:hiddenLine xmlns="" xmlns:a16="http://schemas.microsoft.com/office/drawing/2014/main" xmlns:p14="http://schemas.microsoft.com/office/powerpoint/2010/main" xmlns:a14="http://schemas.microsoft.com/office/drawing/2010/main" w="9525">
+                  <a14:hiddenLine xmlns:a14="http://schemas.microsoft.com/office/drawing/2010/main" xmlns:p14="http://schemas.microsoft.com/office/powerpoint/2010/main" xmlns:a16="http://schemas.microsoft.com/office/drawing/2014/main" xmlns="" w="9525">
                     <a:solidFill>
                       <a:srgbClr val="000000"/>
                     </a:solidFill>
@@ -20441,7 +20396,7 @@
               </a:ln>
               <a:extLst>
                 <a:ext uri="{91240B29-F687-4f45-9708-019B960494DF}">
-                  <a14:hiddenLine xmlns="" xmlns:a16="http://schemas.microsoft.com/office/drawing/2014/main" xmlns:p14="http://schemas.microsoft.com/office/powerpoint/2010/main" xmlns:a14="http://schemas.microsoft.com/office/drawing/2010/main" w="9525">
+                  <a14:hiddenLine xmlns:a14="http://schemas.microsoft.com/office/drawing/2010/main" xmlns:p14="http://schemas.microsoft.com/office/powerpoint/2010/main" xmlns:a16="http://schemas.microsoft.com/office/drawing/2014/main" xmlns="" w="9525">
                     <a:solidFill>
                       <a:srgbClr val="000000"/>
                     </a:solidFill>
@@ -20528,7 +20483,7 @@
               </a:ln>
               <a:extLst>
                 <a:ext uri="{91240B29-F687-4f45-9708-019B960494DF}">
-                  <a14:hiddenLine xmlns="" xmlns:a16="http://schemas.microsoft.com/office/drawing/2014/main" xmlns:p14="http://schemas.microsoft.com/office/powerpoint/2010/main" xmlns:a14="http://schemas.microsoft.com/office/drawing/2010/main" w="9525">
+                  <a14:hiddenLine xmlns:a14="http://schemas.microsoft.com/office/drawing/2010/main" xmlns:p14="http://schemas.microsoft.com/office/powerpoint/2010/main" xmlns:a16="http://schemas.microsoft.com/office/drawing/2014/main" xmlns="" w="9525">
                     <a:solidFill>
                       <a:srgbClr val="000000"/>
                     </a:solidFill>
@@ -20640,7 +20595,7 @@
               </a:ln>
               <a:extLst>
                 <a:ext uri="{91240B29-F687-4f45-9708-019B960494DF}">
-                  <a14:hiddenLine xmlns="" xmlns:a16="http://schemas.microsoft.com/office/drawing/2014/main" xmlns:p14="http://schemas.microsoft.com/office/powerpoint/2010/main" xmlns:a14="http://schemas.microsoft.com/office/drawing/2010/main" w="9525">
+                  <a14:hiddenLine xmlns:a14="http://schemas.microsoft.com/office/drawing/2010/main" xmlns:p14="http://schemas.microsoft.com/office/powerpoint/2010/main" xmlns:a16="http://schemas.microsoft.com/office/drawing/2014/main" xmlns="" w="9525">
                     <a:solidFill>
                       <a:srgbClr val="000000"/>
                     </a:solidFill>
@@ -20724,7 +20679,7 @@
               </a:ln>
               <a:extLst>
                 <a:ext uri="{91240B29-F687-4f45-9708-019B960494DF}">
-                  <a14:hiddenLine xmlns="" xmlns:a16="http://schemas.microsoft.com/office/drawing/2014/main" xmlns:p14="http://schemas.microsoft.com/office/powerpoint/2010/main" xmlns:a14="http://schemas.microsoft.com/office/drawing/2010/main" w="9525">
+                  <a14:hiddenLine xmlns:a14="http://schemas.microsoft.com/office/drawing/2010/main" xmlns:p14="http://schemas.microsoft.com/office/powerpoint/2010/main" xmlns:a16="http://schemas.microsoft.com/office/drawing/2014/main" xmlns="" w="9525">
                     <a:solidFill>
                       <a:srgbClr val="000000"/>
                     </a:solidFill>
@@ -20836,7 +20791,7 @@
               </a:ln>
               <a:extLst>
                 <a:ext uri="{91240B29-F687-4f45-9708-019B960494DF}">
-                  <a14:hiddenLine xmlns="" xmlns:a16="http://schemas.microsoft.com/office/drawing/2014/main" xmlns:p14="http://schemas.microsoft.com/office/powerpoint/2010/main" xmlns:a14="http://schemas.microsoft.com/office/drawing/2010/main" w="9525">
+                  <a14:hiddenLine xmlns:a14="http://schemas.microsoft.com/office/drawing/2010/main" xmlns:p14="http://schemas.microsoft.com/office/powerpoint/2010/main" xmlns:a16="http://schemas.microsoft.com/office/drawing/2014/main" xmlns="" w="9525">
                     <a:solidFill>
                       <a:srgbClr val="000000"/>
                     </a:solidFill>
@@ -20923,7 +20878,7 @@
               </a:ln>
               <a:extLst>
                 <a:ext uri="{91240B29-F687-4f45-9708-019B960494DF}">
-                  <a14:hiddenLine xmlns="" xmlns:a16="http://schemas.microsoft.com/office/drawing/2014/main" xmlns:p14="http://schemas.microsoft.com/office/powerpoint/2010/main" xmlns:a14="http://schemas.microsoft.com/office/drawing/2010/main" w="9525">
+                  <a14:hiddenLine xmlns:a14="http://schemas.microsoft.com/office/drawing/2010/main" xmlns:p14="http://schemas.microsoft.com/office/powerpoint/2010/main" xmlns:a16="http://schemas.microsoft.com/office/drawing/2014/main" xmlns="" w="9525">
                     <a:solidFill>
                       <a:srgbClr val="000000"/>
                     </a:solidFill>
@@ -21007,7 +20962,7 @@
               </a:ln>
               <a:extLst>
                 <a:ext uri="{91240B29-F687-4f45-9708-019B960494DF}">
-                  <a14:hiddenLine xmlns="" xmlns:a16="http://schemas.microsoft.com/office/drawing/2014/main" xmlns:p14="http://schemas.microsoft.com/office/powerpoint/2010/main" xmlns:a14="http://schemas.microsoft.com/office/drawing/2010/main" w="9525">
+                  <a14:hiddenLine xmlns:a14="http://schemas.microsoft.com/office/drawing/2010/main" xmlns:p14="http://schemas.microsoft.com/office/powerpoint/2010/main" xmlns:a16="http://schemas.microsoft.com/office/drawing/2014/main" xmlns="" w="9525">
                     <a:solidFill>
                       <a:srgbClr val="000000"/>
                     </a:solidFill>
@@ -21119,7 +21074,7 @@
               </a:ln>
               <a:extLst>
                 <a:ext uri="{91240B29-F687-4f45-9708-019B960494DF}">
-                  <a14:hiddenLine xmlns="" xmlns:a16="http://schemas.microsoft.com/office/drawing/2014/main" xmlns:p14="http://schemas.microsoft.com/office/powerpoint/2010/main" xmlns:a14="http://schemas.microsoft.com/office/drawing/2010/main" w="9525">
+                  <a14:hiddenLine xmlns:a14="http://schemas.microsoft.com/office/drawing/2010/main" xmlns:p14="http://schemas.microsoft.com/office/powerpoint/2010/main" xmlns:a16="http://schemas.microsoft.com/office/drawing/2014/main" xmlns="" w="9525">
                     <a:solidFill>
                       <a:srgbClr val="000000"/>
                     </a:solidFill>
@@ -21231,7 +21186,7 @@
               </a:ln>
               <a:extLst>
                 <a:ext uri="{91240B29-F687-4f45-9708-019B960494DF}">
-                  <a14:hiddenLine xmlns="" xmlns:a16="http://schemas.microsoft.com/office/drawing/2014/main" xmlns:p14="http://schemas.microsoft.com/office/powerpoint/2010/main" xmlns:a14="http://schemas.microsoft.com/office/drawing/2010/main" w="9525">
+                  <a14:hiddenLine xmlns:a14="http://schemas.microsoft.com/office/drawing/2010/main" xmlns:p14="http://schemas.microsoft.com/office/powerpoint/2010/main" xmlns:a16="http://schemas.microsoft.com/office/drawing/2014/main" xmlns="" w="9525">
                     <a:solidFill>
                       <a:srgbClr val="000000"/>
                     </a:solidFill>
@@ -21318,7 +21273,7 @@
               </a:ln>
               <a:extLst>
                 <a:ext uri="{91240B29-F687-4f45-9708-019B960494DF}">
-                  <a14:hiddenLine xmlns="" xmlns:a16="http://schemas.microsoft.com/office/drawing/2014/main" xmlns:p14="http://schemas.microsoft.com/office/powerpoint/2010/main" xmlns:a14="http://schemas.microsoft.com/office/drawing/2010/main" w="9525">
+                  <a14:hiddenLine xmlns:a14="http://schemas.microsoft.com/office/drawing/2010/main" xmlns:p14="http://schemas.microsoft.com/office/powerpoint/2010/main" xmlns:a16="http://schemas.microsoft.com/office/drawing/2014/main" xmlns="" w="9525">
                     <a:solidFill>
                       <a:srgbClr val="000000"/>
                     </a:solidFill>
@@ -21460,7 +21415,7 @@
               </a:ln>
               <a:extLst>
                 <a:ext uri="{91240B29-F687-4f45-9708-019B960494DF}">
-                  <a14:hiddenLine xmlns="" xmlns:a16="http://schemas.microsoft.com/office/drawing/2014/main" xmlns:p14="http://schemas.microsoft.com/office/powerpoint/2010/main" xmlns:a14="http://schemas.microsoft.com/office/drawing/2010/main" w="9525">
+                  <a14:hiddenLine xmlns:a14="http://schemas.microsoft.com/office/drawing/2010/main" xmlns:p14="http://schemas.microsoft.com/office/powerpoint/2010/main" xmlns:a16="http://schemas.microsoft.com/office/drawing/2014/main" xmlns="" w="9525">
                     <a:solidFill>
                       <a:srgbClr val="000000"/>
                     </a:solidFill>
@@ -21592,7 +21547,7 @@
               </a:ln>
               <a:extLst>
                 <a:ext uri="{91240B29-F687-4f45-9708-019B960494DF}">
-                  <a14:hiddenLine xmlns="" xmlns:a16="http://schemas.microsoft.com/office/drawing/2014/main" xmlns:p14="http://schemas.microsoft.com/office/powerpoint/2010/main" xmlns:a14="http://schemas.microsoft.com/office/drawing/2010/main" w="9525">
+                  <a14:hiddenLine xmlns:a14="http://schemas.microsoft.com/office/drawing/2010/main" xmlns:p14="http://schemas.microsoft.com/office/powerpoint/2010/main" xmlns:a16="http://schemas.microsoft.com/office/drawing/2014/main" xmlns="" w="9525">
                     <a:solidFill>
                       <a:srgbClr val="000000"/>
                     </a:solidFill>
@@ -21729,7 +21684,7 @@
               </a:ln>
               <a:extLst>
                 <a:ext uri="{91240B29-F687-4f45-9708-019B960494DF}">
-                  <a14:hiddenLine xmlns="" xmlns:a16="http://schemas.microsoft.com/office/drawing/2014/main" xmlns:p14="http://schemas.microsoft.com/office/powerpoint/2010/main" xmlns:a14="http://schemas.microsoft.com/office/drawing/2010/main" w="9525">
+                  <a14:hiddenLine xmlns:a14="http://schemas.microsoft.com/office/drawing/2010/main" xmlns:p14="http://schemas.microsoft.com/office/powerpoint/2010/main" xmlns:a16="http://schemas.microsoft.com/office/drawing/2014/main" xmlns="" w="9525">
                     <a:solidFill>
                       <a:srgbClr val="000000"/>
                     </a:solidFill>
@@ -21841,7 +21796,7 @@
               </a:ln>
               <a:extLst>
                 <a:ext uri="{91240B29-F687-4f45-9708-019B960494DF}">
-                  <a14:hiddenLine xmlns="" xmlns:a16="http://schemas.microsoft.com/office/drawing/2014/main" xmlns:p14="http://schemas.microsoft.com/office/powerpoint/2010/main" xmlns:a14="http://schemas.microsoft.com/office/drawing/2010/main" w="9525">
+                  <a14:hiddenLine xmlns:a14="http://schemas.microsoft.com/office/drawing/2010/main" xmlns:p14="http://schemas.microsoft.com/office/powerpoint/2010/main" xmlns:a16="http://schemas.microsoft.com/office/drawing/2014/main" xmlns="" w="9525">
                     <a:solidFill>
                       <a:srgbClr val="000000"/>
                     </a:solidFill>
@@ -21928,7 +21883,7 @@
               </a:ln>
               <a:extLst>
                 <a:ext uri="{91240B29-F687-4f45-9708-019B960494DF}">
-                  <a14:hiddenLine xmlns="" xmlns:a16="http://schemas.microsoft.com/office/drawing/2014/main" xmlns:p14="http://schemas.microsoft.com/office/powerpoint/2010/main" xmlns:a14="http://schemas.microsoft.com/office/drawing/2010/main" w="9525">
+                  <a14:hiddenLine xmlns:a14="http://schemas.microsoft.com/office/drawing/2010/main" xmlns:p14="http://schemas.microsoft.com/office/powerpoint/2010/main" xmlns:a16="http://schemas.microsoft.com/office/drawing/2014/main" xmlns="" w="9525">
                     <a:solidFill>
                       <a:srgbClr val="000000"/>
                     </a:solidFill>
@@ -22040,7 +21995,7 @@
               </a:ln>
               <a:extLst>
                 <a:ext uri="{91240B29-F687-4f45-9708-019B960494DF}">
-                  <a14:hiddenLine xmlns="" xmlns:a16="http://schemas.microsoft.com/office/drawing/2014/main" xmlns:p14="http://schemas.microsoft.com/office/powerpoint/2010/main" xmlns:a14="http://schemas.microsoft.com/office/drawing/2010/main" w="9525">
+                  <a14:hiddenLine xmlns:a14="http://schemas.microsoft.com/office/drawing/2010/main" xmlns:p14="http://schemas.microsoft.com/office/powerpoint/2010/main" xmlns:a16="http://schemas.microsoft.com/office/drawing/2014/main" xmlns="" w="9525">
                     <a:solidFill>
                       <a:srgbClr val="000000"/>
                     </a:solidFill>
@@ -22130,7 +22085,7 @@
               </a:ln>
               <a:extLst>
                 <a:ext uri="{91240B29-F687-4f45-9708-019B960494DF}">
-                  <a14:hiddenLine xmlns="" xmlns:a16="http://schemas.microsoft.com/office/drawing/2014/main" xmlns:p14="http://schemas.microsoft.com/office/powerpoint/2010/main" xmlns:a14="http://schemas.microsoft.com/office/drawing/2010/main" w="9525">
+                  <a14:hiddenLine xmlns:a14="http://schemas.microsoft.com/office/drawing/2010/main" xmlns:p14="http://schemas.microsoft.com/office/powerpoint/2010/main" xmlns:a16="http://schemas.microsoft.com/office/drawing/2014/main" xmlns="" w="9525">
                     <a:solidFill>
                       <a:srgbClr val="000000"/>
                     </a:solidFill>
@@ -22242,7 +22197,7 @@
               </a:ln>
               <a:extLst>
                 <a:ext uri="{91240B29-F687-4f45-9708-019B960494DF}">
-                  <a14:hiddenLine xmlns="" xmlns:a16="http://schemas.microsoft.com/office/drawing/2014/main" xmlns:p14="http://schemas.microsoft.com/office/powerpoint/2010/main" xmlns:a14="http://schemas.microsoft.com/office/drawing/2010/main" w="9525">
+                  <a14:hiddenLine xmlns:a14="http://schemas.microsoft.com/office/drawing/2010/main" xmlns:p14="http://schemas.microsoft.com/office/powerpoint/2010/main" xmlns:a16="http://schemas.microsoft.com/office/drawing/2014/main" xmlns="" w="9525">
                     <a:solidFill>
                       <a:srgbClr val="000000"/>
                     </a:solidFill>
@@ -22332,7 +22287,7 @@
               </a:ln>
               <a:extLst>
                 <a:ext uri="{91240B29-F687-4f45-9708-019B960494DF}">
-                  <a14:hiddenLine xmlns="" xmlns:a16="http://schemas.microsoft.com/office/drawing/2014/main" xmlns:p14="http://schemas.microsoft.com/office/powerpoint/2010/main" xmlns:a14="http://schemas.microsoft.com/office/drawing/2010/main" w="9525">
+                  <a14:hiddenLine xmlns:a14="http://schemas.microsoft.com/office/drawing/2010/main" xmlns:p14="http://schemas.microsoft.com/office/powerpoint/2010/main" xmlns:a16="http://schemas.microsoft.com/office/drawing/2014/main" xmlns="" w="9525">
                     <a:solidFill>
                       <a:srgbClr val="000000"/>
                     </a:solidFill>
@@ -22444,7 +22399,7 @@
               </a:ln>
               <a:extLst>
                 <a:ext uri="{91240B29-F687-4f45-9708-019B960494DF}">
-                  <a14:hiddenLine xmlns="" xmlns:a16="http://schemas.microsoft.com/office/drawing/2014/main" xmlns:p14="http://schemas.microsoft.com/office/powerpoint/2010/main" xmlns:a14="http://schemas.microsoft.com/office/drawing/2010/main" w="9525">
+                  <a14:hiddenLine xmlns:a14="http://schemas.microsoft.com/office/drawing/2010/main" xmlns:p14="http://schemas.microsoft.com/office/powerpoint/2010/main" xmlns:a16="http://schemas.microsoft.com/office/drawing/2014/main" xmlns="" w="9525">
                     <a:solidFill>
                       <a:srgbClr val="000000"/>
                     </a:solidFill>
@@ -22500,7 +22455,7 @@
               </a:ln>
               <a:extLst>
                 <a:ext uri="{91240B29-F687-4f45-9708-019B960494DF}">
-                  <a14:hiddenLine xmlns="" xmlns:a16="http://schemas.microsoft.com/office/drawing/2014/main" xmlns:p14="http://schemas.microsoft.com/office/powerpoint/2010/main" xmlns:a14="http://schemas.microsoft.com/office/drawing/2010/main" w="9525">
+                  <a14:hiddenLine xmlns:a14="http://schemas.microsoft.com/office/drawing/2010/main" xmlns:p14="http://schemas.microsoft.com/office/powerpoint/2010/main" xmlns:a16="http://schemas.microsoft.com/office/drawing/2014/main" xmlns="" w="9525">
                     <a:solidFill>
                       <a:srgbClr val="000000"/>
                     </a:solidFill>
@@ -22569,7 +22524,7 @@
           <a:noFill/>
           <a:extLst>
             <a:ext uri="{909E8E84-426E-40dd-AFC4-6F175D3DCCD1}">
-              <a14:hiddenFill xmlns="" xmlns:a16="http://schemas.microsoft.com/office/drawing/2014/main" xmlns:p14="http://schemas.microsoft.com/office/powerpoint/2010/main" xmlns:a14="http://schemas.microsoft.com/office/drawing/2010/main">
+              <a14:hiddenFill xmlns:a14="http://schemas.microsoft.com/office/drawing/2010/main" xmlns:p14="http://schemas.microsoft.com/office/powerpoint/2010/main" xmlns:a16="http://schemas.microsoft.com/office/drawing/2014/main" xmlns="">
                 <a:solidFill>
                   <a:srgbClr val="FFFFFF"/>
                 </a:solidFill>
@@ -22942,10 +22897,10 @@
       </p:sp>
       <p:graphicFrame>
         <p:nvGraphicFramePr>
-          <p:cNvPr id="6" name="Content Placeholder 5">
+          <p:cNvPr id="5" name="Content Placeholder 4">
             <a:extLst>
               <a:ext uri="{FF2B5EF4-FFF2-40B4-BE49-F238E27FC236}">
-                <a16:creationId xmlns:a16="http://schemas.microsoft.com/office/drawing/2014/main" id="{E58A3EF7-2BD4-49A1-20E7-110F3963477F}"/>
+                <a16:creationId xmlns:a16="http://schemas.microsoft.com/office/drawing/2014/main" id="{15CBF268-88E7-D92D-1B2E-006D28317951}"/>
               </a:ext>
             </a:extLst>
           </p:cNvPr>
@@ -22956,407 +22911,360 @@
             <p:ph idx="1"/>
             <p:extLst>
               <p:ext uri="{D42A27DB-BD31-4B8C-83A1-F6EECF244321}">
-                <p14:modId xmlns:p14="http://schemas.microsoft.com/office/powerpoint/2010/main" val="3426618812"/>
+                <p14:modId xmlns:p14="http://schemas.microsoft.com/office/powerpoint/2010/main" val="390490360"/>
               </p:ext>
             </p:extLst>
           </p:nvPr>
         </p:nvGraphicFramePr>
         <p:xfrm>
-          <a:off x="931817" y="1524002"/>
-          <a:ext cx="8725989" cy="4902925"/>
+          <a:off x="574766" y="1720685"/>
+          <a:ext cx="11138263" cy="4693920"/>
         </p:xfrm>
         <a:graphic>
           <a:graphicData uri="http://schemas.openxmlformats.org/drawingml/2006/table">
             <a:tbl>
-              <a:tblPr firstRow="1" firstCol="1" bandRow="1">
-                <a:tableStyleId>{5940675A-B579-460E-94D1-54222C63F5DA}</a:tableStyleId>
+              <a:tblPr firstRow="1" bandRow="1">
+                <a:tableStyleId>{5C22544A-7EE6-4342-B048-85BDC9FD1C3A}</a:tableStyleId>
               </a:tblPr>
               <a:tblGrid>
-                <a:gridCol w="3727269">
+                <a:gridCol w="7382414">
                   <a:extLst>
                     <a:ext uri="{9D8B030D-6E8A-4147-A177-3AD203B41FA5}">
-                      <a16:colId xmlns:a16="http://schemas.microsoft.com/office/drawing/2014/main" val="467901364"/>
+                      <a16:colId xmlns:a16="http://schemas.microsoft.com/office/drawing/2014/main" val="1570194124"/>
                     </a:ext>
                   </a:extLst>
                 </a:gridCol>
-                <a:gridCol w="4998720">
+                <a:gridCol w="2634015">
                   <a:extLst>
                     <a:ext uri="{9D8B030D-6E8A-4147-A177-3AD203B41FA5}">
-                      <a16:colId xmlns:a16="http://schemas.microsoft.com/office/drawing/2014/main" val="930196476"/>
+                      <a16:colId xmlns:a16="http://schemas.microsoft.com/office/drawing/2014/main" val="1242284847"/>
+                    </a:ext>
+                  </a:extLst>
+                </a:gridCol>
+                <a:gridCol w="1121834">
+                  <a:extLst>
+                    <a:ext uri="{9D8B030D-6E8A-4147-A177-3AD203B41FA5}">
+                      <a16:colId xmlns:a16="http://schemas.microsoft.com/office/drawing/2014/main" val="1854525186"/>
                     </a:ext>
                   </a:extLst>
                 </a:gridCol>
               </a:tblGrid>
-              <a:tr h="193933">
+              <a:tr h="324000">
                 <a:tc>
                   <a:txBody>
                     <a:bodyPr/>
                     <a:lstStyle/>
                     <a:p>
-                      <a:pPr algn="ctr">
-                        <a:lnSpc>
-                          <a:spcPct val="107000"/>
-                        </a:lnSpc>
-                        <a:spcAft>
-                          <a:spcPts val="800"/>
-                        </a:spcAft>
-                      </a:pPr>
                       <a:r>
-                        <a:rPr lang="en-GB" sz="1100" kern="100" dirty="0">
-                          <a:effectLst/>
-                        </a:rPr>
-                        <a:t>Column Names</a:t>
+                        <a:rPr lang="en-GB" sz="1600" dirty="0"/>
+                        <a:t>Column</a:t>
                       </a:r>
-                      <a:endParaRPr lang="en-GB" sz="1100" kern="100" dirty="0">
-                        <a:effectLst/>
-                        <a:latin typeface="Aptos" panose="020B0004020202020204" pitchFamily="34" charset="0"/>
-                        <a:ea typeface="Aptos" panose="020B0004020202020204" pitchFamily="34" charset="0"/>
-                        <a:cs typeface="Times New Roman" panose="02020603050405020304" pitchFamily="18" charset="0"/>
-                      </a:endParaRPr>
                     </a:p>
                   </a:txBody>
-                  <a:tcPr marL="68580" marR="68580" marT="0" marB="0" anchor="ctr">
-                    <a:noFill/>
-                  </a:tcPr>
+                  <a:tcPr/>
                 </a:tc>
                 <a:tc>
                   <a:txBody>
                     <a:bodyPr/>
                     <a:lstStyle/>
                     <a:p>
-                      <a:pPr algn="ctr">
-                        <a:lnSpc>
-                          <a:spcPct val="107000"/>
-                        </a:lnSpc>
-                        <a:spcAft>
-                          <a:spcPts val="800"/>
-                        </a:spcAft>
-                      </a:pPr>
                       <a:r>
-                        <a:rPr lang="en-GB" sz="1100" kern="100" dirty="0">
-                          <a:effectLst/>
-                        </a:rPr>
+                        <a:rPr lang="en-GB" sz="1600" dirty="0"/>
                         <a:t>Description</a:t>
-                      </a:r>
-                      <a:endParaRPr lang="en-GB" sz="1100" kern="100" dirty="0">
-                        <a:effectLst/>
-                        <a:latin typeface="Aptos" panose="020B0004020202020204" pitchFamily="34" charset="0"/>
-                        <a:ea typeface="Aptos" panose="020B0004020202020204" pitchFamily="34" charset="0"/>
-                        <a:cs typeface="Times New Roman" panose="02020603050405020304" pitchFamily="18" charset="0"/>
-                      </a:endParaRPr>
-                    </a:p>
-                  </a:txBody>
-                  <a:tcPr marL="68580" marR="68580" marT="0" marB="0" anchor="ctr">
-                    <a:noFill/>
-                  </a:tcPr>
-                </a:tc>
-                <a:extLst>
-                  <a:ext uri="{0D108BD9-81ED-4DB2-BD59-A6C34878D82A}">
-                    <a16:rowId xmlns:a16="http://schemas.microsoft.com/office/drawing/2014/main" val="4105348565"/>
-                  </a:ext>
-                </a:extLst>
-              </a:tr>
-              <a:tr h="196208">
-                <a:tc>
-                  <a:txBody>
-                    <a:bodyPr/>
-                    <a:lstStyle/>
-                    <a:p>
-                      <a:pPr algn="l" fontAlgn="b"/>
-                      <a:r>
-                        <a:rPr lang="en-GB" sz="1100" b="0" i="0" u="none" strike="noStrike" dirty="0">
-                          <a:solidFill>
-                            <a:srgbClr val="000000"/>
-                          </a:solidFill>
-                          <a:effectLst/>
-                          <a:latin typeface="Aptos Narrow" panose="020B0004020202020204" pitchFamily="34" charset="0"/>
-                        </a:rPr>
-                        <a:t>Age, Gender, </a:t>
-                      </a:r>
-                      <a:r>
-                        <a:rPr lang="en-GB" sz="1100" b="0" i="0" u="none" strike="noStrike" dirty="0" err="1">
-                          <a:solidFill>
-                            <a:srgbClr val="000000"/>
-                          </a:solidFill>
-                          <a:effectLst/>
-                          <a:latin typeface="Aptos Narrow" panose="020B0004020202020204" pitchFamily="34" charset="0"/>
-                        </a:rPr>
-                        <a:t>MaritalStatus</a:t>
-                      </a:r>
-                      <a:r>
-                        <a:rPr lang="en-GB" sz="1100" b="0" i="0" u="none" strike="noStrike" dirty="0">
-                          <a:solidFill>
-                            <a:srgbClr val="000000"/>
-                          </a:solidFill>
-                          <a:effectLst/>
-                          <a:latin typeface="Aptos Narrow" panose="020B0004020202020204" pitchFamily="34" charset="0"/>
-                        </a:rPr>
-                        <a:t>, Over18</a:t>
                       </a:r>
                     </a:p>
                   </a:txBody>
-                  <a:tcPr marL="7620" marR="7620" marT="7620" marB="0" anchor="b"/>
+                  <a:tcPr/>
                 </a:tc>
                 <a:tc>
                   <a:txBody>
                     <a:bodyPr/>
                     <a:lstStyle/>
                     <a:p>
-                      <a:pPr>
-                        <a:lnSpc>
-                          <a:spcPct val="107000"/>
-                        </a:lnSpc>
-                        <a:spcAft>
-                          <a:spcPts val="800"/>
-                        </a:spcAft>
-                      </a:pPr>
-                      <a:endParaRPr lang="en-GB" sz="1100" kern="100" dirty="0">
-                        <a:effectLst/>
-                        <a:latin typeface="Aptos" panose="020B0004020202020204" pitchFamily="34" charset="0"/>
-                        <a:ea typeface="Aptos" panose="020B0004020202020204" pitchFamily="34" charset="0"/>
-                        <a:cs typeface="Times New Roman" panose="02020603050405020304" pitchFamily="18" charset="0"/>
-                      </a:endParaRPr>
+                      <a:endParaRPr lang="en-GB" sz="1600" dirty="0"/>
                     </a:p>
                   </a:txBody>
-                  <a:tcPr marL="68580" marR="68580" marT="0" marB="0" anchor="ctr"/>
+                  <a:tcPr/>
                 </a:tc>
                 <a:extLst>
                   <a:ext uri="{0D108BD9-81ED-4DB2-BD59-A6C34878D82A}">
-                    <a16:rowId xmlns:a16="http://schemas.microsoft.com/office/drawing/2014/main" val="1412290241"/>
+                    <a16:rowId xmlns:a16="http://schemas.microsoft.com/office/drawing/2014/main" val="314109349"/>
                   </a:ext>
                 </a:extLst>
               </a:tr>
-              <a:tr h="196208">
+              <a:tr h="324000">
                 <a:tc>
                   <a:txBody>
                     <a:bodyPr/>
                     <a:lstStyle/>
                     <a:p>
-                      <a:pPr algn="l" fontAlgn="b"/>
                       <a:r>
-                        <a:rPr lang="en-GB" sz="1100" b="0" i="0" u="none" strike="noStrike" dirty="0">
-                          <a:solidFill>
-                            <a:srgbClr val="000000"/>
-                          </a:solidFill>
-                          <a:effectLst/>
-                          <a:latin typeface="Aptos Narrow" panose="020B0004020202020204" pitchFamily="34" charset="0"/>
-                        </a:rPr>
-                        <a:t>Attrition</a:t>
+                        <a:rPr lang="en-GB" sz="1600" dirty="0"/>
+                        <a:t>Age, Gender, Marital Status, Over 18, Work Life Balance, </a:t>
                       </a:r>
                     </a:p>
                   </a:txBody>
-                  <a:tcPr marL="7620" marR="7620" marT="7620" marB="0" anchor="b"/>
+                  <a:tcPr anchor="ctr"/>
                 </a:tc>
                 <a:tc>
                   <a:txBody>
                     <a:bodyPr/>
                     <a:lstStyle/>
                     <a:p>
-                      <a:pPr>
-                        <a:lnSpc>
-                          <a:spcPct val="107000"/>
-                        </a:lnSpc>
-                        <a:spcAft>
-                          <a:spcPts val="800"/>
-                        </a:spcAft>
-                      </a:pPr>
-                      <a:endParaRPr lang="en-GB" sz="1100" kern="100" dirty="0">
-                        <a:effectLst/>
-                        <a:latin typeface="Aptos" panose="020B0004020202020204" pitchFamily="34" charset="0"/>
-                        <a:ea typeface="Aptos" panose="020B0004020202020204" pitchFamily="34" charset="0"/>
-                        <a:cs typeface="Times New Roman" panose="02020603050405020304" pitchFamily="18" charset="0"/>
-                      </a:endParaRPr>
+                      <a:r>
+                        <a:rPr lang="en-GB" sz="1600" dirty="0"/>
+                        <a:t>Personal Details</a:t>
+                      </a:r>
                     </a:p>
                   </a:txBody>
-                  <a:tcPr marL="68580" marR="68580" marT="0" marB="0" anchor="ctr"/>
+                  <a:tcPr anchor="ctr"/>
+                </a:tc>
+                <a:tc rowSpan="12">
+                  <a:txBody>
+                    <a:bodyPr/>
+                    <a:lstStyle/>
+                    <a:p>
+                      <a:pPr algn="ctr"/>
+                      <a:r>
+                        <a:rPr lang="en-GB" sz="1600" b="1" dirty="0">
+                          <a:solidFill>
+                            <a:srgbClr val="FF0000"/>
+                          </a:solidFill>
+                        </a:rPr>
+                        <a:t>Features</a:t>
+                      </a:r>
+                    </a:p>
+                  </a:txBody>
+                  <a:tcPr anchor="ctr"/>
                 </a:tc>
                 <a:extLst>
                   <a:ext uri="{0D108BD9-81ED-4DB2-BD59-A6C34878D82A}">
-                    <a16:rowId xmlns:a16="http://schemas.microsoft.com/office/drawing/2014/main" val="25071742"/>
+                    <a16:rowId xmlns:a16="http://schemas.microsoft.com/office/drawing/2014/main" val="2802507617"/>
                   </a:ext>
                 </a:extLst>
               </a:tr>
-              <a:tr h="196208">
+              <a:tr h="324000">
                 <a:tc>
                   <a:txBody>
                     <a:bodyPr/>
                     <a:lstStyle/>
                     <a:p>
-                      <a:pPr algn="l" fontAlgn="b"/>
                       <a:r>
-                        <a:rPr lang="en-GB" sz="1100" b="0" i="0" u="none" strike="noStrike" dirty="0" err="1">
-                          <a:solidFill>
-                            <a:srgbClr val="000000"/>
-                          </a:solidFill>
-                          <a:effectLst/>
-                          <a:latin typeface="Aptos Narrow" panose="020B0004020202020204" pitchFamily="34" charset="0"/>
-                        </a:rPr>
-                        <a:t>BusinessTravel</a:t>
+                        <a:rPr lang="en-GB" sz="1600" dirty="0"/>
+                        <a:t>Daily Rate, Hourly Rate, Monthly Income, Monthly Rate</a:t>
                       </a:r>
-                      <a:r>
-                        <a:rPr lang="en-GB" sz="1100" b="0" i="0" u="none" strike="noStrike" dirty="0">
-                          <a:solidFill>
-                            <a:srgbClr val="000000"/>
-                          </a:solidFill>
-                          <a:effectLst/>
-                          <a:latin typeface="Aptos Narrow" panose="020B0004020202020204" pitchFamily="34" charset="0"/>
-                        </a:rPr>
-                        <a:t>, </a:t>
-                      </a:r>
-                      <a:r>
-                        <a:rPr lang="en-GB" sz="1100" b="0" i="0" u="none" strike="noStrike" dirty="0" err="1">
-                          <a:solidFill>
-                            <a:srgbClr val="000000"/>
-                          </a:solidFill>
-                          <a:effectLst/>
-                          <a:latin typeface="Aptos Narrow" panose="020B0004020202020204" pitchFamily="34" charset="0"/>
-                        </a:rPr>
-                        <a:t>DistanceFromHome</a:t>
-                      </a:r>
-                      <a:endParaRPr lang="en-GB" sz="1100" b="0" i="0" u="none" strike="noStrike" dirty="0">
-                        <a:solidFill>
-                          <a:srgbClr val="000000"/>
-                        </a:solidFill>
-                        <a:effectLst/>
-                        <a:latin typeface="Aptos Narrow" panose="020B0004020202020204" pitchFamily="34" charset="0"/>
-                      </a:endParaRPr>
                     </a:p>
                   </a:txBody>
-                  <a:tcPr marL="7620" marR="7620" marT="7620" marB="0" anchor="b"/>
+                  <a:tcPr anchor="ctr"/>
                 </a:tc>
                 <a:tc>
                   <a:txBody>
                     <a:bodyPr/>
                     <a:lstStyle/>
                     <a:p>
-                      <a:pPr>
-                        <a:lnSpc>
-                          <a:spcPct val="107000"/>
-                        </a:lnSpc>
-                        <a:spcAft>
-                          <a:spcPts val="800"/>
-                        </a:spcAft>
-                      </a:pPr>
-                      <a:endParaRPr lang="en-GB" sz="1100" kern="100" dirty="0">
-                        <a:effectLst/>
-                        <a:latin typeface="Aptos" panose="020B0004020202020204" pitchFamily="34" charset="0"/>
-                        <a:ea typeface="Aptos" panose="020B0004020202020204" pitchFamily="34" charset="0"/>
-                        <a:cs typeface="Times New Roman" panose="02020603050405020304" pitchFamily="18" charset="0"/>
-                      </a:endParaRPr>
+                      <a:r>
+                        <a:rPr lang="en-GB" sz="1600" dirty="0"/>
+                        <a:t>Salary</a:t>
+                      </a:r>
                     </a:p>
                   </a:txBody>
-                  <a:tcPr marL="68580" marR="68580" marT="0" marB="0" anchor="ctr"/>
+                  <a:tcPr anchor="ctr"/>
+                </a:tc>
+                <a:tc vMerge="1">
+                  <a:txBody>
+                    <a:bodyPr/>
+                    <a:lstStyle/>
+                    <a:p>
+                      <a:endParaRPr lang="en-GB" sz="1600" dirty="0"/>
+                    </a:p>
+                  </a:txBody>
+                  <a:tcPr anchor="ctr"/>
                 </a:tc>
                 <a:extLst>
                   <a:ext uri="{0D108BD9-81ED-4DB2-BD59-A6C34878D82A}">
-                    <a16:rowId xmlns:a16="http://schemas.microsoft.com/office/drawing/2014/main" val="1190331982"/>
+                    <a16:rowId xmlns:a16="http://schemas.microsoft.com/office/drawing/2014/main" val="499523261"/>
                   </a:ext>
                 </a:extLst>
               </a:tr>
-              <a:tr h="196208">
+              <a:tr h="324000">
                 <a:tc>
                   <a:txBody>
                     <a:bodyPr/>
                     <a:lstStyle/>
                     <a:p>
-                      <a:pPr algn="l" fontAlgn="b"/>
                       <a:r>
-                        <a:rPr lang="en-GB" sz="1100" b="0" i="0" u="none" strike="noStrike" dirty="0" err="1">
-                          <a:solidFill>
-                            <a:srgbClr val="000000"/>
-                          </a:solidFill>
-                          <a:effectLst/>
-                          <a:latin typeface="Aptos Narrow" panose="020B0004020202020204" pitchFamily="34" charset="0"/>
-                        </a:rPr>
-                        <a:t>DailyRate</a:t>
+                        <a:rPr lang="en-GB" sz="1600" dirty="0"/>
+                        <a:t>Business Travel, Distance from Home</a:t>
                       </a:r>
-                      <a:r>
-                        <a:rPr lang="en-GB" sz="1100" b="0" i="0" u="none" strike="noStrike" dirty="0">
-                          <a:solidFill>
-                            <a:srgbClr val="000000"/>
-                          </a:solidFill>
-                          <a:effectLst/>
-                          <a:latin typeface="Aptos Narrow" panose="020B0004020202020204" pitchFamily="34" charset="0"/>
-                        </a:rPr>
-                        <a:t>, </a:t>
-                      </a:r>
-                      <a:r>
-                        <a:rPr lang="en-GB" sz="1100" b="0" i="0" u="none" strike="noStrike" dirty="0" err="1">
-                          <a:solidFill>
-                            <a:srgbClr val="000000"/>
-                          </a:solidFill>
-                          <a:effectLst/>
-                          <a:latin typeface="Aptos Narrow" panose="020B0004020202020204" pitchFamily="34" charset="0"/>
-                        </a:rPr>
-                        <a:t>HourlyRate</a:t>
-                      </a:r>
-                      <a:r>
-                        <a:rPr lang="en-GB" sz="1100" b="0" i="0" u="none" strike="noStrike" dirty="0">
-                          <a:solidFill>
-                            <a:srgbClr val="000000"/>
-                          </a:solidFill>
-                          <a:effectLst/>
-                          <a:latin typeface="Aptos Narrow" panose="020B0004020202020204" pitchFamily="34" charset="0"/>
-                        </a:rPr>
-                        <a:t>, </a:t>
-                      </a:r>
-                      <a:r>
-                        <a:rPr lang="en-GB" sz="1100" b="0" i="0" u="none" strike="noStrike" dirty="0" err="1">
-                          <a:solidFill>
-                            <a:srgbClr val="000000"/>
-                          </a:solidFill>
-                          <a:effectLst/>
-                          <a:latin typeface="Aptos Narrow" panose="020B0004020202020204" pitchFamily="34" charset="0"/>
-                        </a:rPr>
-                        <a:t>MonthlyRate</a:t>
-                      </a:r>
-                      <a:endParaRPr lang="en-GB" sz="1100" b="0" i="0" u="none" strike="noStrike" dirty="0">
-                        <a:solidFill>
-                          <a:srgbClr val="000000"/>
-                        </a:solidFill>
-                        <a:effectLst/>
-                        <a:latin typeface="Aptos Narrow" panose="020B0004020202020204" pitchFamily="34" charset="0"/>
-                      </a:endParaRPr>
                     </a:p>
                   </a:txBody>
-                  <a:tcPr marL="7620" marR="7620" marT="7620" marB="0" anchor="b"/>
+                  <a:tcPr anchor="ctr"/>
                 </a:tc>
                 <a:tc>
                   <a:txBody>
                     <a:bodyPr/>
                     <a:lstStyle/>
                     <a:p>
-                      <a:pPr>
-                        <a:lnSpc>
-                          <a:spcPct val="107000"/>
-                        </a:lnSpc>
-                        <a:spcAft>
-                          <a:spcPts val="800"/>
-                        </a:spcAft>
-                      </a:pPr>
-                      <a:endParaRPr lang="en-GB" sz="1100" kern="100" dirty="0">
-                        <a:effectLst/>
-                        <a:latin typeface="Aptos" panose="020B0004020202020204" pitchFamily="34" charset="0"/>
-                        <a:ea typeface="Aptos" panose="020B0004020202020204" pitchFamily="34" charset="0"/>
-                        <a:cs typeface="Times New Roman" panose="02020603050405020304" pitchFamily="18" charset="0"/>
-                      </a:endParaRPr>
+                      <a:r>
+                        <a:rPr lang="en-GB" sz="1600" dirty="0"/>
+                        <a:t>Commute</a:t>
+                      </a:r>
                     </a:p>
                   </a:txBody>
-                  <a:tcPr marL="68580" marR="68580" marT="0" marB="0" anchor="ctr"/>
+                  <a:tcPr anchor="ctr"/>
+                </a:tc>
+                <a:tc vMerge="1">
+                  <a:txBody>
+                    <a:bodyPr/>
+                    <a:lstStyle/>
+                    <a:p>
+                      <a:endParaRPr lang="en-GB" sz="1600" dirty="0"/>
+                    </a:p>
+                  </a:txBody>
+                  <a:tcPr anchor="ctr"/>
                 </a:tc>
                 <a:extLst>
                   <a:ext uri="{0D108BD9-81ED-4DB2-BD59-A6C34878D82A}">
-                    <a16:rowId xmlns:a16="http://schemas.microsoft.com/office/drawing/2014/main" val="3640243689"/>
+                    <a16:rowId xmlns:a16="http://schemas.microsoft.com/office/drawing/2014/main" val="3770661500"/>
                   </a:ext>
                 </a:extLst>
               </a:tr>
-              <a:tr h="196208">
+              <a:tr h="324000">
                 <a:tc>
                   <a:txBody>
                     <a:bodyPr/>
                     <a:lstStyle/>
                     <a:p>
-                      <a:pPr marL="0" marR="0" lvl="0" indent="0" algn="l" defTabSz="914400" rtl="0" eaLnBrk="1" fontAlgn="b" latinLnBrk="0" hangingPunct="1">
+                      <a:r>
+                        <a:rPr lang="en-GB" sz="1600" dirty="0"/>
+                        <a:t>Education, Education Field</a:t>
+                      </a:r>
+                    </a:p>
+                  </a:txBody>
+                  <a:tcPr anchor="ctr"/>
+                </a:tc>
+                <a:tc>
+                  <a:txBody>
+                    <a:bodyPr/>
+                    <a:lstStyle/>
+                    <a:p>
+                      <a:r>
+                        <a:rPr lang="en-GB" sz="1600" dirty="0"/>
+                        <a:t>Education</a:t>
+                      </a:r>
+                    </a:p>
+                  </a:txBody>
+                  <a:tcPr anchor="ctr"/>
+                </a:tc>
+                <a:tc vMerge="1">
+                  <a:txBody>
+                    <a:bodyPr/>
+                    <a:lstStyle/>
+                    <a:p>
+                      <a:endParaRPr lang="en-GB" sz="1600" dirty="0"/>
+                    </a:p>
+                  </a:txBody>
+                  <a:tcPr anchor="ctr"/>
+                </a:tc>
+                <a:extLst>
+                  <a:ext uri="{0D108BD9-81ED-4DB2-BD59-A6C34878D82A}">
+                    <a16:rowId xmlns:a16="http://schemas.microsoft.com/office/drawing/2014/main" val="4007683742"/>
+                  </a:ext>
+                </a:extLst>
+              </a:tr>
+              <a:tr h="324000">
+                <a:tc>
+                  <a:txBody>
+                    <a:bodyPr/>
+                    <a:lstStyle/>
+                    <a:p>
+                      <a:r>
+                        <a:rPr lang="en-GB" sz="1600" dirty="0"/>
+                        <a:t>Department, Job Level, Job Role</a:t>
+                      </a:r>
+                    </a:p>
+                  </a:txBody>
+                  <a:tcPr anchor="ctr"/>
+                </a:tc>
+                <a:tc>
+                  <a:txBody>
+                    <a:bodyPr/>
+                    <a:lstStyle/>
+                    <a:p>
+                      <a:r>
+                        <a:rPr lang="en-GB" sz="1600" dirty="0"/>
+                        <a:t>Job Details</a:t>
+                      </a:r>
+                    </a:p>
+                  </a:txBody>
+                  <a:tcPr anchor="ctr"/>
+                </a:tc>
+                <a:tc vMerge="1">
+                  <a:txBody>
+                    <a:bodyPr/>
+                    <a:lstStyle/>
+                    <a:p>
+                      <a:endParaRPr lang="en-GB" sz="1600" dirty="0"/>
+                    </a:p>
+                  </a:txBody>
+                  <a:tcPr anchor="ctr"/>
+                </a:tc>
+                <a:extLst>
+                  <a:ext uri="{0D108BD9-81ED-4DB2-BD59-A6C34878D82A}">
+                    <a16:rowId xmlns:a16="http://schemas.microsoft.com/office/drawing/2014/main" val="1153497849"/>
+                  </a:ext>
+                </a:extLst>
+              </a:tr>
+              <a:tr h="324000">
+                <a:tc>
+                  <a:txBody>
+                    <a:bodyPr/>
+                    <a:lstStyle/>
+                    <a:p>
+                      <a:r>
+                        <a:rPr lang="en-GB" sz="1600" dirty="0"/>
+                        <a:t>Environment Satisfaction, Job Satisfaction, Relationship Satisfaction</a:t>
+                      </a:r>
+                    </a:p>
+                  </a:txBody>
+                  <a:tcPr anchor="ctr"/>
+                </a:tc>
+                <a:tc>
+                  <a:txBody>
+                    <a:bodyPr/>
+                    <a:lstStyle/>
+                    <a:p>
+                      <a:r>
+                        <a:rPr lang="en-GB" sz="1600" dirty="0"/>
+                        <a:t>Job Satisfaction</a:t>
+                      </a:r>
+                    </a:p>
+                  </a:txBody>
+                  <a:tcPr anchor="ctr"/>
+                </a:tc>
+                <a:tc vMerge="1">
+                  <a:txBody>
+                    <a:bodyPr/>
+                    <a:lstStyle/>
+                    <a:p>
+                      <a:endParaRPr lang="en-GB" sz="1600" dirty="0"/>
+                    </a:p>
+                  </a:txBody>
+                  <a:tcPr anchor="ctr"/>
+                </a:tc>
+                <a:extLst>
+                  <a:ext uri="{0D108BD9-81ED-4DB2-BD59-A6C34878D82A}">
+                    <a16:rowId xmlns:a16="http://schemas.microsoft.com/office/drawing/2014/main" val="3736274414"/>
+                  </a:ext>
+                </a:extLst>
+              </a:tr>
+              <a:tr h="324000">
+                <a:tc>
+                  <a:txBody>
+                    <a:bodyPr/>
+                    <a:lstStyle/>
+                    <a:p>
+                      <a:pPr marL="0" marR="0" lvl="0" indent="0" algn="l" defTabSz="914400" rtl="0" eaLnBrk="1" fontAlgn="auto" latinLnBrk="0" hangingPunct="1">
                         <a:lnSpc>
                           <a:spcPct val="100000"/>
                         </a:lnSpc>
@@ -23374,1240 +23282,305 @@
                         <a:defRPr/>
                       </a:pPr>
                       <a:r>
-                        <a:rPr lang="en-GB" sz="1100" b="0" i="0" u="none" strike="noStrike" dirty="0">
-                          <a:solidFill>
-                            <a:srgbClr val="000000"/>
-                          </a:solidFill>
-                          <a:effectLst/>
-                          <a:latin typeface="Aptos Narrow" panose="020B0004020202020204" pitchFamily="34" charset="0"/>
-                        </a:rPr>
-                        <a:t>Department, </a:t>
+                        <a:rPr lang="en-GB" sz="1200" dirty="0"/>
+                        <a:t>Num Companies Worked, Total Working Years, Years At Company, Years In Current Role, Years With Curr Manager</a:t>
                       </a:r>
-                      <a:r>
-                        <a:rPr lang="en-GB" sz="1100" b="0" i="0" u="none" strike="noStrike" dirty="0" err="1">
-                          <a:solidFill>
-                            <a:srgbClr val="000000"/>
-                          </a:solidFill>
-                          <a:effectLst/>
-                          <a:latin typeface="Aptos Narrow" panose="020B0004020202020204" pitchFamily="34" charset="0"/>
-                        </a:rPr>
-                        <a:t>JobLevel</a:t>
-                      </a:r>
-                      <a:r>
-                        <a:rPr lang="en-GB" sz="1100" b="0" i="0" u="none" strike="noStrike" dirty="0">
-                          <a:solidFill>
-                            <a:srgbClr val="000000"/>
-                          </a:solidFill>
-                          <a:effectLst/>
-                          <a:latin typeface="Aptos Narrow" panose="020B0004020202020204" pitchFamily="34" charset="0"/>
-                        </a:rPr>
-                        <a:t>, </a:t>
-                      </a:r>
-                      <a:r>
-                        <a:rPr lang="en-GB" sz="1100" b="0" i="0" u="none" strike="noStrike" dirty="0" err="1">
-                          <a:solidFill>
-                            <a:srgbClr val="000000"/>
-                          </a:solidFill>
-                          <a:effectLst/>
-                          <a:latin typeface="Aptos Narrow" panose="020B0004020202020204" pitchFamily="34" charset="0"/>
-                        </a:rPr>
-                        <a:t>JobRole</a:t>
-                      </a:r>
-                      <a:endParaRPr lang="en-GB" sz="1100" b="0" i="0" u="none" strike="noStrike" dirty="0">
-                        <a:solidFill>
-                          <a:srgbClr val="000000"/>
-                        </a:solidFill>
-                        <a:effectLst/>
-                        <a:latin typeface="Aptos Narrow" panose="020B0004020202020204" pitchFamily="34" charset="0"/>
-                      </a:endParaRPr>
                     </a:p>
                   </a:txBody>
-                  <a:tcPr marL="7620" marR="7620" marT="7620" marB="0" anchor="b"/>
+                  <a:tcPr anchor="ctr"/>
                 </a:tc>
                 <a:tc>
                   <a:txBody>
                     <a:bodyPr/>
                     <a:lstStyle/>
                     <a:p>
-                      <a:pPr>
-                        <a:lnSpc>
-                          <a:spcPct val="107000"/>
-                        </a:lnSpc>
-                        <a:spcAft>
-                          <a:spcPts val="800"/>
-                        </a:spcAft>
-                      </a:pPr>
-                      <a:endParaRPr lang="en-GB" sz="1100" kern="100" dirty="0">
-                        <a:effectLst/>
-                        <a:latin typeface="Aptos" panose="020B0004020202020204" pitchFamily="34" charset="0"/>
-                        <a:ea typeface="Aptos" panose="020B0004020202020204" pitchFamily="34" charset="0"/>
-                        <a:cs typeface="Times New Roman" panose="02020603050405020304" pitchFamily="18" charset="0"/>
-                      </a:endParaRPr>
+                      <a:r>
+                        <a:rPr lang="en-GB" sz="1600" dirty="0"/>
+                        <a:t>Work History</a:t>
+                      </a:r>
                     </a:p>
                   </a:txBody>
-                  <a:tcPr marL="68580" marR="68580" marT="0" marB="0" anchor="ctr"/>
+                  <a:tcPr anchor="ctr"/>
+                </a:tc>
+                <a:tc vMerge="1">
+                  <a:txBody>
+                    <a:bodyPr/>
+                    <a:lstStyle/>
+                    <a:p>
+                      <a:endParaRPr lang="en-GB" sz="1600" dirty="0"/>
+                    </a:p>
+                  </a:txBody>
+                  <a:tcPr anchor="ctr"/>
                 </a:tc>
                 <a:extLst>
                   <a:ext uri="{0D108BD9-81ED-4DB2-BD59-A6C34878D82A}">
-                    <a16:rowId xmlns:a16="http://schemas.microsoft.com/office/drawing/2014/main" val="2113162789"/>
+                    <a16:rowId xmlns:a16="http://schemas.microsoft.com/office/drawing/2014/main" val="4118394303"/>
                   </a:ext>
                 </a:extLst>
               </a:tr>
-              <a:tr h="196208">
+              <a:tr h="324000">
                 <a:tc>
                   <a:txBody>
                     <a:bodyPr/>
                     <a:lstStyle/>
                     <a:p>
-                      <a:pPr marL="0" marR="0" lvl="0" indent="0" algn="l" defTabSz="914400" rtl="0" eaLnBrk="1" fontAlgn="b" latinLnBrk="0" hangingPunct="1">
-                        <a:lnSpc>
-                          <a:spcPct val="100000"/>
-                        </a:lnSpc>
-                        <a:spcBef>
-                          <a:spcPts val="0"/>
-                        </a:spcBef>
-                        <a:spcAft>
-                          <a:spcPts val="0"/>
-                        </a:spcAft>
-                        <a:buClrTx/>
-                        <a:buSzTx/>
-                        <a:buFontTx/>
-                        <a:buNone/>
-                        <a:tabLst/>
-                        <a:defRPr/>
-                      </a:pPr>
                       <a:r>
-                        <a:rPr lang="en-GB" sz="1100" b="0" i="0" u="none" strike="noStrike" dirty="0">
-                          <a:solidFill>
-                            <a:srgbClr val="000000"/>
-                          </a:solidFill>
-                          <a:effectLst/>
-                          <a:latin typeface="Aptos Narrow" panose="020B0004020202020204" pitchFamily="34" charset="0"/>
-                        </a:rPr>
-                        <a:t>Education, </a:t>
+                        <a:rPr lang="en-GB" sz="1600" dirty="0"/>
+                        <a:t>Job Involvement, Percent Salary Hike, Performance Rating, Years Since Last Promotion</a:t>
                       </a:r>
-                      <a:r>
-                        <a:rPr lang="en-GB" sz="1100" b="0" i="0" u="none" strike="noStrike" dirty="0" err="1">
-                          <a:solidFill>
-                            <a:srgbClr val="000000"/>
-                          </a:solidFill>
-                          <a:effectLst/>
-                          <a:latin typeface="Aptos Narrow" panose="020B0004020202020204" pitchFamily="34" charset="0"/>
-                        </a:rPr>
-                        <a:t>EducationField</a:t>
-                      </a:r>
-                      <a:endParaRPr lang="en-GB" sz="1100" b="0" i="0" u="none" strike="noStrike" dirty="0">
-                        <a:solidFill>
-                          <a:srgbClr val="000000"/>
-                        </a:solidFill>
-                        <a:effectLst/>
-                        <a:latin typeface="Aptos Narrow" panose="020B0004020202020204" pitchFamily="34" charset="0"/>
-                      </a:endParaRPr>
                     </a:p>
                   </a:txBody>
-                  <a:tcPr marL="7620" marR="7620" marT="7620" marB="0" anchor="b"/>
+                  <a:tcPr anchor="ctr"/>
                 </a:tc>
                 <a:tc>
                   <a:txBody>
                     <a:bodyPr/>
                     <a:lstStyle/>
                     <a:p>
-                      <a:pPr>
-                        <a:lnSpc>
-                          <a:spcPct val="107000"/>
-                        </a:lnSpc>
-                        <a:spcAft>
-                          <a:spcPts val="800"/>
-                        </a:spcAft>
-                      </a:pPr>
-                      <a:endParaRPr lang="en-GB" sz="1100" kern="100" dirty="0">
-                        <a:effectLst/>
-                        <a:latin typeface="Aptos" panose="020B0004020202020204" pitchFamily="34" charset="0"/>
-                        <a:ea typeface="Aptos" panose="020B0004020202020204" pitchFamily="34" charset="0"/>
-                        <a:cs typeface="Times New Roman" panose="02020603050405020304" pitchFamily="18" charset="0"/>
-                      </a:endParaRPr>
+                      <a:r>
+                        <a:rPr lang="en-GB" sz="1600" dirty="0"/>
+                        <a:t>Job Performance</a:t>
+                      </a:r>
                     </a:p>
                   </a:txBody>
-                  <a:tcPr marL="68580" marR="68580" marT="0" marB="0" anchor="ctr"/>
+                  <a:tcPr anchor="ctr"/>
+                </a:tc>
+                <a:tc vMerge="1">
+                  <a:txBody>
+                    <a:bodyPr/>
+                    <a:lstStyle/>
+                    <a:p>
+                      <a:endParaRPr lang="en-GB" sz="1600" dirty="0"/>
+                    </a:p>
+                  </a:txBody>
+                  <a:tcPr anchor="ctr"/>
                 </a:tc>
                 <a:extLst>
                   <a:ext uri="{0D108BD9-81ED-4DB2-BD59-A6C34878D82A}">
-                    <a16:rowId xmlns:a16="http://schemas.microsoft.com/office/drawing/2014/main" val="24680238"/>
+                    <a16:rowId xmlns:a16="http://schemas.microsoft.com/office/drawing/2014/main" val="2209062877"/>
                   </a:ext>
                 </a:extLst>
               </a:tr>
-              <a:tr h="196208">
+              <a:tr h="324000">
                 <a:tc>
                   <a:txBody>
                     <a:bodyPr/>
                     <a:lstStyle/>
                     <a:p>
-                      <a:pPr algn="l" fontAlgn="b"/>
                       <a:r>
-                        <a:rPr lang="en-GB" sz="1100" b="0" i="0" u="none" strike="noStrike" dirty="0" err="1">
-                          <a:solidFill>
-                            <a:srgbClr val="000000"/>
-                          </a:solidFill>
-                          <a:effectLst/>
-                          <a:latin typeface="Aptos Narrow" panose="020B0004020202020204" pitchFamily="34" charset="0"/>
-                        </a:rPr>
-                        <a:t>EmployeeCount</a:t>
+                        <a:rPr lang="en-GB" sz="1600" dirty="0"/>
+                        <a:t>Employee Number, Employee Count</a:t>
                       </a:r>
-                      <a:endParaRPr lang="en-GB" sz="1100" b="0" i="0" u="none" strike="noStrike" dirty="0">
-                        <a:solidFill>
-                          <a:srgbClr val="000000"/>
-                        </a:solidFill>
-                        <a:effectLst/>
-                        <a:latin typeface="Aptos Narrow" panose="020B0004020202020204" pitchFamily="34" charset="0"/>
-                      </a:endParaRPr>
                     </a:p>
                   </a:txBody>
-                  <a:tcPr marL="7620" marR="7620" marT="7620" marB="0" anchor="b"/>
+                  <a:tcPr anchor="ctr"/>
                 </a:tc>
                 <a:tc>
                   <a:txBody>
                     <a:bodyPr/>
                     <a:lstStyle/>
                     <a:p>
-                      <a:pPr>
-                        <a:lnSpc>
-                          <a:spcPct val="107000"/>
-                        </a:lnSpc>
-                        <a:spcAft>
-                          <a:spcPts val="800"/>
-                        </a:spcAft>
-                      </a:pPr>
-                      <a:endParaRPr lang="en-GB" sz="1100" kern="100" dirty="0">
-                        <a:effectLst/>
-                        <a:latin typeface="Aptos" panose="020B0004020202020204" pitchFamily="34" charset="0"/>
-                        <a:ea typeface="Aptos" panose="020B0004020202020204" pitchFamily="34" charset="0"/>
-                        <a:cs typeface="Times New Roman" panose="02020603050405020304" pitchFamily="18" charset="0"/>
-                      </a:endParaRPr>
+                      <a:r>
+                        <a:rPr lang="en-GB" sz="1600" dirty="0"/>
+                        <a:t>Identification Details</a:t>
+                      </a:r>
                     </a:p>
                   </a:txBody>
-                  <a:tcPr marL="68580" marR="68580" marT="0" marB="0" anchor="ctr"/>
+                  <a:tcPr anchor="ctr"/>
+                </a:tc>
+                <a:tc vMerge="1">
+                  <a:txBody>
+                    <a:bodyPr/>
+                    <a:lstStyle/>
+                    <a:p>
+                      <a:endParaRPr lang="en-GB" sz="1600" dirty="0"/>
+                    </a:p>
+                  </a:txBody>
+                  <a:tcPr anchor="ctr"/>
                 </a:tc>
                 <a:extLst>
                   <a:ext uri="{0D108BD9-81ED-4DB2-BD59-A6C34878D82A}">
-                    <a16:rowId xmlns:a16="http://schemas.microsoft.com/office/drawing/2014/main" val="2237382428"/>
+                    <a16:rowId xmlns:a16="http://schemas.microsoft.com/office/drawing/2014/main" val="3122256720"/>
                   </a:ext>
                 </a:extLst>
               </a:tr>
-              <a:tr h="196208">
+              <a:tr h="324000">
                 <a:tc>
                   <a:txBody>
                     <a:bodyPr/>
                     <a:lstStyle/>
                     <a:p>
-                      <a:pPr algn="l" fontAlgn="b"/>
                       <a:r>
-                        <a:rPr lang="en-GB" sz="1100" b="0" i="0" u="none" strike="noStrike" dirty="0" err="1">
-                          <a:solidFill>
-                            <a:srgbClr val="000000"/>
-                          </a:solidFill>
-                          <a:effectLst/>
-                          <a:latin typeface="Aptos Narrow" panose="020B0004020202020204" pitchFamily="34" charset="0"/>
-                        </a:rPr>
-                        <a:t>EmployeeNumber</a:t>
+                        <a:rPr lang="en-GB" sz="1600" dirty="0"/>
+                        <a:t>Overtime, Standard Hours</a:t>
                       </a:r>
-                      <a:endParaRPr lang="en-GB" sz="1100" b="0" i="0" u="none" strike="noStrike" dirty="0">
-                        <a:solidFill>
-                          <a:srgbClr val="000000"/>
-                        </a:solidFill>
-                        <a:effectLst/>
-                        <a:latin typeface="Aptos Narrow" panose="020B0004020202020204" pitchFamily="34" charset="0"/>
-                      </a:endParaRPr>
                     </a:p>
                   </a:txBody>
-                  <a:tcPr marL="7620" marR="7620" marT="7620" marB="0" anchor="b"/>
+                  <a:tcPr anchor="ctr"/>
                 </a:tc>
                 <a:tc>
                   <a:txBody>
                     <a:bodyPr/>
                     <a:lstStyle/>
                     <a:p>
-                      <a:pPr>
-                        <a:lnSpc>
-                          <a:spcPct val="107000"/>
-                        </a:lnSpc>
-                        <a:spcAft>
-                          <a:spcPts val="800"/>
-                        </a:spcAft>
-                      </a:pPr>
-                      <a:endParaRPr lang="en-GB" sz="1100" kern="100" dirty="0">
-                        <a:effectLst/>
-                        <a:latin typeface="Aptos" panose="020B0004020202020204" pitchFamily="34" charset="0"/>
-                        <a:ea typeface="Aptos" panose="020B0004020202020204" pitchFamily="34" charset="0"/>
-                        <a:cs typeface="Times New Roman" panose="02020603050405020304" pitchFamily="18" charset="0"/>
-                      </a:endParaRPr>
+                      <a:r>
+                        <a:rPr lang="en-GB" sz="1600" dirty="0"/>
+                        <a:t>Hours</a:t>
+                      </a:r>
                     </a:p>
                   </a:txBody>
-                  <a:tcPr marL="68580" marR="68580" marT="0" marB="0" anchor="ctr"/>
+                  <a:tcPr anchor="ctr"/>
+                </a:tc>
+                <a:tc vMerge="1">
+                  <a:txBody>
+                    <a:bodyPr/>
+                    <a:lstStyle/>
+                    <a:p>
+                      <a:endParaRPr lang="en-GB" sz="1600" dirty="0"/>
+                    </a:p>
+                  </a:txBody>
+                  <a:tcPr anchor="ctr"/>
                 </a:tc>
                 <a:extLst>
                   <a:ext uri="{0D108BD9-81ED-4DB2-BD59-A6C34878D82A}">
-                    <a16:rowId xmlns:a16="http://schemas.microsoft.com/office/drawing/2014/main" val="3450951268"/>
+                    <a16:rowId xmlns:a16="http://schemas.microsoft.com/office/drawing/2014/main" val="3556430047"/>
                   </a:ext>
                 </a:extLst>
               </a:tr>
-              <a:tr h="196208">
+              <a:tr h="324000">
                 <a:tc>
                   <a:txBody>
                     <a:bodyPr/>
                     <a:lstStyle/>
                     <a:p>
-                      <a:pPr algn="l" fontAlgn="b"/>
                       <a:r>
-                        <a:rPr lang="en-GB" sz="1100" b="0" i="0" u="none" strike="noStrike" dirty="0" err="1">
-                          <a:solidFill>
-                            <a:srgbClr val="000000"/>
-                          </a:solidFill>
-                          <a:effectLst/>
-                          <a:latin typeface="Aptos Narrow" panose="020B0004020202020204" pitchFamily="34" charset="0"/>
-                        </a:rPr>
-                        <a:t>EnvironmentSatisfaction</a:t>
+                        <a:rPr lang="en-GB" sz="1600" dirty="0"/>
+                        <a:t>Training Times Last Year</a:t>
                       </a:r>
-                      <a:endParaRPr lang="en-GB" sz="1100" b="0" i="0" u="none" strike="noStrike" dirty="0">
-                        <a:solidFill>
-                          <a:srgbClr val="000000"/>
-                        </a:solidFill>
-                        <a:effectLst/>
-                        <a:latin typeface="Aptos Narrow" panose="020B0004020202020204" pitchFamily="34" charset="0"/>
-                      </a:endParaRPr>
                     </a:p>
                   </a:txBody>
-                  <a:tcPr marL="7620" marR="7620" marT="7620" marB="0" anchor="b"/>
+                  <a:tcPr anchor="ctr"/>
                 </a:tc>
                 <a:tc>
                   <a:txBody>
                     <a:bodyPr/>
                     <a:lstStyle/>
                     <a:p>
-                      <a:pPr>
-                        <a:lnSpc>
-                          <a:spcPct val="107000"/>
-                        </a:lnSpc>
-                        <a:spcAft>
-                          <a:spcPts val="800"/>
-                        </a:spcAft>
-                      </a:pPr>
-                      <a:endParaRPr lang="en-GB" sz="1100" kern="100" dirty="0">
-                        <a:effectLst/>
-                        <a:latin typeface="Aptos" panose="020B0004020202020204" pitchFamily="34" charset="0"/>
-                        <a:ea typeface="Aptos" panose="020B0004020202020204" pitchFamily="34" charset="0"/>
-                        <a:cs typeface="Times New Roman" panose="02020603050405020304" pitchFamily="18" charset="0"/>
-                      </a:endParaRPr>
+                      <a:r>
+                        <a:rPr lang="en-GB" sz="1600" dirty="0"/>
+                        <a:t>Other</a:t>
+                      </a:r>
                     </a:p>
                   </a:txBody>
-                  <a:tcPr marL="68580" marR="68580" marT="0" marB="0" anchor="ctr"/>
+                  <a:tcPr anchor="ctr"/>
+                </a:tc>
+                <a:tc vMerge="1">
+                  <a:txBody>
+                    <a:bodyPr/>
+                    <a:lstStyle/>
+                    <a:p>
+                      <a:endParaRPr lang="en-GB" sz="1600" dirty="0"/>
+                    </a:p>
+                  </a:txBody>
+                  <a:tcPr anchor="ctr"/>
                 </a:tc>
                 <a:extLst>
                   <a:ext uri="{0D108BD9-81ED-4DB2-BD59-A6C34878D82A}">
-                    <a16:rowId xmlns:a16="http://schemas.microsoft.com/office/drawing/2014/main" val="2444380118"/>
+                    <a16:rowId xmlns:a16="http://schemas.microsoft.com/office/drawing/2014/main" val="3228814471"/>
                   </a:ext>
                 </a:extLst>
               </a:tr>
-              <a:tr h="196208">
+              <a:tr h="324000">
                 <a:tc>
                   <a:txBody>
                     <a:bodyPr/>
                     <a:lstStyle/>
                     <a:p>
-                      <a:pPr algn="l" fontAlgn="b"/>
                       <a:r>
-                        <a:rPr lang="en-GB" sz="1100" b="0" i="0" u="none" strike="noStrike" dirty="0" err="1">
-                          <a:solidFill>
-                            <a:srgbClr val="000000"/>
-                          </a:solidFill>
-                          <a:effectLst/>
-                          <a:latin typeface="Aptos Narrow" panose="020B0004020202020204" pitchFamily="34" charset="0"/>
-                        </a:rPr>
-                        <a:t>JobInvolvement</a:t>
+                        <a:rPr lang="en-GB" sz="1600" dirty="0"/>
+                        <a:t>Stock Option Level</a:t>
                       </a:r>
-                      <a:endParaRPr lang="en-GB" sz="1100" b="0" i="0" u="none" strike="noStrike" dirty="0">
-                        <a:solidFill>
-                          <a:srgbClr val="000000"/>
-                        </a:solidFill>
-                        <a:effectLst/>
-                        <a:latin typeface="Aptos Narrow" panose="020B0004020202020204" pitchFamily="34" charset="0"/>
-                      </a:endParaRPr>
                     </a:p>
                   </a:txBody>
-                  <a:tcPr marL="7620" marR="7620" marT="7620" marB="0" anchor="b"/>
+                  <a:tcPr anchor="ctr"/>
                 </a:tc>
                 <a:tc>
                   <a:txBody>
                     <a:bodyPr/>
                     <a:lstStyle/>
                     <a:p>
-                      <a:pPr>
-                        <a:lnSpc>
-                          <a:spcPct val="107000"/>
-                        </a:lnSpc>
-                        <a:spcAft>
-                          <a:spcPts val="800"/>
-                        </a:spcAft>
-                      </a:pPr>
-                      <a:endParaRPr lang="en-GB" sz="1100" kern="100" dirty="0">
-                        <a:effectLst/>
-                        <a:latin typeface="Aptos" panose="020B0004020202020204" pitchFamily="34" charset="0"/>
-                        <a:ea typeface="Aptos" panose="020B0004020202020204" pitchFamily="34" charset="0"/>
-                        <a:cs typeface="Times New Roman" panose="02020603050405020304" pitchFamily="18" charset="0"/>
-                      </a:endParaRPr>
+                      <a:r>
+                        <a:rPr lang="en-GB" sz="1600" dirty="0"/>
+                        <a:t>Perks</a:t>
+                      </a:r>
                     </a:p>
                   </a:txBody>
-                  <a:tcPr marL="68580" marR="68580" marT="0" marB="0" anchor="ctr"/>
+                  <a:tcPr anchor="ctr"/>
+                </a:tc>
+                <a:tc vMerge="1">
+                  <a:txBody>
+                    <a:bodyPr/>
+                    <a:lstStyle/>
+                    <a:p>
+                      <a:endParaRPr lang="en-GB" sz="1600" dirty="0"/>
+                    </a:p>
+                  </a:txBody>
+                  <a:tcPr anchor="ctr"/>
                 </a:tc>
                 <a:extLst>
                   <a:ext uri="{0D108BD9-81ED-4DB2-BD59-A6C34878D82A}">
-                    <a16:rowId xmlns:a16="http://schemas.microsoft.com/office/drawing/2014/main" val="1085817986"/>
+                    <a16:rowId xmlns:a16="http://schemas.microsoft.com/office/drawing/2014/main" val="2671183584"/>
                   </a:ext>
                 </a:extLst>
               </a:tr>
-              <a:tr h="196208">
+              <a:tr h="324000">
                 <a:tc>
                   <a:txBody>
                     <a:bodyPr/>
                     <a:lstStyle/>
                     <a:p>
-                      <a:pPr algn="l" fontAlgn="b"/>
                       <a:r>
-                        <a:rPr lang="en-GB" sz="1100" b="0" i="0" u="none" strike="noStrike" dirty="0" err="1">
-                          <a:solidFill>
-                            <a:srgbClr val="000000"/>
-                          </a:solidFill>
-                          <a:effectLst/>
-                          <a:latin typeface="Aptos Narrow" panose="020B0004020202020204" pitchFamily="34" charset="0"/>
-                        </a:rPr>
-                        <a:t>JobSatisfaction</a:t>
+                        <a:rPr lang="en-GB" sz="1600" dirty="0"/>
+                        <a:t>Attrition</a:t>
                       </a:r>
-                      <a:endParaRPr lang="en-GB" sz="1100" b="0" i="0" u="none" strike="noStrike" dirty="0">
-                        <a:solidFill>
-                          <a:srgbClr val="000000"/>
-                        </a:solidFill>
-                        <a:effectLst/>
-                        <a:latin typeface="Aptos Narrow" panose="020B0004020202020204" pitchFamily="34" charset="0"/>
-                      </a:endParaRPr>
                     </a:p>
                   </a:txBody>
-                  <a:tcPr marL="7620" marR="7620" marT="7620" marB="0" anchor="b"/>
+                  <a:tcPr anchor="ctr"/>
                 </a:tc>
                 <a:tc>
                   <a:txBody>
                     <a:bodyPr/>
                     <a:lstStyle/>
                     <a:p>
-                      <a:pPr>
-                        <a:lnSpc>
-                          <a:spcPct val="107000"/>
-                        </a:lnSpc>
-                        <a:spcAft>
-                          <a:spcPts val="800"/>
-                        </a:spcAft>
-                      </a:pPr>
-                      <a:endParaRPr lang="en-GB" sz="1100" kern="100" dirty="0">
-                        <a:effectLst/>
-                        <a:latin typeface="Aptos" panose="020B0004020202020204" pitchFamily="34" charset="0"/>
-                        <a:ea typeface="Aptos" panose="020B0004020202020204" pitchFamily="34" charset="0"/>
-                        <a:cs typeface="Times New Roman" panose="02020603050405020304" pitchFamily="18" charset="0"/>
-                      </a:endParaRPr>
+                      <a:r>
+                        <a:rPr lang="en-GB" sz="1600" dirty="0"/>
+                        <a:t>Attrition</a:t>
+                      </a:r>
                     </a:p>
                   </a:txBody>
-                  <a:tcPr marL="68580" marR="68580" marT="0" marB="0" anchor="ctr"/>
-                </a:tc>
-                <a:extLst>
-                  <a:ext uri="{0D108BD9-81ED-4DB2-BD59-A6C34878D82A}">
-                    <a16:rowId xmlns:a16="http://schemas.microsoft.com/office/drawing/2014/main" val="3815963660"/>
-                  </a:ext>
-                </a:extLst>
-              </a:tr>
-              <a:tr h="196208">
-                <a:tc>
-                  <a:txBody>
-                    <a:bodyPr/>
-                    <a:lstStyle/>
-                    <a:p>
-                      <a:pPr algn="l" fontAlgn="b"/>
-                      <a:r>
-                        <a:rPr lang="en-GB" sz="1100" b="0" i="0" u="none" strike="noStrike" dirty="0" err="1">
-                          <a:solidFill>
-                            <a:srgbClr val="000000"/>
-                          </a:solidFill>
-                          <a:effectLst/>
-                          <a:latin typeface="Aptos Narrow" panose="020B0004020202020204" pitchFamily="34" charset="0"/>
-                        </a:rPr>
-                        <a:t>MonthlyIncome</a:t>
-                      </a:r>
-                      <a:endParaRPr lang="en-GB" sz="1100" b="0" i="0" u="none" strike="noStrike" dirty="0">
-                        <a:solidFill>
-                          <a:srgbClr val="000000"/>
-                        </a:solidFill>
-                        <a:effectLst/>
-                        <a:latin typeface="Aptos Narrow" panose="020B0004020202020204" pitchFamily="34" charset="0"/>
-                      </a:endParaRPr>
-                    </a:p>
-                  </a:txBody>
-                  <a:tcPr marL="7620" marR="7620" marT="7620" marB="0" anchor="b"/>
+                  <a:tcPr anchor="ctr"/>
                 </a:tc>
                 <a:tc>
                   <a:txBody>
                     <a:bodyPr/>
                     <a:lstStyle/>
                     <a:p>
-                      <a:pPr>
-                        <a:lnSpc>
-                          <a:spcPct val="107000"/>
-                        </a:lnSpc>
-                        <a:spcAft>
-                          <a:spcPts val="800"/>
-                        </a:spcAft>
-                      </a:pPr>
-                      <a:endParaRPr lang="en-GB" sz="1100" kern="100" dirty="0">
-                        <a:effectLst/>
-                        <a:latin typeface="Aptos" panose="020B0004020202020204" pitchFamily="34" charset="0"/>
-                        <a:ea typeface="Aptos" panose="020B0004020202020204" pitchFamily="34" charset="0"/>
-                        <a:cs typeface="Times New Roman" panose="02020603050405020304" pitchFamily="18" charset="0"/>
-                      </a:endParaRPr>
+                      <a:pPr algn="ctr"/>
+                      <a:r>
+                        <a:rPr lang="en-GB" sz="1600" b="1" dirty="0">
+                          <a:solidFill>
+                            <a:srgbClr val="FF0000"/>
+                          </a:solidFill>
+                        </a:rPr>
+                        <a:t>Target</a:t>
+                      </a:r>
                     </a:p>
                   </a:txBody>
-                  <a:tcPr marL="68580" marR="68580" marT="0" marB="0" anchor="ctr"/>
+                  <a:tcPr anchor="ctr"/>
                 </a:tc>
                 <a:extLst>
                   <a:ext uri="{0D108BD9-81ED-4DB2-BD59-A6C34878D82A}">
-                    <a16:rowId xmlns:a16="http://schemas.microsoft.com/office/drawing/2014/main" val="4208025216"/>
-                  </a:ext>
-                </a:extLst>
-              </a:tr>
-              <a:tr h="196208">
-                <a:tc>
-                  <a:txBody>
-                    <a:bodyPr/>
-                    <a:lstStyle/>
-                    <a:p>
-                      <a:pPr algn="l" fontAlgn="b"/>
-                      <a:r>
-                        <a:rPr lang="en-GB" sz="1100" b="0" i="0" u="none" strike="noStrike" dirty="0" err="1">
-                          <a:solidFill>
-                            <a:srgbClr val="000000"/>
-                          </a:solidFill>
-                          <a:effectLst/>
-                          <a:latin typeface="Aptos Narrow" panose="020B0004020202020204" pitchFamily="34" charset="0"/>
-                        </a:rPr>
-                        <a:t>NumCompaniesWorked</a:t>
-                      </a:r>
-                      <a:endParaRPr lang="en-GB" sz="1100" b="0" i="0" u="none" strike="noStrike" dirty="0">
-                        <a:solidFill>
-                          <a:srgbClr val="000000"/>
-                        </a:solidFill>
-                        <a:effectLst/>
-                        <a:latin typeface="Aptos Narrow" panose="020B0004020202020204" pitchFamily="34" charset="0"/>
-                      </a:endParaRPr>
-                    </a:p>
-                  </a:txBody>
-                  <a:tcPr marL="7620" marR="7620" marT="7620" marB="0" anchor="b"/>
-                </a:tc>
-                <a:tc>
-                  <a:txBody>
-                    <a:bodyPr/>
-                    <a:lstStyle/>
-                    <a:p>
-                      <a:pPr>
-                        <a:lnSpc>
-                          <a:spcPct val="107000"/>
-                        </a:lnSpc>
-                        <a:spcAft>
-                          <a:spcPts val="800"/>
-                        </a:spcAft>
-                      </a:pPr>
-                      <a:endParaRPr lang="en-GB" sz="1100" kern="100" dirty="0">
-                        <a:effectLst/>
-                        <a:latin typeface="Aptos" panose="020B0004020202020204" pitchFamily="34" charset="0"/>
-                        <a:ea typeface="Aptos" panose="020B0004020202020204" pitchFamily="34" charset="0"/>
-                        <a:cs typeface="Times New Roman" panose="02020603050405020304" pitchFamily="18" charset="0"/>
-                      </a:endParaRPr>
-                    </a:p>
-                  </a:txBody>
-                  <a:tcPr marL="68580" marR="68580" marT="0" marB="0" anchor="ctr"/>
-                </a:tc>
-                <a:extLst>
-                  <a:ext uri="{0D108BD9-81ED-4DB2-BD59-A6C34878D82A}">
-                    <a16:rowId xmlns:a16="http://schemas.microsoft.com/office/drawing/2014/main" val="1012484606"/>
-                  </a:ext>
-                </a:extLst>
-              </a:tr>
-              <a:tr h="196208">
-                <a:tc>
-                  <a:txBody>
-                    <a:bodyPr/>
-                    <a:lstStyle/>
-                    <a:p>
-                      <a:pPr algn="l" fontAlgn="b"/>
-                      <a:r>
-                        <a:rPr lang="en-GB" sz="1100" b="0" i="0" u="none" strike="noStrike" dirty="0" err="1">
-                          <a:solidFill>
-                            <a:srgbClr val="000000"/>
-                          </a:solidFill>
-                          <a:effectLst/>
-                          <a:latin typeface="Aptos Narrow" panose="020B0004020202020204" pitchFamily="34" charset="0"/>
-                        </a:rPr>
-                        <a:t>OverTime</a:t>
-                      </a:r>
-                      <a:endParaRPr lang="en-GB" sz="1100" b="0" i="0" u="none" strike="noStrike" dirty="0">
-                        <a:solidFill>
-                          <a:srgbClr val="000000"/>
-                        </a:solidFill>
-                        <a:effectLst/>
-                        <a:latin typeface="Aptos Narrow" panose="020B0004020202020204" pitchFamily="34" charset="0"/>
-                      </a:endParaRPr>
-                    </a:p>
-                  </a:txBody>
-                  <a:tcPr marL="7620" marR="7620" marT="7620" marB="0" anchor="b"/>
-                </a:tc>
-                <a:tc>
-                  <a:txBody>
-                    <a:bodyPr/>
-                    <a:lstStyle/>
-                    <a:p>
-                      <a:pPr>
-                        <a:lnSpc>
-                          <a:spcPct val="107000"/>
-                        </a:lnSpc>
-                        <a:spcAft>
-                          <a:spcPts val="800"/>
-                        </a:spcAft>
-                      </a:pPr>
-                      <a:endParaRPr lang="en-GB" sz="1100" kern="100" dirty="0">
-                        <a:effectLst/>
-                        <a:latin typeface="Aptos" panose="020B0004020202020204" pitchFamily="34" charset="0"/>
-                        <a:ea typeface="Aptos" panose="020B0004020202020204" pitchFamily="34" charset="0"/>
-                        <a:cs typeface="Times New Roman" panose="02020603050405020304" pitchFamily="18" charset="0"/>
-                      </a:endParaRPr>
-                    </a:p>
-                  </a:txBody>
-                  <a:tcPr marL="68580" marR="68580" marT="0" marB="0" anchor="ctr"/>
-                </a:tc>
-                <a:extLst>
-                  <a:ext uri="{0D108BD9-81ED-4DB2-BD59-A6C34878D82A}">
-                    <a16:rowId xmlns:a16="http://schemas.microsoft.com/office/drawing/2014/main" val="3505888883"/>
-                  </a:ext>
-                </a:extLst>
-              </a:tr>
-              <a:tr h="196208">
-                <a:tc>
-                  <a:txBody>
-                    <a:bodyPr/>
-                    <a:lstStyle/>
-                    <a:p>
-                      <a:pPr algn="l" fontAlgn="b"/>
-                      <a:r>
-                        <a:rPr lang="en-GB" sz="1100" b="0" i="0" u="none" strike="noStrike">
-                          <a:solidFill>
-                            <a:srgbClr val="000000"/>
-                          </a:solidFill>
-                          <a:effectLst/>
-                          <a:latin typeface="Aptos Narrow" panose="020B0004020202020204" pitchFamily="34" charset="0"/>
-                        </a:rPr>
-                        <a:t>PercentSalaryHike</a:t>
-                      </a:r>
-                    </a:p>
-                  </a:txBody>
-                  <a:tcPr marL="7620" marR="7620" marT="7620" marB="0" anchor="b"/>
-                </a:tc>
-                <a:tc>
-                  <a:txBody>
-                    <a:bodyPr/>
-                    <a:lstStyle/>
-                    <a:p>
-                      <a:pPr>
-                        <a:lnSpc>
-                          <a:spcPct val="107000"/>
-                        </a:lnSpc>
-                        <a:spcAft>
-                          <a:spcPts val="800"/>
-                        </a:spcAft>
-                      </a:pPr>
-                      <a:endParaRPr lang="en-GB" sz="1100" kern="100" dirty="0">
-                        <a:effectLst/>
-                        <a:latin typeface="Aptos" panose="020B0004020202020204" pitchFamily="34" charset="0"/>
-                        <a:ea typeface="Aptos" panose="020B0004020202020204" pitchFamily="34" charset="0"/>
-                        <a:cs typeface="Times New Roman" panose="02020603050405020304" pitchFamily="18" charset="0"/>
-                      </a:endParaRPr>
-                    </a:p>
-                  </a:txBody>
-                  <a:tcPr marL="68580" marR="68580" marT="0" marB="0" anchor="ctr"/>
-                </a:tc>
-                <a:extLst>
-                  <a:ext uri="{0D108BD9-81ED-4DB2-BD59-A6C34878D82A}">
-                    <a16:rowId xmlns:a16="http://schemas.microsoft.com/office/drawing/2014/main" val="62888504"/>
-                  </a:ext>
-                </a:extLst>
-              </a:tr>
-              <a:tr h="196208">
-                <a:tc>
-                  <a:txBody>
-                    <a:bodyPr/>
-                    <a:lstStyle/>
-                    <a:p>
-                      <a:pPr algn="l" fontAlgn="b"/>
-                      <a:r>
-                        <a:rPr lang="en-GB" sz="1100" b="0" i="0" u="none" strike="noStrike" dirty="0" err="1">
-                          <a:solidFill>
-                            <a:srgbClr val="000000"/>
-                          </a:solidFill>
-                          <a:effectLst/>
-                          <a:latin typeface="Aptos Narrow" panose="020B0004020202020204" pitchFamily="34" charset="0"/>
-                        </a:rPr>
-                        <a:t>PerformanceRating</a:t>
-                      </a:r>
-                      <a:endParaRPr lang="en-GB" sz="1100" b="0" i="0" u="none" strike="noStrike" dirty="0">
-                        <a:solidFill>
-                          <a:srgbClr val="000000"/>
-                        </a:solidFill>
-                        <a:effectLst/>
-                        <a:latin typeface="Aptos Narrow" panose="020B0004020202020204" pitchFamily="34" charset="0"/>
-                      </a:endParaRPr>
-                    </a:p>
-                  </a:txBody>
-                  <a:tcPr marL="7620" marR="7620" marT="7620" marB="0" anchor="b"/>
-                </a:tc>
-                <a:tc>
-                  <a:txBody>
-                    <a:bodyPr/>
-                    <a:lstStyle/>
-                    <a:p>
-                      <a:pPr>
-                        <a:lnSpc>
-                          <a:spcPct val="107000"/>
-                        </a:lnSpc>
-                        <a:spcAft>
-                          <a:spcPts val="800"/>
-                        </a:spcAft>
-                      </a:pPr>
-                      <a:endParaRPr lang="en-GB" sz="1100" kern="100">
-                        <a:effectLst/>
-                        <a:latin typeface="Aptos" panose="020B0004020202020204" pitchFamily="34" charset="0"/>
-                        <a:ea typeface="Aptos" panose="020B0004020202020204" pitchFamily="34" charset="0"/>
-                        <a:cs typeface="Times New Roman" panose="02020603050405020304" pitchFamily="18" charset="0"/>
-                      </a:endParaRPr>
-                    </a:p>
-                  </a:txBody>
-                  <a:tcPr marL="68580" marR="68580" marT="0" marB="0" anchor="ctr"/>
-                </a:tc>
-                <a:extLst>
-                  <a:ext uri="{0D108BD9-81ED-4DB2-BD59-A6C34878D82A}">
-                    <a16:rowId xmlns:a16="http://schemas.microsoft.com/office/drawing/2014/main" val="2767731157"/>
-                  </a:ext>
-                </a:extLst>
-              </a:tr>
-              <a:tr h="196208">
-                <a:tc>
-                  <a:txBody>
-                    <a:bodyPr/>
-                    <a:lstStyle/>
-                    <a:p>
-                      <a:pPr algn="l" fontAlgn="b"/>
-                      <a:r>
-                        <a:rPr lang="en-GB" sz="1100" b="0" i="0" u="none" strike="noStrike" dirty="0" err="1">
-                          <a:solidFill>
-                            <a:srgbClr val="000000"/>
-                          </a:solidFill>
-                          <a:effectLst/>
-                          <a:latin typeface="Aptos Narrow" panose="020B0004020202020204" pitchFamily="34" charset="0"/>
-                        </a:rPr>
-                        <a:t>RelationshipSatisfaction</a:t>
-                      </a:r>
-                      <a:endParaRPr lang="en-GB" sz="1100" b="0" i="0" u="none" strike="noStrike" dirty="0">
-                        <a:solidFill>
-                          <a:srgbClr val="000000"/>
-                        </a:solidFill>
-                        <a:effectLst/>
-                        <a:latin typeface="Aptos Narrow" panose="020B0004020202020204" pitchFamily="34" charset="0"/>
-                      </a:endParaRPr>
-                    </a:p>
-                  </a:txBody>
-                  <a:tcPr marL="7620" marR="7620" marT="7620" marB="0" anchor="b"/>
-                </a:tc>
-                <a:tc>
-                  <a:txBody>
-                    <a:bodyPr/>
-                    <a:lstStyle/>
-                    <a:p>
-                      <a:pPr>
-                        <a:lnSpc>
-                          <a:spcPct val="107000"/>
-                        </a:lnSpc>
-                        <a:spcAft>
-                          <a:spcPts val="800"/>
-                        </a:spcAft>
-                      </a:pPr>
-                      <a:endParaRPr lang="en-GB" sz="1100" kern="100">
-                        <a:effectLst/>
-                        <a:latin typeface="Aptos" panose="020B0004020202020204" pitchFamily="34" charset="0"/>
-                        <a:ea typeface="Aptos" panose="020B0004020202020204" pitchFamily="34" charset="0"/>
-                        <a:cs typeface="Times New Roman" panose="02020603050405020304" pitchFamily="18" charset="0"/>
-                      </a:endParaRPr>
-                    </a:p>
-                  </a:txBody>
-                  <a:tcPr marL="68580" marR="68580" marT="0" marB="0" anchor="ctr"/>
-                </a:tc>
-                <a:extLst>
-                  <a:ext uri="{0D108BD9-81ED-4DB2-BD59-A6C34878D82A}">
-                    <a16:rowId xmlns:a16="http://schemas.microsoft.com/office/drawing/2014/main" val="172191207"/>
-                  </a:ext>
-                </a:extLst>
-              </a:tr>
-              <a:tr h="196208">
-                <a:tc>
-                  <a:txBody>
-                    <a:bodyPr/>
-                    <a:lstStyle/>
-                    <a:p>
-                      <a:pPr algn="l" fontAlgn="b"/>
-                      <a:r>
-                        <a:rPr lang="en-GB" sz="1100" b="0" i="0" u="none" strike="noStrike" dirty="0" err="1">
-                          <a:solidFill>
-                            <a:srgbClr val="000000"/>
-                          </a:solidFill>
-                          <a:effectLst/>
-                          <a:latin typeface="Aptos Narrow" panose="020B0004020202020204" pitchFamily="34" charset="0"/>
-                        </a:rPr>
-                        <a:t>StandardHours</a:t>
-                      </a:r>
-                      <a:endParaRPr lang="en-GB" sz="1100" b="0" i="0" u="none" strike="noStrike" dirty="0">
-                        <a:solidFill>
-                          <a:srgbClr val="000000"/>
-                        </a:solidFill>
-                        <a:effectLst/>
-                        <a:latin typeface="Aptos Narrow" panose="020B0004020202020204" pitchFamily="34" charset="0"/>
-                      </a:endParaRPr>
-                    </a:p>
-                  </a:txBody>
-                  <a:tcPr marL="7620" marR="7620" marT="7620" marB="0" anchor="b"/>
-                </a:tc>
-                <a:tc>
-                  <a:txBody>
-                    <a:bodyPr/>
-                    <a:lstStyle/>
-                    <a:p>
-                      <a:pPr>
-                        <a:lnSpc>
-                          <a:spcPct val="107000"/>
-                        </a:lnSpc>
-                        <a:spcAft>
-                          <a:spcPts val="800"/>
-                        </a:spcAft>
-                      </a:pPr>
-                      <a:endParaRPr lang="en-GB" sz="1100" kern="100">
-                        <a:effectLst/>
-                        <a:latin typeface="Aptos" panose="020B0004020202020204" pitchFamily="34" charset="0"/>
-                        <a:ea typeface="Aptos" panose="020B0004020202020204" pitchFamily="34" charset="0"/>
-                        <a:cs typeface="Times New Roman" panose="02020603050405020304" pitchFamily="18" charset="0"/>
-                      </a:endParaRPr>
-                    </a:p>
-                  </a:txBody>
-                  <a:tcPr marL="68580" marR="68580" marT="0" marB="0" anchor="ctr"/>
-                </a:tc>
-                <a:extLst>
-                  <a:ext uri="{0D108BD9-81ED-4DB2-BD59-A6C34878D82A}">
-                    <a16:rowId xmlns:a16="http://schemas.microsoft.com/office/drawing/2014/main" val="3610124625"/>
-                  </a:ext>
-                </a:extLst>
-              </a:tr>
-              <a:tr h="196208">
-                <a:tc>
-                  <a:txBody>
-                    <a:bodyPr/>
-                    <a:lstStyle/>
-                    <a:p>
-                      <a:pPr algn="l" fontAlgn="b"/>
-                      <a:r>
-                        <a:rPr lang="en-GB" sz="1100" b="0" i="0" u="none" strike="noStrike" dirty="0" err="1">
-                          <a:solidFill>
-                            <a:srgbClr val="000000"/>
-                          </a:solidFill>
-                          <a:effectLst/>
-                          <a:latin typeface="Aptos Narrow" panose="020B0004020202020204" pitchFamily="34" charset="0"/>
-                        </a:rPr>
-                        <a:t>StockOptionLevel</a:t>
-                      </a:r>
-                      <a:endParaRPr lang="en-GB" sz="1100" b="0" i="0" u="none" strike="noStrike" dirty="0">
-                        <a:solidFill>
-                          <a:srgbClr val="000000"/>
-                        </a:solidFill>
-                        <a:effectLst/>
-                        <a:latin typeface="Aptos Narrow" panose="020B0004020202020204" pitchFamily="34" charset="0"/>
-                      </a:endParaRPr>
-                    </a:p>
-                  </a:txBody>
-                  <a:tcPr marL="7620" marR="7620" marT="7620" marB="0" anchor="b"/>
-                </a:tc>
-                <a:tc>
-                  <a:txBody>
-                    <a:bodyPr/>
-                    <a:lstStyle/>
-                    <a:p>
-                      <a:pPr>
-                        <a:lnSpc>
-                          <a:spcPct val="107000"/>
-                        </a:lnSpc>
-                        <a:spcAft>
-                          <a:spcPts val="800"/>
-                        </a:spcAft>
-                      </a:pPr>
-                      <a:endParaRPr lang="en-GB" sz="1100" kern="100">
-                        <a:effectLst/>
-                        <a:latin typeface="Aptos" panose="020B0004020202020204" pitchFamily="34" charset="0"/>
-                        <a:ea typeface="Aptos" panose="020B0004020202020204" pitchFamily="34" charset="0"/>
-                        <a:cs typeface="Times New Roman" panose="02020603050405020304" pitchFamily="18" charset="0"/>
-                      </a:endParaRPr>
-                    </a:p>
-                  </a:txBody>
-                  <a:tcPr marL="68580" marR="68580" marT="0" marB="0" anchor="ctr"/>
-                </a:tc>
-                <a:extLst>
-                  <a:ext uri="{0D108BD9-81ED-4DB2-BD59-A6C34878D82A}">
-                    <a16:rowId xmlns:a16="http://schemas.microsoft.com/office/drawing/2014/main" val="2510255621"/>
-                  </a:ext>
-                </a:extLst>
-              </a:tr>
-              <a:tr h="196208">
-                <a:tc>
-                  <a:txBody>
-                    <a:bodyPr/>
-                    <a:lstStyle/>
-                    <a:p>
-                      <a:pPr algn="l" fontAlgn="b"/>
-                      <a:r>
-                        <a:rPr lang="en-GB" sz="1100" b="0" i="0" u="none" strike="noStrike" dirty="0" err="1">
-                          <a:solidFill>
-                            <a:srgbClr val="000000"/>
-                          </a:solidFill>
-                          <a:effectLst/>
-                          <a:latin typeface="Aptos Narrow" panose="020B0004020202020204" pitchFamily="34" charset="0"/>
-                        </a:rPr>
-                        <a:t>TotalWorkingYears</a:t>
-                      </a:r>
-                      <a:endParaRPr lang="en-GB" sz="1100" b="0" i="0" u="none" strike="noStrike" dirty="0">
-                        <a:solidFill>
-                          <a:srgbClr val="000000"/>
-                        </a:solidFill>
-                        <a:effectLst/>
-                        <a:latin typeface="Aptos Narrow" panose="020B0004020202020204" pitchFamily="34" charset="0"/>
-                      </a:endParaRPr>
-                    </a:p>
-                  </a:txBody>
-                  <a:tcPr marL="7620" marR="7620" marT="7620" marB="0" anchor="b"/>
-                </a:tc>
-                <a:tc>
-                  <a:txBody>
-                    <a:bodyPr/>
-                    <a:lstStyle/>
-                    <a:p>
-                      <a:pPr>
-                        <a:lnSpc>
-                          <a:spcPct val="107000"/>
-                        </a:lnSpc>
-                        <a:spcAft>
-                          <a:spcPts val="800"/>
-                        </a:spcAft>
-                      </a:pPr>
-                      <a:endParaRPr lang="en-GB" sz="1100" kern="100">
-                        <a:effectLst/>
-                        <a:latin typeface="Aptos" panose="020B0004020202020204" pitchFamily="34" charset="0"/>
-                        <a:ea typeface="Aptos" panose="020B0004020202020204" pitchFamily="34" charset="0"/>
-                        <a:cs typeface="Times New Roman" panose="02020603050405020304" pitchFamily="18" charset="0"/>
-                      </a:endParaRPr>
-                    </a:p>
-                  </a:txBody>
-                  <a:tcPr marL="68580" marR="68580" marT="0" marB="0" anchor="ctr"/>
-                </a:tc>
-                <a:extLst>
-                  <a:ext uri="{0D108BD9-81ED-4DB2-BD59-A6C34878D82A}">
-                    <a16:rowId xmlns:a16="http://schemas.microsoft.com/office/drawing/2014/main" val="4090915272"/>
-                  </a:ext>
-                </a:extLst>
-              </a:tr>
-              <a:tr h="196208">
-                <a:tc>
-                  <a:txBody>
-                    <a:bodyPr/>
-                    <a:lstStyle/>
-                    <a:p>
-                      <a:pPr algn="l" fontAlgn="b"/>
-                      <a:r>
-                        <a:rPr lang="en-GB" sz="1100" b="0" i="0" u="none" strike="noStrike" dirty="0" err="1">
-                          <a:solidFill>
-                            <a:srgbClr val="000000"/>
-                          </a:solidFill>
-                          <a:effectLst/>
-                          <a:latin typeface="Aptos Narrow" panose="020B0004020202020204" pitchFamily="34" charset="0"/>
-                        </a:rPr>
-                        <a:t>TrainingTimesLastYear</a:t>
-                      </a:r>
-                      <a:endParaRPr lang="en-GB" sz="1100" b="0" i="0" u="none" strike="noStrike" dirty="0">
-                        <a:solidFill>
-                          <a:srgbClr val="000000"/>
-                        </a:solidFill>
-                        <a:effectLst/>
-                        <a:latin typeface="Aptos Narrow" panose="020B0004020202020204" pitchFamily="34" charset="0"/>
-                      </a:endParaRPr>
-                    </a:p>
-                  </a:txBody>
-                  <a:tcPr marL="7620" marR="7620" marT="7620" marB="0" anchor="b"/>
-                </a:tc>
-                <a:tc>
-                  <a:txBody>
-                    <a:bodyPr/>
-                    <a:lstStyle/>
-                    <a:p>
-                      <a:pPr>
-                        <a:lnSpc>
-                          <a:spcPct val="107000"/>
-                        </a:lnSpc>
-                        <a:spcAft>
-                          <a:spcPts val="800"/>
-                        </a:spcAft>
-                      </a:pPr>
-                      <a:endParaRPr lang="en-GB" sz="1100" kern="100">
-                        <a:effectLst/>
-                        <a:latin typeface="Aptos" panose="020B0004020202020204" pitchFamily="34" charset="0"/>
-                        <a:ea typeface="Aptos" panose="020B0004020202020204" pitchFamily="34" charset="0"/>
-                        <a:cs typeface="Times New Roman" panose="02020603050405020304" pitchFamily="18" charset="0"/>
-                      </a:endParaRPr>
-                    </a:p>
-                  </a:txBody>
-                  <a:tcPr marL="68580" marR="68580" marT="0" marB="0" anchor="ctr"/>
-                </a:tc>
-                <a:extLst>
-                  <a:ext uri="{0D108BD9-81ED-4DB2-BD59-A6C34878D82A}">
-                    <a16:rowId xmlns:a16="http://schemas.microsoft.com/office/drawing/2014/main" val="295076994"/>
-                  </a:ext>
-                </a:extLst>
-              </a:tr>
-              <a:tr h="196208">
-                <a:tc>
-                  <a:txBody>
-                    <a:bodyPr/>
-                    <a:lstStyle/>
-                    <a:p>
-                      <a:pPr algn="l" fontAlgn="b"/>
-                      <a:r>
-                        <a:rPr lang="en-GB" sz="1100" b="0" i="0" u="none" strike="noStrike" dirty="0" err="1">
-                          <a:solidFill>
-                            <a:srgbClr val="000000"/>
-                          </a:solidFill>
-                          <a:effectLst/>
-                          <a:latin typeface="Aptos Narrow" panose="020B0004020202020204" pitchFamily="34" charset="0"/>
-                        </a:rPr>
-                        <a:t>WorkLifeBalance</a:t>
-                      </a:r>
-                      <a:endParaRPr lang="en-GB" sz="1100" b="0" i="0" u="none" strike="noStrike" dirty="0">
-                        <a:solidFill>
-                          <a:srgbClr val="000000"/>
-                        </a:solidFill>
-                        <a:effectLst/>
-                        <a:latin typeface="Aptos Narrow" panose="020B0004020202020204" pitchFamily="34" charset="0"/>
-                      </a:endParaRPr>
-                    </a:p>
-                  </a:txBody>
-                  <a:tcPr marL="7620" marR="7620" marT="7620" marB="0" anchor="b"/>
-                </a:tc>
-                <a:tc>
-                  <a:txBody>
-                    <a:bodyPr/>
-                    <a:lstStyle/>
-                    <a:p>
-                      <a:pPr>
-                        <a:lnSpc>
-                          <a:spcPct val="107000"/>
-                        </a:lnSpc>
-                        <a:spcAft>
-                          <a:spcPts val="800"/>
-                        </a:spcAft>
-                      </a:pPr>
-                      <a:endParaRPr lang="en-GB" sz="1100" kern="100">
-                        <a:effectLst/>
-                        <a:latin typeface="Aptos" panose="020B0004020202020204" pitchFamily="34" charset="0"/>
-                        <a:ea typeface="Aptos" panose="020B0004020202020204" pitchFamily="34" charset="0"/>
-                        <a:cs typeface="Times New Roman" panose="02020603050405020304" pitchFamily="18" charset="0"/>
-                      </a:endParaRPr>
-                    </a:p>
-                  </a:txBody>
-                  <a:tcPr marL="68580" marR="68580" marT="0" marB="0" anchor="ctr"/>
-                </a:tc>
-                <a:extLst>
-                  <a:ext uri="{0D108BD9-81ED-4DB2-BD59-A6C34878D82A}">
-                    <a16:rowId xmlns:a16="http://schemas.microsoft.com/office/drawing/2014/main" val="3163141562"/>
-                  </a:ext>
-                </a:extLst>
-              </a:tr>
-              <a:tr h="196208">
-                <a:tc>
-                  <a:txBody>
-                    <a:bodyPr/>
-                    <a:lstStyle/>
-                    <a:p>
-                      <a:pPr marL="0" marR="0" lvl="0" indent="0" algn="l" defTabSz="914400" rtl="0" eaLnBrk="1" fontAlgn="b" latinLnBrk="0" hangingPunct="1">
-                        <a:lnSpc>
-                          <a:spcPct val="100000"/>
-                        </a:lnSpc>
-                        <a:spcBef>
-                          <a:spcPts val="0"/>
-                        </a:spcBef>
-                        <a:spcAft>
-                          <a:spcPts val="0"/>
-                        </a:spcAft>
-                        <a:buClrTx/>
-                        <a:buSzTx/>
-                        <a:buFontTx/>
-                        <a:buNone/>
-                        <a:tabLst/>
-                        <a:defRPr/>
-                      </a:pPr>
-                      <a:r>
-                        <a:rPr lang="en-GB" sz="1100" b="0" i="0" u="none" strike="noStrike" dirty="0" err="1">
-                          <a:solidFill>
-                            <a:srgbClr val="000000"/>
-                          </a:solidFill>
-                          <a:effectLst/>
-                          <a:latin typeface="Aptos Narrow" panose="020B0004020202020204" pitchFamily="34" charset="0"/>
-                        </a:rPr>
-                        <a:t>YearsAtCompany</a:t>
-                      </a:r>
-                      <a:r>
-                        <a:rPr lang="en-GB" sz="1100" b="0" i="0" u="none" strike="noStrike" dirty="0">
-                          <a:solidFill>
-                            <a:srgbClr val="000000"/>
-                          </a:solidFill>
-                          <a:effectLst/>
-                          <a:latin typeface="Aptos Narrow" panose="020B0004020202020204" pitchFamily="34" charset="0"/>
-                        </a:rPr>
-                        <a:t>, </a:t>
-                      </a:r>
-                      <a:r>
-                        <a:rPr lang="en-GB" sz="1100" b="0" i="0" u="none" strike="noStrike" dirty="0" err="1">
-                          <a:solidFill>
-                            <a:srgbClr val="000000"/>
-                          </a:solidFill>
-                          <a:effectLst/>
-                          <a:latin typeface="Aptos Narrow" panose="020B0004020202020204" pitchFamily="34" charset="0"/>
-                        </a:rPr>
-                        <a:t>YearsInCurrentRole</a:t>
-                      </a:r>
-                      <a:r>
-                        <a:rPr lang="en-GB" sz="1100" b="0" i="0" u="none" strike="noStrike" dirty="0">
-                          <a:solidFill>
-                            <a:srgbClr val="000000"/>
-                          </a:solidFill>
-                          <a:effectLst/>
-                          <a:latin typeface="Aptos Narrow" panose="020B0004020202020204" pitchFamily="34" charset="0"/>
-                        </a:rPr>
-                        <a:t>, </a:t>
-                      </a:r>
-                      <a:r>
-                        <a:rPr lang="en-GB" sz="1100" b="0" i="0" u="none" strike="noStrike" dirty="0" err="1">
-                          <a:solidFill>
-                            <a:srgbClr val="000000"/>
-                          </a:solidFill>
-                          <a:effectLst/>
-                          <a:latin typeface="Aptos Narrow" panose="020B0004020202020204" pitchFamily="34" charset="0"/>
-                        </a:rPr>
-                        <a:t>YearsSinceLastPromotion</a:t>
-                      </a:r>
-                      <a:endParaRPr lang="en-GB" sz="1100" b="0" i="0" u="none" strike="noStrike" dirty="0">
-                        <a:solidFill>
-                          <a:srgbClr val="000000"/>
-                        </a:solidFill>
-                        <a:effectLst/>
-                        <a:latin typeface="Aptos Narrow" panose="020B0004020202020204" pitchFamily="34" charset="0"/>
-                      </a:endParaRPr>
-                    </a:p>
-                  </a:txBody>
-                  <a:tcPr marL="7620" marR="7620" marT="7620" marB="0" anchor="b"/>
-                </a:tc>
-                <a:tc>
-                  <a:txBody>
-                    <a:bodyPr/>
-                    <a:lstStyle/>
-                    <a:p>
-                      <a:pPr>
-                        <a:lnSpc>
-                          <a:spcPct val="107000"/>
-                        </a:lnSpc>
-                        <a:spcAft>
-                          <a:spcPts val="800"/>
-                        </a:spcAft>
-                      </a:pPr>
-                      <a:endParaRPr lang="en-GB" sz="1100" kern="100">
-                        <a:effectLst/>
-                        <a:latin typeface="Aptos" panose="020B0004020202020204" pitchFamily="34" charset="0"/>
-                        <a:ea typeface="Aptos" panose="020B0004020202020204" pitchFamily="34" charset="0"/>
-                        <a:cs typeface="Times New Roman" panose="02020603050405020304" pitchFamily="18" charset="0"/>
-                      </a:endParaRPr>
-                    </a:p>
-                  </a:txBody>
-                  <a:tcPr marL="68580" marR="68580" marT="0" marB="0" anchor="ctr"/>
-                </a:tc>
-                <a:extLst>
-                  <a:ext uri="{0D108BD9-81ED-4DB2-BD59-A6C34878D82A}">
-                    <a16:rowId xmlns:a16="http://schemas.microsoft.com/office/drawing/2014/main" val="2262449285"/>
-                  </a:ext>
-                </a:extLst>
-              </a:tr>
-              <a:tr h="196208">
-                <a:tc>
-                  <a:txBody>
-                    <a:bodyPr/>
-                    <a:lstStyle/>
-                    <a:p>
-                      <a:pPr algn="l" fontAlgn="b"/>
-                      <a:r>
-                        <a:rPr lang="en-GB" sz="1100" b="0" i="0" u="none" strike="noStrike" dirty="0" err="1">
-                          <a:solidFill>
-                            <a:srgbClr val="000000"/>
-                          </a:solidFill>
-                          <a:effectLst/>
-                          <a:latin typeface="Aptos Narrow" panose="020B0004020202020204" pitchFamily="34" charset="0"/>
-                        </a:rPr>
-                        <a:t>YearsWithCurrManager</a:t>
-                      </a:r>
-                      <a:endParaRPr lang="en-GB" sz="1100" b="0" i="0" u="none" strike="noStrike" dirty="0">
-                        <a:solidFill>
-                          <a:srgbClr val="000000"/>
-                        </a:solidFill>
-                        <a:effectLst/>
-                        <a:latin typeface="Aptos Narrow" panose="020B0004020202020204" pitchFamily="34" charset="0"/>
-                      </a:endParaRPr>
-                    </a:p>
-                  </a:txBody>
-                  <a:tcPr marL="7620" marR="7620" marT="7620" marB="0" anchor="b"/>
-                </a:tc>
-                <a:tc>
-                  <a:txBody>
-                    <a:bodyPr/>
-                    <a:lstStyle/>
-                    <a:p>
-                      <a:pPr>
-                        <a:lnSpc>
-                          <a:spcPct val="107000"/>
-                        </a:lnSpc>
-                        <a:spcAft>
-                          <a:spcPts val="800"/>
-                        </a:spcAft>
-                      </a:pPr>
-                      <a:endParaRPr lang="en-GB" sz="1100" kern="100" dirty="0">
-                        <a:effectLst/>
-                        <a:latin typeface="Aptos" panose="020B0004020202020204" pitchFamily="34" charset="0"/>
-                        <a:ea typeface="Aptos" panose="020B0004020202020204" pitchFamily="34" charset="0"/>
-                        <a:cs typeface="Times New Roman" panose="02020603050405020304" pitchFamily="18" charset="0"/>
-                      </a:endParaRPr>
-                    </a:p>
-                  </a:txBody>
-                  <a:tcPr marL="68580" marR="68580" marT="0" marB="0" anchor="ctr"/>
-                </a:tc>
-                <a:extLst>
-                  <a:ext uri="{0D108BD9-81ED-4DB2-BD59-A6C34878D82A}">
-                    <a16:rowId xmlns:a16="http://schemas.microsoft.com/office/drawing/2014/main" val="3480496261"/>
+                    <a16:rowId xmlns:a16="http://schemas.microsoft.com/office/drawing/2014/main" val="1689534138"/>
                   </a:ext>
                 </a:extLst>
               </a:tr>

--- a/Employee Attrition Prediction Presentation.pptx
+++ b/Employee Attrition Prediction Presentation.pptx
@@ -17,10 +17,22 @@
     <p:sldId id="280" r:id="rId11"/>
     <p:sldId id="281" r:id="rId12"/>
     <p:sldId id="282" r:id="rId13"/>
-    <p:sldId id="260" r:id="rId14"/>
+    <p:sldId id="283" r:id="rId14"/>
     <p:sldId id="270" r:id="rId15"/>
-    <p:sldId id="271" r:id="rId16"/>
-    <p:sldId id="264" r:id="rId17"/>
+    <p:sldId id="284" r:id="rId16"/>
+    <p:sldId id="271" r:id="rId17"/>
+    <p:sldId id="285" r:id="rId18"/>
+    <p:sldId id="286" r:id="rId19"/>
+    <p:sldId id="295" r:id="rId20"/>
+    <p:sldId id="287" r:id="rId21"/>
+    <p:sldId id="294" r:id="rId22"/>
+    <p:sldId id="288" r:id="rId23"/>
+    <p:sldId id="293" r:id="rId24"/>
+    <p:sldId id="289" r:id="rId25"/>
+    <p:sldId id="292" r:id="rId26"/>
+    <p:sldId id="290" r:id="rId27"/>
+    <p:sldId id="291" r:id="rId28"/>
+    <p:sldId id="264" r:id="rId29"/>
   </p:sldIdLst>
   <p:sldSz cx="12192000" cy="6858000"/>
   <p:notesSz cx="6858000" cy="9144000"/>
@@ -187,7 +199,7 @@
           <a:noFill/>
           <a:extLst>
             <a:ext uri="{909E8E84-426E-40dd-AFC4-6F175D3DCCD1}">
-              <a14:hiddenFill xmlns="" xmlns:a14="http://schemas.microsoft.com/office/drawing/2010/main">
+              <a14:hiddenFill xmlns:a14="http://schemas.microsoft.com/office/drawing/2010/main" xmlns="">
                 <a:solidFill>
                   <a:srgbClr val="FFFFFF"/>
                 </a:solidFill>
@@ -247,7 +259,7 @@
             </a:ln>
             <a:extLst>
               <a:ext uri="{91240B29-F687-4f45-9708-019B960494DF}">
-                <a14:hiddenLine xmlns="" xmlns:a14="http://schemas.microsoft.com/office/drawing/2010/main" w="9525">
+                <a14:hiddenLine xmlns:a14="http://schemas.microsoft.com/office/drawing/2010/main" xmlns="" w="9525">
                   <a:solidFill>
                     <a:srgbClr val="000000"/>
                   </a:solidFill>
@@ -337,7 +349,7 @@
             </a:ln>
             <a:extLst>
               <a:ext uri="{91240B29-F687-4f45-9708-019B960494DF}">
-                <a14:hiddenLine xmlns="" xmlns:a14="http://schemas.microsoft.com/office/drawing/2010/main" w="9525">
+                <a14:hiddenLine xmlns:a14="http://schemas.microsoft.com/office/drawing/2010/main" xmlns="" w="9525">
                   <a:solidFill>
                     <a:srgbClr val="000000"/>
                   </a:solidFill>
@@ -427,7 +439,7 @@
             </a:ln>
             <a:extLst>
               <a:ext uri="{91240B29-F687-4f45-9708-019B960494DF}">
-                <a14:hiddenLine xmlns="" xmlns:a14="http://schemas.microsoft.com/office/drawing/2010/main" w="9525">
+                <a14:hiddenLine xmlns:a14="http://schemas.microsoft.com/office/drawing/2010/main" xmlns="" w="9525">
                   <a:solidFill>
                     <a:srgbClr val="000000"/>
                   </a:solidFill>
@@ -461,7 +473,7 @@
             </a:ln>
             <a:extLst>
               <a:ext uri="{91240B29-F687-4f45-9708-019B960494DF}">
-                <a14:hiddenLine xmlns="" xmlns:a14="http://schemas.microsoft.com/office/drawing/2010/main" w="9525">
+                <a14:hiddenLine xmlns:a14="http://schemas.microsoft.com/office/drawing/2010/main" xmlns="" w="9525">
                   <a:solidFill>
                     <a:srgbClr val="000000"/>
                   </a:solidFill>
@@ -551,7 +563,7 @@
             </a:ln>
             <a:extLst>
               <a:ext uri="{91240B29-F687-4f45-9708-019B960494DF}">
-                <a14:hiddenLine xmlns="" xmlns:a14="http://schemas.microsoft.com/office/drawing/2010/main" w="9525">
+                <a14:hiddenLine xmlns:a14="http://schemas.microsoft.com/office/drawing/2010/main" xmlns="" w="9525">
                   <a:solidFill>
                     <a:srgbClr val="000000"/>
                   </a:solidFill>
@@ -613,7 +625,7 @@
             </a:ln>
             <a:extLst>
               <a:ext uri="{91240B29-F687-4f45-9708-019B960494DF}">
-                <a14:hiddenLine xmlns="" xmlns:a14="http://schemas.microsoft.com/office/drawing/2010/main" w="9525">
+                <a14:hiddenLine xmlns:a14="http://schemas.microsoft.com/office/drawing/2010/main" xmlns="" w="9525">
                   <a:solidFill>
                     <a:srgbClr val="000000"/>
                   </a:solidFill>
@@ -675,7 +687,7 @@
             </a:ln>
             <a:extLst>
               <a:ext uri="{91240B29-F687-4f45-9708-019B960494DF}">
-                <a14:hiddenLine xmlns="" xmlns:a14="http://schemas.microsoft.com/office/drawing/2010/main" w="9525">
+                <a14:hiddenLine xmlns:a14="http://schemas.microsoft.com/office/drawing/2010/main" xmlns="" w="9525">
                   <a:solidFill>
                     <a:srgbClr val="000000"/>
                   </a:solidFill>
@@ -765,7 +777,7 @@
             </a:ln>
             <a:extLst>
               <a:ext uri="{91240B29-F687-4f45-9708-019B960494DF}">
-                <a14:hiddenLine xmlns="" xmlns:a14="http://schemas.microsoft.com/office/drawing/2010/main" w="9525">
+                <a14:hiddenLine xmlns:a14="http://schemas.microsoft.com/office/drawing/2010/main" xmlns="" w="9525">
                   <a:solidFill>
                     <a:srgbClr val="000000"/>
                   </a:solidFill>
@@ -827,7 +839,7 @@
             </a:ln>
             <a:extLst>
               <a:ext uri="{91240B29-F687-4f45-9708-019B960494DF}">
-                <a14:hiddenLine xmlns="" xmlns:a14="http://schemas.microsoft.com/office/drawing/2010/main" w="9525">
+                <a14:hiddenLine xmlns:a14="http://schemas.microsoft.com/office/drawing/2010/main" xmlns="" w="9525">
                   <a:solidFill>
                     <a:srgbClr val="000000"/>
                   </a:solidFill>
@@ -889,7 +901,7 @@
             </a:ln>
             <a:extLst>
               <a:ext uri="{91240B29-F687-4f45-9708-019B960494DF}">
-                <a14:hiddenLine xmlns="" xmlns:a14="http://schemas.microsoft.com/office/drawing/2010/main" w="9525">
+                <a14:hiddenLine xmlns:a14="http://schemas.microsoft.com/office/drawing/2010/main" xmlns="" w="9525">
                   <a:solidFill>
                     <a:srgbClr val="000000"/>
                   </a:solidFill>
@@ -979,7 +991,7 @@
             </a:ln>
             <a:extLst>
               <a:ext uri="{91240B29-F687-4f45-9708-019B960494DF}">
-                <a14:hiddenLine xmlns="" xmlns:a14="http://schemas.microsoft.com/office/drawing/2010/main" w="9525">
+                <a14:hiddenLine xmlns:a14="http://schemas.microsoft.com/office/drawing/2010/main" xmlns="" w="9525">
                   <a:solidFill>
                     <a:srgbClr val="000000"/>
                   </a:solidFill>
@@ -1069,7 +1081,7 @@
             </a:ln>
             <a:extLst>
               <a:ext uri="{91240B29-F687-4f45-9708-019B960494DF}">
-                <a14:hiddenLine xmlns="" xmlns:a14="http://schemas.microsoft.com/office/drawing/2010/main" w="9525">
+                <a14:hiddenLine xmlns:a14="http://schemas.microsoft.com/office/drawing/2010/main" xmlns="" w="9525">
                   <a:solidFill>
                     <a:srgbClr val="000000"/>
                   </a:solidFill>
@@ -1131,7 +1143,7 @@
             </a:ln>
             <a:extLst>
               <a:ext uri="{91240B29-F687-4f45-9708-019B960494DF}">
-                <a14:hiddenLine xmlns="" xmlns:a14="http://schemas.microsoft.com/office/drawing/2010/main" w="9525">
+                <a14:hiddenLine xmlns:a14="http://schemas.microsoft.com/office/drawing/2010/main" xmlns="" w="9525">
                   <a:solidFill>
                     <a:srgbClr val="000000"/>
                   </a:solidFill>
@@ -1241,7 +1253,7 @@
             </a:ln>
             <a:extLst>
               <a:ext uri="{91240B29-F687-4f45-9708-019B960494DF}">
-                <a14:hiddenLine xmlns="" xmlns:a14="http://schemas.microsoft.com/office/drawing/2010/main" w="9525">
+                <a14:hiddenLine xmlns:a14="http://schemas.microsoft.com/office/drawing/2010/main" xmlns="" w="9525">
                   <a:solidFill>
                     <a:srgbClr val="000000"/>
                   </a:solidFill>
@@ -1303,7 +1315,7 @@
             </a:ln>
             <a:extLst>
               <a:ext uri="{91240B29-F687-4f45-9708-019B960494DF}">
-                <a14:hiddenLine xmlns="" xmlns:a14="http://schemas.microsoft.com/office/drawing/2010/main" w="9525">
+                <a14:hiddenLine xmlns:a14="http://schemas.microsoft.com/office/drawing/2010/main" xmlns="" w="9525">
                   <a:solidFill>
                     <a:srgbClr val="000000"/>
                   </a:solidFill>
@@ -1393,7 +1405,7 @@
             </a:ln>
             <a:extLst>
               <a:ext uri="{91240B29-F687-4f45-9708-019B960494DF}">
-                <a14:hiddenLine xmlns="" xmlns:a14="http://schemas.microsoft.com/office/drawing/2010/main" w="9525">
+                <a14:hiddenLine xmlns:a14="http://schemas.microsoft.com/office/drawing/2010/main" xmlns="" w="9525">
                   <a:solidFill>
                     <a:srgbClr val="000000"/>
                   </a:solidFill>
@@ -1483,7 +1495,7 @@
             </a:ln>
             <a:extLst>
               <a:ext uri="{91240B29-F687-4f45-9708-019B960494DF}">
-                <a14:hiddenLine xmlns="" xmlns:a14="http://schemas.microsoft.com/office/drawing/2010/main" w="9525">
+                <a14:hiddenLine xmlns:a14="http://schemas.microsoft.com/office/drawing/2010/main" xmlns="" w="9525">
                   <a:solidFill>
                     <a:srgbClr val="000000"/>
                   </a:solidFill>
@@ -1545,7 +1557,7 @@
             </a:ln>
             <a:extLst>
               <a:ext uri="{91240B29-F687-4f45-9708-019B960494DF}">
-                <a14:hiddenLine xmlns="" xmlns:a14="http://schemas.microsoft.com/office/drawing/2010/main" w="9525">
+                <a14:hiddenLine xmlns:a14="http://schemas.microsoft.com/office/drawing/2010/main" xmlns="" w="9525">
                   <a:solidFill>
                     <a:srgbClr val="000000"/>
                   </a:solidFill>
@@ -1635,7 +1647,7 @@
             </a:ln>
             <a:extLst>
               <a:ext uri="{91240B29-F687-4f45-9708-019B960494DF}">
-                <a14:hiddenLine xmlns="" xmlns:a14="http://schemas.microsoft.com/office/drawing/2010/main" w="9525">
+                <a14:hiddenLine xmlns:a14="http://schemas.microsoft.com/office/drawing/2010/main" xmlns="" w="9525">
                   <a:solidFill>
                     <a:srgbClr val="000000"/>
                   </a:solidFill>
@@ -1725,7 +1737,7 @@
             </a:ln>
             <a:extLst>
               <a:ext uri="{91240B29-F687-4f45-9708-019B960494DF}">
-                <a14:hiddenLine xmlns="" xmlns:a14="http://schemas.microsoft.com/office/drawing/2010/main" w="9525">
+                <a14:hiddenLine xmlns:a14="http://schemas.microsoft.com/office/drawing/2010/main" xmlns="" w="9525">
                   <a:solidFill>
                     <a:srgbClr val="000000"/>
                   </a:solidFill>
@@ -1781,7 +1793,7 @@
             </a:ln>
             <a:extLst>
               <a:ext uri="{91240B29-F687-4f45-9708-019B960494DF}">
-                <a14:hiddenLine xmlns="" xmlns:a14="http://schemas.microsoft.com/office/drawing/2010/main" w="9525">
+                <a14:hiddenLine xmlns:a14="http://schemas.microsoft.com/office/drawing/2010/main" xmlns="" w="9525">
                   <a:solidFill>
                     <a:srgbClr val="000000"/>
                   </a:solidFill>
@@ -1871,7 +1883,7 @@
             </a:ln>
             <a:extLst>
               <a:ext uri="{91240B29-F687-4f45-9708-019B960494DF}">
-                <a14:hiddenLine xmlns="" xmlns:a14="http://schemas.microsoft.com/office/drawing/2010/main" w="9525">
+                <a14:hiddenLine xmlns:a14="http://schemas.microsoft.com/office/drawing/2010/main" xmlns="" w="9525">
                   <a:solidFill>
                     <a:srgbClr val="000000"/>
                   </a:solidFill>
@@ -1927,7 +1939,7 @@
             </a:ln>
             <a:extLst>
               <a:ext uri="{91240B29-F687-4f45-9708-019B960494DF}">
-                <a14:hiddenLine xmlns="" xmlns:a14="http://schemas.microsoft.com/office/drawing/2010/main" w="9525">
+                <a14:hiddenLine xmlns:a14="http://schemas.microsoft.com/office/drawing/2010/main" xmlns="" w="9525">
                   <a:solidFill>
                     <a:srgbClr val="000000"/>
                   </a:solidFill>
@@ -2017,7 +2029,7 @@
             </a:ln>
             <a:extLst>
               <a:ext uri="{91240B29-F687-4f45-9708-019B960494DF}">
-                <a14:hiddenLine xmlns="" xmlns:a14="http://schemas.microsoft.com/office/drawing/2010/main" w="9525">
+                <a14:hiddenLine xmlns:a14="http://schemas.microsoft.com/office/drawing/2010/main" xmlns="" w="9525">
                   <a:solidFill>
                     <a:srgbClr val="000000"/>
                   </a:solidFill>
@@ -2085,7 +2097,7 @@
             </a:ln>
             <a:extLst>
               <a:ext uri="{91240B29-F687-4f45-9708-019B960494DF}">
-                <a14:hiddenLine xmlns="" xmlns:a14="http://schemas.microsoft.com/office/drawing/2010/main" w="9525">
+                <a14:hiddenLine xmlns:a14="http://schemas.microsoft.com/office/drawing/2010/main" xmlns="" w="9525">
                   <a:solidFill>
                     <a:srgbClr val="000000"/>
                   </a:solidFill>
@@ -2175,7 +2187,7 @@
             </a:ln>
             <a:extLst>
               <a:ext uri="{91240B29-F687-4f45-9708-019B960494DF}">
-                <a14:hiddenLine xmlns="" xmlns:a14="http://schemas.microsoft.com/office/drawing/2010/main" w="9525">
+                <a14:hiddenLine xmlns:a14="http://schemas.microsoft.com/office/drawing/2010/main" xmlns="" w="9525">
                   <a:solidFill>
                     <a:srgbClr val="000000"/>
                   </a:solidFill>
@@ -2243,7 +2255,7 @@
             </a:ln>
             <a:extLst>
               <a:ext uri="{91240B29-F687-4f45-9708-019B960494DF}">
-                <a14:hiddenLine xmlns="" xmlns:a14="http://schemas.microsoft.com/office/drawing/2010/main" w="9525">
+                <a14:hiddenLine xmlns:a14="http://schemas.microsoft.com/office/drawing/2010/main" xmlns="" w="9525">
                   <a:solidFill>
                     <a:srgbClr val="000000"/>
                   </a:solidFill>
@@ -2333,7 +2345,7 @@
             </a:ln>
             <a:extLst>
               <a:ext uri="{91240B29-F687-4f45-9708-019B960494DF}">
-                <a14:hiddenLine xmlns="" xmlns:a14="http://schemas.microsoft.com/office/drawing/2010/main" w="9525">
+                <a14:hiddenLine xmlns:a14="http://schemas.microsoft.com/office/drawing/2010/main" xmlns="" w="9525">
                   <a:solidFill>
                     <a:srgbClr val="000000"/>
                   </a:solidFill>
@@ -2367,7 +2379,7 @@
             </a:ln>
             <a:extLst>
               <a:ext uri="{91240B29-F687-4f45-9708-019B960494DF}">
-                <a14:hiddenLine xmlns="" xmlns:a14="http://schemas.microsoft.com/office/drawing/2010/main" w="9525">
+                <a14:hiddenLine xmlns:a14="http://schemas.microsoft.com/office/drawing/2010/main" xmlns="" w="9525">
                   <a:solidFill>
                     <a:srgbClr val="000000"/>
                   </a:solidFill>
@@ -2457,7 +2469,7 @@
             </a:ln>
             <a:extLst>
               <a:ext uri="{91240B29-F687-4f45-9708-019B960494DF}">
-                <a14:hiddenLine xmlns="" xmlns:a14="http://schemas.microsoft.com/office/drawing/2010/main" w="9525">
+                <a14:hiddenLine xmlns:a14="http://schemas.microsoft.com/office/drawing/2010/main" xmlns="" w="9525">
                   <a:solidFill>
                     <a:srgbClr val="000000"/>
                   </a:solidFill>
@@ -2519,7 +2531,7 @@
             </a:ln>
             <a:extLst>
               <a:ext uri="{91240B29-F687-4f45-9708-019B960494DF}">
-                <a14:hiddenLine xmlns="" xmlns:a14="http://schemas.microsoft.com/office/drawing/2010/main" w="9525">
+                <a14:hiddenLine xmlns:a14="http://schemas.microsoft.com/office/drawing/2010/main" xmlns="" w="9525">
                   <a:solidFill>
                     <a:srgbClr val="000000"/>
                   </a:solidFill>
@@ -2581,7 +2593,7 @@
             </a:ln>
             <a:extLst>
               <a:ext uri="{91240B29-F687-4f45-9708-019B960494DF}">
-                <a14:hiddenLine xmlns="" xmlns:a14="http://schemas.microsoft.com/office/drawing/2010/main" w="9525">
+                <a14:hiddenLine xmlns:a14="http://schemas.microsoft.com/office/drawing/2010/main" xmlns="" w="9525">
                   <a:solidFill>
                     <a:srgbClr val="000000"/>
                   </a:solidFill>
@@ -2671,7 +2683,7 @@
             </a:ln>
             <a:extLst>
               <a:ext uri="{91240B29-F687-4f45-9708-019B960494DF}">
-                <a14:hiddenLine xmlns="" xmlns:a14="http://schemas.microsoft.com/office/drawing/2010/main" w="9525">
+                <a14:hiddenLine xmlns:a14="http://schemas.microsoft.com/office/drawing/2010/main" xmlns="" w="9525">
                   <a:solidFill>
                     <a:srgbClr val="000000"/>
                   </a:solidFill>
@@ -2739,7 +2751,7 @@
             </a:ln>
             <a:extLst>
               <a:ext uri="{91240B29-F687-4f45-9708-019B960494DF}">
-                <a14:hiddenLine xmlns="" xmlns:a14="http://schemas.microsoft.com/office/drawing/2010/main" w="9525">
+                <a14:hiddenLine xmlns:a14="http://schemas.microsoft.com/office/drawing/2010/main" xmlns="" w="9525">
                   <a:solidFill>
                     <a:srgbClr val="000000"/>
                   </a:solidFill>
@@ -2801,7 +2813,7 @@
             </a:ln>
             <a:extLst>
               <a:ext uri="{91240B29-F687-4f45-9708-019B960494DF}">
-                <a14:hiddenLine xmlns="" xmlns:a14="http://schemas.microsoft.com/office/drawing/2010/main" w="9525">
+                <a14:hiddenLine xmlns:a14="http://schemas.microsoft.com/office/drawing/2010/main" xmlns="" w="9525">
                   <a:solidFill>
                     <a:srgbClr val="000000"/>
                   </a:solidFill>
@@ -2891,7 +2903,7 @@
             </a:ln>
             <a:extLst>
               <a:ext uri="{91240B29-F687-4f45-9708-019B960494DF}">
-                <a14:hiddenLine xmlns="" xmlns:a14="http://schemas.microsoft.com/office/drawing/2010/main" w="9525">
+                <a14:hiddenLine xmlns:a14="http://schemas.microsoft.com/office/drawing/2010/main" xmlns="" w="9525">
                   <a:solidFill>
                     <a:srgbClr val="000000"/>
                   </a:solidFill>
@@ -2953,7 +2965,7 @@
             </a:ln>
             <a:extLst>
               <a:ext uri="{91240B29-F687-4f45-9708-019B960494DF}">
-                <a14:hiddenLine xmlns="" xmlns:a14="http://schemas.microsoft.com/office/drawing/2010/main" w="9525">
+                <a14:hiddenLine xmlns:a14="http://schemas.microsoft.com/office/drawing/2010/main" xmlns="" w="9525">
                   <a:solidFill>
                     <a:srgbClr val="000000"/>
                   </a:solidFill>
@@ -3043,7 +3055,7 @@
             </a:ln>
             <a:extLst>
               <a:ext uri="{91240B29-F687-4f45-9708-019B960494DF}">
-                <a14:hiddenLine xmlns="" xmlns:a14="http://schemas.microsoft.com/office/drawing/2010/main" w="9525">
+                <a14:hiddenLine xmlns:a14="http://schemas.microsoft.com/office/drawing/2010/main" xmlns="" w="9525">
                   <a:solidFill>
                     <a:srgbClr val="000000"/>
                   </a:solidFill>
@@ -3105,7 +3117,7 @@
             </a:ln>
             <a:extLst>
               <a:ext uri="{91240B29-F687-4f45-9708-019B960494DF}">
-                <a14:hiddenLine xmlns="" xmlns:a14="http://schemas.microsoft.com/office/drawing/2010/main" w="9525">
+                <a14:hiddenLine xmlns:a14="http://schemas.microsoft.com/office/drawing/2010/main" xmlns="" w="9525">
                   <a:solidFill>
                     <a:srgbClr val="000000"/>
                   </a:solidFill>
@@ -3195,7 +3207,7 @@
             </a:ln>
             <a:extLst>
               <a:ext uri="{91240B29-F687-4f45-9708-019B960494DF}">
-                <a14:hiddenLine xmlns="" xmlns:a14="http://schemas.microsoft.com/office/drawing/2010/main" w="9525">
+                <a14:hiddenLine xmlns:a14="http://schemas.microsoft.com/office/drawing/2010/main" xmlns="" w="9525">
                   <a:solidFill>
                     <a:srgbClr val="000000"/>
                   </a:solidFill>
@@ -3229,7 +3241,7 @@
             </a:ln>
             <a:extLst>
               <a:ext uri="{91240B29-F687-4f45-9708-019B960494DF}">
-                <a14:hiddenLine xmlns="" xmlns:a14="http://schemas.microsoft.com/office/drawing/2010/main" w="9525">
+                <a14:hiddenLine xmlns:a14="http://schemas.microsoft.com/office/drawing/2010/main" xmlns="" w="9525">
                   <a:solidFill>
                     <a:srgbClr val="000000"/>
                   </a:solidFill>
@@ -3294,7 +3306,7 @@
             </a:ln>
             <a:extLst>
               <a:ext uri="{91240B29-F687-4f45-9708-019B960494DF}">
-                <a14:hiddenLine xmlns="" xmlns:a14="http://schemas.microsoft.com/office/drawing/2010/main" w="9525">
+                <a14:hiddenLine xmlns:a14="http://schemas.microsoft.com/office/drawing/2010/main" xmlns="" w="9525">
                   <a:solidFill>
                     <a:srgbClr val="000000"/>
                   </a:solidFill>
@@ -3384,7 +3396,7 @@
             </a:ln>
             <a:extLst>
               <a:ext uri="{91240B29-F687-4f45-9708-019B960494DF}">
-                <a14:hiddenLine xmlns="" xmlns:a14="http://schemas.microsoft.com/office/drawing/2010/main" w="9525">
+                <a14:hiddenLine xmlns:a14="http://schemas.microsoft.com/office/drawing/2010/main" xmlns="" w="9525">
                   <a:solidFill>
                     <a:srgbClr val="000000"/>
                   </a:solidFill>
@@ -3446,7 +3458,7 @@
             </a:ln>
             <a:extLst>
               <a:ext uri="{91240B29-F687-4f45-9708-019B960494DF}">
-                <a14:hiddenLine xmlns="" xmlns:a14="http://schemas.microsoft.com/office/drawing/2010/main" w="9525">
+                <a14:hiddenLine xmlns:a14="http://schemas.microsoft.com/office/drawing/2010/main" xmlns="" w="9525">
                   <a:solidFill>
                     <a:srgbClr val="000000"/>
                   </a:solidFill>
@@ -3536,7 +3548,7 @@
             </a:ln>
             <a:extLst>
               <a:ext uri="{91240B29-F687-4f45-9708-019B960494DF}">
-                <a14:hiddenLine xmlns="" xmlns:a14="http://schemas.microsoft.com/office/drawing/2010/main" w="9525">
+                <a14:hiddenLine xmlns:a14="http://schemas.microsoft.com/office/drawing/2010/main" xmlns="" w="9525">
                   <a:solidFill>
                     <a:srgbClr val="000000"/>
                   </a:solidFill>
@@ -3626,7 +3638,7 @@
             </a:ln>
             <a:extLst>
               <a:ext uri="{91240B29-F687-4f45-9708-019B960494DF}">
-                <a14:hiddenLine xmlns="" xmlns:a14="http://schemas.microsoft.com/office/drawing/2010/main" w="9525">
+                <a14:hiddenLine xmlns:a14="http://schemas.microsoft.com/office/drawing/2010/main" xmlns="" w="9525">
                   <a:solidFill>
                     <a:srgbClr val="000000"/>
                   </a:solidFill>
@@ -3691,7 +3703,7 @@
             </a:ln>
             <a:extLst>
               <a:ext uri="{91240B29-F687-4f45-9708-019B960494DF}">
-                <a14:hiddenLine xmlns="" xmlns:a14="http://schemas.microsoft.com/office/drawing/2010/main" w="9525">
+                <a14:hiddenLine xmlns:a14="http://schemas.microsoft.com/office/drawing/2010/main" xmlns="" w="9525">
                   <a:solidFill>
                     <a:srgbClr val="000000"/>
                   </a:solidFill>
@@ -3753,7 +3765,7 @@
             </a:ln>
             <a:extLst>
               <a:ext uri="{91240B29-F687-4f45-9708-019B960494DF}">
-                <a14:hiddenLine xmlns="" xmlns:a14="http://schemas.microsoft.com/office/drawing/2010/main" w="9525">
+                <a14:hiddenLine xmlns:a14="http://schemas.microsoft.com/office/drawing/2010/main" xmlns="" w="9525">
                   <a:solidFill>
                     <a:srgbClr val="000000"/>
                   </a:solidFill>
@@ -3843,7 +3855,7 @@
             </a:ln>
             <a:extLst>
               <a:ext uri="{91240B29-F687-4f45-9708-019B960494DF}">
-                <a14:hiddenLine xmlns="" xmlns:a14="http://schemas.microsoft.com/office/drawing/2010/main" w="9525">
+                <a14:hiddenLine xmlns:a14="http://schemas.microsoft.com/office/drawing/2010/main" xmlns="" w="9525">
                   <a:solidFill>
                     <a:srgbClr val="000000"/>
                   </a:solidFill>
@@ -3933,7 +3945,7 @@
             </a:ln>
             <a:extLst>
               <a:ext uri="{91240B29-F687-4f45-9708-019B960494DF}">
-                <a14:hiddenLine xmlns="" xmlns:a14="http://schemas.microsoft.com/office/drawing/2010/main" w="9525">
+                <a14:hiddenLine xmlns:a14="http://schemas.microsoft.com/office/drawing/2010/main" xmlns="" w="9525">
                   <a:solidFill>
                     <a:srgbClr val="000000"/>
                   </a:solidFill>
@@ -3995,7 +4007,7 @@
             </a:ln>
             <a:extLst>
               <a:ext uri="{91240B29-F687-4f45-9708-019B960494DF}">
-                <a14:hiddenLine xmlns="" xmlns:a14="http://schemas.microsoft.com/office/drawing/2010/main" w="9525">
+                <a14:hiddenLine xmlns:a14="http://schemas.microsoft.com/office/drawing/2010/main" xmlns="" w="9525">
                   <a:solidFill>
                     <a:srgbClr val="000000"/>
                   </a:solidFill>
@@ -4115,7 +4127,7 @@
             </a:ln>
             <a:extLst>
               <a:ext uri="{91240B29-F687-4f45-9708-019B960494DF}">
-                <a14:hiddenLine xmlns="" xmlns:a14="http://schemas.microsoft.com/office/drawing/2010/main" w="9525">
+                <a14:hiddenLine xmlns:a14="http://schemas.microsoft.com/office/drawing/2010/main" xmlns="" w="9525">
                   <a:solidFill>
                     <a:srgbClr val="000000"/>
                   </a:solidFill>
@@ -4183,7 +4195,7 @@
             </a:ln>
             <a:extLst>
               <a:ext uri="{91240B29-F687-4f45-9708-019B960494DF}">
-                <a14:hiddenLine xmlns="" xmlns:a14="http://schemas.microsoft.com/office/drawing/2010/main" w="9525">
+                <a14:hiddenLine xmlns:a14="http://schemas.microsoft.com/office/drawing/2010/main" xmlns="" w="9525">
                   <a:solidFill>
                     <a:srgbClr val="000000"/>
                   </a:solidFill>
@@ -4273,7 +4285,7 @@
             </a:ln>
             <a:extLst>
               <a:ext uri="{91240B29-F687-4f45-9708-019B960494DF}">
-                <a14:hiddenLine xmlns="" xmlns:a14="http://schemas.microsoft.com/office/drawing/2010/main" w="9525">
+                <a14:hiddenLine xmlns:a14="http://schemas.microsoft.com/office/drawing/2010/main" xmlns="" w="9525">
                   <a:solidFill>
                     <a:srgbClr val="000000"/>
                   </a:solidFill>
@@ -4413,7 +4425,7 @@
           <a:p>
             <a:fld id="{846CE7D5-CF57-46EF-B807-FDD0502418D4}" type="datetimeFigureOut">
               <a:rPr lang="en-US" smtClean="0"/>
-              <a:t>7/19/2024</a:t>
+              <a:t>7/20/2024</a:t>
             </a:fld>
             <a:endParaRPr lang="en-US"/>
           </a:p>
@@ -4680,7 +4692,7 @@
           <a:p>
             <a:fld id="{846CE7D5-CF57-46EF-B807-FDD0502418D4}" type="datetimeFigureOut">
               <a:rPr lang="en-US" smtClean="0"/>
-              <a:t>7/19/2024</a:t>
+              <a:t>7/20/2024</a:t>
             </a:fld>
             <a:endParaRPr lang="en-US"/>
           </a:p>
@@ -4876,7 +4888,7 @@
           <a:p>
             <a:fld id="{846CE7D5-CF57-46EF-B807-FDD0502418D4}" type="datetimeFigureOut">
               <a:rPr lang="en-US" smtClean="0"/>
-              <a:t>7/19/2024</a:t>
+              <a:t>7/20/2024</a:t>
             </a:fld>
             <a:endParaRPr lang="en-US"/>
           </a:p>
@@ -5139,7 +5151,7 @@
           <a:p>
             <a:fld id="{846CE7D5-CF57-46EF-B807-FDD0502418D4}" type="datetimeFigureOut">
               <a:rPr lang="en-US" smtClean="0"/>
-              <a:t>7/19/2024</a:t>
+              <a:t>7/20/2024</a:t>
             </a:fld>
             <a:endParaRPr lang="en-US"/>
           </a:p>
@@ -5573,7 +5585,7 @@
           <a:p>
             <a:fld id="{846CE7D5-CF57-46EF-B807-FDD0502418D4}" type="datetimeFigureOut">
               <a:rPr lang="en-US" smtClean="0"/>
-              <a:t>7/19/2024</a:t>
+              <a:t>7/20/2024</a:t>
             </a:fld>
             <a:endParaRPr lang="en-US"/>
           </a:p>
@@ -6119,7 +6131,7 @@
           <a:p>
             <a:fld id="{846CE7D5-CF57-46EF-B807-FDD0502418D4}" type="datetimeFigureOut">
               <a:rPr lang="en-US" smtClean="0"/>
-              <a:t>7/19/2024</a:t>
+              <a:t>7/20/2024</a:t>
             </a:fld>
             <a:endParaRPr lang="en-US"/>
           </a:p>
@@ -6839,7 +6851,7 @@
           <a:p>
             <a:fld id="{846CE7D5-CF57-46EF-B807-FDD0502418D4}" type="datetimeFigureOut">
               <a:rPr lang="en-US" smtClean="0"/>
-              <a:t>7/19/2024</a:t>
+              <a:t>7/20/2024</a:t>
             </a:fld>
             <a:endParaRPr lang="en-US"/>
           </a:p>
@@ -7009,7 +7021,7 @@
           <a:p>
             <a:fld id="{846CE7D5-CF57-46EF-B807-FDD0502418D4}" type="datetimeFigureOut">
               <a:rPr lang="en-US" smtClean="0"/>
-              <a:t>7/19/2024</a:t>
+              <a:t>7/20/2024</a:t>
             </a:fld>
             <a:endParaRPr lang="en-US"/>
           </a:p>
@@ -7189,7 +7201,7 @@
           <a:p>
             <a:fld id="{846CE7D5-CF57-46EF-B807-FDD0502418D4}" type="datetimeFigureOut">
               <a:rPr lang="en-US" smtClean="0"/>
-              <a:t>7/19/2024</a:t>
+              <a:t>7/20/2024</a:t>
             </a:fld>
             <a:endParaRPr lang="en-US"/>
           </a:p>
@@ -7359,7 +7371,7 @@
           <a:p>
             <a:fld id="{846CE7D5-CF57-46EF-B807-FDD0502418D4}" type="datetimeFigureOut">
               <a:rPr lang="en-US" smtClean="0"/>
-              <a:t>7/19/2024</a:t>
+              <a:t>7/20/2024</a:t>
             </a:fld>
             <a:endParaRPr lang="en-US"/>
           </a:p>
@@ -7609,7 +7621,7 @@
           <a:p>
             <a:fld id="{846CE7D5-CF57-46EF-B807-FDD0502418D4}" type="datetimeFigureOut">
               <a:rPr lang="en-US" smtClean="0"/>
-              <a:t>7/19/2024</a:t>
+              <a:t>7/20/2024</a:t>
             </a:fld>
             <a:endParaRPr lang="en-US"/>
           </a:p>
@@ -7841,7 +7853,7 @@
           <a:p>
             <a:fld id="{846CE7D5-CF57-46EF-B807-FDD0502418D4}" type="datetimeFigureOut">
               <a:rPr lang="en-US" smtClean="0"/>
-              <a:t>7/19/2024</a:t>
+              <a:t>7/20/2024</a:t>
             </a:fld>
             <a:endParaRPr lang="en-US"/>
           </a:p>
@@ -8222,7 +8234,7 @@
           <a:p>
             <a:fld id="{846CE7D5-CF57-46EF-B807-FDD0502418D4}" type="datetimeFigureOut">
               <a:rPr lang="en-US" smtClean="0"/>
-              <a:t>7/19/2024</a:t>
+              <a:t>7/20/2024</a:t>
             </a:fld>
             <a:endParaRPr lang="en-US"/>
           </a:p>
@@ -8340,7 +8352,7 @@
           <a:p>
             <a:fld id="{846CE7D5-CF57-46EF-B807-FDD0502418D4}" type="datetimeFigureOut">
               <a:rPr lang="en-US" smtClean="0"/>
-              <a:t>7/19/2024</a:t>
+              <a:t>7/20/2024</a:t>
             </a:fld>
             <a:endParaRPr lang="en-US"/>
           </a:p>
@@ -8435,7 +8447,7 @@
           <a:p>
             <a:fld id="{846CE7D5-CF57-46EF-B807-FDD0502418D4}" type="datetimeFigureOut">
               <a:rPr lang="en-US" smtClean="0"/>
-              <a:t>7/19/2024</a:t>
+              <a:t>7/20/2024</a:t>
             </a:fld>
             <a:endParaRPr lang="en-US"/>
           </a:p>
@@ -8684,7 +8696,7 @@
           <a:p>
             <a:fld id="{846CE7D5-CF57-46EF-B807-FDD0502418D4}" type="datetimeFigureOut">
               <a:rPr lang="en-US" smtClean="0"/>
-              <a:t>7/19/2024</a:t>
+              <a:t>7/20/2024</a:t>
             </a:fld>
             <a:endParaRPr lang="en-US"/>
           </a:p>
@@ -8964,7 +8976,7 @@
           <a:p>
             <a:fld id="{846CE7D5-CF57-46EF-B807-FDD0502418D4}" type="datetimeFigureOut">
               <a:rPr lang="en-US" smtClean="0"/>
-              <a:t>7/19/2024</a:t>
+              <a:t>7/20/2024</a:t>
             </a:fld>
             <a:endParaRPr lang="en-US"/>
           </a:p>
@@ -9080,7 +9092,7 @@
           <a:noFill/>
           <a:extLst>
             <a:ext uri="{909E8E84-426E-40dd-AFC4-6F175D3DCCD1}">
-              <a14:hiddenFill xmlns="" xmlns:a14="http://schemas.microsoft.com/office/drawing/2010/main">
+              <a14:hiddenFill xmlns:a14="http://schemas.microsoft.com/office/drawing/2010/main" xmlns="">
                 <a:solidFill>
                   <a:srgbClr val="FFFFFF"/>
                 </a:solidFill>
@@ -9154,7 +9166,7 @@
               </a:ln>
               <a:extLst>
                 <a:ext uri="{91240B29-F687-4f45-9708-019B960494DF}">
-                  <a14:hiddenLine xmlns="" xmlns:a14="http://schemas.microsoft.com/office/drawing/2010/main" w="9525">
+                  <a14:hiddenLine xmlns:a14="http://schemas.microsoft.com/office/drawing/2010/main" xmlns="" w="9525">
                     <a:solidFill>
                       <a:srgbClr val="000000"/>
                     </a:solidFill>
@@ -9244,7 +9256,7 @@
               </a:ln>
               <a:extLst>
                 <a:ext uri="{91240B29-F687-4f45-9708-019B960494DF}">
-                  <a14:hiddenLine xmlns="" xmlns:a14="http://schemas.microsoft.com/office/drawing/2010/main" w="9525">
+                  <a14:hiddenLine xmlns:a14="http://schemas.microsoft.com/office/drawing/2010/main" xmlns="" w="9525">
                     <a:solidFill>
                       <a:srgbClr val="000000"/>
                     </a:solidFill>
@@ -9334,7 +9346,7 @@
               </a:ln>
               <a:extLst>
                 <a:ext uri="{91240B29-F687-4f45-9708-019B960494DF}">
-                  <a14:hiddenLine xmlns="" xmlns:a14="http://schemas.microsoft.com/office/drawing/2010/main" w="9525">
+                  <a14:hiddenLine xmlns:a14="http://schemas.microsoft.com/office/drawing/2010/main" xmlns="" w="9525">
                     <a:solidFill>
                       <a:srgbClr val="000000"/>
                     </a:solidFill>
@@ -9396,7 +9408,7 @@
               </a:ln>
               <a:extLst>
                 <a:ext uri="{91240B29-F687-4f45-9708-019B960494DF}">
-                  <a14:hiddenLine xmlns="" xmlns:a14="http://schemas.microsoft.com/office/drawing/2010/main" w="9525">
+                  <a14:hiddenLine xmlns:a14="http://schemas.microsoft.com/office/drawing/2010/main" xmlns="" w="9525">
                     <a:solidFill>
                       <a:srgbClr val="000000"/>
                     </a:solidFill>
@@ -9486,7 +9498,7 @@
               </a:ln>
               <a:extLst>
                 <a:ext uri="{91240B29-F687-4f45-9708-019B960494DF}">
-                  <a14:hiddenLine xmlns="" xmlns:a14="http://schemas.microsoft.com/office/drawing/2010/main" w="9525">
+                  <a14:hiddenLine xmlns:a14="http://schemas.microsoft.com/office/drawing/2010/main" xmlns="" w="9525">
                     <a:solidFill>
                       <a:srgbClr val="000000"/>
                     </a:solidFill>
@@ -9548,7 +9560,7 @@
               </a:ln>
               <a:extLst>
                 <a:ext uri="{91240B29-F687-4f45-9708-019B960494DF}">
-                  <a14:hiddenLine xmlns="" xmlns:a14="http://schemas.microsoft.com/office/drawing/2010/main" w="9525">
+                  <a14:hiddenLine xmlns:a14="http://schemas.microsoft.com/office/drawing/2010/main" xmlns="" w="9525">
                     <a:solidFill>
                       <a:srgbClr val="000000"/>
                     </a:solidFill>
@@ -9610,7 +9622,7 @@
               </a:ln>
               <a:extLst>
                 <a:ext uri="{91240B29-F687-4f45-9708-019B960494DF}">
-                  <a14:hiddenLine xmlns="" xmlns:a14="http://schemas.microsoft.com/office/drawing/2010/main" w="9525">
+                  <a14:hiddenLine xmlns:a14="http://schemas.microsoft.com/office/drawing/2010/main" xmlns="" w="9525">
                     <a:solidFill>
                       <a:srgbClr val="000000"/>
                     </a:solidFill>
@@ -9700,7 +9712,7 @@
               </a:ln>
               <a:extLst>
                 <a:ext uri="{91240B29-F687-4f45-9708-019B960494DF}">
-                  <a14:hiddenLine xmlns="" xmlns:a14="http://schemas.microsoft.com/office/drawing/2010/main" w="9525">
+                  <a14:hiddenLine xmlns:a14="http://schemas.microsoft.com/office/drawing/2010/main" xmlns="" w="9525">
                     <a:solidFill>
                       <a:srgbClr val="000000"/>
                     </a:solidFill>
@@ -9790,7 +9802,7 @@
               </a:ln>
               <a:extLst>
                 <a:ext uri="{91240B29-F687-4f45-9708-019B960494DF}">
-                  <a14:hiddenLine xmlns="" xmlns:a14="http://schemas.microsoft.com/office/drawing/2010/main" w="9525">
+                  <a14:hiddenLine xmlns:a14="http://schemas.microsoft.com/office/drawing/2010/main" xmlns="" w="9525">
                     <a:solidFill>
                       <a:srgbClr val="000000"/>
                     </a:solidFill>
@@ -9852,7 +9864,7 @@
               </a:ln>
               <a:extLst>
                 <a:ext uri="{91240B29-F687-4f45-9708-019B960494DF}">
-                  <a14:hiddenLine xmlns="" xmlns:a14="http://schemas.microsoft.com/office/drawing/2010/main" w="9525">
+                  <a14:hiddenLine xmlns:a14="http://schemas.microsoft.com/office/drawing/2010/main" xmlns="" w="9525">
                     <a:solidFill>
                       <a:srgbClr val="000000"/>
                     </a:solidFill>
@@ -9962,7 +9974,7 @@
               </a:ln>
               <a:extLst>
                 <a:ext uri="{91240B29-F687-4f45-9708-019B960494DF}">
-                  <a14:hiddenLine xmlns="" xmlns:a14="http://schemas.microsoft.com/office/drawing/2010/main" w="9525">
+                  <a14:hiddenLine xmlns:a14="http://schemas.microsoft.com/office/drawing/2010/main" xmlns="" w="9525">
                     <a:solidFill>
                       <a:srgbClr val="000000"/>
                     </a:solidFill>
@@ -10046,7 +10058,7 @@
               </a:ln>
               <a:extLst>
                 <a:ext uri="{91240B29-F687-4f45-9708-019B960494DF}">
-                  <a14:hiddenLine xmlns="" xmlns:a14="http://schemas.microsoft.com/office/drawing/2010/main" w="9525">
+                  <a14:hiddenLine xmlns:a14="http://schemas.microsoft.com/office/drawing/2010/main" xmlns="" w="9525">
                     <a:solidFill>
                       <a:srgbClr val="000000"/>
                     </a:solidFill>
@@ -10108,7 +10120,7 @@
               </a:ln>
               <a:extLst>
                 <a:ext uri="{91240B29-F687-4f45-9708-019B960494DF}">
-                  <a14:hiddenLine xmlns="" xmlns:a14="http://schemas.microsoft.com/office/drawing/2010/main" w="9525">
+                  <a14:hiddenLine xmlns:a14="http://schemas.microsoft.com/office/drawing/2010/main" xmlns="" w="9525">
                     <a:solidFill>
                       <a:srgbClr val="000000"/>
                     </a:solidFill>
@@ -10170,7 +10182,7 @@
               </a:ln>
               <a:extLst>
                 <a:ext uri="{91240B29-F687-4f45-9708-019B960494DF}">
-                  <a14:hiddenLine xmlns="" xmlns:a14="http://schemas.microsoft.com/office/drawing/2010/main" w="9525">
+                  <a14:hiddenLine xmlns:a14="http://schemas.microsoft.com/office/drawing/2010/main" xmlns="" w="9525">
                     <a:solidFill>
                       <a:srgbClr val="000000"/>
                     </a:solidFill>
@@ -10260,7 +10272,7 @@
               </a:ln>
               <a:extLst>
                 <a:ext uri="{91240B29-F687-4f45-9708-019B960494DF}">
-                  <a14:hiddenLine xmlns="" xmlns:a14="http://schemas.microsoft.com/office/drawing/2010/main" w="9525">
+                  <a14:hiddenLine xmlns:a14="http://schemas.microsoft.com/office/drawing/2010/main" xmlns="" w="9525">
                     <a:solidFill>
                       <a:srgbClr val="000000"/>
                     </a:solidFill>
@@ -10294,7 +10306,7 @@
               </a:ln>
               <a:extLst>
                 <a:ext uri="{91240B29-F687-4f45-9708-019B960494DF}">
-                  <a14:hiddenLine xmlns="" xmlns:a14="http://schemas.microsoft.com/office/drawing/2010/main" w="9525">
+                  <a14:hiddenLine xmlns:a14="http://schemas.microsoft.com/office/drawing/2010/main" xmlns="" w="9525">
                     <a:solidFill>
                       <a:srgbClr val="000000"/>
                     </a:solidFill>
@@ -10359,7 +10371,7 @@
               </a:ln>
               <a:extLst>
                 <a:ext uri="{91240B29-F687-4f45-9708-019B960494DF}">
-                  <a14:hiddenLine xmlns="" xmlns:a14="http://schemas.microsoft.com/office/drawing/2010/main" w="9525">
+                  <a14:hiddenLine xmlns:a14="http://schemas.microsoft.com/office/drawing/2010/main" xmlns="" w="9525">
                     <a:solidFill>
                       <a:srgbClr val="000000"/>
                     </a:solidFill>
@@ -10449,7 +10461,7 @@
               </a:ln>
               <a:extLst>
                 <a:ext uri="{91240B29-F687-4f45-9708-019B960494DF}">
-                  <a14:hiddenLine xmlns="" xmlns:a14="http://schemas.microsoft.com/office/drawing/2010/main" w="9525">
+                  <a14:hiddenLine xmlns:a14="http://schemas.microsoft.com/office/drawing/2010/main" xmlns="" w="9525">
                     <a:solidFill>
                       <a:srgbClr val="000000"/>
                     </a:solidFill>
@@ -10511,7 +10523,7 @@
               </a:ln>
               <a:extLst>
                 <a:ext uri="{91240B29-F687-4f45-9708-019B960494DF}">
-                  <a14:hiddenLine xmlns="" xmlns:a14="http://schemas.microsoft.com/office/drawing/2010/main" w="9525">
+                  <a14:hiddenLine xmlns:a14="http://schemas.microsoft.com/office/drawing/2010/main" xmlns="" w="9525">
                     <a:solidFill>
                       <a:srgbClr val="000000"/>
                     </a:solidFill>
@@ -10601,7 +10613,7 @@
               </a:ln>
               <a:extLst>
                 <a:ext uri="{91240B29-F687-4f45-9708-019B960494DF}">
-                  <a14:hiddenLine xmlns="" xmlns:a14="http://schemas.microsoft.com/office/drawing/2010/main" w="9525">
+                  <a14:hiddenLine xmlns:a14="http://schemas.microsoft.com/office/drawing/2010/main" xmlns="" w="9525">
                     <a:solidFill>
                       <a:srgbClr val="000000"/>
                     </a:solidFill>
@@ -10666,7 +10678,7 @@
               </a:ln>
               <a:extLst>
                 <a:ext uri="{91240B29-F687-4f45-9708-019B960494DF}">
-                  <a14:hiddenLine xmlns="" xmlns:a14="http://schemas.microsoft.com/office/drawing/2010/main" w="9525">
+                  <a14:hiddenLine xmlns:a14="http://schemas.microsoft.com/office/drawing/2010/main" xmlns="" w="9525">
                     <a:solidFill>
                       <a:srgbClr val="000000"/>
                     </a:solidFill>
@@ -10728,7 +10740,7 @@
               </a:ln>
               <a:extLst>
                 <a:ext uri="{91240B29-F687-4f45-9708-019B960494DF}">
-                  <a14:hiddenLine xmlns="" xmlns:a14="http://schemas.microsoft.com/office/drawing/2010/main" w="9525">
+                  <a14:hiddenLine xmlns:a14="http://schemas.microsoft.com/office/drawing/2010/main" xmlns="" w="9525">
                     <a:solidFill>
                       <a:srgbClr val="000000"/>
                     </a:solidFill>
@@ -10818,7 +10830,7 @@
               </a:ln>
               <a:extLst>
                 <a:ext uri="{91240B29-F687-4f45-9708-019B960494DF}">
-                  <a14:hiddenLine xmlns="" xmlns:a14="http://schemas.microsoft.com/office/drawing/2010/main" w="9525">
+                  <a14:hiddenLine xmlns:a14="http://schemas.microsoft.com/office/drawing/2010/main" xmlns="" w="9525">
                     <a:solidFill>
                       <a:srgbClr val="000000"/>
                     </a:solidFill>
@@ -10908,7 +10920,7 @@
               </a:ln>
               <a:extLst>
                 <a:ext uri="{91240B29-F687-4f45-9708-019B960494DF}">
-                  <a14:hiddenLine xmlns="" xmlns:a14="http://schemas.microsoft.com/office/drawing/2010/main" w="9525">
+                  <a14:hiddenLine xmlns:a14="http://schemas.microsoft.com/office/drawing/2010/main" xmlns="" w="9525">
                     <a:solidFill>
                       <a:srgbClr val="000000"/>
                     </a:solidFill>
@@ -10973,7 +10985,7 @@
               </a:ln>
               <a:extLst>
                 <a:ext uri="{91240B29-F687-4f45-9708-019B960494DF}">
-                  <a14:hiddenLine xmlns="" xmlns:a14="http://schemas.microsoft.com/office/drawing/2010/main" w="9525">
+                  <a14:hiddenLine xmlns:a14="http://schemas.microsoft.com/office/drawing/2010/main" xmlns="" w="9525">
                     <a:solidFill>
                       <a:srgbClr val="000000"/>
                     </a:solidFill>
@@ -11093,7 +11105,7 @@
               </a:ln>
               <a:extLst>
                 <a:ext uri="{91240B29-F687-4f45-9708-019B960494DF}">
-                  <a14:hiddenLine xmlns="" xmlns:a14="http://schemas.microsoft.com/office/drawing/2010/main" w="9525">
+                  <a14:hiddenLine xmlns:a14="http://schemas.microsoft.com/office/drawing/2010/main" xmlns="" w="9525">
                     <a:solidFill>
                       <a:srgbClr val="000000"/>
                     </a:solidFill>
@@ -11191,7 +11203,7 @@
               </a:ln>
               <a:extLst>
                 <a:ext uri="{91240B29-F687-4f45-9708-019B960494DF}">
-                  <a14:hiddenLine xmlns="" xmlns:a14="http://schemas.microsoft.com/office/drawing/2010/main" w="9525">
+                  <a14:hiddenLine xmlns:a14="http://schemas.microsoft.com/office/drawing/2010/main" xmlns="" w="9525">
                     <a:solidFill>
                       <a:srgbClr val="000000"/>
                     </a:solidFill>
@@ -11306,7 +11318,7 @@
               </a:ln>
               <a:extLst>
                 <a:ext uri="{91240B29-F687-4f45-9708-019B960494DF}">
-                  <a14:hiddenLine xmlns="" xmlns:a14="http://schemas.microsoft.com/office/drawing/2010/main" w="9525">
+                  <a14:hiddenLine xmlns:a14="http://schemas.microsoft.com/office/drawing/2010/main" xmlns="" w="9525">
                     <a:solidFill>
                       <a:srgbClr val="000000"/>
                     </a:solidFill>
@@ -11396,7 +11408,7 @@
               </a:ln>
               <a:extLst>
                 <a:ext uri="{91240B29-F687-4f45-9708-019B960494DF}">
-                  <a14:hiddenLine xmlns="" xmlns:a14="http://schemas.microsoft.com/office/drawing/2010/main" w="9525">
+                  <a14:hiddenLine xmlns:a14="http://schemas.microsoft.com/office/drawing/2010/main" xmlns="" w="9525">
                     <a:solidFill>
                       <a:srgbClr val="000000"/>
                     </a:solidFill>
@@ -11461,7 +11473,7 @@
               </a:ln>
               <a:extLst>
                 <a:ext uri="{91240B29-F687-4f45-9708-019B960494DF}">
-                  <a14:hiddenLine xmlns="" xmlns:a14="http://schemas.microsoft.com/office/drawing/2010/main" w="9525">
+                  <a14:hiddenLine xmlns:a14="http://schemas.microsoft.com/office/drawing/2010/main" xmlns="" w="9525">
                     <a:solidFill>
                       <a:srgbClr val="000000"/>
                     </a:solidFill>
@@ -11551,7 +11563,7 @@
               </a:ln>
               <a:extLst>
                 <a:ext uri="{91240B29-F687-4f45-9708-019B960494DF}">
-                  <a14:hiddenLine xmlns="" xmlns:a14="http://schemas.microsoft.com/office/drawing/2010/main" w="9525">
+                  <a14:hiddenLine xmlns:a14="http://schemas.microsoft.com/office/drawing/2010/main" xmlns="" w="9525">
                     <a:solidFill>
                       <a:srgbClr val="000000"/>
                     </a:solidFill>
@@ -11619,7 +11631,7 @@
               </a:ln>
               <a:extLst>
                 <a:ext uri="{91240B29-F687-4f45-9708-019B960494DF}">
-                  <a14:hiddenLine xmlns="" xmlns:a14="http://schemas.microsoft.com/office/drawing/2010/main" w="9525">
+                  <a14:hiddenLine xmlns:a14="http://schemas.microsoft.com/office/drawing/2010/main" xmlns="" w="9525">
                     <a:solidFill>
                       <a:srgbClr val="000000"/>
                     </a:solidFill>
@@ -11709,7 +11721,7 @@
               </a:ln>
               <a:extLst>
                 <a:ext uri="{91240B29-F687-4f45-9708-019B960494DF}">
-                  <a14:hiddenLine xmlns="" xmlns:a14="http://schemas.microsoft.com/office/drawing/2010/main" w="9525">
+                  <a14:hiddenLine xmlns:a14="http://schemas.microsoft.com/office/drawing/2010/main" xmlns="" w="9525">
                     <a:solidFill>
                       <a:srgbClr val="000000"/>
                     </a:solidFill>
@@ -11777,7 +11789,7 @@
               </a:ln>
               <a:extLst>
                 <a:ext uri="{91240B29-F687-4f45-9708-019B960494DF}">
-                  <a14:hiddenLine xmlns="" xmlns:a14="http://schemas.microsoft.com/office/drawing/2010/main" w="9525">
+                  <a14:hiddenLine xmlns:a14="http://schemas.microsoft.com/office/drawing/2010/main" xmlns="" w="9525">
                     <a:solidFill>
                       <a:srgbClr val="000000"/>
                     </a:solidFill>
@@ -11867,7 +11879,7 @@
               </a:ln>
               <a:extLst>
                 <a:ext uri="{91240B29-F687-4f45-9708-019B960494DF}">
-                  <a14:hiddenLine xmlns="" xmlns:a14="http://schemas.microsoft.com/office/drawing/2010/main" w="9525">
+                  <a14:hiddenLine xmlns:a14="http://schemas.microsoft.com/office/drawing/2010/main" xmlns="" w="9525">
                     <a:solidFill>
                       <a:srgbClr val="000000"/>
                     </a:solidFill>
@@ -11901,7 +11913,7 @@
               </a:ln>
               <a:extLst>
                 <a:ext uri="{91240B29-F687-4f45-9708-019B960494DF}">
-                  <a14:hiddenLine xmlns="" xmlns:a14="http://schemas.microsoft.com/office/drawing/2010/main" w="9525">
+                  <a14:hiddenLine xmlns:a14="http://schemas.microsoft.com/office/drawing/2010/main" xmlns="" w="9525">
                     <a:solidFill>
                       <a:srgbClr val="000000"/>
                     </a:solidFill>
@@ -12041,7 +12053,7 @@
           <a:p>
             <a:fld id="{846CE7D5-CF57-46EF-B807-FDD0502418D4}" type="datetimeFigureOut">
               <a:rPr lang="en-US" smtClean="0"/>
-              <a:t>7/19/2024</a:t>
+              <a:t>7/20/2024</a:t>
             </a:fld>
             <a:endParaRPr lang="en-US"/>
           </a:p>
@@ -12815,43 +12827,43 @@
           <a:lstStyle/>
           <a:p>
             <a:r>
-              <a:rPr lang="en-GB"/>
+              <a:rPr lang="en-GB" dirty="0"/>
               <a:t>Attrition</a:t>
             </a:r>
           </a:p>
           <a:p>
             <a:pPr lvl="1"/>
             <a:r>
-              <a:rPr lang="en-GB"/>
+              <a:rPr lang="en-GB" dirty="0"/>
               <a:t>Yes or No</a:t>
             </a:r>
           </a:p>
           <a:p>
             <a:r>
-              <a:rPr lang="en-GB"/>
+              <a:rPr lang="en-GB" dirty="0"/>
               <a:t>Gender</a:t>
             </a:r>
           </a:p>
           <a:p>
             <a:pPr lvl="1"/>
             <a:r>
-              <a:rPr lang="en-GB"/>
+              <a:rPr lang="en-GB" dirty="0"/>
               <a:t>Male or Female</a:t>
             </a:r>
           </a:p>
           <a:p>
             <a:r>
-              <a:rPr lang="en-GB"/>
+              <a:rPr lang="en-GB" dirty="0" err="1"/>
               <a:t>OverTime</a:t>
             </a:r>
+            <a:endParaRPr lang="en-GB" dirty="0"/>
           </a:p>
           <a:p>
             <a:pPr lvl="1"/>
             <a:r>
-              <a:rPr lang="en-GB"/>
+              <a:rPr lang="en-GB" dirty="0"/>
               <a:t>1 or 0 (for Yes or No)</a:t>
             </a:r>
-            <a:endParaRPr lang="en-GB" dirty="0"/>
           </a:p>
         </p:txBody>
       </p:sp>
@@ -13120,10 +13132,10 @@
       </p:pic>
       <p:pic>
         <p:nvPicPr>
-          <p:cNvPr id="10" name="Picture 9">
+          <p:cNvPr id="5" name="Picture 4">
             <a:extLst>
               <a:ext uri="{FF2B5EF4-FFF2-40B4-BE49-F238E27FC236}">
-                <a16:creationId xmlns:a16="http://schemas.microsoft.com/office/drawing/2014/main" id="{520A337C-028C-1197-E881-7F8934DE06A4}"/>
+                <a16:creationId xmlns:a16="http://schemas.microsoft.com/office/drawing/2014/main" id="{CF9D7F7B-A608-3B52-8AB1-1B05E2669C7E}"/>
               </a:ext>
             </a:extLst>
           </p:cNvPr>
@@ -13140,8 +13152,8 @@
         </p:blipFill>
         <p:spPr>
           <a:xfrm>
-            <a:off x="667629" y="4757372"/>
-            <a:ext cx="5224500" cy="1188000"/>
+            <a:off x="1293518" y="4757372"/>
+            <a:ext cx="3326401" cy="1188000"/>
           </a:xfrm>
           <a:prstGeom prst="rect">
             <a:avLst/>
@@ -13263,10 +13275,10 @@
       </p:grpSpPr>
       <p:sp>
         <p:nvSpPr>
-          <p:cNvPr id="2" name="Title 1">
+          <p:cNvPr id="4" name="Title 3">
             <a:extLst>
               <a:ext uri="{FF2B5EF4-FFF2-40B4-BE49-F238E27FC236}">
-                <a16:creationId xmlns:a16="http://schemas.microsoft.com/office/drawing/2014/main" id="{28F3ABFD-179B-8554-8055-9BC52D196F41}"/>
+                <a16:creationId xmlns:a16="http://schemas.microsoft.com/office/drawing/2014/main" id="{3B79525E-0BC5-351D-531E-E1A27D188B2B}"/>
               </a:ext>
             </a:extLst>
           </p:cNvPr>
@@ -13282,10 +13294,7 @@
           <a:bodyPr/>
           <a:lstStyle/>
           <a:p>
-            <a:r>
-              <a:rPr lang="en-US" dirty="0"/>
-              <a:t>Split the data</a:t>
-            </a:r>
+            <a:endParaRPr lang="en-GB" dirty="0"/>
           </a:p>
         </p:txBody>
       </p:sp>
@@ -13294,7 +13303,7 @@
           <p:cNvPr id="3" name="Content Placeholder 2">
             <a:extLst>
               <a:ext uri="{FF2B5EF4-FFF2-40B4-BE49-F238E27FC236}">
-                <a16:creationId xmlns:a16="http://schemas.microsoft.com/office/drawing/2014/main" id="{802DC319-2F84-A3CD-8F93-FDBE17E9E886}"/>
+                <a16:creationId xmlns:a16="http://schemas.microsoft.com/office/drawing/2014/main" id="{087E68C6-DC9B-6342-A57B-0012D283974A}"/>
               </a:ext>
             </a:extLst>
           </p:cNvPr>
@@ -13307,271 +13316,49 @@
         </p:nvSpPr>
         <p:spPr/>
         <p:txBody>
-          <a:bodyPr vert="horz" lIns="91440" tIns="45720" rIns="91440" bIns="45720" rtlCol="0" anchor="t">
-            <a:normAutofit fontScale="55000" lnSpcReduction="20000"/>
+          <a:bodyPr>
+            <a:normAutofit/>
           </a:bodyPr>
           <a:lstStyle/>
           <a:p>
-            <a:pPr marL="0" indent="0">
-              <a:buNone/>
-            </a:pPr>
-            <a:r>
-              <a:rPr lang="en-US" dirty="0"/>
-              <a:t>from </a:t>
-            </a:r>
-            <a:r>
-              <a:rPr lang="en-US" err="1"/>
-              <a:t>sklearn.model_selection</a:t>
-            </a:r>
-            <a:r>
-              <a:rPr lang="en-US" dirty="0"/>
-              <a:t> import </a:t>
-            </a:r>
-            <a:r>
-              <a:rPr lang="en-US" err="1"/>
-              <a:t>train_test_split</a:t>
-            </a:r>
-            <a:endParaRPr lang="en-US"/>
-          </a:p>
-          <a:p>
-            <a:pPr marL="0" indent="0">
-              <a:buNone/>
-            </a:pPr>
-            <a:r>
-              <a:rPr lang="en-US" dirty="0"/>
-              <a:t>from </a:t>
-            </a:r>
-            <a:r>
-              <a:rPr lang="en-US" err="1"/>
-              <a:t>sklearn.preprocessing</a:t>
-            </a:r>
-            <a:r>
-              <a:rPr lang="en-US" dirty="0"/>
-              <a:t> import </a:t>
-            </a:r>
-            <a:r>
-              <a:rPr lang="en-US" err="1"/>
-              <a:t>LabelEncoder</a:t>
-            </a:r>
-            <a:endParaRPr lang="en-US"/>
-          </a:p>
-          <a:p>
-            <a:pPr marL="0" indent="0">
-              <a:buNone/>
-            </a:pPr>
-            <a:r>
-              <a:rPr lang="en-US" dirty="0"/>
-              <a:t>lc = </a:t>
-            </a:r>
-            <a:r>
-              <a:rPr lang="en-US" err="1"/>
-              <a:t>LabelEncoder</a:t>
-            </a:r>
-            <a:r>
-              <a:rPr lang="en-US" dirty="0"/>
-              <a:t> ()</a:t>
-            </a:r>
-          </a:p>
-          <a:p>
-            <a:pPr marL="0" indent="0">
-              <a:buNone/>
-            </a:pPr>
-            <a:r>
-              <a:rPr lang="en-US" dirty="0"/>
-              <a:t>for col in </a:t>
-            </a:r>
-            <a:r>
-              <a:rPr lang="en-US" err="1"/>
-              <a:t>X.columns</a:t>
-            </a:r>
-            <a:r>
-              <a:rPr lang="en-US" dirty="0"/>
-              <a:t>:</a:t>
-            </a:r>
-          </a:p>
-          <a:p>
-            <a:pPr marL="457200" lvl="1" indent="0">
-              <a:buNone/>
-            </a:pPr>
-            <a:r>
-              <a:rPr lang="en-US" dirty="0"/>
-              <a:t>if X [col].</a:t>
-            </a:r>
-            <a:r>
-              <a:rPr lang="en-US" err="1"/>
-              <a:t>dtype</a:t>
-            </a:r>
-            <a:r>
-              <a:rPr lang="en-US" dirty="0"/>
-              <a:t> == 'object':</a:t>
-            </a:r>
-          </a:p>
-          <a:p>
-            <a:pPr marL="914400" lvl="2" indent="0">
-              <a:buNone/>
-            </a:pPr>
-            <a:r>
-              <a:rPr lang="en-US" dirty="0"/>
-              <a:t>X [col] = </a:t>
-            </a:r>
-            <a:r>
-              <a:rPr lang="en-US" err="1"/>
-              <a:t>lc.fit_transform</a:t>
-            </a:r>
-            <a:r>
-              <a:rPr lang="en-US" dirty="0"/>
-              <a:t> (X [col]</a:t>
-            </a:r>
-          </a:p>
-          <a:p>
-            <a:pPr marL="0" indent="0">
-              <a:buNone/>
-            </a:pPr>
-            <a:r>
-              <a:rPr lang="en-US" dirty="0" err="1"/>
-              <a:t>X_train</a:t>
-            </a:r>
-            <a:r>
-              <a:rPr lang="en-US" dirty="0"/>
-              <a:t>, </a:t>
-            </a:r>
-            <a:r>
-              <a:rPr lang="en-US" dirty="0" err="1"/>
-              <a:t>X_test</a:t>
-            </a:r>
-            <a:r>
-              <a:rPr lang="en-US" dirty="0"/>
-              <a:t>, </a:t>
-            </a:r>
-            <a:r>
-              <a:rPr lang="en-US" dirty="0" err="1"/>
-              <a:t>y_train</a:t>
-            </a:r>
-            <a:r>
-              <a:rPr lang="en-US" dirty="0"/>
-              <a:t>, </a:t>
-            </a:r>
-            <a:r>
-              <a:rPr lang="en-US" dirty="0" err="1"/>
-              <a:t>y_test</a:t>
-            </a:r>
-            <a:r>
-              <a:rPr lang="en-US" dirty="0"/>
-              <a:t> = </a:t>
-            </a:r>
-            <a:r>
-              <a:rPr lang="en-US" dirty="0" err="1"/>
-              <a:t>train_test_split</a:t>
-            </a:r>
-            <a:r>
-              <a:rPr lang="en-US" dirty="0"/>
-              <a:t> (X, y, </a:t>
-            </a:r>
-            <a:r>
-              <a:rPr lang="en-US" dirty="0" err="1"/>
-              <a:t>random_state</a:t>
-            </a:r>
-            <a:r>
-              <a:rPr lang="en-US" dirty="0"/>
-              <a:t> = 165)</a:t>
-            </a:r>
-          </a:p>
-          <a:p>
-            <a:pPr marL="0" indent="0">
-              <a:buNone/>
-            </a:pPr>
-            <a:endParaRPr lang="en-US" dirty="0"/>
-          </a:p>
-          <a:p>
-            <a:pPr marL="0" indent="0">
-              <a:buNone/>
-            </a:pPr>
-            <a:r>
-              <a:rPr lang="en-US" dirty="0"/>
-              <a:t>from </a:t>
-            </a:r>
-            <a:r>
-              <a:rPr lang="en-US" dirty="0" err="1"/>
-              <a:t>sklearn.linear_model</a:t>
-            </a:r>
-            <a:r>
-              <a:rPr lang="en-US" dirty="0"/>
-              <a:t> import </a:t>
-            </a:r>
-            <a:r>
-              <a:rPr lang="en-US" dirty="0" err="1"/>
-              <a:t>LogisticRegression</a:t>
-            </a:r>
-            <a:endParaRPr lang="en-US" dirty="0"/>
-          </a:p>
-          <a:p>
-            <a:pPr marL="0" indent="0">
-              <a:buNone/>
-            </a:pPr>
-            <a:r>
-              <a:rPr lang="en-US" dirty="0"/>
-              <a:t>classifier = </a:t>
-            </a:r>
-            <a:r>
-              <a:rPr lang="en-US" dirty="0" err="1"/>
-              <a:t>LogisticRegression</a:t>
-            </a:r>
-            <a:r>
-              <a:rPr lang="en-US" dirty="0"/>
-              <a:t> (solver = '</a:t>
-            </a:r>
-            <a:r>
-              <a:rPr lang="en-US" dirty="0" err="1"/>
-              <a:t>lbfgs</a:t>
-            </a:r>
-            <a:r>
-              <a:rPr lang="en-US" dirty="0"/>
-              <a:t>', </a:t>
-            </a:r>
-            <a:r>
-              <a:rPr lang="en-US" dirty="0" err="1"/>
-              <a:t>random_state</a:t>
-            </a:r>
-            <a:r>
-              <a:rPr lang="en-US" dirty="0"/>
-              <a:t> = 165)</a:t>
-            </a:r>
-          </a:p>
-          <a:p>
-            <a:pPr marL="0" indent="0">
-              <a:buNone/>
-            </a:pPr>
-            <a:r>
-              <a:rPr lang="en-US" dirty="0" err="1"/>
-              <a:t>classifier_fit</a:t>
-            </a:r>
-            <a:r>
-              <a:rPr lang="en-US" dirty="0"/>
-              <a:t> (</a:t>
-            </a:r>
-            <a:r>
-              <a:rPr lang="en-US" dirty="0" err="1"/>
-              <a:t>X_train</a:t>
-            </a:r>
-            <a:r>
-              <a:rPr lang="en-US" dirty="0"/>
-              <a:t>, </a:t>
-            </a:r>
-            <a:r>
-              <a:rPr lang="en-US" dirty="0" err="1"/>
-              <a:t>y_train</a:t>
-            </a:r>
-            <a:r>
-              <a:rPr lang="en-US" dirty="0"/>
-              <a:t>)  </a:t>
-            </a:r>
+            <a:endParaRPr lang="en-GB" dirty="0"/>
           </a:p>
         </p:txBody>
       </p:sp>
+      <p:pic>
+        <p:nvPicPr>
+          <p:cNvPr id="5" name="Picture 4">
+            <a:extLst>
+              <a:ext uri="{FF2B5EF4-FFF2-40B4-BE49-F238E27FC236}">
+                <a16:creationId xmlns:a16="http://schemas.microsoft.com/office/drawing/2014/main" id="{8394DEF1-6B1E-6CAE-CA1D-729532A263E3}"/>
+              </a:ext>
+            </a:extLst>
+          </p:cNvPr>
+          <p:cNvPicPr>
+            <a:picLocks noChangeAspect="1"/>
+          </p:cNvPicPr>
+          <p:nvPr/>
+        </p:nvPicPr>
+        <p:blipFill>
+          <a:blip r:embed="rId2"/>
+          <a:stretch>
+            <a:fillRect/>
+          </a:stretch>
+        </p:blipFill>
+        <p:spPr>
+          <a:xfrm>
+            <a:off x="1141412" y="2249487"/>
+            <a:ext cx="5761740" cy="2156629"/>
+          </a:xfrm>
+          <a:prstGeom prst="rect">
+            <a:avLst/>
+          </a:prstGeom>
+        </p:spPr>
+      </p:pic>
     </p:spTree>
     <p:extLst>
       <p:ext uri="{BB962C8B-B14F-4D97-AF65-F5344CB8AC3E}">
-        <p14:creationId xmlns:p14="http://schemas.microsoft.com/office/powerpoint/2010/main" val="3930946888"/>
+        <p14:creationId xmlns:p14="http://schemas.microsoft.com/office/powerpoint/2010/main" val="427556031"/>
       </p:ext>
     </p:extLst>
   </p:cSld>
@@ -13683,6 +13470,435 @@
       </p:grpSpPr>
       <p:sp>
         <p:nvSpPr>
+          <p:cNvPr id="4" name="Title 3">
+            <a:extLst>
+              <a:ext uri="{FF2B5EF4-FFF2-40B4-BE49-F238E27FC236}">
+                <a16:creationId xmlns:a16="http://schemas.microsoft.com/office/drawing/2014/main" id="{3B79525E-0BC5-351D-531E-E1A27D188B2B}"/>
+              </a:ext>
+            </a:extLst>
+          </p:cNvPr>
+          <p:cNvSpPr>
+            <a:spLocks noGrp="1"/>
+          </p:cNvSpPr>
+          <p:nvPr>
+            <p:ph type="title"/>
+          </p:nvPr>
+        </p:nvSpPr>
+        <p:spPr>
+          <a:xfrm>
+            <a:off x="1141413" y="618518"/>
+            <a:ext cx="4675913" cy="1478570"/>
+          </a:xfrm>
+        </p:spPr>
+        <p:txBody>
+          <a:bodyPr/>
+          <a:lstStyle/>
+          <a:p>
+            <a:r>
+              <a:rPr lang="en-GB" dirty="0"/>
+              <a:t>Evaluating the </a:t>
+            </a:r>
+            <a:r>
+              <a:rPr lang="en-GB" dirty="0" err="1"/>
+              <a:t>lr</a:t>
+            </a:r>
+            <a:r>
+              <a:rPr lang="en-GB" dirty="0"/>
+              <a:t> model</a:t>
+            </a:r>
+          </a:p>
+        </p:txBody>
+      </p:sp>
+      <p:graphicFrame>
+        <p:nvGraphicFramePr>
+          <p:cNvPr id="2" name="Content Placeholder 1">
+            <a:extLst>
+              <a:ext uri="{FF2B5EF4-FFF2-40B4-BE49-F238E27FC236}">
+                <a16:creationId xmlns:a16="http://schemas.microsoft.com/office/drawing/2014/main" id="{78B1E7E9-3C5E-34A2-565E-F8C3D5C45081}"/>
+              </a:ext>
+            </a:extLst>
+          </p:cNvPr>
+          <p:cNvGraphicFramePr>
+            <a:graphicFrameLocks noGrp="1"/>
+          </p:cNvGraphicFramePr>
+          <p:nvPr>
+            <p:ph idx="1"/>
+            <p:extLst>
+              <p:ext uri="{D42A27DB-BD31-4B8C-83A1-F6EECF244321}">
+                <p14:modId xmlns:p14="http://schemas.microsoft.com/office/powerpoint/2010/main" val="1643500314"/>
+              </p:ext>
+            </p:extLst>
+          </p:nvPr>
+        </p:nvGraphicFramePr>
+        <p:xfrm>
+          <a:off x="278674" y="3834371"/>
+          <a:ext cx="4840663" cy="1296000"/>
+        </p:xfrm>
+        <a:graphic>
+          <a:graphicData uri="http://schemas.openxmlformats.org/drawingml/2006/table">
+            <a:tbl>
+              <a:tblPr firstRow="1" firstCol="1" bandRow="1">
+                <a:tableStyleId>{5C22544A-7EE6-4342-B048-85BDC9FD1C3A}</a:tableStyleId>
+              </a:tblPr>
+              <a:tblGrid>
+                <a:gridCol w="1384663">
+                  <a:extLst>
+                    <a:ext uri="{9D8B030D-6E8A-4147-A177-3AD203B41FA5}">
+                      <a16:colId xmlns:a16="http://schemas.microsoft.com/office/drawing/2014/main" val="2933850237"/>
+                    </a:ext>
+                  </a:extLst>
+                </a:gridCol>
+                <a:gridCol w="1152000">
+                  <a:extLst>
+                    <a:ext uri="{9D8B030D-6E8A-4147-A177-3AD203B41FA5}">
+                      <a16:colId xmlns:a16="http://schemas.microsoft.com/office/drawing/2014/main" val="1741497986"/>
+                    </a:ext>
+                  </a:extLst>
+                </a:gridCol>
+                <a:gridCol w="1152000">
+                  <a:extLst>
+                    <a:ext uri="{9D8B030D-6E8A-4147-A177-3AD203B41FA5}">
+                      <a16:colId xmlns:a16="http://schemas.microsoft.com/office/drawing/2014/main" val="2190130379"/>
+                    </a:ext>
+                  </a:extLst>
+                </a:gridCol>
+                <a:gridCol w="1152000">
+                  <a:extLst>
+                    <a:ext uri="{9D8B030D-6E8A-4147-A177-3AD203B41FA5}">
+                      <a16:colId xmlns:a16="http://schemas.microsoft.com/office/drawing/2014/main" val="3595765517"/>
+                    </a:ext>
+                  </a:extLst>
+                </a:gridCol>
+              </a:tblGrid>
+              <a:tr h="432000">
+                <a:tc>
+                  <a:txBody>
+                    <a:bodyPr/>
+                    <a:lstStyle/>
+                    <a:p>
+                      <a:endParaRPr lang="en-GB" dirty="0"/>
+                    </a:p>
+                  </a:txBody>
+                  <a:tcPr/>
+                </a:tc>
+                <a:tc>
+                  <a:txBody>
+                    <a:bodyPr/>
+                    <a:lstStyle/>
+                    <a:p>
+                      <a:r>
+                        <a:rPr lang="en-GB" dirty="0"/>
+                        <a:t>precision</a:t>
+                      </a:r>
+                    </a:p>
+                  </a:txBody>
+                  <a:tcPr/>
+                </a:tc>
+                <a:tc>
+                  <a:txBody>
+                    <a:bodyPr/>
+                    <a:lstStyle/>
+                    <a:p>
+                      <a:r>
+                        <a:rPr lang="en-GB" dirty="0"/>
+                        <a:t>recall</a:t>
+                      </a:r>
+                    </a:p>
+                  </a:txBody>
+                  <a:tcPr/>
+                </a:tc>
+                <a:tc>
+                  <a:txBody>
+                    <a:bodyPr/>
+                    <a:lstStyle/>
+                    <a:p>
+                      <a:r>
+                        <a:rPr lang="en-GB" dirty="0"/>
+                        <a:t>f1-score</a:t>
+                      </a:r>
+                    </a:p>
+                  </a:txBody>
+                  <a:tcPr/>
+                </a:tc>
+                <a:extLst>
+                  <a:ext uri="{0D108BD9-81ED-4DB2-BD59-A6C34878D82A}">
+                    <a16:rowId xmlns:a16="http://schemas.microsoft.com/office/drawing/2014/main" val="4092183703"/>
+                  </a:ext>
+                </a:extLst>
+              </a:tr>
+              <a:tr h="432000">
+                <a:tc>
+                  <a:txBody>
+                    <a:bodyPr/>
+                    <a:lstStyle/>
+                    <a:p>
+                      <a:r>
+                        <a:rPr lang="en-GB" dirty="0"/>
+                        <a:t>Attrition</a:t>
+                      </a:r>
+                    </a:p>
+                  </a:txBody>
+                  <a:tcPr/>
+                </a:tc>
+                <a:tc>
+                  <a:txBody>
+                    <a:bodyPr/>
+                    <a:lstStyle/>
+                    <a:p>
+                      <a:r>
+                        <a:rPr lang="en-GB" dirty="0"/>
+                        <a:t>0.84</a:t>
+                      </a:r>
+                    </a:p>
+                  </a:txBody>
+                  <a:tcPr/>
+                </a:tc>
+                <a:tc>
+                  <a:txBody>
+                    <a:bodyPr/>
+                    <a:lstStyle/>
+                    <a:p>
+                      <a:r>
+                        <a:rPr lang="en-GB" dirty="0"/>
+                        <a:t>0.98</a:t>
+                      </a:r>
+                    </a:p>
+                  </a:txBody>
+                  <a:tcPr/>
+                </a:tc>
+                <a:tc>
+                  <a:txBody>
+                    <a:bodyPr/>
+                    <a:lstStyle/>
+                    <a:p>
+                      <a:r>
+                        <a:rPr lang="en-GB" dirty="0"/>
+                        <a:t>0.91</a:t>
+                      </a:r>
+                    </a:p>
+                  </a:txBody>
+                  <a:tcPr/>
+                </a:tc>
+                <a:extLst>
+                  <a:ext uri="{0D108BD9-81ED-4DB2-BD59-A6C34878D82A}">
+                    <a16:rowId xmlns:a16="http://schemas.microsoft.com/office/drawing/2014/main" val="4141007961"/>
+                  </a:ext>
+                </a:extLst>
+              </a:tr>
+              <a:tr h="432000">
+                <a:tc>
+                  <a:txBody>
+                    <a:bodyPr/>
+                    <a:lstStyle/>
+                    <a:p>
+                      <a:r>
+                        <a:rPr lang="en-GB" dirty="0"/>
+                        <a:t>No Attrition</a:t>
+                      </a:r>
+                    </a:p>
+                  </a:txBody>
+                  <a:tcPr/>
+                </a:tc>
+                <a:tc>
+                  <a:txBody>
+                    <a:bodyPr/>
+                    <a:lstStyle/>
+                    <a:p>
+                      <a:r>
+                        <a:rPr lang="en-GB" dirty="0"/>
+                        <a:t>0.17</a:t>
+                      </a:r>
+                    </a:p>
+                  </a:txBody>
+                  <a:tcPr/>
+                </a:tc>
+                <a:tc>
+                  <a:txBody>
+                    <a:bodyPr/>
+                    <a:lstStyle/>
+                    <a:p>
+                      <a:r>
+                        <a:rPr lang="en-GB" dirty="0"/>
+                        <a:t>0.02</a:t>
+                      </a:r>
+                    </a:p>
+                  </a:txBody>
+                  <a:tcPr/>
+                </a:tc>
+                <a:tc>
+                  <a:txBody>
+                    <a:bodyPr/>
+                    <a:lstStyle/>
+                    <a:p>
+                      <a:r>
+                        <a:rPr lang="en-GB" dirty="0"/>
+                        <a:t>0.03</a:t>
+                      </a:r>
+                    </a:p>
+                  </a:txBody>
+                  <a:tcPr/>
+                </a:tc>
+                <a:extLst>
+                  <a:ext uri="{0D108BD9-81ED-4DB2-BD59-A6C34878D82A}">
+                    <a16:rowId xmlns:a16="http://schemas.microsoft.com/office/drawing/2014/main" val="3465319783"/>
+                  </a:ext>
+                </a:extLst>
+              </a:tr>
+            </a:tbl>
+          </a:graphicData>
+        </a:graphic>
+      </p:graphicFrame>
+      <p:pic>
+        <p:nvPicPr>
+          <p:cNvPr id="7" name="Picture 6" descr="A diagram of a confusion matrix&#10;&#10;Description automatically generated">
+            <a:extLst>
+              <a:ext uri="{FF2B5EF4-FFF2-40B4-BE49-F238E27FC236}">
+                <a16:creationId xmlns:a16="http://schemas.microsoft.com/office/drawing/2014/main" id="{D5FF62A6-4CFB-EBA3-3948-DA76F128A020}"/>
+              </a:ext>
+            </a:extLst>
+          </p:cNvPr>
+          <p:cNvPicPr>
+            <a:picLocks noChangeAspect="1"/>
+          </p:cNvPicPr>
+          <p:nvPr/>
+        </p:nvPicPr>
+        <p:blipFill>
+          <a:blip r:embed="rId2">
+            <a:extLst>
+              <a:ext uri="{28A0092B-C50C-407E-A947-70E740481C1C}">
+                <a14:useLocalDpi xmlns:a14="http://schemas.microsoft.com/office/drawing/2010/main" val="0"/>
+              </a:ext>
+            </a:extLst>
+          </a:blip>
+          <a:stretch>
+            <a:fillRect/>
+          </a:stretch>
+        </p:blipFill>
+        <p:spPr>
+          <a:xfrm>
+            <a:off x="5310888" y="957942"/>
+            <a:ext cx="6576312" cy="5522481"/>
+          </a:xfrm>
+          <a:prstGeom prst="rect">
+            <a:avLst/>
+          </a:prstGeom>
+        </p:spPr>
+      </p:pic>
+      <p:graphicFrame>
+        <p:nvGraphicFramePr>
+          <p:cNvPr id="8" name="Content Placeholder 1">
+            <a:extLst>
+              <a:ext uri="{FF2B5EF4-FFF2-40B4-BE49-F238E27FC236}">
+                <a16:creationId xmlns:a16="http://schemas.microsoft.com/office/drawing/2014/main" id="{458083DC-FB27-D7CD-2EAC-B6596A11BC9E}"/>
+              </a:ext>
+            </a:extLst>
+          </p:cNvPr>
+          <p:cNvGraphicFramePr>
+            <a:graphicFrameLocks/>
+          </p:cNvGraphicFramePr>
+          <p:nvPr>
+            <p:extLst>
+              <p:ext uri="{D42A27DB-BD31-4B8C-83A1-F6EECF244321}">
+                <p14:modId xmlns:p14="http://schemas.microsoft.com/office/powerpoint/2010/main" val="2233062007"/>
+              </p:ext>
+            </p:extLst>
+          </p:nvPr>
+        </p:nvGraphicFramePr>
+        <p:xfrm>
+          <a:off x="304800" y="3023629"/>
+          <a:ext cx="2536663" cy="370840"/>
+        </p:xfrm>
+        <a:graphic>
+          <a:graphicData uri="http://schemas.openxmlformats.org/drawingml/2006/table">
+            <a:tbl>
+              <a:tblPr firstRow="1" firstCol="1" bandRow="1">
+                <a:tableStyleId>{5C22544A-7EE6-4342-B048-85BDC9FD1C3A}</a:tableStyleId>
+              </a:tblPr>
+              <a:tblGrid>
+                <a:gridCol w="1384663">
+                  <a:extLst>
+                    <a:ext uri="{9D8B030D-6E8A-4147-A177-3AD203B41FA5}">
+                      <a16:colId xmlns:a16="http://schemas.microsoft.com/office/drawing/2014/main" val="2933850237"/>
+                    </a:ext>
+                  </a:extLst>
+                </a:gridCol>
+                <a:gridCol w="1152000">
+                  <a:extLst>
+                    <a:ext uri="{9D8B030D-6E8A-4147-A177-3AD203B41FA5}">
+                      <a16:colId xmlns:a16="http://schemas.microsoft.com/office/drawing/2014/main" val="1741497986"/>
+                    </a:ext>
+                  </a:extLst>
+                </a:gridCol>
+              </a:tblGrid>
+              <a:tr h="370840">
+                <a:tc>
+                  <a:txBody>
+                    <a:bodyPr/>
+                    <a:lstStyle/>
+                    <a:p>
+                      <a:r>
+                        <a:rPr lang="en-GB" dirty="0"/>
+                        <a:t>accuracy</a:t>
+                      </a:r>
+                    </a:p>
+                  </a:txBody>
+                  <a:tcPr/>
+                </a:tc>
+                <a:tc>
+                  <a:txBody>
+                    <a:bodyPr/>
+                    <a:lstStyle/>
+                    <a:p>
+                      <a:r>
+                        <a:rPr lang="en-GB" dirty="0"/>
+                        <a:t>0.83</a:t>
+                      </a:r>
+                    </a:p>
+                  </a:txBody>
+                  <a:tcPr/>
+                </a:tc>
+                <a:extLst>
+                  <a:ext uri="{0D108BD9-81ED-4DB2-BD59-A6C34878D82A}">
+                    <a16:rowId xmlns:a16="http://schemas.microsoft.com/office/drawing/2014/main" val="4141007961"/>
+                  </a:ext>
+                </a:extLst>
+              </a:tr>
+            </a:tbl>
+          </a:graphicData>
+        </a:graphic>
+      </p:graphicFrame>
+    </p:spTree>
+    <p:extLst>
+      <p:ext uri="{BB962C8B-B14F-4D97-AF65-F5344CB8AC3E}">
+        <p14:creationId xmlns:p14="http://schemas.microsoft.com/office/powerpoint/2010/main" val="1927846219"/>
+      </p:ext>
+    </p:extLst>
+  </p:cSld>
+  <p:clrMapOvr>
+    <a:masterClrMapping/>
+  </p:clrMapOvr>
+</p:sld>
+</file>
+
+<file path=ppt/slides/slide16.xml><?xml version="1.0" encoding="utf-8"?>
+<p:sld xmlns:a="http://schemas.openxmlformats.org/drawingml/2006/main" xmlns:r="http://schemas.openxmlformats.org/officeDocument/2006/relationships" xmlns:p="http://schemas.openxmlformats.org/presentationml/2006/main">
+  <p:cSld>
+    <p:spTree>
+      <p:nvGrpSpPr>
+        <p:cNvPr id="1" name=""/>
+        <p:cNvGrpSpPr/>
+        <p:nvPr/>
+      </p:nvGrpSpPr>
+      <p:grpSpPr>
+        <a:xfrm>
+          <a:off x="0" y="0"/>
+          <a:ext cx="0" cy="0"/>
+          <a:chOff x="0" y="0"/>
+          <a:chExt cx="0" cy="0"/>
+        </a:xfrm>
+      </p:grpSpPr>
+      <p:sp>
+        <p:nvSpPr>
           <p:cNvPr id="2" name="Title 1">
             <a:extLst>
               <a:ext uri="{FF2B5EF4-FFF2-40B4-BE49-F238E27FC236}">
@@ -13747,7 +13963,7 @@
 </p:sld>
 </file>
 
-<file path=ppt/slides/slide16.xml><?xml version="1.0" encoding="utf-8"?>
+<file path=ppt/slides/slide17.xml><?xml version="1.0" encoding="utf-8"?>
 <p:sld xmlns:a="http://schemas.openxmlformats.org/drawingml/2006/main" xmlns:r="http://schemas.openxmlformats.org/officeDocument/2006/relationships" xmlns:p="http://schemas.openxmlformats.org/presentationml/2006/main">
   <p:cSld>
     <p:spTree>
@@ -13787,7 +14003,7 @@
           <a:p>
             <a:r>
               <a:rPr lang="en-GB" dirty="0"/>
-              <a:t>Summary</a:t>
+              <a:t>Optimisation methods</a:t>
             </a:r>
           </a:p>
         </p:txBody>
@@ -13813,24 +14029,33 @@
           <a:bodyPr/>
           <a:lstStyle/>
           <a:p>
-            <a:pPr marL="0" indent="0">
-              <a:buNone/>
-            </a:pPr>
             <a:r>
               <a:rPr lang="en-GB" dirty="0"/>
-              <a:t>From the confusion matrix, the classifier does very well on no attrition, correctly labelling all the samples.  It does less well on attrition, getting all but one wrong.</a:t>
+              <a:t>Model coefficients</a:t>
             </a:r>
           </a:p>
           <a:p>
-            <a:endParaRPr lang="en-GB" dirty="0"/>
+            <a:r>
+              <a:rPr lang="en-GB" dirty="0"/>
+              <a:t>Permutations</a:t>
+            </a:r>
           </a:p>
           <a:p>
-            <a:pPr marL="0" indent="0">
-              <a:buNone/>
-            </a:pPr>
             <a:r>
               <a:rPr lang="en-GB" dirty="0"/>
-              <a:t>From the classification report, the precision (the ability of a classifier not to label a negative sample as positive) is good for both attrition and no attrition.  The recall (the ability of a classifier to find all the positive samples) is good for attrition but bad for no attrition. </a:t>
+              <a:t>Correlation analysis</a:t>
+            </a:r>
+          </a:p>
+          <a:p>
+            <a:r>
+              <a:rPr lang="en-GB" dirty="0"/>
+              <a:t>Further pre-processing</a:t>
+            </a:r>
+          </a:p>
+          <a:p>
+            <a:r>
+              <a:rPr lang="en-GB" dirty="0"/>
+              <a:t>RFE (Recursive Feature Elimination)</a:t>
             </a:r>
           </a:p>
         </p:txBody>
@@ -13838,7 +14063,173 @@
     </p:spTree>
     <p:extLst>
       <p:ext uri="{BB962C8B-B14F-4D97-AF65-F5344CB8AC3E}">
-        <p14:creationId xmlns:p14="http://schemas.microsoft.com/office/powerpoint/2010/main" val="246076321"/>
+        <p14:creationId xmlns:p14="http://schemas.microsoft.com/office/powerpoint/2010/main" val="1183746530"/>
+      </p:ext>
+    </p:extLst>
+  </p:cSld>
+  <p:clrMapOvr>
+    <a:masterClrMapping/>
+  </p:clrMapOvr>
+</p:sld>
+</file>
+
+<file path=ppt/slides/slide18.xml><?xml version="1.0" encoding="utf-8"?>
+<p:sld xmlns:a="http://schemas.openxmlformats.org/drawingml/2006/main" xmlns:r="http://schemas.openxmlformats.org/officeDocument/2006/relationships" xmlns:p="http://schemas.openxmlformats.org/presentationml/2006/main">
+  <p:cSld>
+    <p:spTree>
+      <p:nvGrpSpPr>
+        <p:cNvPr id="1" name=""/>
+        <p:cNvGrpSpPr/>
+        <p:nvPr/>
+      </p:nvGrpSpPr>
+      <p:grpSpPr>
+        <a:xfrm>
+          <a:off x="0" y="0"/>
+          <a:ext cx="0" cy="0"/>
+          <a:chOff x="0" y="0"/>
+          <a:chExt cx="0" cy="0"/>
+        </a:xfrm>
+      </p:grpSpPr>
+      <p:sp>
+        <p:nvSpPr>
+          <p:cNvPr id="2" name="Title 1">
+            <a:extLst>
+              <a:ext uri="{FF2B5EF4-FFF2-40B4-BE49-F238E27FC236}">
+                <a16:creationId xmlns:a16="http://schemas.microsoft.com/office/drawing/2014/main" id="{6782B433-18ED-5FDF-32EF-00C14CCCE9B5}"/>
+              </a:ext>
+            </a:extLst>
+          </p:cNvPr>
+          <p:cNvSpPr>
+            <a:spLocks noGrp="1"/>
+          </p:cNvSpPr>
+          <p:nvPr>
+            <p:ph type="title"/>
+          </p:nvPr>
+        </p:nvSpPr>
+        <p:spPr/>
+        <p:txBody>
+          <a:bodyPr/>
+          <a:lstStyle/>
+          <a:p>
+            <a:r>
+              <a:rPr lang="en-GB" dirty="0"/>
+              <a:t>Model coefficients</a:t>
+            </a:r>
+          </a:p>
+        </p:txBody>
+      </p:sp>
+      <p:sp>
+        <p:nvSpPr>
+          <p:cNvPr id="3" name="Content Placeholder 2">
+            <a:extLst>
+              <a:ext uri="{FF2B5EF4-FFF2-40B4-BE49-F238E27FC236}">
+                <a16:creationId xmlns:a16="http://schemas.microsoft.com/office/drawing/2014/main" id="{85F79995-1D90-058F-2B45-302FFC41C936}"/>
+              </a:ext>
+            </a:extLst>
+          </p:cNvPr>
+          <p:cNvSpPr>
+            <a:spLocks noGrp="1"/>
+          </p:cNvSpPr>
+          <p:nvPr>
+            <p:ph idx="1"/>
+          </p:nvPr>
+        </p:nvSpPr>
+        <p:spPr/>
+        <p:txBody>
+          <a:bodyPr/>
+          <a:lstStyle/>
+          <a:p>
+            <a:endParaRPr lang="en-GB" dirty="0"/>
+          </a:p>
+        </p:txBody>
+      </p:sp>
+    </p:spTree>
+    <p:extLst>
+      <p:ext uri="{BB962C8B-B14F-4D97-AF65-F5344CB8AC3E}">
+        <p14:creationId xmlns:p14="http://schemas.microsoft.com/office/powerpoint/2010/main" val="2930142024"/>
+      </p:ext>
+    </p:extLst>
+  </p:cSld>
+  <p:clrMapOvr>
+    <a:masterClrMapping/>
+  </p:clrMapOvr>
+</p:sld>
+</file>
+
+<file path=ppt/slides/slide19.xml><?xml version="1.0" encoding="utf-8"?>
+<p:sld xmlns:a="http://schemas.openxmlformats.org/drawingml/2006/main" xmlns:r="http://schemas.openxmlformats.org/officeDocument/2006/relationships" xmlns:p="http://schemas.openxmlformats.org/presentationml/2006/main">
+  <p:cSld>
+    <p:spTree>
+      <p:nvGrpSpPr>
+        <p:cNvPr id="1" name=""/>
+        <p:cNvGrpSpPr/>
+        <p:nvPr/>
+      </p:nvGrpSpPr>
+      <p:grpSpPr>
+        <a:xfrm>
+          <a:off x="0" y="0"/>
+          <a:ext cx="0" cy="0"/>
+          <a:chOff x="0" y="0"/>
+          <a:chExt cx="0" cy="0"/>
+        </a:xfrm>
+      </p:grpSpPr>
+      <p:sp>
+        <p:nvSpPr>
+          <p:cNvPr id="2" name="Title 1">
+            <a:extLst>
+              <a:ext uri="{FF2B5EF4-FFF2-40B4-BE49-F238E27FC236}">
+                <a16:creationId xmlns:a16="http://schemas.microsoft.com/office/drawing/2014/main" id="{6782B433-18ED-5FDF-32EF-00C14CCCE9B5}"/>
+              </a:ext>
+            </a:extLst>
+          </p:cNvPr>
+          <p:cNvSpPr>
+            <a:spLocks noGrp="1"/>
+          </p:cNvSpPr>
+          <p:nvPr>
+            <p:ph type="title"/>
+          </p:nvPr>
+        </p:nvSpPr>
+        <p:spPr/>
+        <p:txBody>
+          <a:bodyPr/>
+          <a:lstStyle/>
+          <a:p>
+            <a:r>
+              <a:rPr lang="en-GB" dirty="0"/>
+              <a:t>Model coefficients evaluation</a:t>
+            </a:r>
+          </a:p>
+        </p:txBody>
+      </p:sp>
+      <p:sp>
+        <p:nvSpPr>
+          <p:cNvPr id="3" name="Content Placeholder 2">
+            <a:extLst>
+              <a:ext uri="{FF2B5EF4-FFF2-40B4-BE49-F238E27FC236}">
+                <a16:creationId xmlns:a16="http://schemas.microsoft.com/office/drawing/2014/main" id="{85F79995-1D90-058F-2B45-302FFC41C936}"/>
+              </a:ext>
+            </a:extLst>
+          </p:cNvPr>
+          <p:cNvSpPr>
+            <a:spLocks noGrp="1"/>
+          </p:cNvSpPr>
+          <p:nvPr>
+            <p:ph idx="1"/>
+          </p:nvPr>
+        </p:nvSpPr>
+        <p:spPr/>
+        <p:txBody>
+          <a:bodyPr/>
+          <a:lstStyle/>
+          <a:p>
+            <a:endParaRPr lang="en-GB" dirty="0"/>
+          </a:p>
+        </p:txBody>
+      </p:sp>
+    </p:spTree>
+    <p:extLst>
+      <p:ext uri="{BB962C8B-B14F-4D97-AF65-F5344CB8AC3E}">
+        <p14:creationId xmlns:p14="http://schemas.microsoft.com/office/powerpoint/2010/main" val="4210379922"/>
       </p:ext>
     </p:extLst>
   </p:cSld>
@@ -13966,6 +14357,771 @@
     <p:extLst>
       <p:ext uri="{BB962C8B-B14F-4D97-AF65-F5344CB8AC3E}">
         <p14:creationId xmlns:p14="http://schemas.microsoft.com/office/powerpoint/2010/main" val="1083395292"/>
+      </p:ext>
+    </p:extLst>
+  </p:cSld>
+  <p:clrMapOvr>
+    <a:masterClrMapping/>
+  </p:clrMapOvr>
+</p:sld>
+</file>
+
+<file path=ppt/slides/slide20.xml><?xml version="1.0" encoding="utf-8"?>
+<p:sld xmlns:a="http://schemas.openxmlformats.org/drawingml/2006/main" xmlns:r="http://schemas.openxmlformats.org/officeDocument/2006/relationships" xmlns:p="http://schemas.openxmlformats.org/presentationml/2006/main">
+  <p:cSld>
+    <p:spTree>
+      <p:nvGrpSpPr>
+        <p:cNvPr id="1" name=""/>
+        <p:cNvGrpSpPr/>
+        <p:nvPr/>
+      </p:nvGrpSpPr>
+      <p:grpSpPr>
+        <a:xfrm>
+          <a:off x="0" y="0"/>
+          <a:ext cx="0" cy="0"/>
+          <a:chOff x="0" y="0"/>
+          <a:chExt cx="0" cy="0"/>
+        </a:xfrm>
+      </p:grpSpPr>
+      <p:sp>
+        <p:nvSpPr>
+          <p:cNvPr id="2" name="Title 1">
+            <a:extLst>
+              <a:ext uri="{FF2B5EF4-FFF2-40B4-BE49-F238E27FC236}">
+                <a16:creationId xmlns:a16="http://schemas.microsoft.com/office/drawing/2014/main" id="{6782B433-18ED-5FDF-32EF-00C14CCCE9B5}"/>
+              </a:ext>
+            </a:extLst>
+          </p:cNvPr>
+          <p:cNvSpPr>
+            <a:spLocks noGrp="1"/>
+          </p:cNvSpPr>
+          <p:nvPr>
+            <p:ph type="title"/>
+          </p:nvPr>
+        </p:nvSpPr>
+        <p:spPr/>
+        <p:txBody>
+          <a:bodyPr/>
+          <a:lstStyle/>
+          <a:p>
+            <a:r>
+              <a:rPr lang="en-GB" dirty="0"/>
+              <a:t>permutations</a:t>
+            </a:r>
+          </a:p>
+        </p:txBody>
+      </p:sp>
+      <p:sp>
+        <p:nvSpPr>
+          <p:cNvPr id="3" name="Content Placeholder 2">
+            <a:extLst>
+              <a:ext uri="{FF2B5EF4-FFF2-40B4-BE49-F238E27FC236}">
+                <a16:creationId xmlns:a16="http://schemas.microsoft.com/office/drawing/2014/main" id="{85F79995-1D90-058F-2B45-302FFC41C936}"/>
+              </a:ext>
+            </a:extLst>
+          </p:cNvPr>
+          <p:cNvSpPr>
+            <a:spLocks noGrp="1"/>
+          </p:cNvSpPr>
+          <p:nvPr>
+            <p:ph idx="1"/>
+          </p:nvPr>
+        </p:nvSpPr>
+        <p:spPr/>
+        <p:txBody>
+          <a:bodyPr/>
+          <a:lstStyle/>
+          <a:p>
+            <a:endParaRPr lang="en-GB" dirty="0"/>
+          </a:p>
+        </p:txBody>
+      </p:sp>
+    </p:spTree>
+    <p:extLst>
+      <p:ext uri="{BB962C8B-B14F-4D97-AF65-F5344CB8AC3E}">
+        <p14:creationId xmlns:p14="http://schemas.microsoft.com/office/powerpoint/2010/main" val="3189355254"/>
+      </p:ext>
+    </p:extLst>
+  </p:cSld>
+  <p:clrMapOvr>
+    <a:masterClrMapping/>
+  </p:clrMapOvr>
+</p:sld>
+</file>
+
+<file path=ppt/slides/slide21.xml><?xml version="1.0" encoding="utf-8"?>
+<p:sld xmlns:a="http://schemas.openxmlformats.org/drawingml/2006/main" xmlns:r="http://schemas.openxmlformats.org/officeDocument/2006/relationships" xmlns:p="http://schemas.openxmlformats.org/presentationml/2006/main">
+  <p:cSld>
+    <p:spTree>
+      <p:nvGrpSpPr>
+        <p:cNvPr id="1" name=""/>
+        <p:cNvGrpSpPr/>
+        <p:nvPr/>
+      </p:nvGrpSpPr>
+      <p:grpSpPr>
+        <a:xfrm>
+          <a:off x="0" y="0"/>
+          <a:ext cx="0" cy="0"/>
+          <a:chOff x="0" y="0"/>
+          <a:chExt cx="0" cy="0"/>
+        </a:xfrm>
+      </p:grpSpPr>
+      <p:sp>
+        <p:nvSpPr>
+          <p:cNvPr id="2" name="Title 1">
+            <a:extLst>
+              <a:ext uri="{FF2B5EF4-FFF2-40B4-BE49-F238E27FC236}">
+                <a16:creationId xmlns:a16="http://schemas.microsoft.com/office/drawing/2014/main" id="{6782B433-18ED-5FDF-32EF-00C14CCCE9B5}"/>
+              </a:ext>
+            </a:extLst>
+          </p:cNvPr>
+          <p:cNvSpPr>
+            <a:spLocks noGrp="1"/>
+          </p:cNvSpPr>
+          <p:nvPr>
+            <p:ph type="title"/>
+          </p:nvPr>
+        </p:nvSpPr>
+        <p:spPr/>
+        <p:txBody>
+          <a:bodyPr/>
+          <a:lstStyle/>
+          <a:p>
+            <a:r>
+              <a:rPr lang="en-GB" dirty="0"/>
+              <a:t>Permutations evaluation</a:t>
+            </a:r>
+          </a:p>
+        </p:txBody>
+      </p:sp>
+      <p:sp>
+        <p:nvSpPr>
+          <p:cNvPr id="3" name="Content Placeholder 2">
+            <a:extLst>
+              <a:ext uri="{FF2B5EF4-FFF2-40B4-BE49-F238E27FC236}">
+                <a16:creationId xmlns:a16="http://schemas.microsoft.com/office/drawing/2014/main" id="{85F79995-1D90-058F-2B45-302FFC41C936}"/>
+              </a:ext>
+            </a:extLst>
+          </p:cNvPr>
+          <p:cNvSpPr>
+            <a:spLocks noGrp="1"/>
+          </p:cNvSpPr>
+          <p:nvPr>
+            <p:ph idx="1"/>
+          </p:nvPr>
+        </p:nvSpPr>
+        <p:spPr/>
+        <p:txBody>
+          <a:bodyPr/>
+          <a:lstStyle/>
+          <a:p>
+            <a:endParaRPr lang="en-GB" dirty="0"/>
+          </a:p>
+        </p:txBody>
+      </p:sp>
+    </p:spTree>
+    <p:extLst>
+      <p:ext uri="{BB962C8B-B14F-4D97-AF65-F5344CB8AC3E}">
+        <p14:creationId xmlns:p14="http://schemas.microsoft.com/office/powerpoint/2010/main" val="729053760"/>
+      </p:ext>
+    </p:extLst>
+  </p:cSld>
+  <p:clrMapOvr>
+    <a:masterClrMapping/>
+  </p:clrMapOvr>
+</p:sld>
+</file>
+
+<file path=ppt/slides/slide22.xml><?xml version="1.0" encoding="utf-8"?>
+<p:sld xmlns:a="http://schemas.openxmlformats.org/drawingml/2006/main" xmlns:r="http://schemas.openxmlformats.org/officeDocument/2006/relationships" xmlns:p="http://schemas.openxmlformats.org/presentationml/2006/main">
+  <p:cSld>
+    <p:spTree>
+      <p:nvGrpSpPr>
+        <p:cNvPr id="1" name=""/>
+        <p:cNvGrpSpPr/>
+        <p:nvPr/>
+      </p:nvGrpSpPr>
+      <p:grpSpPr>
+        <a:xfrm>
+          <a:off x="0" y="0"/>
+          <a:ext cx="0" cy="0"/>
+          <a:chOff x="0" y="0"/>
+          <a:chExt cx="0" cy="0"/>
+        </a:xfrm>
+      </p:grpSpPr>
+      <p:sp>
+        <p:nvSpPr>
+          <p:cNvPr id="2" name="Title 1">
+            <a:extLst>
+              <a:ext uri="{FF2B5EF4-FFF2-40B4-BE49-F238E27FC236}">
+                <a16:creationId xmlns:a16="http://schemas.microsoft.com/office/drawing/2014/main" id="{6782B433-18ED-5FDF-32EF-00C14CCCE9B5}"/>
+              </a:ext>
+            </a:extLst>
+          </p:cNvPr>
+          <p:cNvSpPr>
+            <a:spLocks noGrp="1"/>
+          </p:cNvSpPr>
+          <p:nvPr>
+            <p:ph type="title"/>
+          </p:nvPr>
+        </p:nvSpPr>
+        <p:spPr/>
+        <p:txBody>
+          <a:bodyPr/>
+          <a:lstStyle/>
+          <a:p>
+            <a:r>
+              <a:rPr lang="en-GB" dirty="0"/>
+              <a:t>Correlation analysis</a:t>
+            </a:r>
+          </a:p>
+        </p:txBody>
+      </p:sp>
+      <p:sp>
+        <p:nvSpPr>
+          <p:cNvPr id="3" name="Content Placeholder 2">
+            <a:extLst>
+              <a:ext uri="{FF2B5EF4-FFF2-40B4-BE49-F238E27FC236}">
+                <a16:creationId xmlns:a16="http://schemas.microsoft.com/office/drawing/2014/main" id="{85F79995-1D90-058F-2B45-302FFC41C936}"/>
+              </a:ext>
+            </a:extLst>
+          </p:cNvPr>
+          <p:cNvSpPr>
+            <a:spLocks noGrp="1"/>
+          </p:cNvSpPr>
+          <p:nvPr>
+            <p:ph idx="1"/>
+          </p:nvPr>
+        </p:nvSpPr>
+        <p:spPr/>
+        <p:txBody>
+          <a:bodyPr/>
+          <a:lstStyle/>
+          <a:p>
+            <a:endParaRPr lang="en-GB" dirty="0"/>
+          </a:p>
+        </p:txBody>
+      </p:sp>
+    </p:spTree>
+    <p:extLst>
+      <p:ext uri="{BB962C8B-B14F-4D97-AF65-F5344CB8AC3E}">
+        <p14:creationId xmlns:p14="http://schemas.microsoft.com/office/powerpoint/2010/main" val="1442609439"/>
+      </p:ext>
+    </p:extLst>
+  </p:cSld>
+  <p:clrMapOvr>
+    <a:masterClrMapping/>
+  </p:clrMapOvr>
+</p:sld>
+</file>
+
+<file path=ppt/slides/slide23.xml><?xml version="1.0" encoding="utf-8"?>
+<p:sld xmlns:a="http://schemas.openxmlformats.org/drawingml/2006/main" xmlns:r="http://schemas.openxmlformats.org/officeDocument/2006/relationships" xmlns:p="http://schemas.openxmlformats.org/presentationml/2006/main">
+  <p:cSld>
+    <p:spTree>
+      <p:nvGrpSpPr>
+        <p:cNvPr id="1" name=""/>
+        <p:cNvGrpSpPr/>
+        <p:nvPr/>
+      </p:nvGrpSpPr>
+      <p:grpSpPr>
+        <a:xfrm>
+          <a:off x="0" y="0"/>
+          <a:ext cx="0" cy="0"/>
+          <a:chOff x="0" y="0"/>
+          <a:chExt cx="0" cy="0"/>
+        </a:xfrm>
+      </p:grpSpPr>
+      <p:sp>
+        <p:nvSpPr>
+          <p:cNvPr id="2" name="Title 1">
+            <a:extLst>
+              <a:ext uri="{FF2B5EF4-FFF2-40B4-BE49-F238E27FC236}">
+                <a16:creationId xmlns:a16="http://schemas.microsoft.com/office/drawing/2014/main" id="{6782B433-18ED-5FDF-32EF-00C14CCCE9B5}"/>
+              </a:ext>
+            </a:extLst>
+          </p:cNvPr>
+          <p:cNvSpPr>
+            <a:spLocks noGrp="1"/>
+          </p:cNvSpPr>
+          <p:nvPr>
+            <p:ph type="title"/>
+          </p:nvPr>
+        </p:nvSpPr>
+        <p:spPr/>
+        <p:txBody>
+          <a:bodyPr/>
+          <a:lstStyle/>
+          <a:p>
+            <a:r>
+              <a:rPr lang="en-GB" dirty="0"/>
+              <a:t>Correlation analysis evaluation</a:t>
+            </a:r>
+          </a:p>
+        </p:txBody>
+      </p:sp>
+      <p:sp>
+        <p:nvSpPr>
+          <p:cNvPr id="3" name="Content Placeholder 2">
+            <a:extLst>
+              <a:ext uri="{FF2B5EF4-FFF2-40B4-BE49-F238E27FC236}">
+                <a16:creationId xmlns:a16="http://schemas.microsoft.com/office/drawing/2014/main" id="{85F79995-1D90-058F-2B45-302FFC41C936}"/>
+              </a:ext>
+            </a:extLst>
+          </p:cNvPr>
+          <p:cNvSpPr>
+            <a:spLocks noGrp="1"/>
+          </p:cNvSpPr>
+          <p:nvPr>
+            <p:ph idx="1"/>
+          </p:nvPr>
+        </p:nvSpPr>
+        <p:spPr/>
+        <p:txBody>
+          <a:bodyPr/>
+          <a:lstStyle/>
+          <a:p>
+            <a:endParaRPr lang="en-GB" dirty="0"/>
+          </a:p>
+        </p:txBody>
+      </p:sp>
+    </p:spTree>
+    <p:extLst>
+      <p:ext uri="{BB962C8B-B14F-4D97-AF65-F5344CB8AC3E}">
+        <p14:creationId xmlns:p14="http://schemas.microsoft.com/office/powerpoint/2010/main" val="327884862"/>
+      </p:ext>
+    </p:extLst>
+  </p:cSld>
+  <p:clrMapOvr>
+    <a:masterClrMapping/>
+  </p:clrMapOvr>
+</p:sld>
+</file>
+
+<file path=ppt/slides/slide24.xml><?xml version="1.0" encoding="utf-8"?>
+<p:sld xmlns:a="http://schemas.openxmlformats.org/drawingml/2006/main" xmlns:r="http://schemas.openxmlformats.org/officeDocument/2006/relationships" xmlns:p="http://schemas.openxmlformats.org/presentationml/2006/main">
+  <p:cSld>
+    <p:spTree>
+      <p:nvGrpSpPr>
+        <p:cNvPr id="1" name=""/>
+        <p:cNvGrpSpPr/>
+        <p:nvPr/>
+      </p:nvGrpSpPr>
+      <p:grpSpPr>
+        <a:xfrm>
+          <a:off x="0" y="0"/>
+          <a:ext cx="0" cy="0"/>
+          <a:chOff x="0" y="0"/>
+          <a:chExt cx="0" cy="0"/>
+        </a:xfrm>
+      </p:grpSpPr>
+      <p:sp>
+        <p:nvSpPr>
+          <p:cNvPr id="2" name="Title 1">
+            <a:extLst>
+              <a:ext uri="{FF2B5EF4-FFF2-40B4-BE49-F238E27FC236}">
+                <a16:creationId xmlns:a16="http://schemas.microsoft.com/office/drawing/2014/main" id="{6782B433-18ED-5FDF-32EF-00C14CCCE9B5}"/>
+              </a:ext>
+            </a:extLst>
+          </p:cNvPr>
+          <p:cNvSpPr>
+            <a:spLocks noGrp="1"/>
+          </p:cNvSpPr>
+          <p:nvPr>
+            <p:ph type="title"/>
+          </p:nvPr>
+        </p:nvSpPr>
+        <p:spPr/>
+        <p:txBody>
+          <a:bodyPr/>
+          <a:lstStyle/>
+          <a:p>
+            <a:r>
+              <a:rPr lang="en-GB" dirty="0"/>
+              <a:t>Further pre-processing</a:t>
+            </a:r>
+          </a:p>
+        </p:txBody>
+      </p:sp>
+      <p:sp>
+        <p:nvSpPr>
+          <p:cNvPr id="3" name="Content Placeholder 2">
+            <a:extLst>
+              <a:ext uri="{FF2B5EF4-FFF2-40B4-BE49-F238E27FC236}">
+                <a16:creationId xmlns:a16="http://schemas.microsoft.com/office/drawing/2014/main" id="{85F79995-1D90-058F-2B45-302FFC41C936}"/>
+              </a:ext>
+            </a:extLst>
+          </p:cNvPr>
+          <p:cNvSpPr>
+            <a:spLocks noGrp="1"/>
+          </p:cNvSpPr>
+          <p:nvPr>
+            <p:ph idx="1"/>
+          </p:nvPr>
+        </p:nvSpPr>
+        <p:spPr/>
+        <p:txBody>
+          <a:bodyPr/>
+          <a:lstStyle/>
+          <a:p>
+            <a:endParaRPr lang="en-GB" dirty="0"/>
+          </a:p>
+        </p:txBody>
+      </p:sp>
+    </p:spTree>
+    <p:extLst>
+      <p:ext uri="{BB962C8B-B14F-4D97-AF65-F5344CB8AC3E}">
+        <p14:creationId xmlns:p14="http://schemas.microsoft.com/office/powerpoint/2010/main" val="2094410411"/>
+      </p:ext>
+    </p:extLst>
+  </p:cSld>
+  <p:clrMapOvr>
+    <a:masterClrMapping/>
+  </p:clrMapOvr>
+</p:sld>
+</file>
+
+<file path=ppt/slides/slide25.xml><?xml version="1.0" encoding="utf-8"?>
+<p:sld xmlns:a="http://schemas.openxmlformats.org/drawingml/2006/main" xmlns:r="http://schemas.openxmlformats.org/officeDocument/2006/relationships" xmlns:p="http://schemas.openxmlformats.org/presentationml/2006/main">
+  <p:cSld>
+    <p:spTree>
+      <p:nvGrpSpPr>
+        <p:cNvPr id="1" name=""/>
+        <p:cNvGrpSpPr/>
+        <p:nvPr/>
+      </p:nvGrpSpPr>
+      <p:grpSpPr>
+        <a:xfrm>
+          <a:off x="0" y="0"/>
+          <a:ext cx="0" cy="0"/>
+          <a:chOff x="0" y="0"/>
+          <a:chExt cx="0" cy="0"/>
+        </a:xfrm>
+      </p:grpSpPr>
+      <p:sp>
+        <p:nvSpPr>
+          <p:cNvPr id="2" name="Title 1">
+            <a:extLst>
+              <a:ext uri="{FF2B5EF4-FFF2-40B4-BE49-F238E27FC236}">
+                <a16:creationId xmlns:a16="http://schemas.microsoft.com/office/drawing/2014/main" id="{6782B433-18ED-5FDF-32EF-00C14CCCE9B5}"/>
+              </a:ext>
+            </a:extLst>
+          </p:cNvPr>
+          <p:cNvSpPr>
+            <a:spLocks noGrp="1"/>
+          </p:cNvSpPr>
+          <p:nvPr>
+            <p:ph type="title"/>
+          </p:nvPr>
+        </p:nvSpPr>
+        <p:spPr/>
+        <p:txBody>
+          <a:bodyPr/>
+          <a:lstStyle/>
+          <a:p>
+            <a:r>
+              <a:rPr lang="en-GB" dirty="0"/>
+              <a:t>Further pre-processing evaluation</a:t>
+            </a:r>
+          </a:p>
+        </p:txBody>
+      </p:sp>
+      <p:sp>
+        <p:nvSpPr>
+          <p:cNvPr id="3" name="Content Placeholder 2">
+            <a:extLst>
+              <a:ext uri="{FF2B5EF4-FFF2-40B4-BE49-F238E27FC236}">
+                <a16:creationId xmlns:a16="http://schemas.microsoft.com/office/drawing/2014/main" id="{85F79995-1D90-058F-2B45-302FFC41C936}"/>
+              </a:ext>
+            </a:extLst>
+          </p:cNvPr>
+          <p:cNvSpPr>
+            <a:spLocks noGrp="1"/>
+          </p:cNvSpPr>
+          <p:nvPr>
+            <p:ph idx="1"/>
+          </p:nvPr>
+        </p:nvSpPr>
+        <p:spPr/>
+        <p:txBody>
+          <a:bodyPr/>
+          <a:lstStyle/>
+          <a:p>
+            <a:endParaRPr lang="en-GB" dirty="0"/>
+          </a:p>
+        </p:txBody>
+      </p:sp>
+    </p:spTree>
+    <p:extLst>
+      <p:ext uri="{BB962C8B-B14F-4D97-AF65-F5344CB8AC3E}">
+        <p14:creationId xmlns:p14="http://schemas.microsoft.com/office/powerpoint/2010/main" val="1527450416"/>
+      </p:ext>
+    </p:extLst>
+  </p:cSld>
+  <p:clrMapOvr>
+    <a:masterClrMapping/>
+  </p:clrMapOvr>
+</p:sld>
+</file>
+
+<file path=ppt/slides/slide26.xml><?xml version="1.0" encoding="utf-8"?>
+<p:sld xmlns:a="http://schemas.openxmlformats.org/drawingml/2006/main" xmlns:r="http://schemas.openxmlformats.org/officeDocument/2006/relationships" xmlns:p="http://schemas.openxmlformats.org/presentationml/2006/main">
+  <p:cSld>
+    <p:spTree>
+      <p:nvGrpSpPr>
+        <p:cNvPr id="1" name=""/>
+        <p:cNvGrpSpPr/>
+        <p:nvPr/>
+      </p:nvGrpSpPr>
+      <p:grpSpPr>
+        <a:xfrm>
+          <a:off x="0" y="0"/>
+          <a:ext cx="0" cy="0"/>
+          <a:chOff x="0" y="0"/>
+          <a:chExt cx="0" cy="0"/>
+        </a:xfrm>
+      </p:grpSpPr>
+      <p:sp>
+        <p:nvSpPr>
+          <p:cNvPr id="2" name="Title 1">
+            <a:extLst>
+              <a:ext uri="{FF2B5EF4-FFF2-40B4-BE49-F238E27FC236}">
+                <a16:creationId xmlns:a16="http://schemas.microsoft.com/office/drawing/2014/main" id="{6782B433-18ED-5FDF-32EF-00C14CCCE9B5}"/>
+              </a:ext>
+            </a:extLst>
+          </p:cNvPr>
+          <p:cNvSpPr>
+            <a:spLocks noGrp="1"/>
+          </p:cNvSpPr>
+          <p:nvPr>
+            <p:ph type="title"/>
+          </p:nvPr>
+        </p:nvSpPr>
+        <p:spPr/>
+        <p:txBody>
+          <a:bodyPr/>
+          <a:lstStyle/>
+          <a:p>
+            <a:r>
+              <a:rPr lang="en-GB" dirty="0"/>
+              <a:t>RFE (Recursive Feature Elimination)</a:t>
+            </a:r>
+          </a:p>
+        </p:txBody>
+      </p:sp>
+      <p:sp>
+        <p:nvSpPr>
+          <p:cNvPr id="3" name="Content Placeholder 2">
+            <a:extLst>
+              <a:ext uri="{FF2B5EF4-FFF2-40B4-BE49-F238E27FC236}">
+                <a16:creationId xmlns:a16="http://schemas.microsoft.com/office/drawing/2014/main" id="{85F79995-1D90-058F-2B45-302FFC41C936}"/>
+              </a:ext>
+            </a:extLst>
+          </p:cNvPr>
+          <p:cNvSpPr>
+            <a:spLocks noGrp="1"/>
+          </p:cNvSpPr>
+          <p:nvPr>
+            <p:ph idx="1"/>
+          </p:nvPr>
+        </p:nvSpPr>
+        <p:spPr/>
+        <p:txBody>
+          <a:bodyPr/>
+          <a:lstStyle/>
+          <a:p>
+            <a:endParaRPr lang="en-GB" dirty="0"/>
+          </a:p>
+        </p:txBody>
+      </p:sp>
+    </p:spTree>
+    <p:extLst>
+      <p:ext uri="{BB962C8B-B14F-4D97-AF65-F5344CB8AC3E}">
+        <p14:creationId xmlns:p14="http://schemas.microsoft.com/office/powerpoint/2010/main" val="3742185010"/>
+      </p:ext>
+    </p:extLst>
+  </p:cSld>
+  <p:clrMapOvr>
+    <a:masterClrMapping/>
+  </p:clrMapOvr>
+</p:sld>
+</file>
+
+<file path=ppt/slides/slide27.xml><?xml version="1.0" encoding="utf-8"?>
+<p:sld xmlns:a="http://schemas.openxmlformats.org/drawingml/2006/main" xmlns:r="http://schemas.openxmlformats.org/officeDocument/2006/relationships" xmlns:p="http://schemas.openxmlformats.org/presentationml/2006/main">
+  <p:cSld>
+    <p:spTree>
+      <p:nvGrpSpPr>
+        <p:cNvPr id="1" name=""/>
+        <p:cNvGrpSpPr/>
+        <p:nvPr/>
+      </p:nvGrpSpPr>
+      <p:grpSpPr>
+        <a:xfrm>
+          <a:off x="0" y="0"/>
+          <a:ext cx="0" cy="0"/>
+          <a:chOff x="0" y="0"/>
+          <a:chExt cx="0" cy="0"/>
+        </a:xfrm>
+      </p:grpSpPr>
+      <p:sp>
+        <p:nvSpPr>
+          <p:cNvPr id="2" name="Title 1">
+            <a:extLst>
+              <a:ext uri="{FF2B5EF4-FFF2-40B4-BE49-F238E27FC236}">
+                <a16:creationId xmlns:a16="http://schemas.microsoft.com/office/drawing/2014/main" id="{6782B433-18ED-5FDF-32EF-00C14CCCE9B5}"/>
+              </a:ext>
+            </a:extLst>
+          </p:cNvPr>
+          <p:cNvSpPr>
+            <a:spLocks noGrp="1"/>
+          </p:cNvSpPr>
+          <p:nvPr>
+            <p:ph type="title"/>
+          </p:nvPr>
+        </p:nvSpPr>
+        <p:spPr/>
+        <p:txBody>
+          <a:bodyPr/>
+          <a:lstStyle/>
+          <a:p>
+            <a:r>
+              <a:rPr lang="en-GB" dirty="0"/>
+              <a:t>RFE evaluation</a:t>
+            </a:r>
+          </a:p>
+        </p:txBody>
+      </p:sp>
+      <p:sp>
+        <p:nvSpPr>
+          <p:cNvPr id="3" name="Content Placeholder 2">
+            <a:extLst>
+              <a:ext uri="{FF2B5EF4-FFF2-40B4-BE49-F238E27FC236}">
+                <a16:creationId xmlns:a16="http://schemas.microsoft.com/office/drawing/2014/main" id="{85F79995-1D90-058F-2B45-302FFC41C936}"/>
+              </a:ext>
+            </a:extLst>
+          </p:cNvPr>
+          <p:cNvSpPr>
+            <a:spLocks noGrp="1"/>
+          </p:cNvSpPr>
+          <p:nvPr>
+            <p:ph idx="1"/>
+          </p:nvPr>
+        </p:nvSpPr>
+        <p:spPr/>
+        <p:txBody>
+          <a:bodyPr/>
+          <a:lstStyle/>
+          <a:p>
+            <a:endParaRPr lang="en-GB" dirty="0"/>
+          </a:p>
+        </p:txBody>
+      </p:sp>
+    </p:spTree>
+    <p:extLst>
+      <p:ext uri="{BB962C8B-B14F-4D97-AF65-F5344CB8AC3E}">
+        <p14:creationId xmlns:p14="http://schemas.microsoft.com/office/powerpoint/2010/main" val="4201325999"/>
+      </p:ext>
+    </p:extLst>
+  </p:cSld>
+  <p:clrMapOvr>
+    <a:masterClrMapping/>
+  </p:clrMapOvr>
+</p:sld>
+</file>
+
+<file path=ppt/slides/slide28.xml><?xml version="1.0" encoding="utf-8"?>
+<p:sld xmlns:a="http://schemas.openxmlformats.org/drawingml/2006/main" xmlns:r="http://schemas.openxmlformats.org/officeDocument/2006/relationships" xmlns:p="http://schemas.openxmlformats.org/presentationml/2006/main">
+  <p:cSld>
+    <p:spTree>
+      <p:nvGrpSpPr>
+        <p:cNvPr id="1" name=""/>
+        <p:cNvGrpSpPr/>
+        <p:nvPr/>
+      </p:nvGrpSpPr>
+      <p:grpSpPr>
+        <a:xfrm>
+          <a:off x="0" y="0"/>
+          <a:ext cx="0" cy="0"/>
+          <a:chOff x="0" y="0"/>
+          <a:chExt cx="0" cy="0"/>
+        </a:xfrm>
+      </p:grpSpPr>
+      <p:sp>
+        <p:nvSpPr>
+          <p:cNvPr id="2" name="Title 1">
+            <a:extLst>
+              <a:ext uri="{FF2B5EF4-FFF2-40B4-BE49-F238E27FC236}">
+                <a16:creationId xmlns:a16="http://schemas.microsoft.com/office/drawing/2014/main" id="{6782B433-18ED-5FDF-32EF-00C14CCCE9B5}"/>
+              </a:ext>
+            </a:extLst>
+          </p:cNvPr>
+          <p:cNvSpPr>
+            <a:spLocks noGrp="1"/>
+          </p:cNvSpPr>
+          <p:nvPr>
+            <p:ph type="title"/>
+          </p:nvPr>
+        </p:nvSpPr>
+        <p:spPr/>
+        <p:txBody>
+          <a:bodyPr/>
+          <a:lstStyle/>
+          <a:p>
+            <a:r>
+              <a:rPr lang="en-GB" dirty="0"/>
+              <a:t>Summary</a:t>
+            </a:r>
+          </a:p>
+        </p:txBody>
+      </p:sp>
+      <p:sp>
+        <p:nvSpPr>
+          <p:cNvPr id="3" name="Content Placeholder 2">
+            <a:extLst>
+              <a:ext uri="{FF2B5EF4-FFF2-40B4-BE49-F238E27FC236}">
+                <a16:creationId xmlns:a16="http://schemas.microsoft.com/office/drawing/2014/main" id="{85F79995-1D90-058F-2B45-302FFC41C936}"/>
+              </a:ext>
+            </a:extLst>
+          </p:cNvPr>
+          <p:cNvSpPr>
+            <a:spLocks noGrp="1"/>
+          </p:cNvSpPr>
+          <p:nvPr>
+            <p:ph idx="1"/>
+          </p:nvPr>
+        </p:nvSpPr>
+        <p:spPr/>
+        <p:txBody>
+          <a:bodyPr/>
+          <a:lstStyle/>
+          <a:p>
+            <a:pPr marL="0" indent="0">
+              <a:buNone/>
+            </a:pPr>
+            <a:r>
+              <a:rPr lang="en-GB" dirty="0"/>
+              <a:t>From the confusion matrix, the classifier does very well on no attrition, correctly labelling all the samples.  It does less well on attrition, getting all but one wrong.</a:t>
+            </a:r>
+          </a:p>
+          <a:p>
+            <a:endParaRPr lang="en-GB" dirty="0"/>
+          </a:p>
+          <a:p>
+            <a:pPr marL="0" indent="0">
+              <a:buNone/>
+            </a:pPr>
+            <a:r>
+              <a:rPr lang="en-GB" dirty="0"/>
+              <a:t>From the classification report, the precision (the ability of a classifier not to label a negative sample as positive) is good for both attrition and no attrition.  The recall (the ability of a classifier to find all the positive samples) is good for attrition but bad for no attrition. </a:t>
+            </a:r>
+          </a:p>
+        </p:txBody>
+      </p:sp>
+    </p:spTree>
+    <p:extLst>
+      <p:ext uri="{BB962C8B-B14F-4D97-AF65-F5344CB8AC3E}">
+        <p14:creationId xmlns:p14="http://schemas.microsoft.com/office/powerpoint/2010/main" val="246076321"/>
       </p:ext>
     </p:extLst>
   </p:cSld>
@@ -14860,7 +16016,7 @@
               </a:ln>
               <a:extLst>
                 <a:ext uri="{91240B29-F687-4f45-9708-019B960494DF}">
-                  <a14:hiddenLine xmlns:a14="http://schemas.microsoft.com/office/drawing/2010/main" xmlns:p14="http://schemas.microsoft.com/office/powerpoint/2010/main" xmlns:a16="http://schemas.microsoft.com/office/drawing/2014/main" xmlns="" w="9525">
+                  <a14:hiddenLine xmlns="" xmlns:a16="http://schemas.microsoft.com/office/drawing/2014/main" xmlns:p14="http://schemas.microsoft.com/office/powerpoint/2010/main" xmlns:a14="http://schemas.microsoft.com/office/drawing/2010/main" w="9525">
                     <a:solidFill>
                       <a:srgbClr val="000000"/>
                     </a:solidFill>
@@ -14972,7 +16128,7 @@
               </a:ln>
               <a:extLst>
                 <a:ext uri="{91240B29-F687-4f45-9708-019B960494DF}">
-                  <a14:hiddenLine xmlns:a14="http://schemas.microsoft.com/office/drawing/2010/main" xmlns:p14="http://schemas.microsoft.com/office/powerpoint/2010/main" xmlns:a16="http://schemas.microsoft.com/office/drawing/2014/main" xmlns="" w="9525">
+                  <a14:hiddenLine xmlns="" xmlns:a16="http://schemas.microsoft.com/office/drawing/2014/main" xmlns:p14="http://schemas.microsoft.com/office/powerpoint/2010/main" xmlns:a14="http://schemas.microsoft.com/office/drawing/2010/main" w="9525">
                     <a:solidFill>
                       <a:srgbClr val="000000"/>
                     </a:solidFill>
@@ -15084,7 +16240,7 @@
               </a:ln>
               <a:extLst>
                 <a:ext uri="{91240B29-F687-4f45-9708-019B960494DF}">
-                  <a14:hiddenLine xmlns:a14="http://schemas.microsoft.com/office/drawing/2010/main" xmlns:p14="http://schemas.microsoft.com/office/powerpoint/2010/main" xmlns:a16="http://schemas.microsoft.com/office/drawing/2014/main" xmlns="" w="9525">
+                  <a14:hiddenLine xmlns="" xmlns:a16="http://schemas.microsoft.com/office/drawing/2014/main" xmlns:p14="http://schemas.microsoft.com/office/powerpoint/2010/main" xmlns:a14="http://schemas.microsoft.com/office/drawing/2010/main" w="9525">
                     <a:solidFill>
                       <a:srgbClr val="000000"/>
                     </a:solidFill>
@@ -15168,7 +16324,7 @@
               </a:ln>
               <a:extLst>
                 <a:ext uri="{91240B29-F687-4f45-9708-019B960494DF}">
-                  <a14:hiddenLine xmlns:a14="http://schemas.microsoft.com/office/drawing/2010/main" xmlns:p14="http://schemas.microsoft.com/office/powerpoint/2010/main" xmlns:a16="http://schemas.microsoft.com/office/drawing/2014/main" xmlns="" w="9525">
+                  <a14:hiddenLine xmlns="" xmlns:a16="http://schemas.microsoft.com/office/drawing/2014/main" xmlns:p14="http://schemas.microsoft.com/office/powerpoint/2010/main" xmlns:a14="http://schemas.microsoft.com/office/drawing/2010/main" w="9525">
                     <a:solidFill>
                       <a:srgbClr val="000000"/>
                     </a:solidFill>
@@ -15280,7 +16436,7 @@
               </a:ln>
               <a:extLst>
                 <a:ext uri="{91240B29-F687-4f45-9708-019B960494DF}">
-                  <a14:hiddenLine xmlns:a14="http://schemas.microsoft.com/office/drawing/2010/main" xmlns:p14="http://schemas.microsoft.com/office/powerpoint/2010/main" xmlns:a16="http://schemas.microsoft.com/office/drawing/2014/main" xmlns="" w="9525">
+                  <a14:hiddenLine xmlns="" xmlns:a16="http://schemas.microsoft.com/office/drawing/2014/main" xmlns:p14="http://schemas.microsoft.com/office/powerpoint/2010/main" xmlns:a14="http://schemas.microsoft.com/office/drawing/2010/main" w="9525">
                     <a:solidFill>
                       <a:srgbClr val="000000"/>
                     </a:solidFill>
@@ -15364,7 +16520,7 @@
               </a:ln>
               <a:extLst>
                 <a:ext uri="{91240B29-F687-4f45-9708-019B960494DF}">
-                  <a14:hiddenLine xmlns:a14="http://schemas.microsoft.com/office/drawing/2010/main" xmlns:p14="http://schemas.microsoft.com/office/powerpoint/2010/main" xmlns:a16="http://schemas.microsoft.com/office/drawing/2014/main" xmlns="" w="9525">
+                  <a14:hiddenLine xmlns="" xmlns:a16="http://schemas.microsoft.com/office/drawing/2014/main" xmlns:p14="http://schemas.microsoft.com/office/powerpoint/2010/main" xmlns:a14="http://schemas.microsoft.com/office/drawing/2010/main" w="9525">
                     <a:solidFill>
                       <a:srgbClr val="000000"/>
                     </a:solidFill>
@@ -15448,7 +16604,7 @@
               </a:ln>
               <a:extLst>
                 <a:ext uri="{91240B29-F687-4f45-9708-019B960494DF}">
-                  <a14:hiddenLine xmlns:a14="http://schemas.microsoft.com/office/drawing/2010/main" xmlns:p14="http://schemas.microsoft.com/office/powerpoint/2010/main" xmlns:a16="http://schemas.microsoft.com/office/drawing/2014/main" xmlns="" w="9525">
+                  <a14:hiddenLine xmlns="" xmlns:a16="http://schemas.microsoft.com/office/drawing/2014/main" xmlns:p14="http://schemas.microsoft.com/office/powerpoint/2010/main" xmlns:a14="http://schemas.microsoft.com/office/drawing/2010/main" w="9525">
                     <a:solidFill>
                       <a:srgbClr val="000000"/>
                     </a:solidFill>
@@ -15560,7 +16716,7 @@
               </a:ln>
               <a:extLst>
                 <a:ext uri="{91240B29-F687-4f45-9708-019B960494DF}">
-                  <a14:hiddenLine xmlns:a14="http://schemas.microsoft.com/office/drawing/2010/main" xmlns:p14="http://schemas.microsoft.com/office/powerpoint/2010/main" xmlns:a16="http://schemas.microsoft.com/office/drawing/2014/main" xmlns="" w="9525">
+                  <a14:hiddenLine xmlns="" xmlns:a16="http://schemas.microsoft.com/office/drawing/2014/main" xmlns:p14="http://schemas.microsoft.com/office/powerpoint/2010/main" xmlns:a14="http://schemas.microsoft.com/office/drawing/2010/main" w="9525">
                     <a:solidFill>
                       <a:srgbClr val="000000"/>
                     </a:solidFill>
@@ -15672,7 +16828,7 @@
               </a:ln>
               <a:extLst>
                 <a:ext uri="{91240B29-F687-4f45-9708-019B960494DF}">
-                  <a14:hiddenLine xmlns:a14="http://schemas.microsoft.com/office/drawing/2010/main" xmlns:p14="http://schemas.microsoft.com/office/powerpoint/2010/main" xmlns:a16="http://schemas.microsoft.com/office/drawing/2014/main" xmlns="" w="9525">
+                  <a14:hiddenLine xmlns="" xmlns:a16="http://schemas.microsoft.com/office/drawing/2014/main" xmlns:p14="http://schemas.microsoft.com/office/powerpoint/2010/main" xmlns:a14="http://schemas.microsoft.com/office/drawing/2010/main" w="9525">
                     <a:solidFill>
                       <a:srgbClr val="000000"/>
                     </a:solidFill>
@@ -15756,7 +16912,7 @@
               </a:ln>
               <a:extLst>
                 <a:ext uri="{91240B29-F687-4f45-9708-019B960494DF}">
-                  <a14:hiddenLine xmlns:a14="http://schemas.microsoft.com/office/drawing/2010/main" xmlns:p14="http://schemas.microsoft.com/office/powerpoint/2010/main" xmlns:a16="http://schemas.microsoft.com/office/drawing/2014/main" xmlns="" w="9525">
+                  <a14:hiddenLine xmlns="" xmlns:a16="http://schemas.microsoft.com/office/drawing/2014/main" xmlns:p14="http://schemas.microsoft.com/office/powerpoint/2010/main" xmlns:a14="http://schemas.microsoft.com/office/drawing/2010/main" w="9525">
                     <a:solidFill>
                       <a:srgbClr val="000000"/>
                     </a:solidFill>
@@ -15888,7 +17044,7 @@
               </a:ln>
               <a:extLst>
                 <a:ext uri="{91240B29-F687-4f45-9708-019B960494DF}">
-                  <a14:hiddenLine xmlns:a14="http://schemas.microsoft.com/office/drawing/2010/main" xmlns:p14="http://schemas.microsoft.com/office/powerpoint/2010/main" xmlns:a16="http://schemas.microsoft.com/office/drawing/2014/main" xmlns="" w="9525">
+                  <a14:hiddenLine xmlns="" xmlns:a16="http://schemas.microsoft.com/office/drawing/2014/main" xmlns:p14="http://schemas.microsoft.com/office/powerpoint/2010/main" xmlns:a14="http://schemas.microsoft.com/office/drawing/2010/main" w="9525">
                     <a:solidFill>
                       <a:srgbClr val="000000"/>
                     </a:solidFill>
@@ -16016,7 +17172,7 @@
               </a:ln>
               <a:extLst>
                 <a:ext uri="{91240B29-F687-4f45-9708-019B960494DF}">
-                  <a14:hiddenLine xmlns:a14="http://schemas.microsoft.com/office/drawing/2010/main" xmlns:p14="http://schemas.microsoft.com/office/powerpoint/2010/main" xmlns:a16="http://schemas.microsoft.com/office/drawing/2014/main" xmlns="" w="9525">
+                  <a14:hiddenLine xmlns="" xmlns:a16="http://schemas.microsoft.com/office/drawing/2014/main" xmlns:p14="http://schemas.microsoft.com/office/powerpoint/2010/main" xmlns:a14="http://schemas.microsoft.com/office/drawing/2010/main" w="9525">
                     <a:solidFill>
                       <a:srgbClr val="000000"/>
                     </a:solidFill>
@@ -16100,7 +17256,7 @@
               </a:ln>
               <a:extLst>
                 <a:ext uri="{91240B29-F687-4f45-9708-019B960494DF}">
-                  <a14:hiddenLine xmlns:a14="http://schemas.microsoft.com/office/drawing/2010/main" xmlns:p14="http://schemas.microsoft.com/office/powerpoint/2010/main" xmlns:a16="http://schemas.microsoft.com/office/drawing/2014/main" xmlns="" w="9525">
+                  <a14:hiddenLine xmlns="" xmlns:a16="http://schemas.microsoft.com/office/drawing/2014/main" xmlns:p14="http://schemas.microsoft.com/office/powerpoint/2010/main" xmlns:a14="http://schemas.microsoft.com/office/drawing/2010/main" w="9525">
                     <a:solidFill>
                       <a:srgbClr val="000000"/>
                     </a:solidFill>
@@ -16184,7 +17340,7 @@
               </a:ln>
               <a:extLst>
                 <a:ext uri="{91240B29-F687-4f45-9708-019B960494DF}">
-                  <a14:hiddenLine xmlns:a14="http://schemas.microsoft.com/office/drawing/2010/main" xmlns:p14="http://schemas.microsoft.com/office/powerpoint/2010/main" xmlns:a16="http://schemas.microsoft.com/office/drawing/2014/main" xmlns="" w="9525">
+                  <a14:hiddenLine xmlns="" xmlns:a16="http://schemas.microsoft.com/office/drawing/2014/main" xmlns:p14="http://schemas.microsoft.com/office/powerpoint/2010/main" xmlns:a14="http://schemas.microsoft.com/office/drawing/2010/main" w="9525">
                     <a:solidFill>
                       <a:srgbClr val="000000"/>
                     </a:solidFill>
@@ -16296,7 +17452,7 @@
               </a:ln>
               <a:extLst>
                 <a:ext uri="{91240B29-F687-4f45-9708-019B960494DF}">
-                  <a14:hiddenLine xmlns:a14="http://schemas.microsoft.com/office/drawing/2010/main" xmlns:p14="http://schemas.microsoft.com/office/powerpoint/2010/main" xmlns:a16="http://schemas.microsoft.com/office/drawing/2014/main" xmlns="" w="9525">
+                  <a14:hiddenLine xmlns="" xmlns:a16="http://schemas.microsoft.com/office/drawing/2014/main" xmlns:p14="http://schemas.microsoft.com/office/powerpoint/2010/main" xmlns:a14="http://schemas.microsoft.com/office/drawing/2010/main" w="9525">
                     <a:solidFill>
                       <a:srgbClr val="000000"/>
                     </a:solidFill>
@@ -16352,7 +17508,7 @@
               </a:ln>
               <a:extLst>
                 <a:ext uri="{91240B29-F687-4f45-9708-019B960494DF}">
-                  <a14:hiddenLine xmlns:a14="http://schemas.microsoft.com/office/drawing/2010/main" xmlns:p14="http://schemas.microsoft.com/office/powerpoint/2010/main" xmlns:a16="http://schemas.microsoft.com/office/drawing/2014/main" xmlns="" w="9525">
+                  <a14:hiddenLine xmlns="" xmlns:a16="http://schemas.microsoft.com/office/drawing/2014/main" xmlns:p14="http://schemas.microsoft.com/office/powerpoint/2010/main" xmlns:a14="http://schemas.microsoft.com/office/drawing/2010/main" w="9525">
                     <a:solidFill>
                       <a:srgbClr val="000000"/>
                     </a:solidFill>
@@ -16439,7 +17595,7 @@
               </a:ln>
               <a:extLst>
                 <a:ext uri="{91240B29-F687-4f45-9708-019B960494DF}">
-                  <a14:hiddenLine xmlns:a14="http://schemas.microsoft.com/office/drawing/2010/main" xmlns:p14="http://schemas.microsoft.com/office/powerpoint/2010/main" xmlns:a16="http://schemas.microsoft.com/office/drawing/2014/main" xmlns="" w="9525">
+                  <a14:hiddenLine xmlns="" xmlns:a16="http://schemas.microsoft.com/office/drawing/2014/main" xmlns:p14="http://schemas.microsoft.com/office/powerpoint/2010/main" xmlns:a14="http://schemas.microsoft.com/office/drawing/2010/main" w="9525">
                     <a:solidFill>
                       <a:srgbClr val="000000"/>
                     </a:solidFill>
@@ -16551,7 +17707,7 @@
               </a:ln>
               <a:extLst>
                 <a:ext uri="{91240B29-F687-4f45-9708-019B960494DF}">
-                  <a14:hiddenLine xmlns:a14="http://schemas.microsoft.com/office/drawing/2010/main" xmlns:p14="http://schemas.microsoft.com/office/powerpoint/2010/main" xmlns:a16="http://schemas.microsoft.com/office/drawing/2014/main" xmlns="" w="9525">
+                  <a14:hiddenLine xmlns="" xmlns:a16="http://schemas.microsoft.com/office/drawing/2014/main" xmlns:p14="http://schemas.microsoft.com/office/powerpoint/2010/main" xmlns:a14="http://schemas.microsoft.com/office/drawing/2010/main" w="9525">
                     <a:solidFill>
                       <a:srgbClr val="000000"/>
                     </a:solidFill>
@@ -16635,7 +17791,7 @@
               </a:ln>
               <a:extLst>
                 <a:ext uri="{91240B29-F687-4f45-9708-019B960494DF}">
-                  <a14:hiddenLine xmlns:a14="http://schemas.microsoft.com/office/drawing/2010/main" xmlns:p14="http://schemas.microsoft.com/office/powerpoint/2010/main" xmlns:a16="http://schemas.microsoft.com/office/drawing/2014/main" xmlns="" w="9525">
+                  <a14:hiddenLine xmlns="" xmlns:a16="http://schemas.microsoft.com/office/drawing/2014/main" xmlns:p14="http://schemas.microsoft.com/office/powerpoint/2010/main" xmlns:a14="http://schemas.microsoft.com/office/drawing/2010/main" w="9525">
                     <a:solidFill>
                       <a:srgbClr val="000000"/>
                     </a:solidFill>
@@ -16747,7 +17903,7 @@
               </a:ln>
               <a:extLst>
                 <a:ext uri="{91240B29-F687-4f45-9708-019B960494DF}">
-                  <a14:hiddenLine xmlns:a14="http://schemas.microsoft.com/office/drawing/2010/main" xmlns:p14="http://schemas.microsoft.com/office/powerpoint/2010/main" xmlns:a16="http://schemas.microsoft.com/office/drawing/2014/main" xmlns="" w="9525">
+                  <a14:hiddenLine xmlns="" xmlns:a16="http://schemas.microsoft.com/office/drawing/2014/main" xmlns:p14="http://schemas.microsoft.com/office/powerpoint/2010/main" xmlns:a14="http://schemas.microsoft.com/office/drawing/2010/main" w="9525">
                     <a:solidFill>
                       <a:srgbClr val="000000"/>
                     </a:solidFill>
@@ -16834,7 +17990,7 @@
               </a:ln>
               <a:extLst>
                 <a:ext uri="{91240B29-F687-4f45-9708-019B960494DF}">
-                  <a14:hiddenLine xmlns:a14="http://schemas.microsoft.com/office/drawing/2010/main" xmlns:p14="http://schemas.microsoft.com/office/powerpoint/2010/main" xmlns:a16="http://schemas.microsoft.com/office/drawing/2014/main" xmlns="" w="9525">
+                  <a14:hiddenLine xmlns="" xmlns:a16="http://schemas.microsoft.com/office/drawing/2014/main" xmlns:p14="http://schemas.microsoft.com/office/powerpoint/2010/main" xmlns:a14="http://schemas.microsoft.com/office/drawing/2010/main" w="9525">
                     <a:solidFill>
                       <a:srgbClr val="000000"/>
                     </a:solidFill>
@@ -16918,7 +18074,7 @@
               </a:ln>
               <a:extLst>
                 <a:ext uri="{91240B29-F687-4f45-9708-019B960494DF}">
-                  <a14:hiddenLine xmlns:a14="http://schemas.microsoft.com/office/drawing/2010/main" xmlns:p14="http://schemas.microsoft.com/office/powerpoint/2010/main" xmlns:a16="http://schemas.microsoft.com/office/drawing/2014/main" xmlns="" w="9525">
+                  <a14:hiddenLine xmlns="" xmlns:a16="http://schemas.microsoft.com/office/drawing/2014/main" xmlns:p14="http://schemas.microsoft.com/office/powerpoint/2010/main" xmlns:a14="http://schemas.microsoft.com/office/drawing/2010/main" w="9525">
                     <a:solidFill>
                       <a:srgbClr val="000000"/>
                     </a:solidFill>
@@ -17030,7 +18186,7 @@
               </a:ln>
               <a:extLst>
                 <a:ext uri="{91240B29-F687-4f45-9708-019B960494DF}">
-                  <a14:hiddenLine xmlns:a14="http://schemas.microsoft.com/office/drawing/2010/main" xmlns:p14="http://schemas.microsoft.com/office/powerpoint/2010/main" xmlns:a16="http://schemas.microsoft.com/office/drawing/2014/main" xmlns="" w="9525">
+                  <a14:hiddenLine xmlns="" xmlns:a16="http://schemas.microsoft.com/office/drawing/2014/main" xmlns:p14="http://schemas.microsoft.com/office/powerpoint/2010/main" xmlns:a14="http://schemas.microsoft.com/office/drawing/2010/main" w="9525">
                     <a:solidFill>
                       <a:srgbClr val="000000"/>
                     </a:solidFill>
@@ -17142,7 +18298,7 @@
               </a:ln>
               <a:extLst>
                 <a:ext uri="{91240B29-F687-4f45-9708-019B960494DF}">
-                  <a14:hiddenLine xmlns:a14="http://schemas.microsoft.com/office/drawing/2010/main" xmlns:p14="http://schemas.microsoft.com/office/powerpoint/2010/main" xmlns:a16="http://schemas.microsoft.com/office/drawing/2014/main" xmlns="" w="9525">
+                  <a14:hiddenLine xmlns="" xmlns:a16="http://schemas.microsoft.com/office/drawing/2014/main" xmlns:p14="http://schemas.microsoft.com/office/powerpoint/2010/main" xmlns:a14="http://schemas.microsoft.com/office/drawing/2010/main" w="9525">
                     <a:solidFill>
                       <a:srgbClr val="000000"/>
                     </a:solidFill>
@@ -17229,7 +18385,7 @@
               </a:ln>
               <a:extLst>
                 <a:ext uri="{91240B29-F687-4f45-9708-019B960494DF}">
-                  <a14:hiddenLine xmlns:a14="http://schemas.microsoft.com/office/drawing/2010/main" xmlns:p14="http://schemas.microsoft.com/office/powerpoint/2010/main" xmlns:a16="http://schemas.microsoft.com/office/drawing/2014/main" xmlns="" w="9525">
+                  <a14:hiddenLine xmlns="" xmlns:a16="http://schemas.microsoft.com/office/drawing/2014/main" xmlns:p14="http://schemas.microsoft.com/office/powerpoint/2010/main" xmlns:a14="http://schemas.microsoft.com/office/drawing/2010/main" w="9525">
                     <a:solidFill>
                       <a:srgbClr val="000000"/>
                     </a:solidFill>
@@ -17371,7 +18527,7 @@
               </a:ln>
               <a:extLst>
                 <a:ext uri="{91240B29-F687-4f45-9708-019B960494DF}">
-                  <a14:hiddenLine xmlns:a14="http://schemas.microsoft.com/office/drawing/2010/main" xmlns:p14="http://schemas.microsoft.com/office/powerpoint/2010/main" xmlns:a16="http://schemas.microsoft.com/office/drawing/2014/main" xmlns="" w="9525">
+                  <a14:hiddenLine xmlns="" xmlns:a16="http://schemas.microsoft.com/office/drawing/2014/main" xmlns:p14="http://schemas.microsoft.com/office/powerpoint/2010/main" xmlns:a14="http://schemas.microsoft.com/office/drawing/2010/main" w="9525">
                     <a:solidFill>
                       <a:srgbClr val="000000"/>
                     </a:solidFill>
@@ -17503,7 +18659,7 @@
               </a:ln>
               <a:extLst>
                 <a:ext uri="{91240B29-F687-4f45-9708-019B960494DF}">
-                  <a14:hiddenLine xmlns:a14="http://schemas.microsoft.com/office/drawing/2010/main" xmlns:p14="http://schemas.microsoft.com/office/powerpoint/2010/main" xmlns:a16="http://schemas.microsoft.com/office/drawing/2014/main" xmlns="" w="9525">
+                  <a14:hiddenLine xmlns="" xmlns:a16="http://schemas.microsoft.com/office/drawing/2014/main" xmlns:p14="http://schemas.microsoft.com/office/powerpoint/2010/main" xmlns:a14="http://schemas.microsoft.com/office/drawing/2010/main" w="9525">
                     <a:solidFill>
                       <a:srgbClr val="000000"/>
                     </a:solidFill>
@@ -17640,7 +18796,7 @@
               </a:ln>
               <a:extLst>
                 <a:ext uri="{91240B29-F687-4f45-9708-019B960494DF}">
-                  <a14:hiddenLine xmlns:a14="http://schemas.microsoft.com/office/drawing/2010/main" xmlns:p14="http://schemas.microsoft.com/office/powerpoint/2010/main" xmlns:a16="http://schemas.microsoft.com/office/drawing/2014/main" xmlns="" w="9525">
+                  <a14:hiddenLine xmlns="" xmlns:a16="http://schemas.microsoft.com/office/drawing/2014/main" xmlns:p14="http://schemas.microsoft.com/office/powerpoint/2010/main" xmlns:a14="http://schemas.microsoft.com/office/drawing/2010/main" w="9525">
                     <a:solidFill>
                       <a:srgbClr val="000000"/>
                     </a:solidFill>
@@ -17752,7 +18908,7 @@
               </a:ln>
               <a:extLst>
                 <a:ext uri="{91240B29-F687-4f45-9708-019B960494DF}">
-                  <a14:hiddenLine xmlns:a14="http://schemas.microsoft.com/office/drawing/2010/main" xmlns:p14="http://schemas.microsoft.com/office/powerpoint/2010/main" xmlns:a16="http://schemas.microsoft.com/office/drawing/2014/main" xmlns="" w="9525">
+                  <a14:hiddenLine xmlns="" xmlns:a16="http://schemas.microsoft.com/office/drawing/2014/main" xmlns:p14="http://schemas.microsoft.com/office/powerpoint/2010/main" xmlns:a14="http://schemas.microsoft.com/office/drawing/2010/main" w="9525">
                     <a:solidFill>
                       <a:srgbClr val="000000"/>
                     </a:solidFill>
@@ -17839,7 +18995,7 @@
               </a:ln>
               <a:extLst>
                 <a:ext uri="{91240B29-F687-4f45-9708-019B960494DF}">
-                  <a14:hiddenLine xmlns:a14="http://schemas.microsoft.com/office/drawing/2010/main" xmlns:p14="http://schemas.microsoft.com/office/powerpoint/2010/main" xmlns:a16="http://schemas.microsoft.com/office/drawing/2014/main" xmlns="" w="9525">
+                  <a14:hiddenLine xmlns="" xmlns:a16="http://schemas.microsoft.com/office/drawing/2014/main" xmlns:p14="http://schemas.microsoft.com/office/powerpoint/2010/main" xmlns:a14="http://schemas.microsoft.com/office/drawing/2010/main" w="9525">
                     <a:solidFill>
                       <a:srgbClr val="000000"/>
                     </a:solidFill>
@@ -17951,7 +19107,7 @@
               </a:ln>
               <a:extLst>
                 <a:ext uri="{91240B29-F687-4f45-9708-019B960494DF}">
-                  <a14:hiddenLine xmlns:a14="http://schemas.microsoft.com/office/drawing/2010/main" xmlns:p14="http://schemas.microsoft.com/office/powerpoint/2010/main" xmlns:a16="http://schemas.microsoft.com/office/drawing/2014/main" xmlns="" w="9525">
+                  <a14:hiddenLine xmlns="" xmlns:a16="http://schemas.microsoft.com/office/drawing/2014/main" xmlns:p14="http://schemas.microsoft.com/office/powerpoint/2010/main" xmlns:a14="http://schemas.microsoft.com/office/drawing/2010/main" w="9525">
                     <a:solidFill>
                       <a:srgbClr val="000000"/>
                     </a:solidFill>
@@ -18041,7 +19197,7 @@
               </a:ln>
               <a:extLst>
                 <a:ext uri="{91240B29-F687-4f45-9708-019B960494DF}">
-                  <a14:hiddenLine xmlns:a14="http://schemas.microsoft.com/office/drawing/2010/main" xmlns:p14="http://schemas.microsoft.com/office/powerpoint/2010/main" xmlns:a16="http://schemas.microsoft.com/office/drawing/2014/main" xmlns="" w="9525">
+                  <a14:hiddenLine xmlns="" xmlns:a16="http://schemas.microsoft.com/office/drawing/2014/main" xmlns:p14="http://schemas.microsoft.com/office/powerpoint/2010/main" xmlns:a14="http://schemas.microsoft.com/office/drawing/2010/main" w="9525">
                     <a:solidFill>
                       <a:srgbClr val="000000"/>
                     </a:solidFill>
@@ -18153,7 +19309,7 @@
               </a:ln>
               <a:extLst>
                 <a:ext uri="{91240B29-F687-4f45-9708-019B960494DF}">
-                  <a14:hiddenLine xmlns:a14="http://schemas.microsoft.com/office/drawing/2010/main" xmlns:p14="http://schemas.microsoft.com/office/powerpoint/2010/main" xmlns:a16="http://schemas.microsoft.com/office/drawing/2014/main" xmlns="" w="9525">
+                  <a14:hiddenLine xmlns="" xmlns:a16="http://schemas.microsoft.com/office/drawing/2014/main" xmlns:p14="http://schemas.microsoft.com/office/powerpoint/2010/main" xmlns:a14="http://schemas.microsoft.com/office/drawing/2010/main" w="9525">
                     <a:solidFill>
                       <a:srgbClr val="000000"/>
                     </a:solidFill>
@@ -18243,7 +19399,7 @@
               </a:ln>
               <a:extLst>
                 <a:ext uri="{91240B29-F687-4f45-9708-019B960494DF}">
-                  <a14:hiddenLine xmlns:a14="http://schemas.microsoft.com/office/drawing/2010/main" xmlns:p14="http://schemas.microsoft.com/office/powerpoint/2010/main" xmlns:a16="http://schemas.microsoft.com/office/drawing/2014/main" xmlns="" w="9525">
+                  <a14:hiddenLine xmlns="" xmlns:a16="http://schemas.microsoft.com/office/drawing/2014/main" xmlns:p14="http://schemas.microsoft.com/office/powerpoint/2010/main" xmlns:a14="http://schemas.microsoft.com/office/drawing/2010/main" w="9525">
                     <a:solidFill>
                       <a:srgbClr val="000000"/>
                     </a:solidFill>
@@ -18355,7 +19511,7 @@
               </a:ln>
               <a:extLst>
                 <a:ext uri="{91240B29-F687-4f45-9708-019B960494DF}">
-                  <a14:hiddenLine xmlns:a14="http://schemas.microsoft.com/office/drawing/2010/main" xmlns:p14="http://schemas.microsoft.com/office/powerpoint/2010/main" xmlns:a16="http://schemas.microsoft.com/office/drawing/2014/main" xmlns="" w="9525">
+                  <a14:hiddenLine xmlns="" xmlns:a16="http://schemas.microsoft.com/office/drawing/2014/main" xmlns:p14="http://schemas.microsoft.com/office/powerpoint/2010/main" xmlns:a14="http://schemas.microsoft.com/office/drawing/2010/main" w="9525">
                     <a:solidFill>
                       <a:srgbClr val="000000"/>
                     </a:solidFill>
@@ -18411,7 +19567,7 @@
               </a:ln>
               <a:extLst>
                 <a:ext uri="{91240B29-F687-4f45-9708-019B960494DF}">
-                  <a14:hiddenLine xmlns:a14="http://schemas.microsoft.com/office/drawing/2010/main" xmlns:p14="http://schemas.microsoft.com/office/powerpoint/2010/main" xmlns:a16="http://schemas.microsoft.com/office/drawing/2014/main" xmlns="" w="9525">
+                  <a14:hiddenLine xmlns="" xmlns:a16="http://schemas.microsoft.com/office/drawing/2014/main" xmlns:p14="http://schemas.microsoft.com/office/powerpoint/2010/main" xmlns:a14="http://schemas.microsoft.com/office/drawing/2010/main" w="9525">
                     <a:solidFill>
                       <a:srgbClr val="000000"/>
                     </a:solidFill>
@@ -18480,7 +19636,7 @@
           <a:noFill/>
           <a:extLst>
             <a:ext uri="{909E8E84-426E-40dd-AFC4-6F175D3DCCD1}">
-              <a14:hiddenFill xmlns:a14="http://schemas.microsoft.com/office/drawing/2010/main" xmlns:p14="http://schemas.microsoft.com/office/powerpoint/2010/main" xmlns:a16="http://schemas.microsoft.com/office/drawing/2014/main" xmlns="">
+              <a14:hiddenFill xmlns="" xmlns:a16="http://schemas.microsoft.com/office/drawing/2014/main" xmlns:p14="http://schemas.microsoft.com/office/powerpoint/2010/main" xmlns:a14="http://schemas.microsoft.com/office/drawing/2010/main">
                 <a:solidFill>
                   <a:srgbClr val="FFFFFF"/>
                 </a:solidFill>
@@ -18904,7 +20060,7 @@
               </a:ln>
               <a:extLst>
                 <a:ext uri="{91240B29-F687-4f45-9708-019B960494DF}">
-                  <a14:hiddenLine xmlns:a14="http://schemas.microsoft.com/office/drawing/2010/main" xmlns:p14="http://schemas.microsoft.com/office/powerpoint/2010/main" xmlns:a16="http://schemas.microsoft.com/office/drawing/2014/main" xmlns="" w="9525">
+                  <a14:hiddenLine xmlns="" xmlns:a16="http://schemas.microsoft.com/office/drawing/2014/main" xmlns:p14="http://schemas.microsoft.com/office/powerpoint/2010/main" xmlns:a14="http://schemas.microsoft.com/office/drawing/2010/main" w="9525">
                     <a:solidFill>
                       <a:srgbClr val="000000"/>
                     </a:solidFill>
@@ -19016,7 +20172,7 @@
               </a:ln>
               <a:extLst>
                 <a:ext uri="{91240B29-F687-4f45-9708-019B960494DF}">
-                  <a14:hiddenLine xmlns:a14="http://schemas.microsoft.com/office/drawing/2010/main" xmlns:p14="http://schemas.microsoft.com/office/powerpoint/2010/main" xmlns:a16="http://schemas.microsoft.com/office/drawing/2014/main" xmlns="" w="9525">
+                  <a14:hiddenLine xmlns="" xmlns:a16="http://schemas.microsoft.com/office/drawing/2014/main" xmlns:p14="http://schemas.microsoft.com/office/powerpoint/2010/main" xmlns:a14="http://schemas.microsoft.com/office/drawing/2010/main" w="9525">
                     <a:solidFill>
                       <a:srgbClr val="000000"/>
                     </a:solidFill>
@@ -19128,7 +20284,7 @@
               </a:ln>
               <a:extLst>
                 <a:ext uri="{91240B29-F687-4f45-9708-019B960494DF}">
-                  <a14:hiddenLine xmlns:a14="http://schemas.microsoft.com/office/drawing/2010/main" xmlns:p14="http://schemas.microsoft.com/office/powerpoint/2010/main" xmlns:a16="http://schemas.microsoft.com/office/drawing/2014/main" xmlns="" w="9525">
+                  <a14:hiddenLine xmlns="" xmlns:a16="http://schemas.microsoft.com/office/drawing/2014/main" xmlns:p14="http://schemas.microsoft.com/office/powerpoint/2010/main" xmlns:a14="http://schemas.microsoft.com/office/drawing/2010/main" w="9525">
                     <a:solidFill>
                       <a:srgbClr val="000000"/>
                     </a:solidFill>
@@ -19212,7 +20368,7 @@
               </a:ln>
               <a:extLst>
                 <a:ext uri="{91240B29-F687-4f45-9708-019B960494DF}">
-                  <a14:hiddenLine xmlns:a14="http://schemas.microsoft.com/office/drawing/2010/main" xmlns:p14="http://schemas.microsoft.com/office/powerpoint/2010/main" xmlns:a16="http://schemas.microsoft.com/office/drawing/2014/main" xmlns="" w="9525">
+                  <a14:hiddenLine xmlns="" xmlns:a16="http://schemas.microsoft.com/office/drawing/2014/main" xmlns:p14="http://schemas.microsoft.com/office/powerpoint/2010/main" xmlns:a14="http://schemas.microsoft.com/office/drawing/2010/main" w="9525">
                     <a:solidFill>
                       <a:srgbClr val="000000"/>
                     </a:solidFill>
@@ -19324,7 +20480,7 @@
               </a:ln>
               <a:extLst>
                 <a:ext uri="{91240B29-F687-4f45-9708-019B960494DF}">
-                  <a14:hiddenLine xmlns:a14="http://schemas.microsoft.com/office/drawing/2010/main" xmlns:p14="http://schemas.microsoft.com/office/powerpoint/2010/main" xmlns:a16="http://schemas.microsoft.com/office/drawing/2014/main" xmlns="" w="9525">
+                  <a14:hiddenLine xmlns="" xmlns:a16="http://schemas.microsoft.com/office/drawing/2014/main" xmlns:p14="http://schemas.microsoft.com/office/powerpoint/2010/main" xmlns:a14="http://schemas.microsoft.com/office/drawing/2010/main" w="9525">
                     <a:solidFill>
                       <a:srgbClr val="000000"/>
                     </a:solidFill>
@@ -19408,7 +20564,7 @@
               </a:ln>
               <a:extLst>
                 <a:ext uri="{91240B29-F687-4f45-9708-019B960494DF}">
-                  <a14:hiddenLine xmlns:a14="http://schemas.microsoft.com/office/drawing/2010/main" xmlns:p14="http://schemas.microsoft.com/office/powerpoint/2010/main" xmlns:a16="http://schemas.microsoft.com/office/drawing/2014/main" xmlns="" w="9525">
+                  <a14:hiddenLine xmlns="" xmlns:a16="http://schemas.microsoft.com/office/drawing/2014/main" xmlns:p14="http://schemas.microsoft.com/office/powerpoint/2010/main" xmlns:a14="http://schemas.microsoft.com/office/drawing/2010/main" w="9525">
                     <a:solidFill>
                       <a:srgbClr val="000000"/>
                     </a:solidFill>
@@ -19492,7 +20648,7 @@
               </a:ln>
               <a:extLst>
                 <a:ext uri="{91240B29-F687-4f45-9708-019B960494DF}">
-                  <a14:hiddenLine xmlns:a14="http://schemas.microsoft.com/office/drawing/2010/main" xmlns:p14="http://schemas.microsoft.com/office/powerpoint/2010/main" xmlns:a16="http://schemas.microsoft.com/office/drawing/2014/main" xmlns="" w="9525">
+                  <a14:hiddenLine xmlns="" xmlns:a16="http://schemas.microsoft.com/office/drawing/2014/main" xmlns:p14="http://schemas.microsoft.com/office/powerpoint/2010/main" xmlns:a14="http://schemas.microsoft.com/office/drawing/2010/main" w="9525">
                     <a:solidFill>
                       <a:srgbClr val="000000"/>
                     </a:solidFill>
@@ -19604,7 +20760,7 @@
               </a:ln>
               <a:extLst>
                 <a:ext uri="{91240B29-F687-4f45-9708-019B960494DF}">
-                  <a14:hiddenLine xmlns:a14="http://schemas.microsoft.com/office/drawing/2010/main" xmlns:p14="http://schemas.microsoft.com/office/powerpoint/2010/main" xmlns:a16="http://schemas.microsoft.com/office/drawing/2014/main" xmlns="" w="9525">
+                  <a14:hiddenLine xmlns="" xmlns:a16="http://schemas.microsoft.com/office/drawing/2014/main" xmlns:p14="http://schemas.microsoft.com/office/powerpoint/2010/main" xmlns:a14="http://schemas.microsoft.com/office/drawing/2010/main" w="9525">
                     <a:solidFill>
                       <a:srgbClr val="000000"/>
                     </a:solidFill>
@@ -19716,7 +20872,7 @@
               </a:ln>
               <a:extLst>
                 <a:ext uri="{91240B29-F687-4f45-9708-019B960494DF}">
-                  <a14:hiddenLine xmlns:a14="http://schemas.microsoft.com/office/drawing/2010/main" xmlns:p14="http://schemas.microsoft.com/office/powerpoint/2010/main" xmlns:a16="http://schemas.microsoft.com/office/drawing/2014/main" xmlns="" w="9525">
+                  <a14:hiddenLine xmlns="" xmlns:a16="http://schemas.microsoft.com/office/drawing/2014/main" xmlns:p14="http://schemas.microsoft.com/office/powerpoint/2010/main" xmlns:a14="http://schemas.microsoft.com/office/drawing/2010/main" w="9525">
                     <a:solidFill>
                       <a:srgbClr val="000000"/>
                     </a:solidFill>
@@ -19800,7 +20956,7 @@
               </a:ln>
               <a:extLst>
                 <a:ext uri="{91240B29-F687-4f45-9708-019B960494DF}">
-                  <a14:hiddenLine xmlns:a14="http://schemas.microsoft.com/office/drawing/2010/main" xmlns:p14="http://schemas.microsoft.com/office/powerpoint/2010/main" xmlns:a16="http://schemas.microsoft.com/office/drawing/2014/main" xmlns="" w="9525">
+                  <a14:hiddenLine xmlns="" xmlns:a16="http://schemas.microsoft.com/office/drawing/2014/main" xmlns:p14="http://schemas.microsoft.com/office/powerpoint/2010/main" xmlns:a14="http://schemas.microsoft.com/office/drawing/2010/main" w="9525">
                     <a:solidFill>
                       <a:srgbClr val="000000"/>
                     </a:solidFill>
@@ -19932,7 +21088,7 @@
               </a:ln>
               <a:extLst>
                 <a:ext uri="{91240B29-F687-4f45-9708-019B960494DF}">
-                  <a14:hiddenLine xmlns:a14="http://schemas.microsoft.com/office/drawing/2010/main" xmlns:p14="http://schemas.microsoft.com/office/powerpoint/2010/main" xmlns:a16="http://schemas.microsoft.com/office/drawing/2014/main" xmlns="" w="9525">
+                  <a14:hiddenLine xmlns="" xmlns:a16="http://schemas.microsoft.com/office/drawing/2014/main" xmlns:p14="http://schemas.microsoft.com/office/powerpoint/2010/main" xmlns:a14="http://schemas.microsoft.com/office/drawing/2010/main" w="9525">
                     <a:solidFill>
                       <a:srgbClr val="000000"/>
                     </a:solidFill>
@@ -20060,7 +21216,7 @@
               </a:ln>
               <a:extLst>
                 <a:ext uri="{91240B29-F687-4f45-9708-019B960494DF}">
-                  <a14:hiddenLine xmlns:a14="http://schemas.microsoft.com/office/drawing/2010/main" xmlns:p14="http://schemas.microsoft.com/office/powerpoint/2010/main" xmlns:a16="http://schemas.microsoft.com/office/drawing/2014/main" xmlns="" w="9525">
+                  <a14:hiddenLine xmlns="" xmlns:a16="http://schemas.microsoft.com/office/drawing/2014/main" xmlns:p14="http://schemas.microsoft.com/office/powerpoint/2010/main" xmlns:a14="http://schemas.microsoft.com/office/drawing/2010/main" w="9525">
                     <a:solidFill>
                       <a:srgbClr val="000000"/>
                     </a:solidFill>
@@ -20144,7 +21300,7 @@
               </a:ln>
               <a:extLst>
                 <a:ext uri="{91240B29-F687-4f45-9708-019B960494DF}">
-                  <a14:hiddenLine xmlns:a14="http://schemas.microsoft.com/office/drawing/2010/main" xmlns:p14="http://schemas.microsoft.com/office/powerpoint/2010/main" xmlns:a16="http://schemas.microsoft.com/office/drawing/2014/main" xmlns="" w="9525">
+                  <a14:hiddenLine xmlns="" xmlns:a16="http://schemas.microsoft.com/office/drawing/2014/main" xmlns:p14="http://schemas.microsoft.com/office/powerpoint/2010/main" xmlns:a14="http://schemas.microsoft.com/office/drawing/2010/main" w="9525">
                     <a:solidFill>
                       <a:srgbClr val="000000"/>
                     </a:solidFill>
@@ -20228,7 +21384,7 @@
               </a:ln>
               <a:extLst>
                 <a:ext uri="{91240B29-F687-4f45-9708-019B960494DF}">
-                  <a14:hiddenLine xmlns:a14="http://schemas.microsoft.com/office/drawing/2010/main" xmlns:p14="http://schemas.microsoft.com/office/powerpoint/2010/main" xmlns:a16="http://schemas.microsoft.com/office/drawing/2014/main" xmlns="" w="9525">
+                  <a14:hiddenLine xmlns="" xmlns:a16="http://schemas.microsoft.com/office/drawing/2014/main" xmlns:p14="http://schemas.microsoft.com/office/powerpoint/2010/main" xmlns:a14="http://schemas.microsoft.com/office/drawing/2010/main" w="9525">
                     <a:solidFill>
                       <a:srgbClr val="000000"/>
                     </a:solidFill>
@@ -20340,7 +21496,7 @@
               </a:ln>
               <a:extLst>
                 <a:ext uri="{91240B29-F687-4f45-9708-019B960494DF}">
-                  <a14:hiddenLine xmlns:a14="http://schemas.microsoft.com/office/drawing/2010/main" xmlns:p14="http://schemas.microsoft.com/office/powerpoint/2010/main" xmlns:a16="http://schemas.microsoft.com/office/drawing/2014/main" xmlns="" w="9525">
+                  <a14:hiddenLine xmlns="" xmlns:a16="http://schemas.microsoft.com/office/drawing/2014/main" xmlns:p14="http://schemas.microsoft.com/office/powerpoint/2010/main" xmlns:a14="http://schemas.microsoft.com/office/drawing/2010/main" w="9525">
                     <a:solidFill>
                       <a:srgbClr val="000000"/>
                     </a:solidFill>
@@ -20396,7 +21552,7 @@
               </a:ln>
               <a:extLst>
                 <a:ext uri="{91240B29-F687-4f45-9708-019B960494DF}">
-                  <a14:hiddenLine xmlns:a14="http://schemas.microsoft.com/office/drawing/2010/main" xmlns:p14="http://schemas.microsoft.com/office/powerpoint/2010/main" xmlns:a16="http://schemas.microsoft.com/office/drawing/2014/main" xmlns="" w="9525">
+                  <a14:hiddenLine xmlns="" xmlns:a16="http://schemas.microsoft.com/office/drawing/2014/main" xmlns:p14="http://schemas.microsoft.com/office/powerpoint/2010/main" xmlns:a14="http://schemas.microsoft.com/office/drawing/2010/main" w="9525">
                     <a:solidFill>
                       <a:srgbClr val="000000"/>
                     </a:solidFill>
@@ -20483,7 +21639,7 @@
               </a:ln>
               <a:extLst>
                 <a:ext uri="{91240B29-F687-4f45-9708-019B960494DF}">
-                  <a14:hiddenLine xmlns:a14="http://schemas.microsoft.com/office/drawing/2010/main" xmlns:p14="http://schemas.microsoft.com/office/powerpoint/2010/main" xmlns:a16="http://schemas.microsoft.com/office/drawing/2014/main" xmlns="" w="9525">
+                  <a14:hiddenLine xmlns="" xmlns:a16="http://schemas.microsoft.com/office/drawing/2014/main" xmlns:p14="http://schemas.microsoft.com/office/powerpoint/2010/main" xmlns:a14="http://schemas.microsoft.com/office/drawing/2010/main" w="9525">
                     <a:solidFill>
                       <a:srgbClr val="000000"/>
                     </a:solidFill>
@@ -20595,7 +21751,7 @@
               </a:ln>
               <a:extLst>
                 <a:ext uri="{91240B29-F687-4f45-9708-019B960494DF}">
-                  <a14:hiddenLine xmlns:a14="http://schemas.microsoft.com/office/drawing/2010/main" xmlns:p14="http://schemas.microsoft.com/office/powerpoint/2010/main" xmlns:a16="http://schemas.microsoft.com/office/drawing/2014/main" xmlns="" w="9525">
+                  <a14:hiddenLine xmlns="" xmlns:a16="http://schemas.microsoft.com/office/drawing/2014/main" xmlns:p14="http://schemas.microsoft.com/office/powerpoint/2010/main" xmlns:a14="http://schemas.microsoft.com/office/drawing/2010/main" w="9525">
                     <a:solidFill>
                       <a:srgbClr val="000000"/>
                     </a:solidFill>
@@ -20679,7 +21835,7 @@
               </a:ln>
               <a:extLst>
                 <a:ext uri="{91240B29-F687-4f45-9708-019B960494DF}">
-                  <a14:hiddenLine xmlns:a14="http://schemas.microsoft.com/office/drawing/2010/main" xmlns:p14="http://schemas.microsoft.com/office/powerpoint/2010/main" xmlns:a16="http://schemas.microsoft.com/office/drawing/2014/main" xmlns="" w="9525">
+                  <a14:hiddenLine xmlns="" xmlns:a16="http://schemas.microsoft.com/office/drawing/2014/main" xmlns:p14="http://schemas.microsoft.com/office/powerpoint/2010/main" xmlns:a14="http://schemas.microsoft.com/office/drawing/2010/main" w="9525">
                     <a:solidFill>
                       <a:srgbClr val="000000"/>
                     </a:solidFill>
@@ -20791,7 +21947,7 @@
               </a:ln>
               <a:extLst>
                 <a:ext uri="{91240B29-F687-4f45-9708-019B960494DF}">
-                  <a14:hiddenLine xmlns:a14="http://schemas.microsoft.com/office/drawing/2010/main" xmlns:p14="http://schemas.microsoft.com/office/powerpoint/2010/main" xmlns:a16="http://schemas.microsoft.com/office/drawing/2014/main" xmlns="" w="9525">
+                  <a14:hiddenLine xmlns="" xmlns:a16="http://schemas.microsoft.com/office/drawing/2014/main" xmlns:p14="http://schemas.microsoft.com/office/powerpoint/2010/main" xmlns:a14="http://schemas.microsoft.com/office/drawing/2010/main" w="9525">
                     <a:solidFill>
                       <a:srgbClr val="000000"/>
                     </a:solidFill>
@@ -20878,7 +22034,7 @@
               </a:ln>
               <a:extLst>
                 <a:ext uri="{91240B29-F687-4f45-9708-019B960494DF}">
-                  <a14:hiddenLine xmlns:a14="http://schemas.microsoft.com/office/drawing/2010/main" xmlns:p14="http://schemas.microsoft.com/office/powerpoint/2010/main" xmlns:a16="http://schemas.microsoft.com/office/drawing/2014/main" xmlns="" w="9525">
+                  <a14:hiddenLine xmlns="" xmlns:a16="http://schemas.microsoft.com/office/drawing/2014/main" xmlns:p14="http://schemas.microsoft.com/office/powerpoint/2010/main" xmlns:a14="http://schemas.microsoft.com/office/drawing/2010/main" w="9525">
                     <a:solidFill>
                       <a:srgbClr val="000000"/>
                     </a:solidFill>
@@ -20962,7 +22118,7 @@
               </a:ln>
               <a:extLst>
                 <a:ext uri="{91240B29-F687-4f45-9708-019B960494DF}">
-                  <a14:hiddenLine xmlns:a14="http://schemas.microsoft.com/office/drawing/2010/main" xmlns:p14="http://schemas.microsoft.com/office/powerpoint/2010/main" xmlns:a16="http://schemas.microsoft.com/office/drawing/2014/main" xmlns="" w="9525">
+                  <a14:hiddenLine xmlns="" xmlns:a16="http://schemas.microsoft.com/office/drawing/2014/main" xmlns:p14="http://schemas.microsoft.com/office/powerpoint/2010/main" xmlns:a14="http://schemas.microsoft.com/office/drawing/2010/main" w="9525">
                     <a:solidFill>
                       <a:srgbClr val="000000"/>
                     </a:solidFill>
@@ -21074,7 +22230,7 @@
               </a:ln>
               <a:extLst>
                 <a:ext uri="{91240B29-F687-4f45-9708-019B960494DF}">
-                  <a14:hiddenLine xmlns:a14="http://schemas.microsoft.com/office/drawing/2010/main" xmlns:p14="http://schemas.microsoft.com/office/powerpoint/2010/main" xmlns:a16="http://schemas.microsoft.com/office/drawing/2014/main" xmlns="" w="9525">
+                  <a14:hiddenLine xmlns="" xmlns:a16="http://schemas.microsoft.com/office/drawing/2014/main" xmlns:p14="http://schemas.microsoft.com/office/powerpoint/2010/main" xmlns:a14="http://schemas.microsoft.com/office/drawing/2010/main" w="9525">
                     <a:solidFill>
                       <a:srgbClr val="000000"/>
                     </a:solidFill>
@@ -21186,7 +22342,7 @@
               </a:ln>
               <a:extLst>
                 <a:ext uri="{91240B29-F687-4f45-9708-019B960494DF}">
-                  <a14:hiddenLine xmlns:a14="http://schemas.microsoft.com/office/drawing/2010/main" xmlns:p14="http://schemas.microsoft.com/office/powerpoint/2010/main" xmlns:a16="http://schemas.microsoft.com/office/drawing/2014/main" xmlns="" w="9525">
+                  <a14:hiddenLine xmlns="" xmlns:a16="http://schemas.microsoft.com/office/drawing/2014/main" xmlns:p14="http://schemas.microsoft.com/office/powerpoint/2010/main" xmlns:a14="http://schemas.microsoft.com/office/drawing/2010/main" w="9525">
                     <a:solidFill>
                       <a:srgbClr val="000000"/>
                     </a:solidFill>
@@ -21273,7 +22429,7 @@
               </a:ln>
               <a:extLst>
                 <a:ext uri="{91240B29-F687-4f45-9708-019B960494DF}">
-                  <a14:hiddenLine xmlns:a14="http://schemas.microsoft.com/office/drawing/2010/main" xmlns:p14="http://schemas.microsoft.com/office/powerpoint/2010/main" xmlns:a16="http://schemas.microsoft.com/office/drawing/2014/main" xmlns="" w="9525">
+                  <a14:hiddenLine xmlns="" xmlns:a16="http://schemas.microsoft.com/office/drawing/2014/main" xmlns:p14="http://schemas.microsoft.com/office/powerpoint/2010/main" xmlns:a14="http://schemas.microsoft.com/office/drawing/2010/main" w="9525">
                     <a:solidFill>
                       <a:srgbClr val="000000"/>
                     </a:solidFill>
@@ -21415,7 +22571,7 @@
               </a:ln>
               <a:extLst>
                 <a:ext uri="{91240B29-F687-4f45-9708-019B960494DF}">
-                  <a14:hiddenLine xmlns:a14="http://schemas.microsoft.com/office/drawing/2010/main" xmlns:p14="http://schemas.microsoft.com/office/powerpoint/2010/main" xmlns:a16="http://schemas.microsoft.com/office/drawing/2014/main" xmlns="" w="9525">
+                  <a14:hiddenLine xmlns="" xmlns:a16="http://schemas.microsoft.com/office/drawing/2014/main" xmlns:p14="http://schemas.microsoft.com/office/powerpoint/2010/main" xmlns:a14="http://schemas.microsoft.com/office/drawing/2010/main" w="9525">
                     <a:solidFill>
                       <a:srgbClr val="000000"/>
                     </a:solidFill>
@@ -21547,7 +22703,7 @@
               </a:ln>
               <a:extLst>
                 <a:ext uri="{91240B29-F687-4f45-9708-019B960494DF}">
-                  <a14:hiddenLine xmlns:a14="http://schemas.microsoft.com/office/drawing/2010/main" xmlns:p14="http://schemas.microsoft.com/office/powerpoint/2010/main" xmlns:a16="http://schemas.microsoft.com/office/drawing/2014/main" xmlns="" w="9525">
+                  <a14:hiddenLine xmlns="" xmlns:a16="http://schemas.microsoft.com/office/drawing/2014/main" xmlns:p14="http://schemas.microsoft.com/office/powerpoint/2010/main" xmlns:a14="http://schemas.microsoft.com/office/drawing/2010/main" w="9525">
                     <a:solidFill>
                       <a:srgbClr val="000000"/>
                     </a:solidFill>
@@ -21684,7 +22840,7 @@
               </a:ln>
               <a:extLst>
                 <a:ext uri="{91240B29-F687-4f45-9708-019B960494DF}">
-                  <a14:hiddenLine xmlns:a14="http://schemas.microsoft.com/office/drawing/2010/main" xmlns:p14="http://schemas.microsoft.com/office/powerpoint/2010/main" xmlns:a16="http://schemas.microsoft.com/office/drawing/2014/main" xmlns="" w="9525">
+                  <a14:hiddenLine xmlns="" xmlns:a16="http://schemas.microsoft.com/office/drawing/2014/main" xmlns:p14="http://schemas.microsoft.com/office/powerpoint/2010/main" xmlns:a14="http://schemas.microsoft.com/office/drawing/2010/main" w="9525">
                     <a:solidFill>
                       <a:srgbClr val="000000"/>
                     </a:solidFill>
@@ -21796,7 +22952,7 @@
               </a:ln>
               <a:extLst>
                 <a:ext uri="{91240B29-F687-4f45-9708-019B960494DF}">
-                  <a14:hiddenLine xmlns:a14="http://schemas.microsoft.com/office/drawing/2010/main" xmlns:p14="http://schemas.microsoft.com/office/powerpoint/2010/main" xmlns:a16="http://schemas.microsoft.com/office/drawing/2014/main" xmlns="" w="9525">
+                  <a14:hiddenLine xmlns="" xmlns:a16="http://schemas.microsoft.com/office/drawing/2014/main" xmlns:p14="http://schemas.microsoft.com/office/powerpoint/2010/main" xmlns:a14="http://schemas.microsoft.com/office/drawing/2010/main" w="9525">
                     <a:solidFill>
                       <a:srgbClr val="000000"/>
                     </a:solidFill>
@@ -21883,7 +23039,7 @@
               </a:ln>
               <a:extLst>
                 <a:ext uri="{91240B29-F687-4f45-9708-019B960494DF}">
-                  <a14:hiddenLine xmlns:a14="http://schemas.microsoft.com/office/drawing/2010/main" xmlns:p14="http://schemas.microsoft.com/office/powerpoint/2010/main" xmlns:a16="http://schemas.microsoft.com/office/drawing/2014/main" xmlns="" w="9525">
+                  <a14:hiddenLine xmlns="" xmlns:a16="http://schemas.microsoft.com/office/drawing/2014/main" xmlns:p14="http://schemas.microsoft.com/office/powerpoint/2010/main" xmlns:a14="http://schemas.microsoft.com/office/drawing/2010/main" w="9525">
                     <a:solidFill>
                       <a:srgbClr val="000000"/>
                     </a:solidFill>
@@ -21995,7 +23151,7 @@
               </a:ln>
               <a:extLst>
                 <a:ext uri="{91240B29-F687-4f45-9708-019B960494DF}">
-                  <a14:hiddenLine xmlns:a14="http://schemas.microsoft.com/office/drawing/2010/main" xmlns:p14="http://schemas.microsoft.com/office/powerpoint/2010/main" xmlns:a16="http://schemas.microsoft.com/office/drawing/2014/main" xmlns="" w="9525">
+                  <a14:hiddenLine xmlns="" xmlns:a16="http://schemas.microsoft.com/office/drawing/2014/main" xmlns:p14="http://schemas.microsoft.com/office/powerpoint/2010/main" xmlns:a14="http://schemas.microsoft.com/office/drawing/2010/main" w="9525">
                     <a:solidFill>
                       <a:srgbClr val="000000"/>
                     </a:solidFill>
@@ -22085,7 +23241,7 @@
               </a:ln>
               <a:extLst>
                 <a:ext uri="{91240B29-F687-4f45-9708-019B960494DF}">
-                  <a14:hiddenLine xmlns:a14="http://schemas.microsoft.com/office/drawing/2010/main" xmlns:p14="http://schemas.microsoft.com/office/powerpoint/2010/main" xmlns:a16="http://schemas.microsoft.com/office/drawing/2014/main" xmlns="" w="9525">
+                  <a14:hiddenLine xmlns="" xmlns:a16="http://schemas.microsoft.com/office/drawing/2014/main" xmlns:p14="http://schemas.microsoft.com/office/powerpoint/2010/main" xmlns:a14="http://schemas.microsoft.com/office/drawing/2010/main" w="9525">
                     <a:solidFill>
                       <a:srgbClr val="000000"/>
                     </a:solidFill>
@@ -22197,7 +23353,7 @@
               </a:ln>
               <a:extLst>
                 <a:ext uri="{91240B29-F687-4f45-9708-019B960494DF}">
-                  <a14:hiddenLine xmlns:a14="http://schemas.microsoft.com/office/drawing/2010/main" xmlns:p14="http://schemas.microsoft.com/office/powerpoint/2010/main" xmlns:a16="http://schemas.microsoft.com/office/drawing/2014/main" xmlns="" w="9525">
+                  <a14:hiddenLine xmlns="" xmlns:a16="http://schemas.microsoft.com/office/drawing/2014/main" xmlns:p14="http://schemas.microsoft.com/office/powerpoint/2010/main" xmlns:a14="http://schemas.microsoft.com/office/drawing/2010/main" w="9525">
                     <a:solidFill>
                       <a:srgbClr val="000000"/>
                     </a:solidFill>
@@ -22287,7 +23443,7 @@
               </a:ln>
               <a:extLst>
                 <a:ext uri="{91240B29-F687-4f45-9708-019B960494DF}">
-                  <a14:hiddenLine xmlns:a14="http://schemas.microsoft.com/office/drawing/2010/main" xmlns:p14="http://schemas.microsoft.com/office/powerpoint/2010/main" xmlns:a16="http://schemas.microsoft.com/office/drawing/2014/main" xmlns="" w="9525">
+                  <a14:hiddenLine xmlns="" xmlns:a16="http://schemas.microsoft.com/office/drawing/2014/main" xmlns:p14="http://schemas.microsoft.com/office/powerpoint/2010/main" xmlns:a14="http://schemas.microsoft.com/office/drawing/2010/main" w="9525">
                     <a:solidFill>
                       <a:srgbClr val="000000"/>
                     </a:solidFill>
@@ -22399,7 +23555,7 @@
               </a:ln>
               <a:extLst>
                 <a:ext uri="{91240B29-F687-4f45-9708-019B960494DF}">
-                  <a14:hiddenLine xmlns:a14="http://schemas.microsoft.com/office/drawing/2010/main" xmlns:p14="http://schemas.microsoft.com/office/powerpoint/2010/main" xmlns:a16="http://schemas.microsoft.com/office/drawing/2014/main" xmlns="" w="9525">
+                  <a14:hiddenLine xmlns="" xmlns:a16="http://schemas.microsoft.com/office/drawing/2014/main" xmlns:p14="http://schemas.microsoft.com/office/powerpoint/2010/main" xmlns:a14="http://schemas.microsoft.com/office/drawing/2010/main" w="9525">
                     <a:solidFill>
                       <a:srgbClr val="000000"/>
                     </a:solidFill>
@@ -22455,7 +23611,7 @@
               </a:ln>
               <a:extLst>
                 <a:ext uri="{91240B29-F687-4f45-9708-019B960494DF}">
-                  <a14:hiddenLine xmlns:a14="http://schemas.microsoft.com/office/drawing/2010/main" xmlns:p14="http://schemas.microsoft.com/office/powerpoint/2010/main" xmlns:a16="http://schemas.microsoft.com/office/drawing/2014/main" xmlns="" w="9525">
+                  <a14:hiddenLine xmlns="" xmlns:a16="http://schemas.microsoft.com/office/drawing/2014/main" xmlns:p14="http://schemas.microsoft.com/office/powerpoint/2010/main" xmlns:a14="http://schemas.microsoft.com/office/drawing/2010/main" w="9525">
                     <a:solidFill>
                       <a:srgbClr val="000000"/>
                     </a:solidFill>
@@ -22524,7 +23680,7 @@
           <a:noFill/>
           <a:extLst>
             <a:ext uri="{909E8E84-426E-40dd-AFC4-6F175D3DCCD1}">
-              <a14:hiddenFill xmlns:a14="http://schemas.microsoft.com/office/drawing/2010/main" xmlns:p14="http://schemas.microsoft.com/office/powerpoint/2010/main" xmlns:a16="http://schemas.microsoft.com/office/drawing/2014/main" xmlns="">
+              <a14:hiddenFill xmlns="" xmlns:a16="http://schemas.microsoft.com/office/drawing/2014/main" xmlns:p14="http://schemas.microsoft.com/office/powerpoint/2010/main" xmlns:a14="http://schemas.microsoft.com/office/drawing/2010/main">
                 <a:solidFill>
                   <a:srgbClr val="FFFFFF"/>
                 </a:solidFill>

--- a/Employee Attrition Prediction Presentation.pptx
+++ b/Employee Attrition Prediction Presentation.pptx
@@ -199,7 +199,7 @@
           <a:noFill/>
           <a:extLst>
             <a:ext uri="{909E8E84-426E-40dd-AFC4-6F175D3DCCD1}">
-              <a14:hiddenFill xmlns="" xmlns:a14="http://schemas.microsoft.com/office/drawing/2010/main">
+              <a14:hiddenFill xmlns:a14="http://schemas.microsoft.com/office/drawing/2010/main" xmlns="">
                 <a:solidFill>
                   <a:srgbClr val="FFFFFF"/>
                 </a:solidFill>
@@ -259,7 +259,7 @@
             </a:ln>
             <a:extLst>
               <a:ext uri="{91240B29-F687-4f45-9708-019B960494DF}">
-                <a14:hiddenLine xmlns="" xmlns:a14="http://schemas.microsoft.com/office/drawing/2010/main" w="9525">
+                <a14:hiddenLine xmlns:a14="http://schemas.microsoft.com/office/drawing/2010/main" xmlns="" w="9525">
                   <a:solidFill>
                     <a:srgbClr val="000000"/>
                   </a:solidFill>
@@ -349,7 +349,7 @@
             </a:ln>
             <a:extLst>
               <a:ext uri="{91240B29-F687-4f45-9708-019B960494DF}">
-                <a14:hiddenLine xmlns="" xmlns:a14="http://schemas.microsoft.com/office/drawing/2010/main" w="9525">
+                <a14:hiddenLine xmlns:a14="http://schemas.microsoft.com/office/drawing/2010/main" xmlns="" w="9525">
                   <a:solidFill>
                     <a:srgbClr val="000000"/>
                   </a:solidFill>
@@ -439,7 +439,7 @@
             </a:ln>
             <a:extLst>
               <a:ext uri="{91240B29-F687-4f45-9708-019B960494DF}">
-                <a14:hiddenLine xmlns="" xmlns:a14="http://schemas.microsoft.com/office/drawing/2010/main" w="9525">
+                <a14:hiddenLine xmlns:a14="http://schemas.microsoft.com/office/drawing/2010/main" xmlns="" w="9525">
                   <a:solidFill>
                     <a:srgbClr val="000000"/>
                   </a:solidFill>
@@ -473,7 +473,7 @@
             </a:ln>
             <a:extLst>
               <a:ext uri="{91240B29-F687-4f45-9708-019B960494DF}">
-                <a14:hiddenLine xmlns="" xmlns:a14="http://schemas.microsoft.com/office/drawing/2010/main" w="9525">
+                <a14:hiddenLine xmlns:a14="http://schemas.microsoft.com/office/drawing/2010/main" xmlns="" w="9525">
                   <a:solidFill>
                     <a:srgbClr val="000000"/>
                   </a:solidFill>
@@ -563,7 +563,7 @@
             </a:ln>
             <a:extLst>
               <a:ext uri="{91240B29-F687-4f45-9708-019B960494DF}">
-                <a14:hiddenLine xmlns="" xmlns:a14="http://schemas.microsoft.com/office/drawing/2010/main" w="9525">
+                <a14:hiddenLine xmlns:a14="http://schemas.microsoft.com/office/drawing/2010/main" xmlns="" w="9525">
                   <a:solidFill>
                     <a:srgbClr val="000000"/>
                   </a:solidFill>
@@ -625,7 +625,7 @@
             </a:ln>
             <a:extLst>
               <a:ext uri="{91240B29-F687-4f45-9708-019B960494DF}">
-                <a14:hiddenLine xmlns="" xmlns:a14="http://schemas.microsoft.com/office/drawing/2010/main" w="9525">
+                <a14:hiddenLine xmlns:a14="http://schemas.microsoft.com/office/drawing/2010/main" xmlns="" w="9525">
                   <a:solidFill>
                     <a:srgbClr val="000000"/>
                   </a:solidFill>
@@ -687,7 +687,7 @@
             </a:ln>
             <a:extLst>
               <a:ext uri="{91240B29-F687-4f45-9708-019B960494DF}">
-                <a14:hiddenLine xmlns="" xmlns:a14="http://schemas.microsoft.com/office/drawing/2010/main" w="9525">
+                <a14:hiddenLine xmlns:a14="http://schemas.microsoft.com/office/drawing/2010/main" xmlns="" w="9525">
                   <a:solidFill>
                     <a:srgbClr val="000000"/>
                   </a:solidFill>
@@ -777,7 +777,7 @@
             </a:ln>
             <a:extLst>
               <a:ext uri="{91240B29-F687-4f45-9708-019B960494DF}">
-                <a14:hiddenLine xmlns="" xmlns:a14="http://schemas.microsoft.com/office/drawing/2010/main" w="9525">
+                <a14:hiddenLine xmlns:a14="http://schemas.microsoft.com/office/drawing/2010/main" xmlns="" w="9525">
                   <a:solidFill>
                     <a:srgbClr val="000000"/>
                   </a:solidFill>
@@ -839,7 +839,7 @@
             </a:ln>
             <a:extLst>
               <a:ext uri="{91240B29-F687-4f45-9708-019B960494DF}">
-                <a14:hiddenLine xmlns="" xmlns:a14="http://schemas.microsoft.com/office/drawing/2010/main" w="9525">
+                <a14:hiddenLine xmlns:a14="http://schemas.microsoft.com/office/drawing/2010/main" xmlns="" w="9525">
                   <a:solidFill>
                     <a:srgbClr val="000000"/>
                   </a:solidFill>
@@ -901,7 +901,7 @@
             </a:ln>
             <a:extLst>
               <a:ext uri="{91240B29-F687-4f45-9708-019B960494DF}">
-                <a14:hiddenLine xmlns="" xmlns:a14="http://schemas.microsoft.com/office/drawing/2010/main" w="9525">
+                <a14:hiddenLine xmlns:a14="http://schemas.microsoft.com/office/drawing/2010/main" xmlns="" w="9525">
                   <a:solidFill>
                     <a:srgbClr val="000000"/>
                   </a:solidFill>
@@ -991,7 +991,7 @@
             </a:ln>
             <a:extLst>
               <a:ext uri="{91240B29-F687-4f45-9708-019B960494DF}">
-                <a14:hiddenLine xmlns="" xmlns:a14="http://schemas.microsoft.com/office/drawing/2010/main" w="9525">
+                <a14:hiddenLine xmlns:a14="http://schemas.microsoft.com/office/drawing/2010/main" xmlns="" w="9525">
                   <a:solidFill>
                     <a:srgbClr val="000000"/>
                   </a:solidFill>
@@ -1081,7 +1081,7 @@
             </a:ln>
             <a:extLst>
               <a:ext uri="{91240B29-F687-4f45-9708-019B960494DF}">
-                <a14:hiddenLine xmlns="" xmlns:a14="http://schemas.microsoft.com/office/drawing/2010/main" w="9525">
+                <a14:hiddenLine xmlns:a14="http://schemas.microsoft.com/office/drawing/2010/main" xmlns="" w="9525">
                   <a:solidFill>
                     <a:srgbClr val="000000"/>
                   </a:solidFill>
@@ -1143,7 +1143,7 @@
             </a:ln>
             <a:extLst>
               <a:ext uri="{91240B29-F687-4f45-9708-019B960494DF}">
-                <a14:hiddenLine xmlns="" xmlns:a14="http://schemas.microsoft.com/office/drawing/2010/main" w="9525">
+                <a14:hiddenLine xmlns:a14="http://schemas.microsoft.com/office/drawing/2010/main" xmlns="" w="9525">
                   <a:solidFill>
                     <a:srgbClr val="000000"/>
                   </a:solidFill>
@@ -1253,7 +1253,7 @@
             </a:ln>
             <a:extLst>
               <a:ext uri="{91240B29-F687-4f45-9708-019B960494DF}">
-                <a14:hiddenLine xmlns="" xmlns:a14="http://schemas.microsoft.com/office/drawing/2010/main" w="9525">
+                <a14:hiddenLine xmlns:a14="http://schemas.microsoft.com/office/drawing/2010/main" xmlns="" w="9525">
                   <a:solidFill>
                     <a:srgbClr val="000000"/>
                   </a:solidFill>
@@ -1315,7 +1315,7 @@
             </a:ln>
             <a:extLst>
               <a:ext uri="{91240B29-F687-4f45-9708-019B960494DF}">
-                <a14:hiddenLine xmlns="" xmlns:a14="http://schemas.microsoft.com/office/drawing/2010/main" w="9525">
+                <a14:hiddenLine xmlns:a14="http://schemas.microsoft.com/office/drawing/2010/main" xmlns="" w="9525">
                   <a:solidFill>
                     <a:srgbClr val="000000"/>
                   </a:solidFill>
@@ -1405,7 +1405,7 @@
             </a:ln>
             <a:extLst>
               <a:ext uri="{91240B29-F687-4f45-9708-019B960494DF}">
-                <a14:hiddenLine xmlns="" xmlns:a14="http://schemas.microsoft.com/office/drawing/2010/main" w="9525">
+                <a14:hiddenLine xmlns:a14="http://schemas.microsoft.com/office/drawing/2010/main" xmlns="" w="9525">
                   <a:solidFill>
                     <a:srgbClr val="000000"/>
                   </a:solidFill>
@@ -1495,7 +1495,7 @@
             </a:ln>
             <a:extLst>
               <a:ext uri="{91240B29-F687-4f45-9708-019B960494DF}">
-                <a14:hiddenLine xmlns="" xmlns:a14="http://schemas.microsoft.com/office/drawing/2010/main" w="9525">
+                <a14:hiddenLine xmlns:a14="http://schemas.microsoft.com/office/drawing/2010/main" xmlns="" w="9525">
                   <a:solidFill>
                     <a:srgbClr val="000000"/>
                   </a:solidFill>
@@ -1557,7 +1557,7 @@
             </a:ln>
             <a:extLst>
               <a:ext uri="{91240B29-F687-4f45-9708-019B960494DF}">
-                <a14:hiddenLine xmlns="" xmlns:a14="http://schemas.microsoft.com/office/drawing/2010/main" w="9525">
+                <a14:hiddenLine xmlns:a14="http://schemas.microsoft.com/office/drawing/2010/main" xmlns="" w="9525">
                   <a:solidFill>
                     <a:srgbClr val="000000"/>
                   </a:solidFill>
@@ -1647,7 +1647,7 @@
             </a:ln>
             <a:extLst>
               <a:ext uri="{91240B29-F687-4f45-9708-019B960494DF}">
-                <a14:hiddenLine xmlns="" xmlns:a14="http://schemas.microsoft.com/office/drawing/2010/main" w="9525">
+                <a14:hiddenLine xmlns:a14="http://schemas.microsoft.com/office/drawing/2010/main" xmlns="" w="9525">
                   <a:solidFill>
                     <a:srgbClr val="000000"/>
                   </a:solidFill>
@@ -1737,7 +1737,7 @@
             </a:ln>
             <a:extLst>
               <a:ext uri="{91240B29-F687-4f45-9708-019B960494DF}">
-                <a14:hiddenLine xmlns="" xmlns:a14="http://schemas.microsoft.com/office/drawing/2010/main" w="9525">
+                <a14:hiddenLine xmlns:a14="http://schemas.microsoft.com/office/drawing/2010/main" xmlns="" w="9525">
                   <a:solidFill>
                     <a:srgbClr val="000000"/>
                   </a:solidFill>
@@ -1793,7 +1793,7 @@
             </a:ln>
             <a:extLst>
               <a:ext uri="{91240B29-F687-4f45-9708-019B960494DF}">
-                <a14:hiddenLine xmlns="" xmlns:a14="http://schemas.microsoft.com/office/drawing/2010/main" w="9525">
+                <a14:hiddenLine xmlns:a14="http://schemas.microsoft.com/office/drawing/2010/main" xmlns="" w="9525">
                   <a:solidFill>
                     <a:srgbClr val="000000"/>
                   </a:solidFill>
@@ -1883,7 +1883,7 @@
             </a:ln>
             <a:extLst>
               <a:ext uri="{91240B29-F687-4f45-9708-019B960494DF}">
-                <a14:hiddenLine xmlns="" xmlns:a14="http://schemas.microsoft.com/office/drawing/2010/main" w="9525">
+                <a14:hiddenLine xmlns:a14="http://schemas.microsoft.com/office/drawing/2010/main" xmlns="" w="9525">
                   <a:solidFill>
                     <a:srgbClr val="000000"/>
                   </a:solidFill>
@@ -1939,7 +1939,7 @@
             </a:ln>
             <a:extLst>
               <a:ext uri="{91240B29-F687-4f45-9708-019B960494DF}">
-                <a14:hiddenLine xmlns="" xmlns:a14="http://schemas.microsoft.com/office/drawing/2010/main" w="9525">
+                <a14:hiddenLine xmlns:a14="http://schemas.microsoft.com/office/drawing/2010/main" xmlns="" w="9525">
                   <a:solidFill>
                     <a:srgbClr val="000000"/>
                   </a:solidFill>
@@ -2029,7 +2029,7 @@
             </a:ln>
             <a:extLst>
               <a:ext uri="{91240B29-F687-4f45-9708-019B960494DF}">
-                <a14:hiddenLine xmlns="" xmlns:a14="http://schemas.microsoft.com/office/drawing/2010/main" w="9525">
+                <a14:hiddenLine xmlns:a14="http://schemas.microsoft.com/office/drawing/2010/main" xmlns="" w="9525">
                   <a:solidFill>
                     <a:srgbClr val="000000"/>
                   </a:solidFill>
@@ -2097,7 +2097,7 @@
             </a:ln>
             <a:extLst>
               <a:ext uri="{91240B29-F687-4f45-9708-019B960494DF}">
-                <a14:hiddenLine xmlns="" xmlns:a14="http://schemas.microsoft.com/office/drawing/2010/main" w="9525">
+                <a14:hiddenLine xmlns:a14="http://schemas.microsoft.com/office/drawing/2010/main" xmlns="" w="9525">
                   <a:solidFill>
                     <a:srgbClr val="000000"/>
                   </a:solidFill>
@@ -2187,7 +2187,7 @@
             </a:ln>
             <a:extLst>
               <a:ext uri="{91240B29-F687-4f45-9708-019B960494DF}">
-                <a14:hiddenLine xmlns="" xmlns:a14="http://schemas.microsoft.com/office/drawing/2010/main" w="9525">
+                <a14:hiddenLine xmlns:a14="http://schemas.microsoft.com/office/drawing/2010/main" xmlns="" w="9525">
                   <a:solidFill>
                     <a:srgbClr val="000000"/>
                   </a:solidFill>
@@ -2255,7 +2255,7 @@
             </a:ln>
             <a:extLst>
               <a:ext uri="{91240B29-F687-4f45-9708-019B960494DF}">
-                <a14:hiddenLine xmlns="" xmlns:a14="http://schemas.microsoft.com/office/drawing/2010/main" w="9525">
+                <a14:hiddenLine xmlns:a14="http://schemas.microsoft.com/office/drawing/2010/main" xmlns="" w="9525">
                   <a:solidFill>
                     <a:srgbClr val="000000"/>
                   </a:solidFill>
@@ -2345,7 +2345,7 @@
             </a:ln>
             <a:extLst>
               <a:ext uri="{91240B29-F687-4f45-9708-019B960494DF}">
-                <a14:hiddenLine xmlns="" xmlns:a14="http://schemas.microsoft.com/office/drawing/2010/main" w="9525">
+                <a14:hiddenLine xmlns:a14="http://schemas.microsoft.com/office/drawing/2010/main" xmlns="" w="9525">
                   <a:solidFill>
                     <a:srgbClr val="000000"/>
                   </a:solidFill>
@@ -2379,7 +2379,7 @@
             </a:ln>
             <a:extLst>
               <a:ext uri="{91240B29-F687-4f45-9708-019B960494DF}">
-                <a14:hiddenLine xmlns="" xmlns:a14="http://schemas.microsoft.com/office/drawing/2010/main" w="9525">
+                <a14:hiddenLine xmlns:a14="http://schemas.microsoft.com/office/drawing/2010/main" xmlns="" w="9525">
                   <a:solidFill>
                     <a:srgbClr val="000000"/>
                   </a:solidFill>
@@ -2469,7 +2469,7 @@
             </a:ln>
             <a:extLst>
               <a:ext uri="{91240B29-F687-4f45-9708-019B960494DF}">
-                <a14:hiddenLine xmlns="" xmlns:a14="http://schemas.microsoft.com/office/drawing/2010/main" w="9525">
+                <a14:hiddenLine xmlns:a14="http://schemas.microsoft.com/office/drawing/2010/main" xmlns="" w="9525">
                   <a:solidFill>
                     <a:srgbClr val="000000"/>
                   </a:solidFill>
@@ -2531,7 +2531,7 @@
             </a:ln>
             <a:extLst>
               <a:ext uri="{91240B29-F687-4f45-9708-019B960494DF}">
-                <a14:hiddenLine xmlns="" xmlns:a14="http://schemas.microsoft.com/office/drawing/2010/main" w="9525">
+                <a14:hiddenLine xmlns:a14="http://schemas.microsoft.com/office/drawing/2010/main" xmlns="" w="9525">
                   <a:solidFill>
                     <a:srgbClr val="000000"/>
                   </a:solidFill>
@@ -2593,7 +2593,7 @@
             </a:ln>
             <a:extLst>
               <a:ext uri="{91240B29-F687-4f45-9708-019B960494DF}">
-                <a14:hiddenLine xmlns="" xmlns:a14="http://schemas.microsoft.com/office/drawing/2010/main" w="9525">
+                <a14:hiddenLine xmlns:a14="http://schemas.microsoft.com/office/drawing/2010/main" xmlns="" w="9525">
                   <a:solidFill>
                     <a:srgbClr val="000000"/>
                   </a:solidFill>
@@ -2683,7 +2683,7 @@
             </a:ln>
             <a:extLst>
               <a:ext uri="{91240B29-F687-4f45-9708-019B960494DF}">
-                <a14:hiddenLine xmlns="" xmlns:a14="http://schemas.microsoft.com/office/drawing/2010/main" w="9525">
+                <a14:hiddenLine xmlns:a14="http://schemas.microsoft.com/office/drawing/2010/main" xmlns="" w="9525">
                   <a:solidFill>
                     <a:srgbClr val="000000"/>
                   </a:solidFill>
@@ -2751,7 +2751,7 @@
             </a:ln>
             <a:extLst>
               <a:ext uri="{91240B29-F687-4f45-9708-019B960494DF}">
-                <a14:hiddenLine xmlns="" xmlns:a14="http://schemas.microsoft.com/office/drawing/2010/main" w="9525">
+                <a14:hiddenLine xmlns:a14="http://schemas.microsoft.com/office/drawing/2010/main" xmlns="" w="9525">
                   <a:solidFill>
                     <a:srgbClr val="000000"/>
                   </a:solidFill>
@@ -2813,7 +2813,7 @@
             </a:ln>
             <a:extLst>
               <a:ext uri="{91240B29-F687-4f45-9708-019B960494DF}">
-                <a14:hiddenLine xmlns="" xmlns:a14="http://schemas.microsoft.com/office/drawing/2010/main" w="9525">
+                <a14:hiddenLine xmlns:a14="http://schemas.microsoft.com/office/drawing/2010/main" xmlns="" w="9525">
                   <a:solidFill>
                     <a:srgbClr val="000000"/>
                   </a:solidFill>
@@ -2903,7 +2903,7 @@
             </a:ln>
             <a:extLst>
               <a:ext uri="{91240B29-F687-4f45-9708-019B960494DF}">
-                <a14:hiddenLine xmlns="" xmlns:a14="http://schemas.microsoft.com/office/drawing/2010/main" w="9525">
+                <a14:hiddenLine xmlns:a14="http://schemas.microsoft.com/office/drawing/2010/main" xmlns="" w="9525">
                   <a:solidFill>
                     <a:srgbClr val="000000"/>
                   </a:solidFill>
@@ -2965,7 +2965,7 @@
             </a:ln>
             <a:extLst>
               <a:ext uri="{91240B29-F687-4f45-9708-019B960494DF}">
-                <a14:hiddenLine xmlns="" xmlns:a14="http://schemas.microsoft.com/office/drawing/2010/main" w="9525">
+                <a14:hiddenLine xmlns:a14="http://schemas.microsoft.com/office/drawing/2010/main" xmlns="" w="9525">
                   <a:solidFill>
                     <a:srgbClr val="000000"/>
                   </a:solidFill>
@@ -3055,7 +3055,7 @@
             </a:ln>
             <a:extLst>
               <a:ext uri="{91240B29-F687-4f45-9708-019B960494DF}">
-                <a14:hiddenLine xmlns="" xmlns:a14="http://schemas.microsoft.com/office/drawing/2010/main" w="9525">
+                <a14:hiddenLine xmlns:a14="http://schemas.microsoft.com/office/drawing/2010/main" xmlns="" w="9525">
                   <a:solidFill>
                     <a:srgbClr val="000000"/>
                   </a:solidFill>
@@ -3117,7 +3117,7 @@
             </a:ln>
             <a:extLst>
               <a:ext uri="{91240B29-F687-4f45-9708-019B960494DF}">
-                <a14:hiddenLine xmlns="" xmlns:a14="http://schemas.microsoft.com/office/drawing/2010/main" w="9525">
+                <a14:hiddenLine xmlns:a14="http://schemas.microsoft.com/office/drawing/2010/main" xmlns="" w="9525">
                   <a:solidFill>
                     <a:srgbClr val="000000"/>
                   </a:solidFill>
@@ -3207,7 +3207,7 @@
             </a:ln>
             <a:extLst>
               <a:ext uri="{91240B29-F687-4f45-9708-019B960494DF}">
-                <a14:hiddenLine xmlns="" xmlns:a14="http://schemas.microsoft.com/office/drawing/2010/main" w="9525">
+                <a14:hiddenLine xmlns:a14="http://schemas.microsoft.com/office/drawing/2010/main" xmlns="" w="9525">
                   <a:solidFill>
                     <a:srgbClr val="000000"/>
                   </a:solidFill>
@@ -3241,7 +3241,7 @@
             </a:ln>
             <a:extLst>
               <a:ext uri="{91240B29-F687-4f45-9708-019B960494DF}">
-                <a14:hiddenLine xmlns="" xmlns:a14="http://schemas.microsoft.com/office/drawing/2010/main" w="9525">
+                <a14:hiddenLine xmlns:a14="http://schemas.microsoft.com/office/drawing/2010/main" xmlns="" w="9525">
                   <a:solidFill>
                     <a:srgbClr val="000000"/>
                   </a:solidFill>
@@ -3306,7 +3306,7 @@
             </a:ln>
             <a:extLst>
               <a:ext uri="{91240B29-F687-4f45-9708-019B960494DF}">
-                <a14:hiddenLine xmlns="" xmlns:a14="http://schemas.microsoft.com/office/drawing/2010/main" w="9525">
+                <a14:hiddenLine xmlns:a14="http://schemas.microsoft.com/office/drawing/2010/main" xmlns="" w="9525">
                   <a:solidFill>
                     <a:srgbClr val="000000"/>
                   </a:solidFill>
@@ -3396,7 +3396,7 @@
             </a:ln>
             <a:extLst>
               <a:ext uri="{91240B29-F687-4f45-9708-019B960494DF}">
-                <a14:hiddenLine xmlns="" xmlns:a14="http://schemas.microsoft.com/office/drawing/2010/main" w="9525">
+                <a14:hiddenLine xmlns:a14="http://schemas.microsoft.com/office/drawing/2010/main" xmlns="" w="9525">
                   <a:solidFill>
                     <a:srgbClr val="000000"/>
                   </a:solidFill>
@@ -3458,7 +3458,7 @@
             </a:ln>
             <a:extLst>
               <a:ext uri="{91240B29-F687-4f45-9708-019B960494DF}">
-                <a14:hiddenLine xmlns="" xmlns:a14="http://schemas.microsoft.com/office/drawing/2010/main" w="9525">
+                <a14:hiddenLine xmlns:a14="http://schemas.microsoft.com/office/drawing/2010/main" xmlns="" w="9525">
                   <a:solidFill>
                     <a:srgbClr val="000000"/>
                   </a:solidFill>
@@ -3548,7 +3548,7 @@
             </a:ln>
             <a:extLst>
               <a:ext uri="{91240B29-F687-4f45-9708-019B960494DF}">
-                <a14:hiddenLine xmlns="" xmlns:a14="http://schemas.microsoft.com/office/drawing/2010/main" w="9525">
+                <a14:hiddenLine xmlns:a14="http://schemas.microsoft.com/office/drawing/2010/main" xmlns="" w="9525">
                   <a:solidFill>
                     <a:srgbClr val="000000"/>
                   </a:solidFill>
@@ -3638,7 +3638,7 @@
             </a:ln>
             <a:extLst>
               <a:ext uri="{91240B29-F687-4f45-9708-019B960494DF}">
-                <a14:hiddenLine xmlns="" xmlns:a14="http://schemas.microsoft.com/office/drawing/2010/main" w="9525">
+                <a14:hiddenLine xmlns:a14="http://schemas.microsoft.com/office/drawing/2010/main" xmlns="" w="9525">
                   <a:solidFill>
                     <a:srgbClr val="000000"/>
                   </a:solidFill>
@@ -3703,7 +3703,7 @@
             </a:ln>
             <a:extLst>
               <a:ext uri="{91240B29-F687-4f45-9708-019B960494DF}">
-                <a14:hiddenLine xmlns="" xmlns:a14="http://schemas.microsoft.com/office/drawing/2010/main" w="9525">
+                <a14:hiddenLine xmlns:a14="http://schemas.microsoft.com/office/drawing/2010/main" xmlns="" w="9525">
                   <a:solidFill>
                     <a:srgbClr val="000000"/>
                   </a:solidFill>
@@ -3765,7 +3765,7 @@
             </a:ln>
             <a:extLst>
               <a:ext uri="{91240B29-F687-4f45-9708-019B960494DF}">
-                <a14:hiddenLine xmlns="" xmlns:a14="http://schemas.microsoft.com/office/drawing/2010/main" w="9525">
+                <a14:hiddenLine xmlns:a14="http://schemas.microsoft.com/office/drawing/2010/main" xmlns="" w="9525">
                   <a:solidFill>
                     <a:srgbClr val="000000"/>
                   </a:solidFill>
@@ -3855,7 +3855,7 @@
             </a:ln>
             <a:extLst>
               <a:ext uri="{91240B29-F687-4f45-9708-019B960494DF}">
-                <a14:hiddenLine xmlns="" xmlns:a14="http://schemas.microsoft.com/office/drawing/2010/main" w="9525">
+                <a14:hiddenLine xmlns:a14="http://schemas.microsoft.com/office/drawing/2010/main" xmlns="" w="9525">
                   <a:solidFill>
                     <a:srgbClr val="000000"/>
                   </a:solidFill>
@@ -3945,7 +3945,7 @@
             </a:ln>
             <a:extLst>
               <a:ext uri="{91240B29-F687-4f45-9708-019B960494DF}">
-                <a14:hiddenLine xmlns="" xmlns:a14="http://schemas.microsoft.com/office/drawing/2010/main" w="9525">
+                <a14:hiddenLine xmlns:a14="http://schemas.microsoft.com/office/drawing/2010/main" xmlns="" w="9525">
                   <a:solidFill>
                     <a:srgbClr val="000000"/>
                   </a:solidFill>
@@ -4007,7 +4007,7 @@
             </a:ln>
             <a:extLst>
               <a:ext uri="{91240B29-F687-4f45-9708-019B960494DF}">
-                <a14:hiddenLine xmlns="" xmlns:a14="http://schemas.microsoft.com/office/drawing/2010/main" w="9525">
+                <a14:hiddenLine xmlns:a14="http://schemas.microsoft.com/office/drawing/2010/main" xmlns="" w="9525">
                   <a:solidFill>
                     <a:srgbClr val="000000"/>
                   </a:solidFill>
@@ -4127,7 +4127,7 @@
             </a:ln>
             <a:extLst>
               <a:ext uri="{91240B29-F687-4f45-9708-019B960494DF}">
-                <a14:hiddenLine xmlns="" xmlns:a14="http://schemas.microsoft.com/office/drawing/2010/main" w="9525">
+                <a14:hiddenLine xmlns:a14="http://schemas.microsoft.com/office/drawing/2010/main" xmlns="" w="9525">
                   <a:solidFill>
                     <a:srgbClr val="000000"/>
                   </a:solidFill>
@@ -4195,7 +4195,7 @@
             </a:ln>
             <a:extLst>
               <a:ext uri="{91240B29-F687-4f45-9708-019B960494DF}">
-                <a14:hiddenLine xmlns="" xmlns:a14="http://schemas.microsoft.com/office/drawing/2010/main" w="9525">
+                <a14:hiddenLine xmlns:a14="http://schemas.microsoft.com/office/drawing/2010/main" xmlns="" w="9525">
                   <a:solidFill>
                     <a:srgbClr val="000000"/>
                   </a:solidFill>
@@ -4285,7 +4285,7 @@
             </a:ln>
             <a:extLst>
               <a:ext uri="{91240B29-F687-4f45-9708-019B960494DF}">
-                <a14:hiddenLine xmlns="" xmlns:a14="http://schemas.microsoft.com/office/drawing/2010/main" w="9525">
+                <a14:hiddenLine xmlns:a14="http://schemas.microsoft.com/office/drawing/2010/main" xmlns="" w="9525">
                   <a:solidFill>
                     <a:srgbClr val="000000"/>
                   </a:solidFill>
@@ -9092,7 +9092,7 @@
           <a:noFill/>
           <a:extLst>
             <a:ext uri="{909E8E84-426E-40dd-AFC4-6F175D3DCCD1}">
-              <a14:hiddenFill xmlns="" xmlns:a14="http://schemas.microsoft.com/office/drawing/2010/main">
+              <a14:hiddenFill xmlns:a14="http://schemas.microsoft.com/office/drawing/2010/main" xmlns="">
                 <a:solidFill>
                   <a:srgbClr val="FFFFFF"/>
                 </a:solidFill>
@@ -9166,7 +9166,7 @@
               </a:ln>
               <a:extLst>
                 <a:ext uri="{91240B29-F687-4f45-9708-019B960494DF}">
-                  <a14:hiddenLine xmlns="" xmlns:a14="http://schemas.microsoft.com/office/drawing/2010/main" w="9525">
+                  <a14:hiddenLine xmlns:a14="http://schemas.microsoft.com/office/drawing/2010/main" xmlns="" w="9525">
                     <a:solidFill>
                       <a:srgbClr val="000000"/>
                     </a:solidFill>
@@ -9256,7 +9256,7 @@
               </a:ln>
               <a:extLst>
                 <a:ext uri="{91240B29-F687-4f45-9708-019B960494DF}">
-                  <a14:hiddenLine xmlns="" xmlns:a14="http://schemas.microsoft.com/office/drawing/2010/main" w="9525">
+                  <a14:hiddenLine xmlns:a14="http://schemas.microsoft.com/office/drawing/2010/main" xmlns="" w="9525">
                     <a:solidFill>
                       <a:srgbClr val="000000"/>
                     </a:solidFill>
@@ -9346,7 +9346,7 @@
               </a:ln>
               <a:extLst>
                 <a:ext uri="{91240B29-F687-4f45-9708-019B960494DF}">
-                  <a14:hiddenLine xmlns="" xmlns:a14="http://schemas.microsoft.com/office/drawing/2010/main" w="9525">
+                  <a14:hiddenLine xmlns:a14="http://schemas.microsoft.com/office/drawing/2010/main" xmlns="" w="9525">
                     <a:solidFill>
                       <a:srgbClr val="000000"/>
                     </a:solidFill>
@@ -9408,7 +9408,7 @@
               </a:ln>
               <a:extLst>
                 <a:ext uri="{91240B29-F687-4f45-9708-019B960494DF}">
-                  <a14:hiddenLine xmlns="" xmlns:a14="http://schemas.microsoft.com/office/drawing/2010/main" w="9525">
+                  <a14:hiddenLine xmlns:a14="http://schemas.microsoft.com/office/drawing/2010/main" xmlns="" w="9525">
                     <a:solidFill>
                       <a:srgbClr val="000000"/>
                     </a:solidFill>
@@ -9498,7 +9498,7 @@
               </a:ln>
               <a:extLst>
                 <a:ext uri="{91240B29-F687-4f45-9708-019B960494DF}">
-                  <a14:hiddenLine xmlns="" xmlns:a14="http://schemas.microsoft.com/office/drawing/2010/main" w="9525">
+                  <a14:hiddenLine xmlns:a14="http://schemas.microsoft.com/office/drawing/2010/main" xmlns="" w="9525">
                     <a:solidFill>
                       <a:srgbClr val="000000"/>
                     </a:solidFill>
@@ -9560,7 +9560,7 @@
               </a:ln>
               <a:extLst>
                 <a:ext uri="{91240B29-F687-4f45-9708-019B960494DF}">
-                  <a14:hiddenLine xmlns="" xmlns:a14="http://schemas.microsoft.com/office/drawing/2010/main" w="9525">
+                  <a14:hiddenLine xmlns:a14="http://schemas.microsoft.com/office/drawing/2010/main" xmlns="" w="9525">
                     <a:solidFill>
                       <a:srgbClr val="000000"/>
                     </a:solidFill>
@@ -9622,7 +9622,7 @@
               </a:ln>
               <a:extLst>
                 <a:ext uri="{91240B29-F687-4f45-9708-019B960494DF}">
-                  <a14:hiddenLine xmlns="" xmlns:a14="http://schemas.microsoft.com/office/drawing/2010/main" w="9525">
+                  <a14:hiddenLine xmlns:a14="http://schemas.microsoft.com/office/drawing/2010/main" xmlns="" w="9525">
                     <a:solidFill>
                       <a:srgbClr val="000000"/>
                     </a:solidFill>
@@ -9712,7 +9712,7 @@
               </a:ln>
               <a:extLst>
                 <a:ext uri="{91240B29-F687-4f45-9708-019B960494DF}">
-                  <a14:hiddenLine xmlns="" xmlns:a14="http://schemas.microsoft.com/office/drawing/2010/main" w="9525">
+                  <a14:hiddenLine xmlns:a14="http://schemas.microsoft.com/office/drawing/2010/main" xmlns="" w="9525">
                     <a:solidFill>
                       <a:srgbClr val="000000"/>
                     </a:solidFill>
@@ -9802,7 +9802,7 @@
               </a:ln>
               <a:extLst>
                 <a:ext uri="{91240B29-F687-4f45-9708-019B960494DF}">
-                  <a14:hiddenLine xmlns="" xmlns:a14="http://schemas.microsoft.com/office/drawing/2010/main" w="9525">
+                  <a14:hiddenLine xmlns:a14="http://schemas.microsoft.com/office/drawing/2010/main" xmlns="" w="9525">
                     <a:solidFill>
                       <a:srgbClr val="000000"/>
                     </a:solidFill>
@@ -9864,7 +9864,7 @@
               </a:ln>
               <a:extLst>
                 <a:ext uri="{91240B29-F687-4f45-9708-019B960494DF}">
-                  <a14:hiddenLine xmlns="" xmlns:a14="http://schemas.microsoft.com/office/drawing/2010/main" w="9525">
+                  <a14:hiddenLine xmlns:a14="http://schemas.microsoft.com/office/drawing/2010/main" xmlns="" w="9525">
                     <a:solidFill>
                       <a:srgbClr val="000000"/>
                     </a:solidFill>
@@ -9974,7 +9974,7 @@
               </a:ln>
               <a:extLst>
                 <a:ext uri="{91240B29-F687-4f45-9708-019B960494DF}">
-                  <a14:hiddenLine xmlns="" xmlns:a14="http://schemas.microsoft.com/office/drawing/2010/main" w="9525">
+                  <a14:hiddenLine xmlns:a14="http://schemas.microsoft.com/office/drawing/2010/main" xmlns="" w="9525">
                     <a:solidFill>
                       <a:srgbClr val="000000"/>
                     </a:solidFill>
@@ -10058,7 +10058,7 @@
               </a:ln>
               <a:extLst>
                 <a:ext uri="{91240B29-F687-4f45-9708-019B960494DF}">
-                  <a14:hiddenLine xmlns="" xmlns:a14="http://schemas.microsoft.com/office/drawing/2010/main" w="9525">
+                  <a14:hiddenLine xmlns:a14="http://schemas.microsoft.com/office/drawing/2010/main" xmlns="" w="9525">
                     <a:solidFill>
                       <a:srgbClr val="000000"/>
                     </a:solidFill>
@@ -10120,7 +10120,7 @@
               </a:ln>
               <a:extLst>
                 <a:ext uri="{91240B29-F687-4f45-9708-019B960494DF}">
-                  <a14:hiddenLine xmlns="" xmlns:a14="http://schemas.microsoft.com/office/drawing/2010/main" w="9525">
+                  <a14:hiddenLine xmlns:a14="http://schemas.microsoft.com/office/drawing/2010/main" xmlns="" w="9525">
                     <a:solidFill>
                       <a:srgbClr val="000000"/>
                     </a:solidFill>
@@ -10182,7 +10182,7 @@
               </a:ln>
               <a:extLst>
                 <a:ext uri="{91240B29-F687-4f45-9708-019B960494DF}">
-                  <a14:hiddenLine xmlns="" xmlns:a14="http://schemas.microsoft.com/office/drawing/2010/main" w="9525">
+                  <a14:hiddenLine xmlns:a14="http://schemas.microsoft.com/office/drawing/2010/main" xmlns="" w="9525">
                     <a:solidFill>
                       <a:srgbClr val="000000"/>
                     </a:solidFill>
@@ -10272,7 +10272,7 @@
               </a:ln>
               <a:extLst>
                 <a:ext uri="{91240B29-F687-4f45-9708-019B960494DF}">
-                  <a14:hiddenLine xmlns="" xmlns:a14="http://schemas.microsoft.com/office/drawing/2010/main" w="9525">
+                  <a14:hiddenLine xmlns:a14="http://schemas.microsoft.com/office/drawing/2010/main" xmlns="" w="9525">
                     <a:solidFill>
                       <a:srgbClr val="000000"/>
                     </a:solidFill>
@@ -10306,7 +10306,7 @@
               </a:ln>
               <a:extLst>
                 <a:ext uri="{91240B29-F687-4f45-9708-019B960494DF}">
-                  <a14:hiddenLine xmlns="" xmlns:a14="http://schemas.microsoft.com/office/drawing/2010/main" w="9525">
+                  <a14:hiddenLine xmlns:a14="http://schemas.microsoft.com/office/drawing/2010/main" xmlns="" w="9525">
                     <a:solidFill>
                       <a:srgbClr val="000000"/>
                     </a:solidFill>
@@ -10371,7 +10371,7 @@
               </a:ln>
               <a:extLst>
                 <a:ext uri="{91240B29-F687-4f45-9708-019B960494DF}">
-                  <a14:hiddenLine xmlns="" xmlns:a14="http://schemas.microsoft.com/office/drawing/2010/main" w="9525">
+                  <a14:hiddenLine xmlns:a14="http://schemas.microsoft.com/office/drawing/2010/main" xmlns="" w="9525">
                     <a:solidFill>
                       <a:srgbClr val="000000"/>
                     </a:solidFill>
@@ -10461,7 +10461,7 @@
               </a:ln>
               <a:extLst>
                 <a:ext uri="{91240B29-F687-4f45-9708-019B960494DF}">
-                  <a14:hiddenLine xmlns="" xmlns:a14="http://schemas.microsoft.com/office/drawing/2010/main" w="9525">
+                  <a14:hiddenLine xmlns:a14="http://schemas.microsoft.com/office/drawing/2010/main" xmlns="" w="9525">
                     <a:solidFill>
                       <a:srgbClr val="000000"/>
                     </a:solidFill>
@@ -10523,7 +10523,7 @@
               </a:ln>
               <a:extLst>
                 <a:ext uri="{91240B29-F687-4f45-9708-019B960494DF}">
-                  <a14:hiddenLine xmlns="" xmlns:a14="http://schemas.microsoft.com/office/drawing/2010/main" w="9525">
+                  <a14:hiddenLine xmlns:a14="http://schemas.microsoft.com/office/drawing/2010/main" xmlns="" w="9525">
                     <a:solidFill>
                       <a:srgbClr val="000000"/>
                     </a:solidFill>
@@ -10613,7 +10613,7 @@
               </a:ln>
               <a:extLst>
                 <a:ext uri="{91240B29-F687-4f45-9708-019B960494DF}">
-                  <a14:hiddenLine xmlns="" xmlns:a14="http://schemas.microsoft.com/office/drawing/2010/main" w="9525">
+                  <a14:hiddenLine xmlns:a14="http://schemas.microsoft.com/office/drawing/2010/main" xmlns="" w="9525">
                     <a:solidFill>
                       <a:srgbClr val="000000"/>
                     </a:solidFill>
@@ -10678,7 +10678,7 @@
               </a:ln>
               <a:extLst>
                 <a:ext uri="{91240B29-F687-4f45-9708-019B960494DF}">
-                  <a14:hiddenLine xmlns="" xmlns:a14="http://schemas.microsoft.com/office/drawing/2010/main" w="9525">
+                  <a14:hiddenLine xmlns:a14="http://schemas.microsoft.com/office/drawing/2010/main" xmlns="" w="9525">
                     <a:solidFill>
                       <a:srgbClr val="000000"/>
                     </a:solidFill>
@@ -10740,7 +10740,7 @@
               </a:ln>
               <a:extLst>
                 <a:ext uri="{91240B29-F687-4f45-9708-019B960494DF}">
-                  <a14:hiddenLine xmlns="" xmlns:a14="http://schemas.microsoft.com/office/drawing/2010/main" w="9525">
+                  <a14:hiddenLine xmlns:a14="http://schemas.microsoft.com/office/drawing/2010/main" xmlns="" w="9525">
                     <a:solidFill>
                       <a:srgbClr val="000000"/>
                     </a:solidFill>
@@ -10830,7 +10830,7 @@
               </a:ln>
               <a:extLst>
                 <a:ext uri="{91240B29-F687-4f45-9708-019B960494DF}">
-                  <a14:hiddenLine xmlns="" xmlns:a14="http://schemas.microsoft.com/office/drawing/2010/main" w="9525">
+                  <a14:hiddenLine xmlns:a14="http://schemas.microsoft.com/office/drawing/2010/main" xmlns="" w="9525">
                     <a:solidFill>
                       <a:srgbClr val="000000"/>
                     </a:solidFill>
@@ -10920,7 +10920,7 @@
               </a:ln>
               <a:extLst>
                 <a:ext uri="{91240B29-F687-4f45-9708-019B960494DF}">
-                  <a14:hiddenLine xmlns="" xmlns:a14="http://schemas.microsoft.com/office/drawing/2010/main" w="9525">
+                  <a14:hiddenLine xmlns:a14="http://schemas.microsoft.com/office/drawing/2010/main" xmlns="" w="9525">
                     <a:solidFill>
                       <a:srgbClr val="000000"/>
                     </a:solidFill>
@@ -10985,7 +10985,7 @@
               </a:ln>
               <a:extLst>
                 <a:ext uri="{91240B29-F687-4f45-9708-019B960494DF}">
-                  <a14:hiddenLine xmlns="" xmlns:a14="http://schemas.microsoft.com/office/drawing/2010/main" w="9525">
+                  <a14:hiddenLine xmlns:a14="http://schemas.microsoft.com/office/drawing/2010/main" xmlns="" w="9525">
                     <a:solidFill>
                       <a:srgbClr val="000000"/>
                     </a:solidFill>
@@ -11105,7 +11105,7 @@
               </a:ln>
               <a:extLst>
                 <a:ext uri="{91240B29-F687-4f45-9708-019B960494DF}">
-                  <a14:hiddenLine xmlns="" xmlns:a14="http://schemas.microsoft.com/office/drawing/2010/main" w="9525">
+                  <a14:hiddenLine xmlns:a14="http://schemas.microsoft.com/office/drawing/2010/main" xmlns="" w="9525">
                     <a:solidFill>
                       <a:srgbClr val="000000"/>
                     </a:solidFill>
@@ -11203,7 +11203,7 @@
               </a:ln>
               <a:extLst>
                 <a:ext uri="{91240B29-F687-4f45-9708-019B960494DF}">
-                  <a14:hiddenLine xmlns="" xmlns:a14="http://schemas.microsoft.com/office/drawing/2010/main" w="9525">
+                  <a14:hiddenLine xmlns:a14="http://schemas.microsoft.com/office/drawing/2010/main" xmlns="" w="9525">
                     <a:solidFill>
                       <a:srgbClr val="000000"/>
                     </a:solidFill>
@@ -11318,7 +11318,7 @@
               </a:ln>
               <a:extLst>
                 <a:ext uri="{91240B29-F687-4f45-9708-019B960494DF}">
-                  <a14:hiddenLine xmlns="" xmlns:a14="http://schemas.microsoft.com/office/drawing/2010/main" w="9525">
+                  <a14:hiddenLine xmlns:a14="http://schemas.microsoft.com/office/drawing/2010/main" xmlns="" w="9525">
                     <a:solidFill>
                       <a:srgbClr val="000000"/>
                     </a:solidFill>
@@ -11408,7 +11408,7 @@
               </a:ln>
               <a:extLst>
                 <a:ext uri="{91240B29-F687-4f45-9708-019B960494DF}">
-                  <a14:hiddenLine xmlns="" xmlns:a14="http://schemas.microsoft.com/office/drawing/2010/main" w="9525">
+                  <a14:hiddenLine xmlns:a14="http://schemas.microsoft.com/office/drawing/2010/main" xmlns="" w="9525">
                     <a:solidFill>
                       <a:srgbClr val="000000"/>
                     </a:solidFill>
@@ -11473,7 +11473,7 @@
               </a:ln>
               <a:extLst>
                 <a:ext uri="{91240B29-F687-4f45-9708-019B960494DF}">
-                  <a14:hiddenLine xmlns="" xmlns:a14="http://schemas.microsoft.com/office/drawing/2010/main" w="9525">
+                  <a14:hiddenLine xmlns:a14="http://schemas.microsoft.com/office/drawing/2010/main" xmlns="" w="9525">
                     <a:solidFill>
                       <a:srgbClr val="000000"/>
                     </a:solidFill>
@@ -11563,7 +11563,7 @@
               </a:ln>
               <a:extLst>
                 <a:ext uri="{91240B29-F687-4f45-9708-019B960494DF}">
-                  <a14:hiddenLine xmlns="" xmlns:a14="http://schemas.microsoft.com/office/drawing/2010/main" w="9525">
+                  <a14:hiddenLine xmlns:a14="http://schemas.microsoft.com/office/drawing/2010/main" xmlns="" w="9525">
                     <a:solidFill>
                       <a:srgbClr val="000000"/>
                     </a:solidFill>
@@ -11631,7 +11631,7 @@
               </a:ln>
               <a:extLst>
                 <a:ext uri="{91240B29-F687-4f45-9708-019B960494DF}">
-                  <a14:hiddenLine xmlns="" xmlns:a14="http://schemas.microsoft.com/office/drawing/2010/main" w="9525">
+                  <a14:hiddenLine xmlns:a14="http://schemas.microsoft.com/office/drawing/2010/main" xmlns="" w="9525">
                     <a:solidFill>
                       <a:srgbClr val="000000"/>
                     </a:solidFill>
@@ -11721,7 +11721,7 @@
               </a:ln>
               <a:extLst>
                 <a:ext uri="{91240B29-F687-4f45-9708-019B960494DF}">
-                  <a14:hiddenLine xmlns="" xmlns:a14="http://schemas.microsoft.com/office/drawing/2010/main" w="9525">
+                  <a14:hiddenLine xmlns:a14="http://schemas.microsoft.com/office/drawing/2010/main" xmlns="" w="9525">
                     <a:solidFill>
                       <a:srgbClr val="000000"/>
                     </a:solidFill>
@@ -11789,7 +11789,7 @@
               </a:ln>
               <a:extLst>
                 <a:ext uri="{91240B29-F687-4f45-9708-019B960494DF}">
-                  <a14:hiddenLine xmlns="" xmlns:a14="http://schemas.microsoft.com/office/drawing/2010/main" w="9525">
+                  <a14:hiddenLine xmlns:a14="http://schemas.microsoft.com/office/drawing/2010/main" xmlns="" w="9525">
                     <a:solidFill>
                       <a:srgbClr val="000000"/>
                     </a:solidFill>
@@ -11879,7 +11879,7 @@
               </a:ln>
               <a:extLst>
                 <a:ext uri="{91240B29-F687-4f45-9708-019B960494DF}">
-                  <a14:hiddenLine xmlns="" xmlns:a14="http://schemas.microsoft.com/office/drawing/2010/main" w="9525">
+                  <a14:hiddenLine xmlns:a14="http://schemas.microsoft.com/office/drawing/2010/main" xmlns="" w="9525">
                     <a:solidFill>
                       <a:srgbClr val="000000"/>
                     </a:solidFill>
@@ -11913,7 +11913,7 @@
               </a:ln>
               <a:extLst>
                 <a:ext uri="{91240B29-F687-4f45-9708-019B960494DF}">
-                  <a14:hiddenLine xmlns="" xmlns:a14="http://schemas.microsoft.com/office/drawing/2010/main" w="9525">
+                  <a14:hiddenLine xmlns:a14="http://schemas.microsoft.com/office/drawing/2010/main" xmlns="" w="9525">
                     <a:solidFill>
                       <a:srgbClr val="000000"/>
                     </a:solidFill>
@@ -14827,7 +14827,7 @@
           <a:noFill/>
           <a:extLst>
             <a:ext uri="{909E8E84-426E-40dd-AFC4-6F175D3DCCD1}">
-              <a14:hiddenFill xmlns="" xmlns:a16="http://schemas.microsoft.com/office/drawing/2014/main" xmlns:p14="http://schemas.microsoft.com/office/powerpoint/2010/main" xmlns:a14="http://schemas.microsoft.com/office/drawing/2010/main">
+              <a14:hiddenFill xmlns:a14="http://schemas.microsoft.com/office/drawing/2010/main" xmlns:p14="http://schemas.microsoft.com/office/powerpoint/2010/main" xmlns:a16="http://schemas.microsoft.com/office/drawing/2014/main" xmlns="">
                 <a:solidFill>
                   <a:srgbClr val="FFFFFF"/>
                 </a:solidFill>
@@ -14948,7 +14948,7 @@
               </a:ln>
               <a:extLst>
                 <a:ext uri="{91240B29-F687-4f45-9708-019B960494DF}">
-                  <a14:hiddenLine xmlns="" xmlns:a16="http://schemas.microsoft.com/office/drawing/2014/main" xmlns:p14="http://schemas.microsoft.com/office/powerpoint/2010/main" xmlns:a14="http://schemas.microsoft.com/office/drawing/2010/main" w="9525">
+                  <a14:hiddenLine xmlns:a14="http://schemas.microsoft.com/office/drawing/2010/main" xmlns:p14="http://schemas.microsoft.com/office/powerpoint/2010/main" xmlns:a16="http://schemas.microsoft.com/office/drawing/2014/main" xmlns="" w="9525">
                     <a:solidFill>
                       <a:srgbClr val="000000"/>
                     </a:solidFill>
@@ -15060,7 +15060,7 @@
               </a:ln>
               <a:extLst>
                 <a:ext uri="{91240B29-F687-4f45-9708-019B960494DF}">
-                  <a14:hiddenLine xmlns="" xmlns:a16="http://schemas.microsoft.com/office/drawing/2014/main" xmlns:p14="http://schemas.microsoft.com/office/powerpoint/2010/main" xmlns:a14="http://schemas.microsoft.com/office/drawing/2010/main" w="9525">
+                  <a14:hiddenLine xmlns:a14="http://schemas.microsoft.com/office/drawing/2010/main" xmlns:p14="http://schemas.microsoft.com/office/powerpoint/2010/main" xmlns:a16="http://schemas.microsoft.com/office/drawing/2014/main" xmlns="" w="9525">
                     <a:solidFill>
                       <a:srgbClr val="000000"/>
                     </a:solidFill>
@@ -15172,7 +15172,7 @@
               </a:ln>
               <a:extLst>
                 <a:ext uri="{91240B29-F687-4f45-9708-019B960494DF}">
-                  <a14:hiddenLine xmlns="" xmlns:a16="http://schemas.microsoft.com/office/drawing/2014/main" xmlns:p14="http://schemas.microsoft.com/office/powerpoint/2010/main" xmlns:a14="http://schemas.microsoft.com/office/drawing/2010/main" w="9525">
+                  <a14:hiddenLine xmlns:a14="http://schemas.microsoft.com/office/drawing/2010/main" xmlns:p14="http://schemas.microsoft.com/office/powerpoint/2010/main" xmlns:a16="http://schemas.microsoft.com/office/drawing/2014/main" xmlns="" w="9525">
                     <a:solidFill>
                       <a:srgbClr val="000000"/>
                     </a:solidFill>
@@ -15256,7 +15256,7 @@
               </a:ln>
               <a:extLst>
                 <a:ext uri="{91240B29-F687-4f45-9708-019B960494DF}">
-                  <a14:hiddenLine xmlns="" xmlns:a16="http://schemas.microsoft.com/office/drawing/2014/main" xmlns:p14="http://schemas.microsoft.com/office/powerpoint/2010/main" xmlns:a14="http://schemas.microsoft.com/office/drawing/2010/main" w="9525">
+                  <a14:hiddenLine xmlns:a14="http://schemas.microsoft.com/office/drawing/2010/main" xmlns:p14="http://schemas.microsoft.com/office/powerpoint/2010/main" xmlns:a16="http://schemas.microsoft.com/office/drawing/2014/main" xmlns="" w="9525">
                     <a:solidFill>
                       <a:srgbClr val="000000"/>
                     </a:solidFill>
@@ -15368,7 +15368,7 @@
               </a:ln>
               <a:extLst>
                 <a:ext uri="{91240B29-F687-4f45-9708-019B960494DF}">
-                  <a14:hiddenLine xmlns="" xmlns:a16="http://schemas.microsoft.com/office/drawing/2014/main" xmlns:p14="http://schemas.microsoft.com/office/powerpoint/2010/main" xmlns:a14="http://schemas.microsoft.com/office/drawing/2010/main" w="9525">
+                  <a14:hiddenLine xmlns:a14="http://schemas.microsoft.com/office/drawing/2010/main" xmlns:p14="http://schemas.microsoft.com/office/powerpoint/2010/main" xmlns:a16="http://schemas.microsoft.com/office/drawing/2014/main" xmlns="" w="9525">
                     <a:solidFill>
                       <a:srgbClr val="000000"/>
                     </a:solidFill>
@@ -15452,7 +15452,7 @@
               </a:ln>
               <a:extLst>
                 <a:ext uri="{91240B29-F687-4f45-9708-019B960494DF}">
-                  <a14:hiddenLine xmlns="" xmlns:a16="http://schemas.microsoft.com/office/drawing/2014/main" xmlns:p14="http://schemas.microsoft.com/office/powerpoint/2010/main" xmlns:a14="http://schemas.microsoft.com/office/drawing/2010/main" w="9525">
+                  <a14:hiddenLine xmlns:a14="http://schemas.microsoft.com/office/drawing/2010/main" xmlns:p14="http://schemas.microsoft.com/office/powerpoint/2010/main" xmlns:a16="http://schemas.microsoft.com/office/drawing/2014/main" xmlns="" w="9525">
                     <a:solidFill>
                       <a:srgbClr val="000000"/>
                     </a:solidFill>
@@ -15536,7 +15536,7 @@
               </a:ln>
               <a:extLst>
                 <a:ext uri="{91240B29-F687-4f45-9708-019B960494DF}">
-                  <a14:hiddenLine xmlns="" xmlns:a16="http://schemas.microsoft.com/office/drawing/2014/main" xmlns:p14="http://schemas.microsoft.com/office/powerpoint/2010/main" xmlns:a14="http://schemas.microsoft.com/office/drawing/2010/main" w="9525">
+                  <a14:hiddenLine xmlns:a14="http://schemas.microsoft.com/office/drawing/2010/main" xmlns:p14="http://schemas.microsoft.com/office/powerpoint/2010/main" xmlns:a16="http://schemas.microsoft.com/office/drawing/2014/main" xmlns="" w="9525">
                     <a:solidFill>
                       <a:srgbClr val="000000"/>
                     </a:solidFill>
@@ -15648,7 +15648,7 @@
               </a:ln>
               <a:extLst>
                 <a:ext uri="{91240B29-F687-4f45-9708-019B960494DF}">
-                  <a14:hiddenLine xmlns="" xmlns:a16="http://schemas.microsoft.com/office/drawing/2014/main" xmlns:p14="http://schemas.microsoft.com/office/powerpoint/2010/main" xmlns:a14="http://schemas.microsoft.com/office/drawing/2010/main" w="9525">
+                  <a14:hiddenLine xmlns:a14="http://schemas.microsoft.com/office/drawing/2010/main" xmlns:p14="http://schemas.microsoft.com/office/powerpoint/2010/main" xmlns:a16="http://schemas.microsoft.com/office/drawing/2014/main" xmlns="" w="9525">
                     <a:solidFill>
                       <a:srgbClr val="000000"/>
                     </a:solidFill>
@@ -15760,7 +15760,7 @@
               </a:ln>
               <a:extLst>
                 <a:ext uri="{91240B29-F687-4f45-9708-019B960494DF}">
-                  <a14:hiddenLine xmlns="" xmlns:a16="http://schemas.microsoft.com/office/drawing/2014/main" xmlns:p14="http://schemas.microsoft.com/office/powerpoint/2010/main" xmlns:a14="http://schemas.microsoft.com/office/drawing/2010/main" w="9525">
+                  <a14:hiddenLine xmlns:a14="http://schemas.microsoft.com/office/drawing/2010/main" xmlns:p14="http://schemas.microsoft.com/office/powerpoint/2010/main" xmlns:a16="http://schemas.microsoft.com/office/drawing/2014/main" xmlns="" w="9525">
                     <a:solidFill>
                       <a:srgbClr val="000000"/>
                     </a:solidFill>
@@ -15844,7 +15844,7 @@
               </a:ln>
               <a:extLst>
                 <a:ext uri="{91240B29-F687-4f45-9708-019B960494DF}">
-                  <a14:hiddenLine xmlns="" xmlns:a16="http://schemas.microsoft.com/office/drawing/2014/main" xmlns:p14="http://schemas.microsoft.com/office/powerpoint/2010/main" xmlns:a14="http://schemas.microsoft.com/office/drawing/2010/main" w="9525">
+                  <a14:hiddenLine xmlns:a14="http://schemas.microsoft.com/office/drawing/2010/main" xmlns:p14="http://schemas.microsoft.com/office/powerpoint/2010/main" xmlns:a16="http://schemas.microsoft.com/office/drawing/2014/main" xmlns="" w="9525">
                     <a:solidFill>
                       <a:srgbClr val="000000"/>
                     </a:solidFill>
@@ -15976,7 +15976,7 @@
               </a:ln>
               <a:extLst>
                 <a:ext uri="{91240B29-F687-4f45-9708-019B960494DF}">
-                  <a14:hiddenLine xmlns="" xmlns:a16="http://schemas.microsoft.com/office/drawing/2014/main" xmlns:p14="http://schemas.microsoft.com/office/powerpoint/2010/main" xmlns:a14="http://schemas.microsoft.com/office/drawing/2010/main" w="9525">
+                  <a14:hiddenLine xmlns:a14="http://schemas.microsoft.com/office/drawing/2010/main" xmlns:p14="http://schemas.microsoft.com/office/powerpoint/2010/main" xmlns:a16="http://schemas.microsoft.com/office/drawing/2014/main" xmlns="" w="9525">
                     <a:solidFill>
                       <a:srgbClr val="000000"/>
                     </a:solidFill>
@@ -16104,7 +16104,7 @@
               </a:ln>
               <a:extLst>
                 <a:ext uri="{91240B29-F687-4f45-9708-019B960494DF}">
-                  <a14:hiddenLine xmlns="" xmlns:a16="http://schemas.microsoft.com/office/drawing/2014/main" xmlns:p14="http://schemas.microsoft.com/office/powerpoint/2010/main" xmlns:a14="http://schemas.microsoft.com/office/drawing/2010/main" w="9525">
+                  <a14:hiddenLine xmlns:a14="http://schemas.microsoft.com/office/drawing/2010/main" xmlns:p14="http://schemas.microsoft.com/office/powerpoint/2010/main" xmlns:a16="http://schemas.microsoft.com/office/drawing/2014/main" xmlns="" w="9525">
                     <a:solidFill>
                       <a:srgbClr val="000000"/>
                     </a:solidFill>
@@ -16188,7 +16188,7 @@
               </a:ln>
               <a:extLst>
                 <a:ext uri="{91240B29-F687-4f45-9708-019B960494DF}">
-                  <a14:hiddenLine xmlns="" xmlns:a16="http://schemas.microsoft.com/office/drawing/2014/main" xmlns:p14="http://schemas.microsoft.com/office/powerpoint/2010/main" xmlns:a14="http://schemas.microsoft.com/office/drawing/2010/main" w="9525">
+                  <a14:hiddenLine xmlns:a14="http://schemas.microsoft.com/office/drawing/2010/main" xmlns:p14="http://schemas.microsoft.com/office/powerpoint/2010/main" xmlns:a16="http://schemas.microsoft.com/office/drawing/2014/main" xmlns="" w="9525">
                     <a:solidFill>
                       <a:srgbClr val="000000"/>
                     </a:solidFill>
@@ -16272,7 +16272,7 @@
               </a:ln>
               <a:extLst>
                 <a:ext uri="{91240B29-F687-4f45-9708-019B960494DF}">
-                  <a14:hiddenLine xmlns="" xmlns:a16="http://schemas.microsoft.com/office/drawing/2014/main" xmlns:p14="http://schemas.microsoft.com/office/powerpoint/2010/main" xmlns:a14="http://schemas.microsoft.com/office/drawing/2010/main" w="9525">
+                  <a14:hiddenLine xmlns:a14="http://schemas.microsoft.com/office/drawing/2010/main" xmlns:p14="http://schemas.microsoft.com/office/powerpoint/2010/main" xmlns:a16="http://schemas.microsoft.com/office/drawing/2014/main" xmlns="" w="9525">
                     <a:solidFill>
                       <a:srgbClr val="000000"/>
                     </a:solidFill>
@@ -16384,7 +16384,7 @@
               </a:ln>
               <a:extLst>
                 <a:ext uri="{91240B29-F687-4f45-9708-019B960494DF}">
-                  <a14:hiddenLine xmlns="" xmlns:a16="http://schemas.microsoft.com/office/drawing/2014/main" xmlns:p14="http://schemas.microsoft.com/office/powerpoint/2010/main" xmlns:a14="http://schemas.microsoft.com/office/drawing/2010/main" w="9525">
+                  <a14:hiddenLine xmlns:a14="http://schemas.microsoft.com/office/drawing/2010/main" xmlns:p14="http://schemas.microsoft.com/office/powerpoint/2010/main" xmlns:a16="http://schemas.microsoft.com/office/drawing/2014/main" xmlns="" w="9525">
                     <a:solidFill>
                       <a:srgbClr val="000000"/>
                     </a:solidFill>
@@ -16440,7 +16440,7 @@
               </a:ln>
               <a:extLst>
                 <a:ext uri="{91240B29-F687-4f45-9708-019B960494DF}">
-                  <a14:hiddenLine xmlns="" xmlns:a16="http://schemas.microsoft.com/office/drawing/2014/main" xmlns:p14="http://schemas.microsoft.com/office/powerpoint/2010/main" xmlns:a14="http://schemas.microsoft.com/office/drawing/2010/main" w="9525">
+                  <a14:hiddenLine xmlns:a14="http://schemas.microsoft.com/office/drawing/2010/main" xmlns:p14="http://schemas.microsoft.com/office/powerpoint/2010/main" xmlns:a16="http://schemas.microsoft.com/office/drawing/2014/main" xmlns="" w="9525">
                     <a:solidFill>
                       <a:srgbClr val="000000"/>
                     </a:solidFill>
@@ -16527,7 +16527,7 @@
               </a:ln>
               <a:extLst>
                 <a:ext uri="{91240B29-F687-4f45-9708-019B960494DF}">
-                  <a14:hiddenLine xmlns="" xmlns:a16="http://schemas.microsoft.com/office/drawing/2014/main" xmlns:p14="http://schemas.microsoft.com/office/powerpoint/2010/main" xmlns:a14="http://schemas.microsoft.com/office/drawing/2010/main" w="9525">
+                  <a14:hiddenLine xmlns:a14="http://schemas.microsoft.com/office/drawing/2010/main" xmlns:p14="http://schemas.microsoft.com/office/powerpoint/2010/main" xmlns:a16="http://schemas.microsoft.com/office/drawing/2014/main" xmlns="" w="9525">
                     <a:solidFill>
                       <a:srgbClr val="000000"/>
                     </a:solidFill>
@@ -16639,7 +16639,7 @@
               </a:ln>
               <a:extLst>
                 <a:ext uri="{91240B29-F687-4f45-9708-019B960494DF}">
-                  <a14:hiddenLine xmlns="" xmlns:a16="http://schemas.microsoft.com/office/drawing/2014/main" xmlns:p14="http://schemas.microsoft.com/office/powerpoint/2010/main" xmlns:a14="http://schemas.microsoft.com/office/drawing/2010/main" w="9525">
+                  <a14:hiddenLine xmlns:a14="http://schemas.microsoft.com/office/drawing/2010/main" xmlns:p14="http://schemas.microsoft.com/office/powerpoint/2010/main" xmlns:a16="http://schemas.microsoft.com/office/drawing/2014/main" xmlns="" w="9525">
                     <a:solidFill>
                       <a:srgbClr val="000000"/>
                     </a:solidFill>
@@ -16723,7 +16723,7 @@
               </a:ln>
               <a:extLst>
                 <a:ext uri="{91240B29-F687-4f45-9708-019B960494DF}">
-                  <a14:hiddenLine xmlns="" xmlns:a16="http://schemas.microsoft.com/office/drawing/2014/main" xmlns:p14="http://schemas.microsoft.com/office/powerpoint/2010/main" xmlns:a14="http://schemas.microsoft.com/office/drawing/2010/main" w="9525">
+                  <a14:hiddenLine xmlns:a14="http://schemas.microsoft.com/office/drawing/2010/main" xmlns:p14="http://schemas.microsoft.com/office/powerpoint/2010/main" xmlns:a16="http://schemas.microsoft.com/office/drawing/2014/main" xmlns="" w="9525">
                     <a:solidFill>
                       <a:srgbClr val="000000"/>
                     </a:solidFill>
@@ -16835,7 +16835,7 @@
               </a:ln>
               <a:extLst>
                 <a:ext uri="{91240B29-F687-4f45-9708-019B960494DF}">
-                  <a14:hiddenLine xmlns="" xmlns:a16="http://schemas.microsoft.com/office/drawing/2014/main" xmlns:p14="http://schemas.microsoft.com/office/powerpoint/2010/main" xmlns:a14="http://schemas.microsoft.com/office/drawing/2010/main" w="9525">
+                  <a14:hiddenLine xmlns:a14="http://schemas.microsoft.com/office/drawing/2010/main" xmlns:p14="http://schemas.microsoft.com/office/powerpoint/2010/main" xmlns:a16="http://schemas.microsoft.com/office/drawing/2014/main" xmlns="" w="9525">
                     <a:solidFill>
                       <a:srgbClr val="000000"/>
                     </a:solidFill>
@@ -16922,7 +16922,7 @@
               </a:ln>
               <a:extLst>
                 <a:ext uri="{91240B29-F687-4f45-9708-019B960494DF}">
-                  <a14:hiddenLine xmlns="" xmlns:a16="http://schemas.microsoft.com/office/drawing/2014/main" xmlns:p14="http://schemas.microsoft.com/office/powerpoint/2010/main" xmlns:a14="http://schemas.microsoft.com/office/drawing/2010/main" w="9525">
+                  <a14:hiddenLine xmlns:a14="http://schemas.microsoft.com/office/drawing/2010/main" xmlns:p14="http://schemas.microsoft.com/office/powerpoint/2010/main" xmlns:a16="http://schemas.microsoft.com/office/drawing/2014/main" xmlns="" w="9525">
                     <a:solidFill>
                       <a:srgbClr val="000000"/>
                     </a:solidFill>
@@ -17006,7 +17006,7 @@
               </a:ln>
               <a:extLst>
                 <a:ext uri="{91240B29-F687-4f45-9708-019B960494DF}">
-                  <a14:hiddenLine xmlns="" xmlns:a16="http://schemas.microsoft.com/office/drawing/2014/main" xmlns:p14="http://schemas.microsoft.com/office/powerpoint/2010/main" xmlns:a14="http://schemas.microsoft.com/office/drawing/2010/main" w="9525">
+                  <a14:hiddenLine xmlns:a14="http://schemas.microsoft.com/office/drawing/2010/main" xmlns:p14="http://schemas.microsoft.com/office/powerpoint/2010/main" xmlns:a16="http://schemas.microsoft.com/office/drawing/2014/main" xmlns="" w="9525">
                     <a:solidFill>
                       <a:srgbClr val="000000"/>
                     </a:solidFill>
@@ -17118,7 +17118,7 @@
               </a:ln>
               <a:extLst>
                 <a:ext uri="{91240B29-F687-4f45-9708-019B960494DF}">
-                  <a14:hiddenLine xmlns="" xmlns:a16="http://schemas.microsoft.com/office/drawing/2014/main" xmlns:p14="http://schemas.microsoft.com/office/powerpoint/2010/main" xmlns:a14="http://schemas.microsoft.com/office/drawing/2010/main" w="9525">
+                  <a14:hiddenLine xmlns:a14="http://schemas.microsoft.com/office/drawing/2010/main" xmlns:p14="http://schemas.microsoft.com/office/powerpoint/2010/main" xmlns:a16="http://schemas.microsoft.com/office/drawing/2014/main" xmlns="" w="9525">
                     <a:solidFill>
                       <a:srgbClr val="000000"/>
                     </a:solidFill>
@@ -17230,7 +17230,7 @@
               </a:ln>
               <a:extLst>
                 <a:ext uri="{91240B29-F687-4f45-9708-019B960494DF}">
-                  <a14:hiddenLine xmlns="" xmlns:a16="http://schemas.microsoft.com/office/drawing/2014/main" xmlns:p14="http://schemas.microsoft.com/office/powerpoint/2010/main" xmlns:a14="http://schemas.microsoft.com/office/drawing/2010/main" w="9525">
+                  <a14:hiddenLine xmlns:a14="http://schemas.microsoft.com/office/drawing/2010/main" xmlns:p14="http://schemas.microsoft.com/office/powerpoint/2010/main" xmlns:a16="http://schemas.microsoft.com/office/drawing/2014/main" xmlns="" w="9525">
                     <a:solidFill>
                       <a:srgbClr val="000000"/>
                     </a:solidFill>
@@ -17317,7 +17317,7 @@
               </a:ln>
               <a:extLst>
                 <a:ext uri="{91240B29-F687-4f45-9708-019B960494DF}">
-                  <a14:hiddenLine xmlns="" xmlns:a16="http://schemas.microsoft.com/office/drawing/2014/main" xmlns:p14="http://schemas.microsoft.com/office/powerpoint/2010/main" xmlns:a14="http://schemas.microsoft.com/office/drawing/2010/main" w="9525">
+                  <a14:hiddenLine xmlns:a14="http://schemas.microsoft.com/office/drawing/2010/main" xmlns:p14="http://schemas.microsoft.com/office/powerpoint/2010/main" xmlns:a16="http://schemas.microsoft.com/office/drawing/2014/main" xmlns="" w="9525">
                     <a:solidFill>
                       <a:srgbClr val="000000"/>
                     </a:solidFill>
@@ -17459,7 +17459,7 @@
               </a:ln>
               <a:extLst>
                 <a:ext uri="{91240B29-F687-4f45-9708-019B960494DF}">
-                  <a14:hiddenLine xmlns="" xmlns:a16="http://schemas.microsoft.com/office/drawing/2014/main" xmlns:p14="http://schemas.microsoft.com/office/powerpoint/2010/main" xmlns:a14="http://schemas.microsoft.com/office/drawing/2010/main" w="9525">
+                  <a14:hiddenLine xmlns:a14="http://schemas.microsoft.com/office/drawing/2010/main" xmlns:p14="http://schemas.microsoft.com/office/powerpoint/2010/main" xmlns:a16="http://schemas.microsoft.com/office/drawing/2014/main" xmlns="" w="9525">
                     <a:solidFill>
                       <a:srgbClr val="000000"/>
                     </a:solidFill>
@@ -17594,7 +17594,7 @@
               </a:ln>
               <a:extLst>
                 <a:ext uri="{91240B29-F687-4f45-9708-019B960494DF}">
-                  <a14:hiddenLine xmlns="" xmlns:a16="http://schemas.microsoft.com/office/drawing/2014/main" xmlns:p14="http://schemas.microsoft.com/office/powerpoint/2010/main" xmlns:a14="http://schemas.microsoft.com/office/drawing/2010/main" w="9525">
+                  <a14:hiddenLine xmlns:a14="http://schemas.microsoft.com/office/drawing/2010/main" xmlns:p14="http://schemas.microsoft.com/office/powerpoint/2010/main" xmlns:a16="http://schemas.microsoft.com/office/drawing/2014/main" xmlns="" w="9525">
                     <a:solidFill>
                       <a:srgbClr val="000000"/>
                     </a:solidFill>
@@ -17731,7 +17731,7 @@
               </a:ln>
               <a:extLst>
                 <a:ext uri="{91240B29-F687-4f45-9708-019B960494DF}">
-                  <a14:hiddenLine xmlns="" xmlns:a16="http://schemas.microsoft.com/office/drawing/2014/main" xmlns:p14="http://schemas.microsoft.com/office/powerpoint/2010/main" xmlns:a14="http://schemas.microsoft.com/office/drawing/2010/main" w="9525">
+                  <a14:hiddenLine xmlns:a14="http://schemas.microsoft.com/office/drawing/2010/main" xmlns:p14="http://schemas.microsoft.com/office/powerpoint/2010/main" xmlns:a16="http://schemas.microsoft.com/office/drawing/2014/main" xmlns="" w="9525">
                     <a:solidFill>
                       <a:srgbClr val="000000"/>
                     </a:solidFill>
@@ -17843,7 +17843,7 @@
               </a:ln>
               <a:extLst>
                 <a:ext uri="{91240B29-F687-4f45-9708-019B960494DF}">
-                  <a14:hiddenLine xmlns="" xmlns:a16="http://schemas.microsoft.com/office/drawing/2014/main" xmlns:p14="http://schemas.microsoft.com/office/powerpoint/2010/main" xmlns:a14="http://schemas.microsoft.com/office/drawing/2010/main" w="9525">
+                  <a14:hiddenLine xmlns:a14="http://schemas.microsoft.com/office/drawing/2010/main" xmlns:p14="http://schemas.microsoft.com/office/powerpoint/2010/main" xmlns:a16="http://schemas.microsoft.com/office/drawing/2014/main" xmlns="" w="9525">
                     <a:solidFill>
                       <a:srgbClr val="000000"/>
                     </a:solidFill>
@@ -17930,7 +17930,7 @@
               </a:ln>
               <a:extLst>
                 <a:ext uri="{91240B29-F687-4f45-9708-019B960494DF}">
-                  <a14:hiddenLine xmlns="" xmlns:a16="http://schemas.microsoft.com/office/drawing/2014/main" xmlns:p14="http://schemas.microsoft.com/office/powerpoint/2010/main" xmlns:a14="http://schemas.microsoft.com/office/drawing/2010/main" w="9525">
+                  <a14:hiddenLine xmlns:a14="http://schemas.microsoft.com/office/drawing/2010/main" xmlns:p14="http://schemas.microsoft.com/office/powerpoint/2010/main" xmlns:a16="http://schemas.microsoft.com/office/drawing/2014/main" xmlns="" w="9525">
                     <a:solidFill>
                       <a:srgbClr val="000000"/>
                     </a:solidFill>
@@ -18042,7 +18042,7 @@
               </a:ln>
               <a:extLst>
                 <a:ext uri="{91240B29-F687-4f45-9708-019B960494DF}">
-                  <a14:hiddenLine xmlns="" xmlns:a16="http://schemas.microsoft.com/office/drawing/2014/main" xmlns:p14="http://schemas.microsoft.com/office/powerpoint/2010/main" xmlns:a14="http://schemas.microsoft.com/office/drawing/2010/main" w="9525">
+                  <a14:hiddenLine xmlns:a14="http://schemas.microsoft.com/office/drawing/2010/main" xmlns:p14="http://schemas.microsoft.com/office/powerpoint/2010/main" xmlns:a16="http://schemas.microsoft.com/office/drawing/2014/main" xmlns="" w="9525">
                     <a:solidFill>
                       <a:srgbClr val="000000"/>
                     </a:solidFill>
@@ -18132,7 +18132,7 @@
               </a:ln>
               <a:extLst>
                 <a:ext uri="{91240B29-F687-4f45-9708-019B960494DF}">
-                  <a14:hiddenLine xmlns="" xmlns:a16="http://schemas.microsoft.com/office/drawing/2014/main" xmlns:p14="http://schemas.microsoft.com/office/powerpoint/2010/main" xmlns:a14="http://schemas.microsoft.com/office/drawing/2010/main" w="9525">
+                  <a14:hiddenLine xmlns:a14="http://schemas.microsoft.com/office/drawing/2010/main" xmlns:p14="http://schemas.microsoft.com/office/powerpoint/2010/main" xmlns:a16="http://schemas.microsoft.com/office/drawing/2014/main" xmlns="" w="9525">
                     <a:solidFill>
                       <a:srgbClr val="000000"/>
                     </a:solidFill>
@@ -18244,7 +18244,7 @@
               </a:ln>
               <a:extLst>
                 <a:ext uri="{91240B29-F687-4f45-9708-019B960494DF}">
-                  <a14:hiddenLine xmlns="" xmlns:a16="http://schemas.microsoft.com/office/drawing/2014/main" xmlns:p14="http://schemas.microsoft.com/office/powerpoint/2010/main" xmlns:a14="http://schemas.microsoft.com/office/drawing/2010/main" w="9525">
+                  <a14:hiddenLine xmlns:a14="http://schemas.microsoft.com/office/drawing/2010/main" xmlns:p14="http://schemas.microsoft.com/office/powerpoint/2010/main" xmlns:a16="http://schemas.microsoft.com/office/drawing/2014/main" xmlns="" w="9525">
                     <a:solidFill>
                       <a:srgbClr val="000000"/>
                     </a:solidFill>
@@ -18334,7 +18334,7 @@
               </a:ln>
               <a:extLst>
                 <a:ext uri="{91240B29-F687-4f45-9708-019B960494DF}">
-                  <a14:hiddenLine xmlns="" xmlns:a16="http://schemas.microsoft.com/office/drawing/2014/main" xmlns:p14="http://schemas.microsoft.com/office/powerpoint/2010/main" xmlns:a14="http://schemas.microsoft.com/office/drawing/2010/main" w="9525">
+                  <a14:hiddenLine xmlns:a14="http://schemas.microsoft.com/office/drawing/2010/main" xmlns:p14="http://schemas.microsoft.com/office/powerpoint/2010/main" xmlns:a16="http://schemas.microsoft.com/office/drawing/2014/main" xmlns="" w="9525">
                     <a:solidFill>
                       <a:srgbClr val="000000"/>
                     </a:solidFill>
@@ -18446,7 +18446,7 @@
               </a:ln>
               <a:extLst>
                 <a:ext uri="{91240B29-F687-4f45-9708-019B960494DF}">
-                  <a14:hiddenLine xmlns="" xmlns:a16="http://schemas.microsoft.com/office/drawing/2014/main" xmlns:p14="http://schemas.microsoft.com/office/powerpoint/2010/main" xmlns:a14="http://schemas.microsoft.com/office/drawing/2010/main" w="9525">
+                  <a14:hiddenLine xmlns:a14="http://schemas.microsoft.com/office/drawing/2010/main" xmlns:p14="http://schemas.microsoft.com/office/powerpoint/2010/main" xmlns:a16="http://schemas.microsoft.com/office/drawing/2014/main" xmlns="" w="9525">
                     <a:solidFill>
                       <a:srgbClr val="000000"/>
                     </a:solidFill>
@@ -18502,7 +18502,7 @@
               </a:ln>
               <a:extLst>
                 <a:ext uri="{91240B29-F687-4f45-9708-019B960494DF}">
-                  <a14:hiddenLine xmlns="" xmlns:a16="http://schemas.microsoft.com/office/drawing/2014/main" xmlns:p14="http://schemas.microsoft.com/office/powerpoint/2010/main" xmlns:a14="http://schemas.microsoft.com/office/drawing/2010/main" w="9525">
+                  <a14:hiddenLine xmlns:a14="http://schemas.microsoft.com/office/drawing/2010/main" xmlns:p14="http://schemas.microsoft.com/office/powerpoint/2010/main" xmlns:a16="http://schemas.microsoft.com/office/drawing/2014/main" xmlns="" w="9525">
                     <a:solidFill>
                       <a:srgbClr val="000000"/>
                     </a:solidFill>
@@ -18571,7 +18571,7 @@
           <a:noFill/>
           <a:extLst>
             <a:ext uri="{909E8E84-426E-40dd-AFC4-6F175D3DCCD1}">
-              <a14:hiddenFill xmlns="" xmlns:a16="http://schemas.microsoft.com/office/drawing/2014/main" xmlns:p14="http://schemas.microsoft.com/office/powerpoint/2010/main" xmlns:a14="http://schemas.microsoft.com/office/drawing/2010/main">
+              <a14:hiddenFill xmlns:a14="http://schemas.microsoft.com/office/drawing/2010/main" xmlns:p14="http://schemas.microsoft.com/office/powerpoint/2010/main" xmlns:a16="http://schemas.microsoft.com/office/drawing/2014/main" xmlns="">
                 <a:solidFill>
                   <a:srgbClr val="FFFFFF"/>
                 </a:solidFill>
@@ -18886,7 +18886,7 @@
           <a:noFill/>
           <a:extLst>
             <a:ext uri="{909E8E84-426E-40dd-AFC4-6F175D3DCCD1}">
-              <a14:hiddenFill xmlns="" xmlns:a16="http://schemas.microsoft.com/office/drawing/2014/main" xmlns:p14="http://schemas.microsoft.com/office/powerpoint/2010/main" xmlns:a14="http://schemas.microsoft.com/office/drawing/2010/main">
+              <a14:hiddenFill xmlns:a14="http://schemas.microsoft.com/office/drawing/2010/main" xmlns:p14="http://schemas.microsoft.com/office/powerpoint/2010/main" xmlns:a16="http://schemas.microsoft.com/office/drawing/2014/main" xmlns="">
                 <a:solidFill>
                   <a:srgbClr val="FFFFFF"/>
                 </a:solidFill>
@@ -19007,7 +19007,7 @@
               </a:ln>
               <a:extLst>
                 <a:ext uri="{91240B29-F687-4f45-9708-019B960494DF}">
-                  <a14:hiddenLine xmlns="" xmlns:a16="http://schemas.microsoft.com/office/drawing/2014/main" xmlns:p14="http://schemas.microsoft.com/office/powerpoint/2010/main" xmlns:a14="http://schemas.microsoft.com/office/drawing/2010/main" w="9525">
+                  <a14:hiddenLine xmlns:a14="http://schemas.microsoft.com/office/drawing/2010/main" xmlns:p14="http://schemas.microsoft.com/office/powerpoint/2010/main" xmlns:a16="http://schemas.microsoft.com/office/drawing/2014/main" xmlns="" w="9525">
                     <a:solidFill>
                       <a:srgbClr val="000000"/>
                     </a:solidFill>
@@ -19119,7 +19119,7 @@
               </a:ln>
               <a:extLst>
                 <a:ext uri="{91240B29-F687-4f45-9708-019B960494DF}">
-                  <a14:hiddenLine xmlns="" xmlns:a16="http://schemas.microsoft.com/office/drawing/2014/main" xmlns:p14="http://schemas.microsoft.com/office/powerpoint/2010/main" xmlns:a14="http://schemas.microsoft.com/office/drawing/2010/main" w="9525">
+                  <a14:hiddenLine xmlns:a14="http://schemas.microsoft.com/office/drawing/2010/main" xmlns:p14="http://schemas.microsoft.com/office/powerpoint/2010/main" xmlns:a16="http://schemas.microsoft.com/office/drawing/2014/main" xmlns="" w="9525">
                     <a:solidFill>
                       <a:srgbClr val="000000"/>
                     </a:solidFill>
@@ -19231,7 +19231,7 @@
               </a:ln>
               <a:extLst>
                 <a:ext uri="{91240B29-F687-4f45-9708-019B960494DF}">
-                  <a14:hiddenLine xmlns="" xmlns:a16="http://schemas.microsoft.com/office/drawing/2014/main" xmlns:p14="http://schemas.microsoft.com/office/powerpoint/2010/main" xmlns:a14="http://schemas.microsoft.com/office/drawing/2010/main" w="9525">
+                  <a14:hiddenLine xmlns:a14="http://schemas.microsoft.com/office/drawing/2010/main" xmlns:p14="http://schemas.microsoft.com/office/powerpoint/2010/main" xmlns:a16="http://schemas.microsoft.com/office/drawing/2014/main" xmlns="" w="9525">
                     <a:solidFill>
                       <a:srgbClr val="000000"/>
                     </a:solidFill>
@@ -19315,7 +19315,7 @@
               </a:ln>
               <a:extLst>
                 <a:ext uri="{91240B29-F687-4f45-9708-019B960494DF}">
-                  <a14:hiddenLine xmlns="" xmlns:a16="http://schemas.microsoft.com/office/drawing/2014/main" xmlns:p14="http://schemas.microsoft.com/office/powerpoint/2010/main" xmlns:a14="http://schemas.microsoft.com/office/drawing/2010/main" w="9525">
+                  <a14:hiddenLine xmlns:a14="http://schemas.microsoft.com/office/drawing/2010/main" xmlns:p14="http://schemas.microsoft.com/office/powerpoint/2010/main" xmlns:a16="http://schemas.microsoft.com/office/drawing/2014/main" xmlns="" w="9525">
                     <a:solidFill>
                       <a:srgbClr val="000000"/>
                     </a:solidFill>
@@ -19427,7 +19427,7 @@
               </a:ln>
               <a:extLst>
                 <a:ext uri="{91240B29-F687-4f45-9708-019B960494DF}">
-                  <a14:hiddenLine xmlns="" xmlns:a16="http://schemas.microsoft.com/office/drawing/2014/main" xmlns:p14="http://schemas.microsoft.com/office/powerpoint/2010/main" xmlns:a14="http://schemas.microsoft.com/office/drawing/2010/main" w="9525">
+                  <a14:hiddenLine xmlns:a14="http://schemas.microsoft.com/office/drawing/2010/main" xmlns:p14="http://schemas.microsoft.com/office/powerpoint/2010/main" xmlns:a16="http://schemas.microsoft.com/office/drawing/2014/main" xmlns="" w="9525">
                     <a:solidFill>
                       <a:srgbClr val="000000"/>
                     </a:solidFill>
@@ -19511,7 +19511,7 @@
               </a:ln>
               <a:extLst>
                 <a:ext uri="{91240B29-F687-4f45-9708-019B960494DF}">
-                  <a14:hiddenLine xmlns="" xmlns:a16="http://schemas.microsoft.com/office/drawing/2014/main" xmlns:p14="http://schemas.microsoft.com/office/powerpoint/2010/main" xmlns:a14="http://schemas.microsoft.com/office/drawing/2010/main" w="9525">
+                  <a14:hiddenLine xmlns:a14="http://schemas.microsoft.com/office/drawing/2010/main" xmlns:p14="http://schemas.microsoft.com/office/powerpoint/2010/main" xmlns:a16="http://schemas.microsoft.com/office/drawing/2014/main" xmlns="" w="9525">
                     <a:solidFill>
                       <a:srgbClr val="000000"/>
                     </a:solidFill>
@@ -19595,7 +19595,7 @@
               </a:ln>
               <a:extLst>
                 <a:ext uri="{91240B29-F687-4f45-9708-019B960494DF}">
-                  <a14:hiddenLine xmlns="" xmlns:a16="http://schemas.microsoft.com/office/drawing/2014/main" xmlns:p14="http://schemas.microsoft.com/office/powerpoint/2010/main" xmlns:a14="http://schemas.microsoft.com/office/drawing/2010/main" w="9525">
+                  <a14:hiddenLine xmlns:a14="http://schemas.microsoft.com/office/drawing/2010/main" xmlns:p14="http://schemas.microsoft.com/office/powerpoint/2010/main" xmlns:a16="http://schemas.microsoft.com/office/drawing/2014/main" xmlns="" w="9525">
                     <a:solidFill>
                       <a:srgbClr val="000000"/>
                     </a:solidFill>
@@ -19707,7 +19707,7 @@
               </a:ln>
               <a:extLst>
                 <a:ext uri="{91240B29-F687-4f45-9708-019B960494DF}">
-                  <a14:hiddenLine xmlns="" xmlns:a16="http://schemas.microsoft.com/office/drawing/2014/main" xmlns:p14="http://schemas.microsoft.com/office/powerpoint/2010/main" xmlns:a14="http://schemas.microsoft.com/office/drawing/2010/main" w="9525">
+                  <a14:hiddenLine xmlns:a14="http://schemas.microsoft.com/office/drawing/2010/main" xmlns:p14="http://schemas.microsoft.com/office/powerpoint/2010/main" xmlns:a16="http://schemas.microsoft.com/office/drawing/2014/main" xmlns="" w="9525">
                     <a:solidFill>
                       <a:srgbClr val="000000"/>
                     </a:solidFill>
@@ -19819,7 +19819,7 @@
               </a:ln>
               <a:extLst>
                 <a:ext uri="{91240B29-F687-4f45-9708-019B960494DF}">
-                  <a14:hiddenLine xmlns="" xmlns:a16="http://schemas.microsoft.com/office/drawing/2014/main" xmlns:p14="http://schemas.microsoft.com/office/powerpoint/2010/main" xmlns:a14="http://schemas.microsoft.com/office/drawing/2010/main" w="9525">
+                  <a14:hiddenLine xmlns:a14="http://schemas.microsoft.com/office/drawing/2010/main" xmlns:p14="http://schemas.microsoft.com/office/powerpoint/2010/main" xmlns:a16="http://schemas.microsoft.com/office/drawing/2014/main" xmlns="" w="9525">
                     <a:solidFill>
                       <a:srgbClr val="000000"/>
                     </a:solidFill>
@@ -19903,7 +19903,7 @@
               </a:ln>
               <a:extLst>
                 <a:ext uri="{91240B29-F687-4f45-9708-019B960494DF}">
-                  <a14:hiddenLine xmlns="" xmlns:a16="http://schemas.microsoft.com/office/drawing/2014/main" xmlns:p14="http://schemas.microsoft.com/office/powerpoint/2010/main" xmlns:a14="http://schemas.microsoft.com/office/drawing/2010/main" w="9525">
+                  <a14:hiddenLine xmlns:a14="http://schemas.microsoft.com/office/drawing/2010/main" xmlns:p14="http://schemas.microsoft.com/office/powerpoint/2010/main" xmlns:a16="http://schemas.microsoft.com/office/drawing/2014/main" xmlns="" w="9525">
                     <a:solidFill>
                       <a:srgbClr val="000000"/>
                     </a:solidFill>
@@ -20035,7 +20035,7 @@
               </a:ln>
               <a:extLst>
                 <a:ext uri="{91240B29-F687-4f45-9708-019B960494DF}">
-                  <a14:hiddenLine xmlns="" xmlns:a16="http://schemas.microsoft.com/office/drawing/2014/main" xmlns:p14="http://schemas.microsoft.com/office/powerpoint/2010/main" xmlns:a14="http://schemas.microsoft.com/office/drawing/2010/main" w="9525">
+                  <a14:hiddenLine xmlns:a14="http://schemas.microsoft.com/office/drawing/2010/main" xmlns:p14="http://schemas.microsoft.com/office/powerpoint/2010/main" xmlns:a16="http://schemas.microsoft.com/office/drawing/2014/main" xmlns="" w="9525">
                     <a:solidFill>
                       <a:srgbClr val="000000"/>
                     </a:solidFill>
@@ -20163,7 +20163,7 @@
               </a:ln>
               <a:extLst>
                 <a:ext uri="{91240B29-F687-4f45-9708-019B960494DF}">
-                  <a14:hiddenLine xmlns="" xmlns:a16="http://schemas.microsoft.com/office/drawing/2014/main" xmlns:p14="http://schemas.microsoft.com/office/powerpoint/2010/main" xmlns:a14="http://schemas.microsoft.com/office/drawing/2010/main" w="9525">
+                  <a14:hiddenLine xmlns:a14="http://schemas.microsoft.com/office/drawing/2010/main" xmlns:p14="http://schemas.microsoft.com/office/powerpoint/2010/main" xmlns:a16="http://schemas.microsoft.com/office/drawing/2014/main" xmlns="" w="9525">
                     <a:solidFill>
                       <a:srgbClr val="000000"/>
                     </a:solidFill>
@@ -20247,7 +20247,7 @@
               </a:ln>
               <a:extLst>
                 <a:ext uri="{91240B29-F687-4f45-9708-019B960494DF}">
-                  <a14:hiddenLine xmlns="" xmlns:a16="http://schemas.microsoft.com/office/drawing/2014/main" xmlns:p14="http://schemas.microsoft.com/office/powerpoint/2010/main" xmlns:a14="http://schemas.microsoft.com/office/drawing/2010/main" w="9525">
+                  <a14:hiddenLine xmlns:a14="http://schemas.microsoft.com/office/drawing/2010/main" xmlns:p14="http://schemas.microsoft.com/office/powerpoint/2010/main" xmlns:a16="http://schemas.microsoft.com/office/drawing/2014/main" xmlns="" w="9525">
                     <a:solidFill>
                       <a:srgbClr val="000000"/>
                     </a:solidFill>
@@ -20331,7 +20331,7 @@
               </a:ln>
               <a:extLst>
                 <a:ext uri="{91240B29-F687-4f45-9708-019B960494DF}">
-                  <a14:hiddenLine xmlns="" xmlns:a16="http://schemas.microsoft.com/office/drawing/2014/main" xmlns:p14="http://schemas.microsoft.com/office/powerpoint/2010/main" xmlns:a14="http://schemas.microsoft.com/office/drawing/2010/main" w="9525">
+                  <a14:hiddenLine xmlns:a14="http://schemas.microsoft.com/office/drawing/2010/main" xmlns:p14="http://schemas.microsoft.com/office/powerpoint/2010/main" xmlns:a16="http://schemas.microsoft.com/office/drawing/2014/main" xmlns="" w="9525">
                     <a:solidFill>
                       <a:srgbClr val="000000"/>
                     </a:solidFill>
@@ -20443,7 +20443,7 @@
               </a:ln>
               <a:extLst>
                 <a:ext uri="{91240B29-F687-4f45-9708-019B960494DF}">
-                  <a14:hiddenLine xmlns="" xmlns:a16="http://schemas.microsoft.com/office/drawing/2014/main" xmlns:p14="http://schemas.microsoft.com/office/powerpoint/2010/main" xmlns:a14="http://schemas.microsoft.com/office/drawing/2010/main" w="9525">
+                  <a14:hiddenLine xmlns:a14="http://schemas.microsoft.com/office/drawing/2010/main" xmlns:p14="http://schemas.microsoft.com/office/powerpoint/2010/main" xmlns:a16="http://schemas.microsoft.com/office/drawing/2014/main" xmlns="" w="9525">
                     <a:solidFill>
                       <a:srgbClr val="000000"/>
                     </a:solidFill>
@@ -20499,7 +20499,7 @@
               </a:ln>
               <a:extLst>
                 <a:ext uri="{91240B29-F687-4f45-9708-019B960494DF}">
-                  <a14:hiddenLine xmlns="" xmlns:a16="http://schemas.microsoft.com/office/drawing/2014/main" xmlns:p14="http://schemas.microsoft.com/office/powerpoint/2010/main" xmlns:a14="http://schemas.microsoft.com/office/drawing/2010/main" w="9525">
+                  <a14:hiddenLine xmlns:a14="http://schemas.microsoft.com/office/drawing/2010/main" xmlns:p14="http://schemas.microsoft.com/office/powerpoint/2010/main" xmlns:a16="http://schemas.microsoft.com/office/drawing/2014/main" xmlns="" w="9525">
                     <a:solidFill>
                       <a:srgbClr val="000000"/>
                     </a:solidFill>
@@ -20586,7 +20586,7 @@
               </a:ln>
               <a:extLst>
                 <a:ext uri="{91240B29-F687-4f45-9708-019B960494DF}">
-                  <a14:hiddenLine xmlns="" xmlns:a16="http://schemas.microsoft.com/office/drawing/2014/main" xmlns:p14="http://schemas.microsoft.com/office/powerpoint/2010/main" xmlns:a14="http://schemas.microsoft.com/office/drawing/2010/main" w="9525">
+                  <a14:hiddenLine xmlns:a14="http://schemas.microsoft.com/office/drawing/2010/main" xmlns:p14="http://schemas.microsoft.com/office/powerpoint/2010/main" xmlns:a16="http://schemas.microsoft.com/office/drawing/2014/main" xmlns="" w="9525">
                     <a:solidFill>
                       <a:srgbClr val="000000"/>
                     </a:solidFill>
@@ -20698,7 +20698,7 @@
               </a:ln>
               <a:extLst>
                 <a:ext uri="{91240B29-F687-4f45-9708-019B960494DF}">
-                  <a14:hiddenLine xmlns="" xmlns:a16="http://schemas.microsoft.com/office/drawing/2014/main" xmlns:p14="http://schemas.microsoft.com/office/powerpoint/2010/main" xmlns:a14="http://schemas.microsoft.com/office/drawing/2010/main" w="9525">
+                  <a14:hiddenLine xmlns:a14="http://schemas.microsoft.com/office/drawing/2010/main" xmlns:p14="http://schemas.microsoft.com/office/powerpoint/2010/main" xmlns:a16="http://schemas.microsoft.com/office/drawing/2014/main" xmlns="" w="9525">
                     <a:solidFill>
                       <a:srgbClr val="000000"/>
                     </a:solidFill>
@@ -20782,7 +20782,7 @@
               </a:ln>
               <a:extLst>
                 <a:ext uri="{91240B29-F687-4f45-9708-019B960494DF}">
-                  <a14:hiddenLine xmlns="" xmlns:a16="http://schemas.microsoft.com/office/drawing/2014/main" xmlns:p14="http://schemas.microsoft.com/office/powerpoint/2010/main" xmlns:a14="http://schemas.microsoft.com/office/drawing/2010/main" w="9525">
+                  <a14:hiddenLine xmlns:a14="http://schemas.microsoft.com/office/drawing/2010/main" xmlns:p14="http://schemas.microsoft.com/office/powerpoint/2010/main" xmlns:a16="http://schemas.microsoft.com/office/drawing/2014/main" xmlns="" w="9525">
                     <a:solidFill>
                       <a:srgbClr val="000000"/>
                     </a:solidFill>
@@ -20894,7 +20894,7 @@
               </a:ln>
               <a:extLst>
                 <a:ext uri="{91240B29-F687-4f45-9708-019B960494DF}">
-                  <a14:hiddenLine xmlns="" xmlns:a16="http://schemas.microsoft.com/office/drawing/2014/main" xmlns:p14="http://schemas.microsoft.com/office/powerpoint/2010/main" xmlns:a14="http://schemas.microsoft.com/office/drawing/2010/main" w="9525">
+                  <a14:hiddenLine xmlns:a14="http://schemas.microsoft.com/office/drawing/2010/main" xmlns:p14="http://schemas.microsoft.com/office/powerpoint/2010/main" xmlns:a16="http://schemas.microsoft.com/office/drawing/2014/main" xmlns="" w="9525">
                     <a:solidFill>
                       <a:srgbClr val="000000"/>
                     </a:solidFill>
@@ -20981,7 +20981,7 @@
               </a:ln>
               <a:extLst>
                 <a:ext uri="{91240B29-F687-4f45-9708-019B960494DF}">
-                  <a14:hiddenLine xmlns="" xmlns:a16="http://schemas.microsoft.com/office/drawing/2014/main" xmlns:p14="http://schemas.microsoft.com/office/powerpoint/2010/main" xmlns:a14="http://schemas.microsoft.com/office/drawing/2010/main" w="9525">
+                  <a14:hiddenLine xmlns:a14="http://schemas.microsoft.com/office/drawing/2010/main" xmlns:p14="http://schemas.microsoft.com/office/powerpoint/2010/main" xmlns:a16="http://schemas.microsoft.com/office/drawing/2014/main" xmlns="" w="9525">
                     <a:solidFill>
                       <a:srgbClr val="000000"/>
                     </a:solidFill>
@@ -21065,7 +21065,7 @@
               </a:ln>
               <a:extLst>
                 <a:ext uri="{91240B29-F687-4f45-9708-019B960494DF}">
-                  <a14:hiddenLine xmlns="" xmlns:a16="http://schemas.microsoft.com/office/drawing/2014/main" xmlns:p14="http://schemas.microsoft.com/office/powerpoint/2010/main" xmlns:a14="http://schemas.microsoft.com/office/drawing/2010/main" w="9525">
+                  <a14:hiddenLine xmlns:a14="http://schemas.microsoft.com/office/drawing/2010/main" xmlns:p14="http://schemas.microsoft.com/office/powerpoint/2010/main" xmlns:a16="http://schemas.microsoft.com/office/drawing/2014/main" xmlns="" w="9525">
                     <a:solidFill>
                       <a:srgbClr val="000000"/>
                     </a:solidFill>
@@ -21177,7 +21177,7 @@
               </a:ln>
               <a:extLst>
                 <a:ext uri="{91240B29-F687-4f45-9708-019B960494DF}">
-                  <a14:hiddenLine xmlns="" xmlns:a16="http://schemas.microsoft.com/office/drawing/2014/main" xmlns:p14="http://schemas.microsoft.com/office/powerpoint/2010/main" xmlns:a14="http://schemas.microsoft.com/office/drawing/2010/main" w="9525">
+                  <a14:hiddenLine xmlns:a14="http://schemas.microsoft.com/office/drawing/2010/main" xmlns:p14="http://schemas.microsoft.com/office/powerpoint/2010/main" xmlns:a16="http://schemas.microsoft.com/office/drawing/2014/main" xmlns="" w="9525">
                     <a:solidFill>
                       <a:srgbClr val="000000"/>
                     </a:solidFill>
@@ -21289,7 +21289,7 @@
               </a:ln>
               <a:extLst>
                 <a:ext uri="{91240B29-F687-4f45-9708-019B960494DF}">
-                  <a14:hiddenLine xmlns="" xmlns:a16="http://schemas.microsoft.com/office/drawing/2014/main" xmlns:p14="http://schemas.microsoft.com/office/powerpoint/2010/main" xmlns:a14="http://schemas.microsoft.com/office/drawing/2010/main" w="9525">
+                  <a14:hiddenLine xmlns:a14="http://schemas.microsoft.com/office/drawing/2010/main" xmlns:p14="http://schemas.microsoft.com/office/powerpoint/2010/main" xmlns:a16="http://schemas.microsoft.com/office/drawing/2014/main" xmlns="" w="9525">
                     <a:solidFill>
                       <a:srgbClr val="000000"/>
                     </a:solidFill>
@@ -21376,7 +21376,7 @@
               </a:ln>
               <a:extLst>
                 <a:ext uri="{91240B29-F687-4f45-9708-019B960494DF}">
-                  <a14:hiddenLine xmlns="" xmlns:a16="http://schemas.microsoft.com/office/drawing/2014/main" xmlns:p14="http://schemas.microsoft.com/office/powerpoint/2010/main" xmlns:a14="http://schemas.microsoft.com/office/drawing/2010/main" w="9525">
+                  <a14:hiddenLine xmlns:a14="http://schemas.microsoft.com/office/drawing/2010/main" xmlns:p14="http://schemas.microsoft.com/office/powerpoint/2010/main" xmlns:a16="http://schemas.microsoft.com/office/drawing/2014/main" xmlns="" w="9525">
                     <a:solidFill>
                       <a:srgbClr val="000000"/>
                     </a:solidFill>
@@ -21518,7 +21518,7 @@
               </a:ln>
               <a:extLst>
                 <a:ext uri="{91240B29-F687-4f45-9708-019B960494DF}">
-                  <a14:hiddenLine xmlns="" xmlns:a16="http://schemas.microsoft.com/office/drawing/2014/main" xmlns:p14="http://schemas.microsoft.com/office/powerpoint/2010/main" xmlns:a14="http://schemas.microsoft.com/office/drawing/2010/main" w="9525">
+                  <a14:hiddenLine xmlns:a14="http://schemas.microsoft.com/office/drawing/2010/main" xmlns:p14="http://schemas.microsoft.com/office/powerpoint/2010/main" xmlns:a16="http://schemas.microsoft.com/office/drawing/2014/main" xmlns="" w="9525">
                     <a:solidFill>
                       <a:srgbClr val="000000"/>
                     </a:solidFill>
@@ -21653,7 +21653,7 @@
               </a:ln>
               <a:extLst>
                 <a:ext uri="{91240B29-F687-4f45-9708-019B960494DF}">
-                  <a14:hiddenLine xmlns="" xmlns:a16="http://schemas.microsoft.com/office/drawing/2014/main" xmlns:p14="http://schemas.microsoft.com/office/powerpoint/2010/main" xmlns:a14="http://schemas.microsoft.com/office/drawing/2010/main" w="9525">
+                  <a14:hiddenLine xmlns:a14="http://schemas.microsoft.com/office/drawing/2010/main" xmlns:p14="http://schemas.microsoft.com/office/powerpoint/2010/main" xmlns:a16="http://schemas.microsoft.com/office/drawing/2014/main" xmlns="" w="9525">
                     <a:solidFill>
                       <a:srgbClr val="000000"/>
                     </a:solidFill>
@@ -21790,7 +21790,7 @@
               </a:ln>
               <a:extLst>
                 <a:ext uri="{91240B29-F687-4f45-9708-019B960494DF}">
-                  <a14:hiddenLine xmlns="" xmlns:a16="http://schemas.microsoft.com/office/drawing/2014/main" xmlns:p14="http://schemas.microsoft.com/office/powerpoint/2010/main" xmlns:a14="http://schemas.microsoft.com/office/drawing/2010/main" w="9525">
+                  <a14:hiddenLine xmlns:a14="http://schemas.microsoft.com/office/drawing/2010/main" xmlns:p14="http://schemas.microsoft.com/office/powerpoint/2010/main" xmlns:a16="http://schemas.microsoft.com/office/drawing/2014/main" xmlns="" w="9525">
                     <a:solidFill>
                       <a:srgbClr val="000000"/>
                     </a:solidFill>
@@ -21902,7 +21902,7 @@
               </a:ln>
               <a:extLst>
                 <a:ext uri="{91240B29-F687-4f45-9708-019B960494DF}">
-                  <a14:hiddenLine xmlns="" xmlns:a16="http://schemas.microsoft.com/office/drawing/2014/main" xmlns:p14="http://schemas.microsoft.com/office/powerpoint/2010/main" xmlns:a14="http://schemas.microsoft.com/office/drawing/2010/main" w="9525">
+                  <a14:hiddenLine xmlns:a14="http://schemas.microsoft.com/office/drawing/2010/main" xmlns:p14="http://schemas.microsoft.com/office/powerpoint/2010/main" xmlns:a16="http://schemas.microsoft.com/office/drawing/2014/main" xmlns="" w="9525">
                     <a:solidFill>
                       <a:srgbClr val="000000"/>
                     </a:solidFill>
@@ -21989,7 +21989,7 @@
               </a:ln>
               <a:extLst>
                 <a:ext uri="{91240B29-F687-4f45-9708-019B960494DF}">
-                  <a14:hiddenLine xmlns="" xmlns:a16="http://schemas.microsoft.com/office/drawing/2014/main" xmlns:p14="http://schemas.microsoft.com/office/powerpoint/2010/main" xmlns:a14="http://schemas.microsoft.com/office/drawing/2010/main" w="9525">
+                  <a14:hiddenLine xmlns:a14="http://schemas.microsoft.com/office/drawing/2010/main" xmlns:p14="http://schemas.microsoft.com/office/powerpoint/2010/main" xmlns:a16="http://schemas.microsoft.com/office/drawing/2014/main" xmlns="" w="9525">
                     <a:solidFill>
                       <a:srgbClr val="000000"/>
                     </a:solidFill>
@@ -22101,7 +22101,7 @@
               </a:ln>
               <a:extLst>
                 <a:ext uri="{91240B29-F687-4f45-9708-019B960494DF}">
-                  <a14:hiddenLine xmlns="" xmlns:a16="http://schemas.microsoft.com/office/drawing/2014/main" xmlns:p14="http://schemas.microsoft.com/office/powerpoint/2010/main" xmlns:a14="http://schemas.microsoft.com/office/drawing/2010/main" w="9525">
+                  <a14:hiddenLine xmlns:a14="http://schemas.microsoft.com/office/drawing/2010/main" xmlns:p14="http://schemas.microsoft.com/office/powerpoint/2010/main" xmlns:a16="http://schemas.microsoft.com/office/drawing/2014/main" xmlns="" w="9525">
                     <a:solidFill>
                       <a:srgbClr val="000000"/>
                     </a:solidFill>
@@ -22191,7 +22191,7 @@
               </a:ln>
               <a:extLst>
                 <a:ext uri="{91240B29-F687-4f45-9708-019B960494DF}">
-                  <a14:hiddenLine xmlns="" xmlns:a16="http://schemas.microsoft.com/office/drawing/2014/main" xmlns:p14="http://schemas.microsoft.com/office/powerpoint/2010/main" xmlns:a14="http://schemas.microsoft.com/office/drawing/2010/main" w="9525">
+                  <a14:hiddenLine xmlns:a14="http://schemas.microsoft.com/office/drawing/2010/main" xmlns:p14="http://schemas.microsoft.com/office/powerpoint/2010/main" xmlns:a16="http://schemas.microsoft.com/office/drawing/2014/main" xmlns="" w="9525">
                     <a:solidFill>
                       <a:srgbClr val="000000"/>
                     </a:solidFill>
@@ -22303,7 +22303,7 @@
               </a:ln>
               <a:extLst>
                 <a:ext uri="{91240B29-F687-4f45-9708-019B960494DF}">
-                  <a14:hiddenLine xmlns="" xmlns:a16="http://schemas.microsoft.com/office/drawing/2014/main" xmlns:p14="http://schemas.microsoft.com/office/powerpoint/2010/main" xmlns:a14="http://schemas.microsoft.com/office/drawing/2010/main" w="9525">
+                  <a14:hiddenLine xmlns:a14="http://schemas.microsoft.com/office/drawing/2010/main" xmlns:p14="http://schemas.microsoft.com/office/powerpoint/2010/main" xmlns:a16="http://schemas.microsoft.com/office/drawing/2014/main" xmlns="" w="9525">
                     <a:solidFill>
                       <a:srgbClr val="000000"/>
                     </a:solidFill>
@@ -22393,7 +22393,7 @@
               </a:ln>
               <a:extLst>
                 <a:ext uri="{91240B29-F687-4f45-9708-019B960494DF}">
-                  <a14:hiddenLine xmlns="" xmlns:a16="http://schemas.microsoft.com/office/drawing/2014/main" xmlns:p14="http://schemas.microsoft.com/office/powerpoint/2010/main" xmlns:a14="http://schemas.microsoft.com/office/drawing/2010/main" w="9525">
+                  <a14:hiddenLine xmlns:a14="http://schemas.microsoft.com/office/drawing/2010/main" xmlns:p14="http://schemas.microsoft.com/office/powerpoint/2010/main" xmlns:a16="http://schemas.microsoft.com/office/drawing/2014/main" xmlns="" w="9525">
                     <a:solidFill>
                       <a:srgbClr val="000000"/>
                     </a:solidFill>
@@ -22505,7 +22505,7 @@
               </a:ln>
               <a:extLst>
                 <a:ext uri="{91240B29-F687-4f45-9708-019B960494DF}">
-                  <a14:hiddenLine xmlns="" xmlns:a16="http://schemas.microsoft.com/office/drawing/2014/main" xmlns:p14="http://schemas.microsoft.com/office/powerpoint/2010/main" xmlns:a14="http://schemas.microsoft.com/office/drawing/2010/main" w="9525">
+                  <a14:hiddenLine xmlns:a14="http://schemas.microsoft.com/office/drawing/2010/main" xmlns:p14="http://schemas.microsoft.com/office/powerpoint/2010/main" xmlns:a16="http://schemas.microsoft.com/office/drawing/2014/main" xmlns="" w="9525">
                     <a:solidFill>
                       <a:srgbClr val="000000"/>
                     </a:solidFill>
@@ -22561,7 +22561,7 @@
               </a:ln>
               <a:extLst>
                 <a:ext uri="{91240B29-F687-4f45-9708-019B960494DF}">
-                  <a14:hiddenLine xmlns="" xmlns:a16="http://schemas.microsoft.com/office/drawing/2014/main" xmlns:p14="http://schemas.microsoft.com/office/powerpoint/2010/main" xmlns:a14="http://schemas.microsoft.com/office/drawing/2010/main" w="9525">
+                  <a14:hiddenLine xmlns:a14="http://schemas.microsoft.com/office/drawing/2010/main" xmlns:p14="http://schemas.microsoft.com/office/powerpoint/2010/main" xmlns:a16="http://schemas.microsoft.com/office/drawing/2014/main" xmlns="" w="9525">
                     <a:solidFill>
                       <a:srgbClr val="000000"/>
                     </a:solidFill>
@@ -22630,7 +22630,7 @@
           <a:noFill/>
           <a:extLst>
             <a:ext uri="{909E8E84-426E-40dd-AFC4-6F175D3DCCD1}">
-              <a14:hiddenFill xmlns="" xmlns:a16="http://schemas.microsoft.com/office/drawing/2014/main" xmlns:p14="http://schemas.microsoft.com/office/powerpoint/2010/main" xmlns:a14="http://schemas.microsoft.com/office/drawing/2010/main">
+              <a14:hiddenFill xmlns:a14="http://schemas.microsoft.com/office/drawing/2010/main" xmlns:p14="http://schemas.microsoft.com/office/powerpoint/2010/main" xmlns:a16="http://schemas.microsoft.com/office/drawing/2014/main" xmlns="">
                 <a:solidFill>
                   <a:srgbClr val="FFFFFF"/>
                 </a:solidFill>

--- a/Employee Attrition Prediction Presentation.pptx
+++ b/Employee Attrition Prediction Presentation.pptx
@@ -33,6 +33,7 @@
     <p:sldId id="294" r:id="rId27"/>
     <p:sldId id="295" r:id="rId28"/>
     <p:sldId id="264" r:id="rId29"/>
+    <p:sldId id="297" r:id="rId30"/>
   </p:sldIdLst>
   <p:sldSz cx="12192000" cy="6858000"/>
   <p:notesSz cx="6858000" cy="9144000"/>
@@ -199,7 +200,7 @@
           <a:noFill/>
           <a:extLst>
             <a:ext uri="{909E8E84-426E-40dd-AFC4-6F175D3DCCD1}">
-              <a14:hiddenFill xmlns:a14="http://schemas.microsoft.com/office/drawing/2010/main" xmlns="">
+              <a14:hiddenFill xmlns="" xmlns:a14="http://schemas.microsoft.com/office/drawing/2010/main">
                 <a:solidFill>
                   <a:srgbClr val="FFFFFF"/>
                 </a:solidFill>
@@ -259,7 +260,7 @@
             </a:ln>
             <a:extLst>
               <a:ext uri="{91240B29-F687-4f45-9708-019B960494DF}">
-                <a14:hiddenLine xmlns:a14="http://schemas.microsoft.com/office/drawing/2010/main" xmlns="" w="9525">
+                <a14:hiddenLine xmlns="" xmlns:a14="http://schemas.microsoft.com/office/drawing/2010/main" w="9525">
                   <a:solidFill>
                     <a:srgbClr val="000000"/>
                   </a:solidFill>
@@ -349,7 +350,7 @@
             </a:ln>
             <a:extLst>
               <a:ext uri="{91240B29-F687-4f45-9708-019B960494DF}">
-                <a14:hiddenLine xmlns:a14="http://schemas.microsoft.com/office/drawing/2010/main" xmlns="" w="9525">
+                <a14:hiddenLine xmlns="" xmlns:a14="http://schemas.microsoft.com/office/drawing/2010/main" w="9525">
                   <a:solidFill>
                     <a:srgbClr val="000000"/>
                   </a:solidFill>
@@ -439,7 +440,7 @@
             </a:ln>
             <a:extLst>
               <a:ext uri="{91240B29-F687-4f45-9708-019B960494DF}">
-                <a14:hiddenLine xmlns:a14="http://schemas.microsoft.com/office/drawing/2010/main" xmlns="" w="9525">
+                <a14:hiddenLine xmlns="" xmlns:a14="http://schemas.microsoft.com/office/drawing/2010/main" w="9525">
                   <a:solidFill>
                     <a:srgbClr val="000000"/>
                   </a:solidFill>
@@ -473,7 +474,7 @@
             </a:ln>
             <a:extLst>
               <a:ext uri="{91240B29-F687-4f45-9708-019B960494DF}">
-                <a14:hiddenLine xmlns:a14="http://schemas.microsoft.com/office/drawing/2010/main" xmlns="" w="9525">
+                <a14:hiddenLine xmlns="" xmlns:a14="http://schemas.microsoft.com/office/drawing/2010/main" w="9525">
                   <a:solidFill>
                     <a:srgbClr val="000000"/>
                   </a:solidFill>
@@ -563,7 +564,7 @@
             </a:ln>
             <a:extLst>
               <a:ext uri="{91240B29-F687-4f45-9708-019B960494DF}">
-                <a14:hiddenLine xmlns:a14="http://schemas.microsoft.com/office/drawing/2010/main" xmlns="" w="9525">
+                <a14:hiddenLine xmlns="" xmlns:a14="http://schemas.microsoft.com/office/drawing/2010/main" w="9525">
                   <a:solidFill>
                     <a:srgbClr val="000000"/>
                   </a:solidFill>
@@ -625,7 +626,7 @@
             </a:ln>
             <a:extLst>
               <a:ext uri="{91240B29-F687-4f45-9708-019B960494DF}">
-                <a14:hiddenLine xmlns:a14="http://schemas.microsoft.com/office/drawing/2010/main" xmlns="" w="9525">
+                <a14:hiddenLine xmlns="" xmlns:a14="http://schemas.microsoft.com/office/drawing/2010/main" w="9525">
                   <a:solidFill>
                     <a:srgbClr val="000000"/>
                   </a:solidFill>
@@ -687,7 +688,7 @@
             </a:ln>
             <a:extLst>
               <a:ext uri="{91240B29-F687-4f45-9708-019B960494DF}">
-                <a14:hiddenLine xmlns:a14="http://schemas.microsoft.com/office/drawing/2010/main" xmlns="" w="9525">
+                <a14:hiddenLine xmlns="" xmlns:a14="http://schemas.microsoft.com/office/drawing/2010/main" w="9525">
                   <a:solidFill>
                     <a:srgbClr val="000000"/>
                   </a:solidFill>
@@ -777,7 +778,7 @@
             </a:ln>
             <a:extLst>
               <a:ext uri="{91240B29-F687-4f45-9708-019B960494DF}">
-                <a14:hiddenLine xmlns:a14="http://schemas.microsoft.com/office/drawing/2010/main" xmlns="" w="9525">
+                <a14:hiddenLine xmlns="" xmlns:a14="http://schemas.microsoft.com/office/drawing/2010/main" w="9525">
                   <a:solidFill>
                     <a:srgbClr val="000000"/>
                   </a:solidFill>
@@ -839,7 +840,7 @@
             </a:ln>
             <a:extLst>
               <a:ext uri="{91240B29-F687-4f45-9708-019B960494DF}">
-                <a14:hiddenLine xmlns:a14="http://schemas.microsoft.com/office/drawing/2010/main" xmlns="" w="9525">
+                <a14:hiddenLine xmlns="" xmlns:a14="http://schemas.microsoft.com/office/drawing/2010/main" w="9525">
                   <a:solidFill>
                     <a:srgbClr val="000000"/>
                   </a:solidFill>
@@ -901,7 +902,7 @@
             </a:ln>
             <a:extLst>
               <a:ext uri="{91240B29-F687-4f45-9708-019B960494DF}">
-                <a14:hiddenLine xmlns:a14="http://schemas.microsoft.com/office/drawing/2010/main" xmlns="" w="9525">
+                <a14:hiddenLine xmlns="" xmlns:a14="http://schemas.microsoft.com/office/drawing/2010/main" w="9525">
                   <a:solidFill>
                     <a:srgbClr val="000000"/>
                   </a:solidFill>
@@ -991,7 +992,7 @@
             </a:ln>
             <a:extLst>
               <a:ext uri="{91240B29-F687-4f45-9708-019B960494DF}">
-                <a14:hiddenLine xmlns:a14="http://schemas.microsoft.com/office/drawing/2010/main" xmlns="" w="9525">
+                <a14:hiddenLine xmlns="" xmlns:a14="http://schemas.microsoft.com/office/drawing/2010/main" w="9525">
                   <a:solidFill>
                     <a:srgbClr val="000000"/>
                   </a:solidFill>
@@ -1081,7 +1082,7 @@
             </a:ln>
             <a:extLst>
               <a:ext uri="{91240B29-F687-4f45-9708-019B960494DF}">
-                <a14:hiddenLine xmlns:a14="http://schemas.microsoft.com/office/drawing/2010/main" xmlns="" w="9525">
+                <a14:hiddenLine xmlns="" xmlns:a14="http://schemas.microsoft.com/office/drawing/2010/main" w="9525">
                   <a:solidFill>
                     <a:srgbClr val="000000"/>
                   </a:solidFill>
@@ -1143,7 +1144,7 @@
             </a:ln>
             <a:extLst>
               <a:ext uri="{91240B29-F687-4f45-9708-019B960494DF}">
-                <a14:hiddenLine xmlns:a14="http://schemas.microsoft.com/office/drawing/2010/main" xmlns="" w="9525">
+                <a14:hiddenLine xmlns="" xmlns:a14="http://schemas.microsoft.com/office/drawing/2010/main" w="9525">
                   <a:solidFill>
                     <a:srgbClr val="000000"/>
                   </a:solidFill>
@@ -1253,7 +1254,7 @@
             </a:ln>
             <a:extLst>
               <a:ext uri="{91240B29-F687-4f45-9708-019B960494DF}">
-                <a14:hiddenLine xmlns:a14="http://schemas.microsoft.com/office/drawing/2010/main" xmlns="" w="9525">
+                <a14:hiddenLine xmlns="" xmlns:a14="http://schemas.microsoft.com/office/drawing/2010/main" w="9525">
                   <a:solidFill>
                     <a:srgbClr val="000000"/>
                   </a:solidFill>
@@ -1315,7 +1316,7 @@
             </a:ln>
             <a:extLst>
               <a:ext uri="{91240B29-F687-4f45-9708-019B960494DF}">
-                <a14:hiddenLine xmlns:a14="http://schemas.microsoft.com/office/drawing/2010/main" xmlns="" w="9525">
+                <a14:hiddenLine xmlns="" xmlns:a14="http://schemas.microsoft.com/office/drawing/2010/main" w="9525">
                   <a:solidFill>
                     <a:srgbClr val="000000"/>
                   </a:solidFill>
@@ -1405,7 +1406,7 @@
             </a:ln>
             <a:extLst>
               <a:ext uri="{91240B29-F687-4f45-9708-019B960494DF}">
-                <a14:hiddenLine xmlns:a14="http://schemas.microsoft.com/office/drawing/2010/main" xmlns="" w="9525">
+                <a14:hiddenLine xmlns="" xmlns:a14="http://schemas.microsoft.com/office/drawing/2010/main" w="9525">
                   <a:solidFill>
                     <a:srgbClr val="000000"/>
                   </a:solidFill>
@@ -1495,7 +1496,7 @@
             </a:ln>
             <a:extLst>
               <a:ext uri="{91240B29-F687-4f45-9708-019B960494DF}">
-                <a14:hiddenLine xmlns:a14="http://schemas.microsoft.com/office/drawing/2010/main" xmlns="" w="9525">
+                <a14:hiddenLine xmlns="" xmlns:a14="http://schemas.microsoft.com/office/drawing/2010/main" w="9525">
                   <a:solidFill>
                     <a:srgbClr val="000000"/>
                   </a:solidFill>
@@ -1557,7 +1558,7 @@
             </a:ln>
             <a:extLst>
               <a:ext uri="{91240B29-F687-4f45-9708-019B960494DF}">
-                <a14:hiddenLine xmlns:a14="http://schemas.microsoft.com/office/drawing/2010/main" xmlns="" w="9525">
+                <a14:hiddenLine xmlns="" xmlns:a14="http://schemas.microsoft.com/office/drawing/2010/main" w="9525">
                   <a:solidFill>
                     <a:srgbClr val="000000"/>
                   </a:solidFill>
@@ -1647,7 +1648,7 @@
             </a:ln>
             <a:extLst>
               <a:ext uri="{91240B29-F687-4f45-9708-019B960494DF}">
-                <a14:hiddenLine xmlns:a14="http://schemas.microsoft.com/office/drawing/2010/main" xmlns="" w="9525">
+                <a14:hiddenLine xmlns="" xmlns:a14="http://schemas.microsoft.com/office/drawing/2010/main" w="9525">
                   <a:solidFill>
                     <a:srgbClr val="000000"/>
                   </a:solidFill>
@@ -1737,7 +1738,7 @@
             </a:ln>
             <a:extLst>
               <a:ext uri="{91240B29-F687-4f45-9708-019B960494DF}">
-                <a14:hiddenLine xmlns:a14="http://schemas.microsoft.com/office/drawing/2010/main" xmlns="" w="9525">
+                <a14:hiddenLine xmlns="" xmlns:a14="http://schemas.microsoft.com/office/drawing/2010/main" w="9525">
                   <a:solidFill>
                     <a:srgbClr val="000000"/>
                   </a:solidFill>
@@ -1793,7 +1794,7 @@
             </a:ln>
             <a:extLst>
               <a:ext uri="{91240B29-F687-4f45-9708-019B960494DF}">
-                <a14:hiddenLine xmlns:a14="http://schemas.microsoft.com/office/drawing/2010/main" xmlns="" w="9525">
+                <a14:hiddenLine xmlns="" xmlns:a14="http://schemas.microsoft.com/office/drawing/2010/main" w="9525">
                   <a:solidFill>
                     <a:srgbClr val="000000"/>
                   </a:solidFill>
@@ -1883,7 +1884,7 @@
             </a:ln>
             <a:extLst>
               <a:ext uri="{91240B29-F687-4f45-9708-019B960494DF}">
-                <a14:hiddenLine xmlns:a14="http://schemas.microsoft.com/office/drawing/2010/main" xmlns="" w="9525">
+                <a14:hiddenLine xmlns="" xmlns:a14="http://schemas.microsoft.com/office/drawing/2010/main" w="9525">
                   <a:solidFill>
                     <a:srgbClr val="000000"/>
                   </a:solidFill>
@@ -1939,7 +1940,7 @@
             </a:ln>
             <a:extLst>
               <a:ext uri="{91240B29-F687-4f45-9708-019B960494DF}">
-                <a14:hiddenLine xmlns:a14="http://schemas.microsoft.com/office/drawing/2010/main" xmlns="" w="9525">
+                <a14:hiddenLine xmlns="" xmlns:a14="http://schemas.microsoft.com/office/drawing/2010/main" w="9525">
                   <a:solidFill>
                     <a:srgbClr val="000000"/>
                   </a:solidFill>
@@ -2029,7 +2030,7 @@
             </a:ln>
             <a:extLst>
               <a:ext uri="{91240B29-F687-4f45-9708-019B960494DF}">
-                <a14:hiddenLine xmlns:a14="http://schemas.microsoft.com/office/drawing/2010/main" xmlns="" w="9525">
+                <a14:hiddenLine xmlns="" xmlns:a14="http://schemas.microsoft.com/office/drawing/2010/main" w="9525">
                   <a:solidFill>
                     <a:srgbClr val="000000"/>
                   </a:solidFill>
@@ -2097,7 +2098,7 @@
             </a:ln>
             <a:extLst>
               <a:ext uri="{91240B29-F687-4f45-9708-019B960494DF}">
-                <a14:hiddenLine xmlns:a14="http://schemas.microsoft.com/office/drawing/2010/main" xmlns="" w="9525">
+                <a14:hiddenLine xmlns="" xmlns:a14="http://schemas.microsoft.com/office/drawing/2010/main" w="9525">
                   <a:solidFill>
                     <a:srgbClr val="000000"/>
                   </a:solidFill>
@@ -2187,7 +2188,7 @@
             </a:ln>
             <a:extLst>
               <a:ext uri="{91240B29-F687-4f45-9708-019B960494DF}">
-                <a14:hiddenLine xmlns:a14="http://schemas.microsoft.com/office/drawing/2010/main" xmlns="" w="9525">
+                <a14:hiddenLine xmlns="" xmlns:a14="http://schemas.microsoft.com/office/drawing/2010/main" w="9525">
                   <a:solidFill>
                     <a:srgbClr val="000000"/>
                   </a:solidFill>
@@ -2255,7 +2256,7 @@
             </a:ln>
             <a:extLst>
               <a:ext uri="{91240B29-F687-4f45-9708-019B960494DF}">
-                <a14:hiddenLine xmlns:a14="http://schemas.microsoft.com/office/drawing/2010/main" xmlns="" w="9525">
+                <a14:hiddenLine xmlns="" xmlns:a14="http://schemas.microsoft.com/office/drawing/2010/main" w="9525">
                   <a:solidFill>
                     <a:srgbClr val="000000"/>
                   </a:solidFill>
@@ -2345,7 +2346,7 @@
             </a:ln>
             <a:extLst>
               <a:ext uri="{91240B29-F687-4f45-9708-019B960494DF}">
-                <a14:hiddenLine xmlns:a14="http://schemas.microsoft.com/office/drawing/2010/main" xmlns="" w="9525">
+                <a14:hiddenLine xmlns="" xmlns:a14="http://schemas.microsoft.com/office/drawing/2010/main" w="9525">
                   <a:solidFill>
                     <a:srgbClr val="000000"/>
                   </a:solidFill>
@@ -2379,7 +2380,7 @@
             </a:ln>
             <a:extLst>
               <a:ext uri="{91240B29-F687-4f45-9708-019B960494DF}">
-                <a14:hiddenLine xmlns:a14="http://schemas.microsoft.com/office/drawing/2010/main" xmlns="" w="9525">
+                <a14:hiddenLine xmlns="" xmlns:a14="http://schemas.microsoft.com/office/drawing/2010/main" w="9525">
                   <a:solidFill>
                     <a:srgbClr val="000000"/>
                   </a:solidFill>
@@ -2469,7 +2470,7 @@
             </a:ln>
             <a:extLst>
               <a:ext uri="{91240B29-F687-4f45-9708-019B960494DF}">
-                <a14:hiddenLine xmlns:a14="http://schemas.microsoft.com/office/drawing/2010/main" xmlns="" w="9525">
+                <a14:hiddenLine xmlns="" xmlns:a14="http://schemas.microsoft.com/office/drawing/2010/main" w="9525">
                   <a:solidFill>
                     <a:srgbClr val="000000"/>
                   </a:solidFill>
@@ -2531,7 +2532,7 @@
             </a:ln>
             <a:extLst>
               <a:ext uri="{91240B29-F687-4f45-9708-019B960494DF}">
-                <a14:hiddenLine xmlns:a14="http://schemas.microsoft.com/office/drawing/2010/main" xmlns="" w="9525">
+                <a14:hiddenLine xmlns="" xmlns:a14="http://schemas.microsoft.com/office/drawing/2010/main" w="9525">
                   <a:solidFill>
                     <a:srgbClr val="000000"/>
                   </a:solidFill>
@@ -2593,7 +2594,7 @@
             </a:ln>
             <a:extLst>
               <a:ext uri="{91240B29-F687-4f45-9708-019B960494DF}">
-                <a14:hiddenLine xmlns:a14="http://schemas.microsoft.com/office/drawing/2010/main" xmlns="" w="9525">
+                <a14:hiddenLine xmlns="" xmlns:a14="http://schemas.microsoft.com/office/drawing/2010/main" w="9525">
                   <a:solidFill>
                     <a:srgbClr val="000000"/>
                   </a:solidFill>
@@ -2683,7 +2684,7 @@
             </a:ln>
             <a:extLst>
               <a:ext uri="{91240B29-F687-4f45-9708-019B960494DF}">
-                <a14:hiddenLine xmlns:a14="http://schemas.microsoft.com/office/drawing/2010/main" xmlns="" w="9525">
+                <a14:hiddenLine xmlns="" xmlns:a14="http://schemas.microsoft.com/office/drawing/2010/main" w="9525">
                   <a:solidFill>
                     <a:srgbClr val="000000"/>
                   </a:solidFill>
@@ -2751,7 +2752,7 @@
             </a:ln>
             <a:extLst>
               <a:ext uri="{91240B29-F687-4f45-9708-019B960494DF}">
-                <a14:hiddenLine xmlns:a14="http://schemas.microsoft.com/office/drawing/2010/main" xmlns="" w="9525">
+                <a14:hiddenLine xmlns="" xmlns:a14="http://schemas.microsoft.com/office/drawing/2010/main" w="9525">
                   <a:solidFill>
                     <a:srgbClr val="000000"/>
                   </a:solidFill>
@@ -2813,7 +2814,7 @@
             </a:ln>
             <a:extLst>
               <a:ext uri="{91240B29-F687-4f45-9708-019B960494DF}">
-                <a14:hiddenLine xmlns:a14="http://schemas.microsoft.com/office/drawing/2010/main" xmlns="" w="9525">
+                <a14:hiddenLine xmlns="" xmlns:a14="http://schemas.microsoft.com/office/drawing/2010/main" w="9525">
                   <a:solidFill>
                     <a:srgbClr val="000000"/>
                   </a:solidFill>
@@ -2903,7 +2904,7 @@
             </a:ln>
             <a:extLst>
               <a:ext uri="{91240B29-F687-4f45-9708-019B960494DF}">
-                <a14:hiddenLine xmlns:a14="http://schemas.microsoft.com/office/drawing/2010/main" xmlns="" w="9525">
+                <a14:hiddenLine xmlns="" xmlns:a14="http://schemas.microsoft.com/office/drawing/2010/main" w="9525">
                   <a:solidFill>
                     <a:srgbClr val="000000"/>
                   </a:solidFill>
@@ -2965,7 +2966,7 @@
             </a:ln>
             <a:extLst>
               <a:ext uri="{91240B29-F687-4f45-9708-019B960494DF}">
-                <a14:hiddenLine xmlns:a14="http://schemas.microsoft.com/office/drawing/2010/main" xmlns="" w="9525">
+                <a14:hiddenLine xmlns="" xmlns:a14="http://schemas.microsoft.com/office/drawing/2010/main" w="9525">
                   <a:solidFill>
                     <a:srgbClr val="000000"/>
                   </a:solidFill>
@@ -3055,7 +3056,7 @@
             </a:ln>
             <a:extLst>
               <a:ext uri="{91240B29-F687-4f45-9708-019B960494DF}">
-                <a14:hiddenLine xmlns:a14="http://schemas.microsoft.com/office/drawing/2010/main" xmlns="" w="9525">
+                <a14:hiddenLine xmlns="" xmlns:a14="http://schemas.microsoft.com/office/drawing/2010/main" w="9525">
                   <a:solidFill>
                     <a:srgbClr val="000000"/>
                   </a:solidFill>
@@ -3117,7 +3118,7 @@
             </a:ln>
             <a:extLst>
               <a:ext uri="{91240B29-F687-4f45-9708-019B960494DF}">
-                <a14:hiddenLine xmlns:a14="http://schemas.microsoft.com/office/drawing/2010/main" xmlns="" w="9525">
+                <a14:hiddenLine xmlns="" xmlns:a14="http://schemas.microsoft.com/office/drawing/2010/main" w="9525">
                   <a:solidFill>
                     <a:srgbClr val="000000"/>
                   </a:solidFill>
@@ -3207,7 +3208,7 @@
             </a:ln>
             <a:extLst>
               <a:ext uri="{91240B29-F687-4f45-9708-019B960494DF}">
-                <a14:hiddenLine xmlns:a14="http://schemas.microsoft.com/office/drawing/2010/main" xmlns="" w="9525">
+                <a14:hiddenLine xmlns="" xmlns:a14="http://schemas.microsoft.com/office/drawing/2010/main" w="9525">
                   <a:solidFill>
                     <a:srgbClr val="000000"/>
                   </a:solidFill>
@@ -3241,7 +3242,7 @@
             </a:ln>
             <a:extLst>
               <a:ext uri="{91240B29-F687-4f45-9708-019B960494DF}">
-                <a14:hiddenLine xmlns:a14="http://schemas.microsoft.com/office/drawing/2010/main" xmlns="" w="9525">
+                <a14:hiddenLine xmlns="" xmlns:a14="http://schemas.microsoft.com/office/drawing/2010/main" w="9525">
                   <a:solidFill>
                     <a:srgbClr val="000000"/>
                   </a:solidFill>
@@ -3306,7 +3307,7 @@
             </a:ln>
             <a:extLst>
               <a:ext uri="{91240B29-F687-4f45-9708-019B960494DF}">
-                <a14:hiddenLine xmlns:a14="http://schemas.microsoft.com/office/drawing/2010/main" xmlns="" w="9525">
+                <a14:hiddenLine xmlns="" xmlns:a14="http://schemas.microsoft.com/office/drawing/2010/main" w="9525">
                   <a:solidFill>
                     <a:srgbClr val="000000"/>
                   </a:solidFill>
@@ -3396,7 +3397,7 @@
             </a:ln>
             <a:extLst>
               <a:ext uri="{91240B29-F687-4f45-9708-019B960494DF}">
-                <a14:hiddenLine xmlns:a14="http://schemas.microsoft.com/office/drawing/2010/main" xmlns="" w="9525">
+                <a14:hiddenLine xmlns="" xmlns:a14="http://schemas.microsoft.com/office/drawing/2010/main" w="9525">
                   <a:solidFill>
                     <a:srgbClr val="000000"/>
                   </a:solidFill>
@@ -3458,7 +3459,7 @@
             </a:ln>
             <a:extLst>
               <a:ext uri="{91240B29-F687-4f45-9708-019B960494DF}">
-                <a14:hiddenLine xmlns:a14="http://schemas.microsoft.com/office/drawing/2010/main" xmlns="" w="9525">
+                <a14:hiddenLine xmlns="" xmlns:a14="http://schemas.microsoft.com/office/drawing/2010/main" w="9525">
                   <a:solidFill>
                     <a:srgbClr val="000000"/>
                   </a:solidFill>
@@ -3548,7 +3549,7 @@
             </a:ln>
             <a:extLst>
               <a:ext uri="{91240B29-F687-4f45-9708-019B960494DF}">
-                <a14:hiddenLine xmlns:a14="http://schemas.microsoft.com/office/drawing/2010/main" xmlns="" w="9525">
+                <a14:hiddenLine xmlns="" xmlns:a14="http://schemas.microsoft.com/office/drawing/2010/main" w="9525">
                   <a:solidFill>
                     <a:srgbClr val="000000"/>
                   </a:solidFill>
@@ -3638,7 +3639,7 @@
             </a:ln>
             <a:extLst>
               <a:ext uri="{91240B29-F687-4f45-9708-019B960494DF}">
-                <a14:hiddenLine xmlns:a14="http://schemas.microsoft.com/office/drawing/2010/main" xmlns="" w="9525">
+                <a14:hiddenLine xmlns="" xmlns:a14="http://schemas.microsoft.com/office/drawing/2010/main" w="9525">
                   <a:solidFill>
                     <a:srgbClr val="000000"/>
                   </a:solidFill>
@@ -3703,7 +3704,7 @@
             </a:ln>
             <a:extLst>
               <a:ext uri="{91240B29-F687-4f45-9708-019B960494DF}">
-                <a14:hiddenLine xmlns:a14="http://schemas.microsoft.com/office/drawing/2010/main" xmlns="" w="9525">
+                <a14:hiddenLine xmlns="" xmlns:a14="http://schemas.microsoft.com/office/drawing/2010/main" w="9525">
                   <a:solidFill>
                     <a:srgbClr val="000000"/>
                   </a:solidFill>
@@ -3765,7 +3766,7 @@
             </a:ln>
             <a:extLst>
               <a:ext uri="{91240B29-F687-4f45-9708-019B960494DF}">
-                <a14:hiddenLine xmlns:a14="http://schemas.microsoft.com/office/drawing/2010/main" xmlns="" w="9525">
+                <a14:hiddenLine xmlns="" xmlns:a14="http://schemas.microsoft.com/office/drawing/2010/main" w="9525">
                   <a:solidFill>
                     <a:srgbClr val="000000"/>
                   </a:solidFill>
@@ -3855,7 +3856,7 @@
             </a:ln>
             <a:extLst>
               <a:ext uri="{91240B29-F687-4f45-9708-019B960494DF}">
-                <a14:hiddenLine xmlns:a14="http://schemas.microsoft.com/office/drawing/2010/main" xmlns="" w="9525">
+                <a14:hiddenLine xmlns="" xmlns:a14="http://schemas.microsoft.com/office/drawing/2010/main" w="9525">
                   <a:solidFill>
                     <a:srgbClr val="000000"/>
                   </a:solidFill>
@@ -3945,7 +3946,7 @@
             </a:ln>
             <a:extLst>
               <a:ext uri="{91240B29-F687-4f45-9708-019B960494DF}">
-                <a14:hiddenLine xmlns:a14="http://schemas.microsoft.com/office/drawing/2010/main" xmlns="" w="9525">
+                <a14:hiddenLine xmlns="" xmlns:a14="http://schemas.microsoft.com/office/drawing/2010/main" w="9525">
                   <a:solidFill>
                     <a:srgbClr val="000000"/>
                   </a:solidFill>
@@ -4007,7 +4008,7 @@
             </a:ln>
             <a:extLst>
               <a:ext uri="{91240B29-F687-4f45-9708-019B960494DF}">
-                <a14:hiddenLine xmlns:a14="http://schemas.microsoft.com/office/drawing/2010/main" xmlns="" w="9525">
+                <a14:hiddenLine xmlns="" xmlns:a14="http://schemas.microsoft.com/office/drawing/2010/main" w="9525">
                   <a:solidFill>
                     <a:srgbClr val="000000"/>
                   </a:solidFill>
@@ -4127,7 +4128,7 @@
             </a:ln>
             <a:extLst>
               <a:ext uri="{91240B29-F687-4f45-9708-019B960494DF}">
-                <a14:hiddenLine xmlns:a14="http://schemas.microsoft.com/office/drawing/2010/main" xmlns="" w="9525">
+                <a14:hiddenLine xmlns="" xmlns:a14="http://schemas.microsoft.com/office/drawing/2010/main" w="9525">
                   <a:solidFill>
                     <a:srgbClr val="000000"/>
                   </a:solidFill>
@@ -4195,7 +4196,7 @@
             </a:ln>
             <a:extLst>
               <a:ext uri="{91240B29-F687-4f45-9708-019B960494DF}">
-                <a14:hiddenLine xmlns:a14="http://schemas.microsoft.com/office/drawing/2010/main" xmlns="" w="9525">
+                <a14:hiddenLine xmlns="" xmlns:a14="http://schemas.microsoft.com/office/drawing/2010/main" w="9525">
                   <a:solidFill>
                     <a:srgbClr val="000000"/>
                   </a:solidFill>
@@ -4285,7 +4286,7 @@
             </a:ln>
             <a:extLst>
               <a:ext uri="{91240B29-F687-4f45-9708-019B960494DF}">
-                <a14:hiddenLine xmlns:a14="http://schemas.microsoft.com/office/drawing/2010/main" xmlns="" w="9525">
+                <a14:hiddenLine xmlns="" xmlns:a14="http://schemas.microsoft.com/office/drawing/2010/main" w="9525">
                   <a:solidFill>
                     <a:srgbClr val="000000"/>
                   </a:solidFill>
@@ -9092,7 +9093,7 @@
           <a:noFill/>
           <a:extLst>
             <a:ext uri="{909E8E84-426E-40dd-AFC4-6F175D3DCCD1}">
-              <a14:hiddenFill xmlns:a14="http://schemas.microsoft.com/office/drawing/2010/main" xmlns="">
+              <a14:hiddenFill xmlns="" xmlns:a14="http://schemas.microsoft.com/office/drawing/2010/main">
                 <a:solidFill>
                   <a:srgbClr val="FFFFFF"/>
                 </a:solidFill>
@@ -9166,7 +9167,7 @@
               </a:ln>
               <a:extLst>
                 <a:ext uri="{91240B29-F687-4f45-9708-019B960494DF}">
-                  <a14:hiddenLine xmlns:a14="http://schemas.microsoft.com/office/drawing/2010/main" xmlns="" w="9525">
+                  <a14:hiddenLine xmlns="" xmlns:a14="http://schemas.microsoft.com/office/drawing/2010/main" w="9525">
                     <a:solidFill>
                       <a:srgbClr val="000000"/>
                     </a:solidFill>
@@ -9256,7 +9257,7 @@
               </a:ln>
               <a:extLst>
                 <a:ext uri="{91240B29-F687-4f45-9708-019B960494DF}">
-                  <a14:hiddenLine xmlns:a14="http://schemas.microsoft.com/office/drawing/2010/main" xmlns="" w="9525">
+                  <a14:hiddenLine xmlns="" xmlns:a14="http://schemas.microsoft.com/office/drawing/2010/main" w="9525">
                     <a:solidFill>
                       <a:srgbClr val="000000"/>
                     </a:solidFill>
@@ -9346,7 +9347,7 @@
               </a:ln>
               <a:extLst>
                 <a:ext uri="{91240B29-F687-4f45-9708-019B960494DF}">
-                  <a14:hiddenLine xmlns:a14="http://schemas.microsoft.com/office/drawing/2010/main" xmlns="" w="9525">
+                  <a14:hiddenLine xmlns="" xmlns:a14="http://schemas.microsoft.com/office/drawing/2010/main" w="9525">
                     <a:solidFill>
                       <a:srgbClr val="000000"/>
                     </a:solidFill>
@@ -9408,7 +9409,7 @@
               </a:ln>
               <a:extLst>
                 <a:ext uri="{91240B29-F687-4f45-9708-019B960494DF}">
-                  <a14:hiddenLine xmlns:a14="http://schemas.microsoft.com/office/drawing/2010/main" xmlns="" w="9525">
+                  <a14:hiddenLine xmlns="" xmlns:a14="http://schemas.microsoft.com/office/drawing/2010/main" w="9525">
                     <a:solidFill>
                       <a:srgbClr val="000000"/>
                     </a:solidFill>
@@ -9498,7 +9499,7 @@
               </a:ln>
               <a:extLst>
                 <a:ext uri="{91240B29-F687-4f45-9708-019B960494DF}">
-                  <a14:hiddenLine xmlns:a14="http://schemas.microsoft.com/office/drawing/2010/main" xmlns="" w="9525">
+                  <a14:hiddenLine xmlns="" xmlns:a14="http://schemas.microsoft.com/office/drawing/2010/main" w="9525">
                     <a:solidFill>
                       <a:srgbClr val="000000"/>
                     </a:solidFill>
@@ -9560,7 +9561,7 @@
               </a:ln>
               <a:extLst>
                 <a:ext uri="{91240B29-F687-4f45-9708-019B960494DF}">
-                  <a14:hiddenLine xmlns:a14="http://schemas.microsoft.com/office/drawing/2010/main" xmlns="" w="9525">
+                  <a14:hiddenLine xmlns="" xmlns:a14="http://schemas.microsoft.com/office/drawing/2010/main" w="9525">
                     <a:solidFill>
                       <a:srgbClr val="000000"/>
                     </a:solidFill>
@@ -9622,7 +9623,7 @@
               </a:ln>
               <a:extLst>
                 <a:ext uri="{91240B29-F687-4f45-9708-019B960494DF}">
-                  <a14:hiddenLine xmlns:a14="http://schemas.microsoft.com/office/drawing/2010/main" xmlns="" w="9525">
+                  <a14:hiddenLine xmlns="" xmlns:a14="http://schemas.microsoft.com/office/drawing/2010/main" w="9525">
                     <a:solidFill>
                       <a:srgbClr val="000000"/>
                     </a:solidFill>
@@ -9712,7 +9713,7 @@
               </a:ln>
               <a:extLst>
                 <a:ext uri="{91240B29-F687-4f45-9708-019B960494DF}">
-                  <a14:hiddenLine xmlns:a14="http://schemas.microsoft.com/office/drawing/2010/main" xmlns="" w="9525">
+                  <a14:hiddenLine xmlns="" xmlns:a14="http://schemas.microsoft.com/office/drawing/2010/main" w="9525">
                     <a:solidFill>
                       <a:srgbClr val="000000"/>
                     </a:solidFill>
@@ -9802,7 +9803,7 @@
               </a:ln>
               <a:extLst>
                 <a:ext uri="{91240B29-F687-4f45-9708-019B960494DF}">
-                  <a14:hiddenLine xmlns:a14="http://schemas.microsoft.com/office/drawing/2010/main" xmlns="" w="9525">
+                  <a14:hiddenLine xmlns="" xmlns:a14="http://schemas.microsoft.com/office/drawing/2010/main" w="9525">
                     <a:solidFill>
                       <a:srgbClr val="000000"/>
                     </a:solidFill>
@@ -9864,7 +9865,7 @@
               </a:ln>
               <a:extLst>
                 <a:ext uri="{91240B29-F687-4f45-9708-019B960494DF}">
-                  <a14:hiddenLine xmlns:a14="http://schemas.microsoft.com/office/drawing/2010/main" xmlns="" w="9525">
+                  <a14:hiddenLine xmlns="" xmlns:a14="http://schemas.microsoft.com/office/drawing/2010/main" w="9525">
                     <a:solidFill>
                       <a:srgbClr val="000000"/>
                     </a:solidFill>
@@ -9974,7 +9975,7 @@
               </a:ln>
               <a:extLst>
                 <a:ext uri="{91240B29-F687-4f45-9708-019B960494DF}">
-                  <a14:hiddenLine xmlns:a14="http://schemas.microsoft.com/office/drawing/2010/main" xmlns="" w="9525">
+                  <a14:hiddenLine xmlns="" xmlns:a14="http://schemas.microsoft.com/office/drawing/2010/main" w="9525">
                     <a:solidFill>
                       <a:srgbClr val="000000"/>
                     </a:solidFill>
@@ -10058,7 +10059,7 @@
               </a:ln>
               <a:extLst>
                 <a:ext uri="{91240B29-F687-4f45-9708-019B960494DF}">
-                  <a14:hiddenLine xmlns:a14="http://schemas.microsoft.com/office/drawing/2010/main" xmlns="" w="9525">
+                  <a14:hiddenLine xmlns="" xmlns:a14="http://schemas.microsoft.com/office/drawing/2010/main" w="9525">
                     <a:solidFill>
                       <a:srgbClr val="000000"/>
                     </a:solidFill>
@@ -10120,7 +10121,7 @@
               </a:ln>
               <a:extLst>
                 <a:ext uri="{91240B29-F687-4f45-9708-019B960494DF}">
-                  <a14:hiddenLine xmlns:a14="http://schemas.microsoft.com/office/drawing/2010/main" xmlns="" w="9525">
+                  <a14:hiddenLine xmlns="" xmlns:a14="http://schemas.microsoft.com/office/drawing/2010/main" w="9525">
                     <a:solidFill>
                       <a:srgbClr val="000000"/>
                     </a:solidFill>
@@ -10182,7 +10183,7 @@
               </a:ln>
               <a:extLst>
                 <a:ext uri="{91240B29-F687-4f45-9708-019B960494DF}">
-                  <a14:hiddenLine xmlns:a14="http://schemas.microsoft.com/office/drawing/2010/main" xmlns="" w="9525">
+                  <a14:hiddenLine xmlns="" xmlns:a14="http://schemas.microsoft.com/office/drawing/2010/main" w="9525">
                     <a:solidFill>
                       <a:srgbClr val="000000"/>
                     </a:solidFill>
@@ -10272,7 +10273,7 @@
               </a:ln>
               <a:extLst>
                 <a:ext uri="{91240B29-F687-4f45-9708-019B960494DF}">
-                  <a14:hiddenLine xmlns:a14="http://schemas.microsoft.com/office/drawing/2010/main" xmlns="" w="9525">
+                  <a14:hiddenLine xmlns="" xmlns:a14="http://schemas.microsoft.com/office/drawing/2010/main" w="9525">
                     <a:solidFill>
                       <a:srgbClr val="000000"/>
                     </a:solidFill>
@@ -10306,7 +10307,7 @@
               </a:ln>
               <a:extLst>
                 <a:ext uri="{91240B29-F687-4f45-9708-019B960494DF}">
-                  <a14:hiddenLine xmlns:a14="http://schemas.microsoft.com/office/drawing/2010/main" xmlns="" w="9525">
+                  <a14:hiddenLine xmlns="" xmlns:a14="http://schemas.microsoft.com/office/drawing/2010/main" w="9525">
                     <a:solidFill>
                       <a:srgbClr val="000000"/>
                     </a:solidFill>
@@ -10371,7 +10372,7 @@
               </a:ln>
               <a:extLst>
                 <a:ext uri="{91240B29-F687-4f45-9708-019B960494DF}">
-                  <a14:hiddenLine xmlns:a14="http://schemas.microsoft.com/office/drawing/2010/main" xmlns="" w="9525">
+                  <a14:hiddenLine xmlns="" xmlns:a14="http://schemas.microsoft.com/office/drawing/2010/main" w="9525">
                     <a:solidFill>
                       <a:srgbClr val="000000"/>
                     </a:solidFill>
@@ -10461,7 +10462,7 @@
               </a:ln>
               <a:extLst>
                 <a:ext uri="{91240B29-F687-4f45-9708-019B960494DF}">
-                  <a14:hiddenLine xmlns:a14="http://schemas.microsoft.com/office/drawing/2010/main" xmlns="" w="9525">
+                  <a14:hiddenLine xmlns="" xmlns:a14="http://schemas.microsoft.com/office/drawing/2010/main" w="9525">
                     <a:solidFill>
                       <a:srgbClr val="000000"/>
                     </a:solidFill>
@@ -10523,7 +10524,7 @@
               </a:ln>
               <a:extLst>
                 <a:ext uri="{91240B29-F687-4f45-9708-019B960494DF}">
-                  <a14:hiddenLine xmlns:a14="http://schemas.microsoft.com/office/drawing/2010/main" xmlns="" w="9525">
+                  <a14:hiddenLine xmlns="" xmlns:a14="http://schemas.microsoft.com/office/drawing/2010/main" w="9525">
                     <a:solidFill>
                       <a:srgbClr val="000000"/>
                     </a:solidFill>
@@ -10613,7 +10614,7 @@
               </a:ln>
               <a:extLst>
                 <a:ext uri="{91240B29-F687-4f45-9708-019B960494DF}">
-                  <a14:hiddenLine xmlns:a14="http://schemas.microsoft.com/office/drawing/2010/main" xmlns="" w="9525">
+                  <a14:hiddenLine xmlns="" xmlns:a14="http://schemas.microsoft.com/office/drawing/2010/main" w="9525">
                     <a:solidFill>
                       <a:srgbClr val="000000"/>
                     </a:solidFill>
@@ -10678,7 +10679,7 @@
               </a:ln>
               <a:extLst>
                 <a:ext uri="{91240B29-F687-4f45-9708-019B960494DF}">
-                  <a14:hiddenLine xmlns:a14="http://schemas.microsoft.com/office/drawing/2010/main" xmlns="" w="9525">
+                  <a14:hiddenLine xmlns="" xmlns:a14="http://schemas.microsoft.com/office/drawing/2010/main" w="9525">
                     <a:solidFill>
                       <a:srgbClr val="000000"/>
                     </a:solidFill>
@@ -10740,7 +10741,7 @@
               </a:ln>
               <a:extLst>
                 <a:ext uri="{91240B29-F687-4f45-9708-019B960494DF}">
-                  <a14:hiddenLine xmlns:a14="http://schemas.microsoft.com/office/drawing/2010/main" xmlns="" w="9525">
+                  <a14:hiddenLine xmlns="" xmlns:a14="http://schemas.microsoft.com/office/drawing/2010/main" w="9525">
                     <a:solidFill>
                       <a:srgbClr val="000000"/>
                     </a:solidFill>
@@ -10830,7 +10831,7 @@
               </a:ln>
               <a:extLst>
                 <a:ext uri="{91240B29-F687-4f45-9708-019B960494DF}">
-                  <a14:hiddenLine xmlns:a14="http://schemas.microsoft.com/office/drawing/2010/main" xmlns="" w="9525">
+                  <a14:hiddenLine xmlns="" xmlns:a14="http://schemas.microsoft.com/office/drawing/2010/main" w="9525">
                     <a:solidFill>
                       <a:srgbClr val="000000"/>
                     </a:solidFill>
@@ -10920,7 +10921,7 @@
               </a:ln>
               <a:extLst>
                 <a:ext uri="{91240B29-F687-4f45-9708-019B960494DF}">
-                  <a14:hiddenLine xmlns:a14="http://schemas.microsoft.com/office/drawing/2010/main" xmlns="" w="9525">
+                  <a14:hiddenLine xmlns="" xmlns:a14="http://schemas.microsoft.com/office/drawing/2010/main" w="9525">
                     <a:solidFill>
                       <a:srgbClr val="000000"/>
                     </a:solidFill>
@@ -10985,7 +10986,7 @@
               </a:ln>
               <a:extLst>
                 <a:ext uri="{91240B29-F687-4f45-9708-019B960494DF}">
-                  <a14:hiddenLine xmlns:a14="http://schemas.microsoft.com/office/drawing/2010/main" xmlns="" w="9525">
+                  <a14:hiddenLine xmlns="" xmlns:a14="http://schemas.microsoft.com/office/drawing/2010/main" w="9525">
                     <a:solidFill>
                       <a:srgbClr val="000000"/>
                     </a:solidFill>
@@ -11105,7 +11106,7 @@
               </a:ln>
               <a:extLst>
                 <a:ext uri="{91240B29-F687-4f45-9708-019B960494DF}">
-                  <a14:hiddenLine xmlns:a14="http://schemas.microsoft.com/office/drawing/2010/main" xmlns="" w="9525">
+                  <a14:hiddenLine xmlns="" xmlns:a14="http://schemas.microsoft.com/office/drawing/2010/main" w="9525">
                     <a:solidFill>
                       <a:srgbClr val="000000"/>
                     </a:solidFill>
@@ -11203,7 +11204,7 @@
               </a:ln>
               <a:extLst>
                 <a:ext uri="{91240B29-F687-4f45-9708-019B960494DF}">
-                  <a14:hiddenLine xmlns:a14="http://schemas.microsoft.com/office/drawing/2010/main" xmlns="" w="9525">
+                  <a14:hiddenLine xmlns="" xmlns:a14="http://schemas.microsoft.com/office/drawing/2010/main" w="9525">
                     <a:solidFill>
                       <a:srgbClr val="000000"/>
                     </a:solidFill>
@@ -11318,7 +11319,7 @@
               </a:ln>
               <a:extLst>
                 <a:ext uri="{91240B29-F687-4f45-9708-019B960494DF}">
-                  <a14:hiddenLine xmlns:a14="http://schemas.microsoft.com/office/drawing/2010/main" xmlns="" w="9525">
+                  <a14:hiddenLine xmlns="" xmlns:a14="http://schemas.microsoft.com/office/drawing/2010/main" w="9525">
                     <a:solidFill>
                       <a:srgbClr val="000000"/>
                     </a:solidFill>
@@ -11408,7 +11409,7 @@
               </a:ln>
               <a:extLst>
                 <a:ext uri="{91240B29-F687-4f45-9708-019B960494DF}">
-                  <a14:hiddenLine xmlns:a14="http://schemas.microsoft.com/office/drawing/2010/main" xmlns="" w="9525">
+                  <a14:hiddenLine xmlns="" xmlns:a14="http://schemas.microsoft.com/office/drawing/2010/main" w="9525">
                     <a:solidFill>
                       <a:srgbClr val="000000"/>
                     </a:solidFill>
@@ -11473,7 +11474,7 @@
               </a:ln>
               <a:extLst>
                 <a:ext uri="{91240B29-F687-4f45-9708-019B960494DF}">
-                  <a14:hiddenLine xmlns:a14="http://schemas.microsoft.com/office/drawing/2010/main" xmlns="" w="9525">
+                  <a14:hiddenLine xmlns="" xmlns:a14="http://schemas.microsoft.com/office/drawing/2010/main" w="9525">
                     <a:solidFill>
                       <a:srgbClr val="000000"/>
                     </a:solidFill>
@@ -11563,7 +11564,7 @@
               </a:ln>
               <a:extLst>
                 <a:ext uri="{91240B29-F687-4f45-9708-019B960494DF}">
-                  <a14:hiddenLine xmlns:a14="http://schemas.microsoft.com/office/drawing/2010/main" xmlns="" w="9525">
+                  <a14:hiddenLine xmlns="" xmlns:a14="http://schemas.microsoft.com/office/drawing/2010/main" w="9525">
                     <a:solidFill>
                       <a:srgbClr val="000000"/>
                     </a:solidFill>
@@ -11631,7 +11632,7 @@
               </a:ln>
               <a:extLst>
                 <a:ext uri="{91240B29-F687-4f45-9708-019B960494DF}">
-                  <a14:hiddenLine xmlns:a14="http://schemas.microsoft.com/office/drawing/2010/main" xmlns="" w="9525">
+                  <a14:hiddenLine xmlns="" xmlns:a14="http://schemas.microsoft.com/office/drawing/2010/main" w="9525">
                     <a:solidFill>
                       <a:srgbClr val="000000"/>
                     </a:solidFill>
@@ -11721,7 +11722,7 @@
               </a:ln>
               <a:extLst>
                 <a:ext uri="{91240B29-F687-4f45-9708-019B960494DF}">
-                  <a14:hiddenLine xmlns:a14="http://schemas.microsoft.com/office/drawing/2010/main" xmlns="" w="9525">
+                  <a14:hiddenLine xmlns="" xmlns:a14="http://schemas.microsoft.com/office/drawing/2010/main" w="9525">
                     <a:solidFill>
                       <a:srgbClr val="000000"/>
                     </a:solidFill>
@@ -11789,7 +11790,7 @@
               </a:ln>
               <a:extLst>
                 <a:ext uri="{91240B29-F687-4f45-9708-019B960494DF}">
-                  <a14:hiddenLine xmlns:a14="http://schemas.microsoft.com/office/drawing/2010/main" xmlns="" w="9525">
+                  <a14:hiddenLine xmlns="" xmlns:a14="http://schemas.microsoft.com/office/drawing/2010/main" w="9525">
                     <a:solidFill>
                       <a:srgbClr val="000000"/>
                     </a:solidFill>
@@ -11879,7 +11880,7 @@
               </a:ln>
               <a:extLst>
                 <a:ext uri="{91240B29-F687-4f45-9708-019B960494DF}">
-                  <a14:hiddenLine xmlns:a14="http://schemas.microsoft.com/office/drawing/2010/main" xmlns="" w="9525">
+                  <a14:hiddenLine xmlns="" xmlns:a14="http://schemas.microsoft.com/office/drawing/2010/main" w="9525">
                     <a:solidFill>
                       <a:srgbClr val="000000"/>
                     </a:solidFill>
@@ -11913,7 +11914,7 @@
               </a:ln>
               <a:extLst>
                 <a:ext uri="{91240B29-F687-4f45-9708-019B960494DF}">
-                  <a14:hiddenLine xmlns:a14="http://schemas.microsoft.com/office/drawing/2010/main" xmlns="" w="9525">
+                  <a14:hiddenLine xmlns="" xmlns:a14="http://schemas.microsoft.com/office/drawing/2010/main" w="9525">
                     <a:solidFill>
                       <a:srgbClr val="000000"/>
                     </a:solidFill>
@@ -13566,8 +13567,8 @@
         </p:nvSpPr>
         <p:spPr>
           <a:xfrm>
-            <a:off x="6336727" y="2249487"/>
-            <a:ext cx="4710683" cy="3541714"/>
+            <a:off x="6336728" y="3012125"/>
+            <a:ext cx="4710683" cy="1653042"/>
           </a:xfrm>
         </p:spPr>
         <p:txBody>
@@ -13578,7 +13579,7 @@
           <a:p>
             <a:r>
               <a:rPr lang="en-GB" dirty="0"/>
-              <a:t>Random state of “1”, used across the whole project.</a:t>
+              <a:t>Random state of “1”, used across the whole project, (for further reproducibility)</a:t>
             </a:r>
           </a:p>
           <a:p>
@@ -14827,7 +14828,7 @@
           <a:noFill/>
           <a:extLst>
             <a:ext uri="{909E8E84-426E-40dd-AFC4-6F175D3DCCD1}">
-              <a14:hiddenFill xmlns:a14="http://schemas.microsoft.com/office/drawing/2010/main" xmlns:p14="http://schemas.microsoft.com/office/powerpoint/2010/main" xmlns:a16="http://schemas.microsoft.com/office/drawing/2014/main" xmlns="">
+              <a14:hiddenFill xmlns="" xmlns:a16="http://schemas.microsoft.com/office/drawing/2014/main" xmlns:p14="http://schemas.microsoft.com/office/powerpoint/2010/main" xmlns:a14="http://schemas.microsoft.com/office/drawing/2010/main">
                 <a:solidFill>
                   <a:srgbClr val="FFFFFF"/>
                 </a:solidFill>
@@ -14948,7 +14949,7 @@
               </a:ln>
               <a:extLst>
                 <a:ext uri="{91240B29-F687-4f45-9708-019B960494DF}">
-                  <a14:hiddenLine xmlns:a14="http://schemas.microsoft.com/office/drawing/2010/main" xmlns:p14="http://schemas.microsoft.com/office/powerpoint/2010/main" xmlns:a16="http://schemas.microsoft.com/office/drawing/2014/main" xmlns="" w="9525">
+                  <a14:hiddenLine xmlns="" xmlns:a16="http://schemas.microsoft.com/office/drawing/2014/main" xmlns:p14="http://schemas.microsoft.com/office/powerpoint/2010/main" xmlns:a14="http://schemas.microsoft.com/office/drawing/2010/main" w="9525">
                     <a:solidFill>
                       <a:srgbClr val="000000"/>
                     </a:solidFill>
@@ -15060,7 +15061,7 @@
               </a:ln>
               <a:extLst>
                 <a:ext uri="{91240B29-F687-4f45-9708-019B960494DF}">
-                  <a14:hiddenLine xmlns:a14="http://schemas.microsoft.com/office/drawing/2010/main" xmlns:p14="http://schemas.microsoft.com/office/powerpoint/2010/main" xmlns:a16="http://schemas.microsoft.com/office/drawing/2014/main" xmlns="" w="9525">
+                  <a14:hiddenLine xmlns="" xmlns:a16="http://schemas.microsoft.com/office/drawing/2014/main" xmlns:p14="http://schemas.microsoft.com/office/powerpoint/2010/main" xmlns:a14="http://schemas.microsoft.com/office/drawing/2010/main" w="9525">
                     <a:solidFill>
                       <a:srgbClr val="000000"/>
                     </a:solidFill>
@@ -15172,7 +15173,7 @@
               </a:ln>
               <a:extLst>
                 <a:ext uri="{91240B29-F687-4f45-9708-019B960494DF}">
-                  <a14:hiddenLine xmlns:a14="http://schemas.microsoft.com/office/drawing/2010/main" xmlns:p14="http://schemas.microsoft.com/office/powerpoint/2010/main" xmlns:a16="http://schemas.microsoft.com/office/drawing/2014/main" xmlns="" w="9525">
+                  <a14:hiddenLine xmlns="" xmlns:a16="http://schemas.microsoft.com/office/drawing/2014/main" xmlns:p14="http://schemas.microsoft.com/office/powerpoint/2010/main" xmlns:a14="http://schemas.microsoft.com/office/drawing/2010/main" w="9525">
                     <a:solidFill>
                       <a:srgbClr val="000000"/>
                     </a:solidFill>
@@ -15256,7 +15257,7 @@
               </a:ln>
               <a:extLst>
                 <a:ext uri="{91240B29-F687-4f45-9708-019B960494DF}">
-                  <a14:hiddenLine xmlns:a14="http://schemas.microsoft.com/office/drawing/2010/main" xmlns:p14="http://schemas.microsoft.com/office/powerpoint/2010/main" xmlns:a16="http://schemas.microsoft.com/office/drawing/2014/main" xmlns="" w="9525">
+                  <a14:hiddenLine xmlns="" xmlns:a16="http://schemas.microsoft.com/office/drawing/2014/main" xmlns:p14="http://schemas.microsoft.com/office/powerpoint/2010/main" xmlns:a14="http://schemas.microsoft.com/office/drawing/2010/main" w="9525">
                     <a:solidFill>
                       <a:srgbClr val="000000"/>
                     </a:solidFill>
@@ -15368,7 +15369,7 @@
               </a:ln>
               <a:extLst>
                 <a:ext uri="{91240B29-F687-4f45-9708-019B960494DF}">
-                  <a14:hiddenLine xmlns:a14="http://schemas.microsoft.com/office/drawing/2010/main" xmlns:p14="http://schemas.microsoft.com/office/powerpoint/2010/main" xmlns:a16="http://schemas.microsoft.com/office/drawing/2014/main" xmlns="" w="9525">
+                  <a14:hiddenLine xmlns="" xmlns:a16="http://schemas.microsoft.com/office/drawing/2014/main" xmlns:p14="http://schemas.microsoft.com/office/powerpoint/2010/main" xmlns:a14="http://schemas.microsoft.com/office/drawing/2010/main" w="9525">
                     <a:solidFill>
                       <a:srgbClr val="000000"/>
                     </a:solidFill>
@@ -15452,7 +15453,7 @@
               </a:ln>
               <a:extLst>
                 <a:ext uri="{91240B29-F687-4f45-9708-019B960494DF}">
-                  <a14:hiddenLine xmlns:a14="http://schemas.microsoft.com/office/drawing/2010/main" xmlns:p14="http://schemas.microsoft.com/office/powerpoint/2010/main" xmlns:a16="http://schemas.microsoft.com/office/drawing/2014/main" xmlns="" w="9525">
+                  <a14:hiddenLine xmlns="" xmlns:a16="http://schemas.microsoft.com/office/drawing/2014/main" xmlns:p14="http://schemas.microsoft.com/office/powerpoint/2010/main" xmlns:a14="http://schemas.microsoft.com/office/drawing/2010/main" w="9525">
                     <a:solidFill>
                       <a:srgbClr val="000000"/>
                     </a:solidFill>
@@ -15536,7 +15537,7 @@
               </a:ln>
               <a:extLst>
                 <a:ext uri="{91240B29-F687-4f45-9708-019B960494DF}">
-                  <a14:hiddenLine xmlns:a14="http://schemas.microsoft.com/office/drawing/2010/main" xmlns:p14="http://schemas.microsoft.com/office/powerpoint/2010/main" xmlns:a16="http://schemas.microsoft.com/office/drawing/2014/main" xmlns="" w="9525">
+                  <a14:hiddenLine xmlns="" xmlns:a16="http://schemas.microsoft.com/office/drawing/2014/main" xmlns:p14="http://schemas.microsoft.com/office/powerpoint/2010/main" xmlns:a14="http://schemas.microsoft.com/office/drawing/2010/main" w="9525">
                     <a:solidFill>
                       <a:srgbClr val="000000"/>
                     </a:solidFill>
@@ -15648,7 +15649,7 @@
               </a:ln>
               <a:extLst>
                 <a:ext uri="{91240B29-F687-4f45-9708-019B960494DF}">
-                  <a14:hiddenLine xmlns:a14="http://schemas.microsoft.com/office/drawing/2010/main" xmlns:p14="http://schemas.microsoft.com/office/powerpoint/2010/main" xmlns:a16="http://schemas.microsoft.com/office/drawing/2014/main" xmlns="" w="9525">
+                  <a14:hiddenLine xmlns="" xmlns:a16="http://schemas.microsoft.com/office/drawing/2014/main" xmlns:p14="http://schemas.microsoft.com/office/powerpoint/2010/main" xmlns:a14="http://schemas.microsoft.com/office/drawing/2010/main" w="9525">
                     <a:solidFill>
                       <a:srgbClr val="000000"/>
                     </a:solidFill>
@@ -15760,7 +15761,7 @@
               </a:ln>
               <a:extLst>
                 <a:ext uri="{91240B29-F687-4f45-9708-019B960494DF}">
-                  <a14:hiddenLine xmlns:a14="http://schemas.microsoft.com/office/drawing/2010/main" xmlns:p14="http://schemas.microsoft.com/office/powerpoint/2010/main" xmlns:a16="http://schemas.microsoft.com/office/drawing/2014/main" xmlns="" w="9525">
+                  <a14:hiddenLine xmlns="" xmlns:a16="http://schemas.microsoft.com/office/drawing/2014/main" xmlns:p14="http://schemas.microsoft.com/office/powerpoint/2010/main" xmlns:a14="http://schemas.microsoft.com/office/drawing/2010/main" w="9525">
                     <a:solidFill>
                       <a:srgbClr val="000000"/>
                     </a:solidFill>
@@ -15844,7 +15845,7 @@
               </a:ln>
               <a:extLst>
                 <a:ext uri="{91240B29-F687-4f45-9708-019B960494DF}">
-                  <a14:hiddenLine xmlns:a14="http://schemas.microsoft.com/office/drawing/2010/main" xmlns:p14="http://schemas.microsoft.com/office/powerpoint/2010/main" xmlns:a16="http://schemas.microsoft.com/office/drawing/2014/main" xmlns="" w="9525">
+                  <a14:hiddenLine xmlns="" xmlns:a16="http://schemas.microsoft.com/office/drawing/2014/main" xmlns:p14="http://schemas.microsoft.com/office/powerpoint/2010/main" xmlns:a14="http://schemas.microsoft.com/office/drawing/2010/main" w="9525">
                     <a:solidFill>
                       <a:srgbClr val="000000"/>
                     </a:solidFill>
@@ -15976,7 +15977,7 @@
               </a:ln>
               <a:extLst>
                 <a:ext uri="{91240B29-F687-4f45-9708-019B960494DF}">
-                  <a14:hiddenLine xmlns:a14="http://schemas.microsoft.com/office/drawing/2010/main" xmlns:p14="http://schemas.microsoft.com/office/powerpoint/2010/main" xmlns:a16="http://schemas.microsoft.com/office/drawing/2014/main" xmlns="" w="9525">
+                  <a14:hiddenLine xmlns="" xmlns:a16="http://schemas.microsoft.com/office/drawing/2014/main" xmlns:p14="http://schemas.microsoft.com/office/powerpoint/2010/main" xmlns:a14="http://schemas.microsoft.com/office/drawing/2010/main" w="9525">
                     <a:solidFill>
                       <a:srgbClr val="000000"/>
                     </a:solidFill>
@@ -16104,7 +16105,7 @@
               </a:ln>
               <a:extLst>
                 <a:ext uri="{91240B29-F687-4f45-9708-019B960494DF}">
-                  <a14:hiddenLine xmlns:a14="http://schemas.microsoft.com/office/drawing/2010/main" xmlns:p14="http://schemas.microsoft.com/office/powerpoint/2010/main" xmlns:a16="http://schemas.microsoft.com/office/drawing/2014/main" xmlns="" w="9525">
+                  <a14:hiddenLine xmlns="" xmlns:a16="http://schemas.microsoft.com/office/drawing/2014/main" xmlns:p14="http://schemas.microsoft.com/office/powerpoint/2010/main" xmlns:a14="http://schemas.microsoft.com/office/drawing/2010/main" w="9525">
                     <a:solidFill>
                       <a:srgbClr val="000000"/>
                     </a:solidFill>
@@ -16188,7 +16189,7 @@
               </a:ln>
               <a:extLst>
                 <a:ext uri="{91240B29-F687-4f45-9708-019B960494DF}">
-                  <a14:hiddenLine xmlns:a14="http://schemas.microsoft.com/office/drawing/2010/main" xmlns:p14="http://schemas.microsoft.com/office/powerpoint/2010/main" xmlns:a16="http://schemas.microsoft.com/office/drawing/2014/main" xmlns="" w="9525">
+                  <a14:hiddenLine xmlns="" xmlns:a16="http://schemas.microsoft.com/office/drawing/2014/main" xmlns:p14="http://schemas.microsoft.com/office/powerpoint/2010/main" xmlns:a14="http://schemas.microsoft.com/office/drawing/2010/main" w="9525">
                     <a:solidFill>
                       <a:srgbClr val="000000"/>
                     </a:solidFill>
@@ -16272,7 +16273,7 @@
               </a:ln>
               <a:extLst>
                 <a:ext uri="{91240B29-F687-4f45-9708-019B960494DF}">
-                  <a14:hiddenLine xmlns:a14="http://schemas.microsoft.com/office/drawing/2010/main" xmlns:p14="http://schemas.microsoft.com/office/powerpoint/2010/main" xmlns:a16="http://schemas.microsoft.com/office/drawing/2014/main" xmlns="" w="9525">
+                  <a14:hiddenLine xmlns="" xmlns:a16="http://schemas.microsoft.com/office/drawing/2014/main" xmlns:p14="http://schemas.microsoft.com/office/powerpoint/2010/main" xmlns:a14="http://schemas.microsoft.com/office/drawing/2010/main" w="9525">
                     <a:solidFill>
                       <a:srgbClr val="000000"/>
                     </a:solidFill>
@@ -16384,7 +16385,7 @@
               </a:ln>
               <a:extLst>
                 <a:ext uri="{91240B29-F687-4f45-9708-019B960494DF}">
-                  <a14:hiddenLine xmlns:a14="http://schemas.microsoft.com/office/drawing/2010/main" xmlns:p14="http://schemas.microsoft.com/office/powerpoint/2010/main" xmlns:a16="http://schemas.microsoft.com/office/drawing/2014/main" xmlns="" w="9525">
+                  <a14:hiddenLine xmlns="" xmlns:a16="http://schemas.microsoft.com/office/drawing/2014/main" xmlns:p14="http://schemas.microsoft.com/office/powerpoint/2010/main" xmlns:a14="http://schemas.microsoft.com/office/drawing/2010/main" w="9525">
                     <a:solidFill>
                       <a:srgbClr val="000000"/>
                     </a:solidFill>
@@ -16440,7 +16441,7 @@
               </a:ln>
               <a:extLst>
                 <a:ext uri="{91240B29-F687-4f45-9708-019B960494DF}">
-                  <a14:hiddenLine xmlns:a14="http://schemas.microsoft.com/office/drawing/2010/main" xmlns:p14="http://schemas.microsoft.com/office/powerpoint/2010/main" xmlns:a16="http://schemas.microsoft.com/office/drawing/2014/main" xmlns="" w="9525">
+                  <a14:hiddenLine xmlns="" xmlns:a16="http://schemas.microsoft.com/office/drawing/2014/main" xmlns:p14="http://schemas.microsoft.com/office/powerpoint/2010/main" xmlns:a14="http://schemas.microsoft.com/office/drawing/2010/main" w="9525">
                     <a:solidFill>
                       <a:srgbClr val="000000"/>
                     </a:solidFill>
@@ -16527,7 +16528,7 @@
               </a:ln>
               <a:extLst>
                 <a:ext uri="{91240B29-F687-4f45-9708-019B960494DF}">
-                  <a14:hiddenLine xmlns:a14="http://schemas.microsoft.com/office/drawing/2010/main" xmlns:p14="http://schemas.microsoft.com/office/powerpoint/2010/main" xmlns:a16="http://schemas.microsoft.com/office/drawing/2014/main" xmlns="" w="9525">
+                  <a14:hiddenLine xmlns="" xmlns:a16="http://schemas.microsoft.com/office/drawing/2014/main" xmlns:p14="http://schemas.microsoft.com/office/powerpoint/2010/main" xmlns:a14="http://schemas.microsoft.com/office/drawing/2010/main" w="9525">
                     <a:solidFill>
                       <a:srgbClr val="000000"/>
                     </a:solidFill>
@@ -16639,7 +16640,7 @@
               </a:ln>
               <a:extLst>
                 <a:ext uri="{91240B29-F687-4f45-9708-019B960494DF}">
-                  <a14:hiddenLine xmlns:a14="http://schemas.microsoft.com/office/drawing/2010/main" xmlns:p14="http://schemas.microsoft.com/office/powerpoint/2010/main" xmlns:a16="http://schemas.microsoft.com/office/drawing/2014/main" xmlns="" w="9525">
+                  <a14:hiddenLine xmlns="" xmlns:a16="http://schemas.microsoft.com/office/drawing/2014/main" xmlns:p14="http://schemas.microsoft.com/office/powerpoint/2010/main" xmlns:a14="http://schemas.microsoft.com/office/drawing/2010/main" w="9525">
                     <a:solidFill>
                       <a:srgbClr val="000000"/>
                     </a:solidFill>
@@ -16723,7 +16724,7 @@
               </a:ln>
               <a:extLst>
                 <a:ext uri="{91240B29-F687-4f45-9708-019B960494DF}">
-                  <a14:hiddenLine xmlns:a14="http://schemas.microsoft.com/office/drawing/2010/main" xmlns:p14="http://schemas.microsoft.com/office/powerpoint/2010/main" xmlns:a16="http://schemas.microsoft.com/office/drawing/2014/main" xmlns="" w="9525">
+                  <a14:hiddenLine xmlns="" xmlns:a16="http://schemas.microsoft.com/office/drawing/2014/main" xmlns:p14="http://schemas.microsoft.com/office/powerpoint/2010/main" xmlns:a14="http://schemas.microsoft.com/office/drawing/2010/main" w="9525">
                     <a:solidFill>
                       <a:srgbClr val="000000"/>
                     </a:solidFill>
@@ -16835,7 +16836,7 @@
               </a:ln>
               <a:extLst>
                 <a:ext uri="{91240B29-F687-4f45-9708-019B960494DF}">
-                  <a14:hiddenLine xmlns:a14="http://schemas.microsoft.com/office/drawing/2010/main" xmlns:p14="http://schemas.microsoft.com/office/powerpoint/2010/main" xmlns:a16="http://schemas.microsoft.com/office/drawing/2014/main" xmlns="" w="9525">
+                  <a14:hiddenLine xmlns="" xmlns:a16="http://schemas.microsoft.com/office/drawing/2014/main" xmlns:p14="http://schemas.microsoft.com/office/powerpoint/2010/main" xmlns:a14="http://schemas.microsoft.com/office/drawing/2010/main" w="9525">
                     <a:solidFill>
                       <a:srgbClr val="000000"/>
                     </a:solidFill>
@@ -16922,7 +16923,7 @@
               </a:ln>
               <a:extLst>
                 <a:ext uri="{91240B29-F687-4f45-9708-019B960494DF}">
-                  <a14:hiddenLine xmlns:a14="http://schemas.microsoft.com/office/drawing/2010/main" xmlns:p14="http://schemas.microsoft.com/office/powerpoint/2010/main" xmlns:a16="http://schemas.microsoft.com/office/drawing/2014/main" xmlns="" w="9525">
+                  <a14:hiddenLine xmlns="" xmlns:a16="http://schemas.microsoft.com/office/drawing/2014/main" xmlns:p14="http://schemas.microsoft.com/office/powerpoint/2010/main" xmlns:a14="http://schemas.microsoft.com/office/drawing/2010/main" w="9525">
                     <a:solidFill>
                       <a:srgbClr val="000000"/>
                     </a:solidFill>
@@ -17006,7 +17007,7 @@
               </a:ln>
               <a:extLst>
                 <a:ext uri="{91240B29-F687-4f45-9708-019B960494DF}">
-                  <a14:hiddenLine xmlns:a14="http://schemas.microsoft.com/office/drawing/2010/main" xmlns:p14="http://schemas.microsoft.com/office/powerpoint/2010/main" xmlns:a16="http://schemas.microsoft.com/office/drawing/2014/main" xmlns="" w="9525">
+                  <a14:hiddenLine xmlns="" xmlns:a16="http://schemas.microsoft.com/office/drawing/2014/main" xmlns:p14="http://schemas.microsoft.com/office/powerpoint/2010/main" xmlns:a14="http://schemas.microsoft.com/office/drawing/2010/main" w="9525">
                     <a:solidFill>
                       <a:srgbClr val="000000"/>
                     </a:solidFill>
@@ -17118,7 +17119,7 @@
               </a:ln>
               <a:extLst>
                 <a:ext uri="{91240B29-F687-4f45-9708-019B960494DF}">
-                  <a14:hiddenLine xmlns:a14="http://schemas.microsoft.com/office/drawing/2010/main" xmlns:p14="http://schemas.microsoft.com/office/powerpoint/2010/main" xmlns:a16="http://schemas.microsoft.com/office/drawing/2014/main" xmlns="" w="9525">
+                  <a14:hiddenLine xmlns="" xmlns:a16="http://schemas.microsoft.com/office/drawing/2014/main" xmlns:p14="http://schemas.microsoft.com/office/powerpoint/2010/main" xmlns:a14="http://schemas.microsoft.com/office/drawing/2010/main" w="9525">
                     <a:solidFill>
                       <a:srgbClr val="000000"/>
                     </a:solidFill>
@@ -17230,7 +17231,7 @@
               </a:ln>
               <a:extLst>
                 <a:ext uri="{91240B29-F687-4f45-9708-019B960494DF}">
-                  <a14:hiddenLine xmlns:a14="http://schemas.microsoft.com/office/drawing/2010/main" xmlns:p14="http://schemas.microsoft.com/office/powerpoint/2010/main" xmlns:a16="http://schemas.microsoft.com/office/drawing/2014/main" xmlns="" w="9525">
+                  <a14:hiddenLine xmlns="" xmlns:a16="http://schemas.microsoft.com/office/drawing/2014/main" xmlns:p14="http://schemas.microsoft.com/office/powerpoint/2010/main" xmlns:a14="http://schemas.microsoft.com/office/drawing/2010/main" w="9525">
                     <a:solidFill>
                       <a:srgbClr val="000000"/>
                     </a:solidFill>
@@ -17317,7 +17318,7 @@
               </a:ln>
               <a:extLst>
                 <a:ext uri="{91240B29-F687-4f45-9708-019B960494DF}">
-                  <a14:hiddenLine xmlns:a14="http://schemas.microsoft.com/office/drawing/2010/main" xmlns:p14="http://schemas.microsoft.com/office/powerpoint/2010/main" xmlns:a16="http://schemas.microsoft.com/office/drawing/2014/main" xmlns="" w="9525">
+                  <a14:hiddenLine xmlns="" xmlns:a16="http://schemas.microsoft.com/office/drawing/2014/main" xmlns:p14="http://schemas.microsoft.com/office/powerpoint/2010/main" xmlns:a14="http://schemas.microsoft.com/office/drawing/2010/main" w="9525">
                     <a:solidFill>
                       <a:srgbClr val="000000"/>
                     </a:solidFill>
@@ -17459,7 +17460,7 @@
               </a:ln>
               <a:extLst>
                 <a:ext uri="{91240B29-F687-4f45-9708-019B960494DF}">
-                  <a14:hiddenLine xmlns:a14="http://schemas.microsoft.com/office/drawing/2010/main" xmlns:p14="http://schemas.microsoft.com/office/powerpoint/2010/main" xmlns:a16="http://schemas.microsoft.com/office/drawing/2014/main" xmlns="" w="9525">
+                  <a14:hiddenLine xmlns="" xmlns:a16="http://schemas.microsoft.com/office/drawing/2014/main" xmlns:p14="http://schemas.microsoft.com/office/powerpoint/2010/main" xmlns:a14="http://schemas.microsoft.com/office/drawing/2010/main" w="9525">
                     <a:solidFill>
                       <a:srgbClr val="000000"/>
                     </a:solidFill>
@@ -17594,7 +17595,7 @@
               </a:ln>
               <a:extLst>
                 <a:ext uri="{91240B29-F687-4f45-9708-019B960494DF}">
-                  <a14:hiddenLine xmlns:a14="http://schemas.microsoft.com/office/drawing/2010/main" xmlns:p14="http://schemas.microsoft.com/office/powerpoint/2010/main" xmlns:a16="http://schemas.microsoft.com/office/drawing/2014/main" xmlns="" w="9525">
+                  <a14:hiddenLine xmlns="" xmlns:a16="http://schemas.microsoft.com/office/drawing/2014/main" xmlns:p14="http://schemas.microsoft.com/office/powerpoint/2010/main" xmlns:a14="http://schemas.microsoft.com/office/drawing/2010/main" w="9525">
                     <a:solidFill>
                       <a:srgbClr val="000000"/>
                     </a:solidFill>
@@ -17731,7 +17732,7 @@
               </a:ln>
               <a:extLst>
                 <a:ext uri="{91240B29-F687-4f45-9708-019B960494DF}">
-                  <a14:hiddenLine xmlns:a14="http://schemas.microsoft.com/office/drawing/2010/main" xmlns:p14="http://schemas.microsoft.com/office/powerpoint/2010/main" xmlns:a16="http://schemas.microsoft.com/office/drawing/2014/main" xmlns="" w="9525">
+                  <a14:hiddenLine xmlns="" xmlns:a16="http://schemas.microsoft.com/office/drawing/2014/main" xmlns:p14="http://schemas.microsoft.com/office/powerpoint/2010/main" xmlns:a14="http://schemas.microsoft.com/office/drawing/2010/main" w="9525">
                     <a:solidFill>
                       <a:srgbClr val="000000"/>
                     </a:solidFill>
@@ -17843,7 +17844,7 @@
               </a:ln>
               <a:extLst>
                 <a:ext uri="{91240B29-F687-4f45-9708-019B960494DF}">
-                  <a14:hiddenLine xmlns:a14="http://schemas.microsoft.com/office/drawing/2010/main" xmlns:p14="http://schemas.microsoft.com/office/powerpoint/2010/main" xmlns:a16="http://schemas.microsoft.com/office/drawing/2014/main" xmlns="" w="9525">
+                  <a14:hiddenLine xmlns="" xmlns:a16="http://schemas.microsoft.com/office/drawing/2014/main" xmlns:p14="http://schemas.microsoft.com/office/powerpoint/2010/main" xmlns:a14="http://schemas.microsoft.com/office/drawing/2010/main" w="9525">
                     <a:solidFill>
                       <a:srgbClr val="000000"/>
                     </a:solidFill>
@@ -17930,7 +17931,7 @@
               </a:ln>
               <a:extLst>
                 <a:ext uri="{91240B29-F687-4f45-9708-019B960494DF}">
-                  <a14:hiddenLine xmlns:a14="http://schemas.microsoft.com/office/drawing/2010/main" xmlns:p14="http://schemas.microsoft.com/office/powerpoint/2010/main" xmlns:a16="http://schemas.microsoft.com/office/drawing/2014/main" xmlns="" w="9525">
+                  <a14:hiddenLine xmlns="" xmlns:a16="http://schemas.microsoft.com/office/drawing/2014/main" xmlns:p14="http://schemas.microsoft.com/office/powerpoint/2010/main" xmlns:a14="http://schemas.microsoft.com/office/drawing/2010/main" w="9525">
                     <a:solidFill>
                       <a:srgbClr val="000000"/>
                     </a:solidFill>
@@ -18042,7 +18043,7 @@
               </a:ln>
               <a:extLst>
                 <a:ext uri="{91240B29-F687-4f45-9708-019B960494DF}">
-                  <a14:hiddenLine xmlns:a14="http://schemas.microsoft.com/office/drawing/2010/main" xmlns:p14="http://schemas.microsoft.com/office/powerpoint/2010/main" xmlns:a16="http://schemas.microsoft.com/office/drawing/2014/main" xmlns="" w="9525">
+                  <a14:hiddenLine xmlns="" xmlns:a16="http://schemas.microsoft.com/office/drawing/2014/main" xmlns:p14="http://schemas.microsoft.com/office/powerpoint/2010/main" xmlns:a14="http://schemas.microsoft.com/office/drawing/2010/main" w="9525">
                     <a:solidFill>
                       <a:srgbClr val="000000"/>
                     </a:solidFill>
@@ -18132,7 +18133,7 @@
               </a:ln>
               <a:extLst>
                 <a:ext uri="{91240B29-F687-4f45-9708-019B960494DF}">
-                  <a14:hiddenLine xmlns:a14="http://schemas.microsoft.com/office/drawing/2010/main" xmlns:p14="http://schemas.microsoft.com/office/powerpoint/2010/main" xmlns:a16="http://schemas.microsoft.com/office/drawing/2014/main" xmlns="" w="9525">
+                  <a14:hiddenLine xmlns="" xmlns:a16="http://schemas.microsoft.com/office/drawing/2014/main" xmlns:p14="http://schemas.microsoft.com/office/powerpoint/2010/main" xmlns:a14="http://schemas.microsoft.com/office/drawing/2010/main" w="9525">
                     <a:solidFill>
                       <a:srgbClr val="000000"/>
                     </a:solidFill>
@@ -18244,7 +18245,7 @@
               </a:ln>
               <a:extLst>
                 <a:ext uri="{91240B29-F687-4f45-9708-019B960494DF}">
-                  <a14:hiddenLine xmlns:a14="http://schemas.microsoft.com/office/drawing/2010/main" xmlns:p14="http://schemas.microsoft.com/office/powerpoint/2010/main" xmlns:a16="http://schemas.microsoft.com/office/drawing/2014/main" xmlns="" w="9525">
+                  <a14:hiddenLine xmlns="" xmlns:a16="http://schemas.microsoft.com/office/drawing/2014/main" xmlns:p14="http://schemas.microsoft.com/office/powerpoint/2010/main" xmlns:a14="http://schemas.microsoft.com/office/drawing/2010/main" w="9525">
                     <a:solidFill>
                       <a:srgbClr val="000000"/>
                     </a:solidFill>
@@ -18334,7 +18335,7 @@
               </a:ln>
               <a:extLst>
                 <a:ext uri="{91240B29-F687-4f45-9708-019B960494DF}">
-                  <a14:hiddenLine xmlns:a14="http://schemas.microsoft.com/office/drawing/2010/main" xmlns:p14="http://schemas.microsoft.com/office/powerpoint/2010/main" xmlns:a16="http://schemas.microsoft.com/office/drawing/2014/main" xmlns="" w="9525">
+                  <a14:hiddenLine xmlns="" xmlns:a16="http://schemas.microsoft.com/office/drawing/2014/main" xmlns:p14="http://schemas.microsoft.com/office/powerpoint/2010/main" xmlns:a14="http://schemas.microsoft.com/office/drawing/2010/main" w="9525">
                     <a:solidFill>
                       <a:srgbClr val="000000"/>
                     </a:solidFill>
@@ -18446,7 +18447,7 @@
               </a:ln>
               <a:extLst>
                 <a:ext uri="{91240B29-F687-4f45-9708-019B960494DF}">
-                  <a14:hiddenLine xmlns:a14="http://schemas.microsoft.com/office/drawing/2010/main" xmlns:p14="http://schemas.microsoft.com/office/powerpoint/2010/main" xmlns:a16="http://schemas.microsoft.com/office/drawing/2014/main" xmlns="" w="9525">
+                  <a14:hiddenLine xmlns="" xmlns:a16="http://schemas.microsoft.com/office/drawing/2014/main" xmlns:p14="http://schemas.microsoft.com/office/powerpoint/2010/main" xmlns:a14="http://schemas.microsoft.com/office/drawing/2010/main" w="9525">
                     <a:solidFill>
                       <a:srgbClr val="000000"/>
                     </a:solidFill>
@@ -18502,7 +18503,7 @@
               </a:ln>
               <a:extLst>
                 <a:ext uri="{91240B29-F687-4f45-9708-019B960494DF}">
-                  <a14:hiddenLine xmlns:a14="http://schemas.microsoft.com/office/drawing/2010/main" xmlns:p14="http://schemas.microsoft.com/office/powerpoint/2010/main" xmlns:a16="http://schemas.microsoft.com/office/drawing/2014/main" xmlns="" w="9525">
+                  <a14:hiddenLine xmlns="" xmlns:a16="http://schemas.microsoft.com/office/drawing/2014/main" xmlns:p14="http://schemas.microsoft.com/office/powerpoint/2010/main" xmlns:a14="http://schemas.microsoft.com/office/drawing/2010/main" w="9525">
                     <a:solidFill>
                       <a:srgbClr val="000000"/>
                     </a:solidFill>
@@ -18571,7 +18572,7 @@
           <a:noFill/>
           <a:extLst>
             <a:ext uri="{909E8E84-426E-40dd-AFC4-6F175D3DCCD1}">
-              <a14:hiddenFill xmlns:a14="http://schemas.microsoft.com/office/drawing/2010/main" xmlns:p14="http://schemas.microsoft.com/office/powerpoint/2010/main" xmlns:a16="http://schemas.microsoft.com/office/drawing/2014/main" xmlns="">
+              <a14:hiddenFill xmlns="" xmlns:a16="http://schemas.microsoft.com/office/drawing/2014/main" xmlns:p14="http://schemas.microsoft.com/office/powerpoint/2010/main" xmlns:a14="http://schemas.microsoft.com/office/drawing/2010/main">
                 <a:solidFill>
                   <a:srgbClr val="FFFFFF"/>
                 </a:solidFill>
@@ -18886,7 +18887,7 @@
           <a:noFill/>
           <a:extLst>
             <a:ext uri="{909E8E84-426E-40dd-AFC4-6F175D3DCCD1}">
-              <a14:hiddenFill xmlns:a14="http://schemas.microsoft.com/office/drawing/2010/main" xmlns:p14="http://schemas.microsoft.com/office/powerpoint/2010/main" xmlns:a16="http://schemas.microsoft.com/office/drawing/2014/main" xmlns="">
+              <a14:hiddenFill xmlns="" xmlns:a16="http://schemas.microsoft.com/office/drawing/2014/main" xmlns:p14="http://schemas.microsoft.com/office/powerpoint/2010/main" xmlns:a14="http://schemas.microsoft.com/office/drawing/2010/main">
                 <a:solidFill>
                   <a:srgbClr val="FFFFFF"/>
                 </a:solidFill>
@@ -19007,7 +19008,7 @@
               </a:ln>
               <a:extLst>
                 <a:ext uri="{91240B29-F687-4f45-9708-019B960494DF}">
-                  <a14:hiddenLine xmlns:a14="http://schemas.microsoft.com/office/drawing/2010/main" xmlns:p14="http://schemas.microsoft.com/office/powerpoint/2010/main" xmlns:a16="http://schemas.microsoft.com/office/drawing/2014/main" xmlns="" w="9525">
+                  <a14:hiddenLine xmlns="" xmlns:a16="http://schemas.microsoft.com/office/drawing/2014/main" xmlns:p14="http://schemas.microsoft.com/office/powerpoint/2010/main" xmlns:a14="http://schemas.microsoft.com/office/drawing/2010/main" w="9525">
                     <a:solidFill>
                       <a:srgbClr val="000000"/>
                     </a:solidFill>
@@ -19119,7 +19120,7 @@
               </a:ln>
               <a:extLst>
                 <a:ext uri="{91240B29-F687-4f45-9708-019B960494DF}">
-                  <a14:hiddenLine xmlns:a14="http://schemas.microsoft.com/office/drawing/2010/main" xmlns:p14="http://schemas.microsoft.com/office/powerpoint/2010/main" xmlns:a16="http://schemas.microsoft.com/office/drawing/2014/main" xmlns="" w="9525">
+                  <a14:hiddenLine xmlns="" xmlns:a16="http://schemas.microsoft.com/office/drawing/2014/main" xmlns:p14="http://schemas.microsoft.com/office/powerpoint/2010/main" xmlns:a14="http://schemas.microsoft.com/office/drawing/2010/main" w="9525">
                     <a:solidFill>
                       <a:srgbClr val="000000"/>
                     </a:solidFill>
@@ -19231,7 +19232,7 @@
               </a:ln>
               <a:extLst>
                 <a:ext uri="{91240B29-F687-4f45-9708-019B960494DF}">
-                  <a14:hiddenLine xmlns:a14="http://schemas.microsoft.com/office/drawing/2010/main" xmlns:p14="http://schemas.microsoft.com/office/powerpoint/2010/main" xmlns:a16="http://schemas.microsoft.com/office/drawing/2014/main" xmlns="" w="9525">
+                  <a14:hiddenLine xmlns="" xmlns:a16="http://schemas.microsoft.com/office/drawing/2014/main" xmlns:p14="http://schemas.microsoft.com/office/powerpoint/2010/main" xmlns:a14="http://schemas.microsoft.com/office/drawing/2010/main" w="9525">
                     <a:solidFill>
                       <a:srgbClr val="000000"/>
                     </a:solidFill>
@@ -19315,7 +19316,7 @@
               </a:ln>
               <a:extLst>
                 <a:ext uri="{91240B29-F687-4f45-9708-019B960494DF}">
-                  <a14:hiddenLine xmlns:a14="http://schemas.microsoft.com/office/drawing/2010/main" xmlns:p14="http://schemas.microsoft.com/office/powerpoint/2010/main" xmlns:a16="http://schemas.microsoft.com/office/drawing/2014/main" xmlns="" w="9525">
+                  <a14:hiddenLine xmlns="" xmlns:a16="http://schemas.microsoft.com/office/drawing/2014/main" xmlns:p14="http://schemas.microsoft.com/office/powerpoint/2010/main" xmlns:a14="http://schemas.microsoft.com/office/drawing/2010/main" w="9525">
                     <a:solidFill>
                       <a:srgbClr val="000000"/>
                     </a:solidFill>
@@ -19427,7 +19428,7 @@
               </a:ln>
               <a:extLst>
                 <a:ext uri="{91240B29-F687-4f45-9708-019B960494DF}">
-                  <a14:hiddenLine xmlns:a14="http://schemas.microsoft.com/office/drawing/2010/main" xmlns:p14="http://schemas.microsoft.com/office/powerpoint/2010/main" xmlns:a16="http://schemas.microsoft.com/office/drawing/2014/main" xmlns="" w="9525">
+                  <a14:hiddenLine xmlns="" xmlns:a16="http://schemas.microsoft.com/office/drawing/2014/main" xmlns:p14="http://schemas.microsoft.com/office/powerpoint/2010/main" xmlns:a14="http://schemas.microsoft.com/office/drawing/2010/main" w="9525">
                     <a:solidFill>
                       <a:srgbClr val="000000"/>
                     </a:solidFill>
@@ -19511,7 +19512,7 @@
               </a:ln>
               <a:extLst>
                 <a:ext uri="{91240B29-F687-4f45-9708-019B960494DF}">
-                  <a14:hiddenLine xmlns:a14="http://schemas.microsoft.com/office/drawing/2010/main" xmlns:p14="http://schemas.microsoft.com/office/powerpoint/2010/main" xmlns:a16="http://schemas.microsoft.com/office/drawing/2014/main" xmlns="" w="9525">
+                  <a14:hiddenLine xmlns="" xmlns:a16="http://schemas.microsoft.com/office/drawing/2014/main" xmlns:p14="http://schemas.microsoft.com/office/powerpoint/2010/main" xmlns:a14="http://schemas.microsoft.com/office/drawing/2010/main" w="9525">
                     <a:solidFill>
                       <a:srgbClr val="000000"/>
                     </a:solidFill>
@@ -19595,7 +19596,7 @@
               </a:ln>
               <a:extLst>
                 <a:ext uri="{91240B29-F687-4f45-9708-019B960494DF}">
-                  <a14:hiddenLine xmlns:a14="http://schemas.microsoft.com/office/drawing/2010/main" xmlns:p14="http://schemas.microsoft.com/office/powerpoint/2010/main" xmlns:a16="http://schemas.microsoft.com/office/drawing/2014/main" xmlns="" w="9525">
+                  <a14:hiddenLine xmlns="" xmlns:a16="http://schemas.microsoft.com/office/drawing/2014/main" xmlns:p14="http://schemas.microsoft.com/office/powerpoint/2010/main" xmlns:a14="http://schemas.microsoft.com/office/drawing/2010/main" w="9525">
                     <a:solidFill>
                       <a:srgbClr val="000000"/>
                     </a:solidFill>
@@ -19707,7 +19708,7 @@
               </a:ln>
               <a:extLst>
                 <a:ext uri="{91240B29-F687-4f45-9708-019B960494DF}">
-                  <a14:hiddenLine xmlns:a14="http://schemas.microsoft.com/office/drawing/2010/main" xmlns:p14="http://schemas.microsoft.com/office/powerpoint/2010/main" xmlns:a16="http://schemas.microsoft.com/office/drawing/2014/main" xmlns="" w="9525">
+                  <a14:hiddenLine xmlns="" xmlns:a16="http://schemas.microsoft.com/office/drawing/2014/main" xmlns:p14="http://schemas.microsoft.com/office/powerpoint/2010/main" xmlns:a14="http://schemas.microsoft.com/office/drawing/2010/main" w="9525">
                     <a:solidFill>
                       <a:srgbClr val="000000"/>
                     </a:solidFill>
@@ -19819,7 +19820,7 @@
               </a:ln>
               <a:extLst>
                 <a:ext uri="{91240B29-F687-4f45-9708-019B960494DF}">
-                  <a14:hiddenLine xmlns:a14="http://schemas.microsoft.com/office/drawing/2010/main" xmlns:p14="http://schemas.microsoft.com/office/powerpoint/2010/main" xmlns:a16="http://schemas.microsoft.com/office/drawing/2014/main" xmlns="" w="9525">
+                  <a14:hiddenLine xmlns="" xmlns:a16="http://schemas.microsoft.com/office/drawing/2014/main" xmlns:p14="http://schemas.microsoft.com/office/powerpoint/2010/main" xmlns:a14="http://schemas.microsoft.com/office/drawing/2010/main" w="9525">
                     <a:solidFill>
                       <a:srgbClr val="000000"/>
                     </a:solidFill>
@@ -19903,7 +19904,7 @@
               </a:ln>
               <a:extLst>
                 <a:ext uri="{91240B29-F687-4f45-9708-019B960494DF}">
-                  <a14:hiddenLine xmlns:a14="http://schemas.microsoft.com/office/drawing/2010/main" xmlns:p14="http://schemas.microsoft.com/office/powerpoint/2010/main" xmlns:a16="http://schemas.microsoft.com/office/drawing/2014/main" xmlns="" w="9525">
+                  <a14:hiddenLine xmlns="" xmlns:a16="http://schemas.microsoft.com/office/drawing/2014/main" xmlns:p14="http://schemas.microsoft.com/office/powerpoint/2010/main" xmlns:a14="http://schemas.microsoft.com/office/drawing/2010/main" w="9525">
                     <a:solidFill>
                       <a:srgbClr val="000000"/>
                     </a:solidFill>
@@ -20035,7 +20036,7 @@
               </a:ln>
               <a:extLst>
                 <a:ext uri="{91240B29-F687-4f45-9708-019B960494DF}">
-                  <a14:hiddenLine xmlns:a14="http://schemas.microsoft.com/office/drawing/2010/main" xmlns:p14="http://schemas.microsoft.com/office/powerpoint/2010/main" xmlns:a16="http://schemas.microsoft.com/office/drawing/2014/main" xmlns="" w="9525">
+                  <a14:hiddenLine xmlns="" xmlns:a16="http://schemas.microsoft.com/office/drawing/2014/main" xmlns:p14="http://schemas.microsoft.com/office/powerpoint/2010/main" xmlns:a14="http://schemas.microsoft.com/office/drawing/2010/main" w="9525">
                     <a:solidFill>
                       <a:srgbClr val="000000"/>
                     </a:solidFill>
@@ -20163,7 +20164,7 @@
               </a:ln>
               <a:extLst>
                 <a:ext uri="{91240B29-F687-4f45-9708-019B960494DF}">
-                  <a14:hiddenLine xmlns:a14="http://schemas.microsoft.com/office/drawing/2010/main" xmlns:p14="http://schemas.microsoft.com/office/powerpoint/2010/main" xmlns:a16="http://schemas.microsoft.com/office/drawing/2014/main" xmlns="" w="9525">
+                  <a14:hiddenLine xmlns="" xmlns:a16="http://schemas.microsoft.com/office/drawing/2014/main" xmlns:p14="http://schemas.microsoft.com/office/powerpoint/2010/main" xmlns:a14="http://schemas.microsoft.com/office/drawing/2010/main" w="9525">
                     <a:solidFill>
                       <a:srgbClr val="000000"/>
                     </a:solidFill>
@@ -20247,7 +20248,7 @@
               </a:ln>
               <a:extLst>
                 <a:ext uri="{91240B29-F687-4f45-9708-019B960494DF}">
-                  <a14:hiddenLine xmlns:a14="http://schemas.microsoft.com/office/drawing/2010/main" xmlns:p14="http://schemas.microsoft.com/office/powerpoint/2010/main" xmlns:a16="http://schemas.microsoft.com/office/drawing/2014/main" xmlns="" w="9525">
+                  <a14:hiddenLine xmlns="" xmlns:a16="http://schemas.microsoft.com/office/drawing/2014/main" xmlns:p14="http://schemas.microsoft.com/office/powerpoint/2010/main" xmlns:a14="http://schemas.microsoft.com/office/drawing/2010/main" w="9525">
                     <a:solidFill>
                       <a:srgbClr val="000000"/>
                     </a:solidFill>
@@ -20331,7 +20332,7 @@
               </a:ln>
               <a:extLst>
                 <a:ext uri="{91240B29-F687-4f45-9708-019B960494DF}">
-                  <a14:hiddenLine xmlns:a14="http://schemas.microsoft.com/office/drawing/2010/main" xmlns:p14="http://schemas.microsoft.com/office/powerpoint/2010/main" xmlns:a16="http://schemas.microsoft.com/office/drawing/2014/main" xmlns="" w="9525">
+                  <a14:hiddenLine xmlns="" xmlns:a16="http://schemas.microsoft.com/office/drawing/2014/main" xmlns:p14="http://schemas.microsoft.com/office/powerpoint/2010/main" xmlns:a14="http://schemas.microsoft.com/office/drawing/2010/main" w="9525">
                     <a:solidFill>
                       <a:srgbClr val="000000"/>
                     </a:solidFill>
@@ -20443,7 +20444,7 @@
               </a:ln>
               <a:extLst>
                 <a:ext uri="{91240B29-F687-4f45-9708-019B960494DF}">
-                  <a14:hiddenLine xmlns:a14="http://schemas.microsoft.com/office/drawing/2010/main" xmlns:p14="http://schemas.microsoft.com/office/powerpoint/2010/main" xmlns:a16="http://schemas.microsoft.com/office/drawing/2014/main" xmlns="" w="9525">
+                  <a14:hiddenLine xmlns="" xmlns:a16="http://schemas.microsoft.com/office/drawing/2014/main" xmlns:p14="http://schemas.microsoft.com/office/powerpoint/2010/main" xmlns:a14="http://schemas.microsoft.com/office/drawing/2010/main" w="9525">
                     <a:solidFill>
                       <a:srgbClr val="000000"/>
                     </a:solidFill>
@@ -20499,7 +20500,7 @@
               </a:ln>
               <a:extLst>
                 <a:ext uri="{91240B29-F687-4f45-9708-019B960494DF}">
-                  <a14:hiddenLine xmlns:a14="http://schemas.microsoft.com/office/drawing/2010/main" xmlns:p14="http://schemas.microsoft.com/office/powerpoint/2010/main" xmlns:a16="http://schemas.microsoft.com/office/drawing/2014/main" xmlns="" w="9525">
+                  <a14:hiddenLine xmlns="" xmlns:a16="http://schemas.microsoft.com/office/drawing/2014/main" xmlns:p14="http://schemas.microsoft.com/office/powerpoint/2010/main" xmlns:a14="http://schemas.microsoft.com/office/drawing/2010/main" w="9525">
                     <a:solidFill>
                       <a:srgbClr val="000000"/>
                     </a:solidFill>
@@ -20586,7 +20587,7 @@
               </a:ln>
               <a:extLst>
                 <a:ext uri="{91240B29-F687-4f45-9708-019B960494DF}">
-                  <a14:hiddenLine xmlns:a14="http://schemas.microsoft.com/office/drawing/2010/main" xmlns:p14="http://schemas.microsoft.com/office/powerpoint/2010/main" xmlns:a16="http://schemas.microsoft.com/office/drawing/2014/main" xmlns="" w="9525">
+                  <a14:hiddenLine xmlns="" xmlns:a16="http://schemas.microsoft.com/office/drawing/2014/main" xmlns:p14="http://schemas.microsoft.com/office/powerpoint/2010/main" xmlns:a14="http://schemas.microsoft.com/office/drawing/2010/main" w="9525">
                     <a:solidFill>
                       <a:srgbClr val="000000"/>
                     </a:solidFill>
@@ -20698,7 +20699,7 @@
               </a:ln>
               <a:extLst>
                 <a:ext uri="{91240B29-F687-4f45-9708-019B960494DF}">
-                  <a14:hiddenLine xmlns:a14="http://schemas.microsoft.com/office/drawing/2010/main" xmlns:p14="http://schemas.microsoft.com/office/powerpoint/2010/main" xmlns:a16="http://schemas.microsoft.com/office/drawing/2014/main" xmlns="" w="9525">
+                  <a14:hiddenLine xmlns="" xmlns:a16="http://schemas.microsoft.com/office/drawing/2014/main" xmlns:p14="http://schemas.microsoft.com/office/powerpoint/2010/main" xmlns:a14="http://schemas.microsoft.com/office/drawing/2010/main" w="9525">
                     <a:solidFill>
                       <a:srgbClr val="000000"/>
                     </a:solidFill>
@@ -20782,7 +20783,7 @@
               </a:ln>
               <a:extLst>
                 <a:ext uri="{91240B29-F687-4f45-9708-019B960494DF}">
-                  <a14:hiddenLine xmlns:a14="http://schemas.microsoft.com/office/drawing/2010/main" xmlns:p14="http://schemas.microsoft.com/office/powerpoint/2010/main" xmlns:a16="http://schemas.microsoft.com/office/drawing/2014/main" xmlns="" w="9525">
+                  <a14:hiddenLine xmlns="" xmlns:a16="http://schemas.microsoft.com/office/drawing/2014/main" xmlns:p14="http://schemas.microsoft.com/office/powerpoint/2010/main" xmlns:a14="http://schemas.microsoft.com/office/drawing/2010/main" w="9525">
                     <a:solidFill>
                       <a:srgbClr val="000000"/>
                     </a:solidFill>
@@ -20894,7 +20895,7 @@
               </a:ln>
               <a:extLst>
                 <a:ext uri="{91240B29-F687-4f45-9708-019B960494DF}">
-                  <a14:hiddenLine xmlns:a14="http://schemas.microsoft.com/office/drawing/2010/main" xmlns:p14="http://schemas.microsoft.com/office/powerpoint/2010/main" xmlns:a16="http://schemas.microsoft.com/office/drawing/2014/main" xmlns="" w="9525">
+                  <a14:hiddenLine xmlns="" xmlns:a16="http://schemas.microsoft.com/office/drawing/2014/main" xmlns:p14="http://schemas.microsoft.com/office/powerpoint/2010/main" xmlns:a14="http://schemas.microsoft.com/office/drawing/2010/main" w="9525">
                     <a:solidFill>
                       <a:srgbClr val="000000"/>
                     </a:solidFill>
@@ -20981,7 +20982,7 @@
               </a:ln>
               <a:extLst>
                 <a:ext uri="{91240B29-F687-4f45-9708-019B960494DF}">
-                  <a14:hiddenLine xmlns:a14="http://schemas.microsoft.com/office/drawing/2010/main" xmlns:p14="http://schemas.microsoft.com/office/powerpoint/2010/main" xmlns:a16="http://schemas.microsoft.com/office/drawing/2014/main" xmlns="" w="9525">
+                  <a14:hiddenLine xmlns="" xmlns:a16="http://schemas.microsoft.com/office/drawing/2014/main" xmlns:p14="http://schemas.microsoft.com/office/powerpoint/2010/main" xmlns:a14="http://schemas.microsoft.com/office/drawing/2010/main" w="9525">
                     <a:solidFill>
                       <a:srgbClr val="000000"/>
                     </a:solidFill>
@@ -21065,7 +21066,7 @@
               </a:ln>
               <a:extLst>
                 <a:ext uri="{91240B29-F687-4f45-9708-019B960494DF}">
-                  <a14:hiddenLine xmlns:a14="http://schemas.microsoft.com/office/drawing/2010/main" xmlns:p14="http://schemas.microsoft.com/office/powerpoint/2010/main" xmlns:a16="http://schemas.microsoft.com/office/drawing/2014/main" xmlns="" w="9525">
+                  <a14:hiddenLine xmlns="" xmlns:a16="http://schemas.microsoft.com/office/drawing/2014/main" xmlns:p14="http://schemas.microsoft.com/office/powerpoint/2010/main" xmlns:a14="http://schemas.microsoft.com/office/drawing/2010/main" w="9525">
                     <a:solidFill>
                       <a:srgbClr val="000000"/>
                     </a:solidFill>
@@ -21177,7 +21178,7 @@
               </a:ln>
               <a:extLst>
                 <a:ext uri="{91240B29-F687-4f45-9708-019B960494DF}">
-                  <a14:hiddenLine xmlns:a14="http://schemas.microsoft.com/office/drawing/2010/main" xmlns:p14="http://schemas.microsoft.com/office/powerpoint/2010/main" xmlns:a16="http://schemas.microsoft.com/office/drawing/2014/main" xmlns="" w="9525">
+                  <a14:hiddenLine xmlns="" xmlns:a16="http://schemas.microsoft.com/office/drawing/2014/main" xmlns:p14="http://schemas.microsoft.com/office/powerpoint/2010/main" xmlns:a14="http://schemas.microsoft.com/office/drawing/2010/main" w="9525">
                     <a:solidFill>
                       <a:srgbClr val="000000"/>
                     </a:solidFill>
@@ -21289,7 +21290,7 @@
               </a:ln>
               <a:extLst>
                 <a:ext uri="{91240B29-F687-4f45-9708-019B960494DF}">
-                  <a14:hiddenLine xmlns:a14="http://schemas.microsoft.com/office/drawing/2010/main" xmlns:p14="http://schemas.microsoft.com/office/powerpoint/2010/main" xmlns:a16="http://schemas.microsoft.com/office/drawing/2014/main" xmlns="" w="9525">
+                  <a14:hiddenLine xmlns="" xmlns:a16="http://schemas.microsoft.com/office/drawing/2014/main" xmlns:p14="http://schemas.microsoft.com/office/powerpoint/2010/main" xmlns:a14="http://schemas.microsoft.com/office/drawing/2010/main" w="9525">
                     <a:solidFill>
                       <a:srgbClr val="000000"/>
                     </a:solidFill>
@@ -21376,7 +21377,7 @@
               </a:ln>
               <a:extLst>
                 <a:ext uri="{91240B29-F687-4f45-9708-019B960494DF}">
-                  <a14:hiddenLine xmlns:a14="http://schemas.microsoft.com/office/drawing/2010/main" xmlns:p14="http://schemas.microsoft.com/office/powerpoint/2010/main" xmlns:a16="http://schemas.microsoft.com/office/drawing/2014/main" xmlns="" w="9525">
+                  <a14:hiddenLine xmlns="" xmlns:a16="http://schemas.microsoft.com/office/drawing/2014/main" xmlns:p14="http://schemas.microsoft.com/office/powerpoint/2010/main" xmlns:a14="http://schemas.microsoft.com/office/drawing/2010/main" w="9525">
                     <a:solidFill>
                       <a:srgbClr val="000000"/>
                     </a:solidFill>
@@ -21518,7 +21519,7 @@
               </a:ln>
               <a:extLst>
                 <a:ext uri="{91240B29-F687-4f45-9708-019B960494DF}">
-                  <a14:hiddenLine xmlns:a14="http://schemas.microsoft.com/office/drawing/2010/main" xmlns:p14="http://schemas.microsoft.com/office/powerpoint/2010/main" xmlns:a16="http://schemas.microsoft.com/office/drawing/2014/main" xmlns="" w="9525">
+                  <a14:hiddenLine xmlns="" xmlns:a16="http://schemas.microsoft.com/office/drawing/2014/main" xmlns:p14="http://schemas.microsoft.com/office/powerpoint/2010/main" xmlns:a14="http://schemas.microsoft.com/office/drawing/2010/main" w="9525">
                     <a:solidFill>
                       <a:srgbClr val="000000"/>
                     </a:solidFill>
@@ -21653,7 +21654,7 @@
               </a:ln>
               <a:extLst>
                 <a:ext uri="{91240B29-F687-4f45-9708-019B960494DF}">
-                  <a14:hiddenLine xmlns:a14="http://schemas.microsoft.com/office/drawing/2010/main" xmlns:p14="http://schemas.microsoft.com/office/powerpoint/2010/main" xmlns:a16="http://schemas.microsoft.com/office/drawing/2014/main" xmlns="" w="9525">
+                  <a14:hiddenLine xmlns="" xmlns:a16="http://schemas.microsoft.com/office/drawing/2014/main" xmlns:p14="http://schemas.microsoft.com/office/powerpoint/2010/main" xmlns:a14="http://schemas.microsoft.com/office/drawing/2010/main" w="9525">
                     <a:solidFill>
                       <a:srgbClr val="000000"/>
                     </a:solidFill>
@@ -21790,7 +21791,7 @@
               </a:ln>
               <a:extLst>
                 <a:ext uri="{91240B29-F687-4f45-9708-019B960494DF}">
-                  <a14:hiddenLine xmlns:a14="http://schemas.microsoft.com/office/drawing/2010/main" xmlns:p14="http://schemas.microsoft.com/office/powerpoint/2010/main" xmlns:a16="http://schemas.microsoft.com/office/drawing/2014/main" xmlns="" w="9525">
+                  <a14:hiddenLine xmlns="" xmlns:a16="http://schemas.microsoft.com/office/drawing/2014/main" xmlns:p14="http://schemas.microsoft.com/office/powerpoint/2010/main" xmlns:a14="http://schemas.microsoft.com/office/drawing/2010/main" w="9525">
                     <a:solidFill>
                       <a:srgbClr val="000000"/>
                     </a:solidFill>
@@ -21902,7 +21903,7 @@
               </a:ln>
               <a:extLst>
                 <a:ext uri="{91240B29-F687-4f45-9708-019B960494DF}">
-                  <a14:hiddenLine xmlns:a14="http://schemas.microsoft.com/office/drawing/2010/main" xmlns:p14="http://schemas.microsoft.com/office/powerpoint/2010/main" xmlns:a16="http://schemas.microsoft.com/office/drawing/2014/main" xmlns="" w="9525">
+                  <a14:hiddenLine xmlns="" xmlns:a16="http://schemas.microsoft.com/office/drawing/2014/main" xmlns:p14="http://schemas.microsoft.com/office/powerpoint/2010/main" xmlns:a14="http://schemas.microsoft.com/office/drawing/2010/main" w="9525">
                     <a:solidFill>
                       <a:srgbClr val="000000"/>
                     </a:solidFill>
@@ -21989,7 +21990,7 @@
               </a:ln>
               <a:extLst>
                 <a:ext uri="{91240B29-F687-4f45-9708-019B960494DF}">
-                  <a14:hiddenLine xmlns:a14="http://schemas.microsoft.com/office/drawing/2010/main" xmlns:p14="http://schemas.microsoft.com/office/powerpoint/2010/main" xmlns:a16="http://schemas.microsoft.com/office/drawing/2014/main" xmlns="" w="9525">
+                  <a14:hiddenLine xmlns="" xmlns:a16="http://schemas.microsoft.com/office/drawing/2014/main" xmlns:p14="http://schemas.microsoft.com/office/powerpoint/2010/main" xmlns:a14="http://schemas.microsoft.com/office/drawing/2010/main" w="9525">
                     <a:solidFill>
                       <a:srgbClr val="000000"/>
                     </a:solidFill>
@@ -22101,7 +22102,7 @@
               </a:ln>
               <a:extLst>
                 <a:ext uri="{91240B29-F687-4f45-9708-019B960494DF}">
-                  <a14:hiddenLine xmlns:a14="http://schemas.microsoft.com/office/drawing/2010/main" xmlns:p14="http://schemas.microsoft.com/office/powerpoint/2010/main" xmlns:a16="http://schemas.microsoft.com/office/drawing/2014/main" xmlns="" w="9525">
+                  <a14:hiddenLine xmlns="" xmlns:a16="http://schemas.microsoft.com/office/drawing/2014/main" xmlns:p14="http://schemas.microsoft.com/office/powerpoint/2010/main" xmlns:a14="http://schemas.microsoft.com/office/drawing/2010/main" w="9525">
                     <a:solidFill>
                       <a:srgbClr val="000000"/>
                     </a:solidFill>
@@ -22191,7 +22192,7 @@
               </a:ln>
               <a:extLst>
                 <a:ext uri="{91240B29-F687-4f45-9708-019B960494DF}">
-                  <a14:hiddenLine xmlns:a14="http://schemas.microsoft.com/office/drawing/2010/main" xmlns:p14="http://schemas.microsoft.com/office/powerpoint/2010/main" xmlns:a16="http://schemas.microsoft.com/office/drawing/2014/main" xmlns="" w="9525">
+                  <a14:hiddenLine xmlns="" xmlns:a16="http://schemas.microsoft.com/office/drawing/2014/main" xmlns:p14="http://schemas.microsoft.com/office/powerpoint/2010/main" xmlns:a14="http://schemas.microsoft.com/office/drawing/2010/main" w="9525">
                     <a:solidFill>
                       <a:srgbClr val="000000"/>
                     </a:solidFill>
@@ -22303,7 +22304,7 @@
               </a:ln>
               <a:extLst>
                 <a:ext uri="{91240B29-F687-4f45-9708-019B960494DF}">
-                  <a14:hiddenLine xmlns:a14="http://schemas.microsoft.com/office/drawing/2010/main" xmlns:p14="http://schemas.microsoft.com/office/powerpoint/2010/main" xmlns:a16="http://schemas.microsoft.com/office/drawing/2014/main" xmlns="" w="9525">
+                  <a14:hiddenLine xmlns="" xmlns:a16="http://schemas.microsoft.com/office/drawing/2014/main" xmlns:p14="http://schemas.microsoft.com/office/powerpoint/2010/main" xmlns:a14="http://schemas.microsoft.com/office/drawing/2010/main" w="9525">
                     <a:solidFill>
                       <a:srgbClr val="000000"/>
                     </a:solidFill>
@@ -22393,7 +22394,7 @@
               </a:ln>
               <a:extLst>
                 <a:ext uri="{91240B29-F687-4f45-9708-019B960494DF}">
-                  <a14:hiddenLine xmlns:a14="http://schemas.microsoft.com/office/drawing/2010/main" xmlns:p14="http://schemas.microsoft.com/office/powerpoint/2010/main" xmlns:a16="http://schemas.microsoft.com/office/drawing/2014/main" xmlns="" w="9525">
+                  <a14:hiddenLine xmlns="" xmlns:a16="http://schemas.microsoft.com/office/drawing/2014/main" xmlns:p14="http://schemas.microsoft.com/office/powerpoint/2010/main" xmlns:a14="http://schemas.microsoft.com/office/drawing/2010/main" w="9525">
                     <a:solidFill>
                       <a:srgbClr val="000000"/>
                     </a:solidFill>
@@ -22505,7 +22506,7 @@
               </a:ln>
               <a:extLst>
                 <a:ext uri="{91240B29-F687-4f45-9708-019B960494DF}">
-                  <a14:hiddenLine xmlns:a14="http://schemas.microsoft.com/office/drawing/2010/main" xmlns:p14="http://schemas.microsoft.com/office/powerpoint/2010/main" xmlns:a16="http://schemas.microsoft.com/office/drawing/2014/main" xmlns="" w="9525">
+                  <a14:hiddenLine xmlns="" xmlns:a16="http://schemas.microsoft.com/office/drawing/2014/main" xmlns:p14="http://schemas.microsoft.com/office/powerpoint/2010/main" xmlns:a14="http://schemas.microsoft.com/office/drawing/2010/main" w="9525">
                     <a:solidFill>
                       <a:srgbClr val="000000"/>
                     </a:solidFill>
@@ -22561,7 +22562,7 @@
               </a:ln>
               <a:extLst>
                 <a:ext uri="{91240B29-F687-4f45-9708-019B960494DF}">
-                  <a14:hiddenLine xmlns:a14="http://schemas.microsoft.com/office/drawing/2010/main" xmlns:p14="http://schemas.microsoft.com/office/powerpoint/2010/main" xmlns:a16="http://schemas.microsoft.com/office/drawing/2014/main" xmlns="" w="9525">
+                  <a14:hiddenLine xmlns="" xmlns:a16="http://schemas.microsoft.com/office/drawing/2014/main" xmlns:p14="http://schemas.microsoft.com/office/powerpoint/2010/main" xmlns:a14="http://schemas.microsoft.com/office/drawing/2010/main" w="9525">
                     <a:solidFill>
                       <a:srgbClr val="000000"/>
                     </a:solidFill>
@@ -22630,7 +22631,7 @@
           <a:noFill/>
           <a:extLst>
             <a:ext uri="{909E8E84-426E-40dd-AFC4-6F175D3DCCD1}">
-              <a14:hiddenFill xmlns:a14="http://schemas.microsoft.com/office/drawing/2010/main" xmlns:p14="http://schemas.microsoft.com/office/powerpoint/2010/main" xmlns:a16="http://schemas.microsoft.com/office/drawing/2014/main" xmlns="">
+              <a14:hiddenFill xmlns="" xmlns:a16="http://schemas.microsoft.com/office/drawing/2014/main" xmlns:p14="http://schemas.microsoft.com/office/powerpoint/2010/main" xmlns:a14="http://schemas.microsoft.com/office/drawing/2010/main">
                 <a:solidFill>
                   <a:srgbClr val="FFFFFF"/>
                 </a:solidFill>
@@ -27544,9 +27545,52 @@
           <a:bodyPr/>
           <a:lstStyle/>
           <a:p>
-            <a:pPr marL="0" indent="0">
-              <a:buNone/>
-            </a:pPr>
+            <a:r>
+              <a:rPr lang="en-GB" dirty="0"/>
+              <a:t>85% accuracy was achieved after optimising with RFE.</a:t>
+            </a:r>
+          </a:p>
+          <a:p>
+            <a:r>
+              <a:rPr lang="en-GB" dirty="0"/>
+              <a:t>Feature importance selection was fairly balanced throughout.</a:t>
+            </a:r>
+          </a:p>
+          <a:p>
+            <a:r>
+              <a:rPr lang="en-GB" dirty="0"/>
+              <a:t>Further analysis ideas:</a:t>
+            </a:r>
+          </a:p>
+          <a:p>
+            <a:pPr lvl="1"/>
+            <a:r>
+              <a:rPr lang="en-GB" dirty="0"/>
+              <a:t>“Binning” data</a:t>
+            </a:r>
+          </a:p>
+          <a:p>
+            <a:pPr lvl="1"/>
+            <a:r>
+              <a:rPr lang="en-GB" dirty="0"/>
+              <a:t>Selecting more features.</a:t>
+            </a:r>
+          </a:p>
+          <a:p>
+            <a:pPr lvl="1"/>
+            <a:r>
+              <a:rPr lang="en-GB" dirty="0"/>
+              <a:t>Closer look at pre-processing?</a:t>
+            </a:r>
+          </a:p>
+          <a:p>
+            <a:pPr lvl="1"/>
+            <a:r>
+              <a:rPr lang="en-GB" dirty="0"/>
+              <a:t>Combining methods</a:t>
+            </a:r>
+          </a:p>
+          <a:p>
             <a:endParaRPr lang="en-GB" dirty="0"/>
           </a:p>
         </p:txBody>
@@ -27555,6 +27599,89 @@
     <p:extLst>
       <p:ext uri="{BB962C8B-B14F-4D97-AF65-F5344CB8AC3E}">
         <p14:creationId xmlns:p14="http://schemas.microsoft.com/office/powerpoint/2010/main" val="246076321"/>
+      </p:ext>
+    </p:extLst>
+  </p:cSld>
+  <p:clrMapOvr>
+    <a:masterClrMapping/>
+  </p:clrMapOvr>
+</p:sld>
+</file>
+
+<file path=ppt/slides/slide29.xml><?xml version="1.0" encoding="utf-8"?>
+<p:sld xmlns:a="http://schemas.openxmlformats.org/drawingml/2006/main" xmlns:r="http://schemas.openxmlformats.org/officeDocument/2006/relationships" xmlns:p="http://schemas.openxmlformats.org/presentationml/2006/main">
+  <p:cSld>
+    <p:spTree>
+      <p:nvGrpSpPr>
+        <p:cNvPr id="1" name=""/>
+        <p:cNvGrpSpPr/>
+        <p:nvPr/>
+      </p:nvGrpSpPr>
+      <p:grpSpPr>
+        <a:xfrm>
+          <a:off x="0" y="0"/>
+          <a:ext cx="0" cy="0"/>
+          <a:chOff x="0" y="0"/>
+          <a:chExt cx="0" cy="0"/>
+        </a:xfrm>
+      </p:grpSpPr>
+      <p:sp>
+        <p:nvSpPr>
+          <p:cNvPr id="4" name="Title 3">
+            <a:extLst>
+              <a:ext uri="{FF2B5EF4-FFF2-40B4-BE49-F238E27FC236}">
+                <a16:creationId xmlns:a16="http://schemas.microsoft.com/office/drawing/2014/main" id="{C076EF4F-A9F3-FA63-7D8D-9CC133F87C5D}"/>
+              </a:ext>
+            </a:extLst>
+          </p:cNvPr>
+          <p:cNvSpPr>
+            <a:spLocks noGrp="1"/>
+          </p:cNvSpPr>
+          <p:nvPr>
+            <p:ph type="title"/>
+          </p:nvPr>
+        </p:nvSpPr>
+        <p:spPr/>
+        <p:txBody>
+          <a:bodyPr/>
+          <a:lstStyle/>
+          <a:p>
+            <a:r>
+              <a:rPr lang="en-GB" dirty="0"/>
+              <a:t>Thanks for Watching!</a:t>
+            </a:r>
+          </a:p>
+        </p:txBody>
+      </p:sp>
+      <p:sp>
+        <p:nvSpPr>
+          <p:cNvPr id="5" name="Text Placeholder 4">
+            <a:extLst>
+              <a:ext uri="{FF2B5EF4-FFF2-40B4-BE49-F238E27FC236}">
+                <a16:creationId xmlns:a16="http://schemas.microsoft.com/office/drawing/2014/main" id="{0A907B8A-E98A-1DAE-8EE9-353EF11AC1EC}"/>
+              </a:ext>
+            </a:extLst>
+          </p:cNvPr>
+          <p:cNvSpPr>
+            <a:spLocks noGrp="1"/>
+          </p:cNvSpPr>
+          <p:nvPr>
+            <p:ph type="body" sz="half" idx="2"/>
+          </p:nvPr>
+        </p:nvSpPr>
+        <p:spPr/>
+        <p:txBody>
+          <a:bodyPr/>
+          <a:lstStyle/>
+          <a:p>
+            <a:endParaRPr lang="en-GB"/>
+          </a:p>
+        </p:txBody>
+      </p:sp>
+    </p:spTree>
+    <p:extLst>
+      <p:ext uri="{BB962C8B-B14F-4D97-AF65-F5344CB8AC3E}">
+        <p14:creationId xmlns:p14="http://schemas.microsoft.com/office/powerpoint/2010/main" val="2505472080"/>
       </p:ext>
     </p:extLst>
   </p:cSld>
